--- a/static/images/k8s-ecosystem-container-runtimes/container-runtime.pptx
+++ b/static/images/k8s-ecosystem-container-runtimes/container-runtime.pptx
@@ -11,11 +11,13 @@
     <p:sldId id="261" r:id="rId5"/>
     <p:sldId id="262" r:id="rId6"/>
     <p:sldId id="263" r:id="rId7"/>
-    <p:sldId id="264" r:id="rId8"/>
-    <p:sldId id="265" r:id="rId9"/>
-    <p:sldId id="267" r:id="rId10"/>
-    <p:sldId id="268" r:id="rId11"/>
-    <p:sldId id="269" r:id="rId12"/>
+    <p:sldId id="271" r:id="rId8"/>
+    <p:sldId id="264" r:id="rId9"/>
+    <p:sldId id="265" r:id="rId10"/>
+    <p:sldId id="267" r:id="rId11"/>
+    <p:sldId id="268" r:id="rId12"/>
+    <p:sldId id="269" r:id="rId13"/>
+    <p:sldId id="270" r:id="rId14"/>
   </p:sldIdLst>
   <p:sldSz cx="9144000" cy="51206400"/>
   <p:notesSz cx="6858000" cy="9144000"/>
@@ -298,7 +300,7 @@
           <a:p>
             <a:fld id="{1C257373-2D96-432C-8559-9F0547ADC7C2}" type="datetimeFigureOut">
               <a:rPr kumimoji="1" lang="ja-JP" altLang="en-US" smtClean="0"/>
-              <a:t>2019/6/15</a:t>
+              <a:t>2019/6/16</a:t>
             </a:fld>
             <a:endParaRPr kumimoji="1" lang="ja-JP" altLang="en-US"/>
           </a:p>
@@ -500,7 +502,7 @@
           <a:p>
             <a:fld id="{1C257373-2D96-432C-8559-9F0547ADC7C2}" type="datetimeFigureOut">
               <a:rPr kumimoji="1" lang="ja-JP" altLang="en-US" smtClean="0"/>
-              <a:t>2019/6/15</a:t>
+              <a:t>2019/6/16</a:t>
             </a:fld>
             <a:endParaRPr kumimoji="1" lang="ja-JP" altLang="en-US"/>
           </a:p>
@@ -712,7 +714,7 @@
           <a:p>
             <a:fld id="{1C257373-2D96-432C-8559-9F0547ADC7C2}" type="datetimeFigureOut">
               <a:rPr kumimoji="1" lang="ja-JP" altLang="en-US" smtClean="0"/>
-              <a:t>2019/6/15</a:t>
+              <a:t>2019/6/16</a:t>
             </a:fld>
             <a:endParaRPr kumimoji="1" lang="ja-JP" altLang="en-US"/>
           </a:p>
@@ -914,7 +916,7 @@
           <a:p>
             <a:fld id="{1C257373-2D96-432C-8559-9F0547ADC7C2}" type="datetimeFigureOut">
               <a:rPr kumimoji="1" lang="ja-JP" altLang="en-US" smtClean="0"/>
-              <a:t>2019/6/15</a:t>
+              <a:t>2019/6/16</a:t>
             </a:fld>
             <a:endParaRPr kumimoji="1" lang="ja-JP" altLang="en-US"/>
           </a:p>
@@ -1160,7 +1162,7 @@
           <a:p>
             <a:fld id="{1C257373-2D96-432C-8559-9F0547ADC7C2}" type="datetimeFigureOut">
               <a:rPr kumimoji="1" lang="ja-JP" altLang="en-US" smtClean="0"/>
-              <a:t>2019/6/15</a:t>
+              <a:t>2019/6/16</a:t>
             </a:fld>
             <a:endParaRPr kumimoji="1" lang="ja-JP" altLang="en-US"/>
           </a:p>
@@ -1512,7 +1514,7 @@
           <a:p>
             <a:fld id="{1C257373-2D96-432C-8559-9F0547ADC7C2}" type="datetimeFigureOut">
               <a:rPr kumimoji="1" lang="ja-JP" altLang="en-US" smtClean="0"/>
-              <a:t>2019/6/15</a:t>
+              <a:t>2019/6/16</a:t>
             </a:fld>
             <a:endParaRPr kumimoji="1" lang="ja-JP" altLang="en-US"/>
           </a:p>
@@ -1998,7 +2000,7 @@
           <a:p>
             <a:fld id="{1C257373-2D96-432C-8559-9F0547ADC7C2}" type="datetimeFigureOut">
               <a:rPr kumimoji="1" lang="ja-JP" altLang="en-US" smtClean="0"/>
-              <a:t>2019/6/15</a:t>
+              <a:t>2019/6/16</a:t>
             </a:fld>
             <a:endParaRPr kumimoji="1" lang="ja-JP" altLang="en-US"/>
           </a:p>
@@ -2116,7 +2118,7 @@
           <a:p>
             <a:fld id="{1C257373-2D96-432C-8559-9F0547ADC7C2}" type="datetimeFigureOut">
               <a:rPr kumimoji="1" lang="ja-JP" altLang="en-US" smtClean="0"/>
-              <a:t>2019/6/15</a:t>
+              <a:t>2019/6/16</a:t>
             </a:fld>
             <a:endParaRPr kumimoji="1" lang="ja-JP" altLang="en-US"/>
           </a:p>
@@ -2211,7 +2213,7 @@
           <a:p>
             <a:fld id="{1C257373-2D96-432C-8559-9F0547ADC7C2}" type="datetimeFigureOut">
               <a:rPr kumimoji="1" lang="ja-JP" altLang="en-US" smtClean="0"/>
-              <a:t>2019/6/15</a:t>
+              <a:t>2019/6/16</a:t>
             </a:fld>
             <a:endParaRPr kumimoji="1" lang="ja-JP" altLang="en-US"/>
           </a:p>
@@ -2520,7 +2522,7 @@
           <a:p>
             <a:fld id="{1C257373-2D96-432C-8559-9F0547ADC7C2}" type="datetimeFigureOut">
               <a:rPr kumimoji="1" lang="ja-JP" altLang="en-US" smtClean="0"/>
-              <a:t>2019/6/15</a:t>
+              <a:t>2019/6/16</a:t>
             </a:fld>
             <a:endParaRPr kumimoji="1" lang="ja-JP" altLang="en-US"/>
           </a:p>
@@ -2773,7 +2775,7 @@
           <a:p>
             <a:fld id="{1C257373-2D96-432C-8559-9F0547ADC7C2}" type="datetimeFigureOut">
               <a:rPr kumimoji="1" lang="ja-JP" altLang="en-US" smtClean="0"/>
-              <a:t>2019/6/15</a:t>
+              <a:t>2019/6/16</a:t>
             </a:fld>
             <a:endParaRPr kumimoji="1" lang="ja-JP" altLang="en-US"/>
           </a:p>
@@ -3018,7 +3020,7 @@
           <a:p>
             <a:fld id="{1C257373-2D96-432C-8559-9F0547ADC7C2}" type="datetimeFigureOut">
               <a:rPr kumimoji="1" lang="ja-JP" altLang="en-US" smtClean="0"/>
-              <a:t>2019/6/15</a:t>
+              <a:t>2019/6/16</a:t>
             </a:fld>
             <a:endParaRPr kumimoji="1" lang="ja-JP" altLang="en-US"/>
           </a:p>
@@ -4210,7 +4212,7 @@
         </p:nvGrpSpPr>
         <p:grpSpPr>
           <a:xfrm>
-            <a:off x="1926642" y="9826533"/>
+            <a:off x="1926642" y="14022161"/>
             <a:ext cx="1665841" cy="1408370"/>
             <a:chOff x="707393" y="6331953"/>
             <a:chExt cx="1665841" cy="1408370"/>
@@ -4320,6 +4322,278 @@
           </p:txBody>
         </p:sp>
       </p:grpSp>
+      <p:cxnSp>
+        <p:nvCxnSpPr>
+          <p:cNvPr id="61" name="カギ線コネクタ 60"/>
+          <p:cNvCxnSpPr>
+            <a:stCxn id="53" idx="2"/>
+            <a:endCxn id="86" idx="0"/>
+          </p:cNvCxnSpPr>
+          <p:nvPr/>
+        </p:nvCxnSpPr>
+        <p:spPr>
+          <a:xfrm rot="5400000">
+            <a:off x="3261411" y="6628590"/>
+            <a:ext cx="694736" cy="1683917"/>
+          </a:xfrm>
+          <a:prstGeom prst="bentConnector3">
+            <a:avLst>
+              <a:gd name="adj1" fmla="val 50000"/>
+            </a:avLst>
+          </a:prstGeom>
+          <a:ln w="25400">
+            <a:tailEnd type="triangle" w="lg" len="lg"/>
+          </a:ln>
+        </p:spPr>
+        <p:style>
+          <a:lnRef idx="1">
+            <a:schemeClr val="accent5"/>
+          </a:lnRef>
+          <a:fillRef idx="0">
+            <a:schemeClr val="accent5"/>
+          </a:fillRef>
+          <a:effectRef idx="0">
+            <a:schemeClr val="accent5"/>
+          </a:effectRef>
+          <a:fontRef idx="minor">
+            <a:schemeClr val="tx1"/>
+          </a:fontRef>
+        </p:style>
+      </p:cxnSp>
+      <p:grpSp>
+        <p:nvGrpSpPr>
+          <p:cNvPr id="62" name="グループ化 61"/>
+          <p:cNvGrpSpPr/>
+          <p:nvPr/>
+        </p:nvGrpSpPr>
+        <p:grpSpPr>
+          <a:xfrm>
+            <a:off x="1492164" y="8641772"/>
+            <a:ext cx="2534796" cy="1913421"/>
+            <a:chOff x="1533148" y="4392608"/>
+            <a:chExt cx="2534796" cy="1913421"/>
+          </a:xfrm>
+        </p:grpSpPr>
+        <p:sp>
+          <p:nvSpPr>
+            <p:cNvPr id="68" name="テキスト ボックス 67"/>
+            <p:cNvSpPr txBox="1"/>
+            <p:nvPr/>
+          </p:nvSpPr>
+          <p:spPr>
+            <a:xfrm>
+              <a:off x="1732664" y="5677768"/>
+              <a:ext cx="2185214" cy="523220"/>
+            </a:xfrm>
+            <a:prstGeom prst="rect">
+              <a:avLst/>
+            </a:prstGeom>
+            <a:noFill/>
+          </p:spPr>
+          <p:txBody>
+            <a:bodyPr wrap="none" rtlCol="0">
+              <a:spAutoFit/>
+            </a:bodyPr>
+            <a:lstStyle/>
+            <a:p>
+              <a:r>
+                <a:rPr lang="en-US" altLang="ja-JP" sz="2800" dirty="0">
+                  <a:solidFill>
+                    <a:schemeClr val="tx1">
+                      <a:lumMod val="75000"/>
+                      <a:lumOff val="25000"/>
+                    </a:schemeClr>
+                  </a:solidFill>
+                  <a:latin typeface="Arial" panose="020B0604020202020204" pitchFamily="34" charset="0"/>
+                  <a:cs typeface="Arial" panose="020B0604020202020204" pitchFamily="34" charset="0"/>
+                </a:rPr>
+                <a:t>k</a:t>
+              </a:r>
+              <a:r>
+                <a:rPr kumimoji="1" lang="en-US" altLang="ja-JP" sz="2800" dirty="0" smtClean="0">
+                  <a:solidFill>
+                    <a:schemeClr val="tx1">
+                      <a:lumMod val="75000"/>
+                      <a:lumOff val="25000"/>
+                    </a:schemeClr>
+                  </a:solidFill>
+                  <a:latin typeface="Arial" panose="020B0604020202020204" pitchFamily="34" charset="0"/>
+                  <a:cs typeface="Arial" panose="020B0604020202020204" pitchFamily="34" charset="0"/>
+                </a:rPr>
+                <a:t>ata-runtime</a:t>
+              </a:r>
+              <a:endParaRPr kumimoji="1" lang="ja-JP" altLang="en-US" sz="2800" dirty="0">
+                <a:solidFill>
+                  <a:schemeClr val="tx1">
+                    <a:lumMod val="75000"/>
+                    <a:lumOff val="25000"/>
+                  </a:schemeClr>
+                </a:solidFill>
+                <a:latin typeface="Arial" panose="020B0604020202020204" pitchFamily="34" charset="0"/>
+                <a:cs typeface="Arial" panose="020B0604020202020204" pitchFamily="34" charset="0"/>
+              </a:endParaRPr>
+            </a:p>
+          </p:txBody>
+        </p:sp>
+        <p:grpSp>
+          <p:nvGrpSpPr>
+            <p:cNvPr id="64" name="グループ化 63"/>
+            <p:cNvGrpSpPr/>
+            <p:nvPr/>
+          </p:nvGrpSpPr>
+          <p:grpSpPr>
+            <a:xfrm>
+              <a:off x="1533148" y="4392608"/>
+              <a:ext cx="2534796" cy="1913421"/>
+              <a:chOff x="2901300" y="4435876"/>
+              <a:chExt cx="2534796" cy="1913421"/>
+            </a:xfrm>
+          </p:grpSpPr>
+          <p:sp>
+            <p:nvSpPr>
+              <p:cNvPr id="65" name="角丸四角形 64"/>
+              <p:cNvSpPr/>
+              <p:nvPr/>
+            </p:nvSpPr>
+            <p:spPr>
+              <a:xfrm>
+                <a:off x="2915816" y="4464905"/>
+                <a:ext cx="2520280" cy="1884392"/>
+              </a:xfrm>
+              <a:prstGeom prst="roundRect">
+                <a:avLst>
+                  <a:gd name="adj" fmla="val 13586"/>
+                </a:avLst>
+              </a:prstGeom>
+              <a:noFill/>
+              <a:ln>
+                <a:prstDash val="dash"/>
+              </a:ln>
+            </p:spPr>
+            <p:style>
+              <a:lnRef idx="2">
+                <a:schemeClr val="accent5"/>
+              </a:lnRef>
+              <a:fillRef idx="1">
+                <a:schemeClr val="lt1"/>
+              </a:fillRef>
+              <a:effectRef idx="0">
+                <a:schemeClr val="accent5"/>
+              </a:effectRef>
+              <a:fontRef idx="minor">
+                <a:schemeClr val="dk1"/>
+              </a:fontRef>
+            </p:style>
+            <p:txBody>
+              <a:bodyPr rtlCol="0" anchor="ctr"/>
+              <a:lstStyle/>
+              <a:p>
+                <a:pPr algn="ctr"/>
+                <a:endParaRPr kumimoji="1" lang="ja-JP" altLang="en-US"/>
+              </a:p>
+            </p:txBody>
+          </p:sp>
+          <p:sp>
+            <p:nvSpPr>
+              <p:cNvPr id="66" name="対角する 2 つの角を丸めた四角形 65"/>
+              <p:cNvSpPr/>
+              <p:nvPr/>
+            </p:nvSpPr>
+            <p:spPr>
+              <a:xfrm>
+                <a:off x="2901300" y="4435876"/>
+                <a:ext cx="1332000" cy="288000"/>
+              </a:xfrm>
+              <a:prstGeom prst="round2DiagRect">
+                <a:avLst/>
+              </a:prstGeom>
+              <a:effectLst/>
+            </p:spPr>
+            <p:style>
+              <a:lnRef idx="1">
+                <a:schemeClr val="accent5"/>
+              </a:lnRef>
+              <a:fillRef idx="2">
+                <a:schemeClr val="accent5"/>
+              </a:fillRef>
+              <a:effectRef idx="1">
+                <a:schemeClr val="accent5"/>
+              </a:effectRef>
+              <a:fontRef idx="minor">
+                <a:schemeClr val="dk1"/>
+              </a:fontRef>
+            </p:style>
+            <p:txBody>
+              <a:bodyPr wrap="none" lIns="36000" tIns="36000" rIns="36000" bIns="36000" rtlCol="0" anchor="ctr"/>
+              <a:lstStyle/>
+              <a:p>
+                <a:pPr algn="ctr">
+                  <a:lnSpc>
+                    <a:spcPts val="1460"/>
+                  </a:lnSpc>
+                </a:pPr>
+                <a:r>
+                  <a:rPr kumimoji="1" lang="en-US" altLang="ja-JP" dirty="0" smtClean="0">
+                    <a:solidFill>
+                      <a:schemeClr val="tx1">
+                        <a:lumMod val="75000"/>
+                        <a:lumOff val="25000"/>
+                      </a:schemeClr>
+                    </a:solidFill>
+                  </a:rPr>
+                  <a:t>OCI Runtime</a:t>
+                </a:r>
+                <a:endParaRPr kumimoji="1" lang="ja-JP" altLang="en-US" dirty="0">
+                  <a:solidFill>
+                    <a:schemeClr val="tx1">
+                      <a:lumMod val="75000"/>
+                      <a:lumOff val="25000"/>
+                    </a:schemeClr>
+                  </a:solidFill>
+                </a:endParaRPr>
+              </a:p>
+            </p:txBody>
+          </p:sp>
+        </p:grpSp>
+      </p:grpSp>
+      <p:cxnSp>
+        <p:nvCxnSpPr>
+          <p:cNvPr id="69" name="カギ線コネクタ 68"/>
+          <p:cNvCxnSpPr>
+            <a:stCxn id="53" idx="2"/>
+            <a:endCxn id="87" idx="0"/>
+          </p:cNvCxnSpPr>
+          <p:nvPr/>
+        </p:nvCxnSpPr>
+        <p:spPr>
+          <a:xfrm rot="16200000" flipH="1">
+            <a:off x="4917594" y="6656322"/>
+            <a:ext cx="694736" cy="1628451"/>
+          </a:xfrm>
+          <a:prstGeom prst="bentConnector3">
+            <a:avLst>
+              <a:gd name="adj1" fmla="val 50000"/>
+            </a:avLst>
+          </a:prstGeom>
+          <a:ln w="25400">
+            <a:tailEnd type="triangle" w="lg" len="lg"/>
+          </a:ln>
+        </p:spPr>
+        <p:style>
+          <a:lnRef idx="1">
+            <a:schemeClr val="accent5"/>
+          </a:lnRef>
+          <a:fillRef idx="0">
+            <a:schemeClr val="accent5"/>
+          </a:fillRef>
+          <a:effectRef idx="0">
+            <a:schemeClr val="accent5"/>
+          </a:effectRef>
+          <a:fontRef idx="minor">
+            <a:schemeClr val="tx1"/>
+          </a:fontRef>
+        </p:style>
+      </p:cxnSp>
       <p:grpSp>
         <p:nvGrpSpPr>
           <p:cNvPr id="71" name="グループ化 70"/>
@@ -4328,7 +4602,7 @@
         </p:nvGrpSpPr>
         <p:grpSpPr>
           <a:xfrm>
-            <a:off x="5239010" y="9826533"/>
+            <a:off x="5239010" y="14022161"/>
             <a:ext cx="1665841" cy="977483"/>
             <a:chOff x="707393" y="6331953"/>
             <a:chExt cx="1665841" cy="977483"/>
@@ -4424,13 +4698,196 @@
       </p:grpSp>
       <p:grpSp>
         <p:nvGrpSpPr>
-          <p:cNvPr id="83" name="グループ化 82"/>
+          <p:cNvPr id="75" name="グループ化 74"/>
           <p:cNvGrpSpPr/>
           <p:nvPr/>
         </p:nvGrpSpPr>
         <p:grpSpPr>
           <a:xfrm>
-            <a:off x="1506680" y="9454244"/>
+            <a:off x="4804532" y="8641772"/>
+            <a:ext cx="2534796" cy="1913421"/>
+            <a:chOff x="4845516" y="4374228"/>
+            <a:chExt cx="2534796" cy="1913421"/>
+          </a:xfrm>
+        </p:grpSpPr>
+        <p:sp>
+          <p:nvSpPr>
+            <p:cNvPr id="81" name="テキスト ボックス 80"/>
+            <p:cNvSpPr txBox="1"/>
+            <p:nvPr/>
+          </p:nvSpPr>
+          <p:spPr>
+            <a:xfrm>
+              <a:off x="5020058" y="5659388"/>
+              <a:ext cx="2185214" cy="523220"/>
+            </a:xfrm>
+            <a:prstGeom prst="rect">
+              <a:avLst/>
+            </a:prstGeom>
+            <a:noFill/>
+          </p:spPr>
+          <p:txBody>
+            <a:bodyPr wrap="none" rtlCol="0">
+              <a:spAutoFit/>
+            </a:bodyPr>
+            <a:lstStyle/>
+            <a:p>
+              <a:r>
+                <a:rPr lang="en-US" altLang="ja-JP" sz="2800" dirty="0" smtClean="0">
+                  <a:solidFill>
+                    <a:schemeClr val="tx1">
+                      <a:lumMod val="75000"/>
+                      <a:lumOff val="25000"/>
+                    </a:schemeClr>
+                  </a:solidFill>
+                  <a:latin typeface="Arial" panose="020B0604020202020204" pitchFamily="34" charset="0"/>
+                  <a:cs typeface="Arial" panose="020B0604020202020204" pitchFamily="34" charset="0"/>
+                </a:rPr>
+                <a:t>kata-runtime</a:t>
+              </a:r>
+              <a:endParaRPr kumimoji="1" lang="ja-JP" altLang="en-US" sz="2800" dirty="0">
+                <a:solidFill>
+                  <a:schemeClr val="tx1">
+                    <a:lumMod val="75000"/>
+                    <a:lumOff val="25000"/>
+                  </a:schemeClr>
+                </a:solidFill>
+                <a:latin typeface="Arial" panose="020B0604020202020204" pitchFamily="34" charset="0"/>
+                <a:cs typeface="Arial" panose="020B0604020202020204" pitchFamily="34" charset="0"/>
+              </a:endParaRPr>
+            </a:p>
+          </p:txBody>
+        </p:sp>
+        <p:grpSp>
+          <p:nvGrpSpPr>
+            <p:cNvPr id="77" name="グループ化 76"/>
+            <p:cNvGrpSpPr/>
+            <p:nvPr/>
+          </p:nvGrpSpPr>
+          <p:grpSpPr>
+            <a:xfrm>
+              <a:off x="4845516" y="4374228"/>
+              <a:ext cx="2534796" cy="1913421"/>
+              <a:chOff x="2901300" y="4435876"/>
+              <a:chExt cx="2534796" cy="1913421"/>
+            </a:xfrm>
+          </p:grpSpPr>
+          <p:sp>
+            <p:nvSpPr>
+              <p:cNvPr id="78" name="角丸四角形 77"/>
+              <p:cNvSpPr/>
+              <p:nvPr/>
+            </p:nvSpPr>
+            <p:spPr>
+              <a:xfrm>
+                <a:off x="2915816" y="4464905"/>
+                <a:ext cx="2520280" cy="1884392"/>
+              </a:xfrm>
+              <a:prstGeom prst="roundRect">
+                <a:avLst>
+                  <a:gd name="adj" fmla="val 13586"/>
+                </a:avLst>
+              </a:prstGeom>
+              <a:noFill/>
+              <a:ln>
+                <a:prstDash val="dash"/>
+              </a:ln>
+            </p:spPr>
+            <p:style>
+              <a:lnRef idx="2">
+                <a:schemeClr val="accent5"/>
+              </a:lnRef>
+              <a:fillRef idx="1">
+                <a:schemeClr val="lt1"/>
+              </a:fillRef>
+              <a:effectRef idx="0">
+                <a:schemeClr val="accent5"/>
+              </a:effectRef>
+              <a:fontRef idx="minor">
+                <a:schemeClr val="dk1"/>
+              </a:fontRef>
+            </p:style>
+            <p:txBody>
+              <a:bodyPr rtlCol="0" anchor="ctr"/>
+              <a:lstStyle/>
+              <a:p>
+                <a:pPr algn="ctr"/>
+                <a:endParaRPr kumimoji="1" lang="ja-JP" altLang="en-US"/>
+              </a:p>
+            </p:txBody>
+          </p:sp>
+          <p:sp>
+            <p:nvSpPr>
+              <p:cNvPr id="79" name="対角する 2 つの角を丸めた四角形 78"/>
+              <p:cNvSpPr/>
+              <p:nvPr/>
+            </p:nvSpPr>
+            <p:spPr>
+              <a:xfrm>
+                <a:off x="2901300" y="4435876"/>
+                <a:ext cx="1332000" cy="288000"/>
+              </a:xfrm>
+              <a:prstGeom prst="round2DiagRect">
+                <a:avLst/>
+              </a:prstGeom>
+              <a:effectLst/>
+            </p:spPr>
+            <p:style>
+              <a:lnRef idx="1">
+                <a:schemeClr val="accent5"/>
+              </a:lnRef>
+              <a:fillRef idx="2">
+                <a:schemeClr val="accent5"/>
+              </a:fillRef>
+              <a:effectRef idx="1">
+                <a:schemeClr val="accent5"/>
+              </a:effectRef>
+              <a:fontRef idx="minor">
+                <a:schemeClr val="dk1"/>
+              </a:fontRef>
+            </p:style>
+            <p:txBody>
+              <a:bodyPr wrap="none" lIns="36000" tIns="36000" rIns="36000" bIns="36000" rtlCol="0" anchor="ctr"/>
+              <a:lstStyle/>
+              <a:p>
+                <a:pPr algn="ctr">
+                  <a:lnSpc>
+                    <a:spcPts val="1460"/>
+                  </a:lnSpc>
+                </a:pPr>
+                <a:r>
+                  <a:rPr kumimoji="1" lang="en-US" altLang="ja-JP" dirty="0" smtClean="0">
+                    <a:solidFill>
+                      <a:schemeClr val="tx1">
+                        <a:lumMod val="75000"/>
+                        <a:lumOff val="25000"/>
+                      </a:schemeClr>
+                    </a:solidFill>
+                  </a:rPr>
+                  <a:t>OCI Runtime</a:t>
+                </a:r>
+                <a:endParaRPr kumimoji="1" lang="ja-JP" altLang="en-US" dirty="0">
+                  <a:solidFill>
+                    <a:schemeClr val="tx1">
+                      <a:lumMod val="75000"/>
+                      <a:lumOff val="25000"/>
+                    </a:schemeClr>
+                  </a:solidFill>
+                </a:endParaRPr>
+              </a:p>
+            </p:txBody>
+          </p:sp>
+        </p:grpSp>
+      </p:grpSp>
+      <p:grpSp>
+        <p:nvGrpSpPr>
+          <p:cNvPr id="83" name="グループ化 82"/>
+          <p:cNvGrpSpPr/>
+          <p:nvPr/>
+        </p:nvGrpSpPr>
+        <p:grpSpPr>
+          <a:xfrm>
+            <a:off x="1506680" y="13649872"/>
             <a:ext cx="5832648" cy="1944216"/>
             <a:chOff x="2901300" y="4435876"/>
             <a:chExt cx="5832648" cy="1944216"/>
@@ -4556,8 +5013,8 @@
         </p:nvSpPr>
         <p:spPr>
           <a:xfrm>
-            <a:off x="2420462" y="7556306"/>
-            <a:ext cx="4046301" cy="523220"/>
+            <a:off x="1393687" y="7817916"/>
+            <a:ext cx="2746265" cy="523220"/>
           </a:xfrm>
           <a:prstGeom prst="rect">
             <a:avLst/>
@@ -4588,6 +5045,30 @@
           <a:p>
             <a:pPr algn="ctr"/>
             <a:r>
+              <a:rPr lang="en-US" altLang="ja-JP" sz="2800" dirty="0" err="1">
+                <a:solidFill>
+                  <a:schemeClr val="accent1">
+                    <a:lumMod val="75000"/>
+                  </a:schemeClr>
+                </a:solidFill>
+                <a:latin typeface="Arial" panose="020B0604020202020204" pitchFamily="34" charset="0"/>
+                <a:cs typeface="Arial" panose="020B0604020202020204" pitchFamily="34" charset="0"/>
+              </a:rPr>
+              <a:t>c</a:t>
+            </a:r>
+            <a:r>
+              <a:rPr lang="en-US" altLang="ja-JP" sz="2800" dirty="0" err="1" smtClean="0">
+                <a:solidFill>
+                  <a:schemeClr val="accent1">
+                    <a:lumMod val="75000"/>
+                  </a:schemeClr>
+                </a:solidFill>
+                <a:latin typeface="Arial" panose="020B0604020202020204" pitchFamily="34" charset="0"/>
+                <a:cs typeface="Arial" panose="020B0604020202020204" pitchFamily="34" charset="0"/>
+              </a:rPr>
+              <a:t>ontainerd</a:t>
+            </a:r>
+            <a:r>
               <a:rPr lang="en-US" altLang="ja-JP" sz="2800" dirty="0" smtClean="0">
                 <a:solidFill>
                   <a:schemeClr val="accent1">
@@ -4597,7 +5078,94 @@
                 <a:latin typeface="Arial" panose="020B0604020202020204" pitchFamily="34" charset="0"/>
                 <a:cs typeface="Arial" panose="020B0604020202020204" pitchFamily="34" charset="0"/>
               </a:rPr>
-              <a:t>containerd-shim-kata-v2</a:t>
+              <a:t>-shim</a:t>
+            </a:r>
+            <a:endParaRPr lang="ja-JP" altLang="en-US" sz="2800" dirty="0">
+              <a:solidFill>
+                <a:schemeClr val="accent1">
+                  <a:lumMod val="75000"/>
+                </a:schemeClr>
+              </a:solidFill>
+              <a:latin typeface="Arial" panose="020B0604020202020204" pitchFamily="34" charset="0"/>
+              <a:cs typeface="Arial" panose="020B0604020202020204" pitchFamily="34" charset="0"/>
+            </a:endParaRPr>
+          </a:p>
+        </p:txBody>
+      </p:sp>
+      <p:sp>
+        <p:nvSpPr>
+          <p:cNvPr id="87" name="正方形/長方形 86"/>
+          <p:cNvSpPr/>
+          <p:nvPr/>
+        </p:nvSpPr>
+        <p:spPr>
+          <a:xfrm>
+            <a:off x="4706055" y="7817916"/>
+            <a:ext cx="2746265" cy="523220"/>
+          </a:xfrm>
+          <a:prstGeom prst="rect">
+            <a:avLst/>
+          </a:prstGeom>
+        </p:spPr>
+        <p:style>
+          <a:lnRef idx="2">
+            <a:schemeClr val="accent5"/>
+          </a:lnRef>
+          <a:fillRef idx="1">
+            <a:schemeClr val="lt1"/>
+          </a:fillRef>
+          <a:effectRef idx="0">
+            <a:schemeClr val="accent5"/>
+          </a:effectRef>
+          <a:fontRef idx="minor">
+            <a:schemeClr val="dk1"/>
+          </a:fontRef>
+        </p:style>
+        <p:txBody>
+          <a:bodyPr rot="0" spcFirstLastPara="0" vertOverflow="overflow" horzOverflow="overflow" vert="horz" wrap="none" lIns="91440" tIns="45720" rIns="91440" bIns="45720" numCol="1" spcCol="0" rtlCol="0" fromWordArt="0" anchor="ctr" anchorCtr="0" forceAA="0" compatLnSpc="1">
+            <a:prstTxWarp prst="textNoShape">
+              <a:avLst/>
+            </a:prstTxWarp>
+            <a:spAutoFit/>
+          </a:bodyPr>
+          <a:lstStyle/>
+          <a:p>
+            <a:pPr algn="ctr"/>
+            <a:r>
+              <a:rPr lang="en-US" altLang="ja-JP" sz="2800" dirty="0" err="1">
+                <a:solidFill>
+                  <a:schemeClr val="accent1">
+                    <a:lumMod val="75000"/>
+                  </a:schemeClr>
+                </a:solidFill>
+                <a:latin typeface="Arial" panose="020B0604020202020204" pitchFamily="34" charset="0"/>
+                <a:cs typeface="Arial" panose="020B0604020202020204" pitchFamily="34" charset="0"/>
+              </a:rPr>
+              <a:t>c</a:t>
+            </a:r>
+            <a:r>
+              <a:rPr lang="en-US" altLang="ja-JP" sz="2800" dirty="0" err="1" smtClean="0">
+                <a:solidFill>
+                  <a:schemeClr val="accent1">
+                    <a:lumMod val="75000"/>
+                  </a:schemeClr>
+                </a:solidFill>
+                <a:latin typeface="Arial" panose="020B0604020202020204" pitchFamily="34" charset="0"/>
+                <a:cs typeface="Arial" panose="020B0604020202020204" pitchFamily="34" charset="0"/>
+              </a:rPr>
+              <a:t>ontainerd</a:t>
+            </a:r>
+            <a:r>
+              <a:rPr lang="en-US" altLang="ja-JP" sz="2800" dirty="0" smtClean="0">
+                <a:solidFill>
+                  <a:schemeClr val="accent1">
+                    <a:lumMod val="75000"/>
+                  </a:schemeClr>
+                </a:solidFill>
+                <a:latin typeface="Arial" panose="020B0604020202020204" pitchFamily="34" charset="0"/>
+                <a:cs typeface="Arial" panose="020B0604020202020204" pitchFamily="34" charset="0"/>
+              </a:rPr>
+              <a:t>-shim</a:t>
             </a:r>
             <a:endParaRPr lang="ja-JP" altLang="en-US" sz="2800" dirty="0">
               <a:solidFill>
@@ -4615,17 +5183,467 @@
         <p:nvCxnSpPr>
           <p:cNvPr id="88" name="直線矢印コネクタ 87"/>
           <p:cNvCxnSpPr>
-            <a:stCxn id="53" idx="2"/>
-            <a:endCxn id="86" idx="0"/>
+            <a:stCxn id="86" idx="2"/>
+            <a:endCxn id="65" idx="0"/>
+          </p:cNvCxnSpPr>
+          <p:nvPr/>
+        </p:nvCxnSpPr>
+        <p:spPr>
+          <a:xfrm>
+            <a:off x="2766820" y="8341136"/>
+            <a:ext cx="0" cy="329665"/>
+          </a:xfrm>
+          <a:prstGeom prst="straightConnector1">
+            <a:avLst/>
+          </a:prstGeom>
+          <a:ln w="25400">
+            <a:tailEnd type="triangle" w="lg" len="lg"/>
+          </a:ln>
+        </p:spPr>
+        <p:style>
+          <a:lnRef idx="1">
+            <a:schemeClr val="accent5"/>
+          </a:lnRef>
+          <a:fillRef idx="0">
+            <a:schemeClr val="accent5"/>
+          </a:fillRef>
+          <a:effectRef idx="0">
+            <a:schemeClr val="accent5"/>
+          </a:effectRef>
+          <a:fontRef idx="minor">
+            <a:schemeClr val="tx1"/>
+          </a:fontRef>
+        </p:style>
+      </p:cxnSp>
+      <p:cxnSp>
+        <p:nvCxnSpPr>
+          <p:cNvPr id="89" name="直線矢印コネクタ 88"/>
+          <p:cNvCxnSpPr>
+            <a:stCxn id="87" idx="2"/>
           </p:cNvCxnSpPr>
           <p:nvPr/>
         </p:nvCxnSpPr>
         <p:spPr>
           <a:xfrm flipH="1">
-            <a:off x="4443613" y="7123180"/>
-            <a:ext cx="7124" cy="433126"/>
+            <a:off x="6071930" y="8341136"/>
+            <a:ext cx="7258" cy="300636"/>
           </a:xfrm>
           <a:prstGeom prst="straightConnector1">
+            <a:avLst/>
+          </a:prstGeom>
+          <a:ln w="25400">
+            <a:tailEnd type="triangle" w="lg" len="lg"/>
+          </a:ln>
+        </p:spPr>
+        <p:style>
+          <a:lnRef idx="1">
+            <a:schemeClr val="accent5"/>
+          </a:lnRef>
+          <a:fillRef idx="0">
+            <a:schemeClr val="accent5"/>
+          </a:fillRef>
+          <a:effectRef idx="0">
+            <a:schemeClr val="accent5"/>
+          </a:effectRef>
+          <a:fontRef idx="minor">
+            <a:schemeClr val="tx1"/>
+          </a:fontRef>
+        </p:style>
+      </p:cxnSp>
+      <p:pic>
+        <p:nvPicPr>
+          <p:cNvPr id="1026" name="Picture 2" descr="C:\Users\kaitoy\Desktop\kata.png"/>
+          <p:cNvPicPr>
+            <a:picLocks noChangeAspect="1" noChangeArrowheads="1"/>
+          </p:cNvPicPr>
+          <p:nvPr/>
+        </p:nvPicPr>
+        <p:blipFill>
+          <a:blip r:embed="rId4" cstate="print">
+            <a:extLst>
+              <a:ext uri="{28A0092B-C50C-407E-A947-70E740481C1C}">
+                <a14:useLocalDpi xmlns:a14="http://schemas.microsoft.com/office/drawing/2010/main" val="0"/>
+              </a:ext>
+            </a:extLst>
+          </a:blip>
+          <a:srcRect/>
+          <a:stretch>
+            <a:fillRect/>
+          </a:stretch>
+        </p:blipFill>
+        <p:spPr bwMode="auto">
+          <a:xfrm>
+            <a:off x="2285913" y="8932328"/>
+            <a:ext cx="961814" cy="1189152"/>
+          </a:xfrm>
+          <a:prstGeom prst="rect">
+            <a:avLst/>
+          </a:prstGeom>
+          <a:noFill/>
+          <a:extLst>
+            <a:ext uri="{909E8E84-426E-40DD-AFC4-6F175D3DCCD1}">
+              <a14:hiddenFill xmlns:a14="http://schemas.microsoft.com/office/drawing/2010/main">
+                <a:solidFill>
+                  <a:srgbClr val="FFFFFF"/>
+                </a:solidFill>
+              </a14:hiddenFill>
+            </a:ext>
+          </a:extLst>
+        </p:spPr>
+      </p:pic>
+      <p:pic>
+        <p:nvPicPr>
+          <p:cNvPr id="42" name="Picture 2" descr="C:\Users\kaitoy\Desktop\kata.png"/>
+          <p:cNvPicPr>
+            <a:picLocks noChangeAspect="1" noChangeArrowheads="1"/>
+          </p:cNvPicPr>
+          <p:nvPr/>
+        </p:nvPicPr>
+        <p:blipFill>
+          <a:blip r:embed="rId4" cstate="print">
+            <a:extLst>
+              <a:ext uri="{28A0092B-C50C-407E-A947-70E740481C1C}">
+                <a14:useLocalDpi xmlns:a14="http://schemas.microsoft.com/office/drawing/2010/main" val="0"/>
+              </a:ext>
+            </a:extLst>
+          </a:blip>
+          <a:srcRect/>
+          <a:stretch>
+            <a:fillRect/>
+          </a:stretch>
+        </p:blipFill>
+        <p:spPr bwMode="auto">
+          <a:xfrm>
+            <a:off x="5598281" y="8932328"/>
+            <a:ext cx="961814" cy="1189152"/>
+          </a:xfrm>
+          <a:prstGeom prst="rect">
+            <a:avLst/>
+          </a:prstGeom>
+          <a:noFill/>
+          <a:extLst>
+            <a:ext uri="{909E8E84-426E-40DD-AFC4-6F175D3DCCD1}">
+              <a14:hiddenFill xmlns:a14="http://schemas.microsoft.com/office/drawing/2010/main">
+                <a:solidFill>
+                  <a:srgbClr val="FFFFFF"/>
+                </a:solidFill>
+              </a14:hiddenFill>
+            </a:ext>
+          </a:extLst>
+        </p:spPr>
+      </p:pic>
+      <p:sp>
+        <p:nvSpPr>
+          <p:cNvPr id="43" name="正方形/長方形 42"/>
+          <p:cNvSpPr/>
+          <p:nvPr/>
+        </p:nvSpPr>
+        <p:spPr>
+          <a:xfrm>
+            <a:off x="1887366" y="10849944"/>
+            <a:ext cx="1744388" cy="523220"/>
+          </a:xfrm>
+          <a:prstGeom prst="rect">
+            <a:avLst/>
+          </a:prstGeom>
+        </p:spPr>
+        <p:style>
+          <a:lnRef idx="2">
+            <a:schemeClr val="accent5"/>
+          </a:lnRef>
+          <a:fillRef idx="1">
+            <a:schemeClr val="lt1"/>
+          </a:fillRef>
+          <a:effectRef idx="0">
+            <a:schemeClr val="accent5"/>
+          </a:effectRef>
+          <a:fontRef idx="minor">
+            <a:schemeClr val="dk1"/>
+          </a:fontRef>
+        </p:style>
+        <p:txBody>
+          <a:bodyPr rot="0" spcFirstLastPara="0" vertOverflow="overflow" horzOverflow="overflow" vert="horz" wrap="none" lIns="91440" tIns="45720" rIns="91440" bIns="45720" numCol="1" spcCol="0" rtlCol="0" fromWordArt="0" anchor="ctr" anchorCtr="0" forceAA="0" compatLnSpc="1">
+            <a:prstTxWarp prst="textNoShape">
+              <a:avLst/>
+            </a:prstTxWarp>
+            <a:spAutoFit/>
+          </a:bodyPr>
+          <a:lstStyle/>
+          <a:p>
+            <a:pPr algn="ctr"/>
+            <a:r>
+              <a:rPr lang="en-US" altLang="ja-JP" sz="2800" dirty="0" smtClean="0">
+                <a:solidFill>
+                  <a:schemeClr val="accent1">
+                    <a:lumMod val="75000"/>
+                  </a:schemeClr>
+                </a:solidFill>
+                <a:latin typeface="Arial" panose="020B0604020202020204" pitchFamily="34" charset="0"/>
+                <a:cs typeface="Arial" panose="020B0604020202020204" pitchFamily="34" charset="0"/>
+              </a:rPr>
+              <a:t>kata-shim</a:t>
+            </a:r>
+            <a:endParaRPr lang="ja-JP" altLang="en-US" sz="2800" dirty="0">
+              <a:solidFill>
+                <a:schemeClr val="accent1">
+                  <a:lumMod val="75000"/>
+                </a:schemeClr>
+              </a:solidFill>
+              <a:latin typeface="Arial" panose="020B0604020202020204" pitchFamily="34" charset="0"/>
+              <a:cs typeface="Arial" panose="020B0604020202020204" pitchFamily="34" charset="0"/>
+            </a:endParaRPr>
+          </a:p>
+        </p:txBody>
+      </p:sp>
+      <p:sp>
+        <p:nvSpPr>
+          <p:cNvPr id="44" name="正方形/長方形 43"/>
+          <p:cNvSpPr/>
+          <p:nvPr/>
+        </p:nvSpPr>
+        <p:spPr>
+          <a:xfrm>
+            <a:off x="5203365" y="10849944"/>
+            <a:ext cx="1744388" cy="523220"/>
+          </a:xfrm>
+          <a:prstGeom prst="rect">
+            <a:avLst/>
+          </a:prstGeom>
+        </p:spPr>
+        <p:style>
+          <a:lnRef idx="2">
+            <a:schemeClr val="accent5"/>
+          </a:lnRef>
+          <a:fillRef idx="1">
+            <a:schemeClr val="lt1"/>
+          </a:fillRef>
+          <a:effectRef idx="0">
+            <a:schemeClr val="accent5"/>
+          </a:effectRef>
+          <a:fontRef idx="minor">
+            <a:schemeClr val="dk1"/>
+          </a:fontRef>
+        </p:style>
+        <p:txBody>
+          <a:bodyPr rot="0" spcFirstLastPara="0" vertOverflow="overflow" horzOverflow="overflow" vert="horz" wrap="none" lIns="91440" tIns="45720" rIns="91440" bIns="45720" numCol="1" spcCol="0" rtlCol="0" fromWordArt="0" anchor="ctr" anchorCtr="0" forceAA="0" compatLnSpc="1">
+            <a:prstTxWarp prst="textNoShape">
+              <a:avLst/>
+            </a:prstTxWarp>
+            <a:spAutoFit/>
+          </a:bodyPr>
+          <a:lstStyle/>
+          <a:p>
+            <a:pPr algn="ctr"/>
+            <a:r>
+              <a:rPr lang="en-US" altLang="ja-JP" sz="2800" dirty="0" smtClean="0">
+                <a:solidFill>
+                  <a:schemeClr val="accent1">
+                    <a:lumMod val="75000"/>
+                  </a:schemeClr>
+                </a:solidFill>
+                <a:latin typeface="Arial" panose="020B0604020202020204" pitchFamily="34" charset="0"/>
+                <a:cs typeface="Arial" panose="020B0604020202020204" pitchFamily="34" charset="0"/>
+              </a:rPr>
+              <a:t>kata-shim</a:t>
+            </a:r>
+            <a:endParaRPr lang="ja-JP" altLang="en-US" sz="2800" dirty="0">
+              <a:solidFill>
+                <a:schemeClr val="accent1">
+                  <a:lumMod val="75000"/>
+                </a:schemeClr>
+              </a:solidFill>
+              <a:latin typeface="Arial" panose="020B0604020202020204" pitchFamily="34" charset="0"/>
+              <a:cs typeface="Arial" panose="020B0604020202020204" pitchFamily="34" charset="0"/>
+            </a:endParaRPr>
+          </a:p>
+        </p:txBody>
+      </p:sp>
+      <p:cxnSp>
+        <p:nvCxnSpPr>
+          <p:cNvPr id="45" name="直線矢印コネクタ 44"/>
+          <p:cNvCxnSpPr>
+            <a:stCxn id="65" idx="2"/>
+            <a:endCxn id="43" idx="0"/>
+          </p:cNvCxnSpPr>
+          <p:nvPr/>
+        </p:nvCxnSpPr>
+        <p:spPr>
+          <a:xfrm flipH="1">
+            <a:off x="2759560" y="10555193"/>
+            <a:ext cx="0" cy="294751"/>
+          </a:xfrm>
+          <a:prstGeom prst="straightConnector1">
+            <a:avLst/>
+          </a:prstGeom>
+          <a:ln w="25400">
+            <a:tailEnd type="triangle" w="lg" len="lg"/>
+          </a:ln>
+        </p:spPr>
+        <p:style>
+          <a:lnRef idx="1">
+            <a:schemeClr val="accent5"/>
+          </a:lnRef>
+          <a:fillRef idx="0">
+            <a:schemeClr val="accent5"/>
+          </a:fillRef>
+          <a:effectRef idx="0">
+            <a:schemeClr val="accent5"/>
+          </a:effectRef>
+          <a:fontRef idx="minor">
+            <a:schemeClr val="tx1"/>
+          </a:fontRef>
+        </p:style>
+      </p:cxnSp>
+      <p:cxnSp>
+        <p:nvCxnSpPr>
+          <p:cNvPr id="48" name="直線矢印コネクタ 47"/>
+          <p:cNvCxnSpPr>
+            <a:stCxn id="78" idx="2"/>
+            <a:endCxn id="44" idx="0"/>
+          </p:cNvCxnSpPr>
+          <p:nvPr/>
+        </p:nvCxnSpPr>
+        <p:spPr>
+          <a:xfrm flipH="1">
+            <a:off x="6075559" y="10555193"/>
+            <a:ext cx="0" cy="294751"/>
+          </a:xfrm>
+          <a:prstGeom prst="straightConnector1">
+            <a:avLst/>
+          </a:prstGeom>
+          <a:ln w="25400">
+            <a:tailEnd type="triangle" w="lg" len="lg"/>
+          </a:ln>
+        </p:spPr>
+        <p:style>
+          <a:lnRef idx="1">
+            <a:schemeClr val="accent5"/>
+          </a:lnRef>
+          <a:fillRef idx="0">
+            <a:schemeClr val="accent5"/>
+          </a:fillRef>
+          <a:effectRef idx="0">
+            <a:schemeClr val="accent5"/>
+          </a:effectRef>
+          <a:fontRef idx="minor">
+            <a:schemeClr val="tx1"/>
+          </a:fontRef>
+        </p:style>
+      </p:cxnSp>
+      <p:sp>
+        <p:nvSpPr>
+          <p:cNvPr id="51" name="正方形/長方形 50"/>
+          <p:cNvSpPr/>
+          <p:nvPr/>
+        </p:nvSpPr>
+        <p:spPr>
+          <a:xfrm>
+            <a:off x="3511306" y="11777664"/>
+            <a:ext cx="1864614" cy="523220"/>
+          </a:xfrm>
+          <a:prstGeom prst="rect">
+            <a:avLst/>
+          </a:prstGeom>
+        </p:spPr>
+        <p:style>
+          <a:lnRef idx="2">
+            <a:schemeClr val="accent5"/>
+          </a:lnRef>
+          <a:fillRef idx="1">
+            <a:schemeClr val="lt1"/>
+          </a:fillRef>
+          <a:effectRef idx="0">
+            <a:schemeClr val="accent5"/>
+          </a:effectRef>
+          <a:fontRef idx="minor">
+            <a:schemeClr val="dk1"/>
+          </a:fontRef>
+        </p:style>
+        <p:txBody>
+          <a:bodyPr rot="0" spcFirstLastPara="0" vertOverflow="overflow" horzOverflow="overflow" vert="horz" wrap="none" lIns="91440" tIns="45720" rIns="91440" bIns="45720" numCol="1" spcCol="0" rtlCol="0" fromWordArt="0" anchor="ctr" anchorCtr="0" forceAA="0" compatLnSpc="1">
+            <a:prstTxWarp prst="textNoShape">
+              <a:avLst/>
+            </a:prstTxWarp>
+            <a:spAutoFit/>
+          </a:bodyPr>
+          <a:lstStyle/>
+          <a:p>
+            <a:pPr algn="ctr"/>
+            <a:r>
+              <a:rPr lang="en-US" altLang="ja-JP" sz="2800" dirty="0" smtClean="0">
+                <a:solidFill>
+                  <a:schemeClr val="accent1">
+                    <a:lumMod val="75000"/>
+                  </a:schemeClr>
+                </a:solidFill>
+                <a:latin typeface="Arial" panose="020B0604020202020204" pitchFamily="34" charset="0"/>
+                <a:cs typeface="Arial" panose="020B0604020202020204" pitchFamily="34" charset="0"/>
+              </a:rPr>
+              <a:t>kata-proxy</a:t>
+            </a:r>
+            <a:endParaRPr lang="ja-JP" altLang="en-US" sz="2800" dirty="0">
+              <a:solidFill>
+                <a:schemeClr val="accent1">
+                  <a:lumMod val="75000"/>
+                </a:schemeClr>
+              </a:solidFill>
+              <a:latin typeface="Arial" panose="020B0604020202020204" pitchFamily="34" charset="0"/>
+              <a:cs typeface="Arial" panose="020B0604020202020204" pitchFamily="34" charset="0"/>
+            </a:endParaRPr>
+          </a:p>
+        </p:txBody>
+      </p:sp>
+      <p:cxnSp>
+        <p:nvCxnSpPr>
+          <p:cNvPr id="74" name="カギ線コネクタ 73"/>
+          <p:cNvCxnSpPr>
+            <a:stCxn id="43" idx="2"/>
+            <a:endCxn id="51" idx="1"/>
+          </p:cNvCxnSpPr>
+          <p:nvPr/>
+        </p:nvCxnSpPr>
+        <p:spPr>
+          <a:xfrm rot="16200000" flipH="1">
+            <a:off x="2802378" y="11330346"/>
+            <a:ext cx="666110" cy="751746"/>
+          </a:xfrm>
+          <a:prstGeom prst="bentConnector2">
+            <a:avLst/>
+          </a:prstGeom>
+          <a:ln w="25400">
+            <a:tailEnd type="triangle" w="lg" len="lg"/>
+          </a:ln>
+        </p:spPr>
+        <p:style>
+          <a:lnRef idx="1">
+            <a:schemeClr val="accent5"/>
+          </a:lnRef>
+          <a:fillRef idx="0">
+            <a:schemeClr val="accent5"/>
+          </a:fillRef>
+          <a:effectRef idx="0">
+            <a:schemeClr val="accent5"/>
+          </a:effectRef>
+          <a:fontRef idx="minor">
+            <a:schemeClr val="tx1"/>
+          </a:fontRef>
+        </p:style>
+      </p:cxnSp>
+      <p:cxnSp>
+        <p:nvCxnSpPr>
+          <p:cNvPr id="90" name="カギ線コネクタ 89"/>
+          <p:cNvCxnSpPr>
+            <a:stCxn id="44" idx="2"/>
+            <a:endCxn id="51" idx="3"/>
+          </p:cNvCxnSpPr>
+          <p:nvPr/>
+        </p:nvCxnSpPr>
+        <p:spPr>
+          <a:xfrm rot="5400000">
+            <a:off x="5392685" y="11356400"/>
+            <a:ext cx="666110" cy="699639"/>
+          </a:xfrm>
+          <a:prstGeom prst="bentConnector2">
             <a:avLst/>
           </a:prstGeom>
           <a:ln w="25400">
@@ -4655,7 +5673,7 @@
         </p:nvSpPr>
         <p:spPr>
           <a:xfrm>
-            <a:off x="1187624" y="8302116"/>
+            <a:off x="1187624" y="12497744"/>
             <a:ext cx="6480720" cy="3600400"/>
           </a:xfrm>
           <a:prstGeom prst="roundRect">
@@ -4705,7 +5723,7 @@
         </p:nvSpPr>
         <p:spPr>
           <a:xfrm>
-            <a:off x="3500887" y="8604058"/>
+            <a:off x="3500887" y="12799686"/>
             <a:ext cx="1885453" cy="523220"/>
           </a:xfrm>
           <a:prstGeom prst="rect">
@@ -4768,7 +5786,7 @@
         </p:nvCxnSpPr>
         <p:spPr>
           <a:xfrm>
-            <a:off x="4443613" y="8105256"/>
+            <a:off x="4443613" y="12300884"/>
             <a:ext cx="1" cy="498802"/>
           </a:xfrm>
           <a:prstGeom prst="straightConnector1">
@@ -4793,78 +5811,6 @@
           </a:fontRef>
         </p:style>
       </p:cxnSp>
-      <p:sp>
-        <p:nvSpPr>
-          <p:cNvPr id="94" name="対角する 2 つの角を丸めた四角形 93"/>
-          <p:cNvSpPr/>
-          <p:nvPr/>
-        </p:nvSpPr>
-        <p:spPr>
-          <a:xfrm>
-            <a:off x="1180799" y="8292772"/>
-            <a:ext cx="2088000" cy="288000"/>
-          </a:xfrm>
-          <a:prstGeom prst="round2DiagRect">
-            <a:avLst/>
-          </a:prstGeom>
-          <a:effectLst/>
-        </p:spPr>
-        <p:style>
-          <a:lnRef idx="1">
-            <a:schemeClr val="dk1"/>
-          </a:lnRef>
-          <a:fillRef idx="2">
-            <a:schemeClr val="dk1"/>
-          </a:fillRef>
-          <a:effectRef idx="1">
-            <a:schemeClr val="dk1"/>
-          </a:effectRef>
-          <a:fontRef idx="minor">
-            <a:schemeClr val="dk1"/>
-          </a:fontRef>
-        </p:style>
-        <p:txBody>
-          <a:bodyPr wrap="none" lIns="36000" tIns="36000" rIns="36000" bIns="36000" rtlCol="0" anchor="ctr"/>
-          <a:lstStyle/>
-          <a:p>
-            <a:pPr algn="ctr">
-              <a:lnSpc>
-                <a:spcPts val="1460"/>
-              </a:lnSpc>
-            </a:pPr>
-            <a:r>
-              <a:rPr lang="en-US" altLang="ja-JP" dirty="0">
-                <a:solidFill>
-                  <a:schemeClr val="tx1">
-                    <a:lumMod val="75000"/>
-                    <a:lumOff val="25000"/>
-                  </a:schemeClr>
-                </a:solidFill>
-              </a:rPr>
-              <a:t>VM (Clear </a:t>
-            </a:r>
-            <a:r>
-              <a:rPr lang="en-US" altLang="ja-JP" dirty="0" smtClean="0">
-                <a:solidFill>
-                  <a:schemeClr val="tx1">
-                    <a:lumMod val="75000"/>
-                    <a:lumOff val="25000"/>
-                  </a:schemeClr>
-                </a:solidFill>
-              </a:rPr>
-              <a:t>Linux, etc.)</a:t>
-            </a:r>
-            <a:endParaRPr kumimoji="1" lang="ja-JP" altLang="en-US" dirty="0">
-              <a:solidFill>
-                <a:schemeClr val="tx1">
-                  <a:lumMod val="75000"/>
-                  <a:lumOff val="25000"/>
-                </a:schemeClr>
-              </a:solidFill>
-            </a:endParaRPr>
-          </a:p>
-        </p:txBody>
-      </p:sp>
       <p:cxnSp>
         <p:nvCxnSpPr>
           <p:cNvPr id="95" name="カギ線コネクタ 94"/>
@@ -4876,7 +5822,7 @@
         </p:nvCxnSpPr>
         <p:spPr>
           <a:xfrm rot="5400000">
-            <a:off x="3278961" y="8661879"/>
+            <a:off x="3278961" y="12857507"/>
             <a:ext cx="699255" cy="1630052"/>
           </a:xfrm>
           <a:prstGeom prst="bentConnector3">
@@ -4914,7 +5860,7 @@
         </p:nvCxnSpPr>
         <p:spPr>
           <a:xfrm rot="16200000" flipH="1">
-            <a:off x="4935145" y="8635747"/>
+            <a:off x="4935145" y="12831375"/>
             <a:ext cx="699255" cy="1682316"/>
           </a:xfrm>
           <a:prstGeom prst="bentConnector3">
@@ -4949,7 +5895,7 @@
         </p:nvSpPr>
         <p:spPr>
           <a:xfrm>
-            <a:off x="1187624" y="12190548"/>
+            <a:off x="1187624" y="16386176"/>
             <a:ext cx="6480720" cy="523220"/>
           </a:xfrm>
           <a:prstGeom prst="rect">
@@ -5016,21 +5962,60 @@
       </p:sp>
       <p:cxnSp>
         <p:nvCxnSpPr>
+          <p:cNvPr id="100" name="カギ線コネクタ 99"/>
+          <p:cNvCxnSpPr>
+            <a:stCxn id="65" idx="1"/>
+            <a:endCxn id="51" idx="1"/>
+          </p:cNvCxnSpPr>
+          <p:nvPr/>
+        </p:nvCxnSpPr>
+        <p:spPr>
+          <a:xfrm rot="10800000" flipH="1" flipV="1">
+            <a:off x="1506680" y="9612996"/>
+            <a:ext cx="2004626" cy="2426277"/>
+          </a:xfrm>
+          <a:prstGeom prst="bentConnector3">
+            <a:avLst>
+              <a:gd name="adj1" fmla="val -16473"/>
+            </a:avLst>
+          </a:prstGeom>
+          <a:ln w="25400">
+            <a:prstDash val="sysDash"/>
+            <a:tailEnd type="triangle" w="lg" len="lg"/>
+          </a:ln>
+        </p:spPr>
+        <p:style>
+          <a:lnRef idx="1">
+            <a:schemeClr val="accent5"/>
+          </a:lnRef>
+          <a:fillRef idx="0">
+            <a:schemeClr val="accent5"/>
+          </a:fillRef>
+          <a:effectRef idx="0">
+            <a:schemeClr val="accent5"/>
+          </a:effectRef>
+          <a:fontRef idx="minor">
+            <a:schemeClr val="tx1"/>
+          </a:fontRef>
+        </p:style>
+      </p:cxnSp>
+      <p:cxnSp>
+        <p:nvCxnSpPr>
           <p:cNvPr id="101" name="カギ線コネクタ 100"/>
           <p:cNvCxnSpPr>
-            <a:stCxn id="86" idx="1"/>
+            <a:stCxn id="65" idx="1"/>
             <a:endCxn id="97" idx="1"/>
           </p:cNvCxnSpPr>
           <p:nvPr/>
         </p:nvCxnSpPr>
         <p:spPr>
           <a:xfrm rot="10800000" flipV="1">
-            <a:off x="1187624" y="7817916"/>
-            <a:ext cx="1232838" cy="4634242"/>
+            <a:off x="1187624" y="9612996"/>
+            <a:ext cx="319056" cy="7034789"/>
           </a:xfrm>
           <a:prstGeom prst="bentConnector3">
             <a:avLst>
-              <a:gd name="adj1" fmla="val 125607"/>
+              <a:gd name="adj1" fmla="val 198944"/>
             </a:avLst>
           </a:prstGeom>
           <a:ln w="25400">
@@ -5064,7 +6049,7 @@
         </p:nvCxnSpPr>
         <p:spPr>
           <a:xfrm flipV="1">
-            <a:off x="4427984" y="11902516"/>
+            <a:off x="4427984" y="16098144"/>
             <a:ext cx="0" cy="288032"/>
           </a:xfrm>
           <a:prstGeom prst="straightConnector1">
@@ -5089,10 +6074,82 @@
           </a:fontRef>
         </p:style>
       </p:cxnSp>
+      <p:sp>
+        <p:nvSpPr>
+          <p:cNvPr id="55" name="対角する 2 つの角を丸めた四角形 54"/>
+          <p:cNvSpPr/>
+          <p:nvPr/>
+        </p:nvSpPr>
+        <p:spPr>
+          <a:xfrm>
+            <a:off x="1180799" y="12488400"/>
+            <a:ext cx="2088000" cy="288000"/>
+          </a:xfrm>
+          <a:prstGeom prst="round2DiagRect">
+            <a:avLst/>
+          </a:prstGeom>
+          <a:effectLst/>
+        </p:spPr>
+        <p:style>
+          <a:lnRef idx="1">
+            <a:schemeClr val="dk1"/>
+          </a:lnRef>
+          <a:fillRef idx="2">
+            <a:schemeClr val="dk1"/>
+          </a:fillRef>
+          <a:effectRef idx="1">
+            <a:schemeClr val="dk1"/>
+          </a:effectRef>
+          <a:fontRef idx="minor">
+            <a:schemeClr val="dk1"/>
+          </a:fontRef>
+        </p:style>
+        <p:txBody>
+          <a:bodyPr wrap="none" lIns="36000" tIns="36000" rIns="36000" bIns="36000" rtlCol="0" anchor="ctr"/>
+          <a:lstStyle/>
+          <a:p>
+            <a:pPr algn="ctr">
+              <a:lnSpc>
+                <a:spcPts val="1460"/>
+              </a:lnSpc>
+            </a:pPr>
+            <a:r>
+              <a:rPr lang="en-US" altLang="ja-JP" dirty="0">
+                <a:solidFill>
+                  <a:schemeClr val="tx1">
+                    <a:lumMod val="75000"/>
+                    <a:lumOff val="25000"/>
+                  </a:schemeClr>
+                </a:solidFill>
+              </a:rPr>
+              <a:t>VM (Clear </a:t>
+            </a:r>
+            <a:r>
+              <a:rPr lang="en-US" altLang="ja-JP" dirty="0" smtClean="0">
+                <a:solidFill>
+                  <a:schemeClr val="tx1">
+                    <a:lumMod val="75000"/>
+                    <a:lumOff val="25000"/>
+                  </a:schemeClr>
+                </a:solidFill>
+              </a:rPr>
+              <a:t>Linux, etc.)</a:t>
+            </a:r>
+            <a:endParaRPr kumimoji="1" lang="ja-JP" altLang="en-US" dirty="0">
+              <a:solidFill>
+                <a:schemeClr val="tx1">
+                  <a:lumMod val="75000"/>
+                  <a:lumOff val="25000"/>
+                </a:schemeClr>
+              </a:solidFill>
+            </a:endParaRPr>
+          </a:p>
+        </p:txBody>
+      </p:sp>
     </p:spTree>
     <p:extLst>
       <p:ext uri="{BB962C8B-B14F-4D97-AF65-F5344CB8AC3E}">
-        <p14:creationId xmlns:p14="http://schemas.microsoft.com/office/powerpoint/2010/main" val="3188614599"/>
+        <p14:creationId xmlns:p14="http://schemas.microsoft.com/office/powerpoint/2010/main" val="373314258"/>
       </p:ext>
     </p:extLst>
   </p:cSld>
@@ -5119,47 +6176,6 @@
           <a:chExt cx="0" cy="0"/>
         </a:xfrm>
       </p:grpSpPr>
-      <p:pic>
-        <p:nvPicPr>
-          <p:cNvPr id="49" name="Picture 3" descr="C:\Users\kaitoy\Desktop\bin\pleiades\workspace\blog\static\images\docker.png"/>
-          <p:cNvPicPr>
-            <a:picLocks noChangeAspect="1" noChangeArrowheads="1"/>
-          </p:cNvPicPr>
-          <p:nvPr/>
-        </p:nvPicPr>
-        <p:blipFill>
-          <a:blip r:embed="rId2">
-            <a:extLst>
-              <a:ext uri="{28A0092B-C50C-407E-A947-70E740481C1C}">
-                <a14:useLocalDpi xmlns:a14="http://schemas.microsoft.com/office/drawing/2010/main" val="0"/>
-              </a:ext>
-            </a:extLst>
-          </a:blip>
-          <a:srcRect/>
-          <a:stretch>
-            <a:fillRect/>
-          </a:stretch>
-        </p:blipFill>
-        <p:spPr bwMode="auto">
-          <a:xfrm>
-            <a:off x="845327" y="9401400"/>
-            <a:ext cx="1905001" cy="1576388"/>
-          </a:xfrm>
-          <a:prstGeom prst="rect">
-            <a:avLst/>
-          </a:prstGeom>
-          <a:noFill/>
-          <a:extLst>
-            <a:ext uri="{909E8E84-426E-40DD-AFC4-6F175D3DCCD1}">
-              <a14:hiddenFill xmlns:a14="http://schemas.microsoft.com/office/drawing/2010/main">
-                <a:solidFill>
-                  <a:srgbClr val="FFFFFF"/>
-                </a:solidFill>
-              </a14:hiddenFill>
-            </a:ext>
-          </a:extLst>
-        </p:spPr>
-      </p:pic>
       <p:cxnSp>
         <p:nvCxnSpPr>
           <p:cNvPr id="50" name="直線矢印コネクタ 49"/>
@@ -5168,7 +6184,7 @@
         </p:nvCxnSpPr>
         <p:spPr>
           <a:xfrm>
-            <a:off x="5138656" y="5285449"/>
+            <a:off x="4449600" y="5365245"/>
             <a:ext cx="0" cy="666162"/>
           </a:xfrm>
           <a:prstGeom prst="straightConnector1">
@@ -5201,8 +6217,8 @@
         </p:nvGrpSpPr>
         <p:grpSpPr>
           <a:xfrm>
-            <a:off x="3708563" y="5937097"/>
-            <a:ext cx="2862459" cy="1304063"/>
+            <a:off x="3012385" y="6016893"/>
+            <a:ext cx="2862459" cy="1106287"/>
             <a:chOff x="3126959" y="2262359"/>
             <a:chExt cx="2862459" cy="1106287"/>
           </a:xfrm>
@@ -5329,6 +6345,1206 @@
           <p:nvPr/>
         </p:nvPicPr>
         <p:blipFill>
+          <a:blip r:embed="rId2" cstate="print">
+            <a:extLst>
+              <a:ext uri="{28A0092B-C50C-407E-A947-70E740481C1C}">
+                <a14:useLocalDpi xmlns:a14="http://schemas.microsoft.com/office/drawing/2010/main" val="0"/>
+              </a:ext>
+            </a:extLst>
+          </a:blip>
+          <a:srcRect/>
+          <a:stretch>
+            <a:fillRect/>
+          </a:stretch>
+        </p:blipFill>
+        <p:spPr bwMode="auto">
+          <a:xfrm>
+            <a:off x="3471506" y="3770710"/>
+            <a:ext cx="1944216" cy="1454226"/>
+          </a:xfrm>
+          <a:prstGeom prst="rect">
+            <a:avLst/>
+          </a:prstGeom>
+          <a:noFill/>
+          <a:extLst>
+            <a:ext uri="{909E8E84-426E-40DD-AFC4-6F175D3DCCD1}">
+              <a14:hiddenFill xmlns:a14="http://schemas.microsoft.com/office/drawing/2010/main">
+                <a:solidFill>
+                  <a:srgbClr val="FFFFFF"/>
+                </a:solidFill>
+              </a14:hiddenFill>
+            </a:ext>
+          </a:extLst>
+        </p:spPr>
+      </p:pic>
+      <p:pic>
+        <p:nvPicPr>
+          <p:cNvPr id="57" name="Picture 2" descr="https://raw.githubusercontent.com/cncf/artwork/master/projects/containerd/horizontal/color/containerd-horizontal-color.png"/>
+          <p:cNvPicPr>
+            <a:picLocks noChangeAspect="1" noChangeArrowheads="1"/>
+          </p:cNvPicPr>
+          <p:nvPr/>
+        </p:nvPicPr>
+        <p:blipFill>
+          <a:blip r:embed="rId3" cstate="print">
+            <a:extLst>
+              <a:ext uri="{28A0092B-C50C-407E-A947-70E740481C1C}">
+                <a14:useLocalDpi xmlns:a14="http://schemas.microsoft.com/office/drawing/2010/main" val="0"/>
+              </a:ext>
+            </a:extLst>
+          </a:blip>
+          <a:srcRect/>
+          <a:stretch>
+            <a:fillRect/>
+          </a:stretch>
+        </p:blipFill>
+        <p:spPr bwMode="auto">
+          <a:xfrm>
+            <a:off x="3315577" y="6377064"/>
+            <a:ext cx="2256075" cy="558961"/>
+          </a:xfrm>
+          <a:prstGeom prst="rect">
+            <a:avLst/>
+          </a:prstGeom>
+          <a:noFill/>
+          <a:extLst>
+            <a:ext uri="{909E8E84-426E-40DD-AFC4-6F175D3DCCD1}">
+              <a14:hiddenFill xmlns:a14="http://schemas.microsoft.com/office/drawing/2010/main">
+                <a:solidFill>
+                  <a:srgbClr val="FFFFFF"/>
+                </a:solidFill>
+              </a14:hiddenFill>
+            </a:ext>
+          </a:extLst>
+        </p:spPr>
+      </p:pic>
+      <p:grpSp>
+        <p:nvGrpSpPr>
+          <p:cNvPr id="58" name="グループ化 57"/>
+          <p:cNvGrpSpPr/>
+          <p:nvPr/>
+        </p:nvGrpSpPr>
+        <p:grpSpPr>
+          <a:xfrm>
+            <a:off x="1926642" y="9826533"/>
+            <a:ext cx="1665841" cy="1408370"/>
+            <a:chOff x="707393" y="6331953"/>
+            <a:chExt cx="1665841" cy="1408370"/>
+          </a:xfrm>
+        </p:grpSpPr>
+        <p:sp>
+          <p:nvSpPr>
+            <p:cNvPr id="59" name="直方体 58"/>
+            <p:cNvSpPr/>
+            <p:nvPr/>
+          </p:nvSpPr>
+          <p:spPr>
+            <a:xfrm>
+              <a:off x="1324313" y="6331953"/>
+              <a:ext cx="432000" cy="432048"/>
+            </a:xfrm>
+            <a:prstGeom prst="cube">
+              <a:avLst/>
+            </a:prstGeom>
+          </p:spPr>
+          <p:style>
+            <a:lnRef idx="2">
+              <a:schemeClr val="accent5"/>
+            </a:lnRef>
+            <a:fillRef idx="1">
+              <a:schemeClr val="lt1"/>
+            </a:fillRef>
+            <a:effectRef idx="0">
+              <a:schemeClr val="accent5"/>
+            </a:effectRef>
+            <a:fontRef idx="minor">
+              <a:schemeClr val="dk1"/>
+            </a:fontRef>
+          </p:style>
+          <p:txBody>
+            <a:bodyPr rtlCol="0" anchor="ctr"/>
+            <a:lstStyle/>
+            <a:p>
+              <a:pPr algn="ctr"/>
+              <a:endParaRPr kumimoji="1" lang="ja-JP" altLang="en-US"/>
+            </a:p>
+          </p:txBody>
+        </p:sp>
+        <p:sp>
+          <p:nvSpPr>
+            <p:cNvPr id="60" name="テキスト ボックス 59"/>
+            <p:cNvSpPr txBox="1"/>
+            <p:nvPr/>
+          </p:nvSpPr>
+          <p:spPr>
+            <a:xfrm>
+              <a:off x="707393" y="6786216"/>
+              <a:ext cx="1665841" cy="954107"/>
+            </a:xfrm>
+            <a:prstGeom prst="rect">
+              <a:avLst/>
+            </a:prstGeom>
+            <a:noFill/>
+          </p:spPr>
+          <p:txBody>
+            <a:bodyPr wrap="none" rtlCol="0">
+              <a:spAutoFit/>
+            </a:bodyPr>
+            <a:lstStyle/>
+            <a:p>
+              <a:pPr algn="ctr"/>
+              <a:r>
+                <a:rPr lang="en-US" altLang="ja-JP" sz="2800" dirty="0" smtClean="0">
+                  <a:solidFill>
+                    <a:schemeClr val="tx1">
+                      <a:lumMod val="75000"/>
+                      <a:lumOff val="25000"/>
+                    </a:schemeClr>
+                  </a:solidFill>
+                  <a:latin typeface="Arial" panose="020B0604020202020204" pitchFamily="34" charset="0"/>
+                  <a:cs typeface="Arial" panose="020B0604020202020204" pitchFamily="34" charset="0"/>
+                </a:rPr>
+                <a:t>sandbox</a:t>
+              </a:r>
+            </a:p>
+            <a:p>
+              <a:pPr algn="ctr"/>
+              <a:r>
+                <a:rPr lang="en-US" altLang="ja-JP" sz="2800" dirty="0" smtClean="0">
+                  <a:solidFill>
+                    <a:schemeClr val="tx1">
+                      <a:lumMod val="75000"/>
+                      <a:lumOff val="25000"/>
+                    </a:schemeClr>
+                  </a:solidFill>
+                  <a:latin typeface="Arial" panose="020B0604020202020204" pitchFamily="34" charset="0"/>
+                  <a:cs typeface="Arial" panose="020B0604020202020204" pitchFamily="34" charset="0"/>
+                </a:rPr>
+                <a:t>container</a:t>
+              </a:r>
+              <a:endParaRPr kumimoji="1" lang="ja-JP" altLang="en-US" sz="2800" dirty="0">
+                <a:solidFill>
+                  <a:schemeClr val="tx1">
+                    <a:lumMod val="75000"/>
+                    <a:lumOff val="25000"/>
+                  </a:schemeClr>
+                </a:solidFill>
+                <a:latin typeface="Arial" panose="020B0604020202020204" pitchFamily="34" charset="0"/>
+                <a:cs typeface="Arial" panose="020B0604020202020204" pitchFamily="34" charset="0"/>
+              </a:endParaRPr>
+            </a:p>
+          </p:txBody>
+        </p:sp>
+      </p:grpSp>
+      <p:grpSp>
+        <p:nvGrpSpPr>
+          <p:cNvPr id="71" name="グループ化 70"/>
+          <p:cNvGrpSpPr/>
+          <p:nvPr/>
+        </p:nvGrpSpPr>
+        <p:grpSpPr>
+          <a:xfrm>
+            <a:off x="5239010" y="9826533"/>
+            <a:ext cx="1665841" cy="977483"/>
+            <a:chOff x="707393" y="6331953"/>
+            <a:chExt cx="1665841" cy="977483"/>
+          </a:xfrm>
+        </p:grpSpPr>
+        <p:sp>
+          <p:nvSpPr>
+            <p:cNvPr id="72" name="直方体 71"/>
+            <p:cNvSpPr/>
+            <p:nvPr/>
+          </p:nvSpPr>
+          <p:spPr>
+            <a:xfrm>
+              <a:off x="1324313" y="6331953"/>
+              <a:ext cx="432000" cy="432048"/>
+            </a:xfrm>
+            <a:prstGeom prst="cube">
+              <a:avLst/>
+            </a:prstGeom>
+          </p:spPr>
+          <p:style>
+            <a:lnRef idx="2">
+              <a:schemeClr val="accent5"/>
+            </a:lnRef>
+            <a:fillRef idx="1">
+              <a:schemeClr val="lt1"/>
+            </a:fillRef>
+            <a:effectRef idx="0">
+              <a:schemeClr val="accent5"/>
+            </a:effectRef>
+            <a:fontRef idx="minor">
+              <a:schemeClr val="dk1"/>
+            </a:fontRef>
+          </p:style>
+          <p:txBody>
+            <a:bodyPr rtlCol="0" anchor="ctr"/>
+            <a:lstStyle/>
+            <a:p>
+              <a:pPr algn="ctr"/>
+              <a:endParaRPr kumimoji="1" lang="ja-JP" altLang="en-US"/>
+            </a:p>
+          </p:txBody>
+        </p:sp>
+        <p:sp>
+          <p:nvSpPr>
+            <p:cNvPr id="73" name="テキスト ボックス 72"/>
+            <p:cNvSpPr txBox="1"/>
+            <p:nvPr/>
+          </p:nvSpPr>
+          <p:spPr>
+            <a:xfrm>
+              <a:off x="707393" y="6786216"/>
+              <a:ext cx="1665841" cy="523220"/>
+            </a:xfrm>
+            <a:prstGeom prst="rect">
+              <a:avLst/>
+            </a:prstGeom>
+            <a:noFill/>
+          </p:spPr>
+          <p:txBody>
+            <a:bodyPr wrap="none" rtlCol="0">
+              <a:spAutoFit/>
+            </a:bodyPr>
+            <a:lstStyle/>
+            <a:p>
+              <a:pPr algn="ctr"/>
+              <a:r>
+                <a:rPr lang="en-US" altLang="ja-JP" sz="2800" dirty="0" smtClean="0">
+                  <a:solidFill>
+                    <a:schemeClr val="tx1">
+                      <a:lumMod val="75000"/>
+                      <a:lumOff val="25000"/>
+                    </a:schemeClr>
+                  </a:solidFill>
+                  <a:latin typeface="Arial" panose="020B0604020202020204" pitchFamily="34" charset="0"/>
+                  <a:cs typeface="Arial" panose="020B0604020202020204" pitchFamily="34" charset="0"/>
+                </a:rPr>
+                <a:t>container</a:t>
+              </a:r>
+              <a:endParaRPr kumimoji="1" lang="ja-JP" altLang="en-US" sz="2800" dirty="0">
+                <a:solidFill>
+                  <a:schemeClr val="tx1">
+                    <a:lumMod val="75000"/>
+                    <a:lumOff val="25000"/>
+                  </a:schemeClr>
+                </a:solidFill>
+                <a:latin typeface="Arial" panose="020B0604020202020204" pitchFamily="34" charset="0"/>
+                <a:cs typeface="Arial" panose="020B0604020202020204" pitchFamily="34" charset="0"/>
+              </a:endParaRPr>
+            </a:p>
+          </p:txBody>
+        </p:sp>
+      </p:grpSp>
+      <p:grpSp>
+        <p:nvGrpSpPr>
+          <p:cNvPr id="83" name="グループ化 82"/>
+          <p:cNvGrpSpPr/>
+          <p:nvPr/>
+        </p:nvGrpSpPr>
+        <p:grpSpPr>
+          <a:xfrm>
+            <a:off x="1506680" y="9454244"/>
+            <a:ext cx="5832648" cy="1944216"/>
+            <a:chOff x="2901300" y="4435876"/>
+            <a:chExt cx="5832648" cy="1944216"/>
+          </a:xfrm>
+        </p:grpSpPr>
+        <p:sp>
+          <p:nvSpPr>
+            <p:cNvPr id="84" name="角丸四角形 83"/>
+            <p:cNvSpPr/>
+            <p:nvPr/>
+          </p:nvSpPr>
+          <p:spPr>
+            <a:xfrm>
+              <a:off x="2915816" y="4464905"/>
+              <a:ext cx="5818132" cy="1915187"/>
+            </a:xfrm>
+            <a:prstGeom prst="roundRect">
+              <a:avLst>
+                <a:gd name="adj" fmla="val 13586"/>
+              </a:avLst>
+            </a:prstGeom>
+            <a:noFill/>
+            <a:ln>
+              <a:solidFill>
+                <a:schemeClr val="tx1">
+                  <a:lumMod val="50000"/>
+                  <a:lumOff val="50000"/>
+                </a:schemeClr>
+              </a:solidFill>
+              <a:prstDash val="dash"/>
+            </a:ln>
+          </p:spPr>
+          <p:style>
+            <a:lnRef idx="2">
+              <a:schemeClr val="accent5"/>
+            </a:lnRef>
+            <a:fillRef idx="1">
+              <a:schemeClr val="lt1"/>
+            </a:fillRef>
+            <a:effectRef idx="0">
+              <a:schemeClr val="accent5"/>
+            </a:effectRef>
+            <a:fontRef idx="minor">
+              <a:schemeClr val="dk1"/>
+            </a:fontRef>
+          </p:style>
+          <p:txBody>
+            <a:bodyPr rtlCol="0" anchor="ctr"/>
+            <a:lstStyle/>
+            <a:p>
+              <a:pPr algn="ctr"/>
+              <a:endParaRPr kumimoji="1" lang="ja-JP" altLang="en-US"/>
+            </a:p>
+          </p:txBody>
+        </p:sp>
+        <p:sp>
+          <p:nvSpPr>
+            <p:cNvPr id="85" name="対角する 2 つの角を丸めた四角形 84"/>
+            <p:cNvSpPr/>
+            <p:nvPr/>
+          </p:nvSpPr>
+          <p:spPr>
+            <a:xfrm>
+              <a:off x="2901300" y="4435876"/>
+              <a:ext cx="612000" cy="288000"/>
+            </a:xfrm>
+            <a:prstGeom prst="round2DiagRect">
+              <a:avLst/>
+            </a:prstGeom>
+            <a:effectLst/>
+          </p:spPr>
+          <p:style>
+            <a:lnRef idx="1">
+              <a:schemeClr val="dk1"/>
+            </a:lnRef>
+            <a:fillRef idx="2">
+              <a:schemeClr val="dk1"/>
+            </a:fillRef>
+            <a:effectRef idx="1">
+              <a:schemeClr val="dk1"/>
+            </a:effectRef>
+            <a:fontRef idx="minor">
+              <a:schemeClr val="dk1"/>
+            </a:fontRef>
+          </p:style>
+          <p:txBody>
+            <a:bodyPr wrap="none" lIns="36000" tIns="36000" rIns="36000" bIns="36000" rtlCol="0" anchor="ctr"/>
+            <a:lstStyle/>
+            <a:p>
+              <a:pPr algn="ctr">
+                <a:lnSpc>
+                  <a:spcPts val="1460"/>
+                </a:lnSpc>
+              </a:pPr>
+              <a:r>
+                <a:rPr lang="en-US" altLang="ja-JP" dirty="0" smtClean="0">
+                  <a:solidFill>
+                    <a:schemeClr val="tx1">
+                      <a:lumMod val="75000"/>
+                      <a:lumOff val="25000"/>
+                    </a:schemeClr>
+                  </a:solidFill>
+                </a:rPr>
+                <a:t>Pod</a:t>
+              </a:r>
+              <a:endParaRPr kumimoji="1" lang="ja-JP" altLang="en-US" dirty="0">
+                <a:solidFill>
+                  <a:schemeClr val="tx1">
+                    <a:lumMod val="75000"/>
+                    <a:lumOff val="25000"/>
+                  </a:schemeClr>
+                </a:solidFill>
+              </a:endParaRPr>
+            </a:p>
+          </p:txBody>
+        </p:sp>
+      </p:grpSp>
+      <p:sp>
+        <p:nvSpPr>
+          <p:cNvPr id="86" name="正方形/長方形 85"/>
+          <p:cNvSpPr/>
+          <p:nvPr/>
+        </p:nvSpPr>
+        <p:spPr>
+          <a:xfrm>
+            <a:off x="2420462" y="7556306"/>
+            <a:ext cx="4046301" cy="523220"/>
+          </a:xfrm>
+          <a:prstGeom prst="rect">
+            <a:avLst/>
+          </a:prstGeom>
+        </p:spPr>
+        <p:style>
+          <a:lnRef idx="2">
+            <a:schemeClr val="accent5"/>
+          </a:lnRef>
+          <a:fillRef idx="1">
+            <a:schemeClr val="lt1"/>
+          </a:fillRef>
+          <a:effectRef idx="0">
+            <a:schemeClr val="accent5"/>
+          </a:effectRef>
+          <a:fontRef idx="minor">
+            <a:schemeClr val="dk1"/>
+          </a:fontRef>
+        </p:style>
+        <p:txBody>
+          <a:bodyPr rot="0" spcFirstLastPara="0" vertOverflow="overflow" horzOverflow="overflow" vert="horz" wrap="none" lIns="91440" tIns="45720" rIns="91440" bIns="45720" numCol="1" spcCol="0" rtlCol="0" fromWordArt="0" anchor="ctr" anchorCtr="0" forceAA="0" compatLnSpc="1">
+            <a:prstTxWarp prst="textNoShape">
+              <a:avLst/>
+            </a:prstTxWarp>
+            <a:spAutoFit/>
+          </a:bodyPr>
+          <a:lstStyle/>
+          <a:p>
+            <a:pPr algn="ctr"/>
+            <a:r>
+              <a:rPr lang="en-US" altLang="ja-JP" sz="2800" dirty="0" smtClean="0">
+                <a:solidFill>
+                  <a:schemeClr val="accent1">
+                    <a:lumMod val="75000"/>
+                  </a:schemeClr>
+                </a:solidFill>
+                <a:latin typeface="Arial" panose="020B0604020202020204" pitchFamily="34" charset="0"/>
+                <a:cs typeface="Arial" panose="020B0604020202020204" pitchFamily="34" charset="0"/>
+              </a:rPr>
+              <a:t>containerd-shim-kata-v2</a:t>
+            </a:r>
+            <a:endParaRPr lang="ja-JP" altLang="en-US" sz="2800" dirty="0">
+              <a:solidFill>
+                <a:schemeClr val="accent1">
+                  <a:lumMod val="75000"/>
+                </a:schemeClr>
+              </a:solidFill>
+              <a:latin typeface="Arial" panose="020B0604020202020204" pitchFamily="34" charset="0"/>
+              <a:cs typeface="Arial" panose="020B0604020202020204" pitchFamily="34" charset="0"/>
+            </a:endParaRPr>
+          </a:p>
+        </p:txBody>
+      </p:sp>
+      <p:cxnSp>
+        <p:nvCxnSpPr>
+          <p:cNvPr id="88" name="直線矢印コネクタ 87"/>
+          <p:cNvCxnSpPr>
+            <a:stCxn id="53" idx="2"/>
+            <a:endCxn id="86" idx="0"/>
+          </p:cNvCxnSpPr>
+          <p:nvPr/>
+        </p:nvCxnSpPr>
+        <p:spPr>
+          <a:xfrm flipH="1">
+            <a:off x="4443613" y="7123180"/>
+            <a:ext cx="7124" cy="433126"/>
+          </a:xfrm>
+          <a:prstGeom prst="straightConnector1">
+            <a:avLst/>
+          </a:prstGeom>
+          <a:ln w="25400">
+            <a:tailEnd type="triangle" w="lg" len="lg"/>
+          </a:ln>
+        </p:spPr>
+        <p:style>
+          <a:lnRef idx="1">
+            <a:schemeClr val="accent5"/>
+          </a:lnRef>
+          <a:fillRef idx="0">
+            <a:schemeClr val="accent5"/>
+          </a:fillRef>
+          <a:effectRef idx="0">
+            <a:schemeClr val="accent5"/>
+          </a:effectRef>
+          <a:fontRef idx="minor">
+            <a:schemeClr val="tx1"/>
+          </a:fontRef>
+        </p:style>
+      </p:cxnSp>
+      <p:sp>
+        <p:nvSpPr>
+          <p:cNvPr id="91" name="角丸四角形 90"/>
+          <p:cNvSpPr/>
+          <p:nvPr/>
+        </p:nvSpPr>
+        <p:spPr>
+          <a:xfrm>
+            <a:off x="1187624" y="8302116"/>
+            <a:ext cx="6480720" cy="3600400"/>
+          </a:xfrm>
+          <a:prstGeom prst="roundRect">
+            <a:avLst>
+              <a:gd name="adj" fmla="val 8030"/>
+            </a:avLst>
+          </a:prstGeom>
+          <a:noFill/>
+          <a:ln>
+            <a:solidFill>
+              <a:schemeClr val="tx1">
+                <a:lumMod val="50000"/>
+                <a:lumOff val="50000"/>
+              </a:schemeClr>
+            </a:solidFill>
+            <a:prstDash val="dash"/>
+          </a:ln>
+        </p:spPr>
+        <p:style>
+          <a:lnRef idx="2">
+            <a:schemeClr val="accent5"/>
+          </a:lnRef>
+          <a:fillRef idx="1">
+            <a:schemeClr val="lt1"/>
+          </a:fillRef>
+          <a:effectRef idx="0">
+            <a:schemeClr val="accent5"/>
+          </a:effectRef>
+          <a:fontRef idx="minor">
+            <a:schemeClr val="dk1"/>
+          </a:fontRef>
+        </p:style>
+        <p:txBody>
+          <a:bodyPr rtlCol="0" anchor="ctr"/>
+          <a:lstStyle/>
+          <a:p>
+            <a:pPr algn="ctr"/>
+            <a:endParaRPr kumimoji="1" lang="ja-JP" altLang="en-US"/>
+          </a:p>
+        </p:txBody>
+      </p:sp>
+      <p:sp>
+        <p:nvSpPr>
+          <p:cNvPr id="92" name="正方形/長方形 91"/>
+          <p:cNvSpPr/>
+          <p:nvPr/>
+        </p:nvSpPr>
+        <p:spPr>
+          <a:xfrm>
+            <a:off x="3500887" y="8604058"/>
+            <a:ext cx="1885453" cy="523220"/>
+          </a:xfrm>
+          <a:prstGeom prst="rect">
+            <a:avLst/>
+          </a:prstGeom>
+        </p:spPr>
+        <p:style>
+          <a:lnRef idx="2">
+            <a:schemeClr val="accent5"/>
+          </a:lnRef>
+          <a:fillRef idx="1">
+            <a:schemeClr val="lt1"/>
+          </a:fillRef>
+          <a:effectRef idx="0">
+            <a:schemeClr val="accent5"/>
+          </a:effectRef>
+          <a:fontRef idx="minor">
+            <a:schemeClr val="dk1"/>
+          </a:fontRef>
+        </p:style>
+        <p:txBody>
+          <a:bodyPr rot="0" spcFirstLastPara="0" vertOverflow="overflow" horzOverflow="overflow" vert="horz" wrap="none" lIns="91440" tIns="45720" rIns="91440" bIns="45720" numCol="1" spcCol="0" rtlCol="0" fromWordArt="0" anchor="ctr" anchorCtr="0" forceAA="0" compatLnSpc="1">
+            <a:prstTxWarp prst="textNoShape">
+              <a:avLst/>
+            </a:prstTxWarp>
+            <a:spAutoFit/>
+          </a:bodyPr>
+          <a:lstStyle/>
+          <a:p>
+            <a:pPr algn="ctr"/>
+            <a:r>
+              <a:rPr lang="en-US" altLang="ja-JP" sz="2800" dirty="0" smtClean="0">
+                <a:solidFill>
+                  <a:schemeClr val="accent1">
+                    <a:lumMod val="75000"/>
+                  </a:schemeClr>
+                </a:solidFill>
+                <a:latin typeface="Arial" panose="020B0604020202020204" pitchFamily="34" charset="0"/>
+                <a:cs typeface="Arial" panose="020B0604020202020204" pitchFamily="34" charset="0"/>
+              </a:rPr>
+              <a:t>kata-agent</a:t>
+            </a:r>
+            <a:endParaRPr lang="ja-JP" altLang="en-US" sz="2800" dirty="0">
+              <a:solidFill>
+                <a:schemeClr val="accent1">
+                  <a:lumMod val="75000"/>
+                </a:schemeClr>
+              </a:solidFill>
+              <a:latin typeface="Arial" panose="020B0604020202020204" pitchFamily="34" charset="0"/>
+              <a:cs typeface="Arial" panose="020B0604020202020204" pitchFamily="34" charset="0"/>
+            </a:endParaRPr>
+          </a:p>
+        </p:txBody>
+      </p:sp>
+      <p:cxnSp>
+        <p:nvCxnSpPr>
+          <p:cNvPr id="93" name="直線矢印コネクタ 92"/>
+          <p:cNvCxnSpPr/>
+          <p:nvPr/>
+        </p:nvCxnSpPr>
+        <p:spPr>
+          <a:xfrm>
+            <a:off x="4443613" y="8105256"/>
+            <a:ext cx="1" cy="498802"/>
+          </a:xfrm>
+          <a:prstGeom prst="straightConnector1">
+            <a:avLst/>
+          </a:prstGeom>
+          <a:ln w="25400">
+            <a:tailEnd type="triangle" w="lg" len="lg"/>
+          </a:ln>
+        </p:spPr>
+        <p:style>
+          <a:lnRef idx="1">
+            <a:schemeClr val="accent5"/>
+          </a:lnRef>
+          <a:fillRef idx="0">
+            <a:schemeClr val="accent5"/>
+          </a:fillRef>
+          <a:effectRef idx="0">
+            <a:schemeClr val="accent5"/>
+          </a:effectRef>
+          <a:fontRef idx="minor">
+            <a:schemeClr val="tx1"/>
+          </a:fontRef>
+        </p:style>
+      </p:cxnSp>
+      <p:sp>
+        <p:nvSpPr>
+          <p:cNvPr id="94" name="対角する 2 つの角を丸めた四角形 93"/>
+          <p:cNvSpPr/>
+          <p:nvPr/>
+        </p:nvSpPr>
+        <p:spPr>
+          <a:xfrm>
+            <a:off x="1180799" y="8292772"/>
+            <a:ext cx="2088000" cy="288000"/>
+          </a:xfrm>
+          <a:prstGeom prst="round2DiagRect">
+            <a:avLst/>
+          </a:prstGeom>
+          <a:effectLst/>
+        </p:spPr>
+        <p:style>
+          <a:lnRef idx="1">
+            <a:schemeClr val="dk1"/>
+          </a:lnRef>
+          <a:fillRef idx="2">
+            <a:schemeClr val="dk1"/>
+          </a:fillRef>
+          <a:effectRef idx="1">
+            <a:schemeClr val="dk1"/>
+          </a:effectRef>
+          <a:fontRef idx="minor">
+            <a:schemeClr val="dk1"/>
+          </a:fontRef>
+        </p:style>
+        <p:txBody>
+          <a:bodyPr wrap="none" lIns="36000" tIns="36000" rIns="36000" bIns="36000" rtlCol="0" anchor="ctr"/>
+          <a:lstStyle/>
+          <a:p>
+            <a:pPr algn="ctr">
+              <a:lnSpc>
+                <a:spcPts val="1460"/>
+              </a:lnSpc>
+            </a:pPr>
+            <a:r>
+              <a:rPr lang="en-US" altLang="ja-JP" dirty="0">
+                <a:solidFill>
+                  <a:schemeClr val="tx1">
+                    <a:lumMod val="75000"/>
+                    <a:lumOff val="25000"/>
+                  </a:schemeClr>
+                </a:solidFill>
+              </a:rPr>
+              <a:t>VM (Clear </a:t>
+            </a:r>
+            <a:r>
+              <a:rPr lang="en-US" altLang="ja-JP" dirty="0" smtClean="0">
+                <a:solidFill>
+                  <a:schemeClr val="tx1">
+                    <a:lumMod val="75000"/>
+                    <a:lumOff val="25000"/>
+                  </a:schemeClr>
+                </a:solidFill>
+              </a:rPr>
+              <a:t>Linux, etc.)</a:t>
+            </a:r>
+            <a:endParaRPr kumimoji="1" lang="ja-JP" altLang="en-US" dirty="0">
+              <a:solidFill>
+                <a:schemeClr val="tx1">
+                  <a:lumMod val="75000"/>
+                  <a:lumOff val="25000"/>
+                </a:schemeClr>
+              </a:solidFill>
+            </a:endParaRPr>
+          </a:p>
+        </p:txBody>
+      </p:sp>
+      <p:cxnSp>
+        <p:nvCxnSpPr>
+          <p:cNvPr id="95" name="カギ線コネクタ 94"/>
+          <p:cNvCxnSpPr>
+            <a:stCxn id="92" idx="2"/>
+            <a:endCxn id="59" idx="0"/>
+          </p:cNvCxnSpPr>
+          <p:nvPr/>
+        </p:nvCxnSpPr>
+        <p:spPr>
+          <a:xfrm rot="5400000">
+            <a:off x="3278961" y="8661879"/>
+            <a:ext cx="699255" cy="1630052"/>
+          </a:xfrm>
+          <a:prstGeom prst="bentConnector3">
+            <a:avLst>
+              <a:gd name="adj1" fmla="val 25092"/>
+            </a:avLst>
+          </a:prstGeom>
+          <a:ln w="25400">
+            <a:tailEnd type="triangle" w="lg" len="lg"/>
+          </a:ln>
+        </p:spPr>
+        <p:style>
+          <a:lnRef idx="1">
+            <a:schemeClr val="accent5"/>
+          </a:lnRef>
+          <a:fillRef idx="0">
+            <a:schemeClr val="accent5"/>
+          </a:fillRef>
+          <a:effectRef idx="0">
+            <a:schemeClr val="accent5"/>
+          </a:effectRef>
+          <a:fontRef idx="minor">
+            <a:schemeClr val="tx1"/>
+          </a:fontRef>
+        </p:style>
+      </p:cxnSp>
+      <p:cxnSp>
+        <p:nvCxnSpPr>
+          <p:cNvPr id="96" name="カギ線コネクタ 95"/>
+          <p:cNvCxnSpPr>
+            <a:stCxn id="92" idx="2"/>
+            <a:endCxn id="72" idx="0"/>
+          </p:cNvCxnSpPr>
+          <p:nvPr/>
+        </p:nvCxnSpPr>
+        <p:spPr>
+          <a:xfrm rot="16200000" flipH="1">
+            <a:off x="4935145" y="8635747"/>
+            <a:ext cx="699255" cy="1682316"/>
+          </a:xfrm>
+          <a:prstGeom prst="bentConnector3">
+            <a:avLst>
+              <a:gd name="adj1" fmla="val 25092"/>
+            </a:avLst>
+          </a:prstGeom>
+          <a:ln w="25400">
+            <a:tailEnd type="triangle" w="lg" len="lg"/>
+          </a:ln>
+        </p:spPr>
+        <p:style>
+          <a:lnRef idx="1">
+            <a:schemeClr val="accent5"/>
+          </a:lnRef>
+          <a:fillRef idx="0">
+            <a:schemeClr val="accent5"/>
+          </a:fillRef>
+          <a:effectRef idx="0">
+            <a:schemeClr val="accent5"/>
+          </a:effectRef>
+          <a:fontRef idx="minor">
+            <a:schemeClr val="tx1"/>
+          </a:fontRef>
+        </p:style>
+      </p:cxnSp>
+      <p:sp>
+        <p:nvSpPr>
+          <p:cNvPr id="97" name="正方形/長方形 96"/>
+          <p:cNvSpPr/>
+          <p:nvPr/>
+        </p:nvSpPr>
+        <p:spPr>
+          <a:xfrm>
+            <a:off x="1187624" y="12190548"/>
+            <a:ext cx="6480720" cy="523220"/>
+          </a:xfrm>
+          <a:prstGeom prst="rect">
+            <a:avLst/>
+          </a:prstGeom>
+          <a:ln>
+            <a:solidFill>
+              <a:schemeClr val="tx1">
+                <a:lumMod val="65000"/>
+                <a:lumOff val="35000"/>
+              </a:schemeClr>
+            </a:solidFill>
+          </a:ln>
+        </p:spPr>
+        <p:style>
+          <a:lnRef idx="2">
+            <a:schemeClr val="dk1"/>
+          </a:lnRef>
+          <a:fillRef idx="1">
+            <a:schemeClr val="lt1"/>
+          </a:fillRef>
+          <a:effectRef idx="0">
+            <a:schemeClr val="dk1"/>
+          </a:effectRef>
+          <a:fontRef idx="minor">
+            <a:schemeClr val="dk1"/>
+          </a:fontRef>
+        </p:style>
+        <p:txBody>
+          <a:bodyPr rot="0" spcFirstLastPara="0" vertOverflow="overflow" horzOverflow="overflow" vert="horz" wrap="square" lIns="91440" tIns="45720" rIns="91440" bIns="45720" numCol="1" spcCol="0" rtlCol="0" fromWordArt="0" anchor="ctr" anchorCtr="0" forceAA="0" compatLnSpc="1">
+            <a:prstTxWarp prst="textNoShape">
+              <a:avLst/>
+            </a:prstTxWarp>
+            <a:spAutoFit/>
+          </a:bodyPr>
+          <a:lstStyle/>
+          <a:p>
+            <a:pPr algn="ctr"/>
+            <a:r>
+              <a:rPr lang="en-US" altLang="ja-JP" sz="2800" dirty="0" smtClean="0">
+                <a:solidFill>
+                  <a:schemeClr val="tx1">
+                    <a:lumMod val="65000"/>
+                    <a:lumOff val="35000"/>
+                  </a:schemeClr>
+                </a:solidFill>
+                <a:latin typeface="Arial" panose="020B0604020202020204" pitchFamily="34" charset="0"/>
+                <a:cs typeface="Arial" panose="020B0604020202020204" pitchFamily="34" charset="0"/>
+              </a:rPr>
+              <a:t>Hypervisor (QEMU, etc.)</a:t>
+            </a:r>
+            <a:endParaRPr lang="ja-JP" altLang="en-US" sz="2800" dirty="0">
+              <a:solidFill>
+                <a:schemeClr val="tx1">
+                  <a:lumMod val="65000"/>
+                  <a:lumOff val="35000"/>
+                </a:schemeClr>
+              </a:solidFill>
+              <a:latin typeface="Arial" panose="020B0604020202020204" pitchFamily="34" charset="0"/>
+              <a:cs typeface="Arial" panose="020B0604020202020204" pitchFamily="34" charset="0"/>
+            </a:endParaRPr>
+          </a:p>
+        </p:txBody>
+      </p:sp>
+      <p:cxnSp>
+        <p:nvCxnSpPr>
+          <p:cNvPr id="101" name="カギ線コネクタ 100"/>
+          <p:cNvCxnSpPr>
+            <a:stCxn id="86" idx="1"/>
+            <a:endCxn id="97" idx="1"/>
+          </p:cNvCxnSpPr>
+          <p:nvPr/>
+        </p:nvCxnSpPr>
+        <p:spPr>
+          <a:xfrm rot="10800000" flipV="1">
+            <a:off x="1187624" y="7817916"/>
+            <a:ext cx="1232838" cy="4634242"/>
+          </a:xfrm>
+          <a:prstGeom prst="bentConnector3">
+            <a:avLst>
+              <a:gd name="adj1" fmla="val 125607"/>
+            </a:avLst>
+          </a:prstGeom>
+          <a:ln w="25400">
+            <a:prstDash val="sysDash"/>
+            <a:tailEnd type="triangle" w="lg" len="lg"/>
+          </a:ln>
+        </p:spPr>
+        <p:style>
+          <a:lnRef idx="1">
+            <a:schemeClr val="accent5"/>
+          </a:lnRef>
+          <a:fillRef idx="0">
+            <a:schemeClr val="accent5"/>
+          </a:fillRef>
+          <a:effectRef idx="0">
+            <a:schemeClr val="accent5"/>
+          </a:effectRef>
+          <a:fontRef idx="minor">
+            <a:schemeClr val="tx1"/>
+          </a:fontRef>
+        </p:style>
+      </p:cxnSp>
+      <p:cxnSp>
+        <p:nvCxnSpPr>
+          <p:cNvPr id="102" name="直線矢印コネクタ 101"/>
+          <p:cNvCxnSpPr>
+            <a:stCxn id="97" idx="0"/>
+            <a:endCxn id="91" idx="2"/>
+          </p:cNvCxnSpPr>
+          <p:nvPr/>
+        </p:nvCxnSpPr>
+        <p:spPr>
+          <a:xfrm flipV="1">
+            <a:off x="4427984" y="11902516"/>
+            <a:ext cx="0" cy="288032"/>
+          </a:xfrm>
+          <a:prstGeom prst="straightConnector1">
+            <a:avLst/>
+          </a:prstGeom>
+          <a:ln w="25400">
+            <a:tailEnd type="triangle" w="lg" len="lg"/>
+          </a:ln>
+        </p:spPr>
+        <p:style>
+          <a:lnRef idx="1">
+            <a:schemeClr val="accent5"/>
+          </a:lnRef>
+          <a:fillRef idx="0">
+            <a:schemeClr val="accent5"/>
+          </a:fillRef>
+          <a:effectRef idx="0">
+            <a:schemeClr val="accent5"/>
+          </a:effectRef>
+          <a:fontRef idx="minor">
+            <a:schemeClr val="tx1"/>
+          </a:fontRef>
+        </p:style>
+      </p:cxnSp>
+    </p:spTree>
+    <p:extLst>
+      <p:ext uri="{BB962C8B-B14F-4D97-AF65-F5344CB8AC3E}">
+        <p14:creationId xmlns:p14="http://schemas.microsoft.com/office/powerpoint/2010/main" val="3188614599"/>
+      </p:ext>
+    </p:extLst>
+  </p:cSld>
+  <p:clrMapOvr>
+    <a:masterClrMapping/>
+  </p:clrMapOvr>
+</p:sld>
+</file>
+
+<file path=ppt/slides/slide12.xml><?xml version="1.0" encoding="utf-8"?>
+<p:sld xmlns:a="http://schemas.openxmlformats.org/drawingml/2006/main" xmlns:r="http://schemas.openxmlformats.org/officeDocument/2006/relationships" xmlns:p="http://schemas.openxmlformats.org/presentationml/2006/main">
+  <p:cSld>
+    <p:spTree>
+      <p:nvGrpSpPr>
+        <p:cNvPr id="1" name=""/>
+        <p:cNvGrpSpPr/>
+        <p:nvPr/>
+      </p:nvGrpSpPr>
+      <p:grpSpPr>
+        <a:xfrm>
+          <a:off x="0" y="0"/>
+          <a:ext cx="0" cy="0"/>
+          <a:chOff x="0" y="0"/>
+          <a:chExt cx="0" cy="0"/>
+        </a:xfrm>
+      </p:grpSpPr>
+      <p:pic>
+        <p:nvPicPr>
+          <p:cNvPr id="49" name="Picture 3" descr="C:\Users\kaitoy\Desktop\bin\pleiades\workspace\blog\static\images\docker.png"/>
+          <p:cNvPicPr>
+            <a:picLocks noChangeAspect="1" noChangeArrowheads="1"/>
+          </p:cNvPicPr>
+          <p:nvPr/>
+        </p:nvPicPr>
+        <p:blipFill>
+          <a:blip r:embed="rId2">
+            <a:extLst>
+              <a:ext uri="{28A0092B-C50C-407E-A947-70E740481C1C}">
+                <a14:useLocalDpi xmlns:a14="http://schemas.microsoft.com/office/drawing/2010/main" val="0"/>
+              </a:ext>
+            </a:extLst>
+          </a:blip>
+          <a:srcRect/>
+          <a:stretch>
+            <a:fillRect/>
+          </a:stretch>
+        </p:blipFill>
+        <p:spPr bwMode="auto">
+          <a:xfrm>
+            <a:off x="845327" y="9401400"/>
+            <a:ext cx="1905001" cy="1576388"/>
+          </a:xfrm>
+          <a:prstGeom prst="rect">
+            <a:avLst/>
+          </a:prstGeom>
+          <a:noFill/>
+          <a:extLst>
+            <a:ext uri="{909E8E84-426E-40DD-AFC4-6F175D3DCCD1}">
+              <a14:hiddenFill xmlns:a14="http://schemas.microsoft.com/office/drawing/2010/main">
+                <a:solidFill>
+                  <a:srgbClr val="FFFFFF"/>
+                </a:solidFill>
+              </a14:hiddenFill>
+            </a:ext>
+          </a:extLst>
+        </p:spPr>
+      </p:pic>
+      <p:cxnSp>
+        <p:nvCxnSpPr>
+          <p:cNvPr id="50" name="直線矢印コネクタ 49"/>
+          <p:cNvCxnSpPr/>
+          <p:nvPr/>
+        </p:nvCxnSpPr>
+        <p:spPr>
+          <a:xfrm>
+            <a:off x="5138656" y="5285449"/>
+            <a:ext cx="0" cy="666162"/>
+          </a:xfrm>
+          <a:prstGeom prst="straightConnector1">
+            <a:avLst/>
+          </a:prstGeom>
+          <a:ln w="25400">
+            <a:tailEnd type="triangle" w="lg" len="lg"/>
+          </a:ln>
+        </p:spPr>
+        <p:style>
+          <a:lnRef idx="1">
+            <a:schemeClr val="accent5"/>
+          </a:lnRef>
+          <a:fillRef idx="0">
+            <a:schemeClr val="accent5"/>
+          </a:fillRef>
+          <a:effectRef idx="0">
+            <a:schemeClr val="accent5"/>
+          </a:effectRef>
+          <a:fontRef idx="minor">
+            <a:schemeClr val="tx1"/>
+          </a:fontRef>
+        </p:style>
+      </p:cxnSp>
+      <p:grpSp>
+        <p:nvGrpSpPr>
+          <p:cNvPr id="52" name="グループ化 51"/>
+          <p:cNvGrpSpPr/>
+          <p:nvPr/>
+        </p:nvGrpSpPr>
+        <p:grpSpPr>
+          <a:xfrm>
+            <a:off x="3708563" y="5937097"/>
+            <a:ext cx="2862459" cy="1304063"/>
+            <a:chOff x="3126959" y="2262359"/>
+            <a:chExt cx="2862459" cy="1106287"/>
+          </a:xfrm>
+        </p:grpSpPr>
+        <p:sp>
+          <p:nvSpPr>
+            <p:cNvPr id="53" name="角丸四角形 52"/>
+            <p:cNvSpPr/>
+            <p:nvPr/>
+          </p:nvSpPr>
+          <p:spPr>
+            <a:xfrm>
+              <a:off x="3141203" y="2276873"/>
+              <a:ext cx="2848215" cy="1091773"/>
+            </a:xfrm>
+            <a:prstGeom prst="roundRect">
+              <a:avLst>
+                <a:gd name="adj" fmla="val 10811"/>
+              </a:avLst>
+            </a:prstGeom>
+            <a:noFill/>
+            <a:ln>
+              <a:prstDash val="dash"/>
+            </a:ln>
+          </p:spPr>
+          <p:style>
+            <a:lnRef idx="2">
+              <a:schemeClr val="accent1"/>
+            </a:lnRef>
+            <a:fillRef idx="1">
+              <a:schemeClr val="lt1"/>
+            </a:fillRef>
+            <a:effectRef idx="0">
+              <a:schemeClr val="accent1"/>
+            </a:effectRef>
+            <a:fontRef idx="minor">
+              <a:schemeClr val="dk1"/>
+            </a:fontRef>
+          </p:style>
+          <p:txBody>
+            <a:bodyPr rtlCol="0" anchor="ctr"/>
+            <a:lstStyle/>
+            <a:p>
+              <a:pPr algn="ctr"/>
+              <a:endParaRPr kumimoji="1" lang="ja-JP" altLang="en-US"/>
+            </a:p>
+          </p:txBody>
+        </p:sp>
+        <p:sp>
+          <p:nvSpPr>
+            <p:cNvPr id="54" name="対角する 2 つの角を丸めた四角形 53"/>
+            <p:cNvSpPr/>
+            <p:nvPr/>
+          </p:nvSpPr>
+          <p:spPr>
+            <a:xfrm>
+              <a:off x="3126959" y="2262359"/>
+              <a:ext cx="936000" cy="292627"/>
+            </a:xfrm>
+            <a:prstGeom prst="round2DiagRect">
+              <a:avLst/>
+            </a:prstGeom>
+            <a:effectLst/>
+          </p:spPr>
+          <p:style>
+            <a:lnRef idx="1">
+              <a:schemeClr val="accent1"/>
+            </a:lnRef>
+            <a:fillRef idx="2">
+              <a:schemeClr val="accent1"/>
+            </a:fillRef>
+            <a:effectRef idx="1">
+              <a:schemeClr val="accent1"/>
+            </a:effectRef>
+            <a:fontRef idx="minor">
+              <a:schemeClr val="dk1"/>
+            </a:fontRef>
+          </p:style>
+          <p:txBody>
+            <a:bodyPr wrap="none" lIns="36000" tIns="36000" rIns="36000" bIns="36000" rtlCol="0" anchor="ctr"/>
+            <a:lstStyle/>
+            <a:p>
+              <a:pPr algn="ctr"/>
+              <a:r>
+                <a:rPr kumimoji="1" lang="en-US" altLang="ja-JP" dirty="0" smtClean="0">
+                  <a:solidFill>
+                    <a:schemeClr val="tx1">
+                      <a:lumMod val="75000"/>
+                      <a:lumOff val="25000"/>
+                    </a:schemeClr>
+                  </a:solidFill>
+                </a:rPr>
+                <a:t>CRI </a:t>
+              </a:r>
+              <a:r>
+                <a:rPr kumimoji="1" lang="en-US" altLang="ja-JP" dirty="0" err="1" smtClean="0">
+                  <a:solidFill>
+                    <a:schemeClr val="tx1">
+                      <a:lumMod val="75000"/>
+                      <a:lumOff val="25000"/>
+                    </a:schemeClr>
+                  </a:solidFill>
+                </a:rPr>
+                <a:t>impl</a:t>
+              </a:r>
+              <a:endParaRPr kumimoji="1" lang="ja-JP" altLang="en-US" dirty="0">
+                <a:solidFill>
+                  <a:schemeClr val="tx1">
+                    <a:lumMod val="75000"/>
+                    <a:lumOff val="25000"/>
+                  </a:schemeClr>
+                </a:solidFill>
+              </a:endParaRPr>
+            </a:p>
+          </p:txBody>
+        </p:sp>
+      </p:grpSp>
+      <p:pic>
+        <p:nvPicPr>
+          <p:cNvPr id="56" name="Picture 2" descr="C:\Users\kaitoy\Desktop\bin\pleiades\workspace\blog\static\images\kubernetes.png"/>
+          <p:cNvPicPr>
+            <a:picLocks noChangeAspect="1" noChangeArrowheads="1"/>
+          </p:cNvPicPr>
+          <p:nvPr/>
+        </p:nvPicPr>
+        <p:blipFill>
           <a:blip r:embed="rId3" cstate="print">
             <a:extLst>
               <a:ext uri="{28A0092B-C50C-407E-A947-70E740481C1C}">
@@ -6592,6 +8808,1924 @@
     <p:extLst>
       <p:ext uri="{BB962C8B-B14F-4D97-AF65-F5344CB8AC3E}">
         <p14:creationId xmlns:p14="http://schemas.microsoft.com/office/powerpoint/2010/main" val="42265084"/>
+      </p:ext>
+    </p:extLst>
+  </p:cSld>
+  <p:clrMapOvr>
+    <a:masterClrMapping/>
+  </p:clrMapOvr>
+</p:sld>
+</file>
+
+<file path=ppt/slides/slide13.xml><?xml version="1.0" encoding="utf-8"?>
+<p:sld xmlns:a="http://schemas.openxmlformats.org/drawingml/2006/main" xmlns:r="http://schemas.openxmlformats.org/officeDocument/2006/relationships" xmlns:p="http://schemas.openxmlformats.org/presentationml/2006/main">
+  <p:cSld>
+    <p:spTree>
+      <p:nvGrpSpPr>
+        <p:cNvPr id="1" name=""/>
+        <p:cNvGrpSpPr/>
+        <p:nvPr/>
+      </p:nvGrpSpPr>
+      <p:grpSpPr>
+        <a:xfrm>
+          <a:off x="0" y="0"/>
+          <a:ext cx="0" cy="0"/>
+          <a:chOff x="0" y="0"/>
+          <a:chExt cx="0" cy="0"/>
+        </a:xfrm>
+      </p:grpSpPr>
+      <p:cxnSp>
+        <p:nvCxnSpPr>
+          <p:cNvPr id="5" name="直線矢印コネクタ 4"/>
+          <p:cNvCxnSpPr>
+            <a:stCxn id="6" idx="3"/>
+            <a:endCxn id="23" idx="1"/>
+          </p:cNvCxnSpPr>
+          <p:nvPr/>
+        </p:nvCxnSpPr>
+        <p:spPr>
+          <a:xfrm>
+            <a:off x="3915296" y="2039192"/>
+            <a:ext cx="2241183" cy="0"/>
+          </a:xfrm>
+          <a:prstGeom prst="straightConnector1">
+            <a:avLst/>
+          </a:prstGeom>
+          <a:ln w="25400">
+            <a:tailEnd type="triangle" w="lg" len="lg"/>
+          </a:ln>
+        </p:spPr>
+        <p:style>
+          <a:lnRef idx="1">
+            <a:schemeClr val="accent5"/>
+          </a:lnRef>
+          <a:fillRef idx="0">
+            <a:schemeClr val="accent5"/>
+          </a:fillRef>
+          <a:effectRef idx="0">
+            <a:schemeClr val="accent5"/>
+          </a:effectRef>
+          <a:fontRef idx="minor">
+            <a:schemeClr val="tx1"/>
+          </a:fontRef>
+        </p:style>
+      </p:cxnSp>
+      <p:sp>
+        <p:nvSpPr>
+          <p:cNvPr id="6" name="正方形/長方形 5"/>
+          <p:cNvSpPr/>
+          <p:nvPr/>
+        </p:nvSpPr>
+        <p:spPr>
+          <a:xfrm>
+            <a:off x="1179296" y="1697192"/>
+            <a:ext cx="2736000" cy="684000"/>
+          </a:xfrm>
+          <a:prstGeom prst="rect">
+            <a:avLst/>
+          </a:prstGeom>
+          <a:effectLst/>
+        </p:spPr>
+        <p:style>
+          <a:lnRef idx="1">
+            <a:schemeClr val="accent5"/>
+          </a:lnRef>
+          <a:fillRef idx="2">
+            <a:schemeClr val="accent5"/>
+          </a:fillRef>
+          <a:effectRef idx="1">
+            <a:schemeClr val="accent5"/>
+          </a:effectRef>
+          <a:fontRef idx="minor">
+            <a:schemeClr val="dk1"/>
+          </a:fontRef>
+        </p:style>
+        <p:txBody>
+          <a:bodyPr rot="0" spcFirstLastPara="0" vertOverflow="overflow" horzOverflow="overflow" vert="horz" wrap="square" lIns="91440" tIns="45720" rIns="91440" bIns="45720" numCol="1" spcCol="0" rtlCol="0" fromWordArt="0" anchor="ctr" anchorCtr="0" forceAA="0" compatLnSpc="1">
+            <a:prstTxWarp prst="textNoShape">
+              <a:avLst/>
+            </a:prstTxWarp>
+            <a:noAutofit/>
+          </a:bodyPr>
+          <a:lstStyle/>
+          <a:p>
+            <a:pPr algn="ctr"/>
+            <a:r>
+              <a:rPr lang="ja-JP" altLang="en-US" dirty="0">
+                <a:latin typeface="ＭＳ ゴシック" panose="020B0609070205080204" pitchFamily="49" charset="-128"/>
+                <a:ea typeface="ＭＳ ゴシック" panose="020B0609070205080204" pitchFamily="49" charset="-128"/>
+              </a:rPr>
+              <a:t>何も考えず</a:t>
+            </a:r>
+            <a:endParaRPr lang="en-US" altLang="ja-JP" dirty="0">
+              <a:latin typeface="ＭＳ ゴシック" panose="020B0609070205080204" pitchFamily="49" charset="-128"/>
+              <a:ea typeface="ＭＳ ゴシック" panose="020B0609070205080204" pitchFamily="49" charset="-128"/>
+            </a:endParaRPr>
+          </a:p>
+          <a:p>
+            <a:pPr algn="ctr"/>
+            <a:r>
+              <a:rPr lang="ja-JP" altLang="en-US" dirty="0">
+                <a:latin typeface="ＭＳ ゴシック" panose="020B0609070205080204" pitchFamily="49" charset="-128"/>
+                <a:ea typeface="ＭＳ ゴシック" panose="020B0609070205080204" pitchFamily="49" charset="-128"/>
+              </a:rPr>
+              <a:t>とりあえず試したい</a:t>
+            </a:r>
+          </a:p>
+        </p:txBody>
+      </p:sp>
+      <p:sp>
+        <p:nvSpPr>
+          <p:cNvPr id="10" name="正方形/長方形 9"/>
+          <p:cNvSpPr/>
+          <p:nvPr/>
+        </p:nvSpPr>
+        <p:spPr>
+          <a:xfrm>
+            <a:off x="1179296" y="2957904"/>
+            <a:ext cx="2736000" cy="684000"/>
+          </a:xfrm>
+          <a:prstGeom prst="rect">
+            <a:avLst/>
+          </a:prstGeom>
+          <a:effectLst/>
+        </p:spPr>
+        <p:style>
+          <a:lnRef idx="1">
+            <a:schemeClr val="accent5"/>
+          </a:lnRef>
+          <a:fillRef idx="2">
+            <a:schemeClr val="accent5"/>
+          </a:fillRef>
+          <a:effectRef idx="1">
+            <a:schemeClr val="accent5"/>
+          </a:effectRef>
+          <a:fontRef idx="minor">
+            <a:schemeClr val="dk1"/>
+          </a:fontRef>
+        </p:style>
+        <p:txBody>
+          <a:bodyPr rot="0" spcFirstLastPara="0" vertOverflow="overflow" horzOverflow="overflow" vert="horz" wrap="square" lIns="91440" tIns="45720" rIns="91440" bIns="45720" numCol="1" spcCol="0" rtlCol="0" fromWordArt="0" anchor="ctr" anchorCtr="0" forceAA="0" compatLnSpc="1">
+            <a:prstTxWarp prst="textNoShape">
+              <a:avLst/>
+            </a:prstTxWarp>
+            <a:noAutofit/>
+          </a:bodyPr>
+          <a:lstStyle/>
+          <a:p>
+            <a:pPr algn="ctr"/>
+            <a:r>
+              <a:rPr lang="en-US" altLang="ja-JP" dirty="0">
+                <a:latin typeface="Arial" panose="020B0604020202020204" pitchFamily="34" charset="0"/>
+                <a:ea typeface="ＭＳ ゴシック" panose="020B0609070205080204" pitchFamily="49" charset="-128"/>
+                <a:cs typeface="Arial" panose="020B0604020202020204" pitchFamily="34" charset="0"/>
+              </a:rPr>
+              <a:t>Windows</a:t>
+            </a:r>
+            <a:r>
+              <a:rPr lang="ja-JP" altLang="en-US" dirty="0">
+                <a:latin typeface="ＭＳ ゴシック" panose="020B0609070205080204" pitchFamily="49" charset="-128"/>
+                <a:ea typeface="ＭＳ ゴシック" panose="020B0609070205080204" pitchFamily="49" charset="-128"/>
+              </a:rPr>
+              <a:t>アプリを</a:t>
+            </a:r>
+            <a:endParaRPr lang="en-US" altLang="ja-JP" dirty="0">
+              <a:latin typeface="ＭＳ ゴシック" panose="020B0609070205080204" pitchFamily="49" charset="-128"/>
+              <a:ea typeface="ＭＳ ゴシック" panose="020B0609070205080204" pitchFamily="49" charset="-128"/>
+            </a:endParaRPr>
+          </a:p>
+          <a:p>
+            <a:pPr algn="ctr"/>
+            <a:r>
+              <a:rPr lang="ja-JP" altLang="en-US" dirty="0">
+                <a:latin typeface="ＭＳ ゴシック" panose="020B0609070205080204" pitchFamily="49" charset="-128"/>
+                <a:ea typeface="ＭＳ ゴシック" panose="020B0609070205080204" pitchFamily="49" charset="-128"/>
+              </a:rPr>
+              <a:t>動かしたい</a:t>
+            </a:r>
+          </a:p>
+        </p:txBody>
+      </p:sp>
+      <p:cxnSp>
+        <p:nvCxnSpPr>
+          <p:cNvPr id="19" name="直線矢印コネクタ 18"/>
+          <p:cNvCxnSpPr>
+            <a:stCxn id="10" idx="3"/>
+            <a:endCxn id="24" idx="1"/>
+          </p:cNvCxnSpPr>
+          <p:nvPr/>
+        </p:nvCxnSpPr>
+        <p:spPr>
+          <a:xfrm>
+            <a:off x="3915296" y="3299904"/>
+            <a:ext cx="2241183" cy="3354"/>
+          </a:xfrm>
+          <a:prstGeom prst="straightConnector1">
+            <a:avLst/>
+          </a:prstGeom>
+          <a:ln w="25400">
+            <a:tailEnd type="triangle" w="lg" len="lg"/>
+          </a:ln>
+        </p:spPr>
+        <p:style>
+          <a:lnRef idx="1">
+            <a:schemeClr val="accent5"/>
+          </a:lnRef>
+          <a:fillRef idx="0">
+            <a:schemeClr val="accent5"/>
+          </a:fillRef>
+          <a:effectRef idx="0">
+            <a:schemeClr val="accent5"/>
+          </a:effectRef>
+          <a:fontRef idx="minor">
+            <a:schemeClr val="tx1"/>
+          </a:fontRef>
+        </p:style>
+      </p:cxnSp>
+      <p:sp>
+        <p:nvSpPr>
+          <p:cNvPr id="23" name="角丸四角形 22"/>
+          <p:cNvSpPr/>
+          <p:nvPr/>
+        </p:nvSpPr>
+        <p:spPr>
+          <a:xfrm>
+            <a:off x="6156479" y="1697192"/>
+            <a:ext cx="2736000" cy="684000"/>
+          </a:xfrm>
+          <a:prstGeom prst="roundRect">
+            <a:avLst/>
+          </a:prstGeom>
+          <a:effectLst/>
+        </p:spPr>
+        <p:style>
+          <a:lnRef idx="1">
+            <a:schemeClr val="accent6"/>
+          </a:lnRef>
+          <a:fillRef idx="2">
+            <a:schemeClr val="accent6"/>
+          </a:fillRef>
+          <a:effectRef idx="1">
+            <a:schemeClr val="accent6"/>
+          </a:effectRef>
+          <a:fontRef idx="minor">
+            <a:schemeClr val="dk1"/>
+          </a:fontRef>
+        </p:style>
+        <p:txBody>
+          <a:bodyPr rtlCol="0" anchor="ctr"/>
+          <a:lstStyle/>
+          <a:p>
+            <a:pPr algn="ctr"/>
+            <a:r>
+              <a:rPr kumimoji="1" lang="en-US" altLang="ja-JP" dirty="0" smtClean="0">
+                <a:latin typeface="Arial" panose="020B0604020202020204" pitchFamily="34" charset="0"/>
+                <a:cs typeface="Arial" panose="020B0604020202020204" pitchFamily="34" charset="0"/>
+              </a:rPr>
+              <a:t>Docker</a:t>
+            </a:r>
+            <a:r>
+              <a:rPr kumimoji="1" lang="ja-JP" altLang="en-US" dirty="0" smtClean="0">
+                <a:latin typeface="Arial" panose="020B0604020202020204" pitchFamily="34" charset="0"/>
+                <a:cs typeface="Arial" panose="020B0604020202020204" pitchFamily="34" charset="0"/>
+              </a:rPr>
+              <a:t> </a:t>
+            </a:r>
+            <a:endParaRPr kumimoji="1" lang="en-US" altLang="ja-JP" dirty="0" smtClean="0">
+              <a:latin typeface="Arial" panose="020B0604020202020204" pitchFamily="34" charset="0"/>
+              <a:cs typeface="Arial" panose="020B0604020202020204" pitchFamily="34" charset="0"/>
+            </a:endParaRPr>
+          </a:p>
+          <a:p>
+            <a:pPr algn="ctr"/>
+            <a:r>
+              <a:rPr kumimoji="1" lang="en-US" altLang="ja-JP" dirty="0" smtClean="0">
+                <a:latin typeface="Arial" panose="020B0604020202020204" pitchFamily="34" charset="0"/>
+                <a:cs typeface="Arial" panose="020B0604020202020204" pitchFamily="34" charset="0"/>
+              </a:rPr>
+              <a:t>(</a:t>
+            </a:r>
+            <a:r>
+              <a:rPr kumimoji="1" lang="en-US" altLang="ja-JP" dirty="0" err="1" smtClean="0">
+                <a:latin typeface="Arial" panose="020B0604020202020204" pitchFamily="34" charset="0"/>
+                <a:cs typeface="Arial" panose="020B0604020202020204" pitchFamily="34" charset="0"/>
+              </a:rPr>
+              <a:t>containerd</a:t>
+            </a:r>
+            <a:r>
+              <a:rPr kumimoji="1" lang="ja-JP" altLang="en-US" dirty="0" smtClean="0">
+                <a:latin typeface="ＭＳ ゴシック" panose="020B0609070205080204" pitchFamily="49" charset="-128"/>
+                <a:ea typeface="ＭＳ ゴシック" panose="020B0609070205080204" pitchFamily="49" charset="-128"/>
+                <a:cs typeface="Arial" panose="020B0604020202020204" pitchFamily="34" charset="0"/>
+              </a:rPr>
+              <a:t>と</a:t>
+            </a:r>
+            <a:r>
+              <a:rPr kumimoji="1" lang="en-US" altLang="ja-JP" dirty="0" err="1" smtClean="0">
+                <a:latin typeface="Arial" panose="020B0604020202020204" pitchFamily="34" charset="0"/>
+                <a:cs typeface="Arial" panose="020B0604020202020204" pitchFamily="34" charset="0"/>
+              </a:rPr>
+              <a:t>runC</a:t>
+            </a:r>
+            <a:r>
+              <a:rPr kumimoji="1" lang="ja-JP" altLang="en-US" dirty="0" smtClean="0">
+                <a:latin typeface="ＭＳ ゴシック" panose="020B0609070205080204" pitchFamily="49" charset="-128"/>
+                <a:ea typeface="ＭＳ ゴシック" panose="020B0609070205080204" pitchFamily="49" charset="-128"/>
+                <a:cs typeface="Arial" panose="020B0604020202020204" pitchFamily="34" charset="0"/>
+              </a:rPr>
+              <a:t>付き</a:t>
+            </a:r>
+            <a:r>
+              <a:rPr kumimoji="1" lang="en-US" altLang="ja-JP" dirty="0" smtClean="0">
+                <a:latin typeface="Arial" panose="020B0604020202020204" pitchFamily="34" charset="0"/>
+                <a:cs typeface="Arial" panose="020B0604020202020204" pitchFamily="34" charset="0"/>
+              </a:rPr>
+              <a:t>)</a:t>
+            </a:r>
+            <a:endParaRPr kumimoji="1" lang="ja-JP" altLang="en-US" dirty="0">
+              <a:latin typeface="Arial" panose="020B0604020202020204" pitchFamily="34" charset="0"/>
+              <a:cs typeface="Arial" panose="020B0604020202020204" pitchFamily="34" charset="0"/>
+            </a:endParaRPr>
+          </a:p>
+        </p:txBody>
+      </p:sp>
+      <p:sp>
+        <p:nvSpPr>
+          <p:cNvPr id="24" name="角丸四角形 23"/>
+          <p:cNvSpPr/>
+          <p:nvPr/>
+        </p:nvSpPr>
+        <p:spPr>
+          <a:xfrm>
+            <a:off x="6156479" y="2961258"/>
+            <a:ext cx="2736000" cy="684000"/>
+          </a:xfrm>
+          <a:prstGeom prst="roundRect">
+            <a:avLst/>
+          </a:prstGeom>
+          <a:effectLst/>
+        </p:spPr>
+        <p:style>
+          <a:lnRef idx="1">
+            <a:schemeClr val="accent6"/>
+          </a:lnRef>
+          <a:fillRef idx="2">
+            <a:schemeClr val="accent6"/>
+          </a:fillRef>
+          <a:effectRef idx="1">
+            <a:schemeClr val="accent6"/>
+          </a:effectRef>
+          <a:fontRef idx="minor">
+            <a:schemeClr val="dk1"/>
+          </a:fontRef>
+        </p:style>
+        <p:txBody>
+          <a:bodyPr rtlCol="0" anchor="ctr"/>
+          <a:lstStyle/>
+          <a:p>
+            <a:pPr algn="ctr"/>
+            <a:r>
+              <a:rPr lang="en-US" altLang="ja-JP" dirty="0">
+                <a:latin typeface="Arial" panose="020B0604020202020204" pitchFamily="34" charset="0"/>
+                <a:cs typeface="Arial" panose="020B0604020202020204" pitchFamily="34" charset="0"/>
+              </a:rPr>
+              <a:t>Windows</a:t>
+            </a:r>
+            <a:r>
+              <a:rPr lang="ja-JP" altLang="en-US" dirty="0">
+                <a:latin typeface="Arial" panose="020B0604020202020204" pitchFamily="34" charset="0"/>
+                <a:cs typeface="Arial" panose="020B0604020202020204" pitchFamily="34" charset="0"/>
+              </a:rPr>
+              <a:t> </a:t>
+            </a:r>
+            <a:r>
+              <a:rPr lang="en-US" altLang="ja-JP" dirty="0" smtClean="0">
+                <a:latin typeface="Arial" panose="020B0604020202020204" pitchFamily="34" charset="0"/>
+                <a:cs typeface="Arial" panose="020B0604020202020204" pitchFamily="34" charset="0"/>
+              </a:rPr>
+              <a:t>Containers</a:t>
+            </a:r>
+          </a:p>
+          <a:p>
+            <a:pPr algn="ctr"/>
+            <a:r>
+              <a:rPr lang="en-US" altLang="ja-JP" dirty="0" smtClean="0">
+                <a:latin typeface="Arial" panose="020B0604020202020204" pitchFamily="34" charset="0"/>
+                <a:cs typeface="Arial" panose="020B0604020202020204" pitchFamily="34" charset="0"/>
+              </a:rPr>
+              <a:t>(i.e</a:t>
+            </a:r>
+            <a:r>
+              <a:rPr lang="en-US" altLang="ja-JP" dirty="0">
+                <a:latin typeface="Arial" panose="020B0604020202020204" pitchFamily="34" charset="0"/>
+                <a:cs typeface="Arial" panose="020B0604020202020204" pitchFamily="34" charset="0"/>
+              </a:rPr>
+              <a:t>.</a:t>
+            </a:r>
+            <a:r>
+              <a:rPr lang="ja-JP" altLang="en-US" dirty="0">
+                <a:latin typeface="Arial" panose="020B0604020202020204" pitchFamily="34" charset="0"/>
+                <a:cs typeface="Arial" panose="020B0604020202020204" pitchFamily="34" charset="0"/>
+              </a:rPr>
+              <a:t> </a:t>
+            </a:r>
+            <a:r>
+              <a:rPr lang="en-US" altLang="ja-JP" dirty="0">
+                <a:latin typeface="Arial" panose="020B0604020202020204" pitchFamily="34" charset="0"/>
+                <a:cs typeface="Arial" panose="020B0604020202020204" pitchFamily="34" charset="0"/>
+              </a:rPr>
+              <a:t>Windows</a:t>
+            </a:r>
+            <a:r>
+              <a:rPr lang="ja-JP" altLang="en-US" dirty="0">
+                <a:latin typeface="ＭＳ ゴシック" panose="020B0609070205080204" pitchFamily="49" charset="-128"/>
+                <a:ea typeface="ＭＳ ゴシック" panose="020B0609070205080204" pitchFamily="49" charset="-128"/>
+                <a:cs typeface="Arial" panose="020B0604020202020204" pitchFamily="34" charset="0"/>
+              </a:rPr>
+              <a:t>版</a:t>
+            </a:r>
+            <a:r>
+              <a:rPr lang="en-US" altLang="ja-JP" dirty="0">
+                <a:latin typeface="Arial" panose="020B0604020202020204" pitchFamily="34" charset="0"/>
+                <a:cs typeface="Arial" panose="020B0604020202020204" pitchFamily="34" charset="0"/>
+              </a:rPr>
+              <a:t>Docker)</a:t>
+            </a:r>
+            <a:endParaRPr lang="ja-JP" altLang="en-US" dirty="0">
+              <a:latin typeface="Arial" panose="020B0604020202020204" pitchFamily="34" charset="0"/>
+              <a:cs typeface="Arial" panose="020B0604020202020204" pitchFamily="34" charset="0"/>
+            </a:endParaRPr>
+          </a:p>
+        </p:txBody>
+      </p:sp>
+      <p:sp>
+        <p:nvSpPr>
+          <p:cNvPr id="25" name="正方形/長方形 24"/>
+          <p:cNvSpPr/>
+          <p:nvPr/>
+        </p:nvSpPr>
+        <p:spPr>
+          <a:xfrm>
+            <a:off x="1179296" y="9261461"/>
+            <a:ext cx="2736000" cy="684000"/>
+          </a:xfrm>
+          <a:prstGeom prst="rect">
+            <a:avLst/>
+          </a:prstGeom>
+          <a:effectLst/>
+        </p:spPr>
+        <p:style>
+          <a:lnRef idx="1">
+            <a:schemeClr val="accent5"/>
+          </a:lnRef>
+          <a:fillRef idx="2">
+            <a:schemeClr val="accent5"/>
+          </a:fillRef>
+          <a:effectRef idx="1">
+            <a:schemeClr val="accent5"/>
+          </a:effectRef>
+          <a:fontRef idx="minor">
+            <a:schemeClr val="dk1"/>
+          </a:fontRef>
+        </p:style>
+        <p:txBody>
+          <a:bodyPr rot="0" spcFirstLastPara="0" vertOverflow="overflow" horzOverflow="overflow" vert="horz" wrap="square" lIns="91440" tIns="45720" rIns="91440" bIns="45720" numCol="1" spcCol="0" rtlCol="0" fromWordArt="0" anchor="ctr" anchorCtr="0" forceAA="0" compatLnSpc="1">
+            <a:prstTxWarp prst="textNoShape">
+              <a:avLst/>
+            </a:prstTxWarp>
+            <a:noAutofit/>
+          </a:bodyPr>
+          <a:lstStyle/>
+          <a:p>
+            <a:pPr algn="ctr"/>
+            <a:r>
+              <a:rPr lang="en-US" altLang="ja-JP" dirty="0" err="1">
+                <a:latin typeface="Arial" panose="020B0604020202020204" pitchFamily="34" charset="0"/>
+                <a:ea typeface="ＭＳ ゴシック" panose="020B0609070205080204" pitchFamily="49" charset="-128"/>
+                <a:cs typeface="Arial" panose="020B0604020202020204" pitchFamily="34" charset="0"/>
+              </a:rPr>
+              <a:t>RedHat</a:t>
+            </a:r>
+            <a:r>
+              <a:rPr lang="ja-JP" altLang="en-US" dirty="0">
+                <a:latin typeface="ＭＳ ゴシック" panose="020B0609070205080204" pitchFamily="49" charset="-128"/>
+                <a:ea typeface="ＭＳ ゴシック" panose="020B0609070205080204" pitchFamily="49" charset="-128"/>
+              </a:rPr>
+              <a:t>が好き</a:t>
+            </a:r>
+          </a:p>
+        </p:txBody>
+      </p:sp>
+      <p:cxnSp>
+        <p:nvCxnSpPr>
+          <p:cNvPr id="26" name="直線矢印コネクタ 25"/>
+          <p:cNvCxnSpPr>
+            <a:stCxn id="25" idx="3"/>
+            <a:endCxn id="29" idx="1"/>
+          </p:cNvCxnSpPr>
+          <p:nvPr/>
+        </p:nvCxnSpPr>
+        <p:spPr>
+          <a:xfrm>
+            <a:off x="3915296" y="9603461"/>
+            <a:ext cx="2241183" cy="0"/>
+          </a:xfrm>
+          <a:prstGeom prst="straightConnector1">
+            <a:avLst/>
+          </a:prstGeom>
+          <a:ln w="25400">
+            <a:tailEnd type="triangle" w="lg" len="lg"/>
+          </a:ln>
+        </p:spPr>
+        <p:style>
+          <a:lnRef idx="1">
+            <a:schemeClr val="accent5"/>
+          </a:lnRef>
+          <a:fillRef idx="0">
+            <a:schemeClr val="accent5"/>
+          </a:fillRef>
+          <a:effectRef idx="0">
+            <a:schemeClr val="accent5"/>
+          </a:effectRef>
+          <a:fontRef idx="minor">
+            <a:schemeClr val="tx1"/>
+          </a:fontRef>
+        </p:style>
+      </p:cxnSp>
+      <p:sp>
+        <p:nvSpPr>
+          <p:cNvPr id="29" name="角丸四角形 28"/>
+          <p:cNvSpPr/>
+          <p:nvPr/>
+        </p:nvSpPr>
+        <p:spPr>
+          <a:xfrm>
+            <a:off x="6156479" y="9261461"/>
+            <a:ext cx="2736000" cy="684000"/>
+          </a:xfrm>
+          <a:prstGeom prst="roundRect">
+            <a:avLst/>
+          </a:prstGeom>
+          <a:effectLst/>
+        </p:spPr>
+        <p:style>
+          <a:lnRef idx="1">
+            <a:schemeClr val="accent6"/>
+          </a:lnRef>
+          <a:fillRef idx="2">
+            <a:schemeClr val="accent6"/>
+          </a:fillRef>
+          <a:effectRef idx="1">
+            <a:schemeClr val="accent6"/>
+          </a:effectRef>
+          <a:fontRef idx="minor">
+            <a:schemeClr val="dk1"/>
+          </a:fontRef>
+        </p:style>
+        <p:txBody>
+          <a:bodyPr rtlCol="0" anchor="ctr"/>
+          <a:lstStyle/>
+          <a:p>
+            <a:pPr algn="ctr"/>
+            <a:r>
+              <a:rPr lang="en-US" altLang="ja-JP" dirty="0">
+                <a:latin typeface="Arial" panose="020B0604020202020204" pitchFamily="34" charset="0"/>
+                <a:cs typeface="Arial" panose="020B0604020202020204" pitchFamily="34" charset="0"/>
+              </a:rPr>
+              <a:t>CRI-O</a:t>
+            </a:r>
+            <a:r>
+              <a:rPr lang="ja-JP" altLang="en-US" dirty="0">
+                <a:latin typeface="ＭＳ ゴシック" panose="020B0609070205080204" pitchFamily="49" charset="-128"/>
+                <a:ea typeface="ＭＳ ゴシック" panose="020B0609070205080204" pitchFamily="49" charset="-128"/>
+                <a:cs typeface="Arial" panose="020B0604020202020204" pitchFamily="34" charset="0"/>
+              </a:rPr>
+              <a:t>と</a:t>
+            </a:r>
+            <a:r>
+              <a:rPr lang="en-US" altLang="ja-JP" dirty="0" err="1">
+                <a:latin typeface="Arial" panose="020B0604020202020204" pitchFamily="34" charset="0"/>
+                <a:cs typeface="Arial" panose="020B0604020202020204" pitchFamily="34" charset="0"/>
+              </a:rPr>
+              <a:t>runC</a:t>
+            </a:r>
+            <a:endParaRPr lang="ja-JP" altLang="en-US" dirty="0">
+              <a:latin typeface="Arial" panose="020B0604020202020204" pitchFamily="34" charset="0"/>
+              <a:cs typeface="Arial" panose="020B0604020202020204" pitchFamily="34" charset="0"/>
+            </a:endParaRPr>
+          </a:p>
+        </p:txBody>
+      </p:sp>
+      <p:sp>
+        <p:nvSpPr>
+          <p:cNvPr id="30" name="正方形/長方形 29"/>
+          <p:cNvSpPr/>
+          <p:nvPr/>
+        </p:nvSpPr>
+        <p:spPr>
+          <a:xfrm>
+            <a:off x="1179296" y="4218616"/>
+            <a:ext cx="2736000" cy="684000"/>
+          </a:xfrm>
+          <a:prstGeom prst="rect">
+            <a:avLst/>
+          </a:prstGeom>
+          <a:effectLst/>
+        </p:spPr>
+        <p:style>
+          <a:lnRef idx="1">
+            <a:schemeClr val="accent5"/>
+          </a:lnRef>
+          <a:fillRef idx="2">
+            <a:schemeClr val="accent5"/>
+          </a:fillRef>
+          <a:effectRef idx="1">
+            <a:schemeClr val="accent5"/>
+          </a:effectRef>
+          <a:fontRef idx="minor">
+            <a:schemeClr val="dk1"/>
+          </a:fontRef>
+        </p:style>
+        <p:txBody>
+          <a:bodyPr rot="0" spcFirstLastPara="0" vertOverflow="overflow" horzOverflow="overflow" vert="horz" wrap="square" lIns="91440" tIns="45720" rIns="91440" bIns="45720" numCol="1" spcCol="0" rtlCol="0" fromWordArt="0" anchor="ctr" anchorCtr="0" forceAA="0" compatLnSpc="1">
+            <a:prstTxWarp prst="textNoShape">
+              <a:avLst/>
+            </a:prstTxWarp>
+            <a:noAutofit/>
+          </a:bodyPr>
+          <a:lstStyle/>
+          <a:p>
+            <a:pPr algn="ctr"/>
+            <a:r>
+              <a:rPr lang="ja-JP" altLang="en-US" dirty="0">
+                <a:latin typeface="ＭＳ ゴシック" panose="020B0609070205080204" pitchFamily="49" charset="-128"/>
+                <a:ea typeface="ＭＳ ゴシック" panose="020B0609070205080204" pitchFamily="49" charset="-128"/>
+              </a:rPr>
+              <a:t>コンテナ対応していない</a:t>
+            </a:r>
+            <a:endParaRPr lang="en-US" altLang="ja-JP" dirty="0">
+              <a:latin typeface="ＭＳ ゴシック" panose="020B0609070205080204" pitchFamily="49" charset="-128"/>
+              <a:ea typeface="ＭＳ ゴシック" panose="020B0609070205080204" pitchFamily="49" charset="-128"/>
+            </a:endParaRPr>
+          </a:p>
+          <a:p>
+            <a:pPr algn="ctr"/>
+            <a:r>
+              <a:rPr lang="ja-JP" altLang="en-US" dirty="0">
+                <a:latin typeface="ＭＳ ゴシック" panose="020B0609070205080204" pitchFamily="49" charset="-128"/>
+                <a:ea typeface="ＭＳ ゴシック" panose="020B0609070205080204" pitchFamily="49" charset="-128"/>
+              </a:rPr>
+              <a:t>アプリを動かしたい</a:t>
+            </a:r>
+          </a:p>
+        </p:txBody>
+      </p:sp>
+      <p:sp>
+        <p:nvSpPr>
+          <p:cNvPr id="31" name="角丸四角形 30"/>
+          <p:cNvSpPr/>
+          <p:nvPr/>
+        </p:nvSpPr>
+        <p:spPr>
+          <a:xfrm>
+            <a:off x="6156479" y="4218616"/>
+            <a:ext cx="2736000" cy="684000"/>
+          </a:xfrm>
+          <a:prstGeom prst="roundRect">
+            <a:avLst/>
+          </a:prstGeom>
+          <a:effectLst/>
+        </p:spPr>
+        <p:style>
+          <a:lnRef idx="1">
+            <a:schemeClr val="accent6"/>
+          </a:lnRef>
+          <a:fillRef idx="2">
+            <a:schemeClr val="accent6"/>
+          </a:fillRef>
+          <a:effectRef idx="1">
+            <a:schemeClr val="accent6"/>
+          </a:effectRef>
+          <a:fontRef idx="minor">
+            <a:schemeClr val="dk1"/>
+          </a:fontRef>
+        </p:style>
+        <p:txBody>
+          <a:bodyPr rtlCol="0" anchor="ctr"/>
+          <a:lstStyle/>
+          <a:p>
+            <a:pPr algn="ctr"/>
+            <a:r>
+              <a:rPr lang="en-US" altLang="ja-JP" dirty="0" err="1">
+                <a:latin typeface="Arial" panose="020B0604020202020204" pitchFamily="34" charset="0"/>
+                <a:cs typeface="Arial" panose="020B0604020202020204" pitchFamily="34" charset="0"/>
+              </a:rPr>
+              <a:t>virtlet</a:t>
+            </a:r>
+            <a:endParaRPr lang="ja-JP" altLang="en-US" dirty="0">
+              <a:latin typeface="Arial" panose="020B0604020202020204" pitchFamily="34" charset="0"/>
+              <a:cs typeface="Arial" panose="020B0604020202020204" pitchFamily="34" charset="0"/>
+            </a:endParaRPr>
+          </a:p>
+        </p:txBody>
+      </p:sp>
+      <p:cxnSp>
+        <p:nvCxnSpPr>
+          <p:cNvPr id="32" name="直線矢印コネクタ 31"/>
+          <p:cNvCxnSpPr>
+            <a:stCxn id="30" idx="3"/>
+            <a:endCxn id="31" idx="1"/>
+          </p:cNvCxnSpPr>
+          <p:nvPr/>
+        </p:nvCxnSpPr>
+        <p:spPr>
+          <a:xfrm>
+            <a:off x="3915296" y="4560616"/>
+            <a:ext cx="2241183" cy="0"/>
+          </a:xfrm>
+          <a:prstGeom prst="straightConnector1">
+            <a:avLst/>
+          </a:prstGeom>
+          <a:ln w="25400">
+            <a:tailEnd type="triangle" w="lg" len="lg"/>
+          </a:ln>
+        </p:spPr>
+        <p:style>
+          <a:lnRef idx="1">
+            <a:schemeClr val="accent5"/>
+          </a:lnRef>
+          <a:fillRef idx="0">
+            <a:schemeClr val="accent5"/>
+          </a:fillRef>
+          <a:effectRef idx="0">
+            <a:schemeClr val="accent5"/>
+          </a:effectRef>
+          <a:fontRef idx="minor">
+            <a:schemeClr val="tx1"/>
+          </a:fontRef>
+        </p:style>
+      </p:cxnSp>
+      <p:sp>
+        <p:nvSpPr>
+          <p:cNvPr id="37" name="正方形/長方形 36"/>
+          <p:cNvSpPr/>
+          <p:nvPr/>
+        </p:nvSpPr>
+        <p:spPr>
+          <a:xfrm>
+            <a:off x="1179296" y="5479328"/>
+            <a:ext cx="2736000" cy="684000"/>
+          </a:xfrm>
+          <a:prstGeom prst="rect">
+            <a:avLst/>
+          </a:prstGeom>
+          <a:effectLst/>
+        </p:spPr>
+        <p:style>
+          <a:lnRef idx="1">
+            <a:schemeClr val="accent5"/>
+          </a:lnRef>
+          <a:fillRef idx="2">
+            <a:schemeClr val="accent5"/>
+          </a:fillRef>
+          <a:effectRef idx="1">
+            <a:schemeClr val="accent5"/>
+          </a:effectRef>
+          <a:fontRef idx="minor">
+            <a:schemeClr val="dk1"/>
+          </a:fontRef>
+        </p:style>
+        <p:txBody>
+          <a:bodyPr rot="0" spcFirstLastPara="0" vertOverflow="overflow" horzOverflow="overflow" vert="horz" wrap="square" lIns="91440" tIns="45720" rIns="91440" bIns="45720" numCol="1" spcCol="0" rtlCol="0" fromWordArt="0" anchor="ctr" anchorCtr="0" forceAA="0" compatLnSpc="1">
+            <a:prstTxWarp prst="textNoShape">
+              <a:avLst/>
+            </a:prstTxWarp>
+            <a:noAutofit/>
+          </a:bodyPr>
+          <a:lstStyle/>
+          <a:p>
+            <a:pPr algn="ctr"/>
+            <a:r>
+              <a:rPr lang="ja-JP" altLang="en-US" dirty="0">
+                <a:latin typeface="ＭＳ ゴシック" panose="020B0609070205080204" pitchFamily="49" charset="-128"/>
+                <a:ea typeface="ＭＳ ゴシック" panose="020B0609070205080204" pitchFamily="49" charset="-128"/>
+              </a:rPr>
+              <a:t>信用しきれない</a:t>
+            </a:r>
+            <a:endParaRPr lang="en-US" altLang="ja-JP" dirty="0">
+              <a:latin typeface="ＭＳ ゴシック" panose="020B0609070205080204" pitchFamily="49" charset="-128"/>
+              <a:ea typeface="ＭＳ ゴシック" panose="020B0609070205080204" pitchFamily="49" charset="-128"/>
+            </a:endParaRPr>
+          </a:p>
+          <a:p>
+            <a:pPr algn="ctr"/>
+            <a:r>
+              <a:rPr lang="ja-JP" altLang="en-US" dirty="0">
+                <a:latin typeface="ＭＳ ゴシック" panose="020B0609070205080204" pitchFamily="49" charset="-128"/>
+                <a:ea typeface="ＭＳ ゴシック" panose="020B0609070205080204" pitchFamily="49" charset="-128"/>
+              </a:rPr>
+              <a:t>アプリを動かしたい</a:t>
+            </a:r>
+          </a:p>
+        </p:txBody>
+      </p:sp>
+      <p:sp>
+        <p:nvSpPr>
+          <p:cNvPr id="38" name="角丸四角形 37"/>
+          <p:cNvSpPr/>
+          <p:nvPr/>
+        </p:nvSpPr>
+        <p:spPr>
+          <a:xfrm>
+            <a:off x="6156479" y="6740040"/>
+            <a:ext cx="2736000" cy="684000"/>
+          </a:xfrm>
+          <a:prstGeom prst="roundRect">
+            <a:avLst/>
+          </a:prstGeom>
+          <a:effectLst/>
+        </p:spPr>
+        <p:style>
+          <a:lnRef idx="1">
+            <a:schemeClr val="accent6"/>
+          </a:lnRef>
+          <a:fillRef idx="2">
+            <a:schemeClr val="accent6"/>
+          </a:fillRef>
+          <a:effectRef idx="1">
+            <a:schemeClr val="accent6"/>
+          </a:effectRef>
+          <a:fontRef idx="minor">
+            <a:schemeClr val="dk1"/>
+          </a:fontRef>
+        </p:style>
+        <p:txBody>
+          <a:bodyPr rtlCol="0" anchor="ctr"/>
+          <a:lstStyle/>
+          <a:p>
+            <a:pPr algn="ctr"/>
+            <a:r>
+              <a:rPr lang="en-US" altLang="ja-JP" dirty="0" err="1">
+                <a:latin typeface="Arial" panose="020B0604020202020204" pitchFamily="34" charset="0"/>
+                <a:cs typeface="Arial" panose="020B0604020202020204" pitchFamily="34" charset="0"/>
+              </a:rPr>
+              <a:t>containerd</a:t>
+            </a:r>
+            <a:r>
+              <a:rPr lang="en-US" altLang="ja-JP" dirty="0">
+                <a:latin typeface="Arial" panose="020B0604020202020204" pitchFamily="34" charset="0"/>
+                <a:cs typeface="Arial" panose="020B0604020202020204" pitchFamily="34" charset="0"/>
+              </a:rPr>
+              <a:t> </a:t>
+            </a:r>
+            <a:r>
+              <a:rPr lang="ja-JP" altLang="en-US" dirty="0" smtClean="0">
+                <a:latin typeface="Arial" panose="020B0604020202020204" pitchFamily="34" charset="0"/>
+                <a:cs typeface="Arial" panose="020B0604020202020204" pitchFamily="34" charset="0"/>
+              </a:rPr>
+              <a:t>と</a:t>
+            </a:r>
+            <a:r>
+              <a:rPr lang="en-US" altLang="ja-JP" dirty="0" err="1" smtClean="0">
+                <a:latin typeface="Arial" panose="020B0604020202020204" pitchFamily="34" charset="0"/>
+                <a:cs typeface="Arial" panose="020B0604020202020204" pitchFamily="34" charset="0"/>
+              </a:rPr>
+              <a:t>gVisor</a:t>
+            </a:r>
+            <a:endParaRPr lang="ja-JP" altLang="en-US" dirty="0">
+              <a:latin typeface="Arial" panose="020B0604020202020204" pitchFamily="34" charset="0"/>
+              <a:cs typeface="Arial" panose="020B0604020202020204" pitchFamily="34" charset="0"/>
+            </a:endParaRPr>
+          </a:p>
+        </p:txBody>
+      </p:sp>
+      <p:sp>
+        <p:nvSpPr>
+          <p:cNvPr id="39" name="正方形/長方形 38"/>
+          <p:cNvSpPr/>
+          <p:nvPr/>
+        </p:nvSpPr>
+        <p:spPr>
+          <a:xfrm>
+            <a:off x="2772104" y="6740040"/>
+            <a:ext cx="2736000" cy="684000"/>
+          </a:xfrm>
+          <a:prstGeom prst="rect">
+            <a:avLst/>
+          </a:prstGeom>
+          <a:effectLst/>
+        </p:spPr>
+        <p:style>
+          <a:lnRef idx="1">
+            <a:schemeClr val="accent5"/>
+          </a:lnRef>
+          <a:fillRef idx="2">
+            <a:schemeClr val="accent5"/>
+          </a:fillRef>
+          <a:effectRef idx="1">
+            <a:schemeClr val="accent5"/>
+          </a:effectRef>
+          <a:fontRef idx="minor">
+            <a:schemeClr val="dk1"/>
+          </a:fontRef>
+        </p:style>
+        <p:txBody>
+          <a:bodyPr rot="0" spcFirstLastPara="0" vertOverflow="overflow" horzOverflow="overflow" vert="horz" wrap="square" lIns="91440" tIns="45720" rIns="91440" bIns="45720" numCol="1" spcCol="0" rtlCol="0" fromWordArt="0" anchor="ctr" anchorCtr="0" forceAA="0" compatLnSpc="1">
+            <a:prstTxWarp prst="textNoShape">
+              <a:avLst/>
+            </a:prstTxWarp>
+            <a:noAutofit/>
+          </a:bodyPr>
+          <a:lstStyle/>
+          <a:p>
+            <a:pPr algn="ctr"/>
+            <a:r>
+              <a:rPr lang="en-US" altLang="ja-JP" dirty="0">
+                <a:latin typeface="Arial" panose="020B0604020202020204" pitchFamily="34" charset="0"/>
+                <a:ea typeface="ＭＳ ゴシック" panose="020B0609070205080204" pitchFamily="49" charset="-128"/>
+                <a:cs typeface="Arial" panose="020B0604020202020204" pitchFamily="34" charset="0"/>
+              </a:rPr>
+              <a:t>QEMU</a:t>
+            </a:r>
+            <a:r>
+              <a:rPr lang="ja-JP" altLang="en-US" dirty="0">
+                <a:latin typeface="ＭＳ ゴシック" panose="020B0609070205080204" pitchFamily="49" charset="-128"/>
+                <a:ea typeface="ＭＳ ゴシック" panose="020B0609070205080204" pitchFamily="49" charset="-128"/>
+              </a:rPr>
+              <a:t>が使える</a:t>
+            </a:r>
+          </a:p>
+        </p:txBody>
+      </p:sp>
+      <p:sp>
+        <p:nvSpPr>
+          <p:cNvPr id="40" name="角丸四角形 39"/>
+          <p:cNvSpPr/>
+          <p:nvPr/>
+        </p:nvSpPr>
+        <p:spPr>
+          <a:xfrm>
+            <a:off x="6156479" y="8000752"/>
+            <a:ext cx="2736000" cy="684000"/>
+          </a:xfrm>
+          <a:prstGeom prst="roundRect">
+            <a:avLst/>
+          </a:prstGeom>
+          <a:effectLst/>
+        </p:spPr>
+        <p:style>
+          <a:lnRef idx="1">
+            <a:schemeClr val="accent6"/>
+          </a:lnRef>
+          <a:fillRef idx="2">
+            <a:schemeClr val="accent6"/>
+          </a:fillRef>
+          <a:effectRef idx="1">
+            <a:schemeClr val="accent6"/>
+          </a:effectRef>
+          <a:fontRef idx="minor">
+            <a:schemeClr val="dk1"/>
+          </a:fontRef>
+        </p:style>
+        <p:txBody>
+          <a:bodyPr rtlCol="0" anchor="ctr"/>
+          <a:lstStyle/>
+          <a:p>
+            <a:pPr algn="ctr"/>
+            <a:r>
+              <a:rPr lang="en-US" altLang="ja-JP" dirty="0" err="1">
+                <a:latin typeface="Arial" panose="020B0604020202020204" pitchFamily="34" charset="0"/>
+                <a:cs typeface="Arial" panose="020B0604020202020204" pitchFamily="34" charset="0"/>
+              </a:rPr>
+              <a:t>containerd</a:t>
+            </a:r>
+            <a:r>
+              <a:rPr lang="en-US" altLang="ja-JP" dirty="0">
+                <a:latin typeface="Arial" panose="020B0604020202020204" pitchFamily="34" charset="0"/>
+                <a:cs typeface="Arial" panose="020B0604020202020204" pitchFamily="34" charset="0"/>
+              </a:rPr>
+              <a:t> </a:t>
+            </a:r>
+            <a:r>
+              <a:rPr lang="ja-JP" altLang="en-US" dirty="0" smtClean="0">
+                <a:latin typeface="Arial" panose="020B0604020202020204" pitchFamily="34" charset="0"/>
+                <a:cs typeface="Arial" panose="020B0604020202020204" pitchFamily="34" charset="0"/>
+              </a:rPr>
+              <a:t>と</a:t>
+            </a:r>
+            <a:endParaRPr lang="en-US" altLang="ja-JP" dirty="0" smtClean="0">
+              <a:latin typeface="Arial" panose="020B0604020202020204" pitchFamily="34" charset="0"/>
+              <a:cs typeface="Arial" panose="020B0604020202020204" pitchFamily="34" charset="0"/>
+            </a:endParaRPr>
+          </a:p>
+          <a:p>
+            <a:pPr algn="ctr"/>
+            <a:r>
+              <a:rPr lang="en-US" altLang="ja-JP" dirty="0" smtClean="0">
+                <a:latin typeface="Arial" panose="020B0604020202020204" pitchFamily="34" charset="0"/>
+                <a:cs typeface="Arial" panose="020B0604020202020204" pitchFamily="34" charset="0"/>
+              </a:rPr>
+              <a:t>Kata</a:t>
+            </a:r>
+            <a:r>
+              <a:rPr lang="ja-JP" altLang="en-US" dirty="0" smtClean="0">
+                <a:latin typeface="Arial" panose="020B0604020202020204" pitchFamily="34" charset="0"/>
+                <a:cs typeface="Arial" panose="020B0604020202020204" pitchFamily="34" charset="0"/>
+              </a:rPr>
+              <a:t> </a:t>
+            </a:r>
+            <a:r>
+              <a:rPr lang="en-US" altLang="ja-JP" dirty="0">
+                <a:latin typeface="Arial" panose="020B0604020202020204" pitchFamily="34" charset="0"/>
+                <a:cs typeface="Arial" panose="020B0604020202020204" pitchFamily="34" charset="0"/>
+              </a:rPr>
+              <a:t>Containers</a:t>
+            </a:r>
+            <a:endParaRPr lang="ja-JP" altLang="en-US" dirty="0">
+              <a:latin typeface="Arial" panose="020B0604020202020204" pitchFamily="34" charset="0"/>
+              <a:cs typeface="Arial" panose="020B0604020202020204" pitchFamily="34" charset="0"/>
+            </a:endParaRPr>
+          </a:p>
+        </p:txBody>
+      </p:sp>
+      <p:sp>
+        <p:nvSpPr>
+          <p:cNvPr id="42" name="角丸四角形 41"/>
+          <p:cNvSpPr/>
+          <p:nvPr/>
+        </p:nvSpPr>
+        <p:spPr>
+          <a:xfrm>
+            <a:off x="6156480" y="10456497"/>
+            <a:ext cx="2736000" cy="684000"/>
+          </a:xfrm>
+          <a:prstGeom prst="roundRect">
+            <a:avLst/>
+          </a:prstGeom>
+          <a:effectLst/>
+        </p:spPr>
+        <p:style>
+          <a:lnRef idx="1">
+            <a:schemeClr val="accent6"/>
+          </a:lnRef>
+          <a:fillRef idx="2">
+            <a:schemeClr val="accent6"/>
+          </a:fillRef>
+          <a:effectRef idx="1">
+            <a:schemeClr val="accent6"/>
+          </a:effectRef>
+          <a:fontRef idx="minor">
+            <a:schemeClr val="dk1"/>
+          </a:fontRef>
+        </p:style>
+        <p:txBody>
+          <a:bodyPr rtlCol="0" anchor="ctr"/>
+          <a:lstStyle/>
+          <a:p>
+            <a:pPr algn="ctr"/>
+            <a:r>
+              <a:rPr lang="en-US" altLang="ja-JP" dirty="0" err="1">
+                <a:latin typeface="Arial" panose="020B0604020202020204" pitchFamily="34" charset="0"/>
+                <a:cs typeface="Arial" panose="020B0604020202020204" pitchFamily="34" charset="0"/>
+              </a:rPr>
+              <a:t>containerd</a:t>
+            </a:r>
+            <a:r>
+              <a:rPr lang="ja-JP" altLang="en-US" dirty="0">
+                <a:latin typeface="ＭＳ ゴシック" panose="020B0609070205080204" pitchFamily="49" charset="-128"/>
+                <a:ea typeface="ＭＳ ゴシック" panose="020B0609070205080204" pitchFamily="49" charset="-128"/>
+                <a:cs typeface="Arial" panose="020B0604020202020204" pitchFamily="34" charset="0"/>
+              </a:rPr>
+              <a:t>と</a:t>
+            </a:r>
+            <a:r>
+              <a:rPr lang="en-US" altLang="ja-JP" dirty="0" err="1">
+                <a:latin typeface="Arial" panose="020B0604020202020204" pitchFamily="34" charset="0"/>
+                <a:cs typeface="Arial" panose="020B0604020202020204" pitchFamily="34" charset="0"/>
+              </a:rPr>
+              <a:t>runC</a:t>
+            </a:r>
+            <a:endParaRPr lang="ja-JP" altLang="en-US" dirty="0">
+              <a:latin typeface="Arial" panose="020B0604020202020204" pitchFamily="34" charset="0"/>
+              <a:cs typeface="Arial" panose="020B0604020202020204" pitchFamily="34" charset="0"/>
+            </a:endParaRPr>
+          </a:p>
+        </p:txBody>
+      </p:sp>
+      <p:sp>
+        <p:nvSpPr>
+          <p:cNvPr id="43" name="フローチャート : 代替処理 42"/>
+          <p:cNvSpPr/>
+          <p:nvPr/>
+        </p:nvSpPr>
+        <p:spPr>
+          <a:xfrm>
+            <a:off x="323528" y="544416"/>
+            <a:ext cx="4469462" cy="576064"/>
+          </a:xfrm>
+          <a:prstGeom prst="flowChartAlternateProcess">
+            <a:avLst/>
+          </a:prstGeom>
+        </p:spPr>
+        <p:style>
+          <a:lnRef idx="2">
+            <a:schemeClr val="accent5"/>
+          </a:lnRef>
+          <a:fillRef idx="1">
+            <a:schemeClr val="lt1"/>
+          </a:fillRef>
+          <a:effectRef idx="0">
+            <a:schemeClr val="accent5"/>
+          </a:effectRef>
+          <a:fontRef idx="minor">
+            <a:schemeClr val="dk1"/>
+          </a:fontRef>
+        </p:style>
+        <p:txBody>
+          <a:bodyPr rot="0" spcFirstLastPara="0" vertOverflow="overflow" horzOverflow="overflow" vert="horz" wrap="none" lIns="91440" tIns="45720" rIns="91440" bIns="45720" numCol="1" spcCol="0" rtlCol="0" fromWordArt="0" anchor="ctr" anchorCtr="0" forceAA="0" compatLnSpc="1">
+            <a:prstTxWarp prst="textNoShape">
+              <a:avLst/>
+            </a:prstTxWarp>
+            <a:noAutofit/>
+          </a:bodyPr>
+          <a:lstStyle/>
+          <a:p>
+            <a:pPr algn="ctr"/>
+            <a:r>
+              <a:rPr lang="ja-JP" altLang="en-US" sz="2400" dirty="0">
+                <a:solidFill>
+                  <a:schemeClr val="accent1">
+                    <a:lumMod val="75000"/>
+                  </a:schemeClr>
+                </a:solidFill>
+                <a:latin typeface="ＭＳ ゴシック" panose="020B0609070205080204" pitchFamily="49" charset="-128"/>
+                <a:ea typeface="ＭＳ ゴシック" panose="020B0609070205080204" pitchFamily="49" charset="-128"/>
+                <a:cs typeface="Arial" panose="020B0604020202020204" pitchFamily="34" charset="0"/>
+              </a:rPr>
+              <a:t>コンテナランタイム選定開始</a:t>
+            </a:r>
+          </a:p>
+        </p:txBody>
+      </p:sp>
+      <p:cxnSp>
+        <p:nvCxnSpPr>
+          <p:cNvPr id="79" name="直線矢印コネクタ 78"/>
+          <p:cNvCxnSpPr>
+            <a:stCxn id="39" idx="3"/>
+            <a:endCxn id="38" idx="1"/>
+          </p:cNvCxnSpPr>
+          <p:nvPr/>
+        </p:nvCxnSpPr>
+        <p:spPr>
+          <a:xfrm>
+            <a:off x="5508104" y="7082040"/>
+            <a:ext cx="648375" cy="0"/>
+          </a:xfrm>
+          <a:prstGeom prst="straightConnector1">
+            <a:avLst/>
+          </a:prstGeom>
+          <a:ln w="25400">
+            <a:tailEnd type="triangle" w="lg" len="lg"/>
+          </a:ln>
+        </p:spPr>
+        <p:style>
+          <a:lnRef idx="1">
+            <a:schemeClr val="accent5"/>
+          </a:lnRef>
+          <a:fillRef idx="0">
+            <a:schemeClr val="accent5"/>
+          </a:fillRef>
+          <a:effectRef idx="0">
+            <a:schemeClr val="accent5"/>
+          </a:effectRef>
+          <a:fontRef idx="minor">
+            <a:schemeClr val="tx1"/>
+          </a:fontRef>
+        </p:style>
+      </p:cxnSp>
+      <p:cxnSp>
+        <p:nvCxnSpPr>
+          <p:cNvPr id="90" name="カギ線コネクタ 89"/>
+          <p:cNvCxnSpPr>
+            <a:stCxn id="37" idx="3"/>
+          </p:cNvCxnSpPr>
+          <p:nvPr/>
+        </p:nvCxnSpPr>
+        <p:spPr>
+          <a:xfrm>
+            <a:off x="3915296" y="5821328"/>
+            <a:ext cx="224808" cy="918712"/>
+          </a:xfrm>
+          <a:prstGeom prst="bentConnector2">
+            <a:avLst/>
+          </a:prstGeom>
+          <a:ln w="25400">
+            <a:tailEnd type="triangle" w="lg" len="lg"/>
+          </a:ln>
+        </p:spPr>
+        <p:style>
+          <a:lnRef idx="1">
+            <a:schemeClr val="accent5"/>
+          </a:lnRef>
+          <a:fillRef idx="0">
+            <a:schemeClr val="accent5"/>
+          </a:fillRef>
+          <a:effectRef idx="0">
+            <a:schemeClr val="accent5"/>
+          </a:effectRef>
+          <a:fontRef idx="minor">
+            <a:schemeClr val="tx1"/>
+          </a:fontRef>
+        </p:style>
+      </p:cxnSp>
+      <p:cxnSp>
+        <p:nvCxnSpPr>
+          <p:cNvPr id="93" name="直線矢印コネクタ 92"/>
+          <p:cNvCxnSpPr>
+            <a:stCxn id="37" idx="2"/>
+            <a:endCxn id="25" idx="0"/>
+          </p:cNvCxnSpPr>
+          <p:nvPr/>
+        </p:nvCxnSpPr>
+        <p:spPr>
+          <a:xfrm>
+            <a:off x="2547296" y="6163328"/>
+            <a:ext cx="0" cy="3098133"/>
+          </a:xfrm>
+          <a:prstGeom prst="straightConnector1">
+            <a:avLst/>
+          </a:prstGeom>
+          <a:ln w="25400">
+            <a:tailEnd type="triangle" w="lg" len="lg"/>
+          </a:ln>
+        </p:spPr>
+        <p:style>
+          <a:lnRef idx="1">
+            <a:schemeClr val="accent5"/>
+          </a:lnRef>
+          <a:fillRef idx="0">
+            <a:schemeClr val="accent5"/>
+          </a:fillRef>
+          <a:effectRef idx="0">
+            <a:schemeClr val="accent5"/>
+          </a:effectRef>
+          <a:fontRef idx="minor">
+            <a:schemeClr val="tx1"/>
+          </a:fontRef>
+        </p:style>
+      </p:cxnSp>
+      <p:cxnSp>
+        <p:nvCxnSpPr>
+          <p:cNvPr id="99" name="カギ線コネクタ 98"/>
+          <p:cNvCxnSpPr>
+            <a:stCxn id="39" idx="2"/>
+            <a:endCxn id="40" idx="1"/>
+          </p:cNvCxnSpPr>
+          <p:nvPr/>
+        </p:nvCxnSpPr>
+        <p:spPr>
+          <a:xfrm rot="16200000" flipH="1">
+            <a:off x="4688935" y="6875208"/>
+            <a:ext cx="918712" cy="2016375"/>
+          </a:xfrm>
+          <a:prstGeom prst="bentConnector2">
+            <a:avLst/>
+          </a:prstGeom>
+          <a:ln w="25400">
+            <a:tailEnd type="triangle" w="lg" len="lg"/>
+          </a:ln>
+        </p:spPr>
+        <p:style>
+          <a:lnRef idx="1">
+            <a:schemeClr val="accent5"/>
+          </a:lnRef>
+          <a:fillRef idx="0">
+            <a:schemeClr val="accent5"/>
+          </a:fillRef>
+          <a:effectRef idx="0">
+            <a:schemeClr val="accent5"/>
+          </a:effectRef>
+          <a:fontRef idx="minor">
+            <a:schemeClr val="tx1"/>
+          </a:fontRef>
+        </p:style>
+      </p:cxnSp>
+      <p:cxnSp>
+        <p:nvCxnSpPr>
+          <p:cNvPr id="102" name="カギ線コネクタ 101"/>
+          <p:cNvCxnSpPr>
+            <a:stCxn id="25" idx="2"/>
+            <a:endCxn id="42" idx="1"/>
+          </p:cNvCxnSpPr>
+          <p:nvPr/>
+        </p:nvCxnSpPr>
+        <p:spPr>
+          <a:xfrm rot="16200000" flipH="1">
+            <a:off x="3925370" y="8567387"/>
+            <a:ext cx="853036" cy="3609184"/>
+          </a:xfrm>
+          <a:prstGeom prst="bentConnector2">
+            <a:avLst/>
+          </a:prstGeom>
+          <a:ln w="25400">
+            <a:tailEnd type="triangle" w="lg" len="lg"/>
+          </a:ln>
+        </p:spPr>
+        <p:style>
+          <a:lnRef idx="1">
+            <a:schemeClr val="accent5"/>
+          </a:lnRef>
+          <a:fillRef idx="0">
+            <a:schemeClr val="accent5"/>
+          </a:fillRef>
+          <a:effectRef idx="0">
+            <a:schemeClr val="accent5"/>
+          </a:effectRef>
+          <a:fontRef idx="minor">
+            <a:schemeClr val="tx1"/>
+          </a:fontRef>
+        </p:style>
+      </p:cxnSp>
+      <p:cxnSp>
+        <p:nvCxnSpPr>
+          <p:cNvPr id="108" name="直線矢印コネクタ 107"/>
+          <p:cNvCxnSpPr>
+            <a:stCxn id="30" idx="2"/>
+            <a:endCxn id="37" idx="0"/>
+          </p:cNvCxnSpPr>
+          <p:nvPr/>
+        </p:nvCxnSpPr>
+        <p:spPr>
+          <a:xfrm>
+            <a:off x="2547296" y="4902616"/>
+            <a:ext cx="0" cy="576712"/>
+          </a:xfrm>
+          <a:prstGeom prst="straightConnector1">
+            <a:avLst/>
+          </a:prstGeom>
+          <a:ln w="25400">
+            <a:tailEnd type="triangle" w="lg" len="lg"/>
+          </a:ln>
+        </p:spPr>
+        <p:style>
+          <a:lnRef idx="1">
+            <a:schemeClr val="accent5"/>
+          </a:lnRef>
+          <a:fillRef idx="0">
+            <a:schemeClr val="accent5"/>
+          </a:fillRef>
+          <a:effectRef idx="0">
+            <a:schemeClr val="accent5"/>
+          </a:effectRef>
+          <a:fontRef idx="minor">
+            <a:schemeClr val="tx1"/>
+          </a:fontRef>
+        </p:style>
+      </p:cxnSp>
+      <p:cxnSp>
+        <p:nvCxnSpPr>
+          <p:cNvPr id="111" name="直線矢印コネクタ 110"/>
+          <p:cNvCxnSpPr>
+            <a:stCxn id="10" idx="2"/>
+            <a:endCxn id="30" idx="0"/>
+          </p:cNvCxnSpPr>
+          <p:nvPr/>
+        </p:nvCxnSpPr>
+        <p:spPr>
+          <a:xfrm>
+            <a:off x="2547296" y="3641904"/>
+            <a:ext cx="0" cy="576712"/>
+          </a:xfrm>
+          <a:prstGeom prst="straightConnector1">
+            <a:avLst/>
+          </a:prstGeom>
+          <a:ln w="25400">
+            <a:tailEnd type="triangle" w="lg" len="lg"/>
+          </a:ln>
+        </p:spPr>
+        <p:style>
+          <a:lnRef idx="1">
+            <a:schemeClr val="accent5"/>
+          </a:lnRef>
+          <a:fillRef idx="0">
+            <a:schemeClr val="accent5"/>
+          </a:fillRef>
+          <a:effectRef idx="0">
+            <a:schemeClr val="accent5"/>
+          </a:effectRef>
+          <a:fontRef idx="minor">
+            <a:schemeClr val="tx1"/>
+          </a:fontRef>
+        </p:style>
+      </p:cxnSp>
+      <p:cxnSp>
+        <p:nvCxnSpPr>
+          <p:cNvPr id="114" name="直線矢印コネクタ 113"/>
+          <p:cNvCxnSpPr>
+            <a:stCxn id="6" idx="2"/>
+            <a:endCxn id="10" idx="0"/>
+          </p:cNvCxnSpPr>
+          <p:nvPr/>
+        </p:nvCxnSpPr>
+        <p:spPr>
+          <a:xfrm>
+            <a:off x="2547296" y="2381192"/>
+            <a:ext cx="0" cy="576712"/>
+          </a:xfrm>
+          <a:prstGeom prst="straightConnector1">
+            <a:avLst/>
+          </a:prstGeom>
+          <a:ln w="25400">
+            <a:tailEnd type="triangle" w="lg" len="lg"/>
+          </a:ln>
+        </p:spPr>
+        <p:style>
+          <a:lnRef idx="1">
+            <a:schemeClr val="accent5"/>
+          </a:lnRef>
+          <a:fillRef idx="0">
+            <a:schemeClr val="accent5"/>
+          </a:fillRef>
+          <a:effectRef idx="0">
+            <a:schemeClr val="accent5"/>
+          </a:effectRef>
+          <a:fontRef idx="minor">
+            <a:schemeClr val="tx1"/>
+          </a:fontRef>
+        </p:style>
+      </p:cxnSp>
+      <p:cxnSp>
+        <p:nvCxnSpPr>
+          <p:cNvPr id="118" name="直線矢印コネクタ 117"/>
+          <p:cNvCxnSpPr>
+            <a:stCxn id="43" idx="2"/>
+            <a:endCxn id="6" idx="0"/>
+          </p:cNvCxnSpPr>
+          <p:nvPr/>
+        </p:nvCxnSpPr>
+        <p:spPr>
+          <a:xfrm flipH="1">
+            <a:off x="2547296" y="1120480"/>
+            <a:ext cx="10963" cy="576712"/>
+          </a:xfrm>
+          <a:prstGeom prst="straightConnector1">
+            <a:avLst/>
+          </a:prstGeom>
+          <a:ln w="25400">
+            <a:tailEnd type="triangle" w="lg" len="lg"/>
+          </a:ln>
+        </p:spPr>
+        <p:style>
+          <a:lnRef idx="1">
+            <a:schemeClr val="accent5"/>
+          </a:lnRef>
+          <a:fillRef idx="0">
+            <a:schemeClr val="accent5"/>
+          </a:fillRef>
+          <a:effectRef idx="0">
+            <a:schemeClr val="accent5"/>
+          </a:effectRef>
+          <a:fontRef idx="minor">
+            <a:schemeClr val="tx1"/>
+          </a:fontRef>
+        </p:style>
+      </p:cxnSp>
+      <p:sp>
+        <p:nvSpPr>
+          <p:cNvPr id="121" name="テキスト ボックス 120"/>
+          <p:cNvSpPr txBox="1"/>
+          <p:nvPr/>
+        </p:nvSpPr>
+        <p:spPr>
+          <a:xfrm>
+            <a:off x="3923928" y="1669860"/>
+            <a:ext cx="582275" cy="369332"/>
+          </a:xfrm>
+          <a:prstGeom prst="rect">
+            <a:avLst/>
+          </a:prstGeom>
+          <a:noFill/>
+        </p:spPr>
+        <p:txBody>
+          <a:bodyPr wrap="none" rtlCol="0">
+            <a:spAutoFit/>
+          </a:bodyPr>
+          <a:lstStyle/>
+          <a:p>
+            <a:r>
+              <a:rPr kumimoji="1" lang="en-US" altLang="ja-JP" b="1" dirty="0" smtClean="0">
+                <a:latin typeface="Arial" panose="020B0604020202020204" pitchFamily="34" charset="0"/>
+                <a:cs typeface="Arial" panose="020B0604020202020204" pitchFamily="34" charset="0"/>
+              </a:rPr>
+              <a:t>Yes</a:t>
+            </a:r>
+            <a:endParaRPr kumimoji="1" lang="ja-JP" altLang="en-US" b="1" dirty="0">
+              <a:latin typeface="Arial" panose="020B0604020202020204" pitchFamily="34" charset="0"/>
+              <a:cs typeface="Arial" panose="020B0604020202020204" pitchFamily="34" charset="0"/>
+            </a:endParaRPr>
+          </a:p>
+        </p:txBody>
+      </p:sp>
+      <p:sp>
+        <p:nvSpPr>
+          <p:cNvPr id="122" name="テキスト ボックス 121"/>
+          <p:cNvSpPr txBox="1"/>
+          <p:nvPr/>
+        </p:nvSpPr>
+        <p:spPr>
+          <a:xfrm>
+            <a:off x="2060679" y="2344616"/>
+            <a:ext cx="492443" cy="369332"/>
+          </a:xfrm>
+          <a:prstGeom prst="rect">
+            <a:avLst/>
+          </a:prstGeom>
+          <a:noFill/>
+        </p:spPr>
+        <p:txBody>
+          <a:bodyPr wrap="none" rtlCol="0">
+            <a:spAutoFit/>
+          </a:bodyPr>
+          <a:lstStyle/>
+          <a:p>
+            <a:r>
+              <a:rPr kumimoji="1" lang="en-US" altLang="ja-JP" b="1" dirty="0" smtClean="0">
+                <a:latin typeface="Arial" panose="020B0604020202020204" pitchFamily="34" charset="0"/>
+                <a:cs typeface="Arial" panose="020B0604020202020204" pitchFamily="34" charset="0"/>
+              </a:rPr>
+              <a:t>No</a:t>
+            </a:r>
+            <a:endParaRPr kumimoji="1" lang="ja-JP" altLang="en-US" b="1" dirty="0">
+              <a:latin typeface="Arial" panose="020B0604020202020204" pitchFamily="34" charset="0"/>
+              <a:cs typeface="Arial" panose="020B0604020202020204" pitchFamily="34" charset="0"/>
+            </a:endParaRPr>
+          </a:p>
+        </p:txBody>
+      </p:sp>
+      <p:sp>
+        <p:nvSpPr>
+          <p:cNvPr id="123" name="テキスト ボックス 122"/>
+          <p:cNvSpPr txBox="1"/>
+          <p:nvPr/>
+        </p:nvSpPr>
+        <p:spPr>
+          <a:xfrm>
+            <a:off x="2060679" y="3605328"/>
+            <a:ext cx="492443" cy="369332"/>
+          </a:xfrm>
+          <a:prstGeom prst="rect">
+            <a:avLst/>
+          </a:prstGeom>
+          <a:noFill/>
+        </p:spPr>
+        <p:txBody>
+          <a:bodyPr wrap="none" rtlCol="0">
+            <a:spAutoFit/>
+          </a:bodyPr>
+          <a:lstStyle/>
+          <a:p>
+            <a:r>
+              <a:rPr kumimoji="1" lang="en-US" altLang="ja-JP" b="1" dirty="0" smtClean="0">
+                <a:latin typeface="Arial" panose="020B0604020202020204" pitchFamily="34" charset="0"/>
+                <a:cs typeface="Arial" panose="020B0604020202020204" pitchFamily="34" charset="0"/>
+              </a:rPr>
+              <a:t>No</a:t>
+            </a:r>
+            <a:endParaRPr kumimoji="1" lang="ja-JP" altLang="en-US" b="1" dirty="0">
+              <a:latin typeface="Arial" panose="020B0604020202020204" pitchFamily="34" charset="0"/>
+              <a:cs typeface="Arial" panose="020B0604020202020204" pitchFamily="34" charset="0"/>
+            </a:endParaRPr>
+          </a:p>
+        </p:txBody>
+      </p:sp>
+      <p:sp>
+        <p:nvSpPr>
+          <p:cNvPr id="124" name="テキスト ボックス 123"/>
+          <p:cNvSpPr txBox="1"/>
+          <p:nvPr/>
+        </p:nvSpPr>
+        <p:spPr>
+          <a:xfrm>
+            <a:off x="2060679" y="4866040"/>
+            <a:ext cx="492443" cy="369332"/>
+          </a:xfrm>
+          <a:prstGeom prst="rect">
+            <a:avLst/>
+          </a:prstGeom>
+          <a:noFill/>
+        </p:spPr>
+        <p:txBody>
+          <a:bodyPr wrap="none" rtlCol="0">
+            <a:spAutoFit/>
+          </a:bodyPr>
+          <a:lstStyle/>
+          <a:p>
+            <a:r>
+              <a:rPr kumimoji="1" lang="en-US" altLang="ja-JP" b="1" dirty="0" smtClean="0">
+                <a:latin typeface="Arial" panose="020B0604020202020204" pitchFamily="34" charset="0"/>
+                <a:cs typeface="Arial" panose="020B0604020202020204" pitchFamily="34" charset="0"/>
+              </a:rPr>
+              <a:t>No</a:t>
+            </a:r>
+            <a:endParaRPr kumimoji="1" lang="ja-JP" altLang="en-US" b="1" dirty="0">
+              <a:latin typeface="Arial" panose="020B0604020202020204" pitchFamily="34" charset="0"/>
+              <a:cs typeface="Arial" panose="020B0604020202020204" pitchFamily="34" charset="0"/>
+            </a:endParaRPr>
+          </a:p>
+        </p:txBody>
+      </p:sp>
+      <p:sp>
+        <p:nvSpPr>
+          <p:cNvPr id="125" name="テキスト ボックス 124"/>
+          <p:cNvSpPr txBox="1"/>
+          <p:nvPr/>
+        </p:nvSpPr>
+        <p:spPr>
+          <a:xfrm>
+            <a:off x="2060679" y="6161040"/>
+            <a:ext cx="492443" cy="369332"/>
+          </a:xfrm>
+          <a:prstGeom prst="rect">
+            <a:avLst/>
+          </a:prstGeom>
+          <a:noFill/>
+        </p:spPr>
+        <p:txBody>
+          <a:bodyPr wrap="none" rtlCol="0">
+            <a:spAutoFit/>
+          </a:bodyPr>
+          <a:lstStyle/>
+          <a:p>
+            <a:r>
+              <a:rPr kumimoji="1" lang="en-US" altLang="ja-JP" b="1" dirty="0" smtClean="0">
+                <a:latin typeface="Arial" panose="020B0604020202020204" pitchFamily="34" charset="0"/>
+                <a:cs typeface="Arial" panose="020B0604020202020204" pitchFamily="34" charset="0"/>
+              </a:rPr>
+              <a:t>No</a:t>
+            </a:r>
+            <a:endParaRPr kumimoji="1" lang="ja-JP" altLang="en-US" b="1" dirty="0">
+              <a:latin typeface="Arial" panose="020B0604020202020204" pitchFamily="34" charset="0"/>
+              <a:cs typeface="Arial" panose="020B0604020202020204" pitchFamily="34" charset="0"/>
+            </a:endParaRPr>
+          </a:p>
+        </p:txBody>
+      </p:sp>
+      <p:sp>
+        <p:nvSpPr>
+          <p:cNvPr id="126" name="テキスト ボックス 125"/>
+          <p:cNvSpPr txBox="1"/>
+          <p:nvPr/>
+        </p:nvSpPr>
+        <p:spPr>
+          <a:xfrm>
+            <a:off x="3938135" y="2904334"/>
+            <a:ext cx="582275" cy="369332"/>
+          </a:xfrm>
+          <a:prstGeom prst="rect">
+            <a:avLst/>
+          </a:prstGeom>
+          <a:noFill/>
+        </p:spPr>
+        <p:txBody>
+          <a:bodyPr wrap="none" rtlCol="0">
+            <a:spAutoFit/>
+          </a:bodyPr>
+          <a:lstStyle/>
+          <a:p>
+            <a:r>
+              <a:rPr kumimoji="1" lang="en-US" altLang="ja-JP" b="1" dirty="0" smtClean="0">
+                <a:latin typeface="Arial" panose="020B0604020202020204" pitchFamily="34" charset="0"/>
+                <a:cs typeface="Arial" panose="020B0604020202020204" pitchFamily="34" charset="0"/>
+              </a:rPr>
+              <a:t>Yes</a:t>
+            </a:r>
+            <a:endParaRPr kumimoji="1" lang="ja-JP" altLang="en-US" b="1" dirty="0">
+              <a:latin typeface="Arial" panose="020B0604020202020204" pitchFamily="34" charset="0"/>
+              <a:cs typeface="Arial" panose="020B0604020202020204" pitchFamily="34" charset="0"/>
+            </a:endParaRPr>
+          </a:p>
+        </p:txBody>
+      </p:sp>
+      <p:sp>
+        <p:nvSpPr>
+          <p:cNvPr id="127" name="テキスト ボックス 126"/>
+          <p:cNvSpPr txBox="1"/>
+          <p:nvPr/>
+        </p:nvSpPr>
+        <p:spPr>
+          <a:xfrm>
+            <a:off x="3938135" y="4191284"/>
+            <a:ext cx="582275" cy="369332"/>
+          </a:xfrm>
+          <a:prstGeom prst="rect">
+            <a:avLst/>
+          </a:prstGeom>
+          <a:noFill/>
+        </p:spPr>
+        <p:txBody>
+          <a:bodyPr wrap="none" rtlCol="0">
+            <a:spAutoFit/>
+          </a:bodyPr>
+          <a:lstStyle/>
+          <a:p>
+            <a:r>
+              <a:rPr kumimoji="1" lang="en-US" altLang="ja-JP" b="1" dirty="0" smtClean="0">
+                <a:latin typeface="Arial" panose="020B0604020202020204" pitchFamily="34" charset="0"/>
+                <a:cs typeface="Arial" panose="020B0604020202020204" pitchFamily="34" charset="0"/>
+              </a:rPr>
+              <a:t>Yes</a:t>
+            </a:r>
+            <a:endParaRPr kumimoji="1" lang="ja-JP" altLang="en-US" b="1" dirty="0">
+              <a:latin typeface="Arial" panose="020B0604020202020204" pitchFamily="34" charset="0"/>
+              <a:cs typeface="Arial" panose="020B0604020202020204" pitchFamily="34" charset="0"/>
+            </a:endParaRPr>
+          </a:p>
+        </p:txBody>
+      </p:sp>
+      <p:sp>
+        <p:nvSpPr>
+          <p:cNvPr id="128" name="テキスト ボックス 127"/>
+          <p:cNvSpPr txBox="1"/>
+          <p:nvPr/>
+        </p:nvSpPr>
+        <p:spPr>
+          <a:xfrm>
+            <a:off x="3965678" y="5421562"/>
+            <a:ext cx="582275" cy="369332"/>
+          </a:xfrm>
+          <a:prstGeom prst="rect">
+            <a:avLst/>
+          </a:prstGeom>
+          <a:noFill/>
+        </p:spPr>
+        <p:txBody>
+          <a:bodyPr wrap="none" rtlCol="0">
+            <a:spAutoFit/>
+          </a:bodyPr>
+          <a:lstStyle/>
+          <a:p>
+            <a:r>
+              <a:rPr kumimoji="1" lang="en-US" altLang="ja-JP" b="1" dirty="0" smtClean="0">
+                <a:latin typeface="Arial" panose="020B0604020202020204" pitchFamily="34" charset="0"/>
+                <a:cs typeface="Arial" panose="020B0604020202020204" pitchFamily="34" charset="0"/>
+              </a:rPr>
+              <a:t>Yes</a:t>
+            </a:r>
+            <a:endParaRPr kumimoji="1" lang="ja-JP" altLang="en-US" b="1" dirty="0">
+              <a:latin typeface="Arial" panose="020B0604020202020204" pitchFamily="34" charset="0"/>
+              <a:cs typeface="Arial" panose="020B0604020202020204" pitchFamily="34" charset="0"/>
+            </a:endParaRPr>
+          </a:p>
+        </p:txBody>
+      </p:sp>
+      <p:sp>
+        <p:nvSpPr>
+          <p:cNvPr id="129" name="テキスト ボックス 128"/>
+          <p:cNvSpPr txBox="1"/>
+          <p:nvPr/>
+        </p:nvSpPr>
+        <p:spPr>
+          <a:xfrm>
+            <a:off x="5501893" y="6712708"/>
+            <a:ext cx="582275" cy="369332"/>
+          </a:xfrm>
+          <a:prstGeom prst="rect">
+            <a:avLst/>
+          </a:prstGeom>
+          <a:noFill/>
+        </p:spPr>
+        <p:txBody>
+          <a:bodyPr wrap="none" rtlCol="0">
+            <a:spAutoFit/>
+          </a:bodyPr>
+          <a:lstStyle/>
+          <a:p>
+            <a:r>
+              <a:rPr kumimoji="1" lang="en-US" altLang="ja-JP" b="1" dirty="0" smtClean="0">
+                <a:latin typeface="Arial" panose="020B0604020202020204" pitchFamily="34" charset="0"/>
+                <a:cs typeface="Arial" panose="020B0604020202020204" pitchFamily="34" charset="0"/>
+              </a:rPr>
+              <a:t>Yes</a:t>
+            </a:r>
+            <a:endParaRPr kumimoji="1" lang="ja-JP" altLang="en-US" b="1" dirty="0">
+              <a:latin typeface="Arial" panose="020B0604020202020204" pitchFamily="34" charset="0"/>
+              <a:cs typeface="Arial" panose="020B0604020202020204" pitchFamily="34" charset="0"/>
+            </a:endParaRPr>
+          </a:p>
+        </p:txBody>
+      </p:sp>
+      <p:sp>
+        <p:nvSpPr>
+          <p:cNvPr id="130" name="テキスト ボックス 129"/>
+          <p:cNvSpPr txBox="1"/>
+          <p:nvPr/>
+        </p:nvSpPr>
+        <p:spPr>
+          <a:xfrm>
+            <a:off x="3647509" y="7447892"/>
+            <a:ext cx="492443" cy="369332"/>
+          </a:xfrm>
+          <a:prstGeom prst="rect">
+            <a:avLst/>
+          </a:prstGeom>
+          <a:noFill/>
+        </p:spPr>
+        <p:txBody>
+          <a:bodyPr wrap="none" rtlCol="0">
+            <a:spAutoFit/>
+          </a:bodyPr>
+          <a:lstStyle/>
+          <a:p>
+            <a:r>
+              <a:rPr kumimoji="1" lang="en-US" altLang="ja-JP" b="1" dirty="0" smtClean="0">
+                <a:latin typeface="Arial" panose="020B0604020202020204" pitchFamily="34" charset="0"/>
+                <a:cs typeface="Arial" panose="020B0604020202020204" pitchFamily="34" charset="0"/>
+              </a:rPr>
+              <a:t>No</a:t>
+            </a:r>
+            <a:endParaRPr kumimoji="1" lang="ja-JP" altLang="en-US" b="1" dirty="0">
+              <a:latin typeface="Arial" panose="020B0604020202020204" pitchFamily="34" charset="0"/>
+              <a:cs typeface="Arial" panose="020B0604020202020204" pitchFamily="34" charset="0"/>
+            </a:endParaRPr>
+          </a:p>
+        </p:txBody>
+      </p:sp>
+      <p:sp>
+        <p:nvSpPr>
+          <p:cNvPr id="132" name="テキスト ボックス 131"/>
+          <p:cNvSpPr txBox="1"/>
+          <p:nvPr/>
+        </p:nvSpPr>
+        <p:spPr>
+          <a:xfrm>
+            <a:off x="2065816" y="9945461"/>
+            <a:ext cx="492443" cy="369332"/>
+          </a:xfrm>
+          <a:prstGeom prst="rect">
+            <a:avLst/>
+          </a:prstGeom>
+          <a:noFill/>
+        </p:spPr>
+        <p:txBody>
+          <a:bodyPr wrap="none" rtlCol="0">
+            <a:spAutoFit/>
+          </a:bodyPr>
+          <a:lstStyle/>
+          <a:p>
+            <a:r>
+              <a:rPr kumimoji="1" lang="en-US" altLang="ja-JP" b="1" dirty="0" smtClean="0">
+                <a:latin typeface="Arial" panose="020B0604020202020204" pitchFamily="34" charset="0"/>
+                <a:cs typeface="Arial" panose="020B0604020202020204" pitchFamily="34" charset="0"/>
+              </a:rPr>
+              <a:t>No</a:t>
+            </a:r>
+            <a:endParaRPr kumimoji="1" lang="ja-JP" altLang="en-US" b="1" dirty="0">
+              <a:latin typeface="Arial" panose="020B0604020202020204" pitchFamily="34" charset="0"/>
+              <a:cs typeface="Arial" panose="020B0604020202020204" pitchFamily="34" charset="0"/>
+            </a:endParaRPr>
+          </a:p>
+        </p:txBody>
+      </p:sp>
+      <p:sp>
+        <p:nvSpPr>
+          <p:cNvPr id="133" name="テキスト ボックス 132"/>
+          <p:cNvSpPr txBox="1"/>
+          <p:nvPr/>
+        </p:nvSpPr>
+        <p:spPr>
+          <a:xfrm>
+            <a:off x="3938135" y="9234129"/>
+            <a:ext cx="582275" cy="369332"/>
+          </a:xfrm>
+          <a:prstGeom prst="rect">
+            <a:avLst/>
+          </a:prstGeom>
+          <a:noFill/>
+        </p:spPr>
+        <p:txBody>
+          <a:bodyPr wrap="none" rtlCol="0">
+            <a:spAutoFit/>
+          </a:bodyPr>
+          <a:lstStyle/>
+          <a:p>
+            <a:r>
+              <a:rPr kumimoji="1" lang="en-US" altLang="ja-JP" b="1" dirty="0" smtClean="0">
+                <a:latin typeface="Arial" panose="020B0604020202020204" pitchFamily="34" charset="0"/>
+                <a:cs typeface="Arial" panose="020B0604020202020204" pitchFamily="34" charset="0"/>
+              </a:rPr>
+              <a:t>Yes</a:t>
+            </a:r>
+            <a:endParaRPr kumimoji="1" lang="ja-JP" altLang="en-US" b="1" dirty="0">
+              <a:latin typeface="Arial" panose="020B0604020202020204" pitchFamily="34" charset="0"/>
+              <a:cs typeface="Arial" panose="020B0604020202020204" pitchFamily="34" charset="0"/>
+            </a:endParaRPr>
+          </a:p>
+        </p:txBody>
+      </p:sp>
+    </p:spTree>
+    <p:extLst>
+      <p:ext uri="{BB962C8B-B14F-4D97-AF65-F5344CB8AC3E}">
+        <p14:creationId xmlns:p14="http://schemas.microsoft.com/office/powerpoint/2010/main" val="731943695"/>
       </p:ext>
     </p:extLst>
   </p:cSld>
@@ -14059,1988 +18193,6 @@
           <a:chExt cx="0" cy="0"/>
         </a:xfrm>
       </p:grpSpPr>
-      <p:pic>
-        <p:nvPicPr>
-          <p:cNvPr id="18" name="Picture 3" descr="C:\Users\kaitoy\Desktop\bin\pleiades\workspace\blog\static\images\docker.png"/>
-          <p:cNvPicPr>
-            <a:picLocks noChangeAspect="1" noChangeArrowheads="1"/>
-          </p:cNvPicPr>
-          <p:nvPr/>
-        </p:nvPicPr>
-        <p:blipFill>
-          <a:blip r:embed="rId2">
-            <a:extLst>
-              <a:ext uri="{28A0092B-C50C-407E-A947-70E740481C1C}">
-                <a14:useLocalDpi xmlns:a14="http://schemas.microsoft.com/office/drawing/2010/main" val="0"/>
-              </a:ext>
-            </a:extLst>
-          </a:blip>
-          <a:srcRect/>
-          <a:stretch>
-            <a:fillRect/>
-          </a:stretch>
-        </p:blipFill>
-        <p:spPr bwMode="auto">
-          <a:xfrm>
-            <a:off x="3542400" y="2314353"/>
-            <a:ext cx="1905001" cy="1576388"/>
-          </a:xfrm>
-          <a:prstGeom prst="rect">
-            <a:avLst/>
-          </a:prstGeom>
-          <a:noFill/>
-          <a:extLst>
-            <a:ext uri="{909E8E84-426E-40DD-AFC4-6F175D3DCCD1}">
-              <a14:hiddenFill xmlns:a14="http://schemas.microsoft.com/office/drawing/2010/main">
-                <a:solidFill>
-                  <a:srgbClr val="FFFFFF"/>
-                </a:solidFill>
-              </a14:hiddenFill>
-            </a:ext>
-          </a:extLst>
-        </p:spPr>
-      </p:pic>
-      <p:cxnSp>
-        <p:nvCxnSpPr>
-          <p:cNvPr id="25" name="直線矢印コネクタ 24"/>
-          <p:cNvCxnSpPr>
-            <a:stCxn id="18" idx="2"/>
-            <a:endCxn id="16" idx="0"/>
-          </p:cNvCxnSpPr>
-          <p:nvPr/>
-        </p:nvCxnSpPr>
-        <p:spPr>
-          <a:xfrm>
-            <a:off x="4494901" y="3890741"/>
-            <a:ext cx="0" cy="319263"/>
-          </a:xfrm>
-          <a:prstGeom prst="straightConnector1">
-            <a:avLst/>
-          </a:prstGeom>
-          <a:ln w="25400">
-            <a:tailEnd type="triangle" w="lg" len="lg"/>
-          </a:ln>
-        </p:spPr>
-        <p:style>
-          <a:lnRef idx="1">
-            <a:schemeClr val="accent5"/>
-          </a:lnRef>
-          <a:fillRef idx="0">
-            <a:schemeClr val="accent5"/>
-          </a:fillRef>
-          <a:effectRef idx="0">
-            <a:schemeClr val="accent5"/>
-          </a:effectRef>
-          <a:fontRef idx="minor">
-            <a:schemeClr val="tx1"/>
-          </a:fontRef>
-        </p:style>
-      </p:cxnSp>
-      <p:grpSp>
-        <p:nvGrpSpPr>
-          <p:cNvPr id="30" name="グループ化 29"/>
-          <p:cNvGrpSpPr/>
-          <p:nvPr/>
-        </p:nvGrpSpPr>
-        <p:grpSpPr>
-          <a:xfrm>
-            <a:off x="2752486" y="5543597"/>
-            <a:ext cx="1665841" cy="977483"/>
-            <a:chOff x="707393" y="6331953"/>
-            <a:chExt cx="1665841" cy="977483"/>
-          </a:xfrm>
-        </p:grpSpPr>
-        <p:sp>
-          <p:nvSpPr>
-            <p:cNvPr id="31" name="直方体 30"/>
-            <p:cNvSpPr/>
-            <p:nvPr/>
-          </p:nvSpPr>
-          <p:spPr>
-            <a:xfrm>
-              <a:off x="1324313" y="6331953"/>
-              <a:ext cx="432000" cy="432048"/>
-            </a:xfrm>
-            <a:prstGeom prst="cube">
-              <a:avLst/>
-            </a:prstGeom>
-          </p:spPr>
-          <p:style>
-            <a:lnRef idx="2">
-              <a:schemeClr val="accent5"/>
-            </a:lnRef>
-            <a:fillRef idx="1">
-              <a:schemeClr val="lt1"/>
-            </a:fillRef>
-            <a:effectRef idx="0">
-              <a:schemeClr val="accent5"/>
-            </a:effectRef>
-            <a:fontRef idx="minor">
-              <a:schemeClr val="dk1"/>
-            </a:fontRef>
-          </p:style>
-          <p:txBody>
-            <a:bodyPr rtlCol="0" anchor="ctr"/>
-            <a:lstStyle/>
-            <a:p>
-              <a:pPr algn="ctr"/>
-              <a:endParaRPr kumimoji="1" lang="ja-JP" altLang="en-US"/>
-            </a:p>
-          </p:txBody>
-        </p:sp>
-        <p:sp>
-          <p:nvSpPr>
-            <p:cNvPr id="32" name="テキスト ボックス 31"/>
-            <p:cNvSpPr txBox="1"/>
-            <p:nvPr/>
-          </p:nvSpPr>
-          <p:spPr>
-            <a:xfrm>
-              <a:off x="707393" y="6786216"/>
-              <a:ext cx="1665841" cy="523220"/>
-            </a:xfrm>
-            <a:prstGeom prst="rect">
-              <a:avLst/>
-            </a:prstGeom>
-            <a:noFill/>
-          </p:spPr>
-          <p:txBody>
-            <a:bodyPr wrap="none" rtlCol="0">
-              <a:spAutoFit/>
-            </a:bodyPr>
-            <a:lstStyle/>
-            <a:p>
-              <a:pPr algn="ctr"/>
-              <a:r>
-                <a:rPr lang="en-US" altLang="ja-JP" sz="2800" dirty="0" smtClean="0">
-                  <a:solidFill>
-                    <a:schemeClr val="tx1">
-                      <a:lumMod val="75000"/>
-                      <a:lumOff val="25000"/>
-                    </a:schemeClr>
-                  </a:solidFill>
-                  <a:latin typeface="Arial" panose="020B0604020202020204" pitchFamily="34" charset="0"/>
-                  <a:cs typeface="Arial" panose="020B0604020202020204" pitchFamily="34" charset="0"/>
-                </a:rPr>
-                <a:t>container</a:t>
-              </a:r>
-              <a:endParaRPr kumimoji="1" lang="ja-JP" altLang="en-US" sz="2800" dirty="0">
-                <a:solidFill>
-                  <a:schemeClr val="tx1">
-                    <a:lumMod val="75000"/>
-                    <a:lumOff val="25000"/>
-                  </a:schemeClr>
-                </a:solidFill>
-                <a:latin typeface="Arial" panose="020B0604020202020204" pitchFamily="34" charset="0"/>
-                <a:cs typeface="Arial" panose="020B0604020202020204" pitchFamily="34" charset="0"/>
-              </a:endParaRPr>
-            </a:p>
-          </p:txBody>
-        </p:sp>
-      </p:grpSp>
-      <p:grpSp>
-        <p:nvGrpSpPr>
-          <p:cNvPr id="33" name="グループ化 32"/>
-          <p:cNvGrpSpPr/>
-          <p:nvPr/>
-        </p:nvGrpSpPr>
-        <p:grpSpPr>
-          <a:xfrm>
-            <a:off x="4634351" y="5543597"/>
-            <a:ext cx="1665841" cy="977483"/>
-            <a:chOff x="707393" y="6331953"/>
-            <a:chExt cx="1665841" cy="977483"/>
-          </a:xfrm>
-        </p:grpSpPr>
-        <p:sp>
-          <p:nvSpPr>
-            <p:cNvPr id="34" name="直方体 33"/>
-            <p:cNvSpPr/>
-            <p:nvPr/>
-          </p:nvSpPr>
-          <p:spPr>
-            <a:xfrm>
-              <a:off x="1324313" y="6331953"/>
-              <a:ext cx="432000" cy="432048"/>
-            </a:xfrm>
-            <a:prstGeom prst="cube">
-              <a:avLst/>
-            </a:prstGeom>
-          </p:spPr>
-          <p:style>
-            <a:lnRef idx="2">
-              <a:schemeClr val="accent5"/>
-            </a:lnRef>
-            <a:fillRef idx="1">
-              <a:schemeClr val="lt1"/>
-            </a:fillRef>
-            <a:effectRef idx="0">
-              <a:schemeClr val="accent5"/>
-            </a:effectRef>
-            <a:fontRef idx="minor">
-              <a:schemeClr val="dk1"/>
-            </a:fontRef>
-          </p:style>
-          <p:txBody>
-            <a:bodyPr rtlCol="0" anchor="ctr"/>
-            <a:lstStyle/>
-            <a:p>
-              <a:pPr algn="ctr"/>
-              <a:endParaRPr kumimoji="1" lang="ja-JP" altLang="en-US"/>
-            </a:p>
-          </p:txBody>
-        </p:sp>
-        <p:sp>
-          <p:nvSpPr>
-            <p:cNvPr id="35" name="テキスト ボックス 34"/>
-            <p:cNvSpPr txBox="1"/>
-            <p:nvPr/>
-          </p:nvSpPr>
-          <p:spPr>
-            <a:xfrm>
-              <a:off x="707393" y="6786216"/>
-              <a:ext cx="1665841" cy="523220"/>
-            </a:xfrm>
-            <a:prstGeom prst="rect">
-              <a:avLst/>
-            </a:prstGeom>
-            <a:noFill/>
-          </p:spPr>
-          <p:txBody>
-            <a:bodyPr wrap="none" rtlCol="0">
-              <a:spAutoFit/>
-            </a:bodyPr>
-            <a:lstStyle/>
-            <a:p>
-              <a:pPr algn="ctr"/>
-              <a:r>
-                <a:rPr lang="en-US" altLang="ja-JP" sz="2800" dirty="0" smtClean="0">
-                  <a:solidFill>
-                    <a:schemeClr val="tx1">
-                      <a:lumMod val="75000"/>
-                      <a:lumOff val="25000"/>
-                    </a:schemeClr>
-                  </a:solidFill>
-                  <a:latin typeface="Arial" panose="020B0604020202020204" pitchFamily="34" charset="0"/>
-                  <a:cs typeface="Arial" panose="020B0604020202020204" pitchFamily="34" charset="0"/>
-                </a:rPr>
-                <a:t>container</a:t>
-              </a:r>
-              <a:endParaRPr kumimoji="1" lang="ja-JP" altLang="en-US" sz="2800" dirty="0">
-                <a:solidFill>
-                  <a:schemeClr val="tx1">
-                    <a:lumMod val="75000"/>
-                    <a:lumOff val="25000"/>
-                  </a:schemeClr>
-                </a:solidFill>
-                <a:latin typeface="Arial" panose="020B0604020202020204" pitchFamily="34" charset="0"/>
-                <a:cs typeface="Arial" panose="020B0604020202020204" pitchFamily="34" charset="0"/>
-              </a:endParaRPr>
-            </a:p>
-          </p:txBody>
-        </p:sp>
-      </p:grpSp>
-      <p:cxnSp>
-        <p:nvCxnSpPr>
-          <p:cNvPr id="42" name="カギ線コネクタ 41"/>
-          <p:cNvCxnSpPr>
-            <a:endCxn id="31" idx="0"/>
-          </p:cNvCxnSpPr>
-          <p:nvPr/>
-        </p:nvCxnSpPr>
-        <p:spPr>
-          <a:xfrm rot="5400000">
-            <a:off x="3668012" y="4719134"/>
-            <a:ext cx="795857" cy="853068"/>
-          </a:xfrm>
-          <a:prstGeom prst="bentConnector3">
-            <a:avLst>
-              <a:gd name="adj1" fmla="val 29939"/>
-            </a:avLst>
-          </a:prstGeom>
-          <a:ln w="25400">
-            <a:tailEnd type="triangle" w="lg" len="lg"/>
-          </a:ln>
-        </p:spPr>
-        <p:style>
-          <a:lnRef idx="1">
-            <a:schemeClr val="accent5"/>
-          </a:lnRef>
-          <a:fillRef idx="0">
-            <a:schemeClr val="accent5"/>
-          </a:fillRef>
-          <a:effectRef idx="0">
-            <a:schemeClr val="accent5"/>
-          </a:effectRef>
-          <a:fontRef idx="minor">
-            <a:schemeClr val="tx1"/>
-          </a:fontRef>
-        </p:style>
-      </p:cxnSp>
-      <p:cxnSp>
-        <p:nvCxnSpPr>
-          <p:cNvPr id="46" name="カギ線コネクタ 45"/>
-          <p:cNvCxnSpPr>
-            <a:endCxn id="34" idx="0"/>
-          </p:cNvCxnSpPr>
-          <p:nvPr/>
-        </p:nvCxnSpPr>
-        <p:spPr>
-          <a:xfrm rot="16200000" flipH="1">
-            <a:off x="4608944" y="4631269"/>
-            <a:ext cx="795857" cy="1028797"/>
-          </a:xfrm>
-          <a:prstGeom prst="bentConnector3">
-            <a:avLst>
-              <a:gd name="adj1" fmla="val 29939"/>
-            </a:avLst>
-          </a:prstGeom>
-          <a:ln w="25400">
-            <a:tailEnd type="triangle" w="lg" len="lg"/>
-          </a:ln>
-        </p:spPr>
-        <p:style>
-          <a:lnRef idx="1">
-            <a:schemeClr val="accent5"/>
-          </a:lnRef>
-          <a:fillRef idx="0">
-            <a:schemeClr val="accent5"/>
-          </a:fillRef>
-          <a:effectRef idx="0">
-            <a:schemeClr val="accent5"/>
-          </a:effectRef>
-          <a:fontRef idx="minor">
-            <a:schemeClr val="tx1"/>
-          </a:fontRef>
-        </p:style>
-      </p:cxnSp>
-      <p:sp>
-        <p:nvSpPr>
-          <p:cNvPr id="16" name="正方形/長方形 15"/>
-          <p:cNvSpPr/>
-          <p:nvPr/>
-        </p:nvSpPr>
-        <p:spPr>
-          <a:xfrm>
-            <a:off x="4032000" y="4210004"/>
-            <a:ext cx="942887" cy="523220"/>
-          </a:xfrm>
-          <a:prstGeom prst="rect">
-            <a:avLst/>
-          </a:prstGeom>
-        </p:spPr>
-        <p:style>
-          <a:lnRef idx="2">
-            <a:schemeClr val="accent5"/>
-          </a:lnRef>
-          <a:fillRef idx="1">
-            <a:schemeClr val="lt1"/>
-          </a:fillRef>
-          <a:effectRef idx="0">
-            <a:schemeClr val="accent5"/>
-          </a:effectRef>
-          <a:fontRef idx="minor">
-            <a:schemeClr val="dk1"/>
-          </a:fontRef>
-        </p:style>
-        <p:txBody>
-          <a:bodyPr rot="0" spcFirstLastPara="0" vertOverflow="overflow" horzOverflow="overflow" vert="horz" wrap="none" lIns="91440" tIns="45720" rIns="91440" bIns="45720" numCol="1" spcCol="0" rtlCol="0" fromWordArt="0" anchor="ctr" anchorCtr="0" forceAA="0" compatLnSpc="1">
-            <a:prstTxWarp prst="textNoShape">
-              <a:avLst/>
-            </a:prstTxWarp>
-            <a:spAutoFit/>
-          </a:bodyPr>
-          <a:lstStyle/>
-          <a:p>
-            <a:pPr algn="ctr"/>
-            <a:r>
-              <a:rPr lang="en-US" altLang="ja-JP" sz="2800" dirty="0" smtClean="0">
-                <a:solidFill>
-                  <a:schemeClr val="accent1">
-                    <a:lumMod val="75000"/>
-                  </a:schemeClr>
-                </a:solidFill>
-                <a:latin typeface="Arial" panose="020B0604020202020204" pitchFamily="34" charset="0"/>
-                <a:cs typeface="Arial" panose="020B0604020202020204" pitchFamily="34" charset="0"/>
-              </a:rPr>
-              <a:t>HCS</a:t>
-            </a:r>
-            <a:endParaRPr lang="ja-JP" altLang="en-US" sz="2800" dirty="0">
-              <a:solidFill>
-                <a:schemeClr val="accent1">
-                  <a:lumMod val="75000"/>
-                </a:schemeClr>
-              </a:solidFill>
-              <a:latin typeface="Arial" panose="020B0604020202020204" pitchFamily="34" charset="0"/>
-              <a:cs typeface="Arial" panose="020B0604020202020204" pitchFamily="34" charset="0"/>
-            </a:endParaRPr>
-          </a:p>
-        </p:txBody>
-      </p:sp>
-    </p:spTree>
-    <p:extLst>
-      <p:ext uri="{BB962C8B-B14F-4D97-AF65-F5344CB8AC3E}">
-        <p14:creationId xmlns:p14="http://schemas.microsoft.com/office/powerpoint/2010/main" val="688454399"/>
-      </p:ext>
-    </p:extLst>
-  </p:cSld>
-  <p:clrMapOvr>
-    <a:masterClrMapping/>
-  </p:clrMapOvr>
-</p:sld>
-</file>
-
-<file path=ppt/slides/slide8.xml><?xml version="1.0" encoding="utf-8"?>
-<p:sld xmlns:a="http://schemas.openxmlformats.org/drawingml/2006/main" xmlns:r="http://schemas.openxmlformats.org/officeDocument/2006/relationships" xmlns:p="http://schemas.openxmlformats.org/presentationml/2006/main">
-  <p:cSld>
-    <p:spTree>
-      <p:nvGrpSpPr>
-        <p:cNvPr id="1" name=""/>
-        <p:cNvGrpSpPr/>
-        <p:nvPr/>
-      </p:nvGrpSpPr>
-      <p:grpSpPr>
-        <a:xfrm>
-          <a:off x="0" y="0"/>
-          <a:ext cx="0" cy="0"/>
-          <a:chOff x="0" y="0"/>
-          <a:chExt cx="0" cy="0"/>
-        </a:xfrm>
-      </p:grpSpPr>
-      <p:pic>
-        <p:nvPicPr>
-          <p:cNvPr id="49" name="Picture 3" descr="C:\Users\kaitoy\Desktop\bin\pleiades\workspace\blog\static\images\docker.png"/>
-          <p:cNvPicPr>
-            <a:picLocks noChangeAspect="1" noChangeArrowheads="1"/>
-          </p:cNvPicPr>
-          <p:nvPr/>
-        </p:nvPicPr>
-        <p:blipFill>
-          <a:blip r:embed="rId2">
-            <a:extLst>
-              <a:ext uri="{28A0092B-C50C-407E-A947-70E740481C1C}">
-                <a14:useLocalDpi xmlns:a14="http://schemas.microsoft.com/office/drawing/2010/main" val="0"/>
-              </a:ext>
-            </a:extLst>
-          </a:blip>
-          <a:srcRect/>
-          <a:stretch>
-            <a:fillRect/>
-          </a:stretch>
-        </p:blipFill>
-        <p:spPr bwMode="auto">
-          <a:xfrm>
-            <a:off x="794791" y="3720556"/>
-            <a:ext cx="1905001" cy="1576388"/>
-          </a:xfrm>
-          <a:prstGeom prst="rect">
-            <a:avLst/>
-          </a:prstGeom>
-          <a:noFill/>
-          <a:extLst>
-            <a:ext uri="{909E8E84-426E-40DD-AFC4-6F175D3DCCD1}">
-              <a14:hiddenFill xmlns:a14="http://schemas.microsoft.com/office/drawing/2010/main">
-                <a:solidFill>
-                  <a:srgbClr val="FFFFFF"/>
-                </a:solidFill>
-              </a14:hiddenFill>
-            </a:ext>
-          </a:extLst>
-        </p:spPr>
-      </p:pic>
-      <p:cxnSp>
-        <p:nvCxnSpPr>
-          <p:cNvPr id="50" name="直線矢印コネクタ 49"/>
-          <p:cNvCxnSpPr/>
-          <p:nvPr/>
-        </p:nvCxnSpPr>
-        <p:spPr>
-          <a:xfrm>
-            <a:off x="4449600" y="5365245"/>
-            <a:ext cx="0" cy="666162"/>
-          </a:xfrm>
-          <a:prstGeom prst="straightConnector1">
-            <a:avLst/>
-          </a:prstGeom>
-          <a:ln w="25400">
-            <a:tailEnd type="triangle" w="lg" len="lg"/>
-          </a:ln>
-        </p:spPr>
-        <p:style>
-          <a:lnRef idx="1">
-            <a:schemeClr val="accent5"/>
-          </a:lnRef>
-          <a:fillRef idx="0">
-            <a:schemeClr val="accent5"/>
-          </a:fillRef>
-          <a:effectRef idx="0">
-            <a:schemeClr val="accent5"/>
-          </a:effectRef>
-          <a:fontRef idx="minor">
-            <a:schemeClr val="tx1"/>
-          </a:fontRef>
-        </p:style>
-      </p:cxnSp>
-      <p:grpSp>
-        <p:nvGrpSpPr>
-          <p:cNvPr id="52" name="グループ化 51"/>
-          <p:cNvGrpSpPr/>
-          <p:nvPr/>
-        </p:nvGrpSpPr>
-        <p:grpSpPr>
-          <a:xfrm>
-            <a:off x="3012385" y="6016893"/>
-            <a:ext cx="2862459" cy="1106287"/>
-            <a:chOff x="3126959" y="2262359"/>
-            <a:chExt cx="2862459" cy="1106287"/>
-          </a:xfrm>
-        </p:grpSpPr>
-        <p:sp>
-          <p:nvSpPr>
-            <p:cNvPr id="53" name="角丸四角形 52"/>
-            <p:cNvSpPr/>
-            <p:nvPr/>
-          </p:nvSpPr>
-          <p:spPr>
-            <a:xfrm>
-              <a:off x="3141203" y="2276873"/>
-              <a:ext cx="2848215" cy="1091773"/>
-            </a:xfrm>
-            <a:prstGeom prst="roundRect">
-              <a:avLst>
-                <a:gd name="adj" fmla="val 10811"/>
-              </a:avLst>
-            </a:prstGeom>
-            <a:noFill/>
-            <a:ln>
-              <a:prstDash val="dash"/>
-            </a:ln>
-          </p:spPr>
-          <p:style>
-            <a:lnRef idx="2">
-              <a:schemeClr val="accent1"/>
-            </a:lnRef>
-            <a:fillRef idx="1">
-              <a:schemeClr val="lt1"/>
-            </a:fillRef>
-            <a:effectRef idx="0">
-              <a:schemeClr val="accent1"/>
-            </a:effectRef>
-            <a:fontRef idx="minor">
-              <a:schemeClr val="dk1"/>
-            </a:fontRef>
-          </p:style>
-          <p:txBody>
-            <a:bodyPr rtlCol="0" anchor="ctr"/>
-            <a:lstStyle/>
-            <a:p>
-              <a:pPr algn="ctr"/>
-              <a:endParaRPr kumimoji="1" lang="ja-JP" altLang="en-US"/>
-            </a:p>
-          </p:txBody>
-        </p:sp>
-        <p:sp>
-          <p:nvSpPr>
-            <p:cNvPr id="54" name="対角する 2 つの角を丸めた四角形 53"/>
-            <p:cNvSpPr/>
-            <p:nvPr/>
-          </p:nvSpPr>
-          <p:spPr>
-            <a:xfrm>
-              <a:off x="3126959" y="2262359"/>
-              <a:ext cx="936000" cy="292627"/>
-            </a:xfrm>
-            <a:prstGeom prst="round2DiagRect">
-              <a:avLst/>
-            </a:prstGeom>
-            <a:effectLst/>
-          </p:spPr>
-          <p:style>
-            <a:lnRef idx="1">
-              <a:schemeClr val="accent1"/>
-            </a:lnRef>
-            <a:fillRef idx="2">
-              <a:schemeClr val="accent1"/>
-            </a:fillRef>
-            <a:effectRef idx="1">
-              <a:schemeClr val="accent1"/>
-            </a:effectRef>
-            <a:fontRef idx="minor">
-              <a:schemeClr val="dk1"/>
-            </a:fontRef>
-          </p:style>
-          <p:txBody>
-            <a:bodyPr wrap="none" lIns="36000" tIns="36000" rIns="36000" bIns="36000" rtlCol="0" anchor="ctr"/>
-            <a:lstStyle/>
-            <a:p>
-              <a:pPr algn="ctr"/>
-              <a:r>
-                <a:rPr kumimoji="1" lang="en-US" altLang="ja-JP" dirty="0" smtClean="0">
-                  <a:solidFill>
-                    <a:schemeClr val="tx1">
-                      <a:lumMod val="75000"/>
-                      <a:lumOff val="25000"/>
-                    </a:schemeClr>
-                  </a:solidFill>
-                </a:rPr>
-                <a:t>CRI </a:t>
-              </a:r>
-              <a:r>
-                <a:rPr kumimoji="1" lang="en-US" altLang="ja-JP" dirty="0" err="1" smtClean="0">
-                  <a:solidFill>
-                    <a:schemeClr val="tx1">
-                      <a:lumMod val="75000"/>
-                      <a:lumOff val="25000"/>
-                    </a:schemeClr>
-                  </a:solidFill>
-                </a:rPr>
-                <a:t>impl</a:t>
-              </a:r>
-              <a:endParaRPr kumimoji="1" lang="ja-JP" altLang="en-US" dirty="0">
-                <a:solidFill>
-                  <a:schemeClr val="tx1">
-                    <a:lumMod val="75000"/>
-                    <a:lumOff val="25000"/>
-                  </a:schemeClr>
-                </a:solidFill>
-              </a:endParaRPr>
-            </a:p>
-          </p:txBody>
-        </p:sp>
-      </p:grpSp>
-      <p:cxnSp>
-        <p:nvCxnSpPr>
-          <p:cNvPr id="55" name="カギ線コネクタ 54"/>
-          <p:cNvCxnSpPr>
-            <a:stCxn id="49" idx="2"/>
-            <a:endCxn id="53" idx="0"/>
-          </p:cNvCxnSpPr>
-          <p:nvPr/>
-        </p:nvCxnSpPr>
-        <p:spPr>
-          <a:xfrm rot="16200000" flipH="1">
-            <a:off x="2731783" y="4312452"/>
-            <a:ext cx="734463" cy="2703445"/>
-          </a:xfrm>
-          <a:prstGeom prst="bentConnector3">
-            <a:avLst>
-              <a:gd name="adj1" fmla="val 50000"/>
-            </a:avLst>
-          </a:prstGeom>
-          <a:ln w="25400">
-            <a:prstDash val="sysDash"/>
-            <a:tailEnd type="triangle" w="lg" len="lg"/>
-          </a:ln>
-        </p:spPr>
-        <p:style>
-          <a:lnRef idx="1">
-            <a:schemeClr val="accent5"/>
-          </a:lnRef>
-          <a:fillRef idx="0">
-            <a:schemeClr val="accent5"/>
-          </a:fillRef>
-          <a:effectRef idx="0">
-            <a:schemeClr val="accent5"/>
-          </a:effectRef>
-          <a:fontRef idx="minor">
-            <a:schemeClr val="tx1"/>
-          </a:fontRef>
-        </p:style>
-      </p:cxnSp>
-      <p:pic>
-        <p:nvPicPr>
-          <p:cNvPr id="56" name="Picture 2" descr="C:\Users\kaitoy\Desktop\bin\pleiades\workspace\blog\static\images\kubernetes.png"/>
-          <p:cNvPicPr>
-            <a:picLocks noChangeAspect="1" noChangeArrowheads="1"/>
-          </p:cNvPicPr>
-          <p:nvPr/>
-        </p:nvPicPr>
-        <p:blipFill>
-          <a:blip r:embed="rId3" cstate="print">
-            <a:extLst>
-              <a:ext uri="{28A0092B-C50C-407E-A947-70E740481C1C}">
-                <a14:useLocalDpi xmlns:a14="http://schemas.microsoft.com/office/drawing/2010/main" val="0"/>
-              </a:ext>
-            </a:extLst>
-          </a:blip>
-          <a:srcRect/>
-          <a:stretch>
-            <a:fillRect/>
-          </a:stretch>
-        </p:blipFill>
-        <p:spPr bwMode="auto">
-          <a:xfrm>
-            <a:off x="3471506" y="3770710"/>
-            <a:ext cx="1944216" cy="1454226"/>
-          </a:xfrm>
-          <a:prstGeom prst="rect">
-            <a:avLst/>
-          </a:prstGeom>
-          <a:noFill/>
-          <a:extLst>
-            <a:ext uri="{909E8E84-426E-40DD-AFC4-6F175D3DCCD1}">
-              <a14:hiddenFill xmlns:a14="http://schemas.microsoft.com/office/drawing/2010/main">
-                <a:solidFill>
-                  <a:srgbClr val="FFFFFF"/>
-                </a:solidFill>
-              </a14:hiddenFill>
-            </a:ext>
-          </a:extLst>
-        </p:spPr>
-      </p:pic>
-      <p:pic>
-        <p:nvPicPr>
-          <p:cNvPr id="57" name="Picture 2" descr="https://raw.githubusercontent.com/cncf/artwork/master/projects/containerd/horizontal/color/containerd-horizontal-color.png"/>
-          <p:cNvPicPr>
-            <a:picLocks noChangeAspect="1" noChangeArrowheads="1"/>
-          </p:cNvPicPr>
-          <p:nvPr/>
-        </p:nvPicPr>
-        <p:blipFill>
-          <a:blip r:embed="rId4" cstate="print">
-            <a:extLst>
-              <a:ext uri="{28A0092B-C50C-407E-A947-70E740481C1C}">
-                <a14:useLocalDpi xmlns:a14="http://schemas.microsoft.com/office/drawing/2010/main" val="0"/>
-              </a:ext>
-            </a:extLst>
-          </a:blip>
-          <a:srcRect/>
-          <a:stretch>
-            <a:fillRect/>
-          </a:stretch>
-        </p:blipFill>
-        <p:spPr bwMode="auto">
-          <a:xfrm>
-            <a:off x="3315577" y="6377064"/>
-            <a:ext cx="2256075" cy="558961"/>
-          </a:xfrm>
-          <a:prstGeom prst="rect">
-            <a:avLst/>
-          </a:prstGeom>
-          <a:noFill/>
-          <a:extLst>
-            <a:ext uri="{909E8E84-426E-40DD-AFC4-6F175D3DCCD1}">
-              <a14:hiddenFill xmlns:a14="http://schemas.microsoft.com/office/drawing/2010/main">
-                <a:solidFill>
-                  <a:srgbClr val="FFFFFF"/>
-                </a:solidFill>
-              </a14:hiddenFill>
-            </a:ext>
-          </a:extLst>
-        </p:spPr>
-      </p:pic>
-      <p:grpSp>
-        <p:nvGrpSpPr>
-          <p:cNvPr id="58" name="グループ化 57"/>
-          <p:cNvGrpSpPr/>
-          <p:nvPr/>
-        </p:nvGrpSpPr>
-        <p:grpSpPr>
-          <a:xfrm>
-            <a:off x="1926642" y="11789913"/>
-            <a:ext cx="1665841" cy="1408370"/>
-            <a:chOff x="707393" y="6331953"/>
-            <a:chExt cx="1665841" cy="1408370"/>
-          </a:xfrm>
-        </p:grpSpPr>
-        <p:sp>
-          <p:nvSpPr>
-            <p:cNvPr id="59" name="直方体 58"/>
-            <p:cNvSpPr/>
-            <p:nvPr/>
-          </p:nvSpPr>
-          <p:spPr>
-            <a:xfrm>
-              <a:off x="1324313" y="6331953"/>
-              <a:ext cx="432000" cy="432048"/>
-            </a:xfrm>
-            <a:prstGeom prst="cube">
-              <a:avLst/>
-            </a:prstGeom>
-          </p:spPr>
-          <p:style>
-            <a:lnRef idx="2">
-              <a:schemeClr val="accent5"/>
-            </a:lnRef>
-            <a:fillRef idx="1">
-              <a:schemeClr val="lt1"/>
-            </a:fillRef>
-            <a:effectRef idx="0">
-              <a:schemeClr val="accent5"/>
-            </a:effectRef>
-            <a:fontRef idx="minor">
-              <a:schemeClr val="dk1"/>
-            </a:fontRef>
-          </p:style>
-          <p:txBody>
-            <a:bodyPr rtlCol="0" anchor="ctr"/>
-            <a:lstStyle/>
-            <a:p>
-              <a:pPr algn="ctr"/>
-              <a:endParaRPr kumimoji="1" lang="ja-JP" altLang="en-US"/>
-            </a:p>
-          </p:txBody>
-        </p:sp>
-        <p:sp>
-          <p:nvSpPr>
-            <p:cNvPr id="60" name="テキスト ボックス 59"/>
-            <p:cNvSpPr txBox="1"/>
-            <p:nvPr/>
-          </p:nvSpPr>
-          <p:spPr>
-            <a:xfrm>
-              <a:off x="707393" y="6786216"/>
-              <a:ext cx="1665841" cy="954107"/>
-            </a:xfrm>
-            <a:prstGeom prst="rect">
-              <a:avLst/>
-            </a:prstGeom>
-            <a:noFill/>
-          </p:spPr>
-          <p:txBody>
-            <a:bodyPr wrap="none" rtlCol="0">
-              <a:spAutoFit/>
-            </a:bodyPr>
-            <a:lstStyle/>
-            <a:p>
-              <a:pPr algn="ctr"/>
-              <a:r>
-                <a:rPr lang="en-US" altLang="ja-JP" sz="2800" dirty="0" smtClean="0">
-                  <a:solidFill>
-                    <a:schemeClr val="tx1">
-                      <a:lumMod val="75000"/>
-                      <a:lumOff val="25000"/>
-                    </a:schemeClr>
-                  </a:solidFill>
-                  <a:latin typeface="Arial" panose="020B0604020202020204" pitchFamily="34" charset="0"/>
-                  <a:cs typeface="Arial" panose="020B0604020202020204" pitchFamily="34" charset="0"/>
-                </a:rPr>
-                <a:t>sandbox</a:t>
-              </a:r>
-            </a:p>
-            <a:p>
-              <a:pPr algn="ctr"/>
-              <a:r>
-                <a:rPr lang="en-US" altLang="ja-JP" sz="2800" dirty="0" smtClean="0">
-                  <a:solidFill>
-                    <a:schemeClr val="tx1">
-                      <a:lumMod val="75000"/>
-                      <a:lumOff val="25000"/>
-                    </a:schemeClr>
-                  </a:solidFill>
-                  <a:latin typeface="Arial" panose="020B0604020202020204" pitchFamily="34" charset="0"/>
-                  <a:cs typeface="Arial" panose="020B0604020202020204" pitchFamily="34" charset="0"/>
-                </a:rPr>
-                <a:t>container</a:t>
-              </a:r>
-              <a:endParaRPr kumimoji="1" lang="ja-JP" altLang="en-US" sz="2800" dirty="0">
-                <a:solidFill>
-                  <a:schemeClr val="tx1">
-                    <a:lumMod val="75000"/>
-                    <a:lumOff val="25000"/>
-                  </a:schemeClr>
-                </a:solidFill>
-                <a:latin typeface="Arial" panose="020B0604020202020204" pitchFamily="34" charset="0"/>
-                <a:cs typeface="Arial" panose="020B0604020202020204" pitchFamily="34" charset="0"/>
-              </a:endParaRPr>
-            </a:p>
-          </p:txBody>
-        </p:sp>
-      </p:grpSp>
-      <p:cxnSp>
-        <p:nvCxnSpPr>
-          <p:cNvPr id="61" name="カギ線コネクタ 60"/>
-          <p:cNvCxnSpPr>
-            <a:stCxn id="53" idx="2"/>
-            <a:endCxn id="86" idx="0"/>
-          </p:cNvCxnSpPr>
-          <p:nvPr/>
-        </p:nvCxnSpPr>
-        <p:spPr>
-          <a:xfrm rot="5400000">
-            <a:off x="3261411" y="6628590"/>
-            <a:ext cx="694736" cy="1683917"/>
-          </a:xfrm>
-          <a:prstGeom prst="bentConnector3">
-            <a:avLst>
-              <a:gd name="adj1" fmla="val 50000"/>
-            </a:avLst>
-          </a:prstGeom>
-          <a:ln w="25400">
-            <a:tailEnd type="triangle" w="lg" len="lg"/>
-          </a:ln>
-        </p:spPr>
-        <p:style>
-          <a:lnRef idx="1">
-            <a:schemeClr val="accent5"/>
-          </a:lnRef>
-          <a:fillRef idx="0">
-            <a:schemeClr val="accent5"/>
-          </a:fillRef>
-          <a:effectRef idx="0">
-            <a:schemeClr val="accent5"/>
-          </a:effectRef>
-          <a:fontRef idx="minor">
-            <a:schemeClr val="tx1"/>
-          </a:fontRef>
-        </p:style>
-      </p:cxnSp>
-      <p:grpSp>
-        <p:nvGrpSpPr>
-          <p:cNvPr id="64" name="グループ化 63"/>
-          <p:cNvGrpSpPr/>
-          <p:nvPr/>
-        </p:nvGrpSpPr>
-        <p:grpSpPr>
-          <a:xfrm>
-            <a:off x="1492164" y="8641772"/>
-            <a:ext cx="2534796" cy="1479708"/>
-            <a:chOff x="2901300" y="4435876"/>
-            <a:chExt cx="2534796" cy="1479708"/>
-          </a:xfrm>
-        </p:grpSpPr>
-        <p:sp>
-          <p:nvSpPr>
-            <p:cNvPr id="65" name="角丸四角形 64"/>
-            <p:cNvSpPr/>
-            <p:nvPr/>
-          </p:nvSpPr>
-          <p:spPr>
-            <a:xfrm>
-              <a:off x="2915816" y="4464905"/>
-              <a:ext cx="2520280" cy="1450679"/>
-            </a:xfrm>
-            <a:prstGeom prst="roundRect">
-              <a:avLst>
-                <a:gd name="adj" fmla="val 13586"/>
-              </a:avLst>
-            </a:prstGeom>
-            <a:noFill/>
-            <a:ln>
-              <a:prstDash val="dash"/>
-            </a:ln>
-          </p:spPr>
-          <p:style>
-            <a:lnRef idx="2">
-              <a:schemeClr val="accent5"/>
-            </a:lnRef>
-            <a:fillRef idx="1">
-              <a:schemeClr val="lt1"/>
-            </a:fillRef>
-            <a:effectRef idx="0">
-              <a:schemeClr val="accent5"/>
-            </a:effectRef>
-            <a:fontRef idx="minor">
-              <a:schemeClr val="dk1"/>
-            </a:fontRef>
-          </p:style>
-          <p:txBody>
-            <a:bodyPr rtlCol="0" anchor="ctr"/>
-            <a:lstStyle/>
-            <a:p>
-              <a:pPr algn="ctr"/>
-              <a:endParaRPr kumimoji="1" lang="ja-JP" altLang="en-US"/>
-            </a:p>
-          </p:txBody>
-        </p:sp>
-        <p:sp>
-          <p:nvSpPr>
-            <p:cNvPr id="66" name="対角する 2 つの角を丸めた四角形 65"/>
-            <p:cNvSpPr/>
-            <p:nvPr/>
-          </p:nvSpPr>
-          <p:spPr>
-            <a:xfrm>
-              <a:off x="2901300" y="4435876"/>
-              <a:ext cx="1332000" cy="288000"/>
-            </a:xfrm>
-            <a:prstGeom prst="round2DiagRect">
-              <a:avLst/>
-            </a:prstGeom>
-            <a:effectLst/>
-          </p:spPr>
-          <p:style>
-            <a:lnRef idx="1">
-              <a:schemeClr val="accent5"/>
-            </a:lnRef>
-            <a:fillRef idx="2">
-              <a:schemeClr val="accent5"/>
-            </a:fillRef>
-            <a:effectRef idx="1">
-              <a:schemeClr val="accent5"/>
-            </a:effectRef>
-            <a:fontRef idx="minor">
-              <a:schemeClr val="dk1"/>
-            </a:fontRef>
-          </p:style>
-          <p:txBody>
-            <a:bodyPr wrap="none" lIns="36000" tIns="36000" rIns="36000" bIns="36000" rtlCol="0" anchor="ctr"/>
-            <a:lstStyle/>
-            <a:p>
-              <a:pPr algn="ctr">
-                <a:lnSpc>
-                  <a:spcPts val="1460"/>
-                </a:lnSpc>
-              </a:pPr>
-              <a:r>
-                <a:rPr kumimoji="1" lang="en-US" altLang="ja-JP" dirty="0" smtClean="0">
-                  <a:solidFill>
-                    <a:schemeClr val="tx1">
-                      <a:lumMod val="75000"/>
-                      <a:lumOff val="25000"/>
-                    </a:schemeClr>
-                  </a:solidFill>
-                </a:rPr>
-                <a:t>OCI Runtime</a:t>
-              </a:r>
-              <a:endParaRPr kumimoji="1" lang="ja-JP" altLang="en-US" dirty="0">
-                <a:solidFill>
-                  <a:schemeClr val="tx1">
-                    <a:lumMod val="75000"/>
-                    <a:lumOff val="25000"/>
-                  </a:schemeClr>
-                </a:solidFill>
-              </a:endParaRPr>
-            </a:p>
-          </p:txBody>
-        </p:sp>
-      </p:grpSp>
-      <p:cxnSp>
-        <p:nvCxnSpPr>
-          <p:cNvPr id="69" name="カギ線コネクタ 68"/>
-          <p:cNvCxnSpPr>
-            <a:stCxn id="53" idx="2"/>
-            <a:endCxn id="87" idx="0"/>
-          </p:cNvCxnSpPr>
-          <p:nvPr/>
-        </p:nvCxnSpPr>
-        <p:spPr>
-          <a:xfrm rot="16200000" flipH="1">
-            <a:off x="4917594" y="6656322"/>
-            <a:ext cx="694736" cy="1628451"/>
-          </a:xfrm>
-          <a:prstGeom prst="bentConnector3">
-            <a:avLst>
-              <a:gd name="adj1" fmla="val 50000"/>
-            </a:avLst>
-          </a:prstGeom>
-          <a:ln w="25400">
-            <a:tailEnd type="triangle" w="lg" len="lg"/>
-          </a:ln>
-        </p:spPr>
-        <p:style>
-          <a:lnRef idx="1">
-            <a:schemeClr val="accent5"/>
-          </a:lnRef>
-          <a:fillRef idx="0">
-            <a:schemeClr val="accent5"/>
-          </a:fillRef>
-          <a:effectRef idx="0">
-            <a:schemeClr val="accent5"/>
-          </a:effectRef>
-          <a:fontRef idx="minor">
-            <a:schemeClr val="tx1"/>
-          </a:fontRef>
-        </p:style>
-      </p:cxnSp>
-      <p:cxnSp>
-        <p:nvCxnSpPr>
-          <p:cNvPr id="70" name="直線矢印コネクタ 69"/>
-          <p:cNvCxnSpPr/>
-          <p:nvPr/>
-        </p:nvCxnSpPr>
-        <p:spPr>
-          <a:xfrm flipH="1">
-            <a:off x="2759562" y="11202573"/>
-            <a:ext cx="1" cy="515267"/>
-          </a:xfrm>
-          <a:prstGeom prst="straightConnector1">
-            <a:avLst/>
-          </a:prstGeom>
-          <a:ln w="25400">
-            <a:tailEnd type="triangle" w="lg" len="lg"/>
-          </a:ln>
-        </p:spPr>
-        <p:style>
-          <a:lnRef idx="1">
-            <a:schemeClr val="accent5"/>
-          </a:lnRef>
-          <a:fillRef idx="0">
-            <a:schemeClr val="accent5"/>
-          </a:fillRef>
-          <a:effectRef idx="0">
-            <a:schemeClr val="accent5"/>
-          </a:effectRef>
-          <a:fontRef idx="minor">
-            <a:schemeClr val="tx1"/>
-          </a:fontRef>
-        </p:style>
-      </p:cxnSp>
-      <p:grpSp>
-        <p:nvGrpSpPr>
-          <p:cNvPr id="71" name="グループ化 70"/>
-          <p:cNvGrpSpPr/>
-          <p:nvPr/>
-        </p:nvGrpSpPr>
-        <p:grpSpPr>
-          <a:xfrm>
-            <a:off x="5239010" y="11789913"/>
-            <a:ext cx="1665841" cy="977483"/>
-            <a:chOff x="707393" y="6331953"/>
-            <a:chExt cx="1665841" cy="977483"/>
-          </a:xfrm>
-        </p:grpSpPr>
-        <p:sp>
-          <p:nvSpPr>
-            <p:cNvPr id="72" name="直方体 71"/>
-            <p:cNvSpPr/>
-            <p:nvPr/>
-          </p:nvSpPr>
-          <p:spPr>
-            <a:xfrm>
-              <a:off x="1324313" y="6331953"/>
-              <a:ext cx="432000" cy="432048"/>
-            </a:xfrm>
-            <a:prstGeom prst="cube">
-              <a:avLst/>
-            </a:prstGeom>
-          </p:spPr>
-          <p:style>
-            <a:lnRef idx="2">
-              <a:schemeClr val="accent5"/>
-            </a:lnRef>
-            <a:fillRef idx="1">
-              <a:schemeClr val="lt1"/>
-            </a:fillRef>
-            <a:effectRef idx="0">
-              <a:schemeClr val="accent5"/>
-            </a:effectRef>
-            <a:fontRef idx="minor">
-              <a:schemeClr val="dk1"/>
-            </a:fontRef>
-          </p:style>
-          <p:txBody>
-            <a:bodyPr rtlCol="0" anchor="ctr"/>
-            <a:lstStyle/>
-            <a:p>
-              <a:pPr algn="ctr"/>
-              <a:endParaRPr kumimoji="1" lang="ja-JP" altLang="en-US"/>
-            </a:p>
-          </p:txBody>
-        </p:sp>
-        <p:sp>
-          <p:nvSpPr>
-            <p:cNvPr id="73" name="テキスト ボックス 72"/>
-            <p:cNvSpPr txBox="1"/>
-            <p:nvPr/>
-          </p:nvSpPr>
-          <p:spPr>
-            <a:xfrm>
-              <a:off x="707393" y="6786216"/>
-              <a:ext cx="1665841" cy="523220"/>
-            </a:xfrm>
-            <a:prstGeom prst="rect">
-              <a:avLst/>
-            </a:prstGeom>
-            <a:noFill/>
-          </p:spPr>
-          <p:txBody>
-            <a:bodyPr wrap="none" rtlCol="0">
-              <a:spAutoFit/>
-            </a:bodyPr>
-            <a:lstStyle/>
-            <a:p>
-              <a:pPr algn="ctr"/>
-              <a:r>
-                <a:rPr lang="en-US" altLang="ja-JP" sz="2800" dirty="0" smtClean="0">
-                  <a:solidFill>
-                    <a:schemeClr val="tx1">
-                      <a:lumMod val="75000"/>
-                      <a:lumOff val="25000"/>
-                    </a:schemeClr>
-                  </a:solidFill>
-                  <a:latin typeface="Arial" panose="020B0604020202020204" pitchFamily="34" charset="0"/>
-                  <a:cs typeface="Arial" panose="020B0604020202020204" pitchFamily="34" charset="0"/>
-                </a:rPr>
-                <a:t>container</a:t>
-              </a:r>
-              <a:endParaRPr kumimoji="1" lang="ja-JP" altLang="en-US" sz="2800" dirty="0">
-                <a:solidFill>
-                  <a:schemeClr val="tx1">
-                    <a:lumMod val="75000"/>
-                    <a:lumOff val="25000"/>
-                  </a:schemeClr>
-                </a:solidFill>
-                <a:latin typeface="Arial" panose="020B0604020202020204" pitchFamily="34" charset="0"/>
-                <a:cs typeface="Arial" panose="020B0604020202020204" pitchFamily="34" charset="0"/>
-              </a:endParaRPr>
-            </a:p>
-          </p:txBody>
-        </p:sp>
-      </p:grpSp>
-      <p:grpSp>
-        <p:nvGrpSpPr>
-          <p:cNvPr id="77" name="グループ化 76"/>
-          <p:cNvGrpSpPr/>
-          <p:nvPr/>
-        </p:nvGrpSpPr>
-        <p:grpSpPr>
-          <a:xfrm>
-            <a:off x="4804532" y="8641772"/>
-            <a:ext cx="2534796" cy="1479708"/>
-            <a:chOff x="2901300" y="4435876"/>
-            <a:chExt cx="2534796" cy="1479708"/>
-          </a:xfrm>
-        </p:grpSpPr>
-        <p:sp>
-          <p:nvSpPr>
-            <p:cNvPr id="78" name="角丸四角形 77"/>
-            <p:cNvSpPr/>
-            <p:nvPr/>
-          </p:nvSpPr>
-          <p:spPr>
-            <a:xfrm>
-              <a:off x="2915816" y="4464905"/>
-              <a:ext cx="2520280" cy="1450679"/>
-            </a:xfrm>
-            <a:prstGeom prst="roundRect">
-              <a:avLst>
-                <a:gd name="adj" fmla="val 13586"/>
-              </a:avLst>
-            </a:prstGeom>
-            <a:noFill/>
-            <a:ln>
-              <a:prstDash val="dash"/>
-            </a:ln>
-          </p:spPr>
-          <p:style>
-            <a:lnRef idx="2">
-              <a:schemeClr val="accent5"/>
-            </a:lnRef>
-            <a:fillRef idx="1">
-              <a:schemeClr val="lt1"/>
-            </a:fillRef>
-            <a:effectRef idx="0">
-              <a:schemeClr val="accent5"/>
-            </a:effectRef>
-            <a:fontRef idx="minor">
-              <a:schemeClr val="dk1"/>
-            </a:fontRef>
-          </p:style>
-          <p:txBody>
-            <a:bodyPr rtlCol="0" anchor="ctr"/>
-            <a:lstStyle/>
-            <a:p>
-              <a:pPr algn="ctr"/>
-              <a:endParaRPr kumimoji="1" lang="ja-JP" altLang="en-US"/>
-            </a:p>
-          </p:txBody>
-        </p:sp>
-        <p:sp>
-          <p:nvSpPr>
-            <p:cNvPr id="79" name="対角する 2 つの角を丸めた四角形 78"/>
-            <p:cNvSpPr/>
-            <p:nvPr/>
-          </p:nvSpPr>
-          <p:spPr>
-            <a:xfrm>
-              <a:off x="2901300" y="4435876"/>
-              <a:ext cx="1332000" cy="288000"/>
-            </a:xfrm>
-            <a:prstGeom prst="round2DiagRect">
-              <a:avLst/>
-            </a:prstGeom>
-            <a:effectLst/>
-          </p:spPr>
-          <p:style>
-            <a:lnRef idx="1">
-              <a:schemeClr val="accent5"/>
-            </a:lnRef>
-            <a:fillRef idx="2">
-              <a:schemeClr val="accent5"/>
-            </a:fillRef>
-            <a:effectRef idx="1">
-              <a:schemeClr val="accent5"/>
-            </a:effectRef>
-            <a:fontRef idx="minor">
-              <a:schemeClr val="dk1"/>
-            </a:fontRef>
-          </p:style>
-          <p:txBody>
-            <a:bodyPr wrap="none" lIns="36000" tIns="36000" rIns="36000" bIns="36000" rtlCol="0" anchor="ctr"/>
-            <a:lstStyle/>
-            <a:p>
-              <a:pPr algn="ctr">
-                <a:lnSpc>
-                  <a:spcPts val="1460"/>
-                </a:lnSpc>
-              </a:pPr>
-              <a:r>
-                <a:rPr kumimoji="1" lang="en-US" altLang="ja-JP" dirty="0" smtClean="0">
-                  <a:solidFill>
-                    <a:schemeClr val="tx1">
-                      <a:lumMod val="75000"/>
-                      <a:lumOff val="25000"/>
-                    </a:schemeClr>
-                  </a:solidFill>
-                </a:rPr>
-                <a:t>OCI Runtime</a:t>
-              </a:r>
-              <a:endParaRPr kumimoji="1" lang="ja-JP" altLang="en-US" dirty="0">
-                <a:solidFill>
-                  <a:schemeClr val="tx1">
-                    <a:lumMod val="75000"/>
-                    <a:lumOff val="25000"/>
-                  </a:schemeClr>
-                </a:solidFill>
-              </a:endParaRPr>
-            </a:p>
-          </p:txBody>
-        </p:sp>
-      </p:grpSp>
-      <p:cxnSp>
-        <p:nvCxnSpPr>
-          <p:cNvPr id="82" name="直線矢印コネクタ 81"/>
-          <p:cNvCxnSpPr/>
-          <p:nvPr/>
-        </p:nvCxnSpPr>
-        <p:spPr>
-          <a:xfrm flipH="1">
-            <a:off x="6071930" y="11184193"/>
-            <a:ext cx="1" cy="515267"/>
-          </a:xfrm>
-          <a:prstGeom prst="straightConnector1">
-            <a:avLst/>
-          </a:prstGeom>
-          <a:ln w="25400">
-            <a:tailEnd type="triangle" w="lg" len="lg"/>
-          </a:ln>
-        </p:spPr>
-        <p:style>
-          <a:lnRef idx="1">
-            <a:schemeClr val="accent5"/>
-          </a:lnRef>
-          <a:fillRef idx="0">
-            <a:schemeClr val="accent5"/>
-          </a:fillRef>
-          <a:effectRef idx="0">
-            <a:schemeClr val="accent5"/>
-          </a:effectRef>
-          <a:fontRef idx="minor">
-            <a:schemeClr val="tx1"/>
-          </a:fontRef>
-        </p:style>
-      </p:cxnSp>
-      <p:grpSp>
-        <p:nvGrpSpPr>
-          <p:cNvPr id="83" name="グループ化 82"/>
-          <p:cNvGrpSpPr/>
-          <p:nvPr/>
-        </p:nvGrpSpPr>
-        <p:grpSpPr>
-          <a:xfrm>
-            <a:off x="1506680" y="11417624"/>
-            <a:ext cx="5832648" cy="1944216"/>
-            <a:chOff x="2901300" y="4435876"/>
-            <a:chExt cx="5832648" cy="1944216"/>
-          </a:xfrm>
-        </p:grpSpPr>
-        <p:sp>
-          <p:nvSpPr>
-            <p:cNvPr id="84" name="角丸四角形 83"/>
-            <p:cNvSpPr/>
-            <p:nvPr/>
-          </p:nvSpPr>
-          <p:spPr>
-            <a:xfrm>
-              <a:off x="2915816" y="4464905"/>
-              <a:ext cx="5818132" cy="1915187"/>
-            </a:xfrm>
-            <a:prstGeom prst="roundRect">
-              <a:avLst>
-                <a:gd name="adj" fmla="val 13586"/>
-              </a:avLst>
-            </a:prstGeom>
-            <a:noFill/>
-            <a:ln>
-              <a:solidFill>
-                <a:schemeClr val="tx1">
-                  <a:lumMod val="50000"/>
-                  <a:lumOff val="50000"/>
-                </a:schemeClr>
-              </a:solidFill>
-              <a:prstDash val="dash"/>
-            </a:ln>
-          </p:spPr>
-          <p:style>
-            <a:lnRef idx="2">
-              <a:schemeClr val="accent5"/>
-            </a:lnRef>
-            <a:fillRef idx="1">
-              <a:schemeClr val="lt1"/>
-            </a:fillRef>
-            <a:effectRef idx="0">
-              <a:schemeClr val="accent5"/>
-            </a:effectRef>
-            <a:fontRef idx="minor">
-              <a:schemeClr val="dk1"/>
-            </a:fontRef>
-          </p:style>
-          <p:txBody>
-            <a:bodyPr rtlCol="0" anchor="ctr"/>
-            <a:lstStyle/>
-            <a:p>
-              <a:pPr algn="ctr"/>
-              <a:endParaRPr kumimoji="1" lang="ja-JP" altLang="en-US"/>
-            </a:p>
-          </p:txBody>
-        </p:sp>
-        <p:sp>
-          <p:nvSpPr>
-            <p:cNvPr id="85" name="対角する 2 つの角を丸めた四角形 84"/>
-            <p:cNvSpPr/>
-            <p:nvPr/>
-          </p:nvSpPr>
-          <p:spPr>
-            <a:xfrm>
-              <a:off x="2901300" y="4435876"/>
-              <a:ext cx="612000" cy="288000"/>
-            </a:xfrm>
-            <a:prstGeom prst="round2DiagRect">
-              <a:avLst/>
-            </a:prstGeom>
-            <a:effectLst/>
-          </p:spPr>
-          <p:style>
-            <a:lnRef idx="1">
-              <a:schemeClr val="dk1"/>
-            </a:lnRef>
-            <a:fillRef idx="2">
-              <a:schemeClr val="dk1"/>
-            </a:fillRef>
-            <a:effectRef idx="1">
-              <a:schemeClr val="dk1"/>
-            </a:effectRef>
-            <a:fontRef idx="minor">
-              <a:schemeClr val="dk1"/>
-            </a:fontRef>
-          </p:style>
-          <p:txBody>
-            <a:bodyPr wrap="none" lIns="36000" tIns="36000" rIns="36000" bIns="36000" rtlCol="0" anchor="ctr"/>
-            <a:lstStyle/>
-            <a:p>
-              <a:pPr algn="ctr">
-                <a:lnSpc>
-                  <a:spcPts val="1460"/>
-                </a:lnSpc>
-              </a:pPr>
-              <a:r>
-                <a:rPr lang="en-US" altLang="ja-JP" dirty="0" smtClean="0">
-                  <a:solidFill>
-                    <a:schemeClr val="tx1">
-                      <a:lumMod val="75000"/>
-                      <a:lumOff val="25000"/>
-                    </a:schemeClr>
-                  </a:solidFill>
-                </a:rPr>
-                <a:t>Pod</a:t>
-              </a:r>
-              <a:endParaRPr kumimoji="1" lang="ja-JP" altLang="en-US" dirty="0">
-                <a:solidFill>
-                  <a:schemeClr val="tx1">
-                    <a:lumMod val="75000"/>
-                    <a:lumOff val="25000"/>
-                  </a:schemeClr>
-                </a:solidFill>
-              </a:endParaRPr>
-            </a:p>
-          </p:txBody>
-        </p:sp>
-      </p:grpSp>
-      <p:sp>
-        <p:nvSpPr>
-          <p:cNvPr id="86" name="正方形/長方形 85"/>
-          <p:cNvSpPr/>
-          <p:nvPr/>
-        </p:nvSpPr>
-        <p:spPr>
-          <a:xfrm>
-            <a:off x="2014851" y="7817916"/>
-            <a:ext cx="1503937" cy="523220"/>
-          </a:xfrm>
-          <a:prstGeom prst="rect">
-            <a:avLst/>
-          </a:prstGeom>
-        </p:spPr>
-        <p:style>
-          <a:lnRef idx="2">
-            <a:schemeClr val="accent5"/>
-          </a:lnRef>
-          <a:fillRef idx="1">
-            <a:schemeClr val="lt1"/>
-          </a:fillRef>
-          <a:effectRef idx="0">
-            <a:schemeClr val="accent5"/>
-          </a:effectRef>
-          <a:fontRef idx="minor">
-            <a:schemeClr val="dk1"/>
-          </a:fontRef>
-        </p:style>
-        <p:txBody>
-          <a:bodyPr rot="0" spcFirstLastPara="0" vertOverflow="overflow" horzOverflow="overflow" vert="horz" wrap="none" lIns="91440" tIns="45720" rIns="91440" bIns="45720" numCol="1" spcCol="0" rtlCol="0" fromWordArt="0" anchor="ctr" anchorCtr="0" forceAA="0" compatLnSpc="1">
-            <a:prstTxWarp prst="textNoShape">
-              <a:avLst/>
-            </a:prstTxWarp>
-            <a:spAutoFit/>
-          </a:bodyPr>
-          <a:lstStyle/>
-          <a:p>
-            <a:pPr algn="ctr"/>
-            <a:r>
-              <a:rPr lang="en-US" altLang="ja-JP" sz="2800" dirty="0" err="1">
-                <a:solidFill>
-                  <a:schemeClr val="accent1">
-                    <a:lumMod val="75000"/>
-                  </a:schemeClr>
-                </a:solidFill>
-                <a:latin typeface="Arial" panose="020B0604020202020204" pitchFamily="34" charset="0"/>
-                <a:cs typeface="Arial" panose="020B0604020202020204" pitchFamily="34" charset="0"/>
-              </a:rPr>
-              <a:t>hcsshim</a:t>
-            </a:r>
-            <a:endParaRPr lang="ja-JP" altLang="en-US" sz="2800" dirty="0">
-              <a:solidFill>
-                <a:schemeClr val="accent1">
-                  <a:lumMod val="75000"/>
-                </a:schemeClr>
-              </a:solidFill>
-              <a:latin typeface="Arial" panose="020B0604020202020204" pitchFamily="34" charset="0"/>
-              <a:cs typeface="Arial" panose="020B0604020202020204" pitchFamily="34" charset="0"/>
-            </a:endParaRPr>
-          </a:p>
-        </p:txBody>
-      </p:sp>
-      <p:sp>
-        <p:nvSpPr>
-          <p:cNvPr id="87" name="正方形/長方形 86"/>
-          <p:cNvSpPr/>
-          <p:nvPr/>
-        </p:nvSpPr>
-        <p:spPr>
-          <a:xfrm>
-            <a:off x="5327219" y="7817916"/>
-            <a:ext cx="1503937" cy="523220"/>
-          </a:xfrm>
-          <a:prstGeom prst="rect">
-            <a:avLst/>
-          </a:prstGeom>
-        </p:spPr>
-        <p:style>
-          <a:lnRef idx="2">
-            <a:schemeClr val="accent5"/>
-          </a:lnRef>
-          <a:fillRef idx="1">
-            <a:schemeClr val="lt1"/>
-          </a:fillRef>
-          <a:effectRef idx="0">
-            <a:schemeClr val="accent5"/>
-          </a:effectRef>
-          <a:fontRef idx="minor">
-            <a:schemeClr val="dk1"/>
-          </a:fontRef>
-        </p:style>
-        <p:txBody>
-          <a:bodyPr rot="0" spcFirstLastPara="0" vertOverflow="overflow" horzOverflow="overflow" vert="horz" wrap="none" lIns="91440" tIns="45720" rIns="91440" bIns="45720" numCol="1" spcCol="0" rtlCol="0" fromWordArt="0" anchor="ctr" anchorCtr="0" forceAA="0" compatLnSpc="1">
-            <a:prstTxWarp prst="textNoShape">
-              <a:avLst/>
-            </a:prstTxWarp>
-            <a:spAutoFit/>
-          </a:bodyPr>
-          <a:lstStyle/>
-          <a:p>
-            <a:pPr algn="ctr"/>
-            <a:r>
-              <a:rPr lang="en-US" altLang="ja-JP" sz="2800" dirty="0" err="1">
-                <a:solidFill>
-                  <a:schemeClr val="accent1">
-                    <a:lumMod val="75000"/>
-                  </a:schemeClr>
-                </a:solidFill>
-                <a:latin typeface="Arial" panose="020B0604020202020204" pitchFamily="34" charset="0"/>
-                <a:cs typeface="Arial" panose="020B0604020202020204" pitchFamily="34" charset="0"/>
-              </a:rPr>
-              <a:t>hcsshim</a:t>
-            </a:r>
-            <a:endParaRPr lang="ja-JP" altLang="en-US" sz="2800" dirty="0">
-              <a:solidFill>
-                <a:schemeClr val="accent1">
-                  <a:lumMod val="75000"/>
-                </a:schemeClr>
-              </a:solidFill>
-              <a:latin typeface="Arial" panose="020B0604020202020204" pitchFamily="34" charset="0"/>
-              <a:cs typeface="Arial" panose="020B0604020202020204" pitchFamily="34" charset="0"/>
-            </a:endParaRPr>
-          </a:p>
-        </p:txBody>
-      </p:sp>
-      <p:cxnSp>
-        <p:nvCxnSpPr>
-          <p:cNvPr id="88" name="直線矢印コネクタ 87"/>
-          <p:cNvCxnSpPr>
-            <a:stCxn id="86" idx="2"/>
-            <a:endCxn id="65" idx="0"/>
-          </p:cNvCxnSpPr>
-          <p:nvPr/>
-        </p:nvCxnSpPr>
-        <p:spPr>
-          <a:xfrm>
-            <a:off x="2766820" y="8341136"/>
-            <a:ext cx="0" cy="329665"/>
-          </a:xfrm>
-          <a:prstGeom prst="straightConnector1">
-            <a:avLst/>
-          </a:prstGeom>
-          <a:ln w="25400">
-            <a:tailEnd type="triangle" w="lg" len="lg"/>
-          </a:ln>
-        </p:spPr>
-        <p:style>
-          <a:lnRef idx="1">
-            <a:schemeClr val="accent5"/>
-          </a:lnRef>
-          <a:fillRef idx="0">
-            <a:schemeClr val="accent5"/>
-          </a:fillRef>
-          <a:effectRef idx="0">
-            <a:schemeClr val="accent5"/>
-          </a:effectRef>
-          <a:fontRef idx="minor">
-            <a:schemeClr val="tx1"/>
-          </a:fontRef>
-        </p:style>
-      </p:cxnSp>
-      <p:cxnSp>
-        <p:nvCxnSpPr>
-          <p:cNvPr id="89" name="直線矢印コネクタ 88"/>
-          <p:cNvCxnSpPr>
-            <a:stCxn id="87" idx="2"/>
-          </p:cNvCxnSpPr>
-          <p:nvPr/>
-        </p:nvCxnSpPr>
-        <p:spPr>
-          <a:xfrm flipH="1">
-            <a:off x="6071930" y="8341136"/>
-            <a:ext cx="7258" cy="300636"/>
-          </a:xfrm>
-          <a:prstGeom prst="straightConnector1">
-            <a:avLst/>
-          </a:prstGeom>
-          <a:ln w="25400">
-            <a:tailEnd type="triangle" w="lg" len="lg"/>
-          </a:ln>
-        </p:spPr>
-        <p:style>
-          <a:lnRef idx="1">
-            <a:schemeClr val="accent5"/>
-          </a:lnRef>
-          <a:fillRef idx="0">
-            <a:schemeClr val="accent5"/>
-          </a:fillRef>
-          <a:effectRef idx="0">
-            <a:schemeClr val="accent5"/>
-          </a:effectRef>
-          <a:fontRef idx="minor">
-            <a:schemeClr val="tx1"/>
-          </a:fontRef>
-        </p:style>
-      </p:cxnSp>
-      <p:sp>
-        <p:nvSpPr>
-          <p:cNvPr id="41" name="正方形/長方形 40"/>
-          <p:cNvSpPr/>
-          <p:nvPr/>
-        </p:nvSpPr>
-        <p:spPr>
-          <a:xfrm>
-            <a:off x="1521196" y="10656000"/>
-            <a:ext cx="5818132" cy="523220"/>
-          </a:xfrm>
-          <a:prstGeom prst="rect">
-            <a:avLst/>
-          </a:prstGeom>
-        </p:spPr>
-        <p:style>
-          <a:lnRef idx="2">
-            <a:schemeClr val="accent5"/>
-          </a:lnRef>
-          <a:fillRef idx="1">
-            <a:schemeClr val="lt1"/>
-          </a:fillRef>
-          <a:effectRef idx="0">
-            <a:schemeClr val="accent5"/>
-          </a:effectRef>
-          <a:fontRef idx="minor">
-            <a:schemeClr val="dk1"/>
-          </a:fontRef>
-        </p:style>
-        <p:txBody>
-          <a:bodyPr rot="0" spcFirstLastPara="0" vertOverflow="overflow" horzOverflow="overflow" vert="horz" wrap="none" lIns="91440" tIns="45720" rIns="91440" bIns="45720" numCol="1" spcCol="0" rtlCol="0" fromWordArt="0" anchor="ctr" anchorCtr="0" forceAA="0" compatLnSpc="1">
-            <a:prstTxWarp prst="textNoShape">
-              <a:avLst/>
-            </a:prstTxWarp>
-            <a:noAutofit/>
-          </a:bodyPr>
-          <a:lstStyle/>
-          <a:p>
-            <a:pPr algn="ctr"/>
-            <a:r>
-              <a:rPr lang="en-US" altLang="ja-JP" sz="2800" dirty="0" smtClean="0">
-                <a:solidFill>
-                  <a:schemeClr val="accent1">
-                    <a:lumMod val="75000"/>
-                  </a:schemeClr>
-                </a:solidFill>
-                <a:latin typeface="Arial" panose="020B0604020202020204" pitchFamily="34" charset="0"/>
-                <a:cs typeface="Arial" panose="020B0604020202020204" pitchFamily="34" charset="0"/>
-              </a:rPr>
-              <a:t>HCS</a:t>
-            </a:r>
-            <a:endParaRPr lang="ja-JP" altLang="en-US" sz="2800" dirty="0">
-              <a:solidFill>
-                <a:schemeClr val="accent1">
-                  <a:lumMod val="75000"/>
-                </a:schemeClr>
-              </a:solidFill>
-              <a:latin typeface="Arial" panose="020B0604020202020204" pitchFamily="34" charset="0"/>
-              <a:cs typeface="Arial" panose="020B0604020202020204" pitchFamily="34" charset="0"/>
-            </a:endParaRPr>
-          </a:p>
-        </p:txBody>
-      </p:sp>
-      <p:sp>
-        <p:nvSpPr>
-          <p:cNvPr id="42" name="正方形/長方形 41"/>
-          <p:cNvSpPr/>
-          <p:nvPr/>
-        </p:nvSpPr>
-        <p:spPr>
-          <a:xfrm>
-            <a:off x="2134274" y="9113368"/>
-            <a:ext cx="1265090" cy="523220"/>
-          </a:xfrm>
-          <a:prstGeom prst="rect">
-            <a:avLst/>
-          </a:prstGeom>
-        </p:spPr>
-        <p:style>
-          <a:lnRef idx="2">
-            <a:schemeClr val="accent5"/>
-          </a:lnRef>
-          <a:fillRef idx="1">
-            <a:schemeClr val="lt1"/>
-          </a:fillRef>
-          <a:effectRef idx="0">
-            <a:schemeClr val="accent5"/>
-          </a:effectRef>
-          <a:fontRef idx="minor">
-            <a:schemeClr val="dk1"/>
-          </a:fontRef>
-        </p:style>
-        <p:txBody>
-          <a:bodyPr rot="0" spcFirstLastPara="0" vertOverflow="overflow" horzOverflow="overflow" vert="horz" wrap="none" lIns="91440" tIns="45720" rIns="91440" bIns="45720" numCol="1" spcCol="0" rtlCol="0" fromWordArt="0" anchor="ctr" anchorCtr="0" forceAA="0" compatLnSpc="1">
-            <a:prstTxWarp prst="textNoShape">
-              <a:avLst/>
-            </a:prstTxWarp>
-            <a:spAutoFit/>
-          </a:bodyPr>
-          <a:lstStyle/>
-          <a:p>
-            <a:pPr algn="ctr"/>
-            <a:r>
-              <a:rPr lang="en-US" altLang="ja-JP" sz="2800" dirty="0" err="1">
-                <a:solidFill>
-                  <a:schemeClr val="tx1">
-                    <a:lumMod val="75000"/>
-                    <a:lumOff val="25000"/>
-                  </a:schemeClr>
-                </a:solidFill>
-                <a:latin typeface="Arial" panose="020B0604020202020204" pitchFamily="34" charset="0"/>
-                <a:cs typeface="Arial" panose="020B0604020202020204" pitchFamily="34" charset="0"/>
-              </a:rPr>
-              <a:t>runhcs</a:t>
-            </a:r>
-            <a:endParaRPr lang="ja-JP" altLang="en-US" sz="2800" dirty="0">
-              <a:solidFill>
-                <a:schemeClr val="accent1">
-                  <a:lumMod val="75000"/>
-                </a:schemeClr>
-              </a:solidFill>
-              <a:latin typeface="Arial" panose="020B0604020202020204" pitchFamily="34" charset="0"/>
-              <a:cs typeface="Arial" panose="020B0604020202020204" pitchFamily="34" charset="0"/>
-            </a:endParaRPr>
-          </a:p>
-        </p:txBody>
-      </p:sp>
-      <p:sp>
-        <p:nvSpPr>
-          <p:cNvPr id="43" name="正方形/長方形 42"/>
-          <p:cNvSpPr/>
-          <p:nvPr/>
-        </p:nvSpPr>
-        <p:spPr>
-          <a:xfrm>
-            <a:off x="5439385" y="9113368"/>
-            <a:ext cx="1265090" cy="523220"/>
-          </a:xfrm>
-          <a:prstGeom prst="rect">
-            <a:avLst/>
-          </a:prstGeom>
-        </p:spPr>
-        <p:style>
-          <a:lnRef idx="2">
-            <a:schemeClr val="accent5"/>
-          </a:lnRef>
-          <a:fillRef idx="1">
-            <a:schemeClr val="lt1"/>
-          </a:fillRef>
-          <a:effectRef idx="0">
-            <a:schemeClr val="accent5"/>
-          </a:effectRef>
-          <a:fontRef idx="minor">
-            <a:schemeClr val="dk1"/>
-          </a:fontRef>
-        </p:style>
-        <p:txBody>
-          <a:bodyPr rot="0" spcFirstLastPara="0" vertOverflow="overflow" horzOverflow="overflow" vert="horz" wrap="none" lIns="91440" tIns="45720" rIns="91440" bIns="45720" numCol="1" spcCol="0" rtlCol="0" fromWordArt="0" anchor="ctr" anchorCtr="0" forceAA="0" compatLnSpc="1">
-            <a:prstTxWarp prst="textNoShape">
-              <a:avLst/>
-            </a:prstTxWarp>
-            <a:spAutoFit/>
-          </a:bodyPr>
-          <a:lstStyle/>
-          <a:p>
-            <a:pPr algn="ctr"/>
-            <a:r>
-              <a:rPr lang="en-US" altLang="ja-JP" sz="2800" dirty="0" err="1">
-                <a:solidFill>
-                  <a:schemeClr val="tx1">
-                    <a:lumMod val="75000"/>
-                    <a:lumOff val="25000"/>
-                  </a:schemeClr>
-                </a:solidFill>
-                <a:latin typeface="Arial" panose="020B0604020202020204" pitchFamily="34" charset="0"/>
-                <a:cs typeface="Arial" panose="020B0604020202020204" pitchFamily="34" charset="0"/>
-              </a:rPr>
-              <a:t>runhcs</a:t>
-            </a:r>
-            <a:endParaRPr lang="ja-JP" altLang="en-US" sz="2800" dirty="0">
-              <a:solidFill>
-                <a:schemeClr val="accent1">
-                  <a:lumMod val="75000"/>
-                </a:schemeClr>
-              </a:solidFill>
-              <a:latin typeface="Arial" panose="020B0604020202020204" pitchFamily="34" charset="0"/>
-              <a:cs typeface="Arial" panose="020B0604020202020204" pitchFamily="34" charset="0"/>
-            </a:endParaRPr>
-          </a:p>
-        </p:txBody>
-      </p:sp>
-      <p:cxnSp>
-        <p:nvCxnSpPr>
-          <p:cNvPr id="45" name="直線矢印コネクタ 44"/>
-          <p:cNvCxnSpPr/>
-          <p:nvPr/>
-        </p:nvCxnSpPr>
-        <p:spPr>
-          <a:xfrm flipH="1">
-            <a:off x="2759561" y="10121480"/>
-            <a:ext cx="1" cy="515267"/>
-          </a:xfrm>
-          <a:prstGeom prst="straightConnector1">
-            <a:avLst/>
-          </a:prstGeom>
-          <a:ln w="25400">
-            <a:tailEnd type="triangle" w="lg" len="lg"/>
-          </a:ln>
-        </p:spPr>
-        <p:style>
-          <a:lnRef idx="1">
-            <a:schemeClr val="accent5"/>
-          </a:lnRef>
-          <a:fillRef idx="0">
-            <a:schemeClr val="accent5"/>
-          </a:fillRef>
-          <a:effectRef idx="0">
-            <a:schemeClr val="accent5"/>
-          </a:effectRef>
-          <a:fontRef idx="minor">
-            <a:schemeClr val="tx1"/>
-          </a:fontRef>
-        </p:style>
-      </p:cxnSp>
-      <p:cxnSp>
-        <p:nvCxnSpPr>
-          <p:cNvPr id="46" name="直線矢印コネクタ 45"/>
-          <p:cNvCxnSpPr/>
-          <p:nvPr/>
-        </p:nvCxnSpPr>
-        <p:spPr>
-          <a:xfrm flipH="1">
-            <a:off x="6071929" y="10121480"/>
-            <a:ext cx="1" cy="515267"/>
-          </a:xfrm>
-          <a:prstGeom prst="straightConnector1">
-            <a:avLst/>
-          </a:prstGeom>
-          <a:ln w="25400">
-            <a:tailEnd type="triangle" w="lg" len="lg"/>
-          </a:ln>
-        </p:spPr>
-        <p:style>
-          <a:lnRef idx="1">
-            <a:schemeClr val="accent5"/>
-          </a:lnRef>
-          <a:fillRef idx="0">
-            <a:schemeClr val="accent5"/>
-          </a:fillRef>
-          <a:effectRef idx="0">
-            <a:schemeClr val="accent5"/>
-          </a:effectRef>
-          <a:fontRef idx="minor">
-            <a:schemeClr val="tx1"/>
-          </a:fontRef>
-        </p:style>
-      </p:cxnSp>
-    </p:spTree>
-    <p:extLst>
-      <p:ext uri="{BB962C8B-B14F-4D97-AF65-F5344CB8AC3E}">
-        <p14:creationId xmlns:p14="http://schemas.microsoft.com/office/powerpoint/2010/main" val="8378141"/>
-      </p:ext>
-    </p:extLst>
-  </p:cSld>
-  <p:clrMapOvr>
-    <a:masterClrMapping/>
-  </p:clrMapOvr>
-</p:sld>
-</file>
-
-<file path=ppt/slides/slide9.xml><?xml version="1.0" encoding="utf-8"?>
-<p:sld xmlns:a="http://schemas.openxmlformats.org/drawingml/2006/main" xmlns:r="http://schemas.openxmlformats.org/officeDocument/2006/relationships" xmlns:p="http://schemas.openxmlformats.org/presentationml/2006/main">
-  <p:cSld>
-    <p:spTree>
-      <p:nvGrpSpPr>
-        <p:cNvPr id="1" name=""/>
-        <p:cNvGrpSpPr/>
-        <p:nvPr/>
-      </p:nvGrpSpPr>
-      <p:grpSpPr>
-        <a:xfrm>
-          <a:off x="0" y="0"/>
-          <a:ext cx="0" cy="0"/>
-          <a:chOff x="0" y="0"/>
-          <a:chExt cx="0" cy="0"/>
-        </a:xfrm>
-      </p:grpSpPr>
       <p:cxnSp>
         <p:nvCxnSpPr>
           <p:cNvPr id="50" name="直線矢印コネクタ 49"/>
@@ -16242,47 +18394,6 @@
           </a:extLst>
         </p:spPr>
       </p:pic>
-      <p:pic>
-        <p:nvPicPr>
-          <p:cNvPr id="57" name="Picture 2" descr="https://raw.githubusercontent.com/cncf/artwork/master/projects/containerd/horizontal/color/containerd-horizontal-color.png"/>
-          <p:cNvPicPr>
-            <a:picLocks noChangeAspect="1" noChangeArrowheads="1"/>
-          </p:cNvPicPr>
-          <p:nvPr/>
-        </p:nvPicPr>
-        <p:blipFill>
-          <a:blip r:embed="rId3" cstate="print">
-            <a:extLst>
-              <a:ext uri="{28A0092B-C50C-407E-A947-70E740481C1C}">
-                <a14:useLocalDpi xmlns:a14="http://schemas.microsoft.com/office/drawing/2010/main" val="0"/>
-              </a:ext>
-            </a:extLst>
-          </a:blip>
-          <a:srcRect/>
-          <a:stretch>
-            <a:fillRect/>
-          </a:stretch>
-        </p:blipFill>
-        <p:spPr bwMode="auto">
-          <a:xfrm>
-            <a:off x="3315577" y="6377064"/>
-            <a:ext cx="2256075" cy="558961"/>
-          </a:xfrm>
-          <a:prstGeom prst="rect">
-            <a:avLst/>
-          </a:prstGeom>
-          <a:noFill/>
-          <a:extLst>
-            <a:ext uri="{909E8E84-426E-40DD-AFC4-6F175D3DCCD1}">
-              <a14:hiddenFill xmlns:a14="http://schemas.microsoft.com/office/drawing/2010/main">
-                <a:solidFill>
-                  <a:srgbClr val="FFFFFF"/>
-                </a:solidFill>
-              </a14:hiddenFill>
-            </a:ext>
-          </a:extLst>
-        </p:spPr>
-      </p:pic>
       <p:grpSp>
         <p:nvGrpSpPr>
           <p:cNvPr id="58" name="グループ化 57"/>
@@ -16291,7 +18402,7 @@
         </p:nvGrpSpPr>
         <p:grpSpPr>
           <a:xfrm>
-            <a:off x="1926642" y="14022161"/>
+            <a:off x="1926642" y="11142533"/>
             <a:ext cx="1665841" cy="1408370"/>
             <a:chOff x="707393" y="6331953"/>
             <a:chExt cx="1665841" cy="1408370"/>
@@ -16413,7 +18524,7 @@
         <p:spPr>
           <a:xfrm rot="5400000">
             <a:off x="3261411" y="6628590"/>
-            <a:ext cx="694736" cy="1683917"/>
+            <a:ext cx="694736" cy="1683916"/>
           </a:xfrm>
           <a:prstGeom prst="bentConnector3">
             <a:avLst>
@@ -16453,30 +18564,97 @@
             <a:chExt cx="2534796" cy="1913421"/>
           </a:xfrm>
         </p:grpSpPr>
-        <p:sp>
-          <p:nvSpPr>
-            <p:cNvPr id="68" name="テキスト ボックス 67"/>
-            <p:cNvSpPr txBox="1"/>
+        <p:grpSp>
+          <p:nvGrpSpPr>
+            <p:cNvPr id="63" name="グループ化 62"/>
+            <p:cNvGrpSpPr/>
             <p:nvPr/>
-          </p:nvSpPr>
-          <p:spPr>
+          </p:nvGrpSpPr>
+          <p:grpSpPr>
             <a:xfrm>
-              <a:off x="1732664" y="5677768"/>
-              <a:ext cx="2185214" cy="523220"/>
+              <a:off x="2116470" y="4792888"/>
+              <a:ext cx="1368152" cy="1408103"/>
+              <a:chOff x="5364088" y="2616126"/>
+              <a:chExt cx="1368152" cy="1408102"/>
             </a:xfrm>
-            <a:prstGeom prst="rect">
-              <a:avLst/>
-            </a:prstGeom>
-            <a:noFill/>
-          </p:spPr>
-          <p:txBody>
-            <a:bodyPr wrap="none" rtlCol="0">
-              <a:spAutoFit/>
-            </a:bodyPr>
-            <a:lstStyle/>
-            <a:p>
-              <a:r>
-                <a:rPr lang="en-US" altLang="ja-JP" sz="2800" dirty="0">
+          </p:grpSpPr>
+          <p:pic>
+            <p:nvPicPr>
+              <p:cNvPr id="67" name="Picture 2" descr="C:\Users\kaitoy\Desktop\bin\pleiades\workspace\blog\static\images\runc.png"/>
+              <p:cNvPicPr>
+                <a:picLocks noChangeAspect="1" noChangeArrowheads="1"/>
+              </p:cNvPicPr>
+              <p:nvPr/>
+            </p:nvPicPr>
+            <p:blipFill>
+              <a:blip r:embed="rId3" cstate="print">
+                <a:extLst>
+                  <a:ext uri="{28A0092B-C50C-407E-A947-70E740481C1C}">
+                    <a14:useLocalDpi xmlns:a14="http://schemas.microsoft.com/office/drawing/2010/main" val="0"/>
+                  </a:ext>
+                </a:extLst>
+              </a:blip>
+              <a:srcRect/>
+              <a:stretch>
+                <a:fillRect/>
+              </a:stretch>
+            </p:blipFill>
+            <p:spPr bwMode="auto">
+              <a:xfrm>
+                <a:off x="5364088" y="2616126"/>
+                <a:ext cx="1368152" cy="953187"/>
+              </a:xfrm>
+              <a:prstGeom prst="rect">
+                <a:avLst/>
+              </a:prstGeom>
+              <a:noFill/>
+              <a:extLst>
+                <a:ext uri="{909E8E84-426E-40DD-AFC4-6F175D3DCCD1}">
+                  <a14:hiddenFill xmlns:a14="http://schemas.microsoft.com/office/drawing/2010/main">
+                    <a:solidFill>
+                      <a:srgbClr val="FFFFFF"/>
+                    </a:solidFill>
+                  </a14:hiddenFill>
+                </a:ext>
+              </a:extLst>
+            </p:spPr>
+          </p:pic>
+          <p:sp>
+            <p:nvSpPr>
+              <p:cNvPr id="68" name="テキスト ボックス 67"/>
+              <p:cNvSpPr txBox="1"/>
+              <p:nvPr/>
+            </p:nvSpPr>
+            <p:spPr>
+              <a:xfrm>
+                <a:off x="5565500" y="3501008"/>
+                <a:ext cx="965329" cy="523220"/>
+              </a:xfrm>
+              <a:prstGeom prst="rect">
+                <a:avLst/>
+              </a:prstGeom>
+              <a:noFill/>
+            </p:spPr>
+            <p:txBody>
+              <a:bodyPr wrap="none" rtlCol="0">
+                <a:spAutoFit/>
+              </a:bodyPr>
+              <a:lstStyle/>
+              <a:p>
+                <a:r>
+                  <a:rPr lang="en-US" altLang="ja-JP" sz="2800" dirty="0" err="1" smtClean="0">
+                    <a:solidFill>
+                      <a:schemeClr val="tx1">
+                        <a:lumMod val="75000"/>
+                        <a:lumOff val="25000"/>
+                      </a:schemeClr>
+                    </a:solidFill>
+                    <a:latin typeface="Arial" panose="020B0604020202020204" pitchFamily="34" charset="0"/>
+                    <a:cs typeface="Arial" panose="020B0604020202020204" pitchFamily="34" charset="0"/>
+                  </a:rPr>
+                  <a:t>runC</a:t>
+                </a:r>
+                <a:endParaRPr kumimoji="1" lang="ja-JP" altLang="en-US" sz="2800" dirty="0">
                   <a:solidFill>
                     <a:schemeClr val="tx1">
                       <a:lumMod val="75000"/>
@@ -16485,35 +18663,11 @@
                   </a:solidFill>
                   <a:latin typeface="Arial" panose="020B0604020202020204" pitchFamily="34" charset="0"/>
                   <a:cs typeface="Arial" panose="020B0604020202020204" pitchFamily="34" charset="0"/>
-                </a:rPr>
-                <a:t>k</a:t>
-              </a:r>
-              <a:r>
-                <a:rPr kumimoji="1" lang="en-US" altLang="ja-JP" sz="2800" dirty="0" smtClean="0">
-                  <a:solidFill>
-                    <a:schemeClr val="tx1">
-                      <a:lumMod val="75000"/>
-                      <a:lumOff val="25000"/>
-                    </a:schemeClr>
-                  </a:solidFill>
-                  <a:latin typeface="Arial" panose="020B0604020202020204" pitchFamily="34" charset="0"/>
-                  <a:cs typeface="Arial" panose="020B0604020202020204" pitchFamily="34" charset="0"/>
-                </a:rPr>
-                <a:t>ata-runtime</a:t>
-              </a:r>
-              <a:endParaRPr kumimoji="1" lang="ja-JP" altLang="en-US" sz="2800" dirty="0">
-                <a:solidFill>
-                  <a:schemeClr val="tx1">
-                    <a:lumMod val="75000"/>
-                    <a:lumOff val="25000"/>
-                  </a:schemeClr>
-                </a:solidFill>
-                <a:latin typeface="Arial" panose="020B0604020202020204" pitchFamily="34" charset="0"/>
-                <a:cs typeface="Arial" panose="020B0604020202020204" pitchFamily="34" charset="0"/>
-              </a:endParaRPr>
-            </a:p>
-          </p:txBody>
-        </p:sp>
+                </a:endParaRPr>
+              </a:p>
+            </p:txBody>
+          </p:sp>
+        </p:grpSp>
         <p:grpSp>
           <p:nvGrpSpPr>
             <p:cNvPr id="64" name="グループ化 63"/>
@@ -16673,6 +18827,39 @@
           </a:fontRef>
         </p:style>
       </p:cxnSp>
+      <p:cxnSp>
+        <p:nvCxnSpPr>
+          <p:cNvPr id="70" name="直線矢印コネクタ 69"/>
+          <p:cNvCxnSpPr/>
+          <p:nvPr/>
+        </p:nvCxnSpPr>
+        <p:spPr>
+          <a:xfrm flipH="1">
+            <a:off x="2759562" y="10555193"/>
+            <a:ext cx="1" cy="515267"/>
+          </a:xfrm>
+          <a:prstGeom prst="straightConnector1">
+            <a:avLst/>
+          </a:prstGeom>
+          <a:ln w="25400">
+            <a:tailEnd type="triangle" w="lg" len="lg"/>
+          </a:ln>
+        </p:spPr>
+        <p:style>
+          <a:lnRef idx="1">
+            <a:schemeClr val="accent5"/>
+          </a:lnRef>
+          <a:fillRef idx="0">
+            <a:schemeClr val="accent5"/>
+          </a:fillRef>
+          <a:effectRef idx="0">
+            <a:schemeClr val="accent5"/>
+          </a:effectRef>
+          <a:fontRef idx="minor">
+            <a:schemeClr val="tx1"/>
+          </a:fontRef>
+        </p:style>
+      </p:cxnSp>
       <p:grpSp>
         <p:nvGrpSpPr>
           <p:cNvPr id="71" name="グループ化 70"/>
@@ -16681,7 +18868,7 @@
         </p:nvGrpSpPr>
         <p:grpSpPr>
           <a:xfrm>
-            <a:off x="5239010" y="14022161"/>
+            <a:off x="5239010" y="11142533"/>
             <a:ext cx="1665841" cy="977483"/>
             <a:chOff x="707393" y="6331953"/>
             <a:chExt cx="1665841" cy="977483"/>
@@ -16789,30 +18976,97 @@
             <a:chExt cx="2534796" cy="1913421"/>
           </a:xfrm>
         </p:grpSpPr>
-        <p:sp>
-          <p:nvSpPr>
-            <p:cNvPr id="81" name="テキスト ボックス 80"/>
-            <p:cNvSpPr txBox="1"/>
+        <p:grpSp>
+          <p:nvGrpSpPr>
+            <p:cNvPr id="76" name="グループ化 75"/>
+            <p:cNvGrpSpPr/>
             <p:nvPr/>
-          </p:nvSpPr>
-          <p:spPr>
+          </p:nvGrpSpPr>
+          <p:grpSpPr>
             <a:xfrm>
-              <a:off x="5020058" y="5659388"/>
-              <a:ext cx="2185214" cy="523220"/>
+              <a:off x="5428838" y="4774508"/>
+              <a:ext cx="1368152" cy="1408103"/>
+              <a:chOff x="5364088" y="2616126"/>
+              <a:chExt cx="1368152" cy="1408102"/>
             </a:xfrm>
-            <a:prstGeom prst="rect">
-              <a:avLst/>
-            </a:prstGeom>
-            <a:noFill/>
-          </p:spPr>
-          <p:txBody>
-            <a:bodyPr wrap="none" rtlCol="0">
-              <a:spAutoFit/>
-            </a:bodyPr>
-            <a:lstStyle/>
-            <a:p>
-              <a:r>
-                <a:rPr lang="en-US" altLang="ja-JP" sz="2800" dirty="0" smtClean="0">
+          </p:grpSpPr>
+          <p:pic>
+            <p:nvPicPr>
+              <p:cNvPr id="80" name="Picture 2" descr="C:\Users\kaitoy\Desktop\bin\pleiades\workspace\blog\static\images\runc.png"/>
+              <p:cNvPicPr>
+                <a:picLocks noChangeAspect="1" noChangeArrowheads="1"/>
+              </p:cNvPicPr>
+              <p:nvPr/>
+            </p:nvPicPr>
+            <p:blipFill>
+              <a:blip r:embed="rId3" cstate="print">
+                <a:extLst>
+                  <a:ext uri="{28A0092B-C50C-407E-A947-70E740481C1C}">
+                    <a14:useLocalDpi xmlns:a14="http://schemas.microsoft.com/office/drawing/2010/main" val="0"/>
+                  </a:ext>
+                </a:extLst>
+              </a:blip>
+              <a:srcRect/>
+              <a:stretch>
+                <a:fillRect/>
+              </a:stretch>
+            </p:blipFill>
+            <p:spPr bwMode="auto">
+              <a:xfrm>
+                <a:off x="5364088" y="2616126"/>
+                <a:ext cx="1368152" cy="953187"/>
+              </a:xfrm>
+              <a:prstGeom prst="rect">
+                <a:avLst/>
+              </a:prstGeom>
+              <a:noFill/>
+              <a:extLst>
+                <a:ext uri="{909E8E84-426E-40DD-AFC4-6F175D3DCCD1}">
+                  <a14:hiddenFill xmlns:a14="http://schemas.microsoft.com/office/drawing/2010/main">
+                    <a:solidFill>
+                      <a:srgbClr val="FFFFFF"/>
+                    </a:solidFill>
+                  </a14:hiddenFill>
+                </a:ext>
+              </a:extLst>
+            </p:spPr>
+          </p:pic>
+          <p:sp>
+            <p:nvSpPr>
+              <p:cNvPr id="81" name="テキスト ボックス 80"/>
+              <p:cNvSpPr txBox="1"/>
+              <p:nvPr/>
+            </p:nvSpPr>
+            <p:spPr>
+              <a:xfrm>
+                <a:off x="5565500" y="3501008"/>
+                <a:ext cx="965329" cy="523220"/>
+              </a:xfrm>
+              <a:prstGeom prst="rect">
+                <a:avLst/>
+              </a:prstGeom>
+              <a:noFill/>
+            </p:spPr>
+            <p:txBody>
+              <a:bodyPr wrap="none" rtlCol="0">
+                <a:spAutoFit/>
+              </a:bodyPr>
+              <a:lstStyle/>
+              <a:p>
+                <a:r>
+                  <a:rPr lang="en-US" altLang="ja-JP" sz="2800" dirty="0" err="1" smtClean="0">
+                    <a:solidFill>
+                      <a:schemeClr val="tx1">
+                        <a:lumMod val="75000"/>
+                        <a:lumOff val="25000"/>
+                      </a:schemeClr>
+                    </a:solidFill>
+                    <a:latin typeface="Arial" panose="020B0604020202020204" pitchFamily="34" charset="0"/>
+                    <a:cs typeface="Arial" panose="020B0604020202020204" pitchFamily="34" charset="0"/>
+                  </a:rPr>
+                  <a:t>runC</a:t>
+                </a:r>
+                <a:endParaRPr kumimoji="1" lang="ja-JP" altLang="en-US" sz="2800" dirty="0">
                   <a:solidFill>
                     <a:schemeClr val="tx1">
                       <a:lumMod val="75000"/>
@@ -16821,22 +19075,11 @@
                   </a:solidFill>
                   <a:latin typeface="Arial" panose="020B0604020202020204" pitchFamily="34" charset="0"/>
                   <a:cs typeface="Arial" panose="020B0604020202020204" pitchFamily="34" charset="0"/>
-                </a:rPr>
-                <a:t>kata-runtime</a:t>
-              </a:r>
-              <a:endParaRPr kumimoji="1" lang="ja-JP" altLang="en-US" sz="2800" dirty="0">
-                <a:solidFill>
-                  <a:schemeClr val="tx1">
-                    <a:lumMod val="75000"/>
-                    <a:lumOff val="25000"/>
-                  </a:schemeClr>
-                </a:solidFill>
-                <a:latin typeface="Arial" panose="020B0604020202020204" pitchFamily="34" charset="0"/>
-                <a:cs typeface="Arial" panose="020B0604020202020204" pitchFamily="34" charset="0"/>
-              </a:endParaRPr>
-            </a:p>
-          </p:txBody>
-        </p:sp>
+                </a:endParaRPr>
+              </a:p>
+            </p:txBody>
+          </p:sp>
+        </p:grpSp>
         <p:grpSp>
           <p:nvGrpSpPr>
             <p:cNvPr id="77" name="グループ化 76"/>
@@ -16958,6 +19201,39 @@
           </p:sp>
         </p:grpSp>
       </p:grpSp>
+      <p:cxnSp>
+        <p:nvCxnSpPr>
+          <p:cNvPr id="82" name="直線矢印コネクタ 81"/>
+          <p:cNvCxnSpPr/>
+          <p:nvPr/>
+        </p:nvCxnSpPr>
+        <p:spPr>
+          <a:xfrm flipH="1">
+            <a:off x="6071930" y="10536813"/>
+            <a:ext cx="1" cy="515267"/>
+          </a:xfrm>
+          <a:prstGeom prst="straightConnector1">
+            <a:avLst/>
+          </a:prstGeom>
+          <a:ln w="25400">
+            <a:tailEnd type="triangle" w="lg" len="lg"/>
+          </a:ln>
+        </p:spPr>
+        <p:style>
+          <a:lnRef idx="1">
+            <a:schemeClr val="accent5"/>
+          </a:lnRef>
+          <a:fillRef idx="0">
+            <a:schemeClr val="accent5"/>
+          </a:fillRef>
+          <a:effectRef idx="0">
+            <a:schemeClr val="accent5"/>
+          </a:effectRef>
+          <a:fontRef idx="minor">
+            <a:schemeClr val="tx1"/>
+          </a:fontRef>
+        </p:style>
+      </p:cxnSp>
       <p:grpSp>
         <p:nvGrpSpPr>
           <p:cNvPr id="83" name="グループ化 82"/>
@@ -16966,7 +19242,7 @@
         </p:nvGrpSpPr>
         <p:grpSpPr>
           <a:xfrm>
-            <a:off x="1506680" y="13649872"/>
+            <a:off x="1506680" y="10770244"/>
             <a:ext cx="5832648" cy="1944216"/>
             <a:chOff x="2901300" y="4435876"/>
             <a:chExt cx="5832648" cy="1944216"/>
@@ -17092,8 +19368,8 @@
         </p:nvSpPr>
         <p:spPr>
           <a:xfrm>
-            <a:off x="1393687" y="7817916"/>
-            <a:ext cx="2746265" cy="523220"/>
+            <a:off x="1984395" y="7817916"/>
+            <a:ext cx="1564852" cy="523220"/>
           </a:xfrm>
           <a:prstGeom prst="rect">
             <a:avLst/>
@@ -17124,30 +19400,6 @@
           <a:p>
             <a:pPr algn="ctr"/>
             <a:r>
-              <a:rPr lang="en-US" altLang="ja-JP" sz="2800" dirty="0" err="1">
-                <a:solidFill>
-                  <a:schemeClr val="accent1">
-                    <a:lumMod val="75000"/>
-                  </a:schemeClr>
-                </a:solidFill>
-                <a:latin typeface="Arial" panose="020B0604020202020204" pitchFamily="34" charset="0"/>
-                <a:cs typeface="Arial" panose="020B0604020202020204" pitchFamily="34" charset="0"/>
-              </a:rPr>
-              <a:t>c</a:t>
-            </a:r>
-            <a:r>
-              <a:rPr lang="en-US" altLang="ja-JP" sz="2800" dirty="0" err="1" smtClean="0">
-                <a:solidFill>
-                  <a:schemeClr val="accent1">
-                    <a:lumMod val="75000"/>
-                  </a:schemeClr>
-                </a:solidFill>
-                <a:latin typeface="Arial" panose="020B0604020202020204" pitchFamily="34" charset="0"/>
-                <a:cs typeface="Arial" panose="020B0604020202020204" pitchFamily="34" charset="0"/>
-              </a:rPr>
-              <a:t>ontainerd</a:t>
-            </a:r>
-            <a:r>
               <a:rPr lang="en-US" altLang="ja-JP" sz="2800" dirty="0" smtClean="0">
                 <a:solidFill>
                   <a:schemeClr val="accent1">
@@ -17157,7 +19409,7 @@
                 <a:latin typeface="Arial" panose="020B0604020202020204" pitchFamily="34" charset="0"/>
                 <a:cs typeface="Arial" panose="020B0604020202020204" pitchFamily="34" charset="0"/>
               </a:rPr>
-              <a:t>-shim</a:t>
+              <a:t>common</a:t>
             </a:r>
             <a:endParaRPr lang="ja-JP" altLang="en-US" sz="2800" dirty="0">
               <a:solidFill>
@@ -17179,8 +19431,8 @@
         </p:nvSpPr>
         <p:spPr>
           <a:xfrm>
-            <a:off x="4706055" y="7817916"/>
-            <a:ext cx="2746265" cy="523220"/>
+            <a:off x="5296762" y="7817916"/>
+            <a:ext cx="1564852" cy="523220"/>
           </a:xfrm>
           <a:prstGeom prst="rect">
             <a:avLst/>
@@ -17211,30 +19463,6 @@
           <a:p>
             <a:pPr algn="ctr"/>
             <a:r>
-              <a:rPr lang="en-US" altLang="ja-JP" sz="2800" dirty="0" err="1">
-                <a:solidFill>
-                  <a:schemeClr val="accent1">
-                    <a:lumMod val="75000"/>
-                  </a:schemeClr>
-                </a:solidFill>
-                <a:latin typeface="Arial" panose="020B0604020202020204" pitchFamily="34" charset="0"/>
-                <a:cs typeface="Arial" panose="020B0604020202020204" pitchFamily="34" charset="0"/>
-              </a:rPr>
-              <a:t>c</a:t>
-            </a:r>
-            <a:r>
-              <a:rPr lang="en-US" altLang="ja-JP" sz="2800" dirty="0" err="1" smtClean="0">
-                <a:solidFill>
-                  <a:schemeClr val="accent1">
-                    <a:lumMod val="75000"/>
-                  </a:schemeClr>
-                </a:solidFill>
-                <a:latin typeface="Arial" panose="020B0604020202020204" pitchFamily="34" charset="0"/>
-                <a:cs typeface="Arial" panose="020B0604020202020204" pitchFamily="34" charset="0"/>
-              </a:rPr>
-              <a:t>ontainerd</a:t>
-            </a:r>
-            <a:r>
               <a:rPr lang="en-US" altLang="ja-JP" sz="2800" dirty="0" smtClean="0">
                 <a:solidFill>
                   <a:schemeClr val="accent1">
@@ -17244,7 +19472,7 @@
                 <a:latin typeface="Arial" panose="020B0604020202020204" pitchFamily="34" charset="0"/>
                 <a:cs typeface="Arial" panose="020B0604020202020204" pitchFamily="34" charset="0"/>
               </a:rPr>
-              <a:t>-shim</a:t>
+              <a:t>common</a:t>
             </a:r>
             <a:endParaRPr lang="ja-JP" altLang="en-US" sz="2800" dirty="0">
               <a:solidFill>
@@ -17268,9 +19496,9 @@
           <p:nvPr/>
         </p:nvCxnSpPr>
         <p:spPr>
-          <a:xfrm>
+          <a:xfrm flipH="1">
             <a:off x="2766820" y="8341136"/>
-            <a:ext cx="0" cy="329665"/>
+            <a:ext cx="1" cy="329665"/>
           </a:xfrm>
           <a:prstGeom prst="straightConnector1">
             <a:avLst/>
@@ -17304,8 +19532,8 @@
         </p:nvCxnSpPr>
         <p:spPr>
           <a:xfrm flipH="1">
-            <a:off x="6071930" y="8341136"/>
-            <a:ext cx="7258" cy="300636"/>
+            <a:off x="6071932" y="8341136"/>
+            <a:ext cx="7256" cy="300636"/>
           </a:xfrm>
           <a:prstGeom prst="straightConnector1">
             <a:avLst/>
@@ -17331,7 +19559,7 @@
       </p:cxnSp>
       <p:pic>
         <p:nvPicPr>
-          <p:cNvPr id="1026" name="Picture 2" descr="C:\Users\kaitoy\Desktop\kata.png"/>
+          <p:cNvPr id="1026" name="Picture 2" descr="C:\Users\kaitoy\Desktop\crio.png"/>
           <p:cNvPicPr>
             <a:picLocks noChangeAspect="1" noChangeArrowheads="1"/>
           </p:cNvPicPr>
@@ -17352,8 +19580,8 @@
         </p:blipFill>
         <p:spPr bwMode="auto">
           <a:xfrm>
-            <a:off x="2285913" y="8932328"/>
-            <a:ext cx="961814" cy="1189152"/>
+            <a:off x="3543697" y="6353518"/>
+            <a:ext cx="1811806" cy="671618"/>
           </a:xfrm>
           <a:prstGeom prst="rect">
             <a:avLst/>
@@ -17370,9 +19598,768 @@
           </a:extLst>
         </p:spPr>
       </p:pic>
+    </p:spTree>
+    <p:extLst>
+      <p:ext uri="{BB962C8B-B14F-4D97-AF65-F5344CB8AC3E}">
+        <p14:creationId xmlns:p14="http://schemas.microsoft.com/office/powerpoint/2010/main" val="2357336998"/>
+      </p:ext>
+    </p:extLst>
+  </p:cSld>
+  <p:clrMapOvr>
+    <a:masterClrMapping/>
+  </p:clrMapOvr>
+</p:sld>
+</file>
+
+<file path=ppt/slides/slide8.xml><?xml version="1.0" encoding="utf-8"?>
+<p:sld xmlns:a="http://schemas.openxmlformats.org/drawingml/2006/main" xmlns:r="http://schemas.openxmlformats.org/officeDocument/2006/relationships" xmlns:p="http://schemas.openxmlformats.org/presentationml/2006/main">
+  <p:cSld>
+    <p:spTree>
+      <p:nvGrpSpPr>
+        <p:cNvPr id="1" name=""/>
+        <p:cNvGrpSpPr/>
+        <p:nvPr/>
+      </p:nvGrpSpPr>
+      <p:grpSpPr>
+        <a:xfrm>
+          <a:off x="0" y="0"/>
+          <a:ext cx="0" cy="0"/>
+          <a:chOff x="0" y="0"/>
+          <a:chExt cx="0" cy="0"/>
+        </a:xfrm>
+      </p:grpSpPr>
       <p:pic>
         <p:nvPicPr>
-          <p:cNvPr id="42" name="Picture 2" descr="C:\Users\kaitoy\Desktop\kata.png"/>
+          <p:cNvPr id="18" name="Picture 3" descr="C:\Users\kaitoy\Desktop\bin\pleiades\workspace\blog\static\images\docker.png"/>
+          <p:cNvPicPr>
+            <a:picLocks noChangeAspect="1" noChangeArrowheads="1"/>
+          </p:cNvPicPr>
+          <p:nvPr/>
+        </p:nvPicPr>
+        <p:blipFill>
+          <a:blip r:embed="rId2">
+            <a:extLst>
+              <a:ext uri="{28A0092B-C50C-407E-A947-70E740481C1C}">
+                <a14:useLocalDpi xmlns:a14="http://schemas.microsoft.com/office/drawing/2010/main" val="0"/>
+              </a:ext>
+            </a:extLst>
+          </a:blip>
+          <a:srcRect/>
+          <a:stretch>
+            <a:fillRect/>
+          </a:stretch>
+        </p:blipFill>
+        <p:spPr bwMode="auto">
+          <a:xfrm>
+            <a:off x="3542400" y="2314353"/>
+            <a:ext cx="1905001" cy="1576388"/>
+          </a:xfrm>
+          <a:prstGeom prst="rect">
+            <a:avLst/>
+          </a:prstGeom>
+          <a:noFill/>
+          <a:extLst>
+            <a:ext uri="{909E8E84-426E-40DD-AFC4-6F175D3DCCD1}">
+              <a14:hiddenFill xmlns:a14="http://schemas.microsoft.com/office/drawing/2010/main">
+                <a:solidFill>
+                  <a:srgbClr val="FFFFFF"/>
+                </a:solidFill>
+              </a14:hiddenFill>
+            </a:ext>
+          </a:extLst>
+        </p:spPr>
+      </p:pic>
+      <p:cxnSp>
+        <p:nvCxnSpPr>
+          <p:cNvPr id="25" name="直線矢印コネクタ 24"/>
+          <p:cNvCxnSpPr>
+            <a:stCxn id="18" idx="2"/>
+            <a:endCxn id="16" idx="0"/>
+          </p:cNvCxnSpPr>
+          <p:nvPr/>
+        </p:nvCxnSpPr>
+        <p:spPr>
+          <a:xfrm>
+            <a:off x="4494901" y="3890741"/>
+            <a:ext cx="0" cy="319263"/>
+          </a:xfrm>
+          <a:prstGeom prst="straightConnector1">
+            <a:avLst/>
+          </a:prstGeom>
+          <a:ln w="25400">
+            <a:tailEnd type="triangle" w="lg" len="lg"/>
+          </a:ln>
+        </p:spPr>
+        <p:style>
+          <a:lnRef idx="1">
+            <a:schemeClr val="accent5"/>
+          </a:lnRef>
+          <a:fillRef idx="0">
+            <a:schemeClr val="accent5"/>
+          </a:fillRef>
+          <a:effectRef idx="0">
+            <a:schemeClr val="accent5"/>
+          </a:effectRef>
+          <a:fontRef idx="minor">
+            <a:schemeClr val="tx1"/>
+          </a:fontRef>
+        </p:style>
+      </p:cxnSp>
+      <p:grpSp>
+        <p:nvGrpSpPr>
+          <p:cNvPr id="30" name="グループ化 29"/>
+          <p:cNvGrpSpPr/>
+          <p:nvPr/>
+        </p:nvGrpSpPr>
+        <p:grpSpPr>
+          <a:xfrm>
+            <a:off x="2752486" y="5543597"/>
+            <a:ext cx="1665841" cy="977483"/>
+            <a:chOff x="707393" y="6331953"/>
+            <a:chExt cx="1665841" cy="977483"/>
+          </a:xfrm>
+        </p:grpSpPr>
+        <p:sp>
+          <p:nvSpPr>
+            <p:cNvPr id="31" name="直方体 30"/>
+            <p:cNvSpPr/>
+            <p:nvPr/>
+          </p:nvSpPr>
+          <p:spPr>
+            <a:xfrm>
+              <a:off x="1324313" y="6331953"/>
+              <a:ext cx="432000" cy="432048"/>
+            </a:xfrm>
+            <a:prstGeom prst="cube">
+              <a:avLst/>
+            </a:prstGeom>
+          </p:spPr>
+          <p:style>
+            <a:lnRef idx="2">
+              <a:schemeClr val="accent5"/>
+            </a:lnRef>
+            <a:fillRef idx="1">
+              <a:schemeClr val="lt1"/>
+            </a:fillRef>
+            <a:effectRef idx="0">
+              <a:schemeClr val="accent5"/>
+            </a:effectRef>
+            <a:fontRef idx="minor">
+              <a:schemeClr val="dk1"/>
+            </a:fontRef>
+          </p:style>
+          <p:txBody>
+            <a:bodyPr rtlCol="0" anchor="ctr"/>
+            <a:lstStyle/>
+            <a:p>
+              <a:pPr algn="ctr"/>
+              <a:endParaRPr kumimoji="1" lang="ja-JP" altLang="en-US"/>
+            </a:p>
+          </p:txBody>
+        </p:sp>
+        <p:sp>
+          <p:nvSpPr>
+            <p:cNvPr id="32" name="テキスト ボックス 31"/>
+            <p:cNvSpPr txBox="1"/>
+            <p:nvPr/>
+          </p:nvSpPr>
+          <p:spPr>
+            <a:xfrm>
+              <a:off x="707393" y="6786216"/>
+              <a:ext cx="1665841" cy="523220"/>
+            </a:xfrm>
+            <a:prstGeom prst="rect">
+              <a:avLst/>
+            </a:prstGeom>
+            <a:noFill/>
+          </p:spPr>
+          <p:txBody>
+            <a:bodyPr wrap="none" rtlCol="0">
+              <a:spAutoFit/>
+            </a:bodyPr>
+            <a:lstStyle/>
+            <a:p>
+              <a:pPr algn="ctr"/>
+              <a:r>
+                <a:rPr lang="en-US" altLang="ja-JP" sz="2800" dirty="0" smtClean="0">
+                  <a:solidFill>
+                    <a:schemeClr val="tx1">
+                      <a:lumMod val="75000"/>
+                      <a:lumOff val="25000"/>
+                    </a:schemeClr>
+                  </a:solidFill>
+                  <a:latin typeface="Arial" panose="020B0604020202020204" pitchFamily="34" charset="0"/>
+                  <a:cs typeface="Arial" panose="020B0604020202020204" pitchFamily="34" charset="0"/>
+                </a:rPr>
+                <a:t>container</a:t>
+              </a:r>
+              <a:endParaRPr kumimoji="1" lang="ja-JP" altLang="en-US" sz="2800" dirty="0">
+                <a:solidFill>
+                  <a:schemeClr val="tx1">
+                    <a:lumMod val="75000"/>
+                    <a:lumOff val="25000"/>
+                  </a:schemeClr>
+                </a:solidFill>
+                <a:latin typeface="Arial" panose="020B0604020202020204" pitchFamily="34" charset="0"/>
+                <a:cs typeface="Arial" panose="020B0604020202020204" pitchFamily="34" charset="0"/>
+              </a:endParaRPr>
+            </a:p>
+          </p:txBody>
+        </p:sp>
+      </p:grpSp>
+      <p:grpSp>
+        <p:nvGrpSpPr>
+          <p:cNvPr id="33" name="グループ化 32"/>
+          <p:cNvGrpSpPr/>
+          <p:nvPr/>
+        </p:nvGrpSpPr>
+        <p:grpSpPr>
+          <a:xfrm>
+            <a:off x="4634351" y="5543597"/>
+            <a:ext cx="1665841" cy="977483"/>
+            <a:chOff x="707393" y="6331953"/>
+            <a:chExt cx="1665841" cy="977483"/>
+          </a:xfrm>
+        </p:grpSpPr>
+        <p:sp>
+          <p:nvSpPr>
+            <p:cNvPr id="34" name="直方体 33"/>
+            <p:cNvSpPr/>
+            <p:nvPr/>
+          </p:nvSpPr>
+          <p:spPr>
+            <a:xfrm>
+              <a:off x="1324313" y="6331953"/>
+              <a:ext cx="432000" cy="432048"/>
+            </a:xfrm>
+            <a:prstGeom prst="cube">
+              <a:avLst/>
+            </a:prstGeom>
+          </p:spPr>
+          <p:style>
+            <a:lnRef idx="2">
+              <a:schemeClr val="accent5"/>
+            </a:lnRef>
+            <a:fillRef idx="1">
+              <a:schemeClr val="lt1"/>
+            </a:fillRef>
+            <a:effectRef idx="0">
+              <a:schemeClr val="accent5"/>
+            </a:effectRef>
+            <a:fontRef idx="minor">
+              <a:schemeClr val="dk1"/>
+            </a:fontRef>
+          </p:style>
+          <p:txBody>
+            <a:bodyPr rtlCol="0" anchor="ctr"/>
+            <a:lstStyle/>
+            <a:p>
+              <a:pPr algn="ctr"/>
+              <a:endParaRPr kumimoji="1" lang="ja-JP" altLang="en-US"/>
+            </a:p>
+          </p:txBody>
+        </p:sp>
+        <p:sp>
+          <p:nvSpPr>
+            <p:cNvPr id="35" name="テキスト ボックス 34"/>
+            <p:cNvSpPr txBox="1"/>
+            <p:nvPr/>
+          </p:nvSpPr>
+          <p:spPr>
+            <a:xfrm>
+              <a:off x="707393" y="6786216"/>
+              <a:ext cx="1665841" cy="523220"/>
+            </a:xfrm>
+            <a:prstGeom prst="rect">
+              <a:avLst/>
+            </a:prstGeom>
+            <a:noFill/>
+          </p:spPr>
+          <p:txBody>
+            <a:bodyPr wrap="none" rtlCol="0">
+              <a:spAutoFit/>
+            </a:bodyPr>
+            <a:lstStyle/>
+            <a:p>
+              <a:pPr algn="ctr"/>
+              <a:r>
+                <a:rPr lang="en-US" altLang="ja-JP" sz="2800" dirty="0" smtClean="0">
+                  <a:solidFill>
+                    <a:schemeClr val="tx1">
+                      <a:lumMod val="75000"/>
+                      <a:lumOff val="25000"/>
+                    </a:schemeClr>
+                  </a:solidFill>
+                  <a:latin typeface="Arial" panose="020B0604020202020204" pitchFamily="34" charset="0"/>
+                  <a:cs typeface="Arial" panose="020B0604020202020204" pitchFamily="34" charset="0"/>
+                </a:rPr>
+                <a:t>container</a:t>
+              </a:r>
+              <a:endParaRPr kumimoji="1" lang="ja-JP" altLang="en-US" sz="2800" dirty="0">
+                <a:solidFill>
+                  <a:schemeClr val="tx1">
+                    <a:lumMod val="75000"/>
+                    <a:lumOff val="25000"/>
+                  </a:schemeClr>
+                </a:solidFill>
+                <a:latin typeface="Arial" panose="020B0604020202020204" pitchFamily="34" charset="0"/>
+                <a:cs typeface="Arial" panose="020B0604020202020204" pitchFamily="34" charset="0"/>
+              </a:endParaRPr>
+            </a:p>
+          </p:txBody>
+        </p:sp>
+      </p:grpSp>
+      <p:cxnSp>
+        <p:nvCxnSpPr>
+          <p:cNvPr id="42" name="カギ線コネクタ 41"/>
+          <p:cNvCxnSpPr>
+            <a:endCxn id="31" idx="0"/>
+          </p:cNvCxnSpPr>
+          <p:nvPr/>
+        </p:nvCxnSpPr>
+        <p:spPr>
+          <a:xfrm rot="5400000">
+            <a:off x="3668012" y="4719134"/>
+            <a:ext cx="795857" cy="853068"/>
+          </a:xfrm>
+          <a:prstGeom prst="bentConnector3">
+            <a:avLst>
+              <a:gd name="adj1" fmla="val 29939"/>
+            </a:avLst>
+          </a:prstGeom>
+          <a:ln w="25400">
+            <a:tailEnd type="triangle" w="lg" len="lg"/>
+          </a:ln>
+        </p:spPr>
+        <p:style>
+          <a:lnRef idx="1">
+            <a:schemeClr val="accent5"/>
+          </a:lnRef>
+          <a:fillRef idx="0">
+            <a:schemeClr val="accent5"/>
+          </a:fillRef>
+          <a:effectRef idx="0">
+            <a:schemeClr val="accent5"/>
+          </a:effectRef>
+          <a:fontRef idx="minor">
+            <a:schemeClr val="tx1"/>
+          </a:fontRef>
+        </p:style>
+      </p:cxnSp>
+      <p:cxnSp>
+        <p:nvCxnSpPr>
+          <p:cNvPr id="46" name="カギ線コネクタ 45"/>
+          <p:cNvCxnSpPr>
+            <a:endCxn id="34" idx="0"/>
+          </p:cNvCxnSpPr>
+          <p:nvPr/>
+        </p:nvCxnSpPr>
+        <p:spPr>
+          <a:xfrm rot="16200000" flipH="1">
+            <a:off x="4608944" y="4631269"/>
+            <a:ext cx="795857" cy="1028797"/>
+          </a:xfrm>
+          <a:prstGeom prst="bentConnector3">
+            <a:avLst>
+              <a:gd name="adj1" fmla="val 29939"/>
+            </a:avLst>
+          </a:prstGeom>
+          <a:ln w="25400">
+            <a:tailEnd type="triangle" w="lg" len="lg"/>
+          </a:ln>
+        </p:spPr>
+        <p:style>
+          <a:lnRef idx="1">
+            <a:schemeClr val="accent5"/>
+          </a:lnRef>
+          <a:fillRef idx="0">
+            <a:schemeClr val="accent5"/>
+          </a:fillRef>
+          <a:effectRef idx="0">
+            <a:schemeClr val="accent5"/>
+          </a:effectRef>
+          <a:fontRef idx="minor">
+            <a:schemeClr val="tx1"/>
+          </a:fontRef>
+        </p:style>
+      </p:cxnSp>
+      <p:sp>
+        <p:nvSpPr>
+          <p:cNvPr id="16" name="正方形/長方形 15"/>
+          <p:cNvSpPr/>
+          <p:nvPr/>
+        </p:nvSpPr>
+        <p:spPr>
+          <a:xfrm>
+            <a:off x="4032000" y="4210004"/>
+            <a:ext cx="942887" cy="523220"/>
+          </a:xfrm>
+          <a:prstGeom prst="rect">
+            <a:avLst/>
+          </a:prstGeom>
+        </p:spPr>
+        <p:style>
+          <a:lnRef idx="2">
+            <a:schemeClr val="accent5"/>
+          </a:lnRef>
+          <a:fillRef idx="1">
+            <a:schemeClr val="lt1"/>
+          </a:fillRef>
+          <a:effectRef idx="0">
+            <a:schemeClr val="accent5"/>
+          </a:effectRef>
+          <a:fontRef idx="minor">
+            <a:schemeClr val="dk1"/>
+          </a:fontRef>
+        </p:style>
+        <p:txBody>
+          <a:bodyPr rot="0" spcFirstLastPara="0" vertOverflow="overflow" horzOverflow="overflow" vert="horz" wrap="none" lIns="91440" tIns="45720" rIns="91440" bIns="45720" numCol="1" spcCol="0" rtlCol="0" fromWordArt="0" anchor="ctr" anchorCtr="0" forceAA="0" compatLnSpc="1">
+            <a:prstTxWarp prst="textNoShape">
+              <a:avLst/>
+            </a:prstTxWarp>
+            <a:spAutoFit/>
+          </a:bodyPr>
+          <a:lstStyle/>
+          <a:p>
+            <a:pPr algn="ctr"/>
+            <a:r>
+              <a:rPr lang="en-US" altLang="ja-JP" sz="2800" dirty="0" smtClean="0">
+                <a:solidFill>
+                  <a:schemeClr val="accent1">
+                    <a:lumMod val="75000"/>
+                  </a:schemeClr>
+                </a:solidFill>
+                <a:latin typeface="Arial" panose="020B0604020202020204" pitchFamily="34" charset="0"/>
+                <a:cs typeface="Arial" panose="020B0604020202020204" pitchFamily="34" charset="0"/>
+              </a:rPr>
+              <a:t>HCS</a:t>
+            </a:r>
+            <a:endParaRPr lang="ja-JP" altLang="en-US" sz="2800" dirty="0">
+              <a:solidFill>
+                <a:schemeClr val="accent1">
+                  <a:lumMod val="75000"/>
+                </a:schemeClr>
+              </a:solidFill>
+              <a:latin typeface="Arial" panose="020B0604020202020204" pitchFamily="34" charset="0"/>
+              <a:cs typeface="Arial" panose="020B0604020202020204" pitchFamily="34" charset="0"/>
+            </a:endParaRPr>
+          </a:p>
+        </p:txBody>
+      </p:sp>
+    </p:spTree>
+    <p:extLst>
+      <p:ext uri="{BB962C8B-B14F-4D97-AF65-F5344CB8AC3E}">
+        <p14:creationId xmlns:p14="http://schemas.microsoft.com/office/powerpoint/2010/main" val="688454399"/>
+      </p:ext>
+    </p:extLst>
+  </p:cSld>
+  <p:clrMapOvr>
+    <a:masterClrMapping/>
+  </p:clrMapOvr>
+</p:sld>
+</file>
+
+<file path=ppt/slides/slide9.xml><?xml version="1.0" encoding="utf-8"?>
+<p:sld xmlns:a="http://schemas.openxmlformats.org/drawingml/2006/main" xmlns:r="http://schemas.openxmlformats.org/officeDocument/2006/relationships" xmlns:p="http://schemas.openxmlformats.org/presentationml/2006/main">
+  <p:cSld>
+    <p:spTree>
+      <p:nvGrpSpPr>
+        <p:cNvPr id="1" name=""/>
+        <p:cNvGrpSpPr/>
+        <p:nvPr/>
+      </p:nvGrpSpPr>
+      <p:grpSpPr>
+        <a:xfrm>
+          <a:off x="0" y="0"/>
+          <a:ext cx="0" cy="0"/>
+          <a:chOff x="0" y="0"/>
+          <a:chExt cx="0" cy="0"/>
+        </a:xfrm>
+      </p:grpSpPr>
+      <p:pic>
+        <p:nvPicPr>
+          <p:cNvPr id="49" name="Picture 3" descr="C:\Users\kaitoy\Desktop\bin\pleiades\workspace\blog\static\images\docker.png"/>
+          <p:cNvPicPr>
+            <a:picLocks noChangeAspect="1" noChangeArrowheads="1"/>
+          </p:cNvPicPr>
+          <p:nvPr/>
+        </p:nvPicPr>
+        <p:blipFill>
+          <a:blip r:embed="rId2">
+            <a:extLst>
+              <a:ext uri="{28A0092B-C50C-407E-A947-70E740481C1C}">
+                <a14:useLocalDpi xmlns:a14="http://schemas.microsoft.com/office/drawing/2010/main" val="0"/>
+              </a:ext>
+            </a:extLst>
+          </a:blip>
+          <a:srcRect/>
+          <a:stretch>
+            <a:fillRect/>
+          </a:stretch>
+        </p:blipFill>
+        <p:spPr bwMode="auto">
+          <a:xfrm>
+            <a:off x="794791" y="3720556"/>
+            <a:ext cx="1905001" cy="1576388"/>
+          </a:xfrm>
+          <a:prstGeom prst="rect">
+            <a:avLst/>
+          </a:prstGeom>
+          <a:noFill/>
+          <a:extLst>
+            <a:ext uri="{909E8E84-426E-40DD-AFC4-6F175D3DCCD1}">
+              <a14:hiddenFill xmlns:a14="http://schemas.microsoft.com/office/drawing/2010/main">
+                <a:solidFill>
+                  <a:srgbClr val="FFFFFF"/>
+                </a:solidFill>
+              </a14:hiddenFill>
+            </a:ext>
+          </a:extLst>
+        </p:spPr>
+      </p:pic>
+      <p:cxnSp>
+        <p:nvCxnSpPr>
+          <p:cNvPr id="50" name="直線矢印コネクタ 49"/>
+          <p:cNvCxnSpPr/>
+          <p:nvPr/>
+        </p:nvCxnSpPr>
+        <p:spPr>
+          <a:xfrm>
+            <a:off x="4449600" y="5365245"/>
+            <a:ext cx="0" cy="666162"/>
+          </a:xfrm>
+          <a:prstGeom prst="straightConnector1">
+            <a:avLst/>
+          </a:prstGeom>
+          <a:ln w="25400">
+            <a:tailEnd type="triangle" w="lg" len="lg"/>
+          </a:ln>
+        </p:spPr>
+        <p:style>
+          <a:lnRef idx="1">
+            <a:schemeClr val="accent5"/>
+          </a:lnRef>
+          <a:fillRef idx="0">
+            <a:schemeClr val="accent5"/>
+          </a:fillRef>
+          <a:effectRef idx="0">
+            <a:schemeClr val="accent5"/>
+          </a:effectRef>
+          <a:fontRef idx="minor">
+            <a:schemeClr val="tx1"/>
+          </a:fontRef>
+        </p:style>
+      </p:cxnSp>
+      <p:grpSp>
+        <p:nvGrpSpPr>
+          <p:cNvPr id="52" name="グループ化 51"/>
+          <p:cNvGrpSpPr/>
+          <p:nvPr/>
+        </p:nvGrpSpPr>
+        <p:grpSpPr>
+          <a:xfrm>
+            <a:off x="3012385" y="6016893"/>
+            <a:ext cx="2862459" cy="1106287"/>
+            <a:chOff x="3126959" y="2262359"/>
+            <a:chExt cx="2862459" cy="1106287"/>
+          </a:xfrm>
+        </p:grpSpPr>
+        <p:sp>
+          <p:nvSpPr>
+            <p:cNvPr id="53" name="角丸四角形 52"/>
+            <p:cNvSpPr/>
+            <p:nvPr/>
+          </p:nvSpPr>
+          <p:spPr>
+            <a:xfrm>
+              <a:off x="3141203" y="2276873"/>
+              <a:ext cx="2848215" cy="1091773"/>
+            </a:xfrm>
+            <a:prstGeom prst="roundRect">
+              <a:avLst>
+                <a:gd name="adj" fmla="val 10811"/>
+              </a:avLst>
+            </a:prstGeom>
+            <a:noFill/>
+            <a:ln>
+              <a:prstDash val="dash"/>
+            </a:ln>
+          </p:spPr>
+          <p:style>
+            <a:lnRef idx="2">
+              <a:schemeClr val="accent1"/>
+            </a:lnRef>
+            <a:fillRef idx="1">
+              <a:schemeClr val="lt1"/>
+            </a:fillRef>
+            <a:effectRef idx="0">
+              <a:schemeClr val="accent1"/>
+            </a:effectRef>
+            <a:fontRef idx="minor">
+              <a:schemeClr val="dk1"/>
+            </a:fontRef>
+          </p:style>
+          <p:txBody>
+            <a:bodyPr rtlCol="0" anchor="ctr"/>
+            <a:lstStyle/>
+            <a:p>
+              <a:pPr algn="ctr"/>
+              <a:endParaRPr kumimoji="1" lang="ja-JP" altLang="en-US"/>
+            </a:p>
+          </p:txBody>
+        </p:sp>
+        <p:sp>
+          <p:nvSpPr>
+            <p:cNvPr id="54" name="対角する 2 つの角を丸めた四角形 53"/>
+            <p:cNvSpPr/>
+            <p:nvPr/>
+          </p:nvSpPr>
+          <p:spPr>
+            <a:xfrm>
+              <a:off x="3126959" y="2262359"/>
+              <a:ext cx="936000" cy="292627"/>
+            </a:xfrm>
+            <a:prstGeom prst="round2DiagRect">
+              <a:avLst/>
+            </a:prstGeom>
+            <a:effectLst/>
+          </p:spPr>
+          <p:style>
+            <a:lnRef idx="1">
+              <a:schemeClr val="accent1"/>
+            </a:lnRef>
+            <a:fillRef idx="2">
+              <a:schemeClr val="accent1"/>
+            </a:fillRef>
+            <a:effectRef idx="1">
+              <a:schemeClr val="accent1"/>
+            </a:effectRef>
+            <a:fontRef idx="minor">
+              <a:schemeClr val="dk1"/>
+            </a:fontRef>
+          </p:style>
+          <p:txBody>
+            <a:bodyPr wrap="none" lIns="36000" tIns="36000" rIns="36000" bIns="36000" rtlCol="0" anchor="ctr"/>
+            <a:lstStyle/>
+            <a:p>
+              <a:pPr algn="ctr"/>
+              <a:r>
+                <a:rPr kumimoji="1" lang="en-US" altLang="ja-JP" dirty="0" smtClean="0">
+                  <a:solidFill>
+                    <a:schemeClr val="tx1">
+                      <a:lumMod val="75000"/>
+                      <a:lumOff val="25000"/>
+                    </a:schemeClr>
+                  </a:solidFill>
+                </a:rPr>
+                <a:t>CRI </a:t>
+              </a:r>
+              <a:r>
+                <a:rPr kumimoji="1" lang="en-US" altLang="ja-JP" dirty="0" err="1" smtClean="0">
+                  <a:solidFill>
+                    <a:schemeClr val="tx1">
+                      <a:lumMod val="75000"/>
+                      <a:lumOff val="25000"/>
+                    </a:schemeClr>
+                  </a:solidFill>
+                </a:rPr>
+                <a:t>impl</a:t>
+              </a:r>
+              <a:endParaRPr kumimoji="1" lang="ja-JP" altLang="en-US" dirty="0">
+                <a:solidFill>
+                  <a:schemeClr val="tx1">
+                    <a:lumMod val="75000"/>
+                    <a:lumOff val="25000"/>
+                  </a:schemeClr>
+                </a:solidFill>
+              </a:endParaRPr>
+            </a:p>
+          </p:txBody>
+        </p:sp>
+      </p:grpSp>
+      <p:cxnSp>
+        <p:nvCxnSpPr>
+          <p:cNvPr id="55" name="カギ線コネクタ 54"/>
+          <p:cNvCxnSpPr>
+            <a:stCxn id="49" idx="2"/>
+            <a:endCxn id="53" idx="0"/>
+          </p:cNvCxnSpPr>
+          <p:nvPr/>
+        </p:nvCxnSpPr>
+        <p:spPr>
+          <a:xfrm rot="16200000" flipH="1">
+            <a:off x="2731783" y="4312452"/>
+            <a:ext cx="734463" cy="2703445"/>
+          </a:xfrm>
+          <a:prstGeom prst="bentConnector3">
+            <a:avLst>
+              <a:gd name="adj1" fmla="val 50000"/>
+            </a:avLst>
+          </a:prstGeom>
+          <a:ln w="25400">
+            <a:prstDash val="sysDash"/>
+            <a:tailEnd type="triangle" w="lg" len="lg"/>
+          </a:ln>
+        </p:spPr>
+        <p:style>
+          <a:lnRef idx="1">
+            <a:schemeClr val="accent5"/>
+          </a:lnRef>
+          <a:fillRef idx="0">
+            <a:schemeClr val="accent5"/>
+          </a:fillRef>
+          <a:effectRef idx="0">
+            <a:schemeClr val="accent5"/>
+          </a:effectRef>
+          <a:fontRef idx="minor">
+            <a:schemeClr val="tx1"/>
+          </a:fontRef>
+        </p:style>
+      </p:cxnSp>
+      <p:pic>
+        <p:nvPicPr>
+          <p:cNvPr id="56" name="Picture 2" descr="C:\Users\kaitoy\Desktop\bin\pleiades\workspace\blog\static\images\kubernetes.png"/>
+          <p:cNvPicPr>
+            <a:picLocks noChangeAspect="1" noChangeArrowheads="1"/>
+          </p:cNvPicPr>
+          <p:nvPr/>
+        </p:nvPicPr>
+        <p:blipFill>
+          <a:blip r:embed="rId3" cstate="print">
+            <a:extLst>
+              <a:ext uri="{28A0092B-C50C-407E-A947-70E740481C1C}">
+                <a14:useLocalDpi xmlns:a14="http://schemas.microsoft.com/office/drawing/2010/main" val="0"/>
+              </a:ext>
+            </a:extLst>
+          </a:blip>
+          <a:srcRect/>
+          <a:stretch>
+            <a:fillRect/>
+          </a:stretch>
+        </p:blipFill>
+        <p:spPr bwMode="auto">
+          <a:xfrm>
+            <a:off x="3471506" y="3770710"/>
+            <a:ext cx="1944216" cy="1454226"/>
+          </a:xfrm>
+          <a:prstGeom prst="rect">
+            <a:avLst/>
+          </a:prstGeom>
+          <a:noFill/>
+          <a:extLst>
+            <a:ext uri="{909E8E84-426E-40DD-AFC4-6F175D3DCCD1}">
+              <a14:hiddenFill xmlns:a14="http://schemas.microsoft.com/office/drawing/2010/main">
+                <a:solidFill>
+                  <a:srgbClr val="FFFFFF"/>
+                </a:solidFill>
+              </a14:hiddenFill>
+            </a:ext>
+          </a:extLst>
+        </p:spPr>
+      </p:pic>
+      <p:pic>
+        <p:nvPicPr>
+          <p:cNvPr id="57" name="Picture 2" descr="https://raw.githubusercontent.com/cncf/artwork/master/projects/containerd/horizontal/color/containerd-horizontal-color.png"/>
           <p:cNvPicPr>
             <a:picLocks noChangeAspect="1" noChangeArrowheads="1"/>
           </p:cNvPicPr>
@@ -17393,8 +20380,8 @@
         </p:blipFill>
         <p:spPr bwMode="auto">
           <a:xfrm>
-            <a:off x="5598281" y="8932328"/>
-            <a:ext cx="961814" cy="1189152"/>
+            <a:off x="3315577" y="6377064"/>
+            <a:ext cx="2256075" cy="558961"/>
           </a:xfrm>
           <a:prstGeom prst="rect">
             <a:avLst/>
@@ -17411,16 +20398,744 @@
           </a:extLst>
         </p:spPr>
       </p:pic>
+      <p:grpSp>
+        <p:nvGrpSpPr>
+          <p:cNvPr id="58" name="グループ化 57"/>
+          <p:cNvGrpSpPr/>
+          <p:nvPr/>
+        </p:nvGrpSpPr>
+        <p:grpSpPr>
+          <a:xfrm>
+            <a:off x="1926642" y="11789913"/>
+            <a:ext cx="1665841" cy="1408370"/>
+            <a:chOff x="707393" y="6331953"/>
+            <a:chExt cx="1665841" cy="1408370"/>
+          </a:xfrm>
+        </p:grpSpPr>
+        <p:sp>
+          <p:nvSpPr>
+            <p:cNvPr id="59" name="直方体 58"/>
+            <p:cNvSpPr/>
+            <p:nvPr/>
+          </p:nvSpPr>
+          <p:spPr>
+            <a:xfrm>
+              <a:off x="1324313" y="6331953"/>
+              <a:ext cx="432000" cy="432048"/>
+            </a:xfrm>
+            <a:prstGeom prst="cube">
+              <a:avLst/>
+            </a:prstGeom>
+          </p:spPr>
+          <p:style>
+            <a:lnRef idx="2">
+              <a:schemeClr val="accent5"/>
+            </a:lnRef>
+            <a:fillRef idx="1">
+              <a:schemeClr val="lt1"/>
+            </a:fillRef>
+            <a:effectRef idx="0">
+              <a:schemeClr val="accent5"/>
+            </a:effectRef>
+            <a:fontRef idx="minor">
+              <a:schemeClr val="dk1"/>
+            </a:fontRef>
+          </p:style>
+          <p:txBody>
+            <a:bodyPr rtlCol="0" anchor="ctr"/>
+            <a:lstStyle/>
+            <a:p>
+              <a:pPr algn="ctr"/>
+              <a:endParaRPr kumimoji="1" lang="ja-JP" altLang="en-US"/>
+            </a:p>
+          </p:txBody>
+        </p:sp>
+        <p:sp>
+          <p:nvSpPr>
+            <p:cNvPr id="60" name="テキスト ボックス 59"/>
+            <p:cNvSpPr txBox="1"/>
+            <p:nvPr/>
+          </p:nvSpPr>
+          <p:spPr>
+            <a:xfrm>
+              <a:off x="707393" y="6786216"/>
+              <a:ext cx="1665841" cy="954107"/>
+            </a:xfrm>
+            <a:prstGeom prst="rect">
+              <a:avLst/>
+            </a:prstGeom>
+            <a:noFill/>
+          </p:spPr>
+          <p:txBody>
+            <a:bodyPr wrap="none" rtlCol="0">
+              <a:spAutoFit/>
+            </a:bodyPr>
+            <a:lstStyle/>
+            <a:p>
+              <a:pPr algn="ctr"/>
+              <a:r>
+                <a:rPr lang="en-US" altLang="ja-JP" sz="2800" dirty="0" smtClean="0">
+                  <a:solidFill>
+                    <a:schemeClr val="tx1">
+                      <a:lumMod val="75000"/>
+                      <a:lumOff val="25000"/>
+                    </a:schemeClr>
+                  </a:solidFill>
+                  <a:latin typeface="Arial" panose="020B0604020202020204" pitchFamily="34" charset="0"/>
+                  <a:cs typeface="Arial" panose="020B0604020202020204" pitchFamily="34" charset="0"/>
+                </a:rPr>
+                <a:t>sandbox</a:t>
+              </a:r>
+            </a:p>
+            <a:p>
+              <a:pPr algn="ctr"/>
+              <a:r>
+                <a:rPr lang="en-US" altLang="ja-JP" sz="2800" dirty="0" smtClean="0">
+                  <a:solidFill>
+                    <a:schemeClr val="tx1">
+                      <a:lumMod val="75000"/>
+                      <a:lumOff val="25000"/>
+                    </a:schemeClr>
+                  </a:solidFill>
+                  <a:latin typeface="Arial" panose="020B0604020202020204" pitchFamily="34" charset="0"/>
+                  <a:cs typeface="Arial" panose="020B0604020202020204" pitchFamily="34" charset="0"/>
+                </a:rPr>
+                <a:t>container</a:t>
+              </a:r>
+              <a:endParaRPr kumimoji="1" lang="ja-JP" altLang="en-US" sz="2800" dirty="0">
+                <a:solidFill>
+                  <a:schemeClr val="tx1">
+                    <a:lumMod val="75000"/>
+                    <a:lumOff val="25000"/>
+                  </a:schemeClr>
+                </a:solidFill>
+                <a:latin typeface="Arial" panose="020B0604020202020204" pitchFamily="34" charset="0"/>
+                <a:cs typeface="Arial" panose="020B0604020202020204" pitchFamily="34" charset="0"/>
+              </a:endParaRPr>
+            </a:p>
+          </p:txBody>
+        </p:sp>
+      </p:grpSp>
+      <p:cxnSp>
+        <p:nvCxnSpPr>
+          <p:cNvPr id="61" name="カギ線コネクタ 60"/>
+          <p:cNvCxnSpPr>
+            <a:stCxn id="53" idx="2"/>
+            <a:endCxn id="86" idx="0"/>
+          </p:cNvCxnSpPr>
+          <p:nvPr/>
+        </p:nvCxnSpPr>
+        <p:spPr>
+          <a:xfrm rot="5400000">
+            <a:off x="3261411" y="6628590"/>
+            <a:ext cx="694736" cy="1683917"/>
+          </a:xfrm>
+          <a:prstGeom prst="bentConnector3">
+            <a:avLst>
+              <a:gd name="adj1" fmla="val 50000"/>
+            </a:avLst>
+          </a:prstGeom>
+          <a:ln w="25400">
+            <a:tailEnd type="triangle" w="lg" len="lg"/>
+          </a:ln>
+        </p:spPr>
+        <p:style>
+          <a:lnRef idx="1">
+            <a:schemeClr val="accent5"/>
+          </a:lnRef>
+          <a:fillRef idx="0">
+            <a:schemeClr val="accent5"/>
+          </a:fillRef>
+          <a:effectRef idx="0">
+            <a:schemeClr val="accent5"/>
+          </a:effectRef>
+          <a:fontRef idx="minor">
+            <a:schemeClr val="tx1"/>
+          </a:fontRef>
+        </p:style>
+      </p:cxnSp>
+      <p:grpSp>
+        <p:nvGrpSpPr>
+          <p:cNvPr id="64" name="グループ化 63"/>
+          <p:cNvGrpSpPr/>
+          <p:nvPr/>
+        </p:nvGrpSpPr>
+        <p:grpSpPr>
+          <a:xfrm>
+            <a:off x="1492164" y="8641772"/>
+            <a:ext cx="2534796" cy="1479708"/>
+            <a:chOff x="2901300" y="4435876"/>
+            <a:chExt cx="2534796" cy="1479708"/>
+          </a:xfrm>
+        </p:grpSpPr>
+        <p:sp>
+          <p:nvSpPr>
+            <p:cNvPr id="65" name="角丸四角形 64"/>
+            <p:cNvSpPr/>
+            <p:nvPr/>
+          </p:nvSpPr>
+          <p:spPr>
+            <a:xfrm>
+              <a:off x="2915816" y="4464905"/>
+              <a:ext cx="2520280" cy="1450679"/>
+            </a:xfrm>
+            <a:prstGeom prst="roundRect">
+              <a:avLst>
+                <a:gd name="adj" fmla="val 13586"/>
+              </a:avLst>
+            </a:prstGeom>
+            <a:noFill/>
+            <a:ln>
+              <a:prstDash val="dash"/>
+            </a:ln>
+          </p:spPr>
+          <p:style>
+            <a:lnRef idx="2">
+              <a:schemeClr val="accent5"/>
+            </a:lnRef>
+            <a:fillRef idx="1">
+              <a:schemeClr val="lt1"/>
+            </a:fillRef>
+            <a:effectRef idx="0">
+              <a:schemeClr val="accent5"/>
+            </a:effectRef>
+            <a:fontRef idx="minor">
+              <a:schemeClr val="dk1"/>
+            </a:fontRef>
+          </p:style>
+          <p:txBody>
+            <a:bodyPr rtlCol="0" anchor="ctr"/>
+            <a:lstStyle/>
+            <a:p>
+              <a:pPr algn="ctr"/>
+              <a:endParaRPr kumimoji="1" lang="ja-JP" altLang="en-US"/>
+            </a:p>
+          </p:txBody>
+        </p:sp>
+        <p:sp>
+          <p:nvSpPr>
+            <p:cNvPr id="66" name="対角する 2 つの角を丸めた四角形 65"/>
+            <p:cNvSpPr/>
+            <p:nvPr/>
+          </p:nvSpPr>
+          <p:spPr>
+            <a:xfrm>
+              <a:off x="2901300" y="4435876"/>
+              <a:ext cx="1332000" cy="288000"/>
+            </a:xfrm>
+            <a:prstGeom prst="round2DiagRect">
+              <a:avLst/>
+            </a:prstGeom>
+            <a:effectLst/>
+          </p:spPr>
+          <p:style>
+            <a:lnRef idx="1">
+              <a:schemeClr val="accent5"/>
+            </a:lnRef>
+            <a:fillRef idx="2">
+              <a:schemeClr val="accent5"/>
+            </a:fillRef>
+            <a:effectRef idx="1">
+              <a:schemeClr val="accent5"/>
+            </a:effectRef>
+            <a:fontRef idx="minor">
+              <a:schemeClr val="dk1"/>
+            </a:fontRef>
+          </p:style>
+          <p:txBody>
+            <a:bodyPr wrap="none" lIns="36000" tIns="36000" rIns="36000" bIns="36000" rtlCol="0" anchor="ctr"/>
+            <a:lstStyle/>
+            <a:p>
+              <a:pPr algn="ctr">
+                <a:lnSpc>
+                  <a:spcPts val="1460"/>
+                </a:lnSpc>
+              </a:pPr>
+              <a:r>
+                <a:rPr kumimoji="1" lang="en-US" altLang="ja-JP" dirty="0" smtClean="0">
+                  <a:solidFill>
+                    <a:schemeClr val="tx1">
+                      <a:lumMod val="75000"/>
+                      <a:lumOff val="25000"/>
+                    </a:schemeClr>
+                  </a:solidFill>
+                </a:rPr>
+                <a:t>OCI Runtime</a:t>
+              </a:r>
+              <a:endParaRPr kumimoji="1" lang="ja-JP" altLang="en-US" dirty="0">
+                <a:solidFill>
+                  <a:schemeClr val="tx1">
+                    <a:lumMod val="75000"/>
+                    <a:lumOff val="25000"/>
+                  </a:schemeClr>
+                </a:solidFill>
+              </a:endParaRPr>
+            </a:p>
+          </p:txBody>
+        </p:sp>
+      </p:grpSp>
+      <p:cxnSp>
+        <p:nvCxnSpPr>
+          <p:cNvPr id="69" name="カギ線コネクタ 68"/>
+          <p:cNvCxnSpPr>
+            <a:stCxn id="53" idx="2"/>
+            <a:endCxn id="87" idx="0"/>
+          </p:cNvCxnSpPr>
+          <p:nvPr/>
+        </p:nvCxnSpPr>
+        <p:spPr>
+          <a:xfrm rot="16200000" flipH="1">
+            <a:off x="4917594" y="6656322"/>
+            <a:ext cx="694736" cy="1628451"/>
+          </a:xfrm>
+          <a:prstGeom prst="bentConnector3">
+            <a:avLst>
+              <a:gd name="adj1" fmla="val 50000"/>
+            </a:avLst>
+          </a:prstGeom>
+          <a:ln w="25400">
+            <a:tailEnd type="triangle" w="lg" len="lg"/>
+          </a:ln>
+        </p:spPr>
+        <p:style>
+          <a:lnRef idx="1">
+            <a:schemeClr val="accent5"/>
+          </a:lnRef>
+          <a:fillRef idx="0">
+            <a:schemeClr val="accent5"/>
+          </a:fillRef>
+          <a:effectRef idx="0">
+            <a:schemeClr val="accent5"/>
+          </a:effectRef>
+          <a:fontRef idx="minor">
+            <a:schemeClr val="tx1"/>
+          </a:fontRef>
+        </p:style>
+      </p:cxnSp>
+      <p:cxnSp>
+        <p:nvCxnSpPr>
+          <p:cNvPr id="70" name="直線矢印コネクタ 69"/>
+          <p:cNvCxnSpPr/>
+          <p:nvPr/>
+        </p:nvCxnSpPr>
+        <p:spPr>
+          <a:xfrm flipH="1">
+            <a:off x="2759562" y="11202573"/>
+            <a:ext cx="1" cy="515267"/>
+          </a:xfrm>
+          <a:prstGeom prst="straightConnector1">
+            <a:avLst/>
+          </a:prstGeom>
+          <a:ln w="25400">
+            <a:tailEnd type="triangle" w="lg" len="lg"/>
+          </a:ln>
+        </p:spPr>
+        <p:style>
+          <a:lnRef idx="1">
+            <a:schemeClr val="accent5"/>
+          </a:lnRef>
+          <a:fillRef idx="0">
+            <a:schemeClr val="accent5"/>
+          </a:fillRef>
+          <a:effectRef idx="0">
+            <a:schemeClr val="accent5"/>
+          </a:effectRef>
+          <a:fontRef idx="minor">
+            <a:schemeClr val="tx1"/>
+          </a:fontRef>
+        </p:style>
+      </p:cxnSp>
+      <p:grpSp>
+        <p:nvGrpSpPr>
+          <p:cNvPr id="71" name="グループ化 70"/>
+          <p:cNvGrpSpPr/>
+          <p:nvPr/>
+        </p:nvGrpSpPr>
+        <p:grpSpPr>
+          <a:xfrm>
+            <a:off x="5239010" y="11789913"/>
+            <a:ext cx="1665841" cy="977483"/>
+            <a:chOff x="707393" y="6331953"/>
+            <a:chExt cx="1665841" cy="977483"/>
+          </a:xfrm>
+        </p:grpSpPr>
+        <p:sp>
+          <p:nvSpPr>
+            <p:cNvPr id="72" name="直方体 71"/>
+            <p:cNvSpPr/>
+            <p:nvPr/>
+          </p:nvSpPr>
+          <p:spPr>
+            <a:xfrm>
+              <a:off x="1324313" y="6331953"/>
+              <a:ext cx="432000" cy="432048"/>
+            </a:xfrm>
+            <a:prstGeom prst="cube">
+              <a:avLst/>
+            </a:prstGeom>
+          </p:spPr>
+          <p:style>
+            <a:lnRef idx="2">
+              <a:schemeClr val="accent5"/>
+            </a:lnRef>
+            <a:fillRef idx="1">
+              <a:schemeClr val="lt1"/>
+            </a:fillRef>
+            <a:effectRef idx="0">
+              <a:schemeClr val="accent5"/>
+            </a:effectRef>
+            <a:fontRef idx="minor">
+              <a:schemeClr val="dk1"/>
+            </a:fontRef>
+          </p:style>
+          <p:txBody>
+            <a:bodyPr rtlCol="0" anchor="ctr"/>
+            <a:lstStyle/>
+            <a:p>
+              <a:pPr algn="ctr"/>
+              <a:endParaRPr kumimoji="1" lang="ja-JP" altLang="en-US"/>
+            </a:p>
+          </p:txBody>
+        </p:sp>
+        <p:sp>
+          <p:nvSpPr>
+            <p:cNvPr id="73" name="テキスト ボックス 72"/>
+            <p:cNvSpPr txBox="1"/>
+            <p:nvPr/>
+          </p:nvSpPr>
+          <p:spPr>
+            <a:xfrm>
+              <a:off x="707393" y="6786216"/>
+              <a:ext cx="1665841" cy="523220"/>
+            </a:xfrm>
+            <a:prstGeom prst="rect">
+              <a:avLst/>
+            </a:prstGeom>
+            <a:noFill/>
+          </p:spPr>
+          <p:txBody>
+            <a:bodyPr wrap="none" rtlCol="0">
+              <a:spAutoFit/>
+            </a:bodyPr>
+            <a:lstStyle/>
+            <a:p>
+              <a:pPr algn="ctr"/>
+              <a:r>
+                <a:rPr lang="en-US" altLang="ja-JP" sz="2800" dirty="0" smtClean="0">
+                  <a:solidFill>
+                    <a:schemeClr val="tx1">
+                      <a:lumMod val="75000"/>
+                      <a:lumOff val="25000"/>
+                    </a:schemeClr>
+                  </a:solidFill>
+                  <a:latin typeface="Arial" panose="020B0604020202020204" pitchFamily="34" charset="0"/>
+                  <a:cs typeface="Arial" panose="020B0604020202020204" pitchFamily="34" charset="0"/>
+                </a:rPr>
+                <a:t>container</a:t>
+              </a:r>
+              <a:endParaRPr kumimoji="1" lang="ja-JP" altLang="en-US" sz="2800" dirty="0">
+                <a:solidFill>
+                  <a:schemeClr val="tx1">
+                    <a:lumMod val="75000"/>
+                    <a:lumOff val="25000"/>
+                  </a:schemeClr>
+                </a:solidFill>
+                <a:latin typeface="Arial" panose="020B0604020202020204" pitchFamily="34" charset="0"/>
+                <a:cs typeface="Arial" panose="020B0604020202020204" pitchFamily="34" charset="0"/>
+              </a:endParaRPr>
+            </a:p>
+          </p:txBody>
+        </p:sp>
+      </p:grpSp>
+      <p:grpSp>
+        <p:nvGrpSpPr>
+          <p:cNvPr id="77" name="グループ化 76"/>
+          <p:cNvGrpSpPr/>
+          <p:nvPr/>
+        </p:nvGrpSpPr>
+        <p:grpSpPr>
+          <a:xfrm>
+            <a:off x="4804532" y="8641772"/>
+            <a:ext cx="2534796" cy="1479708"/>
+            <a:chOff x="2901300" y="4435876"/>
+            <a:chExt cx="2534796" cy="1479708"/>
+          </a:xfrm>
+        </p:grpSpPr>
+        <p:sp>
+          <p:nvSpPr>
+            <p:cNvPr id="78" name="角丸四角形 77"/>
+            <p:cNvSpPr/>
+            <p:nvPr/>
+          </p:nvSpPr>
+          <p:spPr>
+            <a:xfrm>
+              <a:off x="2915816" y="4464905"/>
+              <a:ext cx="2520280" cy="1450679"/>
+            </a:xfrm>
+            <a:prstGeom prst="roundRect">
+              <a:avLst>
+                <a:gd name="adj" fmla="val 13586"/>
+              </a:avLst>
+            </a:prstGeom>
+            <a:noFill/>
+            <a:ln>
+              <a:prstDash val="dash"/>
+            </a:ln>
+          </p:spPr>
+          <p:style>
+            <a:lnRef idx="2">
+              <a:schemeClr val="accent5"/>
+            </a:lnRef>
+            <a:fillRef idx="1">
+              <a:schemeClr val="lt1"/>
+            </a:fillRef>
+            <a:effectRef idx="0">
+              <a:schemeClr val="accent5"/>
+            </a:effectRef>
+            <a:fontRef idx="minor">
+              <a:schemeClr val="dk1"/>
+            </a:fontRef>
+          </p:style>
+          <p:txBody>
+            <a:bodyPr rtlCol="0" anchor="ctr"/>
+            <a:lstStyle/>
+            <a:p>
+              <a:pPr algn="ctr"/>
+              <a:endParaRPr kumimoji="1" lang="ja-JP" altLang="en-US"/>
+            </a:p>
+          </p:txBody>
+        </p:sp>
+        <p:sp>
+          <p:nvSpPr>
+            <p:cNvPr id="79" name="対角する 2 つの角を丸めた四角形 78"/>
+            <p:cNvSpPr/>
+            <p:nvPr/>
+          </p:nvSpPr>
+          <p:spPr>
+            <a:xfrm>
+              <a:off x="2901300" y="4435876"/>
+              <a:ext cx="1332000" cy="288000"/>
+            </a:xfrm>
+            <a:prstGeom prst="round2DiagRect">
+              <a:avLst/>
+            </a:prstGeom>
+            <a:effectLst/>
+          </p:spPr>
+          <p:style>
+            <a:lnRef idx="1">
+              <a:schemeClr val="accent5"/>
+            </a:lnRef>
+            <a:fillRef idx="2">
+              <a:schemeClr val="accent5"/>
+            </a:fillRef>
+            <a:effectRef idx="1">
+              <a:schemeClr val="accent5"/>
+            </a:effectRef>
+            <a:fontRef idx="minor">
+              <a:schemeClr val="dk1"/>
+            </a:fontRef>
+          </p:style>
+          <p:txBody>
+            <a:bodyPr wrap="none" lIns="36000" tIns="36000" rIns="36000" bIns="36000" rtlCol="0" anchor="ctr"/>
+            <a:lstStyle/>
+            <a:p>
+              <a:pPr algn="ctr">
+                <a:lnSpc>
+                  <a:spcPts val="1460"/>
+                </a:lnSpc>
+              </a:pPr>
+              <a:r>
+                <a:rPr kumimoji="1" lang="en-US" altLang="ja-JP" dirty="0" smtClean="0">
+                  <a:solidFill>
+                    <a:schemeClr val="tx1">
+                      <a:lumMod val="75000"/>
+                      <a:lumOff val="25000"/>
+                    </a:schemeClr>
+                  </a:solidFill>
+                </a:rPr>
+                <a:t>OCI Runtime</a:t>
+              </a:r>
+              <a:endParaRPr kumimoji="1" lang="ja-JP" altLang="en-US" dirty="0">
+                <a:solidFill>
+                  <a:schemeClr val="tx1">
+                    <a:lumMod val="75000"/>
+                    <a:lumOff val="25000"/>
+                  </a:schemeClr>
+                </a:solidFill>
+              </a:endParaRPr>
+            </a:p>
+          </p:txBody>
+        </p:sp>
+      </p:grpSp>
+      <p:cxnSp>
+        <p:nvCxnSpPr>
+          <p:cNvPr id="82" name="直線矢印コネクタ 81"/>
+          <p:cNvCxnSpPr/>
+          <p:nvPr/>
+        </p:nvCxnSpPr>
+        <p:spPr>
+          <a:xfrm flipH="1">
+            <a:off x="6071930" y="11184193"/>
+            <a:ext cx="1" cy="515267"/>
+          </a:xfrm>
+          <a:prstGeom prst="straightConnector1">
+            <a:avLst/>
+          </a:prstGeom>
+          <a:ln w="25400">
+            <a:tailEnd type="triangle" w="lg" len="lg"/>
+          </a:ln>
+        </p:spPr>
+        <p:style>
+          <a:lnRef idx="1">
+            <a:schemeClr val="accent5"/>
+          </a:lnRef>
+          <a:fillRef idx="0">
+            <a:schemeClr val="accent5"/>
+          </a:fillRef>
+          <a:effectRef idx="0">
+            <a:schemeClr val="accent5"/>
+          </a:effectRef>
+          <a:fontRef idx="minor">
+            <a:schemeClr val="tx1"/>
+          </a:fontRef>
+        </p:style>
+      </p:cxnSp>
+      <p:grpSp>
+        <p:nvGrpSpPr>
+          <p:cNvPr id="83" name="グループ化 82"/>
+          <p:cNvGrpSpPr/>
+          <p:nvPr/>
+        </p:nvGrpSpPr>
+        <p:grpSpPr>
+          <a:xfrm>
+            <a:off x="1506680" y="11417624"/>
+            <a:ext cx="5832648" cy="1944216"/>
+            <a:chOff x="2901300" y="4435876"/>
+            <a:chExt cx="5832648" cy="1944216"/>
+          </a:xfrm>
+        </p:grpSpPr>
+        <p:sp>
+          <p:nvSpPr>
+            <p:cNvPr id="84" name="角丸四角形 83"/>
+            <p:cNvSpPr/>
+            <p:nvPr/>
+          </p:nvSpPr>
+          <p:spPr>
+            <a:xfrm>
+              <a:off x="2915816" y="4464905"/>
+              <a:ext cx="5818132" cy="1915187"/>
+            </a:xfrm>
+            <a:prstGeom prst="roundRect">
+              <a:avLst>
+                <a:gd name="adj" fmla="val 13586"/>
+              </a:avLst>
+            </a:prstGeom>
+            <a:noFill/>
+            <a:ln>
+              <a:solidFill>
+                <a:schemeClr val="tx1">
+                  <a:lumMod val="50000"/>
+                  <a:lumOff val="50000"/>
+                </a:schemeClr>
+              </a:solidFill>
+              <a:prstDash val="dash"/>
+            </a:ln>
+          </p:spPr>
+          <p:style>
+            <a:lnRef idx="2">
+              <a:schemeClr val="accent5"/>
+            </a:lnRef>
+            <a:fillRef idx="1">
+              <a:schemeClr val="lt1"/>
+            </a:fillRef>
+            <a:effectRef idx="0">
+              <a:schemeClr val="accent5"/>
+            </a:effectRef>
+            <a:fontRef idx="minor">
+              <a:schemeClr val="dk1"/>
+            </a:fontRef>
+          </p:style>
+          <p:txBody>
+            <a:bodyPr rtlCol="0" anchor="ctr"/>
+            <a:lstStyle/>
+            <a:p>
+              <a:pPr algn="ctr"/>
+              <a:endParaRPr kumimoji="1" lang="ja-JP" altLang="en-US"/>
+            </a:p>
+          </p:txBody>
+        </p:sp>
+        <p:sp>
+          <p:nvSpPr>
+            <p:cNvPr id="85" name="対角する 2 つの角を丸めた四角形 84"/>
+            <p:cNvSpPr/>
+            <p:nvPr/>
+          </p:nvSpPr>
+          <p:spPr>
+            <a:xfrm>
+              <a:off x="2901300" y="4435876"/>
+              <a:ext cx="612000" cy="288000"/>
+            </a:xfrm>
+            <a:prstGeom prst="round2DiagRect">
+              <a:avLst/>
+            </a:prstGeom>
+            <a:effectLst/>
+          </p:spPr>
+          <p:style>
+            <a:lnRef idx="1">
+              <a:schemeClr val="dk1"/>
+            </a:lnRef>
+            <a:fillRef idx="2">
+              <a:schemeClr val="dk1"/>
+            </a:fillRef>
+            <a:effectRef idx="1">
+              <a:schemeClr val="dk1"/>
+            </a:effectRef>
+            <a:fontRef idx="minor">
+              <a:schemeClr val="dk1"/>
+            </a:fontRef>
+          </p:style>
+          <p:txBody>
+            <a:bodyPr wrap="none" lIns="36000" tIns="36000" rIns="36000" bIns="36000" rtlCol="0" anchor="ctr"/>
+            <a:lstStyle/>
+            <a:p>
+              <a:pPr algn="ctr">
+                <a:lnSpc>
+                  <a:spcPts val="1460"/>
+                </a:lnSpc>
+              </a:pPr>
+              <a:r>
+                <a:rPr lang="en-US" altLang="ja-JP" dirty="0" smtClean="0">
+                  <a:solidFill>
+                    <a:schemeClr val="tx1">
+                      <a:lumMod val="75000"/>
+                      <a:lumOff val="25000"/>
+                    </a:schemeClr>
+                  </a:solidFill>
+                </a:rPr>
+                <a:t>Pod</a:t>
+              </a:r>
+              <a:endParaRPr kumimoji="1" lang="ja-JP" altLang="en-US" dirty="0">
+                <a:solidFill>
+                  <a:schemeClr val="tx1">
+                    <a:lumMod val="75000"/>
+                    <a:lumOff val="25000"/>
+                  </a:schemeClr>
+                </a:solidFill>
+              </a:endParaRPr>
+            </a:p>
+          </p:txBody>
+        </p:sp>
+      </p:grpSp>
       <p:sp>
         <p:nvSpPr>
-          <p:cNvPr id="43" name="正方形/長方形 42"/>
+          <p:cNvPr id="86" name="正方形/長方形 85"/>
           <p:cNvSpPr/>
           <p:nvPr/>
         </p:nvSpPr>
         <p:spPr>
           <a:xfrm>
-            <a:off x="1887366" y="10849944"/>
-            <a:ext cx="1744388" cy="523220"/>
+            <a:off x="2014851" y="7817916"/>
+            <a:ext cx="1503937" cy="523220"/>
           </a:xfrm>
           <a:prstGeom prst="rect">
             <a:avLst/>
@@ -17451,7 +21166,7 @@
           <a:p>
             <a:pPr algn="ctr"/>
             <a:r>
-              <a:rPr lang="en-US" altLang="ja-JP" sz="2800" dirty="0" smtClean="0">
+              <a:rPr lang="en-US" altLang="ja-JP" sz="2800" dirty="0" err="1">
                 <a:solidFill>
                   <a:schemeClr val="accent1">
                     <a:lumMod val="75000"/>
@@ -17460,7 +21175,7 @@
                 <a:latin typeface="Arial" panose="020B0604020202020204" pitchFamily="34" charset="0"/>
                 <a:cs typeface="Arial" panose="020B0604020202020204" pitchFamily="34" charset="0"/>
               </a:rPr>
-              <a:t>kata-shim</a:t>
+              <a:t>hcsshim</a:t>
             </a:r>
             <a:endParaRPr lang="ja-JP" altLang="en-US" sz="2800" dirty="0">
               <a:solidFill>
@@ -17476,14 +21191,14 @@
       </p:sp>
       <p:sp>
         <p:nvSpPr>
-          <p:cNvPr id="44" name="正方形/長方形 43"/>
+          <p:cNvPr id="87" name="正方形/長方形 86"/>
           <p:cNvSpPr/>
           <p:nvPr/>
         </p:nvSpPr>
         <p:spPr>
           <a:xfrm>
-            <a:off x="5203365" y="10849944"/>
-            <a:ext cx="1744388" cy="523220"/>
+            <a:off x="5327219" y="7817916"/>
+            <a:ext cx="1503937" cy="523220"/>
           </a:xfrm>
           <a:prstGeom prst="rect">
             <a:avLst/>
@@ -17514,6 +21229,140 @@
           <a:p>
             <a:pPr algn="ctr"/>
             <a:r>
+              <a:rPr lang="en-US" altLang="ja-JP" sz="2800" dirty="0" err="1">
+                <a:solidFill>
+                  <a:schemeClr val="accent1">
+                    <a:lumMod val="75000"/>
+                  </a:schemeClr>
+                </a:solidFill>
+                <a:latin typeface="Arial" panose="020B0604020202020204" pitchFamily="34" charset="0"/>
+                <a:cs typeface="Arial" panose="020B0604020202020204" pitchFamily="34" charset="0"/>
+              </a:rPr>
+              <a:t>hcsshim</a:t>
+            </a:r>
+            <a:endParaRPr lang="ja-JP" altLang="en-US" sz="2800" dirty="0">
+              <a:solidFill>
+                <a:schemeClr val="accent1">
+                  <a:lumMod val="75000"/>
+                </a:schemeClr>
+              </a:solidFill>
+              <a:latin typeface="Arial" panose="020B0604020202020204" pitchFamily="34" charset="0"/>
+              <a:cs typeface="Arial" panose="020B0604020202020204" pitchFamily="34" charset="0"/>
+            </a:endParaRPr>
+          </a:p>
+        </p:txBody>
+      </p:sp>
+      <p:cxnSp>
+        <p:nvCxnSpPr>
+          <p:cNvPr id="88" name="直線矢印コネクタ 87"/>
+          <p:cNvCxnSpPr>
+            <a:stCxn id="86" idx="2"/>
+            <a:endCxn id="65" idx="0"/>
+          </p:cNvCxnSpPr>
+          <p:nvPr/>
+        </p:nvCxnSpPr>
+        <p:spPr>
+          <a:xfrm>
+            <a:off x="2766820" y="8341136"/>
+            <a:ext cx="0" cy="329665"/>
+          </a:xfrm>
+          <a:prstGeom prst="straightConnector1">
+            <a:avLst/>
+          </a:prstGeom>
+          <a:ln w="25400">
+            <a:tailEnd type="triangle" w="lg" len="lg"/>
+          </a:ln>
+        </p:spPr>
+        <p:style>
+          <a:lnRef idx="1">
+            <a:schemeClr val="accent5"/>
+          </a:lnRef>
+          <a:fillRef idx="0">
+            <a:schemeClr val="accent5"/>
+          </a:fillRef>
+          <a:effectRef idx="0">
+            <a:schemeClr val="accent5"/>
+          </a:effectRef>
+          <a:fontRef idx="minor">
+            <a:schemeClr val="tx1"/>
+          </a:fontRef>
+        </p:style>
+      </p:cxnSp>
+      <p:cxnSp>
+        <p:nvCxnSpPr>
+          <p:cNvPr id="89" name="直線矢印コネクタ 88"/>
+          <p:cNvCxnSpPr>
+            <a:stCxn id="87" idx="2"/>
+          </p:cNvCxnSpPr>
+          <p:nvPr/>
+        </p:nvCxnSpPr>
+        <p:spPr>
+          <a:xfrm flipH="1">
+            <a:off x="6071930" y="8341136"/>
+            <a:ext cx="7258" cy="300636"/>
+          </a:xfrm>
+          <a:prstGeom prst="straightConnector1">
+            <a:avLst/>
+          </a:prstGeom>
+          <a:ln w="25400">
+            <a:tailEnd type="triangle" w="lg" len="lg"/>
+          </a:ln>
+        </p:spPr>
+        <p:style>
+          <a:lnRef idx="1">
+            <a:schemeClr val="accent5"/>
+          </a:lnRef>
+          <a:fillRef idx="0">
+            <a:schemeClr val="accent5"/>
+          </a:fillRef>
+          <a:effectRef idx="0">
+            <a:schemeClr val="accent5"/>
+          </a:effectRef>
+          <a:fontRef idx="minor">
+            <a:schemeClr val="tx1"/>
+          </a:fontRef>
+        </p:style>
+      </p:cxnSp>
+      <p:sp>
+        <p:nvSpPr>
+          <p:cNvPr id="41" name="正方形/長方形 40"/>
+          <p:cNvSpPr/>
+          <p:nvPr/>
+        </p:nvSpPr>
+        <p:spPr>
+          <a:xfrm>
+            <a:off x="1521196" y="10656000"/>
+            <a:ext cx="5818132" cy="523220"/>
+          </a:xfrm>
+          <a:prstGeom prst="rect">
+            <a:avLst/>
+          </a:prstGeom>
+        </p:spPr>
+        <p:style>
+          <a:lnRef idx="2">
+            <a:schemeClr val="accent5"/>
+          </a:lnRef>
+          <a:fillRef idx="1">
+            <a:schemeClr val="lt1"/>
+          </a:fillRef>
+          <a:effectRef idx="0">
+            <a:schemeClr val="accent5"/>
+          </a:effectRef>
+          <a:fontRef idx="minor">
+            <a:schemeClr val="dk1"/>
+          </a:fontRef>
+        </p:style>
+        <p:txBody>
+          <a:bodyPr rot="0" spcFirstLastPara="0" vertOverflow="overflow" horzOverflow="overflow" vert="horz" wrap="none" lIns="91440" tIns="45720" rIns="91440" bIns="45720" numCol="1" spcCol="0" rtlCol="0" fromWordArt="0" anchor="ctr" anchorCtr="0" forceAA="0" compatLnSpc="1">
+            <a:prstTxWarp prst="textNoShape">
+              <a:avLst/>
+            </a:prstTxWarp>
+            <a:noAutofit/>
+          </a:bodyPr>
+          <a:lstStyle/>
+          <a:p>
+            <a:pPr algn="ctr"/>
+            <a:r>
               <a:rPr lang="en-US" altLang="ja-JP" sz="2800" dirty="0" smtClean="0">
                 <a:solidFill>
                   <a:schemeClr val="accent1">
@@ -17523,7 +21372,135 @@
                 <a:latin typeface="Arial" panose="020B0604020202020204" pitchFamily="34" charset="0"/>
                 <a:cs typeface="Arial" panose="020B0604020202020204" pitchFamily="34" charset="0"/>
               </a:rPr>
-              <a:t>kata-shim</a:t>
+              <a:t>HCS</a:t>
+            </a:r>
+            <a:endParaRPr lang="ja-JP" altLang="en-US" sz="2800" dirty="0">
+              <a:solidFill>
+                <a:schemeClr val="accent1">
+                  <a:lumMod val="75000"/>
+                </a:schemeClr>
+              </a:solidFill>
+              <a:latin typeface="Arial" panose="020B0604020202020204" pitchFamily="34" charset="0"/>
+              <a:cs typeface="Arial" panose="020B0604020202020204" pitchFamily="34" charset="0"/>
+            </a:endParaRPr>
+          </a:p>
+        </p:txBody>
+      </p:sp>
+      <p:sp>
+        <p:nvSpPr>
+          <p:cNvPr id="42" name="正方形/長方形 41"/>
+          <p:cNvSpPr/>
+          <p:nvPr/>
+        </p:nvSpPr>
+        <p:spPr>
+          <a:xfrm>
+            <a:off x="2134274" y="9113368"/>
+            <a:ext cx="1265090" cy="523220"/>
+          </a:xfrm>
+          <a:prstGeom prst="rect">
+            <a:avLst/>
+          </a:prstGeom>
+        </p:spPr>
+        <p:style>
+          <a:lnRef idx="2">
+            <a:schemeClr val="accent5"/>
+          </a:lnRef>
+          <a:fillRef idx="1">
+            <a:schemeClr val="lt1"/>
+          </a:fillRef>
+          <a:effectRef idx="0">
+            <a:schemeClr val="accent5"/>
+          </a:effectRef>
+          <a:fontRef idx="minor">
+            <a:schemeClr val="dk1"/>
+          </a:fontRef>
+        </p:style>
+        <p:txBody>
+          <a:bodyPr rot="0" spcFirstLastPara="0" vertOverflow="overflow" horzOverflow="overflow" vert="horz" wrap="none" lIns="91440" tIns="45720" rIns="91440" bIns="45720" numCol="1" spcCol="0" rtlCol="0" fromWordArt="0" anchor="ctr" anchorCtr="0" forceAA="0" compatLnSpc="1">
+            <a:prstTxWarp prst="textNoShape">
+              <a:avLst/>
+            </a:prstTxWarp>
+            <a:spAutoFit/>
+          </a:bodyPr>
+          <a:lstStyle/>
+          <a:p>
+            <a:pPr algn="ctr"/>
+            <a:r>
+              <a:rPr lang="en-US" altLang="ja-JP" sz="2800" dirty="0" err="1">
+                <a:solidFill>
+                  <a:schemeClr val="tx1">
+                    <a:lumMod val="75000"/>
+                    <a:lumOff val="25000"/>
+                  </a:schemeClr>
+                </a:solidFill>
+                <a:latin typeface="Arial" panose="020B0604020202020204" pitchFamily="34" charset="0"/>
+                <a:cs typeface="Arial" panose="020B0604020202020204" pitchFamily="34" charset="0"/>
+              </a:rPr>
+              <a:t>runhcs</a:t>
+            </a:r>
+            <a:endParaRPr lang="ja-JP" altLang="en-US" sz="2800" dirty="0">
+              <a:solidFill>
+                <a:schemeClr val="accent1">
+                  <a:lumMod val="75000"/>
+                </a:schemeClr>
+              </a:solidFill>
+              <a:latin typeface="Arial" panose="020B0604020202020204" pitchFamily="34" charset="0"/>
+              <a:cs typeface="Arial" panose="020B0604020202020204" pitchFamily="34" charset="0"/>
+            </a:endParaRPr>
+          </a:p>
+        </p:txBody>
+      </p:sp>
+      <p:sp>
+        <p:nvSpPr>
+          <p:cNvPr id="43" name="正方形/長方形 42"/>
+          <p:cNvSpPr/>
+          <p:nvPr/>
+        </p:nvSpPr>
+        <p:spPr>
+          <a:xfrm>
+            <a:off x="5439385" y="9113368"/>
+            <a:ext cx="1265090" cy="523220"/>
+          </a:xfrm>
+          <a:prstGeom prst="rect">
+            <a:avLst/>
+          </a:prstGeom>
+        </p:spPr>
+        <p:style>
+          <a:lnRef idx="2">
+            <a:schemeClr val="accent5"/>
+          </a:lnRef>
+          <a:fillRef idx="1">
+            <a:schemeClr val="lt1"/>
+          </a:fillRef>
+          <a:effectRef idx="0">
+            <a:schemeClr val="accent5"/>
+          </a:effectRef>
+          <a:fontRef idx="minor">
+            <a:schemeClr val="dk1"/>
+          </a:fontRef>
+        </p:style>
+        <p:txBody>
+          <a:bodyPr rot="0" spcFirstLastPara="0" vertOverflow="overflow" horzOverflow="overflow" vert="horz" wrap="none" lIns="91440" tIns="45720" rIns="91440" bIns="45720" numCol="1" spcCol="0" rtlCol="0" fromWordArt="0" anchor="ctr" anchorCtr="0" forceAA="0" compatLnSpc="1">
+            <a:prstTxWarp prst="textNoShape">
+              <a:avLst/>
+            </a:prstTxWarp>
+            <a:spAutoFit/>
+          </a:bodyPr>
+          <a:lstStyle/>
+          <a:p>
+            <a:pPr algn="ctr"/>
+            <a:r>
+              <a:rPr lang="en-US" altLang="ja-JP" sz="2800" dirty="0" err="1">
+                <a:solidFill>
+                  <a:schemeClr val="tx1">
+                    <a:lumMod val="75000"/>
+                    <a:lumOff val="25000"/>
+                  </a:schemeClr>
+                </a:solidFill>
+                <a:latin typeface="Arial" panose="020B0604020202020204" pitchFamily="34" charset="0"/>
+                <a:cs typeface="Arial" panose="020B0604020202020204" pitchFamily="34" charset="0"/>
+              </a:rPr>
+              <a:t>runhcs</a:t>
             </a:r>
             <a:endParaRPr lang="ja-JP" altLang="en-US" sz="2800" dirty="0">
               <a:solidFill>
@@ -17540,16 +21517,13 @@
       <p:cxnSp>
         <p:nvCxnSpPr>
           <p:cNvPr id="45" name="直線矢印コネクタ 44"/>
-          <p:cNvCxnSpPr>
-            <a:stCxn id="65" idx="2"/>
-            <a:endCxn id="43" idx="0"/>
-          </p:cNvCxnSpPr>
+          <p:cNvCxnSpPr/>
           <p:nvPr/>
         </p:nvCxnSpPr>
         <p:spPr>
           <a:xfrm flipH="1">
-            <a:off x="2759560" y="10555193"/>
-            <a:ext cx="0" cy="294751"/>
+            <a:off x="2759561" y="10121480"/>
+            <a:ext cx="1" cy="515267"/>
           </a:xfrm>
           <a:prstGeom prst="straightConnector1">
             <a:avLst/>
@@ -17575,17 +21549,14 @@
       </p:cxnSp>
       <p:cxnSp>
         <p:nvCxnSpPr>
-          <p:cNvPr id="48" name="直線矢印コネクタ 47"/>
-          <p:cNvCxnSpPr>
-            <a:stCxn id="78" idx="2"/>
-            <a:endCxn id="44" idx="0"/>
-          </p:cNvCxnSpPr>
+          <p:cNvPr id="46" name="直線矢印コネクタ 45"/>
+          <p:cNvCxnSpPr/>
           <p:nvPr/>
         </p:nvCxnSpPr>
         <p:spPr>
           <a:xfrm flipH="1">
-            <a:off x="6075559" y="10555193"/>
-            <a:ext cx="0" cy="294751"/>
+            <a:off x="6071929" y="10121480"/>
+            <a:ext cx="1" cy="515267"/>
           </a:xfrm>
           <a:prstGeom prst="straightConnector1">
             <a:avLst/>
@@ -17609,626 +21580,10 @@
           </a:fontRef>
         </p:style>
       </p:cxnSp>
-      <p:sp>
-        <p:nvSpPr>
-          <p:cNvPr id="51" name="正方形/長方形 50"/>
-          <p:cNvSpPr/>
-          <p:nvPr/>
-        </p:nvSpPr>
-        <p:spPr>
-          <a:xfrm>
-            <a:off x="3511306" y="11777664"/>
-            <a:ext cx="1864614" cy="523220"/>
-          </a:xfrm>
-          <a:prstGeom prst="rect">
-            <a:avLst/>
-          </a:prstGeom>
-        </p:spPr>
-        <p:style>
-          <a:lnRef idx="2">
-            <a:schemeClr val="accent5"/>
-          </a:lnRef>
-          <a:fillRef idx="1">
-            <a:schemeClr val="lt1"/>
-          </a:fillRef>
-          <a:effectRef idx="0">
-            <a:schemeClr val="accent5"/>
-          </a:effectRef>
-          <a:fontRef idx="minor">
-            <a:schemeClr val="dk1"/>
-          </a:fontRef>
-        </p:style>
-        <p:txBody>
-          <a:bodyPr rot="0" spcFirstLastPara="0" vertOverflow="overflow" horzOverflow="overflow" vert="horz" wrap="none" lIns="91440" tIns="45720" rIns="91440" bIns="45720" numCol="1" spcCol="0" rtlCol="0" fromWordArt="0" anchor="ctr" anchorCtr="0" forceAA="0" compatLnSpc="1">
-            <a:prstTxWarp prst="textNoShape">
-              <a:avLst/>
-            </a:prstTxWarp>
-            <a:spAutoFit/>
-          </a:bodyPr>
-          <a:lstStyle/>
-          <a:p>
-            <a:pPr algn="ctr"/>
-            <a:r>
-              <a:rPr lang="en-US" altLang="ja-JP" sz="2800" dirty="0" smtClean="0">
-                <a:solidFill>
-                  <a:schemeClr val="accent1">
-                    <a:lumMod val="75000"/>
-                  </a:schemeClr>
-                </a:solidFill>
-                <a:latin typeface="Arial" panose="020B0604020202020204" pitchFamily="34" charset="0"/>
-                <a:cs typeface="Arial" panose="020B0604020202020204" pitchFamily="34" charset="0"/>
-              </a:rPr>
-              <a:t>kata-proxy</a:t>
-            </a:r>
-            <a:endParaRPr lang="ja-JP" altLang="en-US" sz="2800" dirty="0">
-              <a:solidFill>
-                <a:schemeClr val="accent1">
-                  <a:lumMod val="75000"/>
-                </a:schemeClr>
-              </a:solidFill>
-              <a:latin typeface="Arial" panose="020B0604020202020204" pitchFamily="34" charset="0"/>
-              <a:cs typeface="Arial" panose="020B0604020202020204" pitchFamily="34" charset="0"/>
-            </a:endParaRPr>
-          </a:p>
-        </p:txBody>
-      </p:sp>
-      <p:cxnSp>
-        <p:nvCxnSpPr>
-          <p:cNvPr id="74" name="カギ線コネクタ 73"/>
-          <p:cNvCxnSpPr>
-            <a:stCxn id="43" idx="2"/>
-            <a:endCxn id="51" idx="1"/>
-          </p:cNvCxnSpPr>
-          <p:nvPr/>
-        </p:nvCxnSpPr>
-        <p:spPr>
-          <a:xfrm rot="16200000" flipH="1">
-            <a:off x="2802378" y="11330346"/>
-            <a:ext cx="666110" cy="751746"/>
-          </a:xfrm>
-          <a:prstGeom prst="bentConnector2">
-            <a:avLst/>
-          </a:prstGeom>
-          <a:ln w="25400">
-            <a:tailEnd type="triangle" w="lg" len="lg"/>
-          </a:ln>
-        </p:spPr>
-        <p:style>
-          <a:lnRef idx="1">
-            <a:schemeClr val="accent5"/>
-          </a:lnRef>
-          <a:fillRef idx="0">
-            <a:schemeClr val="accent5"/>
-          </a:fillRef>
-          <a:effectRef idx="0">
-            <a:schemeClr val="accent5"/>
-          </a:effectRef>
-          <a:fontRef idx="minor">
-            <a:schemeClr val="tx1"/>
-          </a:fontRef>
-        </p:style>
-      </p:cxnSp>
-      <p:cxnSp>
-        <p:nvCxnSpPr>
-          <p:cNvPr id="90" name="カギ線コネクタ 89"/>
-          <p:cNvCxnSpPr>
-            <a:stCxn id="44" idx="2"/>
-            <a:endCxn id="51" idx="3"/>
-          </p:cNvCxnSpPr>
-          <p:nvPr/>
-        </p:nvCxnSpPr>
-        <p:spPr>
-          <a:xfrm rot="5400000">
-            <a:off x="5392685" y="11356400"/>
-            <a:ext cx="666110" cy="699639"/>
-          </a:xfrm>
-          <a:prstGeom prst="bentConnector2">
-            <a:avLst/>
-          </a:prstGeom>
-          <a:ln w="25400">
-            <a:tailEnd type="triangle" w="lg" len="lg"/>
-          </a:ln>
-        </p:spPr>
-        <p:style>
-          <a:lnRef idx="1">
-            <a:schemeClr val="accent5"/>
-          </a:lnRef>
-          <a:fillRef idx="0">
-            <a:schemeClr val="accent5"/>
-          </a:fillRef>
-          <a:effectRef idx="0">
-            <a:schemeClr val="accent5"/>
-          </a:effectRef>
-          <a:fontRef idx="minor">
-            <a:schemeClr val="tx1"/>
-          </a:fontRef>
-        </p:style>
-      </p:cxnSp>
-      <p:sp>
-        <p:nvSpPr>
-          <p:cNvPr id="91" name="角丸四角形 90"/>
-          <p:cNvSpPr/>
-          <p:nvPr/>
-        </p:nvSpPr>
-        <p:spPr>
-          <a:xfrm>
-            <a:off x="1187624" y="12497744"/>
-            <a:ext cx="6480720" cy="3600400"/>
-          </a:xfrm>
-          <a:prstGeom prst="roundRect">
-            <a:avLst>
-              <a:gd name="adj" fmla="val 8030"/>
-            </a:avLst>
-          </a:prstGeom>
-          <a:noFill/>
-          <a:ln>
-            <a:solidFill>
-              <a:schemeClr val="tx1">
-                <a:lumMod val="50000"/>
-                <a:lumOff val="50000"/>
-              </a:schemeClr>
-            </a:solidFill>
-            <a:prstDash val="dash"/>
-          </a:ln>
-        </p:spPr>
-        <p:style>
-          <a:lnRef idx="2">
-            <a:schemeClr val="accent5"/>
-          </a:lnRef>
-          <a:fillRef idx="1">
-            <a:schemeClr val="lt1"/>
-          </a:fillRef>
-          <a:effectRef idx="0">
-            <a:schemeClr val="accent5"/>
-          </a:effectRef>
-          <a:fontRef idx="minor">
-            <a:schemeClr val="dk1"/>
-          </a:fontRef>
-        </p:style>
-        <p:txBody>
-          <a:bodyPr rtlCol="0" anchor="ctr"/>
-          <a:lstStyle/>
-          <a:p>
-            <a:pPr algn="ctr"/>
-            <a:endParaRPr kumimoji="1" lang="ja-JP" altLang="en-US"/>
-          </a:p>
-        </p:txBody>
-      </p:sp>
-      <p:sp>
-        <p:nvSpPr>
-          <p:cNvPr id="92" name="正方形/長方形 91"/>
-          <p:cNvSpPr/>
-          <p:nvPr/>
-        </p:nvSpPr>
-        <p:spPr>
-          <a:xfrm>
-            <a:off x="3500887" y="12799686"/>
-            <a:ext cx="1885453" cy="523220"/>
-          </a:xfrm>
-          <a:prstGeom prst="rect">
-            <a:avLst/>
-          </a:prstGeom>
-        </p:spPr>
-        <p:style>
-          <a:lnRef idx="2">
-            <a:schemeClr val="accent5"/>
-          </a:lnRef>
-          <a:fillRef idx="1">
-            <a:schemeClr val="lt1"/>
-          </a:fillRef>
-          <a:effectRef idx="0">
-            <a:schemeClr val="accent5"/>
-          </a:effectRef>
-          <a:fontRef idx="minor">
-            <a:schemeClr val="dk1"/>
-          </a:fontRef>
-        </p:style>
-        <p:txBody>
-          <a:bodyPr rot="0" spcFirstLastPara="0" vertOverflow="overflow" horzOverflow="overflow" vert="horz" wrap="none" lIns="91440" tIns="45720" rIns="91440" bIns="45720" numCol="1" spcCol="0" rtlCol="0" fromWordArt="0" anchor="ctr" anchorCtr="0" forceAA="0" compatLnSpc="1">
-            <a:prstTxWarp prst="textNoShape">
-              <a:avLst/>
-            </a:prstTxWarp>
-            <a:spAutoFit/>
-          </a:bodyPr>
-          <a:lstStyle/>
-          <a:p>
-            <a:pPr algn="ctr"/>
-            <a:r>
-              <a:rPr lang="en-US" altLang="ja-JP" sz="2800" dirty="0" smtClean="0">
-                <a:solidFill>
-                  <a:schemeClr val="accent1">
-                    <a:lumMod val="75000"/>
-                  </a:schemeClr>
-                </a:solidFill>
-                <a:latin typeface="Arial" panose="020B0604020202020204" pitchFamily="34" charset="0"/>
-                <a:cs typeface="Arial" panose="020B0604020202020204" pitchFamily="34" charset="0"/>
-              </a:rPr>
-              <a:t>kata-agent</a:t>
-            </a:r>
-            <a:endParaRPr lang="ja-JP" altLang="en-US" sz="2800" dirty="0">
-              <a:solidFill>
-                <a:schemeClr val="accent1">
-                  <a:lumMod val="75000"/>
-                </a:schemeClr>
-              </a:solidFill>
-              <a:latin typeface="Arial" panose="020B0604020202020204" pitchFamily="34" charset="0"/>
-              <a:cs typeface="Arial" panose="020B0604020202020204" pitchFamily="34" charset="0"/>
-            </a:endParaRPr>
-          </a:p>
-        </p:txBody>
-      </p:sp>
-      <p:cxnSp>
-        <p:nvCxnSpPr>
-          <p:cNvPr id="93" name="直線矢印コネクタ 92"/>
-          <p:cNvCxnSpPr/>
-          <p:nvPr/>
-        </p:nvCxnSpPr>
-        <p:spPr>
-          <a:xfrm>
-            <a:off x="4443613" y="12300884"/>
-            <a:ext cx="1" cy="498802"/>
-          </a:xfrm>
-          <a:prstGeom prst="straightConnector1">
-            <a:avLst/>
-          </a:prstGeom>
-          <a:ln w="25400">
-            <a:tailEnd type="triangle" w="lg" len="lg"/>
-          </a:ln>
-        </p:spPr>
-        <p:style>
-          <a:lnRef idx="1">
-            <a:schemeClr val="accent5"/>
-          </a:lnRef>
-          <a:fillRef idx="0">
-            <a:schemeClr val="accent5"/>
-          </a:fillRef>
-          <a:effectRef idx="0">
-            <a:schemeClr val="accent5"/>
-          </a:effectRef>
-          <a:fontRef idx="minor">
-            <a:schemeClr val="tx1"/>
-          </a:fontRef>
-        </p:style>
-      </p:cxnSp>
-      <p:cxnSp>
-        <p:nvCxnSpPr>
-          <p:cNvPr id="95" name="カギ線コネクタ 94"/>
-          <p:cNvCxnSpPr>
-            <a:stCxn id="92" idx="2"/>
-            <a:endCxn id="59" idx="0"/>
-          </p:cNvCxnSpPr>
-          <p:nvPr/>
-        </p:nvCxnSpPr>
-        <p:spPr>
-          <a:xfrm rot="5400000">
-            <a:off x="3278961" y="12857507"/>
-            <a:ext cx="699255" cy="1630052"/>
-          </a:xfrm>
-          <a:prstGeom prst="bentConnector3">
-            <a:avLst>
-              <a:gd name="adj1" fmla="val 25092"/>
-            </a:avLst>
-          </a:prstGeom>
-          <a:ln w="25400">
-            <a:tailEnd type="triangle" w="lg" len="lg"/>
-          </a:ln>
-        </p:spPr>
-        <p:style>
-          <a:lnRef idx="1">
-            <a:schemeClr val="accent5"/>
-          </a:lnRef>
-          <a:fillRef idx="0">
-            <a:schemeClr val="accent5"/>
-          </a:fillRef>
-          <a:effectRef idx="0">
-            <a:schemeClr val="accent5"/>
-          </a:effectRef>
-          <a:fontRef idx="minor">
-            <a:schemeClr val="tx1"/>
-          </a:fontRef>
-        </p:style>
-      </p:cxnSp>
-      <p:cxnSp>
-        <p:nvCxnSpPr>
-          <p:cNvPr id="96" name="カギ線コネクタ 95"/>
-          <p:cNvCxnSpPr>
-            <a:stCxn id="92" idx="2"/>
-            <a:endCxn id="72" idx="0"/>
-          </p:cNvCxnSpPr>
-          <p:nvPr/>
-        </p:nvCxnSpPr>
-        <p:spPr>
-          <a:xfrm rot="16200000" flipH="1">
-            <a:off x="4935145" y="12831375"/>
-            <a:ext cx="699255" cy="1682316"/>
-          </a:xfrm>
-          <a:prstGeom prst="bentConnector3">
-            <a:avLst>
-              <a:gd name="adj1" fmla="val 25092"/>
-            </a:avLst>
-          </a:prstGeom>
-          <a:ln w="25400">
-            <a:tailEnd type="triangle" w="lg" len="lg"/>
-          </a:ln>
-        </p:spPr>
-        <p:style>
-          <a:lnRef idx="1">
-            <a:schemeClr val="accent5"/>
-          </a:lnRef>
-          <a:fillRef idx="0">
-            <a:schemeClr val="accent5"/>
-          </a:fillRef>
-          <a:effectRef idx="0">
-            <a:schemeClr val="accent5"/>
-          </a:effectRef>
-          <a:fontRef idx="minor">
-            <a:schemeClr val="tx1"/>
-          </a:fontRef>
-        </p:style>
-      </p:cxnSp>
-      <p:sp>
-        <p:nvSpPr>
-          <p:cNvPr id="97" name="正方形/長方形 96"/>
-          <p:cNvSpPr/>
-          <p:nvPr/>
-        </p:nvSpPr>
-        <p:spPr>
-          <a:xfrm>
-            <a:off x="1187624" y="16386176"/>
-            <a:ext cx="6480720" cy="523220"/>
-          </a:xfrm>
-          <a:prstGeom prst="rect">
-            <a:avLst/>
-          </a:prstGeom>
-          <a:ln>
-            <a:solidFill>
-              <a:schemeClr val="tx1">
-                <a:lumMod val="65000"/>
-                <a:lumOff val="35000"/>
-              </a:schemeClr>
-            </a:solidFill>
-          </a:ln>
-        </p:spPr>
-        <p:style>
-          <a:lnRef idx="2">
-            <a:schemeClr val="dk1"/>
-          </a:lnRef>
-          <a:fillRef idx="1">
-            <a:schemeClr val="lt1"/>
-          </a:fillRef>
-          <a:effectRef idx="0">
-            <a:schemeClr val="dk1"/>
-          </a:effectRef>
-          <a:fontRef idx="minor">
-            <a:schemeClr val="dk1"/>
-          </a:fontRef>
-        </p:style>
-        <p:txBody>
-          <a:bodyPr rot="0" spcFirstLastPara="0" vertOverflow="overflow" horzOverflow="overflow" vert="horz" wrap="square" lIns="91440" tIns="45720" rIns="91440" bIns="45720" numCol="1" spcCol="0" rtlCol="0" fromWordArt="0" anchor="ctr" anchorCtr="0" forceAA="0" compatLnSpc="1">
-            <a:prstTxWarp prst="textNoShape">
-              <a:avLst/>
-            </a:prstTxWarp>
-            <a:spAutoFit/>
-          </a:bodyPr>
-          <a:lstStyle/>
-          <a:p>
-            <a:pPr algn="ctr"/>
-            <a:r>
-              <a:rPr lang="en-US" altLang="ja-JP" sz="2800" dirty="0" smtClean="0">
-                <a:solidFill>
-                  <a:schemeClr val="tx1">
-                    <a:lumMod val="65000"/>
-                    <a:lumOff val="35000"/>
-                  </a:schemeClr>
-                </a:solidFill>
-                <a:latin typeface="Arial" panose="020B0604020202020204" pitchFamily="34" charset="0"/>
-                <a:cs typeface="Arial" panose="020B0604020202020204" pitchFamily="34" charset="0"/>
-              </a:rPr>
-              <a:t>Hypervisor (QEMU, etc.)</a:t>
-            </a:r>
-            <a:endParaRPr lang="ja-JP" altLang="en-US" sz="2800" dirty="0">
-              <a:solidFill>
-                <a:schemeClr val="tx1">
-                  <a:lumMod val="65000"/>
-                  <a:lumOff val="35000"/>
-                </a:schemeClr>
-              </a:solidFill>
-              <a:latin typeface="Arial" panose="020B0604020202020204" pitchFamily="34" charset="0"/>
-              <a:cs typeface="Arial" panose="020B0604020202020204" pitchFamily="34" charset="0"/>
-            </a:endParaRPr>
-          </a:p>
-        </p:txBody>
-      </p:sp>
-      <p:cxnSp>
-        <p:nvCxnSpPr>
-          <p:cNvPr id="100" name="カギ線コネクタ 99"/>
-          <p:cNvCxnSpPr>
-            <a:stCxn id="65" idx="1"/>
-            <a:endCxn id="51" idx="1"/>
-          </p:cNvCxnSpPr>
-          <p:nvPr/>
-        </p:nvCxnSpPr>
-        <p:spPr>
-          <a:xfrm rot="10800000" flipH="1" flipV="1">
-            <a:off x="1506680" y="9612996"/>
-            <a:ext cx="2004626" cy="2426277"/>
-          </a:xfrm>
-          <a:prstGeom prst="bentConnector3">
-            <a:avLst>
-              <a:gd name="adj1" fmla="val -16473"/>
-            </a:avLst>
-          </a:prstGeom>
-          <a:ln w="25400">
-            <a:prstDash val="sysDash"/>
-            <a:tailEnd type="triangle" w="lg" len="lg"/>
-          </a:ln>
-        </p:spPr>
-        <p:style>
-          <a:lnRef idx="1">
-            <a:schemeClr val="accent5"/>
-          </a:lnRef>
-          <a:fillRef idx="0">
-            <a:schemeClr val="accent5"/>
-          </a:fillRef>
-          <a:effectRef idx="0">
-            <a:schemeClr val="accent5"/>
-          </a:effectRef>
-          <a:fontRef idx="minor">
-            <a:schemeClr val="tx1"/>
-          </a:fontRef>
-        </p:style>
-      </p:cxnSp>
-      <p:cxnSp>
-        <p:nvCxnSpPr>
-          <p:cNvPr id="101" name="カギ線コネクタ 100"/>
-          <p:cNvCxnSpPr>
-            <a:stCxn id="65" idx="1"/>
-            <a:endCxn id="97" idx="1"/>
-          </p:cNvCxnSpPr>
-          <p:nvPr/>
-        </p:nvCxnSpPr>
-        <p:spPr>
-          <a:xfrm rot="10800000" flipV="1">
-            <a:off x="1187624" y="9612996"/>
-            <a:ext cx="319056" cy="7034789"/>
-          </a:xfrm>
-          <a:prstGeom prst="bentConnector3">
-            <a:avLst>
-              <a:gd name="adj1" fmla="val 198944"/>
-            </a:avLst>
-          </a:prstGeom>
-          <a:ln w="25400">
-            <a:prstDash val="sysDash"/>
-            <a:tailEnd type="triangle" w="lg" len="lg"/>
-          </a:ln>
-        </p:spPr>
-        <p:style>
-          <a:lnRef idx="1">
-            <a:schemeClr val="accent5"/>
-          </a:lnRef>
-          <a:fillRef idx="0">
-            <a:schemeClr val="accent5"/>
-          </a:fillRef>
-          <a:effectRef idx="0">
-            <a:schemeClr val="accent5"/>
-          </a:effectRef>
-          <a:fontRef idx="minor">
-            <a:schemeClr val="tx1"/>
-          </a:fontRef>
-        </p:style>
-      </p:cxnSp>
-      <p:cxnSp>
-        <p:nvCxnSpPr>
-          <p:cNvPr id="102" name="直線矢印コネクタ 101"/>
-          <p:cNvCxnSpPr>
-            <a:stCxn id="97" idx="0"/>
-            <a:endCxn id="91" idx="2"/>
-          </p:cNvCxnSpPr>
-          <p:nvPr/>
-        </p:nvCxnSpPr>
-        <p:spPr>
-          <a:xfrm flipV="1">
-            <a:off x="4427984" y="16098144"/>
-            <a:ext cx="0" cy="288032"/>
-          </a:xfrm>
-          <a:prstGeom prst="straightConnector1">
-            <a:avLst/>
-          </a:prstGeom>
-          <a:ln w="25400">
-            <a:tailEnd type="triangle" w="lg" len="lg"/>
-          </a:ln>
-        </p:spPr>
-        <p:style>
-          <a:lnRef idx="1">
-            <a:schemeClr val="accent5"/>
-          </a:lnRef>
-          <a:fillRef idx="0">
-            <a:schemeClr val="accent5"/>
-          </a:fillRef>
-          <a:effectRef idx="0">
-            <a:schemeClr val="accent5"/>
-          </a:effectRef>
-          <a:fontRef idx="minor">
-            <a:schemeClr val="tx1"/>
-          </a:fontRef>
-        </p:style>
-      </p:cxnSp>
-      <p:sp>
-        <p:nvSpPr>
-          <p:cNvPr id="55" name="対角する 2 つの角を丸めた四角形 54"/>
-          <p:cNvSpPr/>
-          <p:nvPr/>
-        </p:nvSpPr>
-        <p:spPr>
-          <a:xfrm>
-            <a:off x="1180799" y="12488400"/>
-            <a:ext cx="2088000" cy="288000"/>
-          </a:xfrm>
-          <a:prstGeom prst="round2DiagRect">
-            <a:avLst/>
-          </a:prstGeom>
-          <a:effectLst/>
-        </p:spPr>
-        <p:style>
-          <a:lnRef idx="1">
-            <a:schemeClr val="dk1"/>
-          </a:lnRef>
-          <a:fillRef idx="2">
-            <a:schemeClr val="dk1"/>
-          </a:fillRef>
-          <a:effectRef idx="1">
-            <a:schemeClr val="dk1"/>
-          </a:effectRef>
-          <a:fontRef idx="minor">
-            <a:schemeClr val="dk1"/>
-          </a:fontRef>
-        </p:style>
-        <p:txBody>
-          <a:bodyPr wrap="none" lIns="36000" tIns="36000" rIns="36000" bIns="36000" rtlCol="0" anchor="ctr"/>
-          <a:lstStyle/>
-          <a:p>
-            <a:pPr algn="ctr">
-              <a:lnSpc>
-                <a:spcPts val="1460"/>
-              </a:lnSpc>
-            </a:pPr>
-            <a:r>
-              <a:rPr lang="en-US" altLang="ja-JP" dirty="0">
-                <a:solidFill>
-                  <a:schemeClr val="tx1">
-                    <a:lumMod val="75000"/>
-                    <a:lumOff val="25000"/>
-                  </a:schemeClr>
-                </a:solidFill>
-              </a:rPr>
-              <a:t>VM (Clear </a:t>
-            </a:r>
-            <a:r>
-              <a:rPr lang="en-US" altLang="ja-JP" dirty="0" smtClean="0">
-                <a:solidFill>
-                  <a:schemeClr val="tx1">
-                    <a:lumMod val="75000"/>
-                    <a:lumOff val="25000"/>
-                  </a:schemeClr>
-                </a:solidFill>
-              </a:rPr>
-              <a:t>Linux, etc.)</a:t>
-            </a:r>
-            <a:endParaRPr kumimoji="1" lang="ja-JP" altLang="en-US" dirty="0">
-              <a:solidFill>
-                <a:schemeClr val="tx1">
-                  <a:lumMod val="75000"/>
-                  <a:lumOff val="25000"/>
-                </a:schemeClr>
-              </a:solidFill>
-            </a:endParaRPr>
-          </a:p>
-        </p:txBody>
-      </p:sp>
     </p:spTree>
     <p:extLst>
       <p:ext uri="{BB962C8B-B14F-4D97-AF65-F5344CB8AC3E}">
-        <p14:creationId xmlns:p14="http://schemas.microsoft.com/office/powerpoint/2010/main" val="373314258"/>
+        <p14:creationId xmlns:p14="http://schemas.microsoft.com/office/powerpoint/2010/main" val="8378141"/>
       </p:ext>
     </p:extLst>
   </p:cSld>

--- a/static/images/k8s-ecosystem-container-runtimes/container-runtime.pptx
+++ b/static/images/k8s-ecosystem-container-runtimes/container-runtime.pptx
@@ -18,6 +18,7 @@
     <p:sldId id="268" r:id="rId12"/>
     <p:sldId id="269" r:id="rId13"/>
     <p:sldId id="270" r:id="rId14"/>
+    <p:sldId id="272" r:id="rId15"/>
   </p:sldIdLst>
   <p:sldSz cx="9144000" cy="51206400"/>
   <p:notesSz cx="6858000" cy="9144000"/>
@@ -300,7 +301,7 @@
           <a:p>
             <a:fld id="{1C257373-2D96-432C-8559-9F0547ADC7C2}" type="datetimeFigureOut">
               <a:rPr kumimoji="1" lang="ja-JP" altLang="en-US" smtClean="0"/>
-              <a:t>2019/6/16</a:t>
+              <a:t>2019/6/18</a:t>
             </a:fld>
             <a:endParaRPr kumimoji="1" lang="ja-JP" altLang="en-US"/>
           </a:p>
@@ -502,7 +503,7 @@
           <a:p>
             <a:fld id="{1C257373-2D96-432C-8559-9F0547ADC7C2}" type="datetimeFigureOut">
               <a:rPr kumimoji="1" lang="ja-JP" altLang="en-US" smtClean="0"/>
-              <a:t>2019/6/16</a:t>
+              <a:t>2019/6/18</a:t>
             </a:fld>
             <a:endParaRPr kumimoji="1" lang="ja-JP" altLang="en-US"/>
           </a:p>
@@ -714,7 +715,7 @@
           <a:p>
             <a:fld id="{1C257373-2D96-432C-8559-9F0547ADC7C2}" type="datetimeFigureOut">
               <a:rPr kumimoji="1" lang="ja-JP" altLang="en-US" smtClean="0"/>
-              <a:t>2019/6/16</a:t>
+              <a:t>2019/6/18</a:t>
             </a:fld>
             <a:endParaRPr kumimoji="1" lang="ja-JP" altLang="en-US"/>
           </a:p>
@@ -916,7 +917,7 @@
           <a:p>
             <a:fld id="{1C257373-2D96-432C-8559-9F0547ADC7C2}" type="datetimeFigureOut">
               <a:rPr kumimoji="1" lang="ja-JP" altLang="en-US" smtClean="0"/>
-              <a:t>2019/6/16</a:t>
+              <a:t>2019/6/18</a:t>
             </a:fld>
             <a:endParaRPr kumimoji="1" lang="ja-JP" altLang="en-US"/>
           </a:p>
@@ -1162,7 +1163,7 @@
           <a:p>
             <a:fld id="{1C257373-2D96-432C-8559-9F0547ADC7C2}" type="datetimeFigureOut">
               <a:rPr kumimoji="1" lang="ja-JP" altLang="en-US" smtClean="0"/>
-              <a:t>2019/6/16</a:t>
+              <a:t>2019/6/18</a:t>
             </a:fld>
             <a:endParaRPr kumimoji="1" lang="ja-JP" altLang="en-US"/>
           </a:p>
@@ -1514,7 +1515,7 @@
           <a:p>
             <a:fld id="{1C257373-2D96-432C-8559-9F0547ADC7C2}" type="datetimeFigureOut">
               <a:rPr kumimoji="1" lang="ja-JP" altLang="en-US" smtClean="0"/>
-              <a:t>2019/6/16</a:t>
+              <a:t>2019/6/18</a:t>
             </a:fld>
             <a:endParaRPr kumimoji="1" lang="ja-JP" altLang="en-US"/>
           </a:p>
@@ -2000,7 +2001,7 @@
           <a:p>
             <a:fld id="{1C257373-2D96-432C-8559-9F0547ADC7C2}" type="datetimeFigureOut">
               <a:rPr kumimoji="1" lang="ja-JP" altLang="en-US" smtClean="0"/>
-              <a:t>2019/6/16</a:t>
+              <a:t>2019/6/18</a:t>
             </a:fld>
             <a:endParaRPr kumimoji="1" lang="ja-JP" altLang="en-US"/>
           </a:p>
@@ -2118,7 +2119,7 @@
           <a:p>
             <a:fld id="{1C257373-2D96-432C-8559-9F0547ADC7C2}" type="datetimeFigureOut">
               <a:rPr kumimoji="1" lang="ja-JP" altLang="en-US" smtClean="0"/>
-              <a:t>2019/6/16</a:t>
+              <a:t>2019/6/18</a:t>
             </a:fld>
             <a:endParaRPr kumimoji="1" lang="ja-JP" altLang="en-US"/>
           </a:p>
@@ -2213,7 +2214,7 @@
           <a:p>
             <a:fld id="{1C257373-2D96-432C-8559-9F0547ADC7C2}" type="datetimeFigureOut">
               <a:rPr kumimoji="1" lang="ja-JP" altLang="en-US" smtClean="0"/>
-              <a:t>2019/6/16</a:t>
+              <a:t>2019/6/18</a:t>
             </a:fld>
             <a:endParaRPr kumimoji="1" lang="ja-JP" altLang="en-US"/>
           </a:p>
@@ -2522,7 +2523,7 @@
           <a:p>
             <a:fld id="{1C257373-2D96-432C-8559-9F0547ADC7C2}" type="datetimeFigureOut">
               <a:rPr kumimoji="1" lang="ja-JP" altLang="en-US" smtClean="0"/>
-              <a:t>2019/6/16</a:t>
+              <a:t>2019/6/18</a:t>
             </a:fld>
             <a:endParaRPr kumimoji="1" lang="ja-JP" altLang="en-US"/>
           </a:p>
@@ -2775,7 +2776,7 @@
           <a:p>
             <a:fld id="{1C257373-2D96-432C-8559-9F0547ADC7C2}" type="datetimeFigureOut">
               <a:rPr kumimoji="1" lang="ja-JP" altLang="en-US" smtClean="0"/>
-              <a:t>2019/6/16</a:t>
+              <a:t>2019/6/18</a:t>
             </a:fld>
             <a:endParaRPr kumimoji="1" lang="ja-JP" altLang="en-US"/>
           </a:p>
@@ -3020,7 +3021,7 @@
           <a:p>
             <a:fld id="{1C257373-2D96-432C-8559-9F0547ADC7C2}" type="datetimeFigureOut">
               <a:rPr kumimoji="1" lang="ja-JP" altLang="en-US" smtClean="0"/>
-              <a:t>2019/6/16</a:t>
+              <a:t>2019/6/18</a:t>
             </a:fld>
             <a:endParaRPr kumimoji="1" lang="ja-JP" altLang="en-US"/>
           </a:p>
@@ -10735,6 +10736,2083 @@
 </p:sld>
 </file>
 
+<file path=ppt/slides/slide14.xml><?xml version="1.0" encoding="utf-8"?>
+<p:sld xmlns:a="http://schemas.openxmlformats.org/drawingml/2006/main" xmlns:r="http://schemas.openxmlformats.org/officeDocument/2006/relationships" xmlns:p="http://schemas.openxmlformats.org/presentationml/2006/main">
+  <p:cSld>
+    <p:spTree>
+      <p:nvGrpSpPr>
+        <p:cNvPr id="1" name=""/>
+        <p:cNvGrpSpPr/>
+        <p:nvPr/>
+      </p:nvGrpSpPr>
+      <p:grpSpPr>
+        <a:xfrm>
+          <a:off x="0" y="0"/>
+          <a:ext cx="0" cy="0"/>
+          <a:chOff x="0" y="0"/>
+          <a:chExt cx="0" cy="0"/>
+        </a:xfrm>
+      </p:grpSpPr>
+      <p:grpSp>
+        <p:nvGrpSpPr>
+          <p:cNvPr id="23" name="グループ化 22"/>
+          <p:cNvGrpSpPr/>
+          <p:nvPr/>
+        </p:nvGrpSpPr>
+        <p:grpSpPr>
+          <a:xfrm>
+            <a:off x="555791" y="1624536"/>
+            <a:ext cx="8136904" cy="707886"/>
+            <a:chOff x="395536" y="1624536"/>
+            <a:chExt cx="8136904" cy="707886"/>
+          </a:xfrm>
+        </p:grpSpPr>
+        <p:sp>
+          <p:nvSpPr>
+            <p:cNvPr id="2" name="テキスト ボックス 1"/>
+            <p:cNvSpPr txBox="1"/>
+            <p:nvPr/>
+          </p:nvSpPr>
+          <p:spPr>
+            <a:xfrm>
+              <a:off x="395536" y="1624536"/>
+              <a:ext cx="1440160" cy="707886"/>
+            </a:xfrm>
+            <a:prstGeom prst="rect">
+              <a:avLst/>
+            </a:prstGeom>
+            <a:noFill/>
+          </p:spPr>
+          <p:txBody>
+            <a:bodyPr wrap="square" rtlCol="0">
+              <a:spAutoFit/>
+            </a:bodyPr>
+            <a:lstStyle/>
+            <a:p>
+              <a:r>
+                <a:rPr kumimoji="1" lang="en-US" altLang="ja-JP" sz="4000" dirty="0" smtClean="0">
+                  <a:latin typeface="IBM 3270" panose="02000603000000000000" pitchFamily="2" charset="0"/>
+                  <a:ea typeface="IBM 3270" panose="02000603000000000000" pitchFamily="2" charset="0"/>
+                </a:rPr>
+                <a:t>2013</a:t>
+              </a:r>
+              <a:endParaRPr kumimoji="1" lang="ja-JP" altLang="en-US" sz="4000" dirty="0">
+                <a:latin typeface="IBM 3270" panose="02000603000000000000" pitchFamily="2" charset="0"/>
+              </a:endParaRPr>
+            </a:p>
+          </p:txBody>
+        </p:sp>
+        <p:cxnSp>
+          <p:nvCxnSpPr>
+            <p:cNvPr id="4" name="直線コネクタ 3"/>
+            <p:cNvCxnSpPr>
+              <a:stCxn id="2" idx="3"/>
+            </p:cNvCxnSpPr>
+            <p:nvPr/>
+          </p:nvCxnSpPr>
+          <p:spPr>
+            <a:xfrm>
+              <a:off x="1835696" y="1978479"/>
+              <a:ext cx="6696744" cy="0"/>
+            </a:xfrm>
+            <a:prstGeom prst="line">
+              <a:avLst/>
+            </a:prstGeom>
+            <a:ln>
+              <a:solidFill>
+                <a:schemeClr val="tx1">
+                  <a:lumMod val="65000"/>
+                  <a:lumOff val="35000"/>
+                </a:schemeClr>
+              </a:solidFill>
+              <a:prstDash val="sysDot"/>
+            </a:ln>
+          </p:spPr>
+          <p:style>
+            <a:lnRef idx="1">
+              <a:schemeClr val="dk1"/>
+            </a:lnRef>
+            <a:fillRef idx="0">
+              <a:schemeClr val="dk1"/>
+            </a:fillRef>
+            <a:effectRef idx="0">
+              <a:schemeClr val="dk1"/>
+            </a:effectRef>
+            <a:fontRef idx="minor">
+              <a:schemeClr val="tx1"/>
+            </a:fontRef>
+          </p:style>
+        </p:cxnSp>
+      </p:grpSp>
+      <p:pic>
+        <p:nvPicPr>
+          <p:cNvPr id="5" name="Picture 3" descr="C:\Users\kaitoy\Desktop\bin\pleiades\workspace\blog\static\images\docker.png"/>
+          <p:cNvPicPr>
+            <a:picLocks noChangeAspect="1" noChangeArrowheads="1"/>
+          </p:cNvPicPr>
+          <p:nvPr/>
+        </p:nvPicPr>
+        <p:blipFill>
+          <a:blip r:embed="rId2">
+            <a:extLst>
+              <a:ext uri="{28A0092B-C50C-407E-A947-70E740481C1C}">
+                <a14:useLocalDpi xmlns:a14="http://schemas.microsoft.com/office/drawing/2010/main" val="0"/>
+              </a:ext>
+            </a:extLst>
+          </a:blip>
+          <a:srcRect/>
+          <a:stretch>
+            <a:fillRect/>
+          </a:stretch>
+        </p:blipFill>
+        <p:spPr bwMode="auto">
+          <a:xfrm>
+            <a:off x="3382130" y="2161126"/>
+            <a:ext cx="2484228" cy="2055698"/>
+          </a:xfrm>
+          <a:prstGeom prst="rect">
+            <a:avLst/>
+          </a:prstGeom>
+          <a:noFill/>
+          <a:extLst>
+            <a:ext uri="{909E8E84-426E-40DD-AFC4-6F175D3DCCD1}">
+              <a14:hiddenFill xmlns:a14="http://schemas.microsoft.com/office/drawing/2010/main">
+                <a:solidFill>
+                  <a:srgbClr val="FFFFFF"/>
+                </a:solidFill>
+              </a14:hiddenFill>
+            </a:ext>
+          </a:extLst>
+        </p:spPr>
+      </p:pic>
+      <p:grpSp>
+        <p:nvGrpSpPr>
+          <p:cNvPr id="25" name="グループ化 24"/>
+          <p:cNvGrpSpPr/>
+          <p:nvPr/>
+        </p:nvGrpSpPr>
+        <p:grpSpPr>
+          <a:xfrm>
+            <a:off x="555791" y="6053028"/>
+            <a:ext cx="8136904" cy="707886"/>
+            <a:chOff x="395536" y="5519065"/>
+            <a:chExt cx="8136904" cy="707886"/>
+          </a:xfrm>
+        </p:grpSpPr>
+        <p:sp>
+          <p:nvSpPr>
+            <p:cNvPr id="6" name="テキスト ボックス 5"/>
+            <p:cNvSpPr txBox="1"/>
+            <p:nvPr/>
+          </p:nvSpPr>
+          <p:spPr>
+            <a:xfrm>
+              <a:off x="395536" y="5519065"/>
+              <a:ext cx="1440160" cy="707886"/>
+            </a:xfrm>
+            <a:prstGeom prst="rect">
+              <a:avLst/>
+            </a:prstGeom>
+            <a:noFill/>
+          </p:spPr>
+          <p:txBody>
+            <a:bodyPr wrap="square" rtlCol="0">
+              <a:spAutoFit/>
+            </a:bodyPr>
+            <a:lstStyle/>
+            <a:p>
+              <a:r>
+                <a:rPr kumimoji="1" lang="en-US" altLang="ja-JP" sz="4000" dirty="0" smtClean="0">
+                  <a:latin typeface="IBM 3270" panose="02000603000000000000" pitchFamily="2" charset="0"/>
+                  <a:ea typeface="IBM 3270" panose="02000603000000000000" pitchFamily="2" charset="0"/>
+                </a:rPr>
+                <a:t>2014</a:t>
+              </a:r>
+              <a:endParaRPr kumimoji="1" lang="ja-JP" altLang="en-US" sz="4000" dirty="0">
+                <a:latin typeface="IBM 3270" panose="02000603000000000000" pitchFamily="2" charset="0"/>
+              </a:endParaRPr>
+            </a:p>
+          </p:txBody>
+        </p:sp>
+        <p:cxnSp>
+          <p:nvCxnSpPr>
+            <p:cNvPr id="7" name="直線コネクタ 6"/>
+            <p:cNvCxnSpPr>
+              <a:stCxn id="6" idx="3"/>
+            </p:cNvCxnSpPr>
+            <p:nvPr/>
+          </p:nvCxnSpPr>
+          <p:spPr>
+            <a:xfrm>
+              <a:off x="1835696" y="5873008"/>
+              <a:ext cx="6696744" cy="0"/>
+            </a:xfrm>
+            <a:prstGeom prst="line">
+              <a:avLst/>
+            </a:prstGeom>
+            <a:ln>
+              <a:solidFill>
+                <a:schemeClr val="tx1">
+                  <a:lumMod val="65000"/>
+                  <a:lumOff val="35000"/>
+                </a:schemeClr>
+              </a:solidFill>
+              <a:prstDash val="sysDot"/>
+            </a:ln>
+          </p:spPr>
+          <p:style>
+            <a:lnRef idx="1">
+              <a:schemeClr val="dk1"/>
+            </a:lnRef>
+            <a:fillRef idx="0">
+              <a:schemeClr val="dk1"/>
+            </a:fillRef>
+            <a:effectRef idx="0">
+              <a:schemeClr val="dk1"/>
+            </a:effectRef>
+            <a:fontRef idx="minor">
+              <a:schemeClr val="tx1"/>
+            </a:fontRef>
+          </p:style>
+        </p:cxnSp>
+      </p:grpSp>
+      <p:grpSp>
+        <p:nvGrpSpPr>
+          <p:cNvPr id="26" name="グループ化 25"/>
+          <p:cNvGrpSpPr/>
+          <p:nvPr/>
+        </p:nvGrpSpPr>
+        <p:grpSpPr>
+          <a:xfrm>
+            <a:off x="555791" y="10481520"/>
+            <a:ext cx="8136904" cy="707886"/>
+            <a:chOff x="395536" y="9983561"/>
+            <a:chExt cx="8136904" cy="707886"/>
+          </a:xfrm>
+        </p:grpSpPr>
+        <p:sp>
+          <p:nvSpPr>
+            <p:cNvPr id="8" name="テキスト ボックス 7"/>
+            <p:cNvSpPr txBox="1"/>
+            <p:nvPr/>
+          </p:nvSpPr>
+          <p:spPr>
+            <a:xfrm>
+              <a:off x="395536" y="9983561"/>
+              <a:ext cx="1440160" cy="707886"/>
+            </a:xfrm>
+            <a:prstGeom prst="rect">
+              <a:avLst/>
+            </a:prstGeom>
+            <a:noFill/>
+          </p:spPr>
+          <p:txBody>
+            <a:bodyPr wrap="square" rtlCol="0">
+              <a:spAutoFit/>
+            </a:bodyPr>
+            <a:lstStyle/>
+            <a:p>
+              <a:r>
+                <a:rPr kumimoji="1" lang="en-US" altLang="ja-JP" sz="4000" dirty="0" smtClean="0">
+                  <a:latin typeface="IBM 3270" panose="02000603000000000000" pitchFamily="2" charset="0"/>
+                  <a:ea typeface="IBM 3270" panose="02000603000000000000" pitchFamily="2" charset="0"/>
+                </a:rPr>
+                <a:t>2015</a:t>
+              </a:r>
+              <a:endParaRPr kumimoji="1" lang="ja-JP" altLang="en-US" sz="4000" dirty="0">
+                <a:latin typeface="IBM 3270" panose="02000603000000000000" pitchFamily="2" charset="0"/>
+              </a:endParaRPr>
+            </a:p>
+          </p:txBody>
+        </p:sp>
+        <p:cxnSp>
+          <p:nvCxnSpPr>
+            <p:cNvPr id="9" name="直線コネクタ 8"/>
+            <p:cNvCxnSpPr>
+              <a:stCxn id="8" idx="3"/>
+            </p:cNvCxnSpPr>
+            <p:nvPr/>
+          </p:nvCxnSpPr>
+          <p:spPr>
+            <a:xfrm>
+              <a:off x="1835696" y="10337504"/>
+              <a:ext cx="6696744" cy="0"/>
+            </a:xfrm>
+            <a:prstGeom prst="line">
+              <a:avLst/>
+            </a:prstGeom>
+            <a:ln>
+              <a:solidFill>
+                <a:schemeClr val="tx1">
+                  <a:lumMod val="65000"/>
+                  <a:lumOff val="35000"/>
+                </a:schemeClr>
+              </a:solidFill>
+              <a:prstDash val="sysDot"/>
+            </a:ln>
+          </p:spPr>
+          <p:style>
+            <a:lnRef idx="1">
+              <a:schemeClr val="dk1"/>
+            </a:lnRef>
+            <a:fillRef idx="0">
+              <a:schemeClr val="dk1"/>
+            </a:fillRef>
+            <a:effectRef idx="0">
+              <a:schemeClr val="dk1"/>
+            </a:effectRef>
+            <a:fontRef idx="minor">
+              <a:schemeClr val="tx1"/>
+            </a:fontRef>
+          </p:style>
+        </p:cxnSp>
+      </p:grpSp>
+      <p:pic>
+        <p:nvPicPr>
+          <p:cNvPr id="1026" name="Picture 2" descr="C:\Users\kaitoy\Desktop\rkt.png"/>
+          <p:cNvPicPr>
+            <a:picLocks noChangeAspect="1" noChangeArrowheads="1"/>
+          </p:cNvPicPr>
+          <p:nvPr/>
+        </p:nvPicPr>
+        <p:blipFill>
+          <a:blip r:embed="rId3" cstate="print">
+            <a:extLst>
+              <a:ext uri="{28A0092B-C50C-407E-A947-70E740481C1C}">
+                <a14:useLocalDpi xmlns:a14="http://schemas.microsoft.com/office/drawing/2010/main" val="0"/>
+              </a:ext>
+            </a:extLst>
+          </a:blip>
+          <a:srcRect/>
+          <a:stretch>
+            <a:fillRect/>
+          </a:stretch>
+        </p:blipFill>
+        <p:spPr bwMode="auto">
+          <a:xfrm>
+            <a:off x="3901226" y="10049220"/>
+            <a:ext cx="1446034" cy="576316"/>
+          </a:xfrm>
+          <a:prstGeom prst="rect">
+            <a:avLst/>
+          </a:prstGeom>
+          <a:noFill/>
+          <a:extLst>
+            <a:ext uri="{909E8E84-426E-40DD-AFC4-6F175D3DCCD1}">
+              <a14:hiddenFill xmlns:a14="http://schemas.microsoft.com/office/drawing/2010/main">
+                <a:solidFill>
+                  <a:srgbClr val="FFFFFF"/>
+                </a:solidFill>
+              </a14:hiddenFill>
+            </a:ext>
+          </a:extLst>
+        </p:spPr>
+      </p:pic>
+      <p:grpSp>
+        <p:nvGrpSpPr>
+          <p:cNvPr id="11" name="グループ化 10"/>
+          <p:cNvGrpSpPr/>
+          <p:nvPr/>
+        </p:nvGrpSpPr>
+        <p:grpSpPr>
+          <a:xfrm>
+            <a:off x="1331640" y="10746606"/>
+            <a:ext cx="5562156" cy="2183186"/>
+            <a:chOff x="2205458" y="10625536"/>
+            <a:chExt cx="5562156" cy="2183186"/>
+          </a:xfrm>
+        </p:grpSpPr>
+        <p:pic>
+          <p:nvPicPr>
+            <p:cNvPr id="1028" name="Picture 4" descr="http://logok.org/wp-content/uploads/2014/12/Windows-logo-880x645.png"/>
+            <p:cNvPicPr>
+              <a:picLocks noChangeAspect="1" noChangeArrowheads="1"/>
+            </p:cNvPicPr>
+            <p:nvPr/>
+          </p:nvPicPr>
+          <p:blipFill>
+            <a:blip r:embed="rId4" cstate="print">
+              <a:extLst>
+                <a:ext uri="{28A0092B-C50C-407E-A947-70E740481C1C}">
+                  <a14:useLocalDpi xmlns:a14="http://schemas.microsoft.com/office/drawing/2010/main" val="0"/>
+                </a:ext>
+              </a:extLst>
+            </a:blip>
+            <a:srcRect/>
+            <a:stretch>
+              <a:fillRect/>
+            </a:stretch>
+          </p:blipFill>
+          <p:spPr bwMode="auto">
+            <a:xfrm>
+              <a:off x="2205458" y="10625536"/>
+              <a:ext cx="2978610" cy="2183186"/>
+            </a:xfrm>
+            <a:prstGeom prst="rect">
+              <a:avLst/>
+            </a:prstGeom>
+            <a:noFill/>
+            <a:extLst>
+              <a:ext uri="{909E8E84-426E-40DD-AFC4-6F175D3DCCD1}">
+                <a14:hiddenFill xmlns:a14="http://schemas.microsoft.com/office/drawing/2010/main">
+                  <a:solidFill>
+                    <a:srgbClr val="FFFFFF"/>
+                  </a:solidFill>
+                </a14:hiddenFill>
+              </a:ext>
+            </a:extLst>
+          </p:spPr>
+        </p:pic>
+        <p:sp>
+          <p:nvSpPr>
+            <p:cNvPr id="12" name="正方形/長方形 11"/>
+            <p:cNvSpPr/>
+            <p:nvPr/>
+          </p:nvSpPr>
+          <p:spPr>
+            <a:xfrm>
+              <a:off x="4283968" y="11455519"/>
+              <a:ext cx="3483646" cy="523220"/>
+            </a:xfrm>
+            <a:prstGeom prst="rect">
+              <a:avLst/>
+            </a:prstGeom>
+            <a:ln>
+              <a:noFill/>
+            </a:ln>
+          </p:spPr>
+          <p:style>
+            <a:lnRef idx="2">
+              <a:schemeClr val="accent5"/>
+            </a:lnRef>
+            <a:fillRef idx="1">
+              <a:schemeClr val="lt1"/>
+            </a:fillRef>
+            <a:effectRef idx="0">
+              <a:schemeClr val="accent5"/>
+            </a:effectRef>
+            <a:fontRef idx="minor">
+              <a:schemeClr val="dk1"/>
+            </a:fontRef>
+          </p:style>
+          <p:txBody>
+            <a:bodyPr rot="0" spcFirstLastPara="0" vertOverflow="overflow" horzOverflow="overflow" vert="horz" wrap="none" lIns="91440" tIns="45720" rIns="91440" bIns="45720" numCol="1" spcCol="0" rtlCol="0" fromWordArt="0" anchor="ctr" anchorCtr="0" forceAA="0" compatLnSpc="1">
+              <a:prstTxWarp prst="textNoShape">
+                <a:avLst/>
+              </a:prstTxWarp>
+              <a:spAutoFit/>
+            </a:bodyPr>
+            <a:lstStyle/>
+            <a:p>
+              <a:pPr algn="ctr"/>
+              <a:r>
+                <a:rPr lang="en-US" altLang="ja-JP" sz="2800" dirty="0" smtClean="0">
+                  <a:solidFill>
+                    <a:schemeClr val="accent1">
+                      <a:lumMod val="75000"/>
+                    </a:schemeClr>
+                  </a:solidFill>
+                  <a:latin typeface="Arial" panose="020B0604020202020204" pitchFamily="34" charset="0"/>
+                  <a:cs typeface="Arial" panose="020B0604020202020204" pitchFamily="34" charset="0"/>
+                </a:rPr>
+                <a:t>Windows</a:t>
+              </a:r>
+              <a:r>
+                <a:rPr lang="ja-JP" altLang="en-US" sz="2800" dirty="0" smtClean="0">
+                  <a:solidFill>
+                    <a:schemeClr val="accent1">
+                      <a:lumMod val="75000"/>
+                    </a:schemeClr>
+                  </a:solidFill>
+                  <a:latin typeface="Arial" panose="020B0604020202020204" pitchFamily="34" charset="0"/>
+                  <a:cs typeface="Arial" panose="020B0604020202020204" pitchFamily="34" charset="0"/>
+                </a:rPr>
+                <a:t> </a:t>
+              </a:r>
+              <a:r>
+                <a:rPr lang="en-US" altLang="ja-JP" sz="2800" dirty="0" smtClean="0">
+                  <a:solidFill>
+                    <a:schemeClr val="accent1">
+                      <a:lumMod val="75000"/>
+                    </a:schemeClr>
+                  </a:solidFill>
+                  <a:latin typeface="Arial" panose="020B0604020202020204" pitchFamily="34" charset="0"/>
+                  <a:cs typeface="Arial" panose="020B0604020202020204" pitchFamily="34" charset="0"/>
+                </a:rPr>
+                <a:t>Containers</a:t>
+              </a:r>
+              <a:endParaRPr lang="ja-JP" altLang="en-US" sz="2800" dirty="0">
+                <a:solidFill>
+                  <a:schemeClr val="accent1">
+                    <a:lumMod val="75000"/>
+                  </a:schemeClr>
+                </a:solidFill>
+                <a:latin typeface="Arial" panose="020B0604020202020204" pitchFamily="34" charset="0"/>
+                <a:cs typeface="Arial" panose="020B0604020202020204" pitchFamily="34" charset="0"/>
+              </a:endParaRPr>
+            </a:p>
+          </p:txBody>
+        </p:sp>
+      </p:grpSp>
+      <p:pic>
+        <p:nvPicPr>
+          <p:cNvPr id="1030" name="Picture 6" descr="https://www.opencontainers.org/wp-content/uploads/sites/10/2016/10/logo_oci.png"/>
+          <p:cNvPicPr>
+            <a:picLocks noChangeAspect="1" noChangeArrowheads="1"/>
+          </p:cNvPicPr>
+          <p:nvPr/>
+        </p:nvPicPr>
+        <p:blipFill>
+          <a:blip r:embed="rId5">
+            <a:extLst>
+              <a:ext uri="{28A0092B-C50C-407E-A947-70E740481C1C}">
+                <a14:useLocalDpi xmlns:a14="http://schemas.microsoft.com/office/drawing/2010/main" val="0"/>
+              </a:ext>
+            </a:extLst>
+          </a:blip>
+          <a:srcRect/>
+          <a:stretch>
+            <a:fillRect/>
+          </a:stretch>
+        </p:blipFill>
+        <p:spPr bwMode="auto">
+          <a:xfrm>
+            <a:off x="2555776" y="12573534"/>
+            <a:ext cx="4350060" cy="978764"/>
+          </a:xfrm>
+          <a:prstGeom prst="rect">
+            <a:avLst/>
+          </a:prstGeom>
+          <a:noFill/>
+          <a:extLst>
+            <a:ext uri="{909E8E84-426E-40DD-AFC4-6F175D3DCCD1}">
+              <a14:hiddenFill xmlns:a14="http://schemas.microsoft.com/office/drawing/2010/main">
+                <a:solidFill>
+                  <a:srgbClr val="FFFFFF"/>
+                </a:solidFill>
+              </a14:hiddenFill>
+            </a:ext>
+          </a:extLst>
+        </p:spPr>
+      </p:pic>
+      <p:grpSp>
+        <p:nvGrpSpPr>
+          <p:cNvPr id="28" name="グループ化 27"/>
+          <p:cNvGrpSpPr/>
+          <p:nvPr/>
+        </p:nvGrpSpPr>
+        <p:grpSpPr>
+          <a:xfrm>
+            <a:off x="555791" y="14910012"/>
+            <a:ext cx="8136904" cy="707886"/>
+            <a:chOff x="547936" y="15168137"/>
+            <a:chExt cx="8136904" cy="707886"/>
+          </a:xfrm>
+        </p:grpSpPr>
+        <p:sp>
+          <p:nvSpPr>
+            <p:cNvPr id="14" name="テキスト ボックス 13"/>
+            <p:cNvSpPr txBox="1"/>
+            <p:nvPr/>
+          </p:nvSpPr>
+          <p:spPr>
+            <a:xfrm>
+              <a:off x="547936" y="15168137"/>
+              <a:ext cx="1440160" cy="707886"/>
+            </a:xfrm>
+            <a:prstGeom prst="rect">
+              <a:avLst/>
+            </a:prstGeom>
+            <a:noFill/>
+          </p:spPr>
+          <p:txBody>
+            <a:bodyPr wrap="square" rtlCol="0">
+              <a:spAutoFit/>
+            </a:bodyPr>
+            <a:lstStyle/>
+            <a:p>
+              <a:r>
+                <a:rPr kumimoji="1" lang="en-US" altLang="ja-JP" sz="4000" dirty="0" smtClean="0">
+                  <a:latin typeface="IBM 3270" panose="02000603000000000000" pitchFamily="2" charset="0"/>
+                  <a:ea typeface="IBM 3270" panose="02000603000000000000" pitchFamily="2" charset="0"/>
+                </a:rPr>
+                <a:t>2016</a:t>
+              </a:r>
+              <a:endParaRPr kumimoji="1" lang="ja-JP" altLang="en-US" sz="4000" dirty="0">
+                <a:latin typeface="IBM 3270" panose="02000603000000000000" pitchFamily="2" charset="0"/>
+              </a:endParaRPr>
+            </a:p>
+          </p:txBody>
+        </p:sp>
+        <p:cxnSp>
+          <p:nvCxnSpPr>
+            <p:cNvPr id="15" name="直線コネクタ 14"/>
+            <p:cNvCxnSpPr>
+              <a:stCxn id="14" idx="3"/>
+            </p:cNvCxnSpPr>
+            <p:nvPr/>
+          </p:nvCxnSpPr>
+          <p:spPr>
+            <a:xfrm>
+              <a:off x="1988096" y="15522080"/>
+              <a:ext cx="6696744" cy="0"/>
+            </a:xfrm>
+            <a:prstGeom prst="line">
+              <a:avLst/>
+            </a:prstGeom>
+            <a:ln>
+              <a:solidFill>
+                <a:schemeClr val="tx1">
+                  <a:lumMod val="65000"/>
+                  <a:lumOff val="35000"/>
+                </a:schemeClr>
+              </a:solidFill>
+              <a:prstDash val="sysDot"/>
+            </a:ln>
+          </p:spPr>
+          <p:style>
+            <a:lnRef idx="1">
+              <a:schemeClr val="dk1"/>
+            </a:lnRef>
+            <a:fillRef idx="0">
+              <a:schemeClr val="dk1"/>
+            </a:fillRef>
+            <a:effectRef idx="0">
+              <a:schemeClr val="dk1"/>
+            </a:effectRef>
+            <a:fontRef idx="minor">
+              <a:schemeClr val="tx1"/>
+            </a:fontRef>
+          </p:style>
+        </p:cxnSp>
+      </p:grpSp>
+      <p:grpSp>
+        <p:nvGrpSpPr>
+          <p:cNvPr id="10" name="グループ化 9"/>
+          <p:cNvGrpSpPr/>
+          <p:nvPr/>
+        </p:nvGrpSpPr>
+        <p:grpSpPr>
+          <a:xfrm>
+            <a:off x="723358" y="12573534"/>
+            <a:ext cx="1368152" cy="1436378"/>
+            <a:chOff x="723358" y="12520690"/>
+            <a:chExt cx="1368152" cy="1436378"/>
+          </a:xfrm>
+        </p:grpSpPr>
+        <p:pic>
+          <p:nvPicPr>
+            <p:cNvPr id="16" name="Picture 2" descr="C:\Users\kaitoy\Desktop\bin\pleiades\workspace\blog\static\images\runc.png"/>
+            <p:cNvPicPr>
+              <a:picLocks noChangeAspect="1" noChangeArrowheads="1"/>
+            </p:cNvPicPr>
+            <p:nvPr/>
+          </p:nvPicPr>
+          <p:blipFill>
+            <a:blip r:embed="rId6" cstate="print">
+              <a:extLst>
+                <a:ext uri="{28A0092B-C50C-407E-A947-70E740481C1C}">
+                  <a14:useLocalDpi xmlns:a14="http://schemas.microsoft.com/office/drawing/2010/main" val="0"/>
+                </a:ext>
+              </a:extLst>
+            </a:blip>
+            <a:srcRect/>
+            <a:stretch>
+              <a:fillRect/>
+            </a:stretch>
+          </p:blipFill>
+          <p:spPr bwMode="auto">
+            <a:xfrm>
+              <a:off x="723358" y="12520690"/>
+              <a:ext cx="1368152" cy="953188"/>
+            </a:xfrm>
+            <a:prstGeom prst="rect">
+              <a:avLst/>
+            </a:prstGeom>
+            <a:noFill/>
+            <a:extLst>
+              <a:ext uri="{909E8E84-426E-40DD-AFC4-6F175D3DCCD1}">
+                <a14:hiddenFill xmlns:a14="http://schemas.microsoft.com/office/drawing/2010/main">
+                  <a:solidFill>
+                    <a:srgbClr val="FFFFFF"/>
+                  </a:solidFill>
+                </a14:hiddenFill>
+              </a:ext>
+            </a:extLst>
+          </p:spPr>
+        </p:pic>
+        <p:sp>
+          <p:nvSpPr>
+            <p:cNvPr id="17" name="正方形/長方形 16"/>
+            <p:cNvSpPr/>
+            <p:nvPr/>
+          </p:nvSpPr>
+          <p:spPr>
+            <a:xfrm>
+              <a:off x="870367" y="13433848"/>
+              <a:ext cx="965329" cy="523220"/>
+            </a:xfrm>
+            <a:prstGeom prst="rect">
+              <a:avLst/>
+            </a:prstGeom>
+            <a:ln>
+              <a:noFill/>
+            </a:ln>
+          </p:spPr>
+          <p:style>
+            <a:lnRef idx="2">
+              <a:schemeClr val="accent5"/>
+            </a:lnRef>
+            <a:fillRef idx="1">
+              <a:schemeClr val="lt1"/>
+            </a:fillRef>
+            <a:effectRef idx="0">
+              <a:schemeClr val="accent5"/>
+            </a:effectRef>
+            <a:fontRef idx="minor">
+              <a:schemeClr val="dk1"/>
+            </a:fontRef>
+          </p:style>
+          <p:txBody>
+            <a:bodyPr rot="0" spcFirstLastPara="0" vertOverflow="overflow" horzOverflow="overflow" vert="horz" wrap="none" lIns="91440" tIns="45720" rIns="91440" bIns="45720" numCol="1" spcCol="0" rtlCol="0" fromWordArt="0" anchor="ctr" anchorCtr="0" forceAA="0" compatLnSpc="1">
+              <a:prstTxWarp prst="textNoShape">
+                <a:avLst/>
+              </a:prstTxWarp>
+              <a:spAutoFit/>
+            </a:bodyPr>
+            <a:lstStyle/>
+            <a:p>
+              <a:pPr algn="ctr"/>
+              <a:r>
+                <a:rPr lang="en-US" altLang="ja-JP" sz="2800" dirty="0" err="1" smtClean="0">
+                  <a:solidFill>
+                    <a:schemeClr val="accent1">
+                      <a:lumMod val="75000"/>
+                    </a:schemeClr>
+                  </a:solidFill>
+                  <a:latin typeface="Arial" panose="020B0604020202020204" pitchFamily="34" charset="0"/>
+                  <a:cs typeface="Arial" panose="020B0604020202020204" pitchFamily="34" charset="0"/>
+                </a:rPr>
+                <a:t>runC</a:t>
+              </a:r>
+              <a:endParaRPr lang="ja-JP" altLang="en-US" sz="2800" dirty="0">
+                <a:solidFill>
+                  <a:schemeClr val="accent1">
+                    <a:lumMod val="75000"/>
+                  </a:schemeClr>
+                </a:solidFill>
+                <a:latin typeface="Arial" panose="020B0604020202020204" pitchFamily="34" charset="0"/>
+                <a:cs typeface="Arial" panose="020B0604020202020204" pitchFamily="34" charset="0"/>
+              </a:endParaRPr>
+            </a:p>
+          </p:txBody>
+        </p:sp>
+      </p:grpSp>
+      <p:grpSp>
+        <p:nvGrpSpPr>
+          <p:cNvPr id="13" name="グループ化 12"/>
+          <p:cNvGrpSpPr>
+            <a:grpSpLocks noChangeAspect="1"/>
+          </p:cNvGrpSpPr>
+          <p:nvPr/>
+        </p:nvGrpSpPr>
+        <p:grpSpPr>
+          <a:xfrm>
+            <a:off x="7020272" y="11864481"/>
+            <a:ext cx="1802065" cy="1065311"/>
+            <a:chOff x="780759" y="11264170"/>
+            <a:chExt cx="2109873" cy="1247275"/>
+          </a:xfrm>
+        </p:grpSpPr>
+        <p:pic>
+          <p:nvPicPr>
+            <p:cNvPr id="1032" name="Picture 8" descr="https://cdn.thenewstack.io/media/2015/11/ClearContainers.jpg"/>
+            <p:cNvPicPr>
+              <a:picLocks noChangeAspect="1" noChangeArrowheads="1"/>
+            </p:cNvPicPr>
+            <p:nvPr/>
+          </p:nvPicPr>
+          <p:blipFill>
+            <a:blip r:embed="rId7" cstate="print">
+              <a:extLst>
+                <a:ext uri="{28A0092B-C50C-407E-A947-70E740481C1C}">
+                  <a14:useLocalDpi xmlns:a14="http://schemas.microsoft.com/office/drawing/2010/main" val="0"/>
+                </a:ext>
+              </a:extLst>
+            </a:blip>
+            <a:srcRect/>
+            <a:stretch>
+              <a:fillRect/>
+            </a:stretch>
+          </p:blipFill>
+          <p:spPr bwMode="auto">
+            <a:xfrm>
+              <a:off x="1224967" y="11264170"/>
+              <a:ext cx="1221457" cy="848544"/>
+            </a:xfrm>
+            <a:prstGeom prst="rect">
+              <a:avLst/>
+            </a:prstGeom>
+            <a:noFill/>
+            <a:extLst>
+              <a:ext uri="{909E8E84-426E-40DD-AFC4-6F175D3DCCD1}">
+                <a14:hiddenFill xmlns:a14="http://schemas.microsoft.com/office/drawing/2010/main">
+                  <a:solidFill>
+                    <a:srgbClr val="FFFFFF"/>
+                  </a:solidFill>
+                </a14:hiddenFill>
+              </a:ext>
+            </a:extLst>
+          </p:spPr>
+        </p:pic>
+        <p:sp>
+          <p:nvSpPr>
+            <p:cNvPr id="21" name="正方形/長方形 20"/>
+            <p:cNvSpPr/>
+            <p:nvPr/>
+          </p:nvSpPr>
+          <p:spPr>
+            <a:xfrm>
+              <a:off x="780759" y="12111335"/>
+              <a:ext cx="2109873" cy="400110"/>
+            </a:xfrm>
+            <a:prstGeom prst="rect">
+              <a:avLst/>
+            </a:prstGeom>
+            <a:ln>
+              <a:noFill/>
+            </a:ln>
+          </p:spPr>
+          <p:style>
+            <a:lnRef idx="2">
+              <a:schemeClr val="accent5"/>
+            </a:lnRef>
+            <a:fillRef idx="1">
+              <a:schemeClr val="lt1"/>
+            </a:fillRef>
+            <a:effectRef idx="0">
+              <a:schemeClr val="accent5"/>
+            </a:effectRef>
+            <a:fontRef idx="minor">
+              <a:schemeClr val="dk1"/>
+            </a:fontRef>
+          </p:style>
+          <p:txBody>
+            <a:bodyPr rot="0" spcFirstLastPara="0" vertOverflow="overflow" horzOverflow="overflow" vert="horz" wrap="none" lIns="91440" tIns="45720" rIns="91440" bIns="45720" numCol="1" spcCol="0" rtlCol="0" fromWordArt="0" anchor="ctr" anchorCtr="0" forceAA="0" compatLnSpc="1">
+              <a:prstTxWarp prst="textNoShape">
+                <a:avLst/>
+              </a:prstTxWarp>
+              <a:spAutoFit/>
+            </a:bodyPr>
+            <a:lstStyle/>
+            <a:p>
+              <a:pPr algn="ctr"/>
+              <a:r>
+                <a:rPr lang="en-US" altLang="ja-JP" sz="2000" dirty="0" smtClean="0">
+                  <a:solidFill>
+                    <a:schemeClr val="accent1">
+                      <a:lumMod val="75000"/>
+                    </a:schemeClr>
+                  </a:solidFill>
+                  <a:latin typeface="Arial" panose="020B0604020202020204" pitchFamily="34" charset="0"/>
+                  <a:cs typeface="Arial" panose="020B0604020202020204" pitchFamily="34" charset="0"/>
+                </a:rPr>
+                <a:t>Clear</a:t>
+              </a:r>
+              <a:r>
+                <a:rPr lang="ja-JP" altLang="en-US" sz="2000" dirty="0" smtClean="0">
+                  <a:solidFill>
+                    <a:schemeClr val="accent1">
+                      <a:lumMod val="75000"/>
+                    </a:schemeClr>
+                  </a:solidFill>
+                  <a:latin typeface="Arial" panose="020B0604020202020204" pitchFamily="34" charset="0"/>
+                  <a:cs typeface="Arial" panose="020B0604020202020204" pitchFamily="34" charset="0"/>
+                </a:rPr>
+                <a:t> </a:t>
+              </a:r>
+              <a:r>
+                <a:rPr lang="en-US" altLang="ja-JP" sz="2000" dirty="0" smtClean="0">
+                  <a:solidFill>
+                    <a:schemeClr val="accent1">
+                      <a:lumMod val="75000"/>
+                    </a:schemeClr>
+                  </a:solidFill>
+                  <a:latin typeface="Arial" panose="020B0604020202020204" pitchFamily="34" charset="0"/>
+                  <a:cs typeface="Arial" panose="020B0604020202020204" pitchFamily="34" charset="0"/>
+                </a:rPr>
+                <a:t>Containers</a:t>
+              </a:r>
+              <a:endParaRPr lang="ja-JP" altLang="en-US" sz="2000" dirty="0">
+                <a:solidFill>
+                  <a:schemeClr val="accent1">
+                    <a:lumMod val="75000"/>
+                  </a:schemeClr>
+                </a:solidFill>
+                <a:latin typeface="Arial" panose="020B0604020202020204" pitchFamily="34" charset="0"/>
+                <a:cs typeface="Arial" panose="020B0604020202020204" pitchFamily="34" charset="0"/>
+              </a:endParaRPr>
+            </a:p>
+          </p:txBody>
+        </p:sp>
+      </p:grpSp>
+      <p:pic>
+        <p:nvPicPr>
+          <p:cNvPr id="1034" name="Picture 10" descr="https://raw.githubusercontent.com/hyperhq/runv/master/logo.png"/>
+          <p:cNvPicPr>
+            <a:picLocks noChangeAspect="1" noChangeArrowheads="1"/>
+          </p:cNvPicPr>
+          <p:nvPr/>
+        </p:nvPicPr>
+        <p:blipFill>
+          <a:blip r:embed="rId8" cstate="print">
+            <a:extLst>
+              <a:ext uri="{28A0092B-C50C-407E-A947-70E740481C1C}">
+                <a14:useLocalDpi xmlns:a14="http://schemas.microsoft.com/office/drawing/2010/main" val="0"/>
+              </a:ext>
+            </a:extLst>
+          </a:blip>
+          <a:srcRect/>
+          <a:stretch>
+            <a:fillRect/>
+          </a:stretch>
+        </p:blipFill>
+        <p:spPr bwMode="auto">
+          <a:xfrm>
+            <a:off x="6804248" y="13552298"/>
+            <a:ext cx="1476819" cy="686170"/>
+          </a:xfrm>
+          <a:prstGeom prst="rect">
+            <a:avLst/>
+          </a:prstGeom>
+          <a:noFill/>
+          <a:extLst>
+            <a:ext uri="{909E8E84-426E-40DD-AFC4-6F175D3DCCD1}">
+              <a14:hiddenFill xmlns:a14="http://schemas.microsoft.com/office/drawing/2010/main">
+                <a:solidFill>
+                  <a:srgbClr val="FFFFFF"/>
+                </a:solidFill>
+              </a14:hiddenFill>
+            </a:ext>
+          </a:extLst>
+        </p:spPr>
+      </p:pic>
+      <p:pic>
+        <p:nvPicPr>
+          <p:cNvPr id="24" name="Picture 2" descr="https://raw.githubusercontent.com/cncf/artwork/master/projects/containerd/horizontal/color/containerd-horizontal-color.png"/>
+          <p:cNvPicPr>
+            <a:picLocks noChangeAspect="1" noChangeArrowheads="1"/>
+          </p:cNvPicPr>
+          <p:nvPr/>
+        </p:nvPicPr>
+        <p:blipFill>
+          <a:blip r:embed="rId9" cstate="print">
+            <a:extLst>
+              <a:ext uri="{28A0092B-C50C-407E-A947-70E740481C1C}">
+                <a14:useLocalDpi xmlns:a14="http://schemas.microsoft.com/office/drawing/2010/main" val="0"/>
+              </a:ext>
+            </a:extLst>
+          </a:blip>
+          <a:srcRect/>
+          <a:stretch>
+            <a:fillRect/>
+          </a:stretch>
+        </p:blipFill>
+        <p:spPr bwMode="auto">
+          <a:xfrm>
+            <a:off x="3245174" y="14300399"/>
+            <a:ext cx="3187112" cy="789633"/>
+          </a:xfrm>
+          <a:prstGeom prst="rect">
+            <a:avLst/>
+          </a:prstGeom>
+          <a:noFill/>
+          <a:extLst>
+            <a:ext uri="{909E8E84-426E-40DD-AFC4-6F175D3DCCD1}">
+              <a14:hiddenFill xmlns:a14="http://schemas.microsoft.com/office/drawing/2010/main">
+                <a:solidFill>
+                  <a:srgbClr val="FFFFFF"/>
+                </a:solidFill>
+              </a14:hiddenFill>
+            </a:ext>
+          </a:extLst>
+        </p:spPr>
+      </p:pic>
+      <p:grpSp>
+        <p:nvGrpSpPr>
+          <p:cNvPr id="19" name="グループ化 18"/>
+          <p:cNvGrpSpPr>
+            <a:grpSpLocks noChangeAspect="1"/>
+          </p:cNvGrpSpPr>
+          <p:nvPr/>
+        </p:nvGrpSpPr>
+        <p:grpSpPr>
+          <a:xfrm>
+            <a:off x="2446424" y="15882120"/>
+            <a:ext cx="1528469" cy="1321293"/>
+            <a:chOff x="1659649" y="16089610"/>
+            <a:chExt cx="1864613" cy="1611874"/>
+          </a:xfrm>
+        </p:grpSpPr>
+        <p:pic>
+          <p:nvPicPr>
+            <p:cNvPr id="1037" name="Picture 13" descr="C:\Users\kaitoy\Desktop\logo.png"/>
+            <p:cNvPicPr>
+              <a:picLocks noChangeAspect="1" noChangeArrowheads="1"/>
+            </p:cNvPicPr>
+            <p:nvPr/>
+          </p:nvPicPr>
+          <p:blipFill>
+            <a:blip r:embed="rId10">
+              <a:extLst>
+                <a:ext uri="{28A0092B-C50C-407E-A947-70E740481C1C}">
+                  <a14:useLocalDpi xmlns:a14="http://schemas.microsoft.com/office/drawing/2010/main" val="0"/>
+                </a:ext>
+              </a:extLst>
+            </a:blip>
+            <a:srcRect/>
+            <a:stretch>
+              <a:fillRect/>
+            </a:stretch>
+          </p:blipFill>
+          <p:spPr bwMode="auto">
+            <a:xfrm>
+              <a:off x="2003935" y="16089610"/>
+              <a:ext cx="1176040" cy="1176040"/>
+            </a:xfrm>
+            <a:prstGeom prst="rect">
+              <a:avLst/>
+            </a:prstGeom>
+            <a:noFill/>
+            <a:extLst>
+              <a:ext uri="{909E8E84-426E-40DD-AFC4-6F175D3DCCD1}">
+                <a14:hiddenFill xmlns:a14="http://schemas.microsoft.com/office/drawing/2010/main">
+                  <a:solidFill>
+                    <a:srgbClr val="FFFFFF"/>
+                  </a:solidFill>
+                </a14:hiddenFill>
+              </a:ext>
+            </a:extLst>
+          </p:spPr>
+        </p:pic>
+        <p:sp>
+          <p:nvSpPr>
+            <p:cNvPr id="27" name="正方形/長方形 26"/>
+            <p:cNvSpPr/>
+            <p:nvPr/>
+          </p:nvSpPr>
+          <p:spPr>
+            <a:xfrm>
+              <a:off x="1659649" y="17178264"/>
+              <a:ext cx="1864613" cy="523220"/>
+            </a:xfrm>
+            <a:prstGeom prst="rect">
+              <a:avLst/>
+            </a:prstGeom>
+            <a:ln>
+              <a:noFill/>
+            </a:ln>
+          </p:spPr>
+          <p:style>
+            <a:lnRef idx="2">
+              <a:schemeClr val="accent5"/>
+            </a:lnRef>
+            <a:fillRef idx="1">
+              <a:schemeClr val="lt1"/>
+            </a:fillRef>
+            <a:effectRef idx="0">
+              <a:schemeClr val="accent5"/>
+            </a:effectRef>
+            <a:fontRef idx="minor">
+              <a:schemeClr val="dk1"/>
+            </a:fontRef>
+          </p:style>
+          <p:txBody>
+            <a:bodyPr rot="0" spcFirstLastPara="0" vertOverflow="overflow" horzOverflow="overflow" vert="horz" wrap="none" lIns="91440" tIns="45720" rIns="91440" bIns="45720" numCol="1" spcCol="0" rtlCol="0" fromWordArt="0" anchor="ctr" anchorCtr="0" forceAA="0" compatLnSpc="1">
+              <a:prstTxWarp prst="textNoShape">
+                <a:avLst/>
+              </a:prstTxWarp>
+              <a:spAutoFit/>
+            </a:bodyPr>
+            <a:lstStyle/>
+            <a:p>
+              <a:pPr algn="ctr"/>
+              <a:r>
+                <a:rPr lang="en-US" altLang="ja-JP" sz="2800" dirty="0">
+                  <a:solidFill>
+                    <a:schemeClr val="accent1">
+                      <a:lumMod val="75000"/>
+                    </a:schemeClr>
+                  </a:solidFill>
+                  <a:latin typeface="Arial" panose="020B0604020202020204" pitchFamily="34" charset="0"/>
+                  <a:cs typeface="Arial" panose="020B0604020202020204" pitchFamily="34" charset="0"/>
+                </a:rPr>
+                <a:t>Singularity</a:t>
+              </a:r>
+              <a:endParaRPr lang="ja-JP" altLang="en-US" sz="2800" dirty="0">
+                <a:solidFill>
+                  <a:schemeClr val="accent1">
+                    <a:lumMod val="75000"/>
+                  </a:schemeClr>
+                </a:solidFill>
+                <a:latin typeface="Arial" panose="020B0604020202020204" pitchFamily="34" charset="0"/>
+                <a:cs typeface="Arial" panose="020B0604020202020204" pitchFamily="34" charset="0"/>
+              </a:endParaRPr>
+            </a:p>
+          </p:txBody>
+        </p:sp>
+      </p:grpSp>
+      <p:grpSp>
+        <p:nvGrpSpPr>
+          <p:cNvPr id="35" name="グループ化 34"/>
+          <p:cNvGrpSpPr/>
+          <p:nvPr/>
+        </p:nvGrpSpPr>
+        <p:grpSpPr>
+          <a:xfrm>
+            <a:off x="555791" y="19338504"/>
+            <a:ext cx="8136904" cy="707886"/>
+            <a:chOff x="659374" y="19488617"/>
+            <a:chExt cx="8136904" cy="707886"/>
+          </a:xfrm>
+        </p:grpSpPr>
+        <p:sp>
+          <p:nvSpPr>
+            <p:cNvPr id="29" name="テキスト ボックス 28"/>
+            <p:cNvSpPr txBox="1"/>
+            <p:nvPr/>
+          </p:nvSpPr>
+          <p:spPr>
+            <a:xfrm>
+              <a:off x="659374" y="19488617"/>
+              <a:ext cx="1440160" cy="707886"/>
+            </a:xfrm>
+            <a:prstGeom prst="rect">
+              <a:avLst/>
+            </a:prstGeom>
+            <a:noFill/>
+          </p:spPr>
+          <p:txBody>
+            <a:bodyPr wrap="square" rtlCol="0">
+              <a:spAutoFit/>
+            </a:bodyPr>
+            <a:lstStyle/>
+            <a:p>
+              <a:r>
+                <a:rPr kumimoji="1" lang="en-US" altLang="ja-JP" sz="4000" dirty="0" smtClean="0">
+                  <a:latin typeface="IBM 3270" panose="02000603000000000000" pitchFamily="2" charset="0"/>
+                  <a:ea typeface="IBM 3270" panose="02000603000000000000" pitchFamily="2" charset="0"/>
+                </a:rPr>
+                <a:t>2017</a:t>
+              </a:r>
+              <a:endParaRPr kumimoji="1" lang="ja-JP" altLang="en-US" sz="4000" dirty="0">
+                <a:latin typeface="IBM 3270" panose="02000603000000000000" pitchFamily="2" charset="0"/>
+              </a:endParaRPr>
+            </a:p>
+          </p:txBody>
+        </p:sp>
+        <p:cxnSp>
+          <p:nvCxnSpPr>
+            <p:cNvPr id="30" name="直線コネクタ 29"/>
+            <p:cNvCxnSpPr>
+              <a:stCxn id="29" idx="3"/>
+            </p:cNvCxnSpPr>
+            <p:nvPr/>
+          </p:nvCxnSpPr>
+          <p:spPr>
+            <a:xfrm>
+              <a:off x="2099534" y="19842560"/>
+              <a:ext cx="6696744" cy="0"/>
+            </a:xfrm>
+            <a:prstGeom prst="line">
+              <a:avLst/>
+            </a:prstGeom>
+            <a:ln>
+              <a:solidFill>
+                <a:schemeClr val="tx1">
+                  <a:lumMod val="65000"/>
+                  <a:lumOff val="35000"/>
+                </a:schemeClr>
+              </a:solidFill>
+              <a:prstDash val="sysDot"/>
+            </a:ln>
+          </p:spPr>
+          <p:style>
+            <a:lnRef idx="1">
+              <a:schemeClr val="dk1"/>
+            </a:lnRef>
+            <a:fillRef idx="0">
+              <a:schemeClr val="dk1"/>
+            </a:fillRef>
+            <a:effectRef idx="0">
+              <a:schemeClr val="dk1"/>
+            </a:effectRef>
+            <a:fontRef idx="minor">
+              <a:schemeClr val="tx1"/>
+            </a:fontRef>
+          </p:style>
+        </p:cxnSp>
+      </p:grpSp>
+      <p:sp>
+        <p:nvSpPr>
+          <p:cNvPr id="32" name="角丸四角形 31"/>
+          <p:cNvSpPr/>
+          <p:nvPr/>
+        </p:nvSpPr>
+        <p:spPr>
+          <a:xfrm>
+            <a:off x="4007068" y="18762440"/>
+            <a:ext cx="1234351" cy="851297"/>
+          </a:xfrm>
+          <a:prstGeom prst="roundRect">
+            <a:avLst/>
+          </a:prstGeom>
+          <a:ln w="50800"/>
+        </p:spPr>
+        <p:style>
+          <a:lnRef idx="2">
+            <a:schemeClr val="accent5"/>
+          </a:lnRef>
+          <a:fillRef idx="1">
+            <a:schemeClr val="lt1"/>
+          </a:fillRef>
+          <a:effectRef idx="0">
+            <a:schemeClr val="accent5"/>
+          </a:effectRef>
+          <a:fontRef idx="minor">
+            <a:schemeClr val="dk1"/>
+          </a:fontRef>
+        </p:style>
+        <p:txBody>
+          <a:bodyPr rot="0" spcFirstLastPara="0" vertOverflow="overflow" horzOverflow="overflow" vert="horz" wrap="none" lIns="91440" tIns="45720" rIns="91440" bIns="45720" numCol="1" spcCol="0" rtlCol="0" fromWordArt="0" anchor="ctr" anchorCtr="0" forceAA="0" compatLnSpc="1">
+            <a:prstTxWarp prst="textNoShape">
+              <a:avLst/>
+            </a:prstTxWarp>
+            <a:spAutoFit/>
+          </a:bodyPr>
+          <a:lstStyle/>
+          <a:p>
+            <a:pPr algn="ctr"/>
+            <a:r>
+              <a:rPr lang="en-US" altLang="ja-JP" sz="4400" b="1" dirty="0" smtClean="0">
+                <a:solidFill>
+                  <a:schemeClr val="accent1">
+                    <a:lumMod val="75000"/>
+                  </a:schemeClr>
+                </a:solidFill>
+                <a:latin typeface="Arial" panose="020B0604020202020204" pitchFamily="34" charset="0"/>
+                <a:cs typeface="Arial" panose="020B0604020202020204" pitchFamily="34" charset="0"/>
+              </a:rPr>
+              <a:t>CRI</a:t>
+            </a:r>
+            <a:endParaRPr lang="ja-JP" altLang="en-US" sz="4400" b="1" dirty="0">
+              <a:solidFill>
+                <a:schemeClr val="accent1">
+                  <a:lumMod val="75000"/>
+                </a:schemeClr>
+              </a:solidFill>
+              <a:latin typeface="Arial" panose="020B0604020202020204" pitchFamily="34" charset="0"/>
+              <a:cs typeface="Arial" panose="020B0604020202020204" pitchFamily="34" charset="0"/>
+            </a:endParaRPr>
+          </a:p>
+        </p:txBody>
+      </p:sp>
+      <p:pic>
+        <p:nvPicPr>
+          <p:cNvPr id="33" name="Picture 2" descr="C:\Users\kaitoy\Desktop\bin\pleiades\workspace\blog\static\images\kubernetes.png"/>
+          <p:cNvPicPr>
+            <a:picLocks noChangeAspect="1" noChangeArrowheads="1"/>
+          </p:cNvPicPr>
+          <p:nvPr/>
+        </p:nvPicPr>
+        <p:blipFill>
+          <a:blip r:embed="rId11" cstate="print">
+            <a:extLst>
+              <a:ext uri="{28A0092B-C50C-407E-A947-70E740481C1C}">
+                <a14:useLocalDpi xmlns:a14="http://schemas.microsoft.com/office/drawing/2010/main" val="0"/>
+              </a:ext>
+            </a:extLst>
+          </a:blip>
+          <a:srcRect/>
+          <a:stretch>
+            <a:fillRect/>
+          </a:stretch>
+        </p:blipFill>
+        <p:spPr bwMode="auto">
+          <a:xfrm>
+            <a:off x="3382129" y="6953128"/>
+            <a:ext cx="2484228" cy="1858142"/>
+          </a:xfrm>
+          <a:prstGeom prst="rect">
+            <a:avLst/>
+          </a:prstGeom>
+          <a:noFill/>
+          <a:extLst>
+            <a:ext uri="{909E8E84-426E-40DD-AFC4-6F175D3DCCD1}">
+              <a14:hiddenFill xmlns:a14="http://schemas.microsoft.com/office/drawing/2010/main">
+                <a:solidFill>
+                  <a:srgbClr val="FFFFFF"/>
+                </a:solidFill>
+              </a14:hiddenFill>
+            </a:ext>
+          </a:extLst>
+        </p:spPr>
+      </p:pic>
+      <p:pic>
+        <p:nvPicPr>
+          <p:cNvPr id="34" name="Picture 2" descr="C:\Users\kaitoy\Desktop\crio.png"/>
+          <p:cNvPicPr>
+            <a:picLocks noChangeAspect="1" noChangeArrowheads="1"/>
+          </p:cNvPicPr>
+          <p:nvPr/>
+        </p:nvPicPr>
+        <p:blipFill>
+          <a:blip r:embed="rId12" cstate="print">
+            <a:extLst>
+              <a:ext uri="{28A0092B-C50C-407E-A947-70E740481C1C}">
+                <a14:useLocalDpi xmlns:a14="http://schemas.microsoft.com/office/drawing/2010/main" val="0"/>
+              </a:ext>
+            </a:extLst>
+          </a:blip>
+          <a:srcRect/>
+          <a:stretch>
+            <a:fillRect/>
+          </a:stretch>
+        </p:blipFill>
+        <p:spPr bwMode="auto">
+          <a:xfrm>
+            <a:off x="5054221" y="17307978"/>
+            <a:ext cx="2758139" cy="1022414"/>
+          </a:xfrm>
+          <a:prstGeom prst="rect">
+            <a:avLst/>
+          </a:prstGeom>
+          <a:noFill/>
+          <a:extLst>
+            <a:ext uri="{909E8E84-426E-40DD-AFC4-6F175D3DCCD1}">
+              <a14:hiddenFill xmlns:a14="http://schemas.microsoft.com/office/drawing/2010/main">
+                <a:solidFill>
+                  <a:srgbClr val="FFFFFF"/>
+                </a:solidFill>
+              </a14:hiddenFill>
+            </a:ext>
+          </a:extLst>
+        </p:spPr>
+      </p:pic>
+      <p:pic>
+        <p:nvPicPr>
+          <p:cNvPr id="1039" name="Picture 15" descr="https://raw.githubusercontent.com/kubernetes-incubator/rktlet/master/logos/rktlet-logo.png"/>
+          <p:cNvPicPr>
+            <a:picLocks noChangeAspect="1" noChangeArrowheads="1"/>
+          </p:cNvPicPr>
+          <p:nvPr/>
+        </p:nvPicPr>
+        <p:blipFill>
+          <a:blip r:embed="rId13" cstate="print">
+            <a:extLst>
+              <a:ext uri="{28A0092B-C50C-407E-A947-70E740481C1C}">
+                <a14:useLocalDpi xmlns:a14="http://schemas.microsoft.com/office/drawing/2010/main" val="0"/>
+              </a:ext>
+            </a:extLst>
+          </a:blip>
+          <a:srcRect/>
+          <a:stretch>
+            <a:fillRect/>
+          </a:stretch>
+        </p:blipFill>
+        <p:spPr bwMode="auto">
+          <a:xfrm>
+            <a:off x="1994026" y="18503040"/>
+            <a:ext cx="1558759" cy="414288"/>
+          </a:xfrm>
+          <a:prstGeom prst="rect">
+            <a:avLst/>
+          </a:prstGeom>
+          <a:noFill/>
+          <a:extLst>
+            <a:ext uri="{909E8E84-426E-40DD-AFC4-6F175D3DCCD1}">
+              <a14:hiddenFill xmlns:a14="http://schemas.microsoft.com/office/drawing/2010/main">
+                <a:solidFill>
+                  <a:srgbClr val="FFFFFF"/>
+                </a:solidFill>
+              </a14:hiddenFill>
+            </a:ext>
+          </a:extLst>
+        </p:spPr>
+      </p:pic>
+      <p:sp>
+        <p:nvSpPr>
+          <p:cNvPr id="36" name="角丸四角形 35"/>
+          <p:cNvSpPr/>
+          <p:nvPr/>
+        </p:nvSpPr>
+        <p:spPr>
+          <a:xfrm>
+            <a:off x="7031614" y="20267886"/>
+            <a:ext cx="1062613" cy="510778"/>
+          </a:xfrm>
+          <a:prstGeom prst="roundRect">
+            <a:avLst/>
+          </a:prstGeom>
+        </p:spPr>
+        <p:style>
+          <a:lnRef idx="2">
+            <a:schemeClr val="accent5"/>
+          </a:lnRef>
+          <a:fillRef idx="1">
+            <a:schemeClr val="lt1"/>
+          </a:fillRef>
+          <a:effectRef idx="0">
+            <a:schemeClr val="accent5"/>
+          </a:effectRef>
+          <a:fontRef idx="minor">
+            <a:schemeClr val="dk1"/>
+          </a:fontRef>
+        </p:style>
+        <p:txBody>
+          <a:bodyPr rot="0" spcFirstLastPara="0" vertOverflow="overflow" horzOverflow="overflow" vert="horz" wrap="none" lIns="91440" tIns="45720" rIns="91440" bIns="45720" numCol="1" spcCol="0" rtlCol="0" fromWordArt="0" anchor="ctr" anchorCtr="0" forceAA="0" compatLnSpc="1">
+            <a:prstTxWarp prst="textNoShape">
+              <a:avLst/>
+            </a:prstTxWarp>
+            <a:spAutoFit/>
+          </a:bodyPr>
+          <a:lstStyle/>
+          <a:p>
+            <a:pPr algn="ctr"/>
+            <a:r>
+              <a:rPr lang="en-US" altLang="ja-JP" sz="2400" b="1" dirty="0" err="1" smtClean="0">
+                <a:solidFill>
+                  <a:schemeClr val="accent1">
+                    <a:lumMod val="75000"/>
+                  </a:schemeClr>
+                </a:solidFill>
+                <a:latin typeface="Arial" panose="020B0604020202020204" pitchFamily="34" charset="0"/>
+                <a:cs typeface="Arial" panose="020B0604020202020204" pitchFamily="34" charset="0"/>
+              </a:rPr>
+              <a:t>Fracti</a:t>
+            </a:r>
+            <a:endParaRPr lang="ja-JP" altLang="en-US" sz="2400" b="1" dirty="0">
+              <a:solidFill>
+                <a:schemeClr val="accent1">
+                  <a:lumMod val="75000"/>
+                </a:schemeClr>
+              </a:solidFill>
+              <a:latin typeface="Arial" panose="020B0604020202020204" pitchFamily="34" charset="0"/>
+              <a:cs typeface="Arial" panose="020B0604020202020204" pitchFamily="34" charset="0"/>
+            </a:endParaRPr>
+          </a:p>
+        </p:txBody>
+      </p:sp>
+      <p:grpSp>
+        <p:nvGrpSpPr>
+          <p:cNvPr id="39" name="グループ化 38"/>
+          <p:cNvGrpSpPr/>
+          <p:nvPr/>
+        </p:nvGrpSpPr>
+        <p:grpSpPr>
+          <a:xfrm>
+            <a:off x="555791" y="23766996"/>
+            <a:ext cx="8136904" cy="707886"/>
+            <a:chOff x="632951" y="23544322"/>
+            <a:chExt cx="8136904" cy="707886"/>
+          </a:xfrm>
+        </p:grpSpPr>
+        <p:sp>
+          <p:nvSpPr>
+            <p:cNvPr id="37" name="テキスト ボックス 36"/>
+            <p:cNvSpPr txBox="1"/>
+            <p:nvPr/>
+          </p:nvSpPr>
+          <p:spPr>
+            <a:xfrm>
+              <a:off x="632951" y="23544322"/>
+              <a:ext cx="1440160" cy="707886"/>
+            </a:xfrm>
+            <a:prstGeom prst="rect">
+              <a:avLst/>
+            </a:prstGeom>
+            <a:noFill/>
+          </p:spPr>
+          <p:txBody>
+            <a:bodyPr wrap="square" rtlCol="0">
+              <a:spAutoFit/>
+            </a:bodyPr>
+            <a:lstStyle/>
+            <a:p>
+              <a:r>
+                <a:rPr kumimoji="1" lang="en-US" altLang="ja-JP" sz="4000" dirty="0" smtClean="0">
+                  <a:latin typeface="IBM 3270" panose="02000603000000000000" pitchFamily="2" charset="0"/>
+                  <a:ea typeface="IBM 3270" panose="02000603000000000000" pitchFamily="2" charset="0"/>
+                </a:rPr>
+                <a:t>2018</a:t>
+              </a:r>
+              <a:endParaRPr kumimoji="1" lang="ja-JP" altLang="en-US" sz="4000" dirty="0">
+                <a:latin typeface="IBM 3270" panose="02000603000000000000" pitchFamily="2" charset="0"/>
+              </a:endParaRPr>
+            </a:p>
+          </p:txBody>
+        </p:sp>
+        <p:cxnSp>
+          <p:nvCxnSpPr>
+            <p:cNvPr id="38" name="直線コネクタ 37"/>
+            <p:cNvCxnSpPr>
+              <a:stCxn id="37" idx="3"/>
+            </p:cNvCxnSpPr>
+            <p:nvPr/>
+          </p:nvCxnSpPr>
+          <p:spPr>
+            <a:xfrm>
+              <a:off x="2073111" y="23898265"/>
+              <a:ext cx="6696744" cy="0"/>
+            </a:xfrm>
+            <a:prstGeom prst="line">
+              <a:avLst/>
+            </a:prstGeom>
+            <a:ln>
+              <a:solidFill>
+                <a:schemeClr val="tx1">
+                  <a:lumMod val="65000"/>
+                  <a:lumOff val="35000"/>
+                </a:schemeClr>
+              </a:solidFill>
+              <a:prstDash val="sysDot"/>
+            </a:ln>
+          </p:spPr>
+          <p:style>
+            <a:lnRef idx="1">
+              <a:schemeClr val="dk1"/>
+            </a:lnRef>
+            <a:fillRef idx="0">
+              <a:schemeClr val="dk1"/>
+            </a:fillRef>
+            <a:effectRef idx="0">
+              <a:schemeClr val="dk1"/>
+            </a:effectRef>
+            <a:fontRef idx="minor">
+              <a:schemeClr val="tx1"/>
+            </a:fontRef>
+          </p:style>
+        </p:cxnSp>
+      </p:grpSp>
+      <p:pic>
+        <p:nvPicPr>
+          <p:cNvPr id="1041" name="Picture 17" descr="https://raw.githubusercontent.com/moby/moby/master/docs/static_files/moby-project-logo.png"/>
+          <p:cNvPicPr>
+            <a:picLocks noChangeAspect="1" noChangeArrowheads="1"/>
+          </p:cNvPicPr>
+          <p:nvPr/>
+        </p:nvPicPr>
+        <p:blipFill>
+          <a:blip r:embed="rId14">
+            <a:extLst>
+              <a:ext uri="{28A0092B-C50C-407E-A947-70E740481C1C}">
+                <a14:useLocalDpi xmlns:a14="http://schemas.microsoft.com/office/drawing/2010/main" val="0"/>
+              </a:ext>
+            </a:extLst>
+          </a:blip>
+          <a:srcRect/>
+          <a:stretch>
+            <a:fillRect/>
+          </a:stretch>
+        </p:blipFill>
+        <p:spPr bwMode="auto">
+          <a:xfrm>
+            <a:off x="3158775" y="20490632"/>
+            <a:ext cx="2930937" cy="1057059"/>
+          </a:xfrm>
+          <a:prstGeom prst="rect">
+            <a:avLst/>
+          </a:prstGeom>
+          <a:noFill/>
+          <a:extLst>
+            <a:ext uri="{909E8E84-426E-40DD-AFC4-6F175D3DCCD1}">
+              <a14:hiddenFill xmlns:a14="http://schemas.microsoft.com/office/drawing/2010/main">
+                <a:solidFill>
+                  <a:srgbClr val="FFFFFF"/>
+                </a:solidFill>
+              </a14:hiddenFill>
+            </a:ext>
+          </a:extLst>
+        </p:spPr>
+      </p:pic>
+      <p:grpSp>
+        <p:nvGrpSpPr>
+          <p:cNvPr id="20" name="グループ化 19"/>
+          <p:cNvGrpSpPr/>
+          <p:nvPr/>
+        </p:nvGrpSpPr>
+        <p:grpSpPr>
+          <a:xfrm>
+            <a:off x="1168726" y="21258332"/>
+            <a:ext cx="1662490" cy="1303729"/>
+            <a:chOff x="1168726" y="21258332"/>
+            <a:chExt cx="1662490" cy="1303729"/>
+          </a:xfrm>
+        </p:grpSpPr>
+        <p:pic>
+          <p:nvPicPr>
+            <p:cNvPr id="1043" name="Picture 19" descr="https://raw.githubusercontent.com/oracle/railcar/master/railcar.png"/>
+            <p:cNvPicPr>
+              <a:picLocks noChangeAspect="1" noChangeArrowheads="1"/>
+            </p:cNvPicPr>
+            <p:nvPr/>
+          </p:nvPicPr>
+          <p:blipFill>
+            <a:blip r:embed="rId15" cstate="print">
+              <a:extLst>
+                <a:ext uri="{28A0092B-C50C-407E-A947-70E740481C1C}">
+                  <a14:useLocalDpi xmlns:a14="http://schemas.microsoft.com/office/drawing/2010/main" val="0"/>
+                </a:ext>
+              </a:extLst>
+            </a:blip>
+            <a:srcRect/>
+            <a:stretch>
+              <a:fillRect/>
+            </a:stretch>
+          </p:blipFill>
+          <p:spPr bwMode="auto">
+            <a:xfrm>
+              <a:off x="1168726" y="21258332"/>
+              <a:ext cx="1662490" cy="831245"/>
+            </a:xfrm>
+            <a:prstGeom prst="rect">
+              <a:avLst/>
+            </a:prstGeom>
+            <a:noFill/>
+            <a:extLst>
+              <a:ext uri="{909E8E84-426E-40DD-AFC4-6F175D3DCCD1}">
+                <a14:hiddenFill xmlns:a14="http://schemas.microsoft.com/office/drawing/2010/main">
+                  <a:solidFill>
+                    <a:srgbClr val="FFFFFF"/>
+                  </a:solidFill>
+                </a14:hiddenFill>
+              </a:ext>
+            </a:extLst>
+          </p:spPr>
+        </p:pic>
+        <p:sp>
+          <p:nvSpPr>
+            <p:cNvPr id="41" name="正方形/長方形 40"/>
+            <p:cNvSpPr/>
+            <p:nvPr/>
+          </p:nvSpPr>
+          <p:spPr>
+            <a:xfrm>
+              <a:off x="1417119" y="22038841"/>
+              <a:ext cx="1165705" cy="523220"/>
+            </a:xfrm>
+            <a:prstGeom prst="rect">
+              <a:avLst/>
+            </a:prstGeom>
+            <a:noFill/>
+            <a:ln>
+              <a:noFill/>
+            </a:ln>
+          </p:spPr>
+          <p:style>
+            <a:lnRef idx="2">
+              <a:schemeClr val="accent5"/>
+            </a:lnRef>
+            <a:fillRef idx="1">
+              <a:schemeClr val="lt1"/>
+            </a:fillRef>
+            <a:effectRef idx="0">
+              <a:schemeClr val="accent5"/>
+            </a:effectRef>
+            <a:fontRef idx="minor">
+              <a:schemeClr val="dk1"/>
+            </a:fontRef>
+          </p:style>
+          <p:txBody>
+            <a:bodyPr rot="0" spcFirstLastPara="0" vertOverflow="overflow" horzOverflow="overflow" vert="horz" wrap="none" lIns="91440" tIns="45720" rIns="91440" bIns="45720" numCol="1" spcCol="0" rtlCol="0" fromWordArt="0" anchor="ctr" anchorCtr="0" forceAA="0" compatLnSpc="1">
+              <a:prstTxWarp prst="textNoShape">
+                <a:avLst/>
+              </a:prstTxWarp>
+              <a:spAutoFit/>
+            </a:bodyPr>
+            <a:lstStyle/>
+            <a:p>
+              <a:pPr algn="ctr"/>
+              <a:r>
+                <a:rPr lang="en-US" altLang="ja-JP" sz="2800" dirty="0" smtClean="0">
+                  <a:solidFill>
+                    <a:schemeClr val="accent1">
+                      <a:lumMod val="75000"/>
+                    </a:schemeClr>
+                  </a:solidFill>
+                  <a:latin typeface="Arial" panose="020B0604020202020204" pitchFamily="34" charset="0"/>
+                  <a:cs typeface="Arial" panose="020B0604020202020204" pitchFamily="34" charset="0"/>
+                </a:rPr>
+                <a:t>railcar</a:t>
+              </a:r>
+              <a:endParaRPr lang="ja-JP" altLang="en-US" sz="2800" dirty="0">
+                <a:solidFill>
+                  <a:schemeClr val="accent1">
+                    <a:lumMod val="75000"/>
+                  </a:schemeClr>
+                </a:solidFill>
+                <a:latin typeface="Arial" panose="020B0604020202020204" pitchFamily="34" charset="0"/>
+                <a:cs typeface="Arial" panose="020B0604020202020204" pitchFamily="34" charset="0"/>
+              </a:endParaRPr>
+            </a:p>
+          </p:txBody>
+        </p:sp>
+      </p:grpSp>
+      <p:sp>
+        <p:nvSpPr>
+          <p:cNvPr id="43" name="角丸四角形 42"/>
+          <p:cNvSpPr/>
+          <p:nvPr/>
+        </p:nvSpPr>
+        <p:spPr>
+          <a:xfrm>
+            <a:off x="6827567" y="21578799"/>
+            <a:ext cx="1062613" cy="510778"/>
+          </a:xfrm>
+          <a:prstGeom prst="roundRect">
+            <a:avLst/>
+          </a:prstGeom>
+        </p:spPr>
+        <p:style>
+          <a:lnRef idx="2">
+            <a:schemeClr val="accent5"/>
+          </a:lnRef>
+          <a:fillRef idx="1">
+            <a:schemeClr val="lt1"/>
+          </a:fillRef>
+          <a:effectRef idx="0">
+            <a:schemeClr val="accent5"/>
+          </a:effectRef>
+          <a:fontRef idx="minor">
+            <a:schemeClr val="dk1"/>
+          </a:fontRef>
+        </p:style>
+        <p:txBody>
+          <a:bodyPr rot="0" spcFirstLastPara="0" vertOverflow="overflow" horzOverflow="overflow" vert="horz" wrap="none" lIns="91440" tIns="45720" rIns="91440" bIns="45720" numCol="1" spcCol="0" rtlCol="0" fromWordArt="0" anchor="ctr" anchorCtr="0" forceAA="0" compatLnSpc="1">
+            <a:prstTxWarp prst="textNoShape">
+              <a:avLst/>
+            </a:prstTxWarp>
+            <a:spAutoFit/>
+          </a:bodyPr>
+          <a:lstStyle/>
+          <a:p>
+            <a:pPr algn="ctr"/>
+            <a:r>
+              <a:rPr lang="en-US" altLang="ja-JP" sz="2400" b="1" dirty="0" err="1" smtClean="0">
+                <a:solidFill>
+                  <a:schemeClr val="accent1">
+                    <a:lumMod val="75000"/>
+                  </a:schemeClr>
+                </a:solidFill>
+                <a:latin typeface="Arial" panose="020B0604020202020204" pitchFamily="34" charset="0"/>
+                <a:cs typeface="Arial" panose="020B0604020202020204" pitchFamily="34" charset="0"/>
+              </a:rPr>
+              <a:t>virtlet</a:t>
+            </a:r>
+            <a:endParaRPr lang="ja-JP" altLang="en-US" sz="2400" b="1" dirty="0">
+              <a:solidFill>
+                <a:schemeClr val="accent1">
+                  <a:lumMod val="75000"/>
+                </a:schemeClr>
+              </a:solidFill>
+              <a:latin typeface="Arial" panose="020B0604020202020204" pitchFamily="34" charset="0"/>
+              <a:cs typeface="Arial" panose="020B0604020202020204" pitchFamily="34" charset="0"/>
+            </a:endParaRPr>
+          </a:p>
+        </p:txBody>
+      </p:sp>
+      <p:grpSp>
+        <p:nvGrpSpPr>
+          <p:cNvPr id="22" name="グループ化 21"/>
+          <p:cNvGrpSpPr/>
+          <p:nvPr/>
+        </p:nvGrpSpPr>
+        <p:grpSpPr>
+          <a:xfrm>
+            <a:off x="3242294" y="22431916"/>
+            <a:ext cx="2763898" cy="1587108"/>
+            <a:chOff x="3128661" y="22218824"/>
+            <a:chExt cx="2763898" cy="1587108"/>
+          </a:xfrm>
+        </p:grpSpPr>
+        <p:pic>
+          <p:nvPicPr>
+            <p:cNvPr id="44" name="Picture 2" descr="C:\Users\kaitoy\Desktop\kata.png"/>
+            <p:cNvPicPr>
+              <a:picLocks noChangeAspect="1" noChangeArrowheads="1"/>
+            </p:cNvPicPr>
+            <p:nvPr/>
+          </p:nvPicPr>
+          <p:blipFill>
+            <a:blip r:embed="rId16" cstate="print">
+              <a:extLst>
+                <a:ext uri="{28A0092B-C50C-407E-A947-70E740481C1C}">
+                  <a14:useLocalDpi xmlns:a14="http://schemas.microsoft.com/office/drawing/2010/main" val="0"/>
+                </a:ext>
+              </a:extLst>
+            </a:blip>
+            <a:srcRect/>
+            <a:stretch>
+              <a:fillRect/>
+            </a:stretch>
+          </p:blipFill>
+          <p:spPr bwMode="auto">
+            <a:xfrm>
+              <a:off x="4029703" y="22218824"/>
+              <a:ext cx="961814" cy="1189152"/>
+            </a:xfrm>
+            <a:prstGeom prst="rect">
+              <a:avLst/>
+            </a:prstGeom>
+            <a:noFill/>
+            <a:extLst>
+              <a:ext uri="{909E8E84-426E-40DD-AFC4-6F175D3DCCD1}">
+                <a14:hiddenFill xmlns:a14="http://schemas.microsoft.com/office/drawing/2010/main">
+                  <a:solidFill>
+                    <a:srgbClr val="FFFFFF"/>
+                  </a:solidFill>
+                </a14:hiddenFill>
+              </a:ext>
+            </a:extLst>
+          </p:spPr>
+        </p:pic>
+        <p:sp>
+          <p:nvSpPr>
+            <p:cNvPr id="45" name="正方形/長方形 44"/>
+            <p:cNvSpPr/>
+            <p:nvPr/>
+          </p:nvSpPr>
+          <p:spPr>
+            <a:xfrm>
+              <a:off x="3128661" y="23282712"/>
+              <a:ext cx="2763898" cy="523220"/>
+            </a:xfrm>
+            <a:prstGeom prst="rect">
+              <a:avLst/>
+            </a:prstGeom>
+            <a:noFill/>
+            <a:ln>
+              <a:noFill/>
+            </a:ln>
+          </p:spPr>
+          <p:style>
+            <a:lnRef idx="2">
+              <a:schemeClr val="accent5"/>
+            </a:lnRef>
+            <a:fillRef idx="1">
+              <a:schemeClr val="lt1"/>
+            </a:fillRef>
+            <a:effectRef idx="0">
+              <a:schemeClr val="accent5"/>
+            </a:effectRef>
+            <a:fontRef idx="minor">
+              <a:schemeClr val="dk1"/>
+            </a:fontRef>
+          </p:style>
+          <p:txBody>
+            <a:bodyPr rot="0" spcFirstLastPara="0" vertOverflow="overflow" horzOverflow="overflow" vert="horz" wrap="none" lIns="91440" tIns="45720" rIns="91440" bIns="45720" numCol="1" spcCol="0" rtlCol="0" fromWordArt="0" anchor="ctr" anchorCtr="0" forceAA="0" compatLnSpc="1">
+              <a:prstTxWarp prst="textNoShape">
+                <a:avLst/>
+              </a:prstTxWarp>
+              <a:spAutoFit/>
+            </a:bodyPr>
+            <a:lstStyle/>
+            <a:p>
+              <a:pPr algn="ctr"/>
+              <a:r>
+                <a:rPr lang="en-US" altLang="ja-JP" sz="2800" dirty="0" smtClean="0">
+                  <a:solidFill>
+                    <a:schemeClr val="accent1">
+                      <a:lumMod val="75000"/>
+                    </a:schemeClr>
+                  </a:solidFill>
+                  <a:latin typeface="Arial" panose="020B0604020202020204" pitchFamily="34" charset="0"/>
+                  <a:cs typeface="Arial" panose="020B0604020202020204" pitchFamily="34" charset="0"/>
+                </a:rPr>
+                <a:t>Kata</a:t>
+              </a:r>
+              <a:r>
+                <a:rPr lang="ja-JP" altLang="en-US" sz="2800" dirty="0" smtClean="0">
+                  <a:solidFill>
+                    <a:schemeClr val="accent1">
+                      <a:lumMod val="75000"/>
+                    </a:schemeClr>
+                  </a:solidFill>
+                  <a:latin typeface="Arial" panose="020B0604020202020204" pitchFamily="34" charset="0"/>
+                  <a:cs typeface="Arial" panose="020B0604020202020204" pitchFamily="34" charset="0"/>
+                </a:rPr>
+                <a:t> </a:t>
+              </a:r>
+              <a:r>
+                <a:rPr lang="en-US" altLang="ja-JP" sz="2800" dirty="0" smtClean="0">
+                  <a:solidFill>
+                    <a:schemeClr val="accent1">
+                      <a:lumMod val="75000"/>
+                    </a:schemeClr>
+                  </a:solidFill>
+                  <a:latin typeface="Arial" panose="020B0604020202020204" pitchFamily="34" charset="0"/>
+                  <a:cs typeface="Arial" panose="020B0604020202020204" pitchFamily="34" charset="0"/>
+                </a:rPr>
+                <a:t>Containers</a:t>
+              </a:r>
+              <a:endParaRPr lang="ja-JP" altLang="en-US" sz="2800" dirty="0">
+                <a:solidFill>
+                  <a:schemeClr val="accent1">
+                    <a:lumMod val="75000"/>
+                  </a:schemeClr>
+                </a:solidFill>
+                <a:latin typeface="Arial" panose="020B0604020202020204" pitchFamily="34" charset="0"/>
+                <a:cs typeface="Arial" panose="020B0604020202020204" pitchFamily="34" charset="0"/>
+              </a:endParaRPr>
+            </a:p>
+          </p:txBody>
+        </p:sp>
+      </p:grpSp>
+      <p:pic>
+        <p:nvPicPr>
+          <p:cNvPr id="1045" name="Picture 21" descr="https://raw.githubusercontent.com/google/gvisor/master/g3doc/logo.png"/>
+          <p:cNvPicPr>
+            <a:picLocks noChangeAspect="1" noChangeArrowheads="1"/>
+          </p:cNvPicPr>
+          <p:nvPr/>
+        </p:nvPicPr>
+        <p:blipFill>
+          <a:blip r:embed="rId17" cstate="print">
+            <a:extLst>
+              <a:ext uri="{28A0092B-C50C-407E-A947-70E740481C1C}">
+                <a14:useLocalDpi xmlns:a14="http://schemas.microsoft.com/office/drawing/2010/main" val="0"/>
+              </a:ext>
+            </a:extLst>
+          </a:blip>
+          <a:srcRect/>
+          <a:stretch>
+            <a:fillRect/>
+          </a:stretch>
+        </p:blipFill>
+        <p:spPr bwMode="auto">
+          <a:xfrm>
+            <a:off x="3382130" y="25473414"/>
+            <a:ext cx="2484228" cy="849866"/>
+          </a:xfrm>
+          <a:prstGeom prst="rect">
+            <a:avLst/>
+          </a:prstGeom>
+          <a:noFill/>
+          <a:extLst>
+            <a:ext uri="{909E8E84-426E-40DD-AFC4-6F175D3DCCD1}">
+              <a14:hiddenFill xmlns:a14="http://schemas.microsoft.com/office/drawing/2010/main">
+                <a:solidFill>
+                  <a:srgbClr val="FFFFFF"/>
+                </a:solidFill>
+              </a14:hiddenFill>
+            </a:ext>
+          </a:extLst>
+        </p:spPr>
+      </p:pic>
+      <p:grpSp>
+        <p:nvGrpSpPr>
+          <p:cNvPr id="40" name="グループ化 39"/>
+          <p:cNvGrpSpPr/>
+          <p:nvPr/>
+        </p:nvGrpSpPr>
+        <p:grpSpPr>
+          <a:xfrm>
+            <a:off x="555791" y="28195488"/>
+            <a:ext cx="8136904" cy="707886"/>
+            <a:chOff x="716046" y="28195488"/>
+            <a:chExt cx="8136904" cy="707886"/>
+          </a:xfrm>
+        </p:grpSpPr>
+        <p:sp>
+          <p:nvSpPr>
+            <p:cNvPr id="48" name="テキスト ボックス 47"/>
+            <p:cNvSpPr txBox="1"/>
+            <p:nvPr/>
+          </p:nvSpPr>
+          <p:spPr>
+            <a:xfrm>
+              <a:off x="716046" y="28195488"/>
+              <a:ext cx="1440160" cy="707886"/>
+            </a:xfrm>
+            <a:prstGeom prst="rect">
+              <a:avLst/>
+            </a:prstGeom>
+            <a:noFill/>
+          </p:spPr>
+          <p:txBody>
+            <a:bodyPr wrap="square" rtlCol="0">
+              <a:spAutoFit/>
+            </a:bodyPr>
+            <a:lstStyle/>
+            <a:p>
+              <a:r>
+                <a:rPr kumimoji="1" lang="en-US" altLang="ja-JP" sz="4000" dirty="0" smtClean="0">
+                  <a:latin typeface="IBM 3270" panose="02000603000000000000" pitchFamily="2" charset="0"/>
+                  <a:ea typeface="IBM 3270" panose="02000603000000000000" pitchFamily="2" charset="0"/>
+                </a:rPr>
+                <a:t>2019</a:t>
+              </a:r>
+              <a:endParaRPr kumimoji="1" lang="ja-JP" altLang="en-US" sz="4000" dirty="0">
+                <a:latin typeface="IBM 3270" panose="02000603000000000000" pitchFamily="2" charset="0"/>
+              </a:endParaRPr>
+            </a:p>
+          </p:txBody>
+        </p:sp>
+        <p:cxnSp>
+          <p:nvCxnSpPr>
+            <p:cNvPr id="49" name="直線コネクタ 48"/>
+            <p:cNvCxnSpPr>
+              <a:stCxn id="48" idx="3"/>
+            </p:cNvCxnSpPr>
+            <p:nvPr/>
+          </p:nvCxnSpPr>
+          <p:spPr>
+            <a:xfrm>
+              <a:off x="2156206" y="28549431"/>
+              <a:ext cx="6696744" cy="0"/>
+            </a:xfrm>
+            <a:prstGeom prst="line">
+              <a:avLst/>
+            </a:prstGeom>
+            <a:ln>
+              <a:solidFill>
+                <a:schemeClr val="tx1">
+                  <a:lumMod val="65000"/>
+                  <a:lumOff val="35000"/>
+                </a:schemeClr>
+              </a:solidFill>
+              <a:prstDash val="sysDot"/>
+            </a:ln>
+          </p:spPr>
+          <p:style>
+            <a:lnRef idx="1">
+              <a:schemeClr val="dk1"/>
+            </a:lnRef>
+            <a:fillRef idx="0">
+              <a:schemeClr val="dk1"/>
+            </a:fillRef>
+            <a:effectRef idx="0">
+              <a:schemeClr val="dk1"/>
+            </a:effectRef>
+            <a:fontRef idx="minor">
+              <a:schemeClr val="tx1"/>
+            </a:fontRef>
+          </p:style>
+        </p:cxnSp>
+      </p:grpSp>
+    </p:spTree>
+    <p:extLst>
+      <p:ext uri="{BB962C8B-B14F-4D97-AF65-F5344CB8AC3E}">
+        <p14:creationId xmlns:p14="http://schemas.microsoft.com/office/powerpoint/2010/main" val="3312466172"/>
+      </p:ext>
+    </p:extLst>
+  </p:cSld>
+  <p:clrMapOvr>
+    <a:masterClrMapping/>
+  </p:clrMapOvr>
+</p:sld>
+</file>
+
 <file path=ppt/slides/slide2.xml><?xml version="1.0" encoding="utf-8"?>
 <p:sld xmlns:a="http://schemas.openxmlformats.org/drawingml/2006/main" xmlns:r="http://schemas.openxmlformats.org/officeDocument/2006/relationships" xmlns:p="http://schemas.openxmlformats.org/presentationml/2006/main">
   <p:cSld>

--- a/static/images/k8s-ecosystem-container-runtimes/container-runtime.pptx
+++ b/static/images/k8s-ecosystem-container-runtimes/container-runtime.pptx
@@ -6,19 +6,20 @@
   </p:sldMasterIdLst>
   <p:sldIdLst>
     <p:sldId id="258" r:id="rId2"/>
-    <p:sldId id="259" r:id="rId3"/>
-    <p:sldId id="260" r:id="rId4"/>
-    <p:sldId id="261" r:id="rId5"/>
-    <p:sldId id="262" r:id="rId6"/>
-    <p:sldId id="263" r:id="rId7"/>
-    <p:sldId id="271" r:id="rId8"/>
-    <p:sldId id="264" r:id="rId9"/>
-    <p:sldId id="265" r:id="rId10"/>
-    <p:sldId id="267" r:id="rId11"/>
-    <p:sldId id="268" r:id="rId12"/>
-    <p:sldId id="269" r:id="rId13"/>
-    <p:sldId id="270" r:id="rId14"/>
-    <p:sldId id="272" r:id="rId15"/>
+    <p:sldId id="273" r:id="rId3"/>
+    <p:sldId id="259" r:id="rId4"/>
+    <p:sldId id="260" r:id="rId5"/>
+    <p:sldId id="261" r:id="rId6"/>
+    <p:sldId id="262" r:id="rId7"/>
+    <p:sldId id="263" r:id="rId8"/>
+    <p:sldId id="271" r:id="rId9"/>
+    <p:sldId id="264" r:id="rId10"/>
+    <p:sldId id="265" r:id="rId11"/>
+    <p:sldId id="267" r:id="rId12"/>
+    <p:sldId id="268" r:id="rId13"/>
+    <p:sldId id="269" r:id="rId14"/>
+    <p:sldId id="270" r:id="rId15"/>
+    <p:sldId id="272" r:id="rId16"/>
   </p:sldIdLst>
   <p:sldSz cx="9144000" cy="51206400"/>
   <p:notesSz cx="6858000" cy="9144000"/>
@@ -301,7 +302,7 @@
           <a:p>
             <a:fld id="{1C257373-2D96-432C-8559-9F0547ADC7C2}" type="datetimeFigureOut">
               <a:rPr kumimoji="1" lang="ja-JP" altLang="en-US" smtClean="0"/>
-              <a:t>2019/6/18</a:t>
+              <a:t>2019/7/1</a:t>
             </a:fld>
             <a:endParaRPr kumimoji="1" lang="ja-JP" altLang="en-US"/>
           </a:p>
@@ -503,7 +504,7 @@
           <a:p>
             <a:fld id="{1C257373-2D96-432C-8559-9F0547ADC7C2}" type="datetimeFigureOut">
               <a:rPr kumimoji="1" lang="ja-JP" altLang="en-US" smtClean="0"/>
-              <a:t>2019/6/18</a:t>
+              <a:t>2019/7/1</a:t>
             </a:fld>
             <a:endParaRPr kumimoji="1" lang="ja-JP" altLang="en-US"/>
           </a:p>
@@ -715,7 +716,7 @@
           <a:p>
             <a:fld id="{1C257373-2D96-432C-8559-9F0547ADC7C2}" type="datetimeFigureOut">
               <a:rPr kumimoji="1" lang="ja-JP" altLang="en-US" smtClean="0"/>
-              <a:t>2019/6/18</a:t>
+              <a:t>2019/7/1</a:t>
             </a:fld>
             <a:endParaRPr kumimoji="1" lang="ja-JP" altLang="en-US"/>
           </a:p>
@@ -917,7 +918,7 @@
           <a:p>
             <a:fld id="{1C257373-2D96-432C-8559-9F0547ADC7C2}" type="datetimeFigureOut">
               <a:rPr kumimoji="1" lang="ja-JP" altLang="en-US" smtClean="0"/>
-              <a:t>2019/6/18</a:t>
+              <a:t>2019/7/1</a:t>
             </a:fld>
             <a:endParaRPr kumimoji="1" lang="ja-JP" altLang="en-US"/>
           </a:p>
@@ -1163,7 +1164,7 @@
           <a:p>
             <a:fld id="{1C257373-2D96-432C-8559-9F0547ADC7C2}" type="datetimeFigureOut">
               <a:rPr kumimoji="1" lang="ja-JP" altLang="en-US" smtClean="0"/>
-              <a:t>2019/6/18</a:t>
+              <a:t>2019/7/1</a:t>
             </a:fld>
             <a:endParaRPr kumimoji="1" lang="ja-JP" altLang="en-US"/>
           </a:p>
@@ -1515,7 +1516,7 @@
           <a:p>
             <a:fld id="{1C257373-2D96-432C-8559-9F0547ADC7C2}" type="datetimeFigureOut">
               <a:rPr kumimoji="1" lang="ja-JP" altLang="en-US" smtClean="0"/>
-              <a:t>2019/6/18</a:t>
+              <a:t>2019/7/1</a:t>
             </a:fld>
             <a:endParaRPr kumimoji="1" lang="ja-JP" altLang="en-US"/>
           </a:p>
@@ -2001,7 +2002,7 @@
           <a:p>
             <a:fld id="{1C257373-2D96-432C-8559-9F0547ADC7C2}" type="datetimeFigureOut">
               <a:rPr kumimoji="1" lang="ja-JP" altLang="en-US" smtClean="0"/>
-              <a:t>2019/6/18</a:t>
+              <a:t>2019/7/1</a:t>
             </a:fld>
             <a:endParaRPr kumimoji="1" lang="ja-JP" altLang="en-US"/>
           </a:p>
@@ -2119,7 +2120,7 @@
           <a:p>
             <a:fld id="{1C257373-2D96-432C-8559-9F0547ADC7C2}" type="datetimeFigureOut">
               <a:rPr kumimoji="1" lang="ja-JP" altLang="en-US" smtClean="0"/>
-              <a:t>2019/6/18</a:t>
+              <a:t>2019/7/1</a:t>
             </a:fld>
             <a:endParaRPr kumimoji="1" lang="ja-JP" altLang="en-US"/>
           </a:p>
@@ -2214,7 +2215,7 @@
           <a:p>
             <a:fld id="{1C257373-2D96-432C-8559-9F0547ADC7C2}" type="datetimeFigureOut">
               <a:rPr kumimoji="1" lang="ja-JP" altLang="en-US" smtClean="0"/>
-              <a:t>2019/6/18</a:t>
+              <a:t>2019/7/1</a:t>
             </a:fld>
             <a:endParaRPr kumimoji="1" lang="ja-JP" altLang="en-US"/>
           </a:p>
@@ -2523,7 +2524,7 @@
           <a:p>
             <a:fld id="{1C257373-2D96-432C-8559-9F0547ADC7C2}" type="datetimeFigureOut">
               <a:rPr kumimoji="1" lang="ja-JP" altLang="en-US" smtClean="0"/>
-              <a:t>2019/6/18</a:t>
+              <a:t>2019/7/1</a:t>
             </a:fld>
             <a:endParaRPr kumimoji="1" lang="ja-JP" altLang="en-US"/>
           </a:p>
@@ -2776,7 +2777,7 @@
           <a:p>
             <a:fld id="{1C257373-2D96-432C-8559-9F0547ADC7C2}" type="datetimeFigureOut">
               <a:rPr kumimoji="1" lang="ja-JP" altLang="en-US" smtClean="0"/>
-              <a:t>2019/6/18</a:t>
+              <a:t>2019/7/1</a:t>
             </a:fld>
             <a:endParaRPr kumimoji="1" lang="ja-JP" altLang="en-US"/>
           </a:p>
@@ -3021,7 +3022,7 @@
           <a:p>
             <a:fld id="{1C257373-2D96-432C-8559-9F0547ADC7C2}" type="datetimeFigureOut">
               <a:rPr kumimoji="1" lang="ja-JP" altLang="en-US" smtClean="0"/>
-              <a:t>2019/6/18</a:t>
+              <a:t>2019/7/1</a:t>
             </a:fld>
             <a:endParaRPr kumimoji="1" lang="ja-JP" altLang="en-US"/>
           </a:p>
@@ -3963,6 +3964,1540 @@
           <a:chExt cx="0" cy="0"/>
         </a:xfrm>
       </p:grpSpPr>
+      <p:pic>
+        <p:nvPicPr>
+          <p:cNvPr id="49" name="Picture 3" descr="C:\Users\kaitoy\Desktop\bin\pleiades\workspace\blog\static\images\docker.png"/>
+          <p:cNvPicPr>
+            <a:picLocks noChangeAspect="1" noChangeArrowheads="1"/>
+          </p:cNvPicPr>
+          <p:nvPr/>
+        </p:nvPicPr>
+        <p:blipFill>
+          <a:blip r:embed="rId2">
+            <a:extLst>
+              <a:ext uri="{28A0092B-C50C-407E-A947-70E740481C1C}">
+                <a14:useLocalDpi xmlns:a14="http://schemas.microsoft.com/office/drawing/2010/main" val="0"/>
+              </a:ext>
+            </a:extLst>
+          </a:blip>
+          <a:srcRect/>
+          <a:stretch>
+            <a:fillRect/>
+          </a:stretch>
+        </p:blipFill>
+        <p:spPr bwMode="auto">
+          <a:xfrm>
+            <a:off x="794791" y="3720556"/>
+            <a:ext cx="1905001" cy="1576388"/>
+          </a:xfrm>
+          <a:prstGeom prst="rect">
+            <a:avLst/>
+          </a:prstGeom>
+          <a:noFill/>
+          <a:extLst>
+            <a:ext uri="{909E8E84-426E-40DD-AFC4-6F175D3DCCD1}">
+              <a14:hiddenFill xmlns:a14="http://schemas.microsoft.com/office/drawing/2010/main">
+                <a:solidFill>
+                  <a:srgbClr val="FFFFFF"/>
+                </a:solidFill>
+              </a14:hiddenFill>
+            </a:ext>
+          </a:extLst>
+        </p:spPr>
+      </p:pic>
+      <p:cxnSp>
+        <p:nvCxnSpPr>
+          <p:cNvPr id="50" name="直線矢印コネクタ 49"/>
+          <p:cNvCxnSpPr/>
+          <p:nvPr/>
+        </p:nvCxnSpPr>
+        <p:spPr>
+          <a:xfrm>
+            <a:off x="4449600" y="5365245"/>
+            <a:ext cx="0" cy="666162"/>
+          </a:xfrm>
+          <a:prstGeom prst="straightConnector1">
+            <a:avLst/>
+          </a:prstGeom>
+          <a:ln w="25400">
+            <a:tailEnd type="triangle" w="lg" len="lg"/>
+          </a:ln>
+        </p:spPr>
+        <p:style>
+          <a:lnRef idx="1">
+            <a:schemeClr val="accent5"/>
+          </a:lnRef>
+          <a:fillRef idx="0">
+            <a:schemeClr val="accent5"/>
+          </a:fillRef>
+          <a:effectRef idx="0">
+            <a:schemeClr val="accent5"/>
+          </a:effectRef>
+          <a:fontRef idx="minor">
+            <a:schemeClr val="tx1"/>
+          </a:fontRef>
+        </p:style>
+      </p:cxnSp>
+      <p:grpSp>
+        <p:nvGrpSpPr>
+          <p:cNvPr id="52" name="グループ化 51"/>
+          <p:cNvGrpSpPr/>
+          <p:nvPr/>
+        </p:nvGrpSpPr>
+        <p:grpSpPr>
+          <a:xfrm>
+            <a:off x="3012385" y="6016893"/>
+            <a:ext cx="2862459" cy="1106287"/>
+            <a:chOff x="3126959" y="2262359"/>
+            <a:chExt cx="2862459" cy="1106287"/>
+          </a:xfrm>
+        </p:grpSpPr>
+        <p:sp>
+          <p:nvSpPr>
+            <p:cNvPr id="53" name="角丸四角形 52"/>
+            <p:cNvSpPr/>
+            <p:nvPr/>
+          </p:nvSpPr>
+          <p:spPr>
+            <a:xfrm>
+              <a:off x="3141203" y="2276873"/>
+              <a:ext cx="2848215" cy="1091773"/>
+            </a:xfrm>
+            <a:prstGeom prst="roundRect">
+              <a:avLst>
+                <a:gd name="adj" fmla="val 10811"/>
+              </a:avLst>
+            </a:prstGeom>
+            <a:noFill/>
+            <a:ln>
+              <a:prstDash val="dash"/>
+            </a:ln>
+          </p:spPr>
+          <p:style>
+            <a:lnRef idx="2">
+              <a:schemeClr val="accent1"/>
+            </a:lnRef>
+            <a:fillRef idx="1">
+              <a:schemeClr val="lt1"/>
+            </a:fillRef>
+            <a:effectRef idx="0">
+              <a:schemeClr val="accent1"/>
+            </a:effectRef>
+            <a:fontRef idx="minor">
+              <a:schemeClr val="dk1"/>
+            </a:fontRef>
+          </p:style>
+          <p:txBody>
+            <a:bodyPr rtlCol="0" anchor="ctr"/>
+            <a:lstStyle/>
+            <a:p>
+              <a:pPr algn="ctr"/>
+              <a:endParaRPr kumimoji="1" lang="ja-JP" altLang="en-US"/>
+            </a:p>
+          </p:txBody>
+        </p:sp>
+        <p:sp>
+          <p:nvSpPr>
+            <p:cNvPr id="54" name="対角する 2 つの角を丸めた四角形 53"/>
+            <p:cNvSpPr/>
+            <p:nvPr/>
+          </p:nvSpPr>
+          <p:spPr>
+            <a:xfrm>
+              <a:off x="3126959" y="2262359"/>
+              <a:ext cx="936000" cy="292627"/>
+            </a:xfrm>
+            <a:prstGeom prst="round2DiagRect">
+              <a:avLst/>
+            </a:prstGeom>
+            <a:effectLst/>
+          </p:spPr>
+          <p:style>
+            <a:lnRef idx="1">
+              <a:schemeClr val="accent1"/>
+            </a:lnRef>
+            <a:fillRef idx="2">
+              <a:schemeClr val="accent1"/>
+            </a:fillRef>
+            <a:effectRef idx="1">
+              <a:schemeClr val="accent1"/>
+            </a:effectRef>
+            <a:fontRef idx="minor">
+              <a:schemeClr val="dk1"/>
+            </a:fontRef>
+          </p:style>
+          <p:txBody>
+            <a:bodyPr wrap="none" lIns="36000" tIns="36000" rIns="36000" bIns="36000" rtlCol="0" anchor="ctr"/>
+            <a:lstStyle/>
+            <a:p>
+              <a:pPr algn="ctr"/>
+              <a:r>
+                <a:rPr kumimoji="1" lang="en-US" altLang="ja-JP" dirty="0" smtClean="0">
+                  <a:solidFill>
+                    <a:schemeClr val="tx1">
+                      <a:lumMod val="75000"/>
+                      <a:lumOff val="25000"/>
+                    </a:schemeClr>
+                  </a:solidFill>
+                </a:rPr>
+                <a:t>CRI </a:t>
+              </a:r>
+              <a:r>
+                <a:rPr kumimoji="1" lang="en-US" altLang="ja-JP" dirty="0" err="1" smtClean="0">
+                  <a:solidFill>
+                    <a:schemeClr val="tx1">
+                      <a:lumMod val="75000"/>
+                      <a:lumOff val="25000"/>
+                    </a:schemeClr>
+                  </a:solidFill>
+                </a:rPr>
+                <a:t>impl</a:t>
+              </a:r>
+              <a:endParaRPr kumimoji="1" lang="ja-JP" altLang="en-US" dirty="0">
+                <a:solidFill>
+                  <a:schemeClr val="tx1">
+                    <a:lumMod val="75000"/>
+                    <a:lumOff val="25000"/>
+                  </a:schemeClr>
+                </a:solidFill>
+              </a:endParaRPr>
+            </a:p>
+          </p:txBody>
+        </p:sp>
+      </p:grpSp>
+      <p:cxnSp>
+        <p:nvCxnSpPr>
+          <p:cNvPr id="55" name="カギ線コネクタ 54"/>
+          <p:cNvCxnSpPr>
+            <a:stCxn id="49" idx="2"/>
+            <a:endCxn id="53" idx="0"/>
+          </p:cNvCxnSpPr>
+          <p:nvPr/>
+        </p:nvCxnSpPr>
+        <p:spPr>
+          <a:xfrm rot="16200000" flipH="1">
+            <a:off x="2731783" y="4312452"/>
+            <a:ext cx="734463" cy="2703445"/>
+          </a:xfrm>
+          <a:prstGeom prst="bentConnector3">
+            <a:avLst>
+              <a:gd name="adj1" fmla="val 50000"/>
+            </a:avLst>
+          </a:prstGeom>
+          <a:ln w="25400">
+            <a:prstDash val="sysDash"/>
+            <a:tailEnd type="triangle" w="lg" len="lg"/>
+          </a:ln>
+        </p:spPr>
+        <p:style>
+          <a:lnRef idx="1">
+            <a:schemeClr val="accent5"/>
+          </a:lnRef>
+          <a:fillRef idx="0">
+            <a:schemeClr val="accent5"/>
+          </a:fillRef>
+          <a:effectRef idx="0">
+            <a:schemeClr val="accent5"/>
+          </a:effectRef>
+          <a:fontRef idx="minor">
+            <a:schemeClr val="tx1"/>
+          </a:fontRef>
+        </p:style>
+      </p:cxnSp>
+      <p:pic>
+        <p:nvPicPr>
+          <p:cNvPr id="56" name="Picture 2" descr="C:\Users\kaitoy\Desktop\bin\pleiades\workspace\blog\static\images\kubernetes.png"/>
+          <p:cNvPicPr>
+            <a:picLocks noChangeAspect="1" noChangeArrowheads="1"/>
+          </p:cNvPicPr>
+          <p:nvPr/>
+        </p:nvPicPr>
+        <p:blipFill>
+          <a:blip r:embed="rId3" cstate="print">
+            <a:extLst>
+              <a:ext uri="{28A0092B-C50C-407E-A947-70E740481C1C}">
+                <a14:useLocalDpi xmlns:a14="http://schemas.microsoft.com/office/drawing/2010/main" val="0"/>
+              </a:ext>
+            </a:extLst>
+          </a:blip>
+          <a:srcRect/>
+          <a:stretch>
+            <a:fillRect/>
+          </a:stretch>
+        </p:blipFill>
+        <p:spPr bwMode="auto">
+          <a:xfrm>
+            <a:off x="3471506" y="3770710"/>
+            <a:ext cx="1944216" cy="1454226"/>
+          </a:xfrm>
+          <a:prstGeom prst="rect">
+            <a:avLst/>
+          </a:prstGeom>
+          <a:noFill/>
+          <a:extLst>
+            <a:ext uri="{909E8E84-426E-40DD-AFC4-6F175D3DCCD1}">
+              <a14:hiddenFill xmlns:a14="http://schemas.microsoft.com/office/drawing/2010/main">
+                <a:solidFill>
+                  <a:srgbClr val="FFFFFF"/>
+                </a:solidFill>
+              </a14:hiddenFill>
+            </a:ext>
+          </a:extLst>
+        </p:spPr>
+      </p:pic>
+      <p:pic>
+        <p:nvPicPr>
+          <p:cNvPr id="57" name="Picture 2" descr="https://raw.githubusercontent.com/cncf/artwork/master/projects/containerd/horizontal/color/containerd-horizontal-color.png"/>
+          <p:cNvPicPr>
+            <a:picLocks noChangeAspect="1" noChangeArrowheads="1"/>
+          </p:cNvPicPr>
+          <p:nvPr/>
+        </p:nvPicPr>
+        <p:blipFill>
+          <a:blip r:embed="rId4" cstate="print">
+            <a:extLst>
+              <a:ext uri="{28A0092B-C50C-407E-A947-70E740481C1C}">
+                <a14:useLocalDpi xmlns:a14="http://schemas.microsoft.com/office/drawing/2010/main" val="0"/>
+              </a:ext>
+            </a:extLst>
+          </a:blip>
+          <a:srcRect/>
+          <a:stretch>
+            <a:fillRect/>
+          </a:stretch>
+        </p:blipFill>
+        <p:spPr bwMode="auto">
+          <a:xfrm>
+            <a:off x="3315577" y="6377064"/>
+            <a:ext cx="2256075" cy="558961"/>
+          </a:xfrm>
+          <a:prstGeom prst="rect">
+            <a:avLst/>
+          </a:prstGeom>
+          <a:noFill/>
+          <a:extLst>
+            <a:ext uri="{909E8E84-426E-40DD-AFC4-6F175D3DCCD1}">
+              <a14:hiddenFill xmlns:a14="http://schemas.microsoft.com/office/drawing/2010/main">
+                <a:solidFill>
+                  <a:srgbClr val="FFFFFF"/>
+                </a:solidFill>
+              </a14:hiddenFill>
+            </a:ext>
+          </a:extLst>
+        </p:spPr>
+      </p:pic>
+      <p:grpSp>
+        <p:nvGrpSpPr>
+          <p:cNvPr id="58" name="グループ化 57"/>
+          <p:cNvGrpSpPr/>
+          <p:nvPr/>
+        </p:nvGrpSpPr>
+        <p:grpSpPr>
+          <a:xfrm>
+            <a:off x="1926642" y="11789913"/>
+            <a:ext cx="1665841" cy="1408370"/>
+            <a:chOff x="707393" y="6331953"/>
+            <a:chExt cx="1665841" cy="1408370"/>
+          </a:xfrm>
+        </p:grpSpPr>
+        <p:sp>
+          <p:nvSpPr>
+            <p:cNvPr id="59" name="直方体 58"/>
+            <p:cNvSpPr/>
+            <p:nvPr/>
+          </p:nvSpPr>
+          <p:spPr>
+            <a:xfrm>
+              <a:off x="1324313" y="6331953"/>
+              <a:ext cx="432000" cy="432048"/>
+            </a:xfrm>
+            <a:prstGeom prst="cube">
+              <a:avLst/>
+            </a:prstGeom>
+          </p:spPr>
+          <p:style>
+            <a:lnRef idx="2">
+              <a:schemeClr val="accent5"/>
+            </a:lnRef>
+            <a:fillRef idx="1">
+              <a:schemeClr val="lt1"/>
+            </a:fillRef>
+            <a:effectRef idx="0">
+              <a:schemeClr val="accent5"/>
+            </a:effectRef>
+            <a:fontRef idx="minor">
+              <a:schemeClr val="dk1"/>
+            </a:fontRef>
+          </p:style>
+          <p:txBody>
+            <a:bodyPr rtlCol="0" anchor="ctr"/>
+            <a:lstStyle/>
+            <a:p>
+              <a:pPr algn="ctr"/>
+              <a:endParaRPr kumimoji="1" lang="ja-JP" altLang="en-US"/>
+            </a:p>
+          </p:txBody>
+        </p:sp>
+        <p:sp>
+          <p:nvSpPr>
+            <p:cNvPr id="60" name="テキスト ボックス 59"/>
+            <p:cNvSpPr txBox="1"/>
+            <p:nvPr/>
+          </p:nvSpPr>
+          <p:spPr>
+            <a:xfrm>
+              <a:off x="707393" y="6786216"/>
+              <a:ext cx="1665841" cy="954107"/>
+            </a:xfrm>
+            <a:prstGeom prst="rect">
+              <a:avLst/>
+            </a:prstGeom>
+            <a:noFill/>
+          </p:spPr>
+          <p:txBody>
+            <a:bodyPr wrap="none" rtlCol="0">
+              <a:spAutoFit/>
+            </a:bodyPr>
+            <a:lstStyle/>
+            <a:p>
+              <a:pPr algn="ctr"/>
+              <a:r>
+                <a:rPr lang="en-US" altLang="ja-JP" sz="2800" dirty="0" smtClean="0">
+                  <a:solidFill>
+                    <a:schemeClr val="tx1">
+                      <a:lumMod val="75000"/>
+                      <a:lumOff val="25000"/>
+                    </a:schemeClr>
+                  </a:solidFill>
+                  <a:latin typeface="Arial" panose="020B0604020202020204" pitchFamily="34" charset="0"/>
+                  <a:cs typeface="Arial" panose="020B0604020202020204" pitchFamily="34" charset="0"/>
+                </a:rPr>
+                <a:t>sandbox</a:t>
+              </a:r>
+            </a:p>
+            <a:p>
+              <a:pPr algn="ctr"/>
+              <a:r>
+                <a:rPr lang="en-US" altLang="ja-JP" sz="2800" dirty="0" smtClean="0">
+                  <a:solidFill>
+                    <a:schemeClr val="tx1">
+                      <a:lumMod val="75000"/>
+                      <a:lumOff val="25000"/>
+                    </a:schemeClr>
+                  </a:solidFill>
+                  <a:latin typeface="Arial" panose="020B0604020202020204" pitchFamily="34" charset="0"/>
+                  <a:cs typeface="Arial" panose="020B0604020202020204" pitchFamily="34" charset="0"/>
+                </a:rPr>
+                <a:t>container</a:t>
+              </a:r>
+              <a:endParaRPr kumimoji="1" lang="ja-JP" altLang="en-US" sz="2800" dirty="0">
+                <a:solidFill>
+                  <a:schemeClr val="tx1">
+                    <a:lumMod val="75000"/>
+                    <a:lumOff val="25000"/>
+                  </a:schemeClr>
+                </a:solidFill>
+                <a:latin typeface="Arial" panose="020B0604020202020204" pitchFamily="34" charset="0"/>
+                <a:cs typeface="Arial" panose="020B0604020202020204" pitchFamily="34" charset="0"/>
+              </a:endParaRPr>
+            </a:p>
+          </p:txBody>
+        </p:sp>
+      </p:grpSp>
+      <p:cxnSp>
+        <p:nvCxnSpPr>
+          <p:cNvPr id="61" name="カギ線コネクタ 60"/>
+          <p:cNvCxnSpPr>
+            <a:stCxn id="53" idx="2"/>
+            <a:endCxn id="86" idx="0"/>
+          </p:cNvCxnSpPr>
+          <p:nvPr/>
+        </p:nvCxnSpPr>
+        <p:spPr>
+          <a:xfrm rot="5400000">
+            <a:off x="3261411" y="6628590"/>
+            <a:ext cx="694736" cy="1683917"/>
+          </a:xfrm>
+          <a:prstGeom prst="bentConnector3">
+            <a:avLst>
+              <a:gd name="adj1" fmla="val 50000"/>
+            </a:avLst>
+          </a:prstGeom>
+          <a:ln w="25400">
+            <a:tailEnd type="triangle" w="lg" len="lg"/>
+          </a:ln>
+        </p:spPr>
+        <p:style>
+          <a:lnRef idx="1">
+            <a:schemeClr val="accent5"/>
+          </a:lnRef>
+          <a:fillRef idx="0">
+            <a:schemeClr val="accent5"/>
+          </a:fillRef>
+          <a:effectRef idx="0">
+            <a:schemeClr val="accent5"/>
+          </a:effectRef>
+          <a:fontRef idx="minor">
+            <a:schemeClr val="tx1"/>
+          </a:fontRef>
+        </p:style>
+      </p:cxnSp>
+      <p:grpSp>
+        <p:nvGrpSpPr>
+          <p:cNvPr id="64" name="グループ化 63"/>
+          <p:cNvGrpSpPr/>
+          <p:nvPr/>
+        </p:nvGrpSpPr>
+        <p:grpSpPr>
+          <a:xfrm>
+            <a:off x="1492164" y="8641772"/>
+            <a:ext cx="2534796" cy="1479708"/>
+            <a:chOff x="2901300" y="4435876"/>
+            <a:chExt cx="2534796" cy="1479708"/>
+          </a:xfrm>
+        </p:grpSpPr>
+        <p:sp>
+          <p:nvSpPr>
+            <p:cNvPr id="65" name="角丸四角形 64"/>
+            <p:cNvSpPr/>
+            <p:nvPr/>
+          </p:nvSpPr>
+          <p:spPr>
+            <a:xfrm>
+              <a:off x="2915816" y="4464905"/>
+              <a:ext cx="2520280" cy="1450679"/>
+            </a:xfrm>
+            <a:prstGeom prst="roundRect">
+              <a:avLst>
+                <a:gd name="adj" fmla="val 13586"/>
+              </a:avLst>
+            </a:prstGeom>
+            <a:noFill/>
+            <a:ln>
+              <a:prstDash val="dash"/>
+            </a:ln>
+          </p:spPr>
+          <p:style>
+            <a:lnRef idx="2">
+              <a:schemeClr val="accent5"/>
+            </a:lnRef>
+            <a:fillRef idx="1">
+              <a:schemeClr val="lt1"/>
+            </a:fillRef>
+            <a:effectRef idx="0">
+              <a:schemeClr val="accent5"/>
+            </a:effectRef>
+            <a:fontRef idx="minor">
+              <a:schemeClr val="dk1"/>
+            </a:fontRef>
+          </p:style>
+          <p:txBody>
+            <a:bodyPr rtlCol="0" anchor="ctr"/>
+            <a:lstStyle/>
+            <a:p>
+              <a:pPr algn="ctr"/>
+              <a:endParaRPr kumimoji="1" lang="ja-JP" altLang="en-US"/>
+            </a:p>
+          </p:txBody>
+        </p:sp>
+        <p:sp>
+          <p:nvSpPr>
+            <p:cNvPr id="66" name="対角する 2 つの角を丸めた四角形 65"/>
+            <p:cNvSpPr/>
+            <p:nvPr/>
+          </p:nvSpPr>
+          <p:spPr>
+            <a:xfrm>
+              <a:off x="2901300" y="4435876"/>
+              <a:ext cx="1332000" cy="288000"/>
+            </a:xfrm>
+            <a:prstGeom prst="round2DiagRect">
+              <a:avLst/>
+            </a:prstGeom>
+            <a:effectLst/>
+          </p:spPr>
+          <p:style>
+            <a:lnRef idx="1">
+              <a:schemeClr val="accent5"/>
+            </a:lnRef>
+            <a:fillRef idx="2">
+              <a:schemeClr val="accent5"/>
+            </a:fillRef>
+            <a:effectRef idx="1">
+              <a:schemeClr val="accent5"/>
+            </a:effectRef>
+            <a:fontRef idx="minor">
+              <a:schemeClr val="dk1"/>
+            </a:fontRef>
+          </p:style>
+          <p:txBody>
+            <a:bodyPr wrap="none" lIns="36000" tIns="36000" rIns="36000" bIns="36000" rtlCol="0" anchor="ctr"/>
+            <a:lstStyle/>
+            <a:p>
+              <a:pPr algn="ctr">
+                <a:lnSpc>
+                  <a:spcPts val="1460"/>
+                </a:lnSpc>
+              </a:pPr>
+              <a:r>
+                <a:rPr kumimoji="1" lang="en-US" altLang="ja-JP" dirty="0" smtClean="0">
+                  <a:solidFill>
+                    <a:schemeClr val="tx1">
+                      <a:lumMod val="75000"/>
+                      <a:lumOff val="25000"/>
+                    </a:schemeClr>
+                  </a:solidFill>
+                </a:rPr>
+                <a:t>OCI Runtime</a:t>
+              </a:r>
+              <a:endParaRPr kumimoji="1" lang="ja-JP" altLang="en-US" dirty="0">
+                <a:solidFill>
+                  <a:schemeClr val="tx1">
+                    <a:lumMod val="75000"/>
+                    <a:lumOff val="25000"/>
+                  </a:schemeClr>
+                </a:solidFill>
+              </a:endParaRPr>
+            </a:p>
+          </p:txBody>
+        </p:sp>
+      </p:grpSp>
+      <p:cxnSp>
+        <p:nvCxnSpPr>
+          <p:cNvPr id="69" name="カギ線コネクタ 68"/>
+          <p:cNvCxnSpPr>
+            <a:stCxn id="53" idx="2"/>
+            <a:endCxn id="87" idx="0"/>
+          </p:cNvCxnSpPr>
+          <p:nvPr/>
+        </p:nvCxnSpPr>
+        <p:spPr>
+          <a:xfrm rot="16200000" flipH="1">
+            <a:off x="4917594" y="6656322"/>
+            <a:ext cx="694736" cy="1628451"/>
+          </a:xfrm>
+          <a:prstGeom prst="bentConnector3">
+            <a:avLst>
+              <a:gd name="adj1" fmla="val 50000"/>
+            </a:avLst>
+          </a:prstGeom>
+          <a:ln w="25400">
+            <a:tailEnd type="triangle" w="lg" len="lg"/>
+          </a:ln>
+        </p:spPr>
+        <p:style>
+          <a:lnRef idx="1">
+            <a:schemeClr val="accent5"/>
+          </a:lnRef>
+          <a:fillRef idx="0">
+            <a:schemeClr val="accent5"/>
+          </a:fillRef>
+          <a:effectRef idx="0">
+            <a:schemeClr val="accent5"/>
+          </a:effectRef>
+          <a:fontRef idx="minor">
+            <a:schemeClr val="tx1"/>
+          </a:fontRef>
+        </p:style>
+      </p:cxnSp>
+      <p:cxnSp>
+        <p:nvCxnSpPr>
+          <p:cNvPr id="70" name="直線矢印コネクタ 69"/>
+          <p:cNvCxnSpPr/>
+          <p:nvPr/>
+        </p:nvCxnSpPr>
+        <p:spPr>
+          <a:xfrm flipH="1">
+            <a:off x="2759562" y="11202573"/>
+            <a:ext cx="1" cy="515267"/>
+          </a:xfrm>
+          <a:prstGeom prst="straightConnector1">
+            <a:avLst/>
+          </a:prstGeom>
+          <a:ln w="25400">
+            <a:tailEnd type="triangle" w="lg" len="lg"/>
+          </a:ln>
+        </p:spPr>
+        <p:style>
+          <a:lnRef idx="1">
+            <a:schemeClr val="accent5"/>
+          </a:lnRef>
+          <a:fillRef idx="0">
+            <a:schemeClr val="accent5"/>
+          </a:fillRef>
+          <a:effectRef idx="0">
+            <a:schemeClr val="accent5"/>
+          </a:effectRef>
+          <a:fontRef idx="minor">
+            <a:schemeClr val="tx1"/>
+          </a:fontRef>
+        </p:style>
+      </p:cxnSp>
+      <p:grpSp>
+        <p:nvGrpSpPr>
+          <p:cNvPr id="71" name="グループ化 70"/>
+          <p:cNvGrpSpPr/>
+          <p:nvPr/>
+        </p:nvGrpSpPr>
+        <p:grpSpPr>
+          <a:xfrm>
+            <a:off x="5239010" y="11789913"/>
+            <a:ext cx="1665841" cy="977483"/>
+            <a:chOff x="707393" y="6331953"/>
+            <a:chExt cx="1665841" cy="977483"/>
+          </a:xfrm>
+        </p:grpSpPr>
+        <p:sp>
+          <p:nvSpPr>
+            <p:cNvPr id="72" name="直方体 71"/>
+            <p:cNvSpPr/>
+            <p:nvPr/>
+          </p:nvSpPr>
+          <p:spPr>
+            <a:xfrm>
+              <a:off x="1324313" y="6331953"/>
+              <a:ext cx="432000" cy="432048"/>
+            </a:xfrm>
+            <a:prstGeom prst="cube">
+              <a:avLst/>
+            </a:prstGeom>
+          </p:spPr>
+          <p:style>
+            <a:lnRef idx="2">
+              <a:schemeClr val="accent5"/>
+            </a:lnRef>
+            <a:fillRef idx="1">
+              <a:schemeClr val="lt1"/>
+            </a:fillRef>
+            <a:effectRef idx="0">
+              <a:schemeClr val="accent5"/>
+            </a:effectRef>
+            <a:fontRef idx="minor">
+              <a:schemeClr val="dk1"/>
+            </a:fontRef>
+          </p:style>
+          <p:txBody>
+            <a:bodyPr rtlCol="0" anchor="ctr"/>
+            <a:lstStyle/>
+            <a:p>
+              <a:pPr algn="ctr"/>
+              <a:endParaRPr kumimoji="1" lang="ja-JP" altLang="en-US"/>
+            </a:p>
+          </p:txBody>
+        </p:sp>
+        <p:sp>
+          <p:nvSpPr>
+            <p:cNvPr id="73" name="テキスト ボックス 72"/>
+            <p:cNvSpPr txBox="1"/>
+            <p:nvPr/>
+          </p:nvSpPr>
+          <p:spPr>
+            <a:xfrm>
+              <a:off x="707393" y="6786216"/>
+              <a:ext cx="1665841" cy="523220"/>
+            </a:xfrm>
+            <a:prstGeom prst="rect">
+              <a:avLst/>
+            </a:prstGeom>
+            <a:noFill/>
+          </p:spPr>
+          <p:txBody>
+            <a:bodyPr wrap="none" rtlCol="0">
+              <a:spAutoFit/>
+            </a:bodyPr>
+            <a:lstStyle/>
+            <a:p>
+              <a:pPr algn="ctr"/>
+              <a:r>
+                <a:rPr lang="en-US" altLang="ja-JP" sz="2800" dirty="0" smtClean="0">
+                  <a:solidFill>
+                    <a:schemeClr val="tx1">
+                      <a:lumMod val="75000"/>
+                      <a:lumOff val="25000"/>
+                    </a:schemeClr>
+                  </a:solidFill>
+                  <a:latin typeface="Arial" panose="020B0604020202020204" pitchFamily="34" charset="0"/>
+                  <a:cs typeface="Arial" panose="020B0604020202020204" pitchFamily="34" charset="0"/>
+                </a:rPr>
+                <a:t>container</a:t>
+              </a:r>
+              <a:endParaRPr kumimoji="1" lang="ja-JP" altLang="en-US" sz="2800" dirty="0">
+                <a:solidFill>
+                  <a:schemeClr val="tx1">
+                    <a:lumMod val="75000"/>
+                    <a:lumOff val="25000"/>
+                  </a:schemeClr>
+                </a:solidFill>
+                <a:latin typeface="Arial" panose="020B0604020202020204" pitchFamily="34" charset="0"/>
+                <a:cs typeface="Arial" panose="020B0604020202020204" pitchFamily="34" charset="0"/>
+              </a:endParaRPr>
+            </a:p>
+          </p:txBody>
+        </p:sp>
+      </p:grpSp>
+      <p:grpSp>
+        <p:nvGrpSpPr>
+          <p:cNvPr id="77" name="グループ化 76"/>
+          <p:cNvGrpSpPr/>
+          <p:nvPr/>
+        </p:nvGrpSpPr>
+        <p:grpSpPr>
+          <a:xfrm>
+            <a:off x="4804532" y="8641772"/>
+            <a:ext cx="2534796" cy="1479708"/>
+            <a:chOff x="2901300" y="4435876"/>
+            <a:chExt cx="2534796" cy="1479708"/>
+          </a:xfrm>
+        </p:grpSpPr>
+        <p:sp>
+          <p:nvSpPr>
+            <p:cNvPr id="78" name="角丸四角形 77"/>
+            <p:cNvSpPr/>
+            <p:nvPr/>
+          </p:nvSpPr>
+          <p:spPr>
+            <a:xfrm>
+              <a:off x="2915816" y="4464905"/>
+              <a:ext cx="2520280" cy="1450679"/>
+            </a:xfrm>
+            <a:prstGeom prst="roundRect">
+              <a:avLst>
+                <a:gd name="adj" fmla="val 13586"/>
+              </a:avLst>
+            </a:prstGeom>
+            <a:noFill/>
+            <a:ln>
+              <a:prstDash val="dash"/>
+            </a:ln>
+          </p:spPr>
+          <p:style>
+            <a:lnRef idx="2">
+              <a:schemeClr val="accent5"/>
+            </a:lnRef>
+            <a:fillRef idx="1">
+              <a:schemeClr val="lt1"/>
+            </a:fillRef>
+            <a:effectRef idx="0">
+              <a:schemeClr val="accent5"/>
+            </a:effectRef>
+            <a:fontRef idx="minor">
+              <a:schemeClr val="dk1"/>
+            </a:fontRef>
+          </p:style>
+          <p:txBody>
+            <a:bodyPr rtlCol="0" anchor="ctr"/>
+            <a:lstStyle/>
+            <a:p>
+              <a:pPr algn="ctr"/>
+              <a:endParaRPr kumimoji="1" lang="ja-JP" altLang="en-US"/>
+            </a:p>
+          </p:txBody>
+        </p:sp>
+        <p:sp>
+          <p:nvSpPr>
+            <p:cNvPr id="79" name="対角する 2 つの角を丸めた四角形 78"/>
+            <p:cNvSpPr/>
+            <p:nvPr/>
+          </p:nvSpPr>
+          <p:spPr>
+            <a:xfrm>
+              <a:off x="2901300" y="4435876"/>
+              <a:ext cx="1332000" cy="288000"/>
+            </a:xfrm>
+            <a:prstGeom prst="round2DiagRect">
+              <a:avLst/>
+            </a:prstGeom>
+            <a:effectLst/>
+          </p:spPr>
+          <p:style>
+            <a:lnRef idx="1">
+              <a:schemeClr val="accent5"/>
+            </a:lnRef>
+            <a:fillRef idx="2">
+              <a:schemeClr val="accent5"/>
+            </a:fillRef>
+            <a:effectRef idx="1">
+              <a:schemeClr val="accent5"/>
+            </a:effectRef>
+            <a:fontRef idx="minor">
+              <a:schemeClr val="dk1"/>
+            </a:fontRef>
+          </p:style>
+          <p:txBody>
+            <a:bodyPr wrap="none" lIns="36000" tIns="36000" rIns="36000" bIns="36000" rtlCol="0" anchor="ctr"/>
+            <a:lstStyle/>
+            <a:p>
+              <a:pPr algn="ctr">
+                <a:lnSpc>
+                  <a:spcPts val="1460"/>
+                </a:lnSpc>
+              </a:pPr>
+              <a:r>
+                <a:rPr kumimoji="1" lang="en-US" altLang="ja-JP" dirty="0" smtClean="0">
+                  <a:solidFill>
+                    <a:schemeClr val="tx1">
+                      <a:lumMod val="75000"/>
+                      <a:lumOff val="25000"/>
+                    </a:schemeClr>
+                  </a:solidFill>
+                </a:rPr>
+                <a:t>OCI Runtime</a:t>
+              </a:r>
+              <a:endParaRPr kumimoji="1" lang="ja-JP" altLang="en-US" dirty="0">
+                <a:solidFill>
+                  <a:schemeClr val="tx1">
+                    <a:lumMod val="75000"/>
+                    <a:lumOff val="25000"/>
+                  </a:schemeClr>
+                </a:solidFill>
+              </a:endParaRPr>
+            </a:p>
+          </p:txBody>
+        </p:sp>
+      </p:grpSp>
+      <p:cxnSp>
+        <p:nvCxnSpPr>
+          <p:cNvPr id="82" name="直線矢印コネクタ 81"/>
+          <p:cNvCxnSpPr/>
+          <p:nvPr/>
+        </p:nvCxnSpPr>
+        <p:spPr>
+          <a:xfrm flipH="1">
+            <a:off x="6071930" y="11184193"/>
+            <a:ext cx="1" cy="515267"/>
+          </a:xfrm>
+          <a:prstGeom prst="straightConnector1">
+            <a:avLst/>
+          </a:prstGeom>
+          <a:ln w="25400">
+            <a:tailEnd type="triangle" w="lg" len="lg"/>
+          </a:ln>
+        </p:spPr>
+        <p:style>
+          <a:lnRef idx="1">
+            <a:schemeClr val="accent5"/>
+          </a:lnRef>
+          <a:fillRef idx="0">
+            <a:schemeClr val="accent5"/>
+          </a:fillRef>
+          <a:effectRef idx="0">
+            <a:schemeClr val="accent5"/>
+          </a:effectRef>
+          <a:fontRef idx="minor">
+            <a:schemeClr val="tx1"/>
+          </a:fontRef>
+        </p:style>
+      </p:cxnSp>
+      <p:grpSp>
+        <p:nvGrpSpPr>
+          <p:cNvPr id="83" name="グループ化 82"/>
+          <p:cNvGrpSpPr/>
+          <p:nvPr/>
+        </p:nvGrpSpPr>
+        <p:grpSpPr>
+          <a:xfrm>
+            <a:off x="1506680" y="11417624"/>
+            <a:ext cx="5832648" cy="1944216"/>
+            <a:chOff x="2901300" y="4435876"/>
+            <a:chExt cx="5832648" cy="1944216"/>
+          </a:xfrm>
+        </p:grpSpPr>
+        <p:sp>
+          <p:nvSpPr>
+            <p:cNvPr id="84" name="角丸四角形 83"/>
+            <p:cNvSpPr/>
+            <p:nvPr/>
+          </p:nvSpPr>
+          <p:spPr>
+            <a:xfrm>
+              <a:off x="2915816" y="4464905"/>
+              <a:ext cx="5818132" cy="1915187"/>
+            </a:xfrm>
+            <a:prstGeom prst="roundRect">
+              <a:avLst>
+                <a:gd name="adj" fmla="val 13586"/>
+              </a:avLst>
+            </a:prstGeom>
+            <a:noFill/>
+            <a:ln>
+              <a:solidFill>
+                <a:schemeClr val="tx1">
+                  <a:lumMod val="50000"/>
+                  <a:lumOff val="50000"/>
+                </a:schemeClr>
+              </a:solidFill>
+              <a:prstDash val="dash"/>
+            </a:ln>
+          </p:spPr>
+          <p:style>
+            <a:lnRef idx="2">
+              <a:schemeClr val="accent5"/>
+            </a:lnRef>
+            <a:fillRef idx="1">
+              <a:schemeClr val="lt1"/>
+            </a:fillRef>
+            <a:effectRef idx="0">
+              <a:schemeClr val="accent5"/>
+            </a:effectRef>
+            <a:fontRef idx="minor">
+              <a:schemeClr val="dk1"/>
+            </a:fontRef>
+          </p:style>
+          <p:txBody>
+            <a:bodyPr rtlCol="0" anchor="ctr"/>
+            <a:lstStyle/>
+            <a:p>
+              <a:pPr algn="ctr"/>
+              <a:endParaRPr kumimoji="1" lang="ja-JP" altLang="en-US"/>
+            </a:p>
+          </p:txBody>
+        </p:sp>
+        <p:sp>
+          <p:nvSpPr>
+            <p:cNvPr id="85" name="対角する 2 つの角を丸めた四角形 84"/>
+            <p:cNvSpPr/>
+            <p:nvPr/>
+          </p:nvSpPr>
+          <p:spPr>
+            <a:xfrm>
+              <a:off x="2901300" y="4435876"/>
+              <a:ext cx="612000" cy="288000"/>
+            </a:xfrm>
+            <a:prstGeom prst="round2DiagRect">
+              <a:avLst/>
+            </a:prstGeom>
+            <a:effectLst/>
+          </p:spPr>
+          <p:style>
+            <a:lnRef idx="1">
+              <a:schemeClr val="dk1"/>
+            </a:lnRef>
+            <a:fillRef idx="2">
+              <a:schemeClr val="dk1"/>
+            </a:fillRef>
+            <a:effectRef idx="1">
+              <a:schemeClr val="dk1"/>
+            </a:effectRef>
+            <a:fontRef idx="minor">
+              <a:schemeClr val="dk1"/>
+            </a:fontRef>
+          </p:style>
+          <p:txBody>
+            <a:bodyPr wrap="none" lIns="36000" tIns="36000" rIns="36000" bIns="36000" rtlCol="0" anchor="ctr"/>
+            <a:lstStyle/>
+            <a:p>
+              <a:pPr algn="ctr">
+                <a:lnSpc>
+                  <a:spcPts val="1460"/>
+                </a:lnSpc>
+              </a:pPr>
+              <a:r>
+                <a:rPr lang="en-US" altLang="ja-JP" dirty="0" smtClean="0">
+                  <a:solidFill>
+                    <a:schemeClr val="tx1">
+                      <a:lumMod val="75000"/>
+                      <a:lumOff val="25000"/>
+                    </a:schemeClr>
+                  </a:solidFill>
+                </a:rPr>
+                <a:t>Pod</a:t>
+              </a:r>
+              <a:endParaRPr kumimoji="1" lang="ja-JP" altLang="en-US" dirty="0">
+                <a:solidFill>
+                  <a:schemeClr val="tx1">
+                    <a:lumMod val="75000"/>
+                    <a:lumOff val="25000"/>
+                  </a:schemeClr>
+                </a:solidFill>
+              </a:endParaRPr>
+            </a:p>
+          </p:txBody>
+        </p:sp>
+      </p:grpSp>
+      <p:sp>
+        <p:nvSpPr>
+          <p:cNvPr id="86" name="正方形/長方形 85"/>
+          <p:cNvSpPr/>
+          <p:nvPr/>
+        </p:nvSpPr>
+        <p:spPr>
+          <a:xfrm>
+            <a:off x="2014851" y="7817916"/>
+            <a:ext cx="1503937" cy="523220"/>
+          </a:xfrm>
+          <a:prstGeom prst="rect">
+            <a:avLst/>
+          </a:prstGeom>
+        </p:spPr>
+        <p:style>
+          <a:lnRef idx="2">
+            <a:schemeClr val="accent5"/>
+          </a:lnRef>
+          <a:fillRef idx="1">
+            <a:schemeClr val="lt1"/>
+          </a:fillRef>
+          <a:effectRef idx="0">
+            <a:schemeClr val="accent5"/>
+          </a:effectRef>
+          <a:fontRef idx="minor">
+            <a:schemeClr val="dk1"/>
+          </a:fontRef>
+        </p:style>
+        <p:txBody>
+          <a:bodyPr rot="0" spcFirstLastPara="0" vertOverflow="overflow" horzOverflow="overflow" vert="horz" wrap="none" lIns="91440" tIns="45720" rIns="91440" bIns="45720" numCol="1" spcCol="0" rtlCol="0" fromWordArt="0" anchor="ctr" anchorCtr="0" forceAA="0" compatLnSpc="1">
+            <a:prstTxWarp prst="textNoShape">
+              <a:avLst/>
+            </a:prstTxWarp>
+            <a:spAutoFit/>
+          </a:bodyPr>
+          <a:lstStyle/>
+          <a:p>
+            <a:pPr algn="ctr"/>
+            <a:r>
+              <a:rPr lang="en-US" altLang="ja-JP" sz="2800" dirty="0" err="1">
+                <a:solidFill>
+                  <a:schemeClr val="accent1">
+                    <a:lumMod val="75000"/>
+                  </a:schemeClr>
+                </a:solidFill>
+                <a:latin typeface="Arial" panose="020B0604020202020204" pitchFamily="34" charset="0"/>
+                <a:cs typeface="Arial" panose="020B0604020202020204" pitchFamily="34" charset="0"/>
+              </a:rPr>
+              <a:t>hcsshim</a:t>
+            </a:r>
+            <a:endParaRPr lang="ja-JP" altLang="en-US" sz="2800" dirty="0">
+              <a:solidFill>
+                <a:schemeClr val="accent1">
+                  <a:lumMod val="75000"/>
+                </a:schemeClr>
+              </a:solidFill>
+              <a:latin typeface="Arial" panose="020B0604020202020204" pitchFamily="34" charset="0"/>
+              <a:cs typeface="Arial" panose="020B0604020202020204" pitchFamily="34" charset="0"/>
+            </a:endParaRPr>
+          </a:p>
+        </p:txBody>
+      </p:sp>
+      <p:sp>
+        <p:nvSpPr>
+          <p:cNvPr id="87" name="正方形/長方形 86"/>
+          <p:cNvSpPr/>
+          <p:nvPr/>
+        </p:nvSpPr>
+        <p:spPr>
+          <a:xfrm>
+            <a:off x="5327219" y="7817916"/>
+            <a:ext cx="1503937" cy="523220"/>
+          </a:xfrm>
+          <a:prstGeom prst="rect">
+            <a:avLst/>
+          </a:prstGeom>
+        </p:spPr>
+        <p:style>
+          <a:lnRef idx="2">
+            <a:schemeClr val="accent5"/>
+          </a:lnRef>
+          <a:fillRef idx="1">
+            <a:schemeClr val="lt1"/>
+          </a:fillRef>
+          <a:effectRef idx="0">
+            <a:schemeClr val="accent5"/>
+          </a:effectRef>
+          <a:fontRef idx="minor">
+            <a:schemeClr val="dk1"/>
+          </a:fontRef>
+        </p:style>
+        <p:txBody>
+          <a:bodyPr rot="0" spcFirstLastPara="0" vertOverflow="overflow" horzOverflow="overflow" vert="horz" wrap="none" lIns="91440" tIns="45720" rIns="91440" bIns="45720" numCol="1" spcCol="0" rtlCol="0" fromWordArt="0" anchor="ctr" anchorCtr="0" forceAA="0" compatLnSpc="1">
+            <a:prstTxWarp prst="textNoShape">
+              <a:avLst/>
+            </a:prstTxWarp>
+            <a:spAutoFit/>
+          </a:bodyPr>
+          <a:lstStyle/>
+          <a:p>
+            <a:pPr algn="ctr"/>
+            <a:r>
+              <a:rPr lang="en-US" altLang="ja-JP" sz="2800" dirty="0" err="1">
+                <a:solidFill>
+                  <a:schemeClr val="accent1">
+                    <a:lumMod val="75000"/>
+                  </a:schemeClr>
+                </a:solidFill>
+                <a:latin typeface="Arial" panose="020B0604020202020204" pitchFamily="34" charset="0"/>
+                <a:cs typeface="Arial" panose="020B0604020202020204" pitchFamily="34" charset="0"/>
+              </a:rPr>
+              <a:t>hcsshim</a:t>
+            </a:r>
+            <a:endParaRPr lang="ja-JP" altLang="en-US" sz="2800" dirty="0">
+              <a:solidFill>
+                <a:schemeClr val="accent1">
+                  <a:lumMod val="75000"/>
+                </a:schemeClr>
+              </a:solidFill>
+              <a:latin typeface="Arial" panose="020B0604020202020204" pitchFamily="34" charset="0"/>
+              <a:cs typeface="Arial" panose="020B0604020202020204" pitchFamily="34" charset="0"/>
+            </a:endParaRPr>
+          </a:p>
+        </p:txBody>
+      </p:sp>
+      <p:cxnSp>
+        <p:nvCxnSpPr>
+          <p:cNvPr id="88" name="直線矢印コネクタ 87"/>
+          <p:cNvCxnSpPr>
+            <a:stCxn id="86" idx="2"/>
+            <a:endCxn id="65" idx="0"/>
+          </p:cNvCxnSpPr>
+          <p:nvPr/>
+        </p:nvCxnSpPr>
+        <p:spPr>
+          <a:xfrm>
+            <a:off x="2766820" y="8341136"/>
+            <a:ext cx="0" cy="329665"/>
+          </a:xfrm>
+          <a:prstGeom prst="straightConnector1">
+            <a:avLst/>
+          </a:prstGeom>
+          <a:ln w="25400">
+            <a:tailEnd type="triangle" w="lg" len="lg"/>
+          </a:ln>
+        </p:spPr>
+        <p:style>
+          <a:lnRef idx="1">
+            <a:schemeClr val="accent5"/>
+          </a:lnRef>
+          <a:fillRef idx="0">
+            <a:schemeClr val="accent5"/>
+          </a:fillRef>
+          <a:effectRef idx="0">
+            <a:schemeClr val="accent5"/>
+          </a:effectRef>
+          <a:fontRef idx="minor">
+            <a:schemeClr val="tx1"/>
+          </a:fontRef>
+        </p:style>
+      </p:cxnSp>
+      <p:cxnSp>
+        <p:nvCxnSpPr>
+          <p:cNvPr id="89" name="直線矢印コネクタ 88"/>
+          <p:cNvCxnSpPr>
+            <a:stCxn id="87" idx="2"/>
+          </p:cNvCxnSpPr>
+          <p:nvPr/>
+        </p:nvCxnSpPr>
+        <p:spPr>
+          <a:xfrm flipH="1">
+            <a:off x="6071930" y="8341136"/>
+            <a:ext cx="7258" cy="300636"/>
+          </a:xfrm>
+          <a:prstGeom prst="straightConnector1">
+            <a:avLst/>
+          </a:prstGeom>
+          <a:ln w="25400">
+            <a:tailEnd type="triangle" w="lg" len="lg"/>
+          </a:ln>
+        </p:spPr>
+        <p:style>
+          <a:lnRef idx="1">
+            <a:schemeClr val="accent5"/>
+          </a:lnRef>
+          <a:fillRef idx="0">
+            <a:schemeClr val="accent5"/>
+          </a:fillRef>
+          <a:effectRef idx="0">
+            <a:schemeClr val="accent5"/>
+          </a:effectRef>
+          <a:fontRef idx="minor">
+            <a:schemeClr val="tx1"/>
+          </a:fontRef>
+        </p:style>
+      </p:cxnSp>
+      <p:sp>
+        <p:nvSpPr>
+          <p:cNvPr id="41" name="正方形/長方形 40"/>
+          <p:cNvSpPr/>
+          <p:nvPr/>
+        </p:nvSpPr>
+        <p:spPr>
+          <a:xfrm>
+            <a:off x="1521196" y="10656000"/>
+            <a:ext cx="5818132" cy="523220"/>
+          </a:xfrm>
+          <a:prstGeom prst="rect">
+            <a:avLst/>
+          </a:prstGeom>
+        </p:spPr>
+        <p:style>
+          <a:lnRef idx="2">
+            <a:schemeClr val="accent5"/>
+          </a:lnRef>
+          <a:fillRef idx="1">
+            <a:schemeClr val="lt1"/>
+          </a:fillRef>
+          <a:effectRef idx="0">
+            <a:schemeClr val="accent5"/>
+          </a:effectRef>
+          <a:fontRef idx="minor">
+            <a:schemeClr val="dk1"/>
+          </a:fontRef>
+        </p:style>
+        <p:txBody>
+          <a:bodyPr rot="0" spcFirstLastPara="0" vertOverflow="overflow" horzOverflow="overflow" vert="horz" wrap="none" lIns="91440" tIns="45720" rIns="91440" bIns="45720" numCol="1" spcCol="0" rtlCol="0" fromWordArt="0" anchor="ctr" anchorCtr="0" forceAA="0" compatLnSpc="1">
+            <a:prstTxWarp prst="textNoShape">
+              <a:avLst/>
+            </a:prstTxWarp>
+            <a:noAutofit/>
+          </a:bodyPr>
+          <a:lstStyle/>
+          <a:p>
+            <a:pPr algn="ctr"/>
+            <a:r>
+              <a:rPr lang="en-US" altLang="ja-JP" sz="2800" dirty="0" smtClean="0">
+                <a:solidFill>
+                  <a:schemeClr val="accent1">
+                    <a:lumMod val="75000"/>
+                  </a:schemeClr>
+                </a:solidFill>
+                <a:latin typeface="Arial" panose="020B0604020202020204" pitchFamily="34" charset="0"/>
+                <a:cs typeface="Arial" panose="020B0604020202020204" pitchFamily="34" charset="0"/>
+              </a:rPr>
+              <a:t>HCS</a:t>
+            </a:r>
+            <a:endParaRPr lang="ja-JP" altLang="en-US" sz="2800" dirty="0">
+              <a:solidFill>
+                <a:schemeClr val="accent1">
+                  <a:lumMod val="75000"/>
+                </a:schemeClr>
+              </a:solidFill>
+              <a:latin typeface="Arial" panose="020B0604020202020204" pitchFamily="34" charset="0"/>
+              <a:cs typeface="Arial" panose="020B0604020202020204" pitchFamily="34" charset="0"/>
+            </a:endParaRPr>
+          </a:p>
+        </p:txBody>
+      </p:sp>
+      <p:sp>
+        <p:nvSpPr>
+          <p:cNvPr id="42" name="正方形/長方形 41"/>
+          <p:cNvSpPr/>
+          <p:nvPr/>
+        </p:nvSpPr>
+        <p:spPr>
+          <a:xfrm>
+            <a:off x="2134274" y="9113368"/>
+            <a:ext cx="1265090" cy="523220"/>
+          </a:xfrm>
+          <a:prstGeom prst="rect">
+            <a:avLst/>
+          </a:prstGeom>
+        </p:spPr>
+        <p:style>
+          <a:lnRef idx="2">
+            <a:schemeClr val="accent5"/>
+          </a:lnRef>
+          <a:fillRef idx="1">
+            <a:schemeClr val="lt1"/>
+          </a:fillRef>
+          <a:effectRef idx="0">
+            <a:schemeClr val="accent5"/>
+          </a:effectRef>
+          <a:fontRef idx="minor">
+            <a:schemeClr val="dk1"/>
+          </a:fontRef>
+        </p:style>
+        <p:txBody>
+          <a:bodyPr rot="0" spcFirstLastPara="0" vertOverflow="overflow" horzOverflow="overflow" vert="horz" wrap="none" lIns="91440" tIns="45720" rIns="91440" bIns="45720" numCol="1" spcCol="0" rtlCol="0" fromWordArt="0" anchor="ctr" anchorCtr="0" forceAA="0" compatLnSpc="1">
+            <a:prstTxWarp prst="textNoShape">
+              <a:avLst/>
+            </a:prstTxWarp>
+            <a:spAutoFit/>
+          </a:bodyPr>
+          <a:lstStyle/>
+          <a:p>
+            <a:pPr algn="ctr"/>
+            <a:r>
+              <a:rPr lang="en-US" altLang="ja-JP" sz="2800" dirty="0" err="1">
+                <a:solidFill>
+                  <a:schemeClr val="tx1">
+                    <a:lumMod val="75000"/>
+                    <a:lumOff val="25000"/>
+                  </a:schemeClr>
+                </a:solidFill>
+                <a:latin typeface="Arial" panose="020B0604020202020204" pitchFamily="34" charset="0"/>
+                <a:cs typeface="Arial" panose="020B0604020202020204" pitchFamily="34" charset="0"/>
+              </a:rPr>
+              <a:t>runhcs</a:t>
+            </a:r>
+            <a:endParaRPr lang="ja-JP" altLang="en-US" sz="2800" dirty="0">
+              <a:solidFill>
+                <a:schemeClr val="accent1">
+                  <a:lumMod val="75000"/>
+                </a:schemeClr>
+              </a:solidFill>
+              <a:latin typeface="Arial" panose="020B0604020202020204" pitchFamily="34" charset="0"/>
+              <a:cs typeface="Arial" panose="020B0604020202020204" pitchFamily="34" charset="0"/>
+            </a:endParaRPr>
+          </a:p>
+        </p:txBody>
+      </p:sp>
+      <p:sp>
+        <p:nvSpPr>
+          <p:cNvPr id="43" name="正方形/長方形 42"/>
+          <p:cNvSpPr/>
+          <p:nvPr/>
+        </p:nvSpPr>
+        <p:spPr>
+          <a:xfrm>
+            <a:off x="5439385" y="9113368"/>
+            <a:ext cx="1265090" cy="523220"/>
+          </a:xfrm>
+          <a:prstGeom prst="rect">
+            <a:avLst/>
+          </a:prstGeom>
+        </p:spPr>
+        <p:style>
+          <a:lnRef idx="2">
+            <a:schemeClr val="accent5"/>
+          </a:lnRef>
+          <a:fillRef idx="1">
+            <a:schemeClr val="lt1"/>
+          </a:fillRef>
+          <a:effectRef idx="0">
+            <a:schemeClr val="accent5"/>
+          </a:effectRef>
+          <a:fontRef idx="minor">
+            <a:schemeClr val="dk1"/>
+          </a:fontRef>
+        </p:style>
+        <p:txBody>
+          <a:bodyPr rot="0" spcFirstLastPara="0" vertOverflow="overflow" horzOverflow="overflow" vert="horz" wrap="none" lIns="91440" tIns="45720" rIns="91440" bIns="45720" numCol="1" spcCol="0" rtlCol="0" fromWordArt="0" anchor="ctr" anchorCtr="0" forceAA="0" compatLnSpc="1">
+            <a:prstTxWarp prst="textNoShape">
+              <a:avLst/>
+            </a:prstTxWarp>
+            <a:spAutoFit/>
+          </a:bodyPr>
+          <a:lstStyle/>
+          <a:p>
+            <a:pPr algn="ctr"/>
+            <a:r>
+              <a:rPr lang="en-US" altLang="ja-JP" sz="2800" dirty="0" err="1">
+                <a:solidFill>
+                  <a:schemeClr val="tx1">
+                    <a:lumMod val="75000"/>
+                    <a:lumOff val="25000"/>
+                  </a:schemeClr>
+                </a:solidFill>
+                <a:latin typeface="Arial" panose="020B0604020202020204" pitchFamily="34" charset="0"/>
+                <a:cs typeface="Arial" panose="020B0604020202020204" pitchFamily="34" charset="0"/>
+              </a:rPr>
+              <a:t>runhcs</a:t>
+            </a:r>
+            <a:endParaRPr lang="ja-JP" altLang="en-US" sz="2800" dirty="0">
+              <a:solidFill>
+                <a:schemeClr val="accent1">
+                  <a:lumMod val="75000"/>
+                </a:schemeClr>
+              </a:solidFill>
+              <a:latin typeface="Arial" panose="020B0604020202020204" pitchFamily="34" charset="0"/>
+              <a:cs typeface="Arial" panose="020B0604020202020204" pitchFamily="34" charset="0"/>
+            </a:endParaRPr>
+          </a:p>
+        </p:txBody>
+      </p:sp>
+      <p:cxnSp>
+        <p:nvCxnSpPr>
+          <p:cNvPr id="45" name="直線矢印コネクタ 44"/>
+          <p:cNvCxnSpPr/>
+          <p:nvPr/>
+        </p:nvCxnSpPr>
+        <p:spPr>
+          <a:xfrm flipH="1">
+            <a:off x="2759561" y="10121480"/>
+            <a:ext cx="1" cy="515267"/>
+          </a:xfrm>
+          <a:prstGeom prst="straightConnector1">
+            <a:avLst/>
+          </a:prstGeom>
+          <a:ln w="25400">
+            <a:tailEnd type="triangle" w="lg" len="lg"/>
+          </a:ln>
+        </p:spPr>
+        <p:style>
+          <a:lnRef idx="1">
+            <a:schemeClr val="accent5"/>
+          </a:lnRef>
+          <a:fillRef idx="0">
+            <a:schemeClr val="accent5"/>
+          </a:fillRef>
+          <a:effectRef idx="0">
+            <a:schemeClr val="accent5"/>
+          </a:effectRef>
+          <a:fontRef idx="minor">
+            <a:schemeClr val="tx1"/>
+          </a:fontRef>
+        </p:style>
+      </p:cxnSp>
+      <p:cxnSp>
+        <p:nvCxnSpPr>
+          <p:cNvPr id="46" name="直線矢印コネクタ 45"/>
+          <p:cNvCxnSpPr/>
+          <p:nvPr/>
+        </p:nvCxnSpPr>
+        <p:spPr>
+          <a:xfrm flipH="1">
+            <a:off x="6071929" y="10121480"/>
+            <a:ext cx="1" cy="515267"/>
+          </a:xfrm>
+          <a:prstGeom prst="straightConnector1">
+            <a:avLst/>
+          </a:prstGeom>
+          <a:ln w="25400">
+            <a:tailEnd type="triangle" w="lg" len="lg"/>
+          </a:ln>
+        </p:spPr>
+        <p:style>
+          <a:lnRef idx="1">
+            <a:schemeClr val="accent5"/>
+          </a:lnRef>
+          <a:fillRef idx="0">
+            <a:schemeClr val="accent5"/>
+          </a:fillRef>
+          <a:effectRef idx="0">
+            <a:schemeClr val="accent5"/>
+          </a:effectRef>
+          <a:fontRef idx="minor">
+            <a:schemeClr val="tx1"/>
+          </a:fontRef>
+        </p:style>
+      </p:cxnSp>
+    </p:spTree>
+    <p:extLst>
+      <p:ext uri="{BB962C8B-B14F-4D97-AF65-F5344CB8AC3E}">
+        <p14:creationId xmlns:p14="http://schemas.microsoft.com/office/powerpoint/2010/main" val="8378141"/>
+      </p:ext>
+    </p:extLst>
+  </p:cSld>
+  <p:clrMapOvr>
+    <a:masterClrMapping/>
+  </p:clrMapOvr>
+</p:sld>
+</file>
+
+<file path=ppt/slides/slide11.xml><?xml version="1.0" encoding="utf-8"?>
+<p:sld xmlns:a="http://schemas.openxmlformats.org/drawingml/2006/main" xmlns:r="http://schemas.openxmlformats.org/officeDocument/2006/relationships" xmlns:p="http://schemas.openxmlformats.org/presentationml/2006/main">
+  <p:cSld>
+    <p:spTree>
+      <p:nvGrpSpPr>
+        <p:cNvPr id="1" name=""/>
+        <p:cNvGrpSpPr/>
+        <p:nvPr/>
+      </p:nvGrpSpPr>
+      <p:grpSpPr>
+        <a:xfrm>
+          <a:off x="0" y="0"/>
+          <a:ext cx="0" cy="0"/>
+          <a:chOff x="0" y="0"/>
+          <a:chExt cx="0" cy="0"/>
+        </a:xfrm>
+      </p:grpSpPr>
       <p:cxnSp>
         <p:nvCxnSpPr>
           <p:cNvPr id="50" name="直線矢印コネクタ 49"/>
@@ -6160,7 +7695,7 @@
 </p:sld>
 </file>
 
-<file path=ppt/slides/slide11.xml><?xml version="1.0" encoding="utf-8"?>
+<file path=ppt/slides/slide12.xml><?xml version="1.0" encoding="utf-8"?>
 <p:sld xmlns:a="http://schemas.openxmlformats.org/drawingml/2006/main" xmlns:r="http://schemas.openxmlformats.org/officeDocument/2006/relationships" xmlns:p="http://schemas.openxmlformats.org/presentationml/2006/main">
   <p:cSld>
     <p:spTree>
@@ -7319,7 +8854,7 @@
 </p:sld>
 </file>
 
-<file path=ppt/slides/slide12.xml><?xml version="1.0" encoding="utf-8"?>
+<file path=ppt/slides/slide13.xml><?xml version="1.0" encoding="utf-8"?>
 <p:sld xmlns:a="http://schemas.openxmlformats.org/drawingml/2006/main" xmlns:r="http://schemas.openxmlformats.org/officeDocument/2006/relationships" xmlns:p="http://schemas.openxmlformats.org/presentationml/2006/main">
   <p:cSld>
     <p:spTree>
@@ -8818,7 +10353,7 @@
 </p:sld>
 </file>
 
-<file path=ppt/slides/slide13.xml><?xml version="1.0" encoding="utf-8"?>
+<file path=ppt/slides/slide14.xml><?xml version="1.0" encoding="utf-8"?>
 <p:sld xmlns:a="http://schemas.openxmlformats.org/drawingml/2006/main" xmlns:r="http://schemas.openxmlformats.org/officeDocument/2006/relationships" xmlns:p="http://schemas.openxmlformats.org/presentationml/2006/main">
   <p:cSld>
     <p:spTree>
@@ -10736,7 +12271,7 @@
 </p:sld>
 </file>
 
-<file path=ppt/slides/slide14.xml><?xml version="1.0" encoding="utf-8"?>
+<file path=ppt/slides/slide15.xml><?xml version="1.0" encoding="utf-8"?>
 <p:sld xmlns:a="http://schemas.openxmlformats.org/drawingml/2006/main" xmlns:r="http://schemas.openxmlformats.org/officeDocument/2006/relationships" xmlns:p="http://schemas.openxmlformats.org/presentationml/2006/main">
   <p:cSld>
     <p:spTree>
@@ -12814,6 +14349,1153 @@
 </file>
 
 <file path=ppt/slides/slide2.xml><?xml version="1.0" encoding="utf-8"?>
+<p:sld xmlns:a="http://schemas.openxmlformats.org/drawingml/2006/main" xmlns:r="http://schemas.openxmlformats.org/officeDocument/2006/relationships" xmlns:p="http://schemas.openxmlformats.org/presentationml/2006/main">
+  <p:cSld>
+    <p:spTree>
+      <p:nvGrpSpPr>
+        <p:cNvPr id="1" name=""/>
+        <p:cNvGrpSpPr/>
+        <p:nvPr/>
+      </p:nvGrpSpPr>
+      <p:grpSpPr>
+        <a:xfrm>
+          <a:off x="0" y="0"/>
+          <a:ext cx="0" cy="0"/>
+          <a:chOff x="0" y="0"/>
+          <a:chExt cx="0" cy="0"/>
+        </a:xfrm>
+      </p:grpSpPr>
+      <p:pic>
+        <p:nvPicPr>
+          <p:cNvPr id="17" name="Picture 2" descr="C:\Users\kaitoy\Desktop\bin\pleiades\workspace\blog\static\images\kubernetes.png"/>
+          <p:cNvPicPr>
+            <a:picLocks noChangeAspect="1" noChangeArrowheads="1"/>
+          </p:cNvPicPr>
+          <p:nvPr/>
+        </p:nvPicPr>
+        <p:blipFill>
+          <a:blip r:embed="rId2" cstate="print">
+            <a:extLst>
+              <a:ext uri="{28A0092B-C50C-407E-A947-70E740481C1C}">
+                <a14:useLocalDpi xmlns:a14="http://schemas.microsoft.com/office/drawing/2010/main" val="0"/>
+              </a:ext>
+            </a:extLst>
+          </a:blip>
+          <a:srcRect/>
+          <a:stretch>
+            <a:fillRect/>
+          </a:stretch>
+        </p:blipFill>
+        <p:spPr bwMode="auto">
+          <a:xfrm>
+            <a:off x="3520365" y="404664"/>
+            <a:ext cx="1944216" cy="1454226"/>
+          </a:xfrm>
+          <a:prstGeom prst="rect">
+            <a:avLst/>
+          </a:prstGeom>
+          <a:noFill/>
+          <a:extLst>
+            <a:ext uri="{909E8E84-426E-40DD-AFC4-6F175D3DCCD1}">
+              <a14:hiddenFill xmlns:a14="http://schemas.microsoft.com/office/drawing/2010/main">
+                <a:solidFill>
+                  <a:srgbClr val="FFFFFF"/>
+                </a:solidFill>
+              </a14:hiddenFill>
+            </a:ext>
+          </a:extLst>
+        </p:spPr>
+      </p:pic>
+      <p:cxnSp>
+        <p:nvCxnSpPr>
+          <p:cNvPr id="25" name="直線矢印コネクタ 24"/>
+          <p:cNvCxnSpPr>
+            <a:endCxn id="1026" idx="0"/>
+          </p:cNvCxnSpPr>
+          <p:nvPr/>
+        </p:nvCxnSpPr>
+        <p:spPr>
+          <a:xfrm>
+            <a:off x="4492473" y="1930899"/>
+            <a:ext cx="0" cy="485725"/>
+          </a:xfrm>
+          <a:prstGeom prst="straightConnector1">
+            <a:avLst/>
+          </a:prstGeom>
+          <a:ln w="25400">
+            <a:tailEnd type="triangle" w="lg" len="lg"/>
+          </a:ln>
+        </p:spPr>
+        <p:style>
+          <a:lnRef idx="1">
+            <a:schemeClr val="accent5"/>
+          </a:lnRef>
+          <a:fillRef idx="0">
+            <a:schemeClr val="accent5"/>
+          </a:fillRef>
+          <a:effectRef idx="0">
+            <a:schemeClr val="accent5"/>
+          </a:effectRef>
+          <a:fontRef idx="minor">
+            <a:schemeClr val="tx1"/>
+          </a:fontRef>
+        </p:style>
+      </p:cxnSp>
+      <p:grpSp>
+        <p:nvGrpSpPr>
+          <p:cNvPr id="30" name="グループ化 29"/>
+          <p:cNvGrpSpPr/>
+          <p:nvPr/>
+        </p:nvGrpSpPr>
+        <p:grpSpPr>
+          <a:xfrm>
+            <a:off x="2644241" y="5629794"/>
+            <a:ext cx="1665841" cy="1408370"/>
+            <a:chOff x="707393" y="6331953"/>
+            <a:chExt cx="1665841" cy="1408370"/>
+          </a:xfrm>
+        </p:grpSpPr>
+        <p:sp>
+          <p:nvSpPr>
+            <p:cNvPr id="31" name="直方体 30"/>
+            <p:cNvSpPr/>
+            <p:nvPr/>
+          </p:nvSpPr>
+          <p:spPr>
+            <a:xfrm>
+              <a:off x="1324313" y="6331953"/>
+              <a:ext cx="432000" cy="432048"/>
+            </a:xfrm>
+            <a:prstGeom prst="cube">
+              <a:avLst/>
+            </a:prstGeom>
+          </p:spPr>
+          <p:style>
+            <a:lnRef idx="2">
+              <a:schemeClr val="accent5"/>
+            </a:lnRef>
+            <a:fillRef idx="1">
+              <a:schemeClr val="lt1"/>
+            </a:fillRef>
+            <a:effectRef idx="0">
+              <a:schemeClr val="accent5"/>
+            </a:effectRef>
+            <a:fontRef idx="minor">
+              <a:schemeClr val="dk1"/>
+            </a:fontRef>
+          </p:style>
+          <p:txBody>
+            <a:bodyPr rtlCol="0" anchor="ctr"/>
+            <a:lstStyle/>
+            <a:p>
+              <a:pPr algn="ctr"/>
+              <a:endParaRPr kumimoji="1" lang="ja-JP" altLang="en-US"/>
+            </a:p>
+          </p:txBody>
+        </p:sp>
+        <p:sp>
+          <p:nvSpPr>
+            <p:cNvPr id="32" name="テキスト ボックス 31"/>
+            <p:cNvSpPr txBox="1"/>
+            <p:nvPr/>
+          </p:nvSpPr>
+          <p:spPr>
+            <a:xfrm>
+              <a:off x="707393" y="6786216"/>
+              <a:ext cx="1665841" cy="954107"/>
+            </a:xfrm>
+            <a:prstGeom prst="rect">
+              <a:avLst/>
+            </a:prstGeom>
+            <a:noFill/>
+          </p:spPr>
+          <p:txBody>
+            <a:bodyPr wrap="none" rtlCol="0">
+              <a:spAutoFit/>
+            </a:bodyPr>
+            <a:lstStyle/>
+            <a:p>
+              <a:pPr algn="ctr"/>
+              <a:r>
+                <a:rPr lang="en-US" altLang="ja-JP" sz="2800" dirty="0" smtClean="0">
+                  <a:solidFill>
+                    <a:schemeClr val="tx1">
+                      <a:lumMod val="75000"/>
+                      <a:lumOff val="25000"/>
+                    </a:schemeClr>
+                  </a:solidFill>
+                  <a:latin typeface="Arial" panose="020B0604020202020204" pitchFamily="34" charset="0"/>
+                  <a:cs typeface="Arial" panose="020B0604020202020204" pitchFamily="34" charset="0"/>
+                </a:rPr>
+                <a:t>sandbox</a:t>
+              </a:r>
+            </a:p>
+            <a:p>
+              <a:pPr algn="ctr"/>
+              <a:r>
+                <a:rPr lang="en-US" altLang="ja-JP" sz="2800" dirty="0" smtClean="0">
+                  <a:solidFill>
+                    <a:schemeClr val="tx1">
+                      <a:lumMod val="75000"/>
+                      <a:lumOff val="25000"/>
+                    </a:schemeClr>
+                  </a:solidFill>
+                  <a:latin typeface="Arial" panose="020B0604020202020204" pitchFamily="34" charset="0"/>
+                  <a:cs typeface="Arial" panose="020B0604020202020204" pitchFamily="34" charset="0"/>
+                </a:rPr>
+                <a:t>container</a:t>
+              </a:r>
+              <a:endParaRPr kumimoji="1" lang="ja-JP" altLang="en-US" sz="2800" dirty="0">
+                <a:solidFill>
+                  <a:schemeClr val="tx1">
+                    <a:lumMod val="75000"/>
+                    <a:lumOff val="25000"/>
+                  </a:schemeClr>
+                </a:solidFill>
+                <a:latin typeface="Arial" panose="020B0604020202020204" pitchFamily="34" charset="0"/>
+                <a:cs typeface="Arial" panose="020B0604020202020204" pitchFamily="34" charset="0"/>
+              </a:endParaRPr>
+            </a:p>
+          </p:txBody>
+        </p:sp>
+      </p:grpSp>
+      <p:grpSp>
+        <p:nvGrpSpPr>
+          <p:cNvPr id="33" name="グループ化 32"/>
+          <p:cNvGrpSpPr/>
+          <p:nvPr/>
+        </p:nvGrpSpPr>
+        <p:grpSpPr>
+          <a:xfrm>
+            <a:off x="4938840" y="5629794"/>
+            <a:ext cx="1665841" cy="977483"/>
+            <a:chOff x="707393" y="6331953"/>
+            <a:chExt cx="1665841" cy="977483"/>
+          </a:xfrm>
+        </p:grpSpPr>
+        <p:sp>
+          <p:nvSpPr>
+            <p:cNvPr id="34" name="直方体 33"/>
+            <p:cNvSpPr/>
+            <p:nvPr/>
+          </p:nvSpPr>
+          <p:spPr>
+            <a:xfrm>
+              <a:off x="1324313" y="6331953"/>
+              <a:ext cx="432000" cy="432048"/>
+            </a:xfrm>
+            <a:prstGeom prst="cube">
+              <a:avLst/>
+            </a:prstGeom>
+          </p:spPr>
+          <p:style>
+            <a:lnRef idx="2">
+              <a:schemeClr val="accent5"/>
+            </a:lnRef>
+            <a:fillRef idx="1">
+              <a:schemeClr val="lt1"/>
+            </a:fillRef>
+            <a:effectRef idx="0">
+              <a:schemeClr val="accent5"/>
+            </a:effectRef>
+            <a:fontRef idx="minor">
+              <a:schemeClr val="dk1"/>
+            </a:fontRef>
+          </p:style>
+          <p:txBody>
+            <a:bodyPr rtlCol="0" anchor="ctr"/>
+            <a:lstStyle/>
+            <a:p>
+              <a:pPr algn="ctr"/>
+              <a:endParaRPr kumimoji="1" lang="ja-JP" altLang="en-US"/>
+            </a:p>
+          </p:txBody>
+        </p:sp>
+        <p:sp>
+          <p:nvSpPr>
+            <p:cNvPr id="35" name="テキスト ボックス 34"/>
+            <p:cNvSpPr txBox="1"/>
+            <p:nvPr/>
+          </p:nvSpPr>
+          <p:spPr>
+            <a:xfrm>
+              <a:off x="707393" y="6786216"/>
+              <a:ext cx="1665841" cy="523220"/>
+            </a:xfrm>
+            <a:prstGeom prst="rect">
+              <a:avLst/>
+            </a:prstGeom>
+            <a:noFill/>
+          </p:spPr>
+          <p:txBody>
+            <a:bodyPr wrap="none" rtlCol="0">
+              <a:spAutoFit/>
+            </a:bodyPr>
+            <a:lstStyle/>
+            <a:p>
+              <a:pPr algn="ctr"/>
+              <a:r>
+                <a:rPr lang="en-US" altLang="ja-JP" sz="2800" dirty="0" smtClean="0">
+                  <a:solidFill>
+                    <a:schemeClr val="tx1">
+                      <a:lumMod val="75000"/>
+                      <a:lumOff val="25000"/>
+                    </a:schemeClr>
+                  </a:solidFill>
+                  <a:latin typeface="Arial" panose="020B0604020202020204" pitchFamily="34" charset="0"/>
+                  <a:cs typeface="Arial" panose="020B0604020202020204" pitchFamily="34" charset="0"/>
+                </a:rPr>
+                <a:t>container</a:t>
+              </a:r>
+              <a:endParaRPr kumimoji="1" lang="ja-JP" altLang="en-US" sz="2800" dirty="0">
+                <a:solidFill>
+                  <a:schemeClr val="tx1">
+                    <a:lumMod val="75000"/>
+                    <a:lumOff val="25000"/>
+                  </a:schemeClr>
+                </a:solidFill>
+                <a:latin typeface="Arial" panose="020B0604020202020204" pitchFamily="34" charset="0"/>
+                <a:cs typeface="Arial" panose="020B0604020202020204" pitchFamily="34" charset="0"/>
+              </a:endParaRPr>
+            </a:p>
+          </p:txBody>
+        </p:sp>
+      </p:grpSp>
+      <p:grpSp>
+        <p:nvGrpSpPr>
+          <p:cNvPr id="36" name="グループ化 35"/>
+          <p:cNvGrpSpPr/>
+          <p:nvPr/>
+        </p:nvGrpSpPr>
+        <p:grpSpPr>
+          <a:xfrm>
+            <a:off x="2585439" y="2113200"/>
+            <a:ext cx="4039707" cy="1383544"/>
+            <a:chOff x="2901299" y="4445190"/>
+            <a:chExt cx="4039707" cy="1383544"/>
+          </a:xfrm>
+        </p:grpSpPr>
+        <p:sp>
+          <p:nvSpPr>
+            <p:cNvPr id="37" name="角丸四角形 36"/>
+            <p:cNvSpPr/>
+            <p:nvPr/>
+          </p:nvSpPr>
+          <p:spPr>
+            <a:xfrm>
+              <a:off x="2915816" y="4464905"/>
+              <a:ext cx="4025190" cy="1363829"/>
+            </a:xfrm>
+            <a:prstGeom prst="roundRect">
+              <a:avLst>
+                <a:gd name="adj" fmla="val 13586"/>
+              </a:avLst>
+            </a:prstGeom>
+            <a:noFill/>
+            <a:ln>
+              <a:solidFill>
+                <a:schemeClr val="tx1">
+                  <a:lumMod val="50000"/>
+                  <a:lumOff val="50000"/>
+                </a:schemeClr>
+              </a:solidFill>
+              <a:prstDash val="dash"/>
+            </a:ln>
+          </p:spPr>
+          <p:style>
+            <a:lnRef idx="2">
+              <a:schemeClr val="accent5"/>
+            </a:lnRef>
+            <a:fillRef idx="1">
+              <a:schemeClr val="lt1"/>
+            </a:fillRef>
+            <a:effectRef idx="0">
+              <a:schemeClr val="accent5"/>
+            </a:effectRef>
+            <a:fontRef idx="minor">
+              <a:schemeClr val="dk1"/>
+            </a:fontRef>
+          </p:style>
+          <p:txBody>
+            <a:bodyPr rtlCol="0" anchor="ctr"/>
+            <a:lstStyle/>
+            <a:p>
+              <a:pPr algn="ctr"/>
+              <a:endParaRPr kumimoji="1" lang="ja-JP" altLang="en-US"/>
+            </a:p>
+          </p:txBody>
+        </p:sp>
+        <p:sp>
+          <p:nvSpPr>
+            <p:cNvPr id="38" name="対角する 2 つの角を丸めた四角形 37"/>
+            <p:cNvSpPr/>
+            <p:nvPr/>
+          </p:nvSpPr>
+          <p:spPr>
+            <a:xfrm>
+              <a:off x="2901299" y="4445190"/>
+              <a:ext cx="934925" cy="288000"/>
+            </a:xfrm>
+            <a:prstGeom prst="round2DiagRect">
+              <a:avLst/>
+            </a:prstGeom>
+            <a:effectLst/>
+          </p:spPr>
+          <p:style>
+            <a:lnRef idx="1">
+              <a:schemeClr val="dk1"/>
+            </a:lnRef>
+            <a:fillRef idx="2">
+              <a:schemeClr val="dk1"/>
+            </a:fillRef>
+            <a:effectRef idx="1">
+              <a:schemeClr val="dk1"/>
+            </a:effectRef>
+            <a:fontRef idx="minor">
+              <a:schemeClr val="dk1"/>
+            </a:fontRef>
+          </p:style>
+          <p:txBody>
+            <a:bodyPr wrap="none" lIns="36000" tIns="36000" rIns="36000" bIns="36000" rtlCol="0" anchor="ctr"/>
+            <a:lstStyle/>
+            <a:p>
+              <a:pPr algn="ctr">
+                <a:lnSpc>
+                  <a:spcPts val="1460"/>
+                </a:lnSpc>
+              </a:pPr>
+              <a:r>
+                <a:rPr lang="en-US" altLang="ja-JP" dirty="0">
+                  <a:solidFill>
+                    <a:schemeClr val="tx1">
+                      <a:lumMod val="75000"/>
+                      <a:lumOff val="25000"/>
+                    </a:schemeClr>
+                  </a:solidFill>
+                </a:rPr>
+                <a:t>s</a:t>
+              </a:r>
+              <a:r>
+                <a:rPr kumimoji="1" lang="en-US" altLang="ja-JP" dirty="0" smtClean="0">
+                  <a:solidFill>
+                    <a:schemeClr val="tx1">
+                      <a:lumMod val="75000"/>
+                      <a:lumOff val="25000"/>
+                    </a:schemeClr>
+                  </a:solidFill>
+                </a:rPr>
+                <a:t>tage 0</a:t>
+              </a:r>
+              <a:endParaRPr kumimoji="1" lang="ja-JP" altLang="en-US" dirty="0">
+                <a:solidFill>
+                  <a:schemeClr val="tx1">
+                    <a:lumMod val="75000"/>
+                    <a:lumOff val="25000"/>
+                  </a:schemeClr>
+                </a:solidFill>
+              </a:endParaRPr>
+            </a:p>
+          </p:txBody>
+        </p:sp>
+      </p:grpSp>
+      <p:cxnSp>
+        <p:nvCxnSpPr>
+          <p:cNvPr id="42" name="カギ線コネクタ 41"/>
+          <p:cNvCxnSpPr>
+            <a:stCxn id="19" idx="2"/>
+            <a:endCxn id="31" idx="0"/>
+          </p:cNvCxnSpPr>
+          <p:nvPr/>
+        </p:nvCxnSpPr>
+        <p:spPr>
+          <a:xfrm rot="5400000">
+            <a:off x="3590341" y="4713593"/>
+            <a:ext cx="857022" cy="975381"/>
+          </a:xfrm>
+          <a:prstGeom prst="bentConnector3">
+            <a:avLst>
+              <a:gd name="adj1" fmla="val 35816"/>
+            </a:avLst>
+          </a:prstGeom>
+          <a:ln w="25400">
+            <a:tailEnd type="triangle" w="lg" len="lg"/>
+          </a:ln>
+        </p:spPr>
+        <p:style>
+          <a:lnRef idx="1">
+            <a:schemeClr val="accent5"/>
+          </a:lnRef>
+          <a:fillRef idx="0">
+            <a:schemeClr val="accent5"/>
+          </a:fillRef>
+          <a:effectRef idx="0">
+            <a:schemeClr val="accent5"/>
+          </a:effectRef>
+          <a:fontRef idx="minor">
+            <a:schemeClr val="tx1"/>
+          </a:fontRef>
+        </p:style>
+      </p:cxnSp>
+      <p:cxnSp>
+        <p:nvCxnSpPr>
+          <p:cNvPr id="46" name="カギ線コネクタ 45"/>
+          <p:cNvCxnSpPr>
+            <a:stCxn id="19" idx="2"/>
+            <a:endCxn id="34" idx="0"/>
+          </p:cNvCxnSpPr>
+          <p:nvPr/>
+        </p:nvCxnSpPr>
+        <p:spPr>
+          <a:xfrm rot="16200000" flipH="1">
+            <a:off x="4737640" y="4541674"/>
+            <a:ext cx="857022" cy="1319218"/>
+          </a:xfrm>
+          <a:prstGeom prst="bentConnector3">
+            <a:avLst>
+              <a:gd name="adj1" fmla="val 35817"/>
+            </a:avLst>
+          </a:prstGeom>
+          <a:ln w="25400">
+            <a:tailEnd type="triangle" w="lg" len="lg"/>
+          </a:ln>
+        </p:spPr>
+        <p:style>
+          <a:lnRef idx="1">
+            <a:schemeClr val="accent5"/>
+          </a:lnRef>
+          <a:fillRef idx="0">
+            <a:schemeClr val="accent5"/>
+          </a:fillRef>
+          <a:effectRef idx="0">
+            <a:schemeClr val="accent5"/>
+          </a:effectRef>
+          <a:fontRef idx="minor">
+            <a:schemeClr val="tx1"/>
+          </a:fontRef>
+        </p:style>
+      </p:cxnSp>
+      <p:pic>
+        <p:nvPicPr>
+          <p:cNvPr id="1026" name="Picture 2" descr="C:\Users\kaitoy\Desktop\bin\pleiades\workspace\chronicle-container-runtimes\img\rkt.png"/>
+          <p:cNvPicPr>
+            <a:picLocks noChangeAspect="1" noChangeArrowheads="1"/>
+          </p:cNvPicPr>
+          <p:nvPr/>
+        </p:nvPicPr>
+        <p:blipFill>
+          <a:blip r:embed="rId3">
+            <a:extLst>
+              <a:ext uri="{28A0092B-C50C-407E-A947-70E740481C1C}">
+                <a14:useLocalDpi xmlns:a14="http://schemas.microsoft.com/office/drawing/2010/main" val="0"/>
+              </a:ext>
+            </a:extLst>
+          </a:blip>
+          <a:srcRect/>
+          <a:stretch>
+            <a:fillRect/>
+          </a:stretch>
+        </p:blipFill>
+        <p:spPr bwMode="auto">
+          <a:xfrm>
+            <a:off x="3547137" y="2416624"/>
+            <a:ext cx="1890672" cy="757865"/>
+          </a:xfrm>
+          <a:prstGeom prst="rect">
+            <a:avLst/>
+          </a:prstGeom>
+          <a:noFill/>
+          <a:extLst>
+            <a:ext uri="{909E8E84-426E-40DD-AFC4-6F175D3DCCD1}">
+              <a14:hiddenFill xmlns:a14="http://schemas.microsoft.com/office/drawing/2010/main">
+                <a:solidFill>
+                  <a:srgbClr val="FFFFFF"/>
+                </a:solidFill>
+              </a14:hiddenFill>
+            </a:ext>
+          </a:extLst>
+        </p:spPr>
+      </p:pic>
+      <p:sp>
+        <p:nvSpPr>
+          <p:cNvPr id="19" name="正方形/長方形 18"/>
+          <p:cNvSpPr/>
+          <p:nvPr/>
+        </p:nvSpPr>
+        <p:spPr>
+          <a:xfrm>
+            <a:off x="4237878" y="4249552"/>
+            <a:ext cx="537327" cy="523220"/>
+          </a:xfrm>
+          <a:prstGeom prst="rect">
+            <a:avLst/>
+          </a:prstGeom>
+        </p:spPr>
+        <p:style>
+          <a:lnRef idx="2">
+            <a:schemeClr val="accent5"/>
+          </a:lnRef>
+          <a:fillRef idx="1">
+            <a:schemeClr val="lt1"/>
+          </a:fillRef>
+          <a:effectRef idx="0">
+            <a:schemeClr val="accent5"/>
+          </a:effectRef>
+          <a:fontRef idx="minor">
+            <a:schemeClr val="dk1"/>
+          </a:fontRef>
+        </p:style>
+        <p:txBody>
+          <a:bodyPr rot="0" spcFirstLastPara="0" vertOverflow="overflow" horzOverflow="overflow" vert="horz" wrap="none" lIns="91440" tIns="45720" rIns="91440" bIns="45720" numCol="1" spcCol="0" rtlCol="0" fromWordArt="0" anchor="ctr" anchorCtr="0" forceAA="0" compatLnSpc="1">
+            <a:prstTxWarp prst="textNoShape">
+              <a:avLst/>
+            </a:prstTxWarp>
+            <a:spAutoFit/>
+          </a:bodyPr>
+          <a:lstStyle/>
+          <a:p>
+            <a:pPr algn="ctr"/>
+            <a:r>
+              <a:rPr lang="en-US" altLang="ja-JP" sz="2800" dirty="0"/>
+              <a:t>fly</a:t>
+            </a:r>
+            <a:endParaRPr lang="ja-JP" altLang="en-US" sz="2800" dirty="0">
+              <a:solidFill>
+                <a:schemeClr val="accent1">
+                  <a:lumMod val="75000"/>
+                </a:schemeClr>
+              </a:solidFill>
+              <a:latin typeface="Arial" panose="020B0604020202020204" pitchFamily="34" charset="0"/>
+              <a:cs typeface="Arial" panose="020B0604020202020204" pitchFamily="34" charset="0"/>
+            </a:endParaRPr>
+          </a:p>
+        </p:txBody>
+      </p:sp>
+      <p:sp>
+        <p:nvSpPr>
+          <p:cNvPr id="20" name="角丸四角形 19"/>
+          <p:cNvSpPr/>
+          <p:nvPr/>
+        </p:nvSpPr>
+        <p:spPr>
+          <a:xfrm>
+            <a:off x="2063472" y="3869812"/>
+            <a:ext cx="5100816" cy="3384376"/>
+          </a:xfrm>
+          <a:prstGeom prst="roundRect">
+            <a:avLst>
+              <a:gd name="adj" fmla="val 5987"/>
+            </a:avLst>
+          </a:prstGeom>
+          <a:noFill/>
+          <a:ln>
+            <a:solidFill>
+              <a:schemeClr val="tx1">
+                <a:lumMod val="50000"/>
+                <a:lumOff val="50000"/>
+              </a:schemeClr>
+            </a:solidFill>
+            <a:prstDash val="dash"/>
+          </a:ln>
+        </p:spPr>
+        <p:style>
+          <a:lnRef idx="2">
+            <a:schemeClr val="accent5"/>
+          </a:lnRef>
+          <a:fillRef idx="1">
+            <a:schemeClr val="lt1"/>
+          </a:fillRef>
+          <a:effectRef idx="0">
+            <a:schemeClr val="accent5"/>
+          </a:effectRef>
+          <a:fontRef idx="minor">
+            <a:schemeClr val="dk1"/>
+          </a:fontRef>
+        </p:style>
+        <p:txBody>
+          <a:bodyPr rtlCol="0" anchor="ctr"/>
+          <a:lstStyle/>
+          <a:p>
+            <a:pPr algn="ctr"/>
+            <a:endParaRPr kumimoji="1" lang="ja-JP" altLang="en-US"/>
+          </a:p>
+        </p:txBody>
+      </p:sp>
+      <p:sp>
+        <p:nvSpPr>
+          <p:cNvPr id="21" name="対角する 2 つの角を丸めた四角形 20"/>
+          <p:cNvSpPr/>
+          <p:nvPr/>
+        </p:nvSpPr>
+        <p:spPr>
+          <a:xfrm>
+            <a:off x="2048956" y="3846836"/>
+            <a:ext cx="612000" cy="288000"/>
+          </a:xfrm>
+          <a:prstGeom prst="round2DiagRect">
+            <a:avLst/>
+          </a:prstGeom>
+          <a:effectLst/>
+        </p:spPr>
+        <p:style>
+          <a:lnRef idx="1">
+            <a:schemeClr val="dk1"/>
+          </a:lnRef>
+          <a:fillRef idx="2">
+            <a:schemeClr val="dk1"/>
+          </a:fillRef>
+          <a:effectRef idx="1">
+            <a:schemeClr val="dk1"/>
+          </a:effectRef>
+          <a:fontRef idx="minor">
+            <a:schemeClr val="dk1"/>
+          </a:fontRef>
+        </p:style>
+        <p:txBody>
+          <a:bodyPr wrap="none" lIns="36000" tIns="36000" rIns="36000" bIns="36000" rtlCol="0" anchor="ctr"/>
+          <a:lstStyle/>
+          <a:p>
+            <a:pPr algn="ctr">
+              <a:lnSpc>
+                <a:spcPts val="1460"/>
+              </a:lnSpc>
+            </a:pPr>
+            <a:r>
+              <a:rPr lang="en-US" altLang="ja-JP" dirty="0" smtClean="0">
+                <a:solidFill>
+                  <a:schemeClr val="tx1">
+                    <a:lumMod val="75000"/>
+                    <a:lumOff val="25000"/>
+                  </a:schemeClr>
+                </a:solidFill>
+              </a:rPr>
+              <a:t>Pod</a:t>
+            </a:r>
+            <a:endParaRPr kumimoji="1" lang="ja-JP" altLang="en-US" dirty="0">
+              <a:solidFill>
+                <a:schemeClr val="tx1">
+                  <a:lumMod val="75000"/>
+                  <a:lumOff val="25000"/>
+                </a:schemeClr>
+              </a:solidFill>
+            </a:endParaRPr>
+          </a:p>
+        </p:txBody>
+      </p:sp>
+      <p:sp>
+        <p:nvSpPr>
+          <p:cNvPr id="22" name="角丸四角形 21"/>
+          <p:cNvSpPr/>
+          <p:nvPr/>
+        </p:nvSpPr>
+        <p:spPr>
+          <a:xfrm>
+            <a:off x="3123797" y="4129371"/>
+            <a:ext cx="2554241" cy="768253"/>
+          </a:xfrm>
+          <a:prstGeom prst="roundRect">
+            <a:avLst>
+              <a:gd name="adj" fmla="val 13586"/>
+            </a:avLst>
+          </a:prstGeom>
+          <a:noFill/>
+          <a:ln>
+            <a:solidFill>
+              <a:schemeClr val="tx1">
+                <a:lumMod val="50000"/>
+                <a:lumOff val="50000"/>
+              </a:schemeClr>
+            </a:solidFill>
+            <a:prstDash val="dash"/>
+          </a:ln>
+        </p:spPr>
+        <p:style>
+          <a:lnRef idx="2">
+            <a:schemeClr val="accent5"/>
+          </a:lnRef>
+          <a:fillRef idx="1">
+            <a:schemeClr val="lt1"/>
+          </a:fillRef>
+          <a:effectRef idx="0">
+            <a:schemeClr val="accent5"/>
+          </a:effectRef>
+          <a:fontRef idx="minor">
+            <a:schemeClr val="dk1"/>
+          </a:fontRef>
+        </p:style>
+        <p:txBody>
+          <a:bodyPr rtlCol="0" anchor="ctr"/>
+          <a:lstStyle/>
+          <a:p>
+            <a:pPr algn="ctr"/>
+            <a:endParaRPr kumimoji="1" lang="ja-JP" altLang="en-US"/>
+          </a:p>
+        </p:txBody>
+      </p:sp>
+      <p:sp>
+        <p:nvSpPr>
+          <p:cNvPr id="23" name="対角する 2 つの角を丸めた四角形 22"/>
+          <p:cNvSpPr/>
+          <p:nvPr/>
+        </p:nvSpPr>
+        <p:spPr>
+          <a:xfrm>
+            <a:off x="3109280" y="4109656"/>
+            <a:ext cx="934925" cy="288000"/>
+          </a:xfrm>
+          <a:prstGeom prst="round2DiagRect">
+            <a:avLst/>
+          </a:prstGeom>
+          <a:effectLst/>
+        </p:spPr>
+        <p:style>
+          <a:lnRef idx="1">
+            <a:schemeClr val="dk1"/>
+          </a:lnRef>
+          <a:fillRef idx="2">
+            <a:schemeClr val="dk1"/>
+          </a:fillRef>
+          <a:effectRef idx="1">
+            <a:schemeClr val="dk1"/>
+          </a:effectRef>
+          <a:fontRef idx="minor">
+            <a:schemeClr val="dk1"/>
+          </a:fontRef>
+        </p:style>
+        <p:txBody>
+          <a:bodyPr wrap="none" lIns="36000" tIns="36000" rIns="36000" bIns="36000" rtlCol="0" anchor="ctr"/>
+          <a:lstStyle/>
+          <a:p>
+            <a:pPr algn="ctr">
+              <a:lnSpc>
+                <a:spcPts val="1460"/>
+              </a:lnSpc>
+            </a:pPr>
+            <a:r>
+              <a:rPr lang="en-US" altLang="ja-JP" dirty="0">
+                <a:solidFill>
+                  <a:schemeClr val="tx1">
+                    <a:lumMod val="75000"/>
+                    <a:lumOff val="25000"/>
+                  </a:schemeClr>
+                </a:solidFill>
+              </a:rPr>
+              <a:t>s</a:t>
+            </a:r>
+            <a:r>
+              <a:rPr kumimoji="1" lang="en-US" altLang="ja-JP" dirty="0" smtClean="0">
+                <a:solidFill>
+                  <a:schemeClr val="tx1">
+                    <a:lumMod val="75000"/>
+                    <a:lumOff val="25000"/>
+                  </a:schemeClr>
+                </a:solidFill>
+              </a:rPr>
+              <a:t>tage 1</a:t>
+            </a:r>
+            <a:endParaRPr kumimoji="1" lang="ja-JP" altLang="en-US" dirty="0">
+              <a:solidFill>
+                <a:schemeClr val="tx1">
+                  <a:lumMod val="75000"/>
+                  <a:lumOff val="25000"/>
+                </a:schemeClr>
+              </a:solidFill>
+            </a:endParaRPr>
+          </a:p>
+        </p:txBody>
+      </p:sp>
+      <p:sp>
+        <p:nvSpPr>
+          <p:cNvPr id="24" name="角丸四角形 23"/>
+          <p:cNvSpPr/>
+          <p:nvPr/>
+        </p:nvSpPr>
+        <p:spPr>
+          <a:xfrm>
+            <a:off x="2393092" y="5244651"/>
+            <a:ext cx="2114156" cy="1793512"/>
+          </a:xfrm>
+          <a:prstGeom prst="roundRect">
+            <a:avLst>
+              <a:gd name="adj" fmla="val 13586"/>
+            </a:avLst>
+          </a:prstGeom>
+          <a:noFill/>
+          <a:ln>
+            <a:solidFill>
+              <a:schemeClr val="tx1">
+                <a:lumMod val="50000"/>
+                <a:lumOff val="50000"/>
+              </a:schemeClr>
+            </a:solidFill>
+            <a:prstDash val="dash"/>
+          </a:ln>
+        </p:spPr>
+        <p:style>
+          <a:lnRef idx="2">
+            <a:schemeClr val="accent5"/>
+          </a:lnRef>
+          <a:fillRef idx="1">
+            <a:schemeClr val="lt1"/>
+          </a:fillRef>
+          <a:effectRef idx="0">
+            <a:schemeClr val="accent5"/>
+          </a:effectRef>
+          <a:fontRef idx="minor">
+            <a:schemeClr val="dk1"/>
+          </a:fontRef>
+        </p:style>
+        <p:txBody>
+          <a:bodyPr rtlCol="0" anchor="ctr"/>
+          <a:lstStyle/>
+          <a:p>
+            <a:pPr algn="ctr"/>
+            <a:endParaRPr kumimoji="1" lang="ja-JP" altLang="en-US"/>
+          </a:p>
+        </p:txBody>
+      </p:sp>
+      <p:sp>
+        <p:nvSpPr>
+          <p:cNvPr id="26" name="対角する 2 つの角を丸めた四角形 25"/>
+          <p:cNvSpPr/>
+          <p:nvPr/>
+        </p:nvSpPr>
+        <p:spPr>
+          <a:xfrm>
+            <a:off x="2378574" y="5224936"/>
+            <a:ext cx="934925" cy="288000"/>
+          </a:xfrm>
+          <a:prstGeom prst="round2DiagRect">
+            <a:avLst/>
+          </a:prstGeom>
+          <a:effectLst/>
+        </p:spPr>
+        <p:style>
+          <a:lnRef idx="1">
+            <a:schemeClr val="dk1"/>
+          </a:lnRef>
+          <a:fillRef idx="2">
+            <a:schemeClr val="dk1"/>
+          </a:fillRef>
+          <a:effectRef idx="1">
+            <a:schemeClr val="dk1"/>
+          </a:effectRef>
+          <a:fontRef idx="minor">
+            <a:schemeClr val="dk1"/>
+          </a:fontRef>
+        </p:style>
+        <p:txBody>
+          <a:bodyPr wrap="none" lIns="36000" tIns="36000" rIns="36000" bIns="36000" rtlCol="0" anchor="ctr"/>
+          <a:lstStyle/>
+          <a:p>
+            <a:pPr algn="ctr">
+              <a:lnSpc>
+                <a:spcPts val="1460"/>
+              </a:lnSpc>
+            </a:pPr>
+            <a:r>
+              <a:rPr lang="en-US" altLang="ja-JP" dirty="0">
+                <a:solidFill>
+                  <a:schemeClr val="tx1">
+                    <a:lumMod val="75000"/>
+                    <a:lumOff val="25000"/>
+                  </a:schemeClr>
+                </a:solidFill>
+              </a:rPr>
+              <a:t>s</a:t>
+            </a:r>
+            <a:r>
+              <a:rPr kumimoji="1" lang="en-US" altLang="ja-JP" dirty="0" smtClean="0">
+                <a:solidFill>
+                  <a:schemeClr val="tx1">
+                    <a:lumMod val="75000"/>
+                    <a:lumOff val="25000"/>
+                  </a:schemeClr>
+                </a:solidFill>
+              </a:rPr>
+              <a:t>tage 2</a:t>
+            </a:r>
+            <a:endParaRPr kumimoji="1" lang="ja-JP" altLang="en-US" dirty="0">
+              <a:solidFill>
+                <a:schemeClr val="tx1">
+                  <a:lumMod val="75000"/>
+                  <a:lumOff val="25000"/>
+                </a:schemeClr>
+              </a:solidFill>
+            </a:endParaRPr>
+          </a:p>
+        </p:txBody>
+      </p:sp>
+      <p:sp>
+        <p:nvSpPr>
+          <p:cNvPr id="27" name="角丸四角形 26"/>
+          <p:cNvSpPr/>
+          <p:nvPr/>
+        </p:nvSpPr>
+        <p:spPr>
+          <a:xfrm>
+            <a:off x="4691048" y="5244650"/>
+            <a:ext cx="2113200" cy="1793513"/>
+          </a:xfrm>
+          <a:prstGeom prst="roundRect">
+            <a:avLst>
+              <a:gd name="adj" fmla="val 13586"/>
+            </a:avLst>
+          </a:prstGeom>
+          <a:noFill/>
+          <a:ln>
+            <a:solidFill>
+              <a:schemeClr val="tx1">
+                <a:lumMod val="50000"/>
+                <a:lumOff val="50000"/>
+              </a:schemeClr>
+            </a:solidFill>
+            <a:prstDash val="dash"/>
+          </a:ln>
+        </p:spPr>
+        <p:style>
+          <a:lnRef idx="2">
+            <a:schemeClr val="accent5"/>
+          </a:lnRef>
+          <a:fillRef idx="1">
+            <a:schemeClr val="lt1"/>
+          </a:fillRef>
+          <a:effectRef idx="0">
+            <a:schemeClr val="accent5"/>
+          </a:effectRef>
+          <a:fontRef idx="minor">
+            <a:schemeClr val="dk1"/>
+          </a:fontRef>
+        </p:style>
+        <p:txBody>
+          <a:bodyPr rtlCol="0" anchor="ctr"/>
+          <a:lstStyle/>
+          <a:p>
+            <a:pPr algn="ctr"/>
+            <a:endParaRPr kumimoji="1" lang="ja-JP" altLang="en-US"/>
+          </a:p>
+        </p:txBody>
+      </p:sp>
+      <p:sp>
+        <p:nvSpPr>
+          <p:cNvPr id="28" name="対角する 2 つの角を丸めた四角形 27"/>
+          <p:cNvSpPr/>
+          <p:nvPr/>
+        </p:nvSpPr>
+        <p:spPr>
+          <a:xfrm>
+            <a:off x="4676531" y="5224936"/>
+            <a:ext cx="934925" cy="288000"/>
+          </a:xfrm>
+          <a:prstGeom prst="round2DiagRect">
+            <a:avLst/>
+          </a:prstGeom>
+          <a:effectLst/>
+        </p:spPr>
+        <p:style>
+          <a:lnRef idx="1">
+            <a:schemeClr val="dk1"/>
+          </a:lnRef>
+          <a:fillRef idx="2">
+            <a:schemeClr val="dk1"/>
+          </a:fillRef>
+          <a:effectRef idx="1">
+            <a:schemeClr val="dk1"/>
+          </a:effectRef>
+          <a:fontRef idx="minor">
+            <a:schemeClr val="dk1"/>
+          </a:fontRef>
+        </p:style>
+        <p:txBody>
+          <a:bodyPr wrap="none" lIns="36000" tIns="36000" rIns="36000" bIns="36000" rtlCol="0" anchor="ctr"/>
+          <a:lstStyle/>
+          <a:p>
+            <a:pPr algn="ctr">
+              <a:lnSpc>
+                <a:spcPts val="1460"/>
+              </a:lnSpc>
+            </a:pPr>
+            <a:r>
+              <a:rPr lang="en-US" altLang="ja-JP" dirty="0">
+                <a:solidFill>
+                  <a:schemeClr val="tx1">
+                    <a:lumMod val="75000"/>
+                    <a:lumOff val="25000"/>
+                  </a:schemeClr>
+                </a:solidFill>
+              </a:rPr>
+              <a:t>s</a:t>
+            </a:r>
+            <a:r>
+              <a:rPr kumimoji="1" lang="en-US" altLang="ja-JP" dirty="0" smtClean="0">
+                <a:solidFill>
+                  <a:schemeClr val="tx1">
+                    <a:lumMod val="75000"/>
+                    <a:lumOff val="25000"/>
+                  </a:schemeClr>
+                </a:solidFill>
+              </a:rPr>
+              <a:t>tage 2</a:t>
+            </a:r>
+            <a:endParaRPr kumimoji="1" lang="ja-JP" altLang="en-US" dirty="0">
+              <a:solidFill>
+                <a:schemeClr val="tx1">
+                  <a:lumMod val="75000"/>
+                  <a:lumOff val="25000"/>
+                </a:schemeClr>
+              </a:solidFill>
+            </a:endParaRPr>
+          </a:p>
+        </p:txBody>
+      </p:sp>
+      <p:cxnSp>
+        <p:nvCxnSpPr>
+          <p:cNvPr id="39" name="直線矢印コネクタ 38"/>
+          <p:cNvCxnSpPr>
+            <a:endCxn id="19" idx="0"/>
+          </p:cNvCxnSpPr>
+          <p:nvPr/>
+        </p:nvCxnSpPr>
+        <p:spPr>
+          <a:xfrm>
+            <a:off x="4492473" y="3352728"/>
+            <a:ext cx="14069" cy="896824"/>
+          </a:xfrm>
+          <a:prstGeom prst="straightConnector1">
+            <a:avLst/>
+          </a:prstGeom>
+          <a:ln w="25400">
+            <a:tailEnd type="triangle" w="lg" len="lg"/>
+          </a:ln>
+        </p:spPr>
+        <p:style>
+          <a:lnRef idx="1">
+            <a:schemeClr val="accent5"/>
+          </a:lnRef>
+          <a:fillRef idx="0">
+            <a:schemeClr val="accent5"/>
+          </a:fillRef>
+          <a:effectRef idx="0">
+            <a:schemeClr val="accent5"/>
+          </a:effectRef>
+          <a:fontRef idx="minor">
+            <a:schemeClr val="tx1"/>
+          </a:fontRef>
+        </p:style>
+      </p:cxnSp>
+    </p:spTree>
+    <p:extLst>
+      <p:ext uri="{BB962C8B-B14F-4D97-AF65-F5344CB8AC3E}">
+        <p14:creationId xmlns:p14="http://schemas.microsoft.com/office/powerpoint/2010/main" val="559916576"/>
+      </p:ext>
+    </p:extLst>
+  </p:cSld>
+  <p:clrMapOvr>
+    <a:masterClrMapping/>
+  </p:clrMapOvr>
+</p:sld>
+</file>
+
+<file path=ppt/slides/slide3.xml><?xml version="1.0" encoding="utf-8"?>
 <p:sld xmlns:a="http://schemas.openxmlformats.org/drawingml/2006/main" xmlns:r="http://schemas.openxmlformats.org/officeDocument/2006/relationships" xmlns:p="http://schemas.openxmlformats.org/presentationml/2006/main">
   <p:cSld>
     <p:spTree>
@@ -13924,7 +16606,7 @@
 </p:sld>
 </file>
 
-<file path=ppt/slides/slide3.xml><?xml version="1.0" encoding="utf-8"?>
+<file path=ppt/slides/slide4.xml><?xml version="1.0" encoding="utf-8"?>
 <p:sld xmlns:a="http://schemas.openxmlformats.org/drawingml/2006/main" xmlns:r="http://schemas.openxmlformats.org/officeDocument/2006/relationships" xmlns:p="http://schemas.openxmlformats.org/presentationml/2006/main">
   <p:cSld>
     <p:spTree>
@@ -15354,7 +18036,7 @@
 </p:sld>
 </file>
 
-<file path=ppt/slides/slide4.xml><?xml version="1.0" encoding="utf-8"?>
+<file path=ppt/slides/slide5.xml><?xml version="1.0" encoding="utf-8"?>
 <p:sld xmlns:a="http://schemas.openxmlformats.org/drawingml/2006/main" xmlns:r="http://schemas.openxmlformats.org/officeDocument/2006/relationships" xmlns:p="http://schemas.openxmlformats.org/presentationml/2006/main">
   <p:cSld>
     <p:spTree>
@@ -17020,7 +19702,7 @@
 </p:sld>
 </file>
 
-<file path=ppt/slides/slide5.xml><?xml version="1.0" encoding="utf-8"?>
+<file path=ppt/slides/slide6.xml><?xml version="1.0" encoding="utf-8"?>
 <p:sld xmlns:a="http://schemas.openxmlformats.org/drawingml/2006/main" xmlns:r="http://schemas.openxmlformats.org/officeDocument/2006/relationships" xmlns:p="http://schemas.openxmlformats.org/presentationml/2006/main">
   <p:cSld>
     <p:spTree>
@@ -18691,7 +21373,7 @@
 </p:sld>
 </file>
 
-<file path=ppt/slides/slide6.xml><?xml version="1.0" encoding="utf-8"?>
+<file path=ppt/slides/slide7.xml><?xml version="1.0" encoding="utf-8"?>
 <p:sld xmlns:a="http://schemas.openxmlformats.org/drawingml/2006/main" xmlns:r="http://schemas.openxmlformats.org/officeDocument/2006/relationships" xmlns:p="http://schemas.openxmlformats.org/presentationml/2006/main">
   <p:cSld>
     <p:spTree>
@@ -20254,7 +22936,7 @@
 </p:sld>
 </file>
 
-<file path=ppt/slides/slide7.xml><?xml version="1.0" encoding="utf-8"?>
+<file path=ppt/slides/slide8.xml><?xml version="1.0" encoding="utf-8"?>
 <p:sld xmlns:a="http://schemas.openxmlformats.org/drawingml/2006/main" xmlns:r="http://schemas.openxmlformats.org/officeDocument/2006/relationships" xmlns:p="http://schemas.openxmlformats.org/presentationml/2006/main">
   <p:cSld>
     <p:spTree>
@@ -21689,7 +24371,7 @@
 </p:sld>
 </file>
 
-<file path=ppt/slides/slide8.xml><?xml version="1.0" encoding="utf-8"?>
+<file path=ppt/slides/slide9.xml><?xml version="1.0" encoding="utf-8"?>
 <p:sld xmlns:a="http://schemas.openxmlformats.org/drawingml/2006/main" xmlns:r="http://schemas.openxmlformats.org/officeDocument/2006/relationships" xmlns:p="http://schemas.openxmlformats.org/presentationml/2006/main">
   <p:cSld>
     <p:spTree>
@@ -22128,1540 +24810,6 @@
     <p:extLst>
       <p:ext uri="{BB962C8B-B14F-4D97-AF65-F5344CB8AC3E}">
         <p14:creationId xmlns:p14="http://schemas.microsoft.com/office/powerpoint/2010/main" val="688454399"/>
-      </p:ext>
-    </p:extLst>
-  </p:cSld>
-  <p:clrMapOvr>
-    <a:masterClrMapping/>
-  </p:clrMapOvr>
-</p:sld>
-</file>
-
-<file path=ppt/slides/slide9.xml><?xml version="1.0" encoding="utf-8"?>
-<p:sld xmlns:a="http://schemas.openxmlformats.org/drawingml/2006/main" xmlns:r="http://schemas.openxmlformats.org/officeDocument/2006/relationships" xmlns:p="http://schemas.openxmlformats.org/presentationml/2006/main">
-  <p:cSld>
-    <p:spTree>
-      <p:nvGrpSpPr>
-        <p:cNvPr id="1" name=""/>
-        <p:cNvGrpSpPr/>
-        <p:nvPr/>
-      </p:nvGrpSpPr>
-      <p:grpSpPr>
-        <a:xfrm>
-          <a:off x="0" y="0"/>
-          <a:ext cx="0" cy="0"/>
-          <a:chOff x="0" y="0"/>
-          <a:chExt cx="0" cy="0"/>
-        </a:xfrm>
-      </p:grpSpPr>
-      <p:pic>
-        <p:nvPicPr>
-          <p:cNvPr id="49" name="Picture 3" descr="C:\Users\kaitoy\Desktop\bin\pleiades\workspace\blog\static\images\docker.png"/>
-          <p:cNvPicPr>
-            <a:picLocks noChangeAspect="1" noChangeArrowheads="1"/>
-          </p:cNvPicPr>
-          <p:nvPr/>
-        </p:nvPicPr>
-        <p:blipFill>
-          <a:blip r:embed="rId2">
-            <a:extLst>
-              <a:ext uri="{28A0092B-C50C-407E-A947-70E740481C1C}">
-                <a14:useLocalDpi xmlns:a14="http://schemas.microsoft.com/office/drawing/2010/main" val="0"/>
-              </a:ext>
-            </a:extLst>
-          </a:blip>
-          <a:srcRect/>
-          <a:stretch>
-            <a:fillRect/>
-          </a:stretch>
-        </p:blipFill>
-        <p:spPr bwMode="auto">
-          <a:xfrm>
-            <a:off x="794791" y="3720556"/>
-            <a:ext cx="1905001" cy="1576388"/>
-          </a:xfrm>
-          <a:prstGeom prst="rect">
-            <a:avLst/>
-          </a:prstGeom>
-          <a:noFill/>
-          <a:extLst>
-            <a:ext uri="{909E8E84-426E-40DD-AFC4-6F175D3DCCD1}">
-              <a14:hiddenFill xmlns:a14="http://schemas.microsoft.com/office/drawing/2010/main">
-                <a:solidFill>
-                  <a:srgbClr val="FFFFFF"/>
-                </a:solidFill>
-              </a14:hiddenFill>
-            </a:ext>
-          </a:extLst>
-        </p:spPr>
-      </p:pic>
-      <p:cxnSp>
-        <p:nvCxnSpPr>
-          <p:cNvPr id="50" name="直線矢印コネクタ 49"/>
-          <p:cNvCxnSpPr/>
-          <p:nvPr/>
-        </p:nvCxnSpPr>
-        <p:spPr>
-          <a:xfrm>
-            <a:off x="4449600" y="5365245"/>
-            <a:ext cx="0" cy="666162"/>
-          </a:xfrm>
-          <a:prstGeom prst="straightConnector1">
-            <a:avLst/>
-          </a:prstGeom>
-          <a:ln w="25400">
-            <a:tailEnd type="triangle" w="lg" len="lg"/>
-          </a:ln>
-        </p:spPr>
-        <p:style>
-          <a:lnRef idx="1">
-            <a:schemeClr val="accent5"/>
-          </a:lnRef>
-          <a:fillRef idx="0">
-            <a:schemeClr val="accent5"/>
-          </a:fillRef>
-          <a:effectRef idx="0">
-            <a:schemeClr val="accent5"/>
-          </a:effectRef>
-          <a:fontRef idx="minor">
-            <a:schemeClr val="tx1"/>
-          </a:fontRef>
-        </p:style>
-      </p:cxnSp>
-      <p:grpSp>
-        <p:nvGrpSpPr>
-          <p:cNvPr id="52" name="グループ化 51"/>
-          <p:cNvGrpSpPr/>
-          <p:nvPr/>
-        </p:nvGrpSpPr>
-        <p:grpSpPr>
-          <a:xfrm>
-            <a:off x="3012385" y="6016893"/>
-            <a:ext cx="2862459" cy="1106287"/>
-            <a:chOff x="3126959" y="2262359"/>
-            <a:chExt cx="2862459" cy="1106287"/>
-          </a:xfrm>
-        </p:grpSpPr>
-        <p:sp>
-          <p:nvSpPr>
-            <p:cNvPr id="53" name="角丸四角形 52"/>
-            <p:cNvSpPr/>
-            <p:nvPr/>
-          </p:nvSpPr>
-          <p:spPr>
-            <a:xfrm>
-              <a:off x="3141203" y="2276873"/>
-              <a:ext cx="2848215" cy="1091773"/>
-            </a:xfrm>
-            <a:prstGeom prst="roundRect">
-              <a:avLst>
-                <a:gd name="adj" fmla="val 10811"/>
-              </a:avLst>
-            </a:prstGeom>
-            <a:noFill/>
-            <a:ln>
-              <a:prstDash val="dash"/>
-            </a:ln>
-          </p:spPr>
-          <p:style>
-            <a:lnRef idx="2">
-              <a:schemeClr val="accent1"/>
-            </a:lnRef>
-            <a:fillRef idx="1">
-              <a:schemeClr val="lt1"/>
-            </a:fillRef>
-            <a:effectRef idx="0">
-              <a:schemeClr val="accent1"/>
-            </a:effectRef>
-            <a:fontRef idx="minor">
-              <a:schemeClr val="dk1"/>
-            </a:fontRef>
-          </p:style>
-          <p:txBody>
-            <a:bodyPr rtlCol="0" anchor="ctr"/>
-            <a:lstStyle/>
-            <a:p>
-              <a:pPr algn="ctr"/>
-              <a:endParaRPr kumimoji="1" lang="ja-JP" altLang="en-US"/>
-            </a:p>
-          </p:txBody>
-        </p:sp>
-        <p:sp>
-          <p:nvSpPr>
-            <p:cNvPr id="54" name="対角する 2 つの角を丸めた四角形 53"/>
-            <p:cNvSpPr/>
-            <p:nvPr/>
-          </p:nvSpPr>
-          <p:spPr>
-            <a:xfrm>
-              <a:off x="3126959" y="2262359"/>
-              <a:ext cx="936000" cy="292627"/>
-            </a:xfrm>
-            <a:prstGeom prst="round2DiagRect">
-              <a:avLst/>
-            </a:prstGeom>
-            <a:effectLst/>
-          </p:spPr>
-          <p:style>
-            <a:lnRef idx="1">
-              <a:schemeClr val="accent1"/>
-            </a:lnRef>
-            <a:fillRef idx="2">
-              <a:schemeClr val="accent1"/>
-            </a:fillRef>
-            <a:effectRef idx="1">
-              <a:schemeClr val="accent1"/>
-            </a:effectRef>
-            <a:fontRef idx="minor">
-              <a:schemeClr val="dk1"/>
-            </a:fontRef>
-          </p:style>
-          <p:txBody>
-            <a:bodyPr wrap="none" lIns="36000" tIns="36000" rIns="36000" bIns="36000" rtlCol="0" anchor="ctr"/>
-            <a:lstStyle/>
-            <a:p>
-              <a:pPr algn="ctr"/>
-              <a:r>
-                <a:rPr kumimoji="1" lang="en-US" altLang="ja-JP" dirty="0" smtClean="0">
-                  <a:solidFill>
-                    <a:schemeClr val="tx1">
-                      <a:lumMod val="75000"/>
-                      <a:lumOff val="25000"/>
-                    </a:schemeClr>
-                  </a:solidFill>
-                </a:rPr>
-                <a:t>CRI </a:t>
-              </a:r>
-              <a:r>
-                <a:rPr kumimoji="1" lang="en-US" altLang="ja-JP" dirty="0" err="1" smtClean="0">
-                  <a:solidFill>
-                    <a:schemeClr val="tx1">
-                      <a:lumMod val="75000"/>
-                      <a:lumOff val="25000"/>
-                    </a:schemeClr>
-                  </a:solidFill>
-                </a:rPr>
-                <a:t>impl</a:t>
-              </a:r>
-              <a:endParaRPr kumimoji="1" lang="ja-JP" altLang="en-US" dirty="0">
-                <a:solidFill>
-                  <a:schemeClr val="tx1">
-                    <a:lumMod val="75000"/>
-                    <a:lumOff val="25000"/>
-                  </a:schemeClr>
-                </a:solidFill>
-              </a:endParaRPr>
-            </a:p>
-          </p:txBody>
-        </p:sp>
-      </p:grpSp>
-      <p:cxnSp>
-        <p:nvCxnSpPr>
-          <p:cNvPr id="55" name="カギ線コネクタ 54"/>
-          <p:cNvCxnSpPr>
-            <a:stCxn id="49" idx="2"/>
-            <a:endCxn id="53" idx="0"/>
-          </p:cNvCxnSpPr>
-          <p:nvPr/>
-        </p:nvCxnSpPr>
-        <p:spPr>
-          <a:xfrm rot="16200000" flipH="1">
-            <a:off x="2731783" y="4312452"/>
-            <a:ext cx="734463" cy="2703445"/>
-          </a:xfrm>
-          <a:prstGeom prst="bentConnector3">
-            <a:avLst>
-              <a:gd name="adj1" fmla="val 50000"/>
-            </a:avLst>
-          </a:prstGeom>
-          <a:ln w="25400">
-            <a:prstDash val="sysDash"/>
-            <a:tailEnd type="triangle" w="lg" len="lg"/>
-          </a:ln>
-        </p:spPr>
-        <p:style>
-          <a:lnRef idx="1">
-            <a:schemeClr val="accent5"/>
-          </a:lnRef>
-          <a:fillRef idx="0">
-            <a:schemeClr val="accent5"/>
-          </a:fillRef>
-          <a:effectRef idx="0">
-            <a:schemeClr val="accent5"/>
-          </a:effectRef>
-          <a:fontRef idx="minor">
-            <a:schemeClr val="tx1"/>
-          </a:fontRef>
-        </p:style>
-      </p:cxnSp>
-      <p:pic>
-        <p:nvPicPr>
-          <p:cNvPr id="56" name="Picture 2" descr="C:\Users\kaitoy\Desktop\bin\pleiades\workspace\blog\static\images\kubernetes.png"/>
-          <p:cNvPicPr>
-            <a:picLocks noChangeAspect="1" noChangeArrowheads="1"/>
-          </p:cNvPicPr>
-          <p:nvPr/>
-        </p:nvPicPr>
-        <p:blipFill>
-          <a:blip r:embed="rId3" cstate="print">
-            <a:extLst>
-              <a:ext uri="{28A0092B-C50C-407E-A947-70E740481C1C}">
-                <a14:useLocalDpi xmlns:a14="http://schemas.microsoft.com/office/drawing/2010/main" val="0"/>
-              </a:ext>
-            </a:extLst>
-          </a:blip>
-          <a:srcRect/>
-          <a:stretch>
-            <a:fillRect/>
-          </a:stretch>
-        </p:blipFill>
-        <p:spPr bwMode="auto">
-          <a:xfrm>
-            <a:off x="3471506" y="3770710"/>
-            <a:ext cx="1944216" cy="1454226"/>
-          </a:xfrm>
-          <a:prstGeom prst="rect">
-            <a:avLst/>
-          </a:prstGeom>
-          <a:noFill/>
-          <a:extLst>
-            <a:ext uri="{909E8E84-426E-40DD-AFC4-6F175D3DCCD1}">
-              <a14:hiddenFill xmlns:a14="http://schemas.microsoft.com/office/drawing/2010/main">
-                <a:solidFill>
-                  <a:srgbClr val="FFFFFF"/>
-                </a:solidFill>
-              </a14:hiddenFill>
-            </a:ext>
-          </a:extLst>
-        </p:spPr>
-      </p:pic>
-      <p:pic>
-        <p:nvPicPr>
-          <p:cNvPr id="57" name="Picture 2" descr="https://raw.githubusercontent.com/cncf/artwork/master/projects/containerd/horizontal/color/containerd-horizontal-color.png"/>
-          <p:cNvPicPr>
-            <a:picLocks noChangeAspect="1" noChangeArrowheads="1"/>
-          </p:cNvPicPr>
-          <p:nvPr/>
-        </p:nvPicPr>
-        <p:blipFill>
-          <a:blip r:embed="rId4" cstate="print">
-            <a:extLst>
-              <a:ext uri="{28A0092B-C50C-407E-A947-70E740481C1C}">
-                <a14:useLocalDpi xmlns:a14="http://schemas.microsoft.com/office/drawing/2010/main" val="0"/>
-              </a:ext>
-            </a:extLst>
-          </a:blip>
-          <a:srcRect/>
-          <a:stretch>
-            <a:fillRect/>
-          </a:stretch>
-        </p:blipFill>
-        <p:spPr bwMode="auto">
-          <a:xfrm>
-            <a:off x="3315577" y="6377064"/>
-            <a:ext cx="2256075" cy="558961"/>
-          </a:xfrm>
-          <a:prstGeom prst="rect">
-            <a:avLst/>
-          </a:prstGeom>
-          <a:noFill/>
-          <a:extLst>
-            <a:ext uri="{909E8E84-426E-40DD-AFC4-6F175D3DCCD1}">
-              <a14:hiddenFill xmlns:a14="http://schemas.microsoft.com/office/drawing/2010/main">
-                <a:solidFill>
-                  <a:srgbClr val="FFFFFF"/>
-                </a:solidFill>
-              </a14:hiddenFill>
-            </a:ext>
-          </a:extLst>
-        </p:spPr>
-      </p:pic>
-      <p:grpSp>
-        <p:nvGrpSpPr>
-          <p:cNvPr id="58" name="グループ化 57"/>
-          <p:cNvGrpSpPr/>
-          <p:nvPr/>
-        </p:nvGrpSpPr>
-        <p:grpSpPr>
-          <a:xfrm>
-            <a:off x="1926642" y="11789913"/>
-            <a:ext cx="1665841" cy="1408370"/>
-            <a:chOff x="707393" y="6331953"/>
-            <a:chExt cx="1665841" cy="1408370"/>
-          </a:xfrm>
-        </p:grpSpPr>
-        <p:sp>
-          <p:nvSpPr>
-            <p:cNvPr id="59" name="直方体 58"/>
-            <p:cNvSpPr/>
-            <p:nvPr/>
-          </p:nvSpPr>
-          <p:spPr>
-            <a:xfrm>
-              <a:off x="1324313" y="6331953"/>
-              <a:ext cx="432000" cy="432048"/>
-            </a:xfrm>
-            <a:prstGeom prst="cube">
-              <a:avLst/>
-            </a:prstGeom>
-          </p:spPr>
-          <p:style>
-            <a:lnRef idx="2">
-              <a:schemeClr val="accent5"/>
-            </a:lnRef>
-            <a:fillRef idx="1">
-              <a:schemeClr val="lt1"/>
-            </a:fillRef>
-            <a:effectRef idx="0">
-              <a:schemeClr val="accent5"/>
-            </a:effectRef>
-            <a:fontRef idx="minor">
-              <a:schemeClr val="dk1"/>
-            </a:fontRef>
-          </p:style>
-          <p:txBody>
-            <a:bodyPr rtlCol="0" anchor="ctr"/>
-            <a:lstStyle/>
-            <a:p>
-              <a:pPr algn="ctr"/>
-              <a:endParaRPr kumimoji="1" lang="ja-JP" altLang="en-US"/>
-            </a:p>
-          </p:txBody>
-        </p:sp>
-        <p:sp>
-          <p:nvSpPr>
-            <p:cNvPr id="60" name="テキスト ボックス 59"/>
-            <p:cNvSpPr txBox="1"/>
-            <p:nvPr/>
-          </p:nvSpPr>
-          <p:spPr>
-            <a:xfrm>
-              <a:off x="707393" y="6786216"/>
-              <a:ext cx="1665841" cy="954107"/>
-            </a:xfrm>
-            <a:prstGeom prst="rect">
-              <a:avLst/>
-            </a:prstGeom>
-            <a:noFill/>
-          </p:spPr>
-          <p:txBody>
-            <a:bodyPr wrap="none" rtlCol="0">
-              <a:spAutoFit/>
-            </a:bodyPr>
-            <a:lstStyle/>
-            <a:p>
-              <a:pPr algn="ctr"/>
-              <a:r>
-                <a:rPr lang="en-US" altLang="ja-JP" sz="2800" dirty="0" smtClean="0">
-                  <a:solidFill>
-                    <a:schemeClr val="tx1">
-                      <a:lumMod val="75000"/>
-                      <a:lumOff val="25000"/>
-                    </a:schemeClr>
-                  </a:solidFill>
-                  <a:latin typeface="Arial" panose="020B0604020202020204" pitchFamily="34" charset="0"/>
-                  <a:cs typeface="Arial" panose="020B0604020202020204" pitchFamily="34" charset="0"/>
-                </a:rPr>
-                <a:t>sandbox</a:t>
-              </a:r>
-            </a:p>
-            <a:p>
-              <a:pPr algn="ctr"/>
-              <a:r>
-                <a:rPr lang="en-US" altLang="ja-JP" sz="2800" dirty="0" smtClean="0">
-                  <a:solidFill>
-                    <a:schemeClr val="tx1">
-                      <a:lumMod val="75000"/>
-                      <a:lumOff val="25000"/>
-                    </a:schemeClr>
-                  </a:solidFill>
-                  <a:latin typeface="Arial" panose="020B0604020202020204" pitchFamily="34" charset="0"/>
-                  <a:cs typeface="Arial" panose="020B0604020202020204" pitchFamily="34" charset="0"/>
-                </a:rPr>
-                <a:t>container</a:t>
-              </a:r>
-              <a:endParaRPr kumimoji="1" lang="ja-JP" altLang="en-US" sz="2800" dirty="0">
-                <a:solidFill>
-                  <a:schemeClr val="tx1">
-                    <a:lumMod val="75000"/>
-                    <a:lumOff val="25000"/>
-                  </a:schemeClr>
-                </a:solidFill>
-                <a:latin typeface="Arial" panose="020B0604020202020204" pitchFamily="34" charset="0"/>
-                <a:cs typeface="Arial" panose="020B0604020202020204" pitchFamily="34" charset="0"/>
-              </a:endParaRPr>
-            </a:p>
-          </p:txBody>
-        </p:sp>
-      </p:grpSp>
-      <p:cxnSp>
-        <p:nvCxnSpPr>
-          <p:cNvPr id="61" name="カギ線コネクタ 60"/>
-          <p:cNvCxnSpPr>
-            <a:stCxn id="53" idx="2"/>
-            <a:endCxn id="86" idx="0"/>
-          </p:cNvCxnSpPr>
-          <p:nvPr/>
-        </p:nvCxnSpPr>
-        <p:spPr>
-          <a:xfrm rot="5400000">
-            <a:off x="3261411" y="6628590"/>
-            <a:ext cx="694736" cy="1683917"/>
-          </a:xfrm>
-          <a:prstGeom prst="bentConnector3">
-            <a:avLst>
-              <a:gd name="adj1" fmla="val 50000"/>
-            </a:avLst>
-          </a:prstGeom>
-          <a:ln w="25400">
-            <a:tailEnd type="triangle" w="lg" len="lg"/>
-          </a:ln>
-        </p:spPr>
-        <p:style>
-          <a:lnRef idx="1">
-            <a:schemeClr val="accent5"/>
-          </a:lnRef>
-          <a:fillRef idx="0">
-            <a:schemeClr val="accent5"/>
-          </a:fillRef>
-          <a:effectRef idx="0">
-            <a:schemeClr val="accent5"/>
-          </a:effectRef>
-          <a:fontRef idx="minor">
-            <a:schemeClr val="tx1"/>
-          </a:fontRef>
-        </p:style>
-      </p:cxnSp>
-      <p:grpSp>
-        <p:nvGrpSpPr>
-          <p:cNvPr id="64" name="グループ化 63"/>
-          <p:cNvGrpSpPr/>
-          <p:nvPr/>
-        </p:nvGrpSpPr>
-        <p:grpSpPr>
-          <a:xfrm>
-            <a:off x="1492164" y="8641772"/>
-            <a:ext cx="2534796" cy="1479708"/>
-            <a:chOff x="2901300" y="4435876"/>
-            <a:chExt cx="2534796" cy="1479708"/>
-          </a:xfrm>
-        </p:grpSpPr>
-        <p:sp>
-          <p:nvSpPr>
-            <p:cNvPr id="65" name="角丸四角形 64"/>
-            <p:cNvSpPr/>
-            <p:nvPr/>
-          </p:nvSpPr>
-          <p:spPr>
-            <a:xfrm>
-              <a:off x="2915816" y="4464905"/>
-              <a:ext cx="2520280" cy="1450679"/>
-            </a:xfrm>
-            <a:prstGeom prst="roundRect">
-              <a:avLst>
-                <a:gd name="adj" fmla="val 13586"/>
-              </a:avLst>
-            </a:prstGeom>
-            <a:noFill/>
-            <a:ln>
-              <a:prstDash val="dash"/>
-            </a:ln>
-          </p:spPr>
-          <p:style>
-            <a:lnRef idx="2">
-              <a:schemeClr val="accent5"/>
-            </a:lnRef>
-            <a:fillRef idx="1">
-              <a:schemeClr val="lt1"/>
-            </a:fillRef>
-            <a:effectRef idx="0">
-              <a:schemeClr val="accent5"/>
-            </a:effectRef>
-            <a:fontRef idx="minor">
-              <a:schemeClr val="dk1"/>
-            </a:fontRef>
-          </p:style>
-          <p:txBody>
-            <a:bodyPr rtlCol="0" anchor="ctr"/>
-            <a:lstStyle/>
-            <a:p>
-              <a:pPr algn="ctr"/>
-              <a:endParaRPr kumimoji="1" lang="ja-JP" altLang="en-US"/>
-            </a:p>
-          </p:txBody>
-        </p:sp>
-        <p:sp>
-          <p:nvSpPr>
-            <p:cNvPr id="66" name="対角する 2 つの角を丸めた四角形 65"/>
-            <p:cNvSpPr/>
-            <p:nvPr/>
-          </p:nvSpPr>
-          <p:spPr>
-            <a:xfrm>
-              <a:off x="2901300" y="4435876"/>
-              <a:ext cx="1332000" cy="288000"/>
-            </a:xfrm>
-            <a:prstGeom prst="round2DiagRect">
-              <a:avLst/>
-            </a:prstGeom>
-            <a:effectLst/>
-          </p:spPr>
-          <p:style>
-            <a:lnRef idx="1">
-              <a:schemeClr val="accent5"/>
-            </a:lnRef>
-            <a:fillRef idx="2">
-              <a:schemeClr val="accent5"/>
-            </a:fillRef>
-            <a:effectRef idx="1">
-              <a:schemeClr val="accent5"/>
-            </a:effectRef>
-            <a:fontRef idx="minor">
-              <a:schemeClr val="dk1"/>
-            </a:fontRef>
-          </p:style>
-          <p:txBody>
-            <a:bodyPr wrap="none" lIns="36000" tIns="36000" rIns="36000" bIns="36000" rtlCol="0" anchor="ctr"/>
-            <a:lstStyle/>
-            <a:p>
-              <a:pPr algn="ctr">
-                <a:lnSpc>
-                  <a:spcPts val="1460"/>
-                </a:lnSpc>
-              </a:pPr>
-              <a:r>
-                <a:rPr kumimoji="1" lang="en-US" altLang="ja-JP" dirty="0" smtClean="0">
-                  <a:solidFill>
-                    <a:schemeClr val="tx1">
-                      <a:lumMod val="75000"/>
-                      <a:lumOff val="25000"/>
-                    </a:schemeClr>
-                  </a:solidFill>
-                </a:rPr>
-                <a:t>OCI Runtime</a:t>
-              </a:r>
-              <a:endParaRPr kumimoji="1" lang="ja-JP" altLang="en-US" dirty="0">
-                <a:solidFill>
-                  <a:schemeClr val="tx1">
-                    <a:lumMod val="75000"/>
-                    <a:lumOff val="25000"/>
-                  </a:schemeClr>
-                </a:solidFill>
-              </a:endParaRPr>
-            </a:p>
-          </p:txBody>
-        </p:sp>
-      </p:grpSp>
-      <p:cxnSp>
-        <p:nvCxnSpPr>
-          <p:cNvPr id="69" name="カギ線コネクタ 68"/>
-          <p:cNvCxnSpPr>
-            <a:stCxn id="53" idx="2"/>
-            <a:endCxn id="87" idx="0"/>
-          </p:cNvCxnSpPr>
-          <p:nvPr/>
-        </p:nvCxnSpPr>
-        <p:spPr>
-          <a:xfrm rot="16200000" flipH="1">
-            <a:off x="4917594" y="6656322"/>
-            <a:ext cx="694736" cy="1628451"/>
-          </a:xfrm>
-          <a:prstGeom prst="bentConnector3">
-            <a:avLst>
-              <a:gd name="adj1" fmla="val 50000"/>
-            </a:avLst>
-          </a:prstGeom>
-          <a:ln w="25400">
-            <a:tailEnd type="triangle" w="lg" len="lg"/>
-          </a:ln>
-        </p:spPr>
-        <p:style>
-          <a:lnRef idx="1">
-            <a:schemeClr val="accent5"/>
-          </a:lnRef>
-          <a:fillRef idx="0">
-            <a:schemeClr val="accent5"/>
-          </a:fillRef>
-          <a:effectRef idx="0">
-            <a:schemeClr val="accent5"/>
-          </a:effectRef>
-          <a:fontRef idx="minor">
-            <a:schemeClr val="tx1"/>
-          </a:fontRef>
-        </p:style>
-      </p:cxnSp>
-      <p:cxnSp>
-        <p:nvCxnSpPr>
-          <p:cNvPr id="70" name="直線矢印コネクタ 69"/>
-          <p:cNvCxnSpPr/>
-          <p:nvPr/>
-        </p:nvCxnSpPr>
-        <p:spPr>
-          <a:xfrm flipH="1">
-            <a:off x="2759562" y="11202573"/>
-            <a:ext cx="1" cy="515267"/>
-          </a:xfrm>
-          <a:prstGeom prst="straightConnector1">
-            <a:avLst/>
-          </a:prstGeom>
-          <a:ln w="25400">
-            <a:tailEnd type="triangle" w="lg" len="lg"/>
-          </a:ln>
-        </p:spPr>
-        <p:style>
-          <a:lnRef idx="1">
-            <a:schemeClr val="accent5"/>
-          </a:lnRef>
-          <a:fillRef idx="0">
-            <a:schemeClr val="accent5"/>
-          </a:fillRef>
-          <a:effectRef idx="0">
-            <a:schemeClr val="accent5"/>
-          </a:effectRef>
-          <a:fontRef idx="minor">
-            <a:schemeClr val="tx1"/>
-          </a:fontRef>
-        </p:style>
-      </p:cxnSp>
-      <p:grpSp>
-        <p:nvGrpSpPr>
-          <p:cNvPr id="71" name="グループ化 70"/>
-          <p:cNvGrpSpPr/>
-          <p:nvPr/>
-        </p:nvGrpSpPr>
-        <p:grpSpPr>
-          <a:xfrm>
-            <a:off x="5239010" y="11789913"/>
-            <a:ext cx="1665841" cy="977483"/>
-            <a:chOff x="707393" y="6331953"/>
-            <a:chExt cx="1665841" cy="977483"/>
-          </a:xfrm>
-        </p:grpSpPr>
-        <p:sp>
-          <p:nvSpPr>
-            <p:cNvPr id="72" name="直方体 71"/>
-            <p:cNvSpPr/>
-            <p:nvPr/>
-          </p:nvSpPr>
-          <p:spPr>
-            <a:xfrm>
-              <a:off x="1324313" y="6331953"/>
-              <a:ext cx="432000" cy="432048"/>
-            </a:xfrm>
-            <a:prstGeom prst="cube">
-              <a:avLst/>
-            </a:prstGeom>
-          </p:spPr>
-          <p:style>
-            <a:lnRef idx="2">
-              <a:schemeClr val="accent5"/>
-            </a:lnRef>
-            <a:fillRef idx="1">
-              <a:schemeClr val="lt1"/>
-            </a:fillRef>
-            <a:effectRef idx="0">
-              <a:schemeClr val="accent5"/>
-            </a:effectRef>
-            <a:fontRef idx="minor">
-              <a:schemeClr val="dk1"/>
-            </a:fontRef>
-          </p:style>
-          <p:txBody>
-            <a:bodyPr rtlCol="0" anchor="ctr"/>
-            <a:lstStyle/>
-            <a:p>
-              <a:pPr algn="ctr"/>
-              <a:endParaRPr kumimoji="1" lang="ja-JP" altLang="en-US"/>
-            </a:p>
-          </p:txBody>
-        </p:sp>
-        <p:sp>
-          <p:nvSpPr>
-            <p:cNvPr id="73" name="テキスト ボックス 72"/>
-            <p:cNvSpPr txBox="1"/>
-            <p:nvPr/>
-          </p:nvSpPr>
-          <p:spPr>
-            <a:xfrm>
-              <a:off x="707393" y="6786216"/>
-              <a:ext cx="1665841" cy="523220"/>
-            </a:xfrm>
-            <a:prstGeom prst="rect">
-              <a:avLst/>
-            </a:prstGeom>
-            <a:noFill/>
-          </p:spPr>
-          <p:txBody>
-            <a:bodyPr wrap="none" rtlCol="0">
-              <a:spAutoFit/>
-            </a:bodyPr>
-            <a:lstStyle/>
-            <a:p>
-              <a:pPr algn="ctr"/>
-              <a:r>
-                <a:rPr lang="en-US" altLang="ja-JP" sz="2800" dirty="0" smtClean="0">
-                  <a:solidFill>
-                    <a:schemeClr val="tx1">
-                      <a:lumMod val="75000"/>
-                      <a:lumOff val="25000"/>
-                    </a:schemeClr>
-                  </a:solidFill>
-                  <a:latin typeface="Arial" panose="020B0604020202020204" pitchFamily="34" charset="0"/>
-                  <a:cs typeface="Arial" panose="020B0604020202020204" pitchFamily="34" charset="0"/>
-                </a:rPr>
-                <a:t>container</a:t>
-              </a:r>
-              <a:endParaRPr kumimoji="1" lang="ja-JP" altLang="en-US" sz="2800" dirty="0">
-                <a:solidFill>
-                  <a:schemeClr val="tx1">
-                    <a:lumMod val="75000"/>
-                    <a:lumOff val="25000"/>
-                  </a:schemeClr>
-                </a:solidFill>
-                <a:latin typeface="Arial" panose="020B0604020202020204" pitchFamily="34" charset="0"/>
-                <a:cs typeface="Arial" panose="020B0604020202020204" pitchFamily="34" charset="0"/>
-              </a:endParaRPr>
-            </a:p>
-          </p:txBody>
-        </p:sp>
-      </p:grpSp>
-      <p:grpSp>
-        <p:nvGrpSpPr>
-          <p:cNvPr id="77" name="グループ化 76"/>
-          <p:cNvGrpSpPr/>
-          <p:nvPr/>
-        </p:nvGrpSpPr>
-        <p:grpSpPr>
-          <a:xfrm>
-            <a:off x="4804532" y="8641772"/>
-            <a:ext cx="2534796" cy="1479708"/>
-            <a:chOff x="2901300" y="4435876"/>
-            <a:chExt cx="2534796" cy="1479708"/>
-          </a:xfrm>
-        </p:grpSpPr>
-        <p:sp>
-          <p:nvSpPr>
-            <p:cNvPr id="78" name="角丸四角形 77"/>
-            <p:cNvSpPr/>
-            <p:nvPr/>
-          </p:nvSpPr>
-          <p:spPr>
-            <a:xfrm>
-              <a:off x="2915816" y="4464905"/>
-              <a:ext cx="2520280" cy="1450679"/>
-            </a:xfrm>
-            <a:prstGeom prst="roundRect">
-              <a:avLst>
-                <a:gd name="adj" fmla="val 13586"/>
-              </a:avLst>
-            </a:prstGeom>
-            <a:noFill/>
-            <a:ln>
-              <a:prstDash val="dash"/>
-            </a:ln>
-          </p:spPr>
-          <p:style>
-            <a:lnRef idx="2">
-              <a:schemeClr val="accent5"/>
-            </a:lnRef>
-            <a:fillRef idx="1">
-              <a:schemeClr val="lt1"/>
-            </a:fillRef>
-            <a:effectRef idx="0">
-              <a:schemeClr val="accent5"/>
-            </a:effectRef>
-            <a:fontRef idx="minor">
-              <a:schemeClr val="dk1"/>
-            </a:fontRef>
-          </p:style>
-          <p:txBody>
-            <a:bodyPr rtlCol="0" anchor="ctr"/>
-            <a:lstStyle/>
-            <a:p>
-              <a:pPr algn="ctr"/>
-              <a:endParaRPr kumimoji="1" lang="ja-JP" altLang="en-US"/>
-            </a:p>
-          </p:txBody>
-        </p:sp>
-        <p:sp>
-          <p:nvSpPr>
-            <p:cNvPr id="79" name="対角する 2 つの角を丸めた四角形 78"/>
-            <p:cNvSpPr/>
-            <p:nvPr/>
-          </p:nvSpPr>
-          <p:spPr>
-            <a:xfrm>
-              <a:off x="2901300" y="4435876"/>
-              <a:ext cx="1332000" cy="288000"/>
-            </a:xfrm>
-            <a:prstGeom prst="round2DiagRect">
-              <a:avLst/>
-            </a:prstGeom>
-            <a:effectLst/>
-          </p:spPr>
-          <p:style>
-            <a:lnRef idx="1">
-              <a:schemeClr val="accent5"/>
-            </a:lnRef>
-            <a:fillRef idx="2">
-              <a:schemeClr val="accent5"/>
-            </a:fillRef>
-            <a:effectRef idx="1">
-              <a:schemeClr val="accent5"/>
-            </a:effectRef>
-            <a:fontRef idx="minor">
-              <a:schemeClr val="dk1"/>
-            </a:fontRef>
-          </p:style>
-          <p:txBody>
-            <a:bodyPr wrap="none" lIns="36000" tIns="36000" rIns="36000" bIns="36000" rtlCol="0" anchor="ctr"/>
-            <a:lstStyle/>
-            <a:p>
-              <a:pPr algn="ctr">
-                <a:lnSpc>
-                  <a:spcPts val="1460"/>
-                </a:lnSpc>
-              </a:pPr>
-              <a:r>
-                <a:rPr kumimoji="1" lang="en-US" altLang="ja-JP" dirty="0" smtClean="0">
-                  <a:solidFill>
-                    <a:schemeClr val="tx1">
-                      <a:lumMod val="75000"/>
-                      <a:lumOff val="25000"/>
-                    </a:schemeClr>
-                  </a:solidFill>
-                </a:rPr>
-                <a:t>OCI Runtime</a:t>
-              </a:r>
-              <a:endParaRPr kumimoji="1" lang="ja-JP" altLang="en-US" dirty="0">
-                <a:solidFill>
-                  <a:schemeClr val="tx1">
-                    <a:lumMod val="75000"/>
-                    <a:lumOff val="25000"/>
-                  </a:schemeClr>
-                </a:solidFill>
-              </a:endParaRPr>
-            </a:p>
-          </p:txBody>
-        </p:sp>
-      </p:grpSp>
-      <p:cxnSp>
-        <p:nvCxnSpPr>
-          <p:cNvPr id="82" name="直線矢印コネクタ 81"/>
-          <p:cNvCxnSpPr/>
-          <p:nvPr/>
-        </p:nvCxnSpPr>
-        <p:spPr>
-          <a:xfrm flipH="1">
-            <a:off x="6071930" y="11184193"/>
-            <a:ext cx="1" cy="515267"/>
-          </a:xfrm>
-          <a:prstGeom prst="straightConnector1">
-            <a:avLst/>
-          </a:prstGeom>
-          <a:ln w="25400">
-            <a:tailEnd type="triangle" w="lg" len="lg"/>
-          </a:ln>
-        </p:spPr>
-        <p:style>
-          <a:lnRef idx="1">
-            <a:schemeClr val="accent5"/>
-          </a:lnRef>
-          <a:fillRef idx="0">
-            <a:schemeClr val="accent5"/>
-          </a:fillRef>
-          <a:effectRef idx="0">
-            <a:schemeClr val="accent5"/>
-          </a:effectRef>
-          <a:fontRef idx="minor">
-            <a:schemeClr val="tx1"/>
-          </a:fontRef>
-        </p:style>
-      </p:cxnSp>
-      <p:grpSp>
-        <p:nvGrpSpPr>
-          <p:cNvPr id="83" name="グループ化 82"/>
-          <p:cNvGrpSpPr/>
-          <p:nvPr/>
-        </p:nvGrpSpPr>
-        <p:grpSpPr>
-          <a:xfrm>
-            <a:off x="1506680" y="11417624"/>
-            <a:ext cx="5832648" cy="1944216"/>
-            <a:chOff x="2901300" y="4435876"/>
-            <a:chExt cx="5832648" cy="1944216"/>
-          </a:xfrm>
-        </p:grpSpPr>
-        <p:sp>
-          <p:nvSpPr>
-            <p:cNvPr id="84" name="角丸四角形 83"/>
-            <p:cNvSpPr/>
-            <p:nvPr/>
-          </p:nvSpPr>
-          <p:spPr>
-            <a:xfrm>
-              <a:off x="2915816" y="4464905"/>
-              <a:ext cx="5818132" cy="1915187"/>
-            </a:xfrm>
-            <a:prstGeom prst="roundRect">
-              <a:avLst>
-                <a:gd name="adj" fmla="val 13586"/>
-              </a:avLst>
-            </a:prstGeom>
-            <a:noFill/>
-            <a:ln>
-              <a:solidFill>
-                <a:schemeClr val="tx1">
-                  <a:lumMod val="50000"/>
-                  <a:lumOff val="50000"/>
-                </a:schemeClr>
-              </a:solidFill>
-              <a:prstDash val="dash"/>
-            </a:ln>
-          </p:spPr>
-          <p:style>
-            <a:lnRef idx="2">
-              <a:schemeClr val="accent5"/>
-            </a:lnRef>
-            <a:fillRef idx="1">
-              <a:schemeClr val="lt1"/>
-            </a:fillRef>
-            <a:effectRef idx="0">
-              <a:schemeClr val="accent5"/>
-            </a:effectRef>
-            <a:fontRef idx="minor">
-              <a:schemeClr val="dk1"/>
-            </a:fontRef>
-          </p:style>
-          <p:txBody>
-            <a:bodyPr rtlCol="0" anchor="ctr"/>
-            <a:lstStyle/>
-            <a:p>
-              <a:pPr algn="ctr"/>
-              <a:endParaRPr kumimoji="1" lang="ja-JP" altLang="en-US"/>
-            </a:p>
-          </p:txBody>
-        </p:sp>
-        <p:sp>
-          <p:nvSpPr>
-            <p:cNvPr id="85" name="対角する 2 つの角を丸めた四角形 84"/>
-            <p:cNvSpPr/>
-            <p:nvPr/>
-          </p:nvSpPr>
-          <p:spPr>
-            <a:xfrm>
-              <a:off x="2901300" y="4435876"/>
-              <a:ext cx="612000" cy="288000"/>
-            </a:xfrm>
-            <a:prstGeom prst="round2DiagRect">
-              <a:avLst/>
-            </a:prstGeom>
-            <a:effectLst/>
-          </p:spPr>
-          <p:style>
-            <a:lnRef idx="1">
-              <a:schemeClr val="dk1"/>
-            </a:lnRef>
-            <a:fillRef idx="2">
-              <a:schemeClr val="dk1"/>
-            </a:fillRef>
-            <a:effectRef idx="1">
-              <a:schemeClr val="dk1"/>
-            </a:effectRef>
-            <a:fontRef idx="minor">
-              <a:schemeClr val="dk1"/>
-            </a:fontRef>
-          </p:style>
-          <p:txBody>
-            <a:bodyPr wrap="none" lIns="36000" tIns="36000" rIns="36000" bIns="36000" rtlCol="0" anchor="ctr"/>
-            <a:lstStyle/>
-            <a:p>
-              <a:pPr algn="ctr">
-                <a:lnSpc>
-                  <a:spcPts val="1460"/>
-                </a:lnSpc>
-              </a:pPr>
-              <a:r>
-                <a:rPr lang="en-US" altLang="ja-JP" dirty="0" smtClean="0">
-                  <a:solidFill>
-                    <a:schemeClr val="tx1">
-                      <a:lumMod val="75000"/>
-                      <a:lumOff val="25000"/>
-                    </a:schemeClr>
-                  </a:solidFill>
-                </a:rPr>
-                <a:t>Pod</a:t>
-              </a:r>
-              <a:endParaRPr kumimoji="1" lang="ja-JP" altLang="en-US" dirty="0">
-                <a:solidFill>
-                  <a:schemeClr val="tx1">
-                    <a:lumMod val="75000"/>
-                    <a:lumOff val="25000"/>
-                  </a:schemeClr>
-                </a:solidFill>
-              </a:endParaRPr>
-            </a:p>
-          </p:txBody>
-        </p:sp>
-      </p:grpSp>
-      <p:sp>
-        <p:nvSpPr>
-          <p:cNvPr id="86" name="正方形/長方形 85"/>
-          <p:cNvSpPr/>
-          <p:nvPr/>
-        </p:nvSpPr>
-        <p:spPr>
-          <a:xfrm>
-            <a:off x="2014851" y="7817916"/>
-            <a:ext cx="1503937" cy="523220"/>
-          </a:xfrm>
-          <a:prstGeom prst="rect">
-            <a:avLst/>
-          </a:prstGeom>
-        </p:spPr>
-        <p:style>
-          <a:lnRef idx="2">
-            <a:schemeClr val="accent5"/>
-          </a:lnRef>
-          <a:fillRef idx="1">
-            <a:schemeClr val="lt1"/>
-          </a:fillRef>
-          <a:effectRef idx="0">
-            <a:schemeClr val="accent5"/>
-          </a:effectRef>
-          <a:fontRef idx="minor">
-            <a:schemeClr val="dk1"/>
-          </a:fontRef>
-        </p:style>
-        <p:txBody>
-          <a:bodyPr rot="0" spcFirstLastPara="0" vertOverflow="overflow" horzOverflow="overflow" vert="horz" wrap="none" lIns="91440" tIns="45720" rIns="91440" bIns="45720" numCol="1" spcCol="0" rtlCol="0" fromWordArt="0" anchor="ctr" anchorCtr="0" forceAA="0" compatLnSpc="1">
-            <a:prstTxWarp prst="textNoShape">
-              <a:avLst/>
-            </a:prstTxWarp>
-            <a:spAutoFit/>
-          </a:bodyPr>
-          <a:lstStyle/>
-          <a:p>
-            <a:pPr algn="ctr"/>
-            <a:r>
-              <a:rPr lang="en-US" altLang="ja-JP" sz="2800" dirty="0" err="1">
-                <a:solidFill>
-                  <a:schemeClr val="accent1">
-                    <a:lumMod val="75000"/>
-                  </a:schemeClr>
-                </a:solidFill>
-                <a:latin typeface="Arial" panose="020B0604020202020204" pitchFamily="34" charset="0"/>
-                <a:cs typeface="Arial" panose="020B0604020202020204" pitchFamily="34" charset="0"/>
-              </a:rPr>
-              <a:t>hcsshim</a:t>
-            </a:r>
-            <a:endParaRPr lang="ja-JP" altLang="en-US" sz="2800" dirty="0">
-              <a:solidFill>
-                <a:schemeClr val="accent1">
-                  <a:lumMod val="75000"/>
-                </a:schemeClr>
-              </a:solidFill>
-              <a:latin typeface="Arial" panose="020B0604020202020204" pitchFamily="34" charset="0"/>
-              <a:cs typeface="Arial" panose="020B0604020202020204" pitchFamily="34" charset="0"/>
-            </a:endParaRPr>
-          </a:p>
-        </p:txBody>
-      </p:sp>
-      <p:sp>
-        <p:nvSpPr>
-          <p:cNvPr id="87" name="正方形/長方形 86"/>
-          <p:cNvSpPr/>
-          <p:nvPr/>
-        </p:nvSpPr>
-        <p:spPr>
-          <a:xfrm>
-            <a:off x="5327219" y="7817916"/>
-            <a:ext cx="1503937" cy="523220"/>
-          </a:xfrm>
-          <a:prstGeom prst="rect">
-            <a:avLst/>
-          </a:prstGeom>
-        </p:spPr>
-        <p:style>
-          <a:lnRef idx="2">
-            <a:schemeClr val="accent5"/>
-          </a:lnRef>
-          <a:fillRef idx="1">
-            <a:schemeClr val="lt1"/>
-          </a:fillRef>
-          <a:effectRef idx="0">
-            <a:schemeClr val="accent5"/>
-          </a:effectRef>
-          <a:fontRef idx="minor">
-            <a:schemeClr val="dk1"/>
-          </a:fontRef>
-        </p:style>
-        <p:txBody>
-          <a:bodyPr rot="0" spcFirstLastPara="0" vertOverflow="overflow" horzOverflow="overflow" vert="horz" wrap="none" lIns="91440" tIns="45720" rIns="91440" bIns="45720" numCol="1" spcCol="0" rtlCol="0" fromWordArt="0" anchor="ctr" anchorCtr="0" forceAA="0" compatLnSpc="1">
-            <a:prstTxWarp prst="textNoShape">
-              <a:avLst/>
-            </a:prstTxWarp>
-            <a:spAutoFit/>
-          </a:bodyPr>
-          <a:lstStyle/>
-          <a:p>
-            <a:pPr algn="ctr"/>
-            <a:r>
-              <a:rPr lang="en-US" altLang="ja-JP" sz="2800" dirty="0" err="1">
-                <a:solidFill>
-                  <a:schemeClr val="accent1">
-                    <a:lumMod val="75000"/>
-                  </a:schemeClr>
-                </a:solidFill>
-                <a:latin typeface="Arial" panose="020B0604020202020204" pitchFamily="34" charset="0"/>
-                <a:cs typeface="Arial" panose="020B0604020202020204" pitchFamily="34" charset="0"/>
-              </a:rPr>
-              <a:t>hcsshim</a:t>
-            </a:r>
-            <a:endParaRPr lang="ja-JP" altLang="en-US" sz="2800" dirty="0">
-              <a:solidFill>
-                <a:schemeClr val="accent1">
-                  <a:lumMod val="75000"/>
-                </a:schemeClr>
-              </a:solidFill>
-              <a:latin typeface="Arial" panose="020B0604020202020204" pitchFamily="34" charset="0"/>
-              <a:cs typeface="Arial" panose="020B0604020202020204" pitchFamily="34" charset="0"/>
-            </a:endParaRPr>
-          </a:p>
-        </p:txBody>
-      </p:sp>
-      <p:cxnSp>
-        <p:nvCxnSpPr>
-          <p:cNvPr id="88" name="直線矢印コネクタ 87"/>
-          <p:cNvCxnSpPr>
-            <a:stCxn id="86" idx="2"/>
-            <a:endCxn id="65" idx="0"/>
-          </p:cNvCxnSpPr>
-          <p:nvPr/>
-        </p:nvCxnSpPr>
-        <p:spPr>
-          <a:xfrm>
-            <a:off x="2766820" y="8341136"/>
-            <a:ext cx="0" cy="329665"/>
-          </a:xfrm>
-          <a:prstGeom prst="straightConnector1">
-            <a:avLst/>
-          </a:prstGeom>
-          <a:ln w="25400">
-            <a:tailEnd type="triangle" w="lg" len="lg"/>
-          </a:ln>
-        </p:spPr>
-        <p:style>
-          <a:lnRef idx="1">
-            <a:schemeClr val="accent5"/>
-          </a:lnRef>
-          <a:fillRef idx="0">
-            <a:schemeClr val="accent5"/>
-          </a:fillRef>
-          <a:effectRef idx="0">
-            <a:schemeClr val="accent5"/>
-          </a:effectRef>
-          <a:fontRef idx="minor">
-            <a:schemeClr val="tx1"/>
-          </a:fontRef>
-        </p:style>
-      </p:cxnSp>
-      <p:cxnSp>
-        <p:nvCxnSpPr>
-          <p:cNvPr id="89" name="直線矢印コネクタ 88"/>
-          <p:cNvCxnSpPr>
-            <a:stCxn id="87" idx="2"/>
-          </p:cNvCxnSpPr>
-          <p:nvPr/>
-        </p:nvCxnSpPr>
-        <p:spPr>
-          <a:xfrm flipH="1">
-            <a:off x="6071930" y="8341136"/>
-            <a:ext cx="7258" cy="300636"/>
-          </a:xfrm>
-          <a:prstGeom prst="straightConnector1">
-            <a:avLst/>
-          </a:prstGeom>
-          <a:ln w="25400">
-            <a:tailEnd type="triangle" w="lg" len="lg"/>
-          </a:ln>
-        </p:spPr>
-        <p:style>
-          <a:lnRef idx="1">
-            <a:schemeClr val="accent5"/>
-          </a:lnRef>
-          <a:fillRef idx="0">
-            <a:schemeClr val="accent5"/>
-          </a:fillRef>
-          <a:effectRef idx="0">
-            <a:schemeClr val="accent5"/>
-          </a:effectRef>
-          <a:fontRef idx="minor">
-            <a:schemeClr val="tx1"/>
-          </a:fontRef>
-        </p:style>
-      </p:cxnSp>
-      <p:sp>
-        <p:nvSpPr>
-          <p:cNvPr id="41" name="正方形/長方形 40"/>
-          <p:cNvSpPr/>
-          <p:nvPr/>
-        </p:nvSpPr>
-        <p:spPr>
-          <a:xfrm>
-            <a:off x="1521196" y="10656000"/>
-            <a:ext cx="5818132" cy="523220"/>
-          </a:xfrm>
-          <a:prstGeom prst="rect">
-            <a:avLst/>
-          </a:prstGeom>
-        </p:spPr>
-        <p:style>
-          <a:lnRef idx="2">
-            <a:schemeClr val="accent5"/>
-          </a:lnRef>
-          <a:fillRef idx="1">
-            <a:schemeClr val="lt1"/>
-          </a:fillRef>
-          <a:effectRef idx="0">
-            <a:schemeClr val="accent5"/>
-          </a:effectRef>
-          <a:fontRef idx="minor">
-            <a:schemeClr val="dk1"/>
-          </a:fontRef>
-        </p:style>
-        <p:txBody>
-          <a:bodyPr rot="0" spcFirstLastPara="0" vertOverflow="overflow" horzOverflow="overflow" vert="horz" wrap="none" lIns="91440" tIns="45720" rIns="91440" bIns="45720" numCol="1" spcCol="0" rtlCol="0" fromWordArt="0" anchor="ctr" anchorCtr="0" forceAA="0" compatLnSpc="1">
-            <a:prstTxWarp prst="textNoShape">
-              <a:avLst/>
-            </a:prstTxWarp>
-            <a:noAutofit/>
-          </a:bodyPr>
-          <a:lstStyle/>
-          <a:p>
-            <a:pPr algn="ctr"/>
-            <a:r>
-              <a:rPr lang="en-US" altLang="ja-JP" sz="2800" dirty="0" smtClean="0">
-                <a:solidFill>
-                  <a:schemeClr val="accent1">
-                    <a:lumMod val="75000"/>
-                  </a:schemeClr>
-                </a:solidFill>
-                <a:latin typeface="Arial" panose="020B0604020202020204" pitchFamily="34" charset="0"/>
-                <a:cs typeface="Arial" panose="020B0604020202020204" pitchFamily="34" charset="0"/>
-              </a:rPr>
-              <a:t>HCS</a:t>
-            </a:r>
-            <a:endParaRPr lang="ja-JP" altLang="en-US" sz="2800" dirty="0">
-              <a:solidFill>
-                <a:schemeClr val="accent1">
-                  <a:lumMod val="75000"/>
-                </a:schemeClr>
-              </a:solidFill>
-              <a:latin typeface="Arial" panose="020B0604020202020204" pitchFamily="34" charset="0"/>
-              <a:cs typeface="Arial" panose="020B0604020202020204" pitchFamily="34" charset="0"/>
-            </a:endParaRPr>
-          </a:p>
-        </p:txBody>
-      </p:sp>
-      <p:sp>
-        <p:nvSpPr>
-          <p:cNvPr id="42" name="正方形/長方形 41"/>
-          <p:cNvSpPr/>
-          <p:nvPr/>
-        </p:nvSpPr>
-        <p:spPr>
-          <a:xfrm>
-            <a:off x="2134274" y="9113368"/>
-            <a:ext cx="1265090" cy="523220"/>
-          </a:xfrm>
-          <a:prstGeom prst="rect">
-            <a:avLst/>
-          </a:prstGeom>
-        </p:spPr>
-        <p:style>
-          <a:lnRef idx="2">
-            <a:schemeClr val="accent5"/>
-          </a:lnRef>
-          <a:fillRef idx="1">
-            <a:schemeClr val="lt1"/>
-          </a:fillRef>
-          <a:effectRef idx="0">
-            <a:schemeClr val="accent5"/>
-          </a:effectRef>
-          <a:fontRef idx="minor">
-            <a:schemeClr val="dk1"/>
-          </a:fontRef>
-        </p:style>
-        <p:txBody>
-          <a:bodyPr rot="0" spcFirstLastPara="0" vertOverflow="overflow" horzOverflow="overflow" vert="horz" wrap="none" lIns="91440" tIns="45720" rIns="91440" bIns="45720" numCol="1" spcCol="0" rtlCol="0" fromWordArt="0" anchor="ctr" anchorCtr="0" forceAA="0" compatLnSpc="1">
-            <a:prstTxWarp prst="textNoShape">
-              <a:avLst/>
-            </a:prstTxWarp>
-            <a:spAutoFit/>
-          </a:bodyPr>
-          <a:lstStyle/>
-          <a:p>
-            <a:pPr algn="ctr"/>
-            <a:r>
-              <a:rPr lang="en-US" altLang="ja-JP" sz="2800" dirty="0" err="1">
-                <a:solidFill>
-                  <a:schemeClr val="tx1">
-                    <a:lumMod val="75000"/>
-                    <a:lumOff val="25000"/>
-                  </a:schemeClr>
-                </a:solidFill>
-                <a:latin typeface="Arial" panose="020B0604020202020204" pitchFamily="34" charset="0"/>
-                <a:cs typeface="Arial" panose="020B0604020202020204" pitchFamily="34" charset="0"/>
-              </a:rPr>
-              <a:t>runhcs</a:t>
-            </a:r>
-            <a:endParaRPr lang="ja-JP" altLang="en-US" sz="2800" dirty="0">
-              <a:solidFill>
-                <a:schemeClr val="accent1">
-                  <a:lumMod val="75000"/>
-                </a:schemeClr>
-              </a:solidFill>
-              <a:latin typeface="Arial" panose="020B0604020202020204" pitchFamily="34" charset="0"/>
-              <a:cs typeface="Arial" panose="020B0604020202020204" pitchFamily="34" charset="0"/>
-            </a:endParaRPr>
-          </a:p>
-        </p:txBody>
-      </p:sp>
-      <p:sp>
-        <p:nvSpPr>
-          <p:cNvPr id="43" name="正方形/長方形 42"/>
-          <p:cNvSpPr/>
-          <p:nvPr/>
-        </p:nvSpPr>
-        <p:spPr>
-          <a:xfrm>
-            <a:off x="5439385" y="9113368"/>
-            <a:ext cx="1265090" cy="523220"/>
-          </a:xfrm>
-          <a:prstGeom prst="rect">
-            <a:avLst/>
-          </a:prstGeom>
-        </p:spPr>
-        <p:style>
-          <a:lnRef idx="2">
-            <a:schemeClr val="accent5"/>
-          </a:lnRef>
-          <a:fillRef idx="1">
-            <a:schemeClr val="lt1"/>
-          </a:fillRef>
-          <a:effectRef idx="0">
-            <a:schemeClr val="accent5"/>
-          </a:effectRef>
-          <a:fontRef idx="minor">
-            <a:schemeClr val="dk1"/>
-          </a:fontRef>
-        </p:style>
-        <p:txBody>
-          <a:bodyPr rot="0" spcFirstLastPara="0" vertOverflow="overflow" horzOverflow="overflow" vert="horz" wrap="none" lIns="91440" tIns="45720" rIns="91440" bIns="45720" numCol="1" spcCol="0" rtlCol="0" fromWordArt="0" anchor="ctr" anchorCtr="0" forceAA="0" compatLnSpc="1">
-            <a:prstTxWarp prst="textNoShape">
-              <a:avLst/>
-            </a:prstTxWarp>
-            <a:spAutoFit/>
-          </a:bodyPr>
-          <a:lstStyle/>
-          <a:p>
-            <a:pPr algn="ctr"/>
-            <a:r>
-              <a:rPr lang="en-US" altLang="ja-JP" sz="2800" dirty="0" err="1">
-                <a:solidFill>
-                  <a:schemeClr val="tx1">
-                    <a:lumMod val="75000"/>
-                    <a:lumOff val="25000"/>
-                  </a:schemeClr>
-                </a:solidFill>
-                <a:latin typeface="Arial" panose="020B0604020202020204" pitchFamily="34" charset="0"/>
-                <a:cs typeface="Arial" panose="020B0604020202020204" pitchFamily="34" charset="0"/>
-              </a:rPr>
-              <a:t>runhcs</a:t>
-            </a:r>
-            <a:endParaRPr lang="ja-JP" altLang="en-US" sz="2800" dirty="0">
-              <a:solidFill>
-                <a:schemeClr val="accent1">
-                  <a:lumMod val="75000"/>
-                </a:schemeClr>
-              </a:solidFill>
-              <a:latin typeface="Arial" panose="020B0604020202020204" pitchFamily="34" charset="0"/>
-              <a:cs typeface="Arial" panose="020B0604020202020204" pitchFamily="34" charset="0"/>
-            </a:endParaRPr>
-          </a:p>
-        </p:txBody>
-      </p:sp>
-      <p:cxnSp>
-        <p:nvCxnSpPr>
-          <p:cNvPr id="45" name="直線矢印コネクタ 44"/>
-          <p:cNvCxnSpPr/>
-          <p:nvPr/>
-        </p:nvCxnSpPr>
-        <p:spPr>
-          <a:xfrm flipH="1">
-            <a:off x="2759561" y="10121480"/>
-            <a:ext cx="1" cy="515267"/>
-          </a:xfrm>
-          <a:prstGeom prst="straightConnector1">
-            <a:avLst/>
-          </a:prstGeom>
-          <a:ln w="25400">
-            <a:tailEnd type="triangle" w="lg" len="lg"/>
-          </a:ln>
-        </p:spPr>
-        <p:style>
-          <a:lnRef idx="1">
-            <a:schemeClr val="accent5"/>
-          </a:lnRef>
-          <a:fillRef idx="0">
-            <a:schemeClr val="accent5"/>
-          </a:fillRef>
-          <a:effectRef idx="0">
-            <a:schemeClr val="accent5"/>
-          </a:effectRef>
-          <a:fontRef idx="minor">
-            <a:schemeClr val="tx1"/>
-          </a:fontRef>
-        </p:style>
-      </p:cxnSp>
-      <p:cxnSp>
-        <p:nvCxnSpPr>
-          <p:cNvPr id="46" name="直線矢印コネクタ 45"/>
-          <p:cNvCxnSpPr/>
-          <p:nvPr/>
-        </p:nvCxnSpPr>
-        <p:spPr>
-          <a:xfrm flipH="1">
-            <a:off x="6071929" y="10121480"/>
-            <a:ext cx="1" cy="515267"/>
-          </a:xfrm>
-          <a:prstGeom prst="straightConnector1">
-            <a:avLst/>
-          </a:prstGeom>
-          <a:ln w="25400">
-            <a:tailEnd type="triangle" w="lg" len="lg"/>
-          </a:ln>
-        </p:spPr>
-        <p:style>
-          <a:lnRef idx="1">
-            <a:schemeClr val="accent5"/>
-          </a:lnRef>
-          <a:fillRef idx="0">
-            <a:schemeClr val="accent5"/>
-          </a:fillRef>
-          <a:effectRef idx="0">
-            <a:schemeClr val="accent5"/>
-          </a:effectRef>
-          <a:fontRef idx="minor">
-            <a:schemeClr val="tx1"/>
-          </a:fontRef>
-        </p:style>
-      </p:cxnSp>
-    </p:spTree>
-    <p:extLst>
-      <p:ext uri="{BB962C8B-B14F-4D97-AF65-F5344CB8AC3E}">
-        <p14:creationId xmlns:p14="http://schemas.microsoft.com/office/powerpoint/2010/main" val="8378141"/>
       </p:ext>
     </p:extLst>
   </p:cSld>

--- a/static/images/k8s-ecosystem-container-runtimes/container-runtime.pptx
+++ b/static/images/k8s-ecosystem-container-runtimes/container-runtime.pptx
@@ -302,7 +302,7 @@
           <a:p>
             <a:fld id="{1C257373-2D96-432C-8559-9F0547ADC7C2}" type="datetimeFigureOut">
               <a:rPr kumimoji="1" lang="ja-JP" altLang="en-US" smtClean="0"/>
-              <a:t>2019/7/1</a:t>
+              <a:t>2019/7/2</a:t>
             </a:fld>
             <a:endParaRPr kumimoji="1" lang="ja-JP" altLang="en-US"/>
           </a:p>
@@ -504,7 +504,7 @@
           <a:p>
             <a:fld id="{1C257373-2D96-432C-8559-9F0547ADC7C2}" type="datetimeFigureOut">
               <a:rPr kumimoji="1" lang="ja-JP" altLang="en-US" smtClean="0"/>
-              <a:t>2019/7/1</a:t>
+              <a:t>2019/7/2</a:t>
             </a:fld>
             <a:endParaRPr kumimoji="1" lang="ja-JP" altLang="en-US"/>
           </a:p>
@@ -716,7 +716,7 @@
           <a:p>
             <a:fld id="{1C257373-2D96-432C-8559-9F0547ADC7C2}" type="datetimeFigureOut">
               <a:rPr kumimoji="1" lang="ja-JP" altLang="en-US" smtClean="0"/>
-              <a:t>2019/7/1</a:t>
+              <a:t>2019/7/2</a:t>
             </a:fld>
             <a:endParaRPr kumimoji="1" lang="ja-JP" altLang="en-US"/>
           </a:p>
@@ -918,7 +918,7 @@
           <a:p>
             <a:fld id="{1C257373-2D96-432C-8559-9F0547ADC7C2}" type="datetimeFigureOut">
               <a:rPr kumimoji="1" lang="ja-JP" altLang="en-US" smtClean="0"/>
-              <a:t>2019/7/1</a:t>
+              <a:t>2019/7/2</a:t>
             </a:fld>
             <a:endParaRPr kumimoji="1" lang="ja-JP" altLang="en-US"/>
           </a:p>
@@ -1164,7 +1164,7 @@
           <a:p>
             <a:fld id="{1C257373-2D96-432C-8559-9F0547ADC7C2}" type="datetimeFigureOut">
               <a:rPr kumimoji="1" lang="ja-JP" altLang="en-US" smtClean="0"/>
-              <a:t>2019/7/1</a:t>
+              <a:t>2019/7/2</a:t>
             </a:fld>
             <a:endParaRPr kumimoji="1" lang="ja-JP" altLang="en-US"/>
           </a:p>
@@ -1516,7 +1516,7 @@
           <a:p>
             <a:fld id="{1C257373-2D96-432C-8559-9F0547ADC7C2}" type="datetimeFigureOut">
               <a:rPr kumimoji="1" lang="ja-JP" altLang="en-US" smtClean="0"/>
-              <a:t>2019/7/1</a:t>
+              <a:t>2019/7/2</a:t>
             </a:fld>
             <a:endParaRPr kumimoji="1" lang="ja-JP" altLang="en-US"/>
           </a:p>
@@ -2002,7 +2002,7 @@
           <a:p>
             <a:fld id="{1C257373-2D96-432C-8559-9F0547ADC7C2}" type="datetimeFigureOut">
               <a:rPr kumimoji="1" lang="ja-JP" altLang="en-US" smtClean="0"/>
-              <a:t>2019/7/1</a:t>
+              <a:t>2019/7/2</a:t>
             </a:fld>
             <a:endParaRPr kumimoji="1" lang="ja-JP" altLang="en-US"/>
           </a:p>
@@ -2120,7 +2120,7 @@
           <a:p>
             <a:fld id="{1C257373-2D96-432C-8559-9F0547ADC7C2}" type="datetimeFigureOut">
               <a:rPr kumimoji="1" lang="ja-JP" altLang="en-US" smtClean="0"/>
-              <a:t>2019/7/1</a:t>
+              <a:t>2019/7/2</a:t>
             </a:fld>
             <a:endParaRPr kumimoji="1" lang="ja-JP" altLang="en-US"/>
           </a:p>
@@ -2215,7 +2215,7 @@
           <a:p>
             <a:fld id="{1C257373-2D96-432C-8559-9F0547ADC7C2}" type="datetimeFigureOut">
               <a:rPr kumimoji="1" lang="ja-JP" altLang="en-US" smtClean="0"/>
-              <a:t>2019/7/1</a:t>
+              <a:t>2019/7/2</a:t>
             </a:fld>
             <a:endParaRPr kumimoji="1" lang="ja-JP" altLang="en-US"/>
           </a:p>
@@ -2524,7 +2524,7 @@
           <a:p>
             <a:fld id="{1C257373-2D96-432C-8559-9F0547ADC7C2}" type="datetimeFigureOut">
               <a:rPr kumimoji="1" lang="ja-JP" altLang="en-US" smtClean="0"/>
-              <a:t>2019/7/1</a:t>
+              <a:t>2019/7/2</a:t>
             </a:fld>
             <a:endParaRPr kumimoji="1" lang="ja-JP" altLang="en-US"/>
           </a:p>
@@ -2777,7 +2777,7 @@
           <a:p>
             <a:fld id="{1C257373-2D96-432C-8559-9F0547ADC7C2}" type="datetimeFigureOut">
               <a:rPr kumimoji="1" lang="ja-JP" altLang="en-US" smtClean="0"/>
-              <a:t>2019/7/1</a:t>
+              <a:t>2019/7/2</a:t>
             </a:fld>
             <a:endParaRPr kumimoji="1" lang="ja-JP" altLang="en-US"/>
           </a:p>
@@ -3022,7 +3022,7 @@
           <a:p>
             <a:fld id="{1C257373-2D96-432C-8559-9F0547ADC7C2}" type="datetimeFigureOut">
               <a:rPr kumimoji="1" lang="ja-JP" altLang="en-US" smtClean="0"/>
-              <a:t>2019/7/1</a:t>
+              <a:t>2019/7/2</a:t>
             </a:fld>
             <a:endParaRPr kumimoji="1" lang="ja-JP" altLang="en-US"/>
           </a:p>
@@ -23283,8 +23283,8 @@
         </p:nvCxnSpPr>
         <p:spPr>
           <a:xfrm rot="5400000">
-            <a:off x="3261411" y="6628590"/>
-            <a:ext cx="694736" cy="1683916"/>
+            <a:off x="3261412" y="6628591"/>
+            <a:ext cx="694736" cy="1683915"/>
           </a:xfrm>
           <a:prstGeom prst="bentConnector3">
             <a:avLst>
@@ -24128,8 +24128,8 @@
         </p:nvSpPr>
         <p:spPr>
           <a:xfrm>
-            <a:off x="1984395" y="7817916"/>
-            <a:ext cx="1564852" cy="523220"/>
+            <a:off x="2034089" y="7817916"/>
+            <a:ext cx="1465466" cy="523220"/>
           </a:xfrm>
           <a:prstGeom prst="rect">
             <a:avLst/>
@@ -24160,7 +24160,7 @@
           <a:p>
             <a:pPr algn="ctr"/>
             <a:r>
-              <a:rPr lang="en-US" altLang="ja-JP" sz="2800" dirty="0" smtClean="0">
+              <a:rPr lang="en-US" altLang="ja-JP" sz="2800" dirty="0" err="1" smtClean="0">
                 <a:solidFill>
                   <a:schemeClr val="accent1">
                     <a:lumMod val="75000"/>
@@ -24169,7 +24169,7 @@
                 <a:latin typeface="Arial" panose="020B0604020202020204" pitchFamily="34" charset="0"/>
                 <a:cs typeface="Arial" panose="020B0604020202020204" pitchFamily="34" charset="0"/>
               </a:rPr>
-              <a:t>common</a:t>
+              <a:t>conmon</a:t>
             </a:r>
             <a:endParaRPr lang="ja-JP" altLang="en-US" sz="2800" dirty="0">
               <a:solidFill>
@@ -24191,8 +24191,8 @@
         </p:nvSpPr>
         <p:spPr>
           <a:xfrm>
-            <a:off x="5296762" y="7817916"/>
-            <a:ext cx="1564852" cy="523220"/>
+            <a:off x="5346455" y="7817916"/>
+            <a:ext cx="1465465" cy="523220"/>
           </a:xfrm>
           <a:prstGeom prst="rect">
             <a:avLst/>
@@ -24223,7 +24223,7 @@
           <a:p>
             <a:pPr algn="ctr"/>
             <a:r>
-              <a:rPr lang="en-US" altLang="ja-JP" sz="2800" dirty="0" smtClean="0">
+              <a:rPr lang="en-US" altLang="ja-JP" sz="2800" dirty="0" err="1">
                 <a:solidFill>
                   <a:schemeClr val="accent1">
                     <a:lumMod val="75000"/>
@@ -24232,7 +24232,7 @@
                 <a:latin typeface="Arial" panose="020B0604020202020204" pitchFamily="34" charset="0"/>
                 <a:cs typeface="Arial" panose="020B0604020202020204" pitchFamily="34" charset="0"/>
               </a:rPr>
-              <a:t>common</a:t>
+              <a:t>conmon</a:t>
             </a:r>
             <a:endParaRPr lang="ja-JP" altLang="en-US" sz="2800" dirty="0">
               <a:solidFill>
@@ -24258,7 +24258,7 @@
         <p:spPr>
           <a:xfrm flipH="1">
             <a:off x="2766820" y="8341136"/>
-            <a:ext cx="1" cy="329665"/>
+            <a:ext cx="2" cy="329665"/>
           </a:xfrm>
           <a:prstGeom prst="straightConnector1">
             <a:avLst/>

--- a/static/images/k8s-ecosystem-container-runtimes/container-runtime.pptx
+++ b/static/images/k8s-ecosystem-container-runtimes/container-runtime.pptx
@@ -302,7 +302,7 @@
           <a:p>
             <a:fld id="{1C257373-2D96-432C-8559-9F0547ADC7C2}" type="datetimeFigureOut">
               <a:rPr kumimoji="1" lang="ja-JP" altLang="en-US" smtClean="0"/>
-              <a:t>2019/7/2</a:t>
+              <a:t>2019/7/4</a:t>
             </a:fld>
             <a:endParaRPr kumimoji="1" lang="ja-JP" altLang="en-US"/>
           </a:p>
@@ -504,7 +504,7 @@
           <a:p>
             <a:fld id="{1C257373-2D96-432C-8559-9F0547ADC7C2}" type="datetimeFigureOut">
               <a:rPr kumimoji="1" lang="ja-JP" altLang="en-US" smtClean="0"/>
-              <a:t>2019/7/2</a:t>
+              <a:t>2019/7/4</a:t>
             </a:fld>
             <a:endParaRPr kumimoji="1" lang="ja-JP" altLang="en-US"/>
           </a:p>
@@ -716,7 +716,7 @@
           <a:p>
             <a:fld id="{1C257373-2D96-432C-8559-9F0547ADC7C2}" type="datetimeFigureOut">
               <a:rPr kumimoji="1" lang="ja-JP" altLang="en-US" smtClean="0"/>
-              <a:t>2019/7/2</a:t>
+              <a:t>2019/7/4</a:t>
             </a:fld>
             <a:endParaRPr kumimoji="1" lang="ja-JP" altLang="en-US"/>
           </a:p>
@@ -918,7 +918,7 @@
           <a:p>
             <a:fld id="{1C257373-2D96-432C-8559-9F0547ADC7C2}" type="datetimeFigureOut">
               <a:rPr kumimoji="1" lang="ja-JP" altLang="en-US" smtClean="0"/>
-              <a:t>2019/7/2</a:t>
+              <a:t>2019/7/4</a:t>
             </a:fld>
             <a:endParaRPr kumimoji="1" lang="ja-JP" altLang="en-US"/>
           </a:p>
@@ -1164,7 +1164,7 @@
           <a:p>
             <a:fld id="{1C257373-2D96-432C-8559-9F0547ADC7C2}" type="datetimeFigureOut">
               <a:rPr kumimoji="1" lang="ja-JP" altLang="en-US" smtClean="0"/>
-              <a:t>2019/7/2</a:t>
+              <a:t>2019/7/4</a:t>
             </a:fld>
             <a:endParaRPr kumimoji="1" lang="ja-JP" altLang="en-US"/>
           </a:p>
@@ -1516,7 +1516,7 @@
           <a:p>
             <a:fld id="{1C257373-2D96-432C-8559-9F0547ADC7C2}" type="datetimeFigureOut">
               <a:rPr kumimoji="1" lang="ja-JP" altLang="en-US" smtClean="0"/>
-              <a:t>2019/7/2</a:t>
+              <a:t>2019/7/4</a:t>
             </a:fld>
             <a:endParaRPr kumimoji="1" lang="ja-JP" altLang="en-US"/>
           </a:p>
@@ -2002,7 +2002,7 @@
           <a:p>
             <a:fld id="{1C257373-2D96-432C-8559-9F0547ADC7C2}" type="datetimeFigureOut">
               <a:rPr kumimoji="1" lang="ja-JP" altLang="en-US" smtClean="0"/>
-              <a:t>2019/7/2</a:t>
+              <a:t>2019/7/4</a:t>
             </a:fld>
             <a:endParaRPr kumimoji="1" lang="ja-JP" altLang="en-US"/>
           </a:p>
@@ -2120,7 +2120,7 @@
           <a:p>
             <a:fld id="{1C257373-2D96-432C-8559-9F0547ADC7C2}" type="datetimeFigureOut">
               <a:rPr kumimoji="1" lang="ja-JP" altLang="en-US" smtClean="0"/>
-              <a:t>2019/7/2</a:t>
+              <a:t>2019/7/4</a:t>
             </a:fld>
             <a:endParaRPr kumimoji="1" lang="ja-JP" altLang="en-US"/>
           </a:p>
@@ -2215,7 +2215,7 @@
           <a:p>
             <a:fld id="{1C257373-2D96-432C-8559-9F0547ADC7C2}" type="datetimeFigureOut">
               <a:rPr kumimoji="1" lang="ja-JP" altLang="en-US" smtClean="0"/>
-              <a:t>2019/7/2</a:t>
+              <a:t>2019/7/4</a:t>
             </a:fld>
             <a:endParaRPr kumimoji="1" lang="ja-JP" altLang="en-US"/>
           </a:p>
@@ -2524,7 +2524,7 @@
           <a:p>
             <a:fld id="{1C257373-2D96-432C-8559-9F0547ADC7C2}" type="datetimeFigureOut">
               <a:rPr kumimoji="1" lang="ja-JP" altLang="en-US" smtClean="0"/>
-              <a:t>2019/7/2</a:t>
+              <a:t>2019/7/4</a:t>
             </a:fld>
             <a:endParaRPr kumimoji="1" lang="ja-JP" altLang="en-US"/>
           </a:p>
@@ -2777,7 +2777,7 @@
           <a:p>
             <a:fld id="{1C257373-2D96-432C-8559-9F0547ADC7C2}" type="datetimeFigureOut">
               <a:rPr kumimoji="1" lang="ja-JP" altLang="en-US" smtClean="0"/>
-              <a:t>2019/7/2</a:t>
+              <a:t>2019/7/4</a:t>
             </a:fld>
             <a:endParaRPr kumimoji="1" lang="ja-JP" altLang="en-US"/>
           </a:p>
@@ -3022,7 +3022,7 @@
           <a:p>
             <a:fld id="{1C257373-2D96-432C-8559-9F0547ADC7C2}" type="datetimeFigureOut">
               <a:rPr kumimoji="1" lang="ja-JP" altLang="en-US" smtClean="0"/>
-              <a:t>2019/7/2</a:t>
+              <a:t>2019/7/4</a:t>
             </a:fld>
             <a:endParaRPr kumimoji="1" lang="ja-JP" altLang="en-US"/>
           </a:p>

--- a/static/images/k8s-ecosystem-container-runtimes/container-runtime.pptx
+++ b/static/images/k8s-ecosystem-container-runtimes/container-runtime.pptx
@@ -302,7 +302,7 @@
           <a:p>
             <a:fld id="{1C257373-2D96-432C-8559-9F0547ADC7C2}" type="datetimeFigureOut">
               <a:rPr kumimoji="1" lang="ja-JP" altLang="en-US" smtClean="0"/>
-              <a:t>2019/7/4</a:t>
+              <a:t>2019/7/5</a:t>
             </a:fld>
             <a:endParaRPr kumimoji="1" lang="ja-JP" altLang="en-US"/>
           </a:p>
@@ -504,7 +504,7 @@
           <a:p>
             <a:fld id="{1C257373-2D96-432C-8559-9F0547ADC7C2}" type="datetimeFigureOut">
               <a:rPr kumimoji="1" lang="ja-JP" altLang="en-US" smtClean="0"/>
-              <a:t>2019/7/4</a:t>
+              <a:t>2019/7/5</a:t>
             </a:fld>
             <a:endParaRPr kumimoji="1" lang="ja-JP" altLang="en-US"/>
           </a:p>
@@ -716,7 +716,7 @@
           <a:p>
             <a:fld id="{1C257373-2D96-432C-8559-9F0547ADC7C2}" type="datetimeFigureOut">
               <a:rPr kumimoji="1" lang="ja-JP" altLang="en-US" smtClean="0"/>
-              <a:t>2019/7/4</a:t>
+              <a:t>2019/7/5</a:t>
             </a:fld>
             <a:endParaRPr kumimoji="1" lang="ja-JP" altLang="en-US"/>
           </a:p>
@@ -918,7 +918,7 @@
           <a:p>
             <a:fld id="{1C257373-2D96-432C-8559-9F0547ADC7C2}" type="datetimeFigureOut">
               <a:rPr kumimoji="1" lang="ja-JP" altLang="en-US" smtClean="0"/>
-              <a:t>2019/7/4</a:t>
+              <a:t>2019/7/5</a:t>
             </a:fld>
             <a:endParaRPr kumimoji="1" lang="ja-JP" altLang="en-US"/>
           </a:p>
@@ -1164,7 +1164,7 @@
           <a:p>
             <a:fld id="{1C257373-2D96-432C-8559-9F0547ADC7C2}" type="datetimeFigureOut">
               <a:rPr kumimoji="1" lang="ja-JP" altLang="en-US" smtClean="0"/>
-              <a:t>2019/7/4</a:t>
+              <a:t>2019/7/5</a:t>
             </a:fld>
             <a:endParaRPr kumimoji="1" lang="ja-JP" altLang="en-US"/>
           </a:p>
@@ -1516,7 +1516,7 @@
           <a:p>
             <a:fld id="{1C257373-2D96-432C-8559-9F0547ADC7C2}" type="datetimeFigureOut">
               <a:rPr kumimoji="1" lang="ja-JP" altLang="en-US" smtClean="0"/>
-              <a:t>2019/7/4</a:t>
+              <a:t>2019/7/5</a:t>
             </a:fld>
             <a:endParaRPr kumimoji="1" lang="ja-JP" altLang="en-US"/>
           </a:p>
@@ -2002,7 +2002,7 @@
           <a:p>
             <a:fld id="{1C257373-2D96-432C-8559-9F0547ADC7C2}" type="datetimeFigureOut">
               <a:rPr kumimoji="1" lang="ja-JP" altLang="en-US" smtClean="0"/>
-              <a:t>2019/7/4</a:t>
+              <a:t>2019/7/5</a:t>
             </a:fld>
             <a:endParaRPr kumimoji="1" lang="ja-JP" altLang="en-US"/>
           </a:p>
@@ -2120,7 +2120,7 @@
           <a:p>
             <a:fld id="{1C257373-2D96-432C-8559-9F0547ADC7C2}" type="datetimeFigureOut">
               <a:rPr kumimoji="1" lang="ja-JP" altLang="en-US" smtClean="0"/>
-              <a:t>2019/7/4</a:t>
+              <a:t>2019/7/5</a:t>
             </a:fld>
             <a:endParaRPr kumimoji="1" lang="ja-JP" altLang="en-US"/>
           </a:p>
@@ -2215,7 +2215,7 @@
           <a:p>
             <a:fld id="{1C257373-2D96-432C-8559-9F0547ADC7C2}" type="datetimeFigureOut">
               <a:rPr kumimoji="1" lang="ja-JP" altLang="en-US" smtClean="0"/>
-              <a:t>2019/7/4</a:t>
+              <a:t>2019/7/5</a:t>
             </a:fld>
             <a:endParaRPr kumimoji="1" lang="ja-JP" altLang="en-US"/>
           </a:p>
@@ -2524,7 +2524,7 @@
           <a:p>
             <a:fld id="{1C257373-2D96-432C-8559-9F0547ADC7C2}" type="datetimeFigureOut">
               <a:rPr kumimoji="1" lang="ja-JP" altLang="en-US" smtClean="0"/>
-              <a:t>2019/7/4</a:t>
+              <a:t>2019/7/5</a:t>
             </a:fld>
             <a:endParaRPr kumimoji="1" lang="ja-JP" altLang="en-US"/>
           </a:p>
@@ -2777,7 +2777,7 @@
           <a:p>
             <a:fld id="{1C257373-2D96-432C-8559-9F0547ADC7C2}" type="datetimeFigureOut">
               <a:rPr kumimoji="1" lang="ja-JP" altLang="en-US" smtClean="0"/>
-              <a:t>2019/7/4</a:t>
+              <a:t>2019/7/5</a:t>
             </a:fld>
             <a:endParaRPr kumimoji="1" lang="ja-JP" altLang="en-US"/>
           </a:p>
@@ -3022,7 +3022,7 @@
           <a:p>
             <a:fld id="{1C257373-2D96-432C-8559-9F0547ADC7C2}" type="datetimeFigureOut">
               <a:rPr kumimoji="1" lang="ja-JP" altLang="en-US" smtClean="0"/>
-              <a:t>2019/7/4</a:t>
+              <a:t>2019/7/5</a:t>
             </a:fld>
             <a:endParaRPr kumimoji="1" lang="ja-JP" altLang="en-US"/>
           </a:p>

--- a/static/images/k8s-ecosystem-container-runtimes/container-runtime.pptx
+++ b/static/images/k8s-ecosystem-container-runtimes/container-runtime.pptx
@@ -12,14 +12,16 @@
     <p:sldId id="261" r:id="rId6"/>
     <p:sldId id="262" r:id="rId7"/>
     <p:sldId id="263" r:id="rId8"/>
-    <p:sldId id="271" r:id="rId9"/>
-    <p:sldId id="264" r:id="rId10"/>
-    <p:sldId id="265" r:id="rId11"/>
-    <p:sldId id="267" r:id="rId12"/>
-    <p:sldId id="268" r:id="rId13"/>
-    <p:sldId id="269" r:id="rId14"/>
-    <p:sldId id="270" r:id="rId15"/>
-    <p:sldId id="272" r:id="rId16"/>
+    <p:sldId id="275" r:id="rId9"/>
+    <p:sldId id="271" r:id="rId10"/>
+    <p:sldId id="264" r:id="rId11"/>
+    <p:sldId id="265" r:id="rId12"/>
+    <p:sldId id="267" r:id="rId13"/>
+    <p:sldId id="274" r:id="rId14"/>
+    <p:sldId id="268" r:id="rId15"/>
+    <p:sldId id="269" r:id="rId16"/>
+    <p:sldId id="270" r:id="rId17"/>
+    <p:sldId id="272" r:id="rId18"/>
   </p:sldIdLst>
   <p:sldSz cx="9144000" cy="51206400"/>
   <p:notesSz cx="6858000" cy="9144000"/>
@@ -302,7 +304,7 @@
           <a:p>
             <a:fld id="{1C257373-2D96-432C-8559-9F0547ADC7C2}" type="datetimeFigureOut">
               <a:rPr kumimoji="1" lang="ja-JP" altLang="en-US" smtClean="0"/>
-              <a:t>2019/7/5</a:t>
+              <a:t>2019/7/6</a:t>
             </a:fld>
             <a:endParaRPr kumimoji="1" lang="ja-JP" altLang="en-US"/>
           </a:p>
@@ -504,7 +506,7 @@
           <a:p>
             <a:fld id="{1C257373-2D96-432C-8559-9F0547ADC7C2}" type="datetimeFigureOut">
               <a:rPr kumimoji="1" lang="ja-JP" altLang="en-US" smtClean="0"/>
-              <a:t>2019/7/5</a:t>
+              <a:t>2019/7/6</a:t>
             </a:fld>
             <a:endParaRPr kumimoji="1" lang="ja-JP" altLang="en-US"/>
           </a:p>
@@ -716,7 +718,7 @@
           <a:p>
             <a:fld id="{1C257373-2D96-432C-8559-9F0547ADC7C2}" type="datetimeFigureOut">
               <a:rPr kumimoji="1" lang="ja-JP" altLang="en-US" smtClean="0"/>
-              <a:t>2019/7/5</a:t>
+              <a:t>2019/7/6</a:t>
             </a:fld>
             <a:endParaRPr kumimoji="1" lang="ja-JP" altLang="en-US"/>
           </a:p>
@@ -918,7 +920,7 @@
           <a:p>
             <a:fld id="{1C257373-2D96-432C-8559-9F0547ADC7C2}" type="datetimeFigureOut">
               <a:rPr kumimoji="1" lang="ja-JP" altLang="en-US" smtClean="0"/>
-              <a:t>2019/7/5</a:t>
+              <a:t>2019/7/6</a:t>
             </a:fld>
             <a:endParaRPr kumimoji="1" lang="ja-JP" altLang="en-US"/>
           </a:p>
@@ -1164,7 +1166,7 @@
           <a:p>
             <a:fld id="{1C257373-2D96-432C-8559-9F0547ADC7C2}" type="datetimeFigureOut">
               <a:rPr kumimoji="1" lang="ja-JP" altLang="en-US" smtClean="0"/>
-              <a:t>2019/7/5</a:t>
+              <a:t>2019/7/6</a:t>
             </a:fld>
             <a:endParaRPr kumimoji="1" lang="ja-JP" altLang="en-US"/>
           </a:p>
@@ -1516,7 +1518,7 @@
           <a:p>
             <a:fld id="{1C257373-2D96-432C-8559-9F0547ADC7C2}" type="datetimeFigureOut">
               <a:rPr kumimoji="1" lang="ja-JP" altLang="en-US" smtClean="0"/>
-              <a:t>2019/7/5</a:t>
+              <a:t>2019/7/6</a:t>
             </a:fld>
             <a:endParaRPr kumimoji="1" lang="ja-JP" altLang="en-US"/>
           </a:p>
@@ -2002,7 +2004,7 @@
           <a:p>
             <a:fld id="{1C257373-2D96-432C-8559-9F0547ADC7C2}" type="datetimeFigureOut">
               <a:rPr kumimoji="1" lang="ja-JP" altLang="en-US" smtClean="0"/>
-              <a:t>2019/7/5</a:t>
+              <a:t>2019/7/6</a:t>
             </a:fld>
             <a:endParaRPr kumimoji="1" lang="ja-JP" altLang="en-US"/>
           </a:p>
@@ -2120,7 +2122,7 @@
           <a:p>
             <a:fld id="{1C257373-2D96-432C-8559-9F0547ADC7C2}" type="datetimeFigureOut">
               <a:rPr kumimoji="1" lang="ja-JP" altLang="en-US" smtClean="0"/>
-              <a:t>2019/7/5</a:t>
+              <a:t>2019/7/6</a:t>
             </a:fld>
             <a:endParaRPr kumimoji="1" lang="ja-JP" altLang="en-US"/>
           </a:p>
@@ -2215,7 +2217,7 @@
           <a:p>
             <a:fld id="{1C257373-2D96-432C-8559-9F0547ADC7C2}" type="datetimeFigureOut">
               <a:rPr kumimoji="1" lang="ja-JP" altLang="en-US" smtClean="0"/>
-              <a:t>2019/7/5</a:t>
+              <a:t>2019/7/6</a:t>
             </a:fld>
             <a:endParaRPr kumimoji="1" lang="ja-JP" altLang="en-US"/>
           </a:p>
@@ -2524,7 +2526,7 @@
           <a:p>
             <a:fld id="{1C257373-2D96-432C-8559-9F0547ADC7C2}" type="datetimeFigureOut">
               <a:rPr kumimoji="1" lang="ja-JP" altLang="en-US" smtClean="0"/>
-              <a:t>2019/7/5</a:t>
+              <a:t>2019/7/6</a:t>
             </a:fld>
             <a:endParaRPr kumimoji="1" lang="ja-JP" altLang="en-US"/>
           </a:p>
@@ -2777,7 +2779,7 @@
           <a:p>
             <a:fld id="{1C257373-2D96-432C-8559-9F0547ADC7C2}" type="datetimeFigureOut">
               <a:rPr kumimoji="1" lang="ja-JP" altLang="en-US" smtClean="0"/>
-              <a:t>2019/7/5</a:t>
+              <a:t>2019/7/6</a:t>
             </a:fld>
             <a:endParaRPr kumimoji="1" lang="ja-JP" altLang="en-US"/>
           </a:p>
@@ -3022,7 +3024,7 @@
           <a:p>
             <a:fld id="{1C257373-2D96-432C-8559-9F0547ADC7C2}" type="datetimeFigureOut">
               <a:rPr kumimoji="1" lang="ja-JP" altLang="en-US" smtClean="0"/>
-              <a:t>2019/7/5</a:t>
+              <a:t>2019/7/6</a:t>
             </a:fld>
             <a:endParaRPr kumimoji="1" lang="ja-JP" altLang="en-US"/>
           </a:p>
@@ -3966,6 +3968,454 @@
       </p:grpSpPr>
       <p:pic>
         <p:nvPicPr>
+          <p:cNvPr id="18" name="Picture 3" descr="C:\Users\kaitoy\Desktop\bin\pleiades\workspace\blog\static\images\docker.png"/>
+          <p:cNvPicPr>
+            <a:picLocks noChangeAspect="1" noChangeArrowheads="1"/>
+          </p:cNvPicPr>
+          <p:nvPr/>
+        </p:nvPicPr>
+        <p:blipFill>
+          <a:blip r:embed="rId2">
+            <a:extLst>
+              <a:ext uri="{28A0092B-C50C-407E-A947-70E740481C1C}">
+                <a14:useLocalDpi xmlns:a14="http://schemas.microsoft.com/office/drawing/2010/main" val="0"/>
+              </a:ext>
+            </a:extLst>
+          </a:blip>
+          <a:srcRect/>
+          <a:stretch>
+            <a:fillRect/>
+          </a:stretch>
+        </p:blipFill>
+        <p:spPr bwMode="auto">
+          <a:xfrm>
+            <a:off x="3542400" y="2314353"/>
+            <a:ext cx="1905001" cy="1576388"/>
+          </a:xfrm>
+          <a:prstGeom prst="rect">
+            <a:avLst/>
+          </a:prstGeom>
+          <a:noFill/>
+          <a:extLst>
+            <a:ext uri="{909E8E84-426E-40DD-AFC4-6F175D3DCCD1}">
+              <a14:hiddenFill xmlns:a14="http://schemas.microsoft.com/office/drawing/2010/main">
+                <a:solidFill>
+                  <a:srgbClr val="FFFFFF"/>
+                </a:solidFill>
+              </a14:hiddenFill>
+            </a:ext>
+          </a:extLst>
+        </p:spPr>
+      </p:pic>
+      <p:cxnSp>
+        <p:nvCxnSpPr>
+          <p:cNvPr id="25" name="直線矢印コネクタ 24"/>
+          <p:cNvCxnSpPr>
+            <a:stCxn id="18" idx="2"/>
+            <a:endCxn id="16" idx="0"/>
+          </p:cNvCxnSpPr>
+          <p:nvPr/>
+        </p:nvCxnSpPr>
+        <p:spPr>
+          <a:xfrm>
+            <a:off x="4494901" y="3890741"/>
+            <a:ext cx="0" cy="319263"/>
+          </a:xfrm>
+          <a:prstGeom prst="straightConnector1">
+            <a:avLst/>
+          </a:prstGeom>
+          <a:ln w="25400">
+            <a:tailEnd type="triangle" w="lg" len="lg"/>
+          </a:ln>
+        </p:spPr>
+        <p:style>
+          <a:lnRef idx="1">
+            <a:schemeClr val="accent5"/>
+          </a:lnRef>
+          <a:fillRef idx="0">
+            <a:schemeClr val="accent5"/>
+          </a:fillRef>
+          <a:effectRef idx="0">
+            <a:schemeClr val="accent5"/>
+          </a:effectRef>
+          <a:fontRef idx="minor">
+            <a:schemeClr val="tx1"/>
+          </a:fontRef>
+        </p:style>
+      </p:cxnSp>
+      <p:grpSp>
+        <p:nvGrpSpPr>
+          <p:cNvPr id="30" name="グループ化 29"/>
+          <p:cNvGrpSpPr/>
+          <p:nvPr/>
+        </p:nvGrpSpPr>
+        <p:grpSpPr>
+          <a:xfrm>
+            <a:off x="2752486" y="5543597"/>
+            <a:ext cx="1665841" cy="977483"/>
+            <a:chOff x="707393" y="6331953"/>
+            <a:chExt cx="1665841" cy="977483"/>
+          </a:xfrm>
+        </p:grpSpPr>
+        <p:sp>
+          <p:nvSpPr>
+            <p:cNvPr id="31" name="直方体 30"/>
+            <p:cNvSpPr/>
+            <p:nvPr/>
+          </p:nvSpPr>
+          <p:spPr>
+            <a:xfrm>
+              <a:off x="1324313" y="6331953"/>
+              <a:ext cx="432000" cy="432048"/>
+            </a:xfrm>
+            <a:prstGeom prst="cube">
+              <a:avLst/>
+            </a:prstGeom>
+          </p:spPr>
+          <p:style>
+            <a:lnRef idx="2">
+              <a:schemeClr val="accent5"/>
+            </a:lnRef>
+            <a:fillRef idx="1">
+              <a:schemeClr val="lt1"/>
+            </a:fillRef>
+            <a:effectRef idx="0">
+              <a:schemeClr val="accent5"/>
+            </a:effectRef>
+            <a:fontRef idx="minor">
+              <a:schemeClr val="dk1"/>
+            </a:fontRef>
+          </p:style>
+          <p:txBody>
+            <a:bodyPr rtlCol="0" anchor="ctr"/>
+            <a:lstStyle/>
+            <a:p>
+              <a:pPr algn="ctr"/>
+              <a:endParaRPr kumimoji="1" lang="ja-JP" altLang="en-US"/>
+            </a:p>
+          </p:txBody>
+        </p:sp>
+        <p:sp>
+          <p:nvSpPr>
+            <p:cNvPr id="32" name="テキスト ボックス 31"/>
+            <p:cNvSpPr txBox="1"/>
+            <p:nvPr/>
+          </p:nvSpPr>
+          <p:spPr>
+            <a:xfrm>
+              <a:off x="707393" y="6786216"/>
+              <a:ext cx="1665841" cy="523220"/>
+            </a:xfrm>
+            <a:prstGeom prst="rect">
+              <a:avLst/>
+            </a:prstGeom>
+            <a:noFill/>
+          </p:spPr>
+          <p:txBody>
+            <a:bodyPr wrap="none" rtlCol="0">
+              <a:spAutoFit/>
+            </a:bodyPr>
+            <a:lstStyle/>
+            <a:p>
+              <a:pPr algn="ctr"/>
+              <a:r>
+                <a:rPr lang="en-US" altLang="ja-JP" sz="2800" dirty="0" smtClean="0">
+                  <a:solidFill>
+                    <a:schemeClr val="tx1">
+                      <a:lumMod val="75000"/>
+                      <a:lumOff val="25000"/>
+                    </a:schemeClr>
+                  </a:solidFill>
+                  <a:latin typeface="Arial" panose="020B0604020202020204" pitchFamily="34" charset="0"/>
+                  <a:cs typeface="Arial" panose="020B0604020202020204" pitchFamily="34" charset="0"/>
+                </a:rPr>
+                <a:t>container</a:t>
+              </a:r>
+              <a:endParaRPr kumimoji="1" lang="ja-JP" altLang="en-US" sz="2800" dirty="0">
+                <a:solidFill>
+                  <a:schemeClr val="tx1">
+                    <a:lumMod val="75000"/>
+                    <a:lumOff val="25000"/>
+                  </a:schemeClr>
+                </a:solidFill>
+                <a:latin typeface="Arial" panose="020B0604020202020204" pitchFamily="34" charset="0"/>
+                <a:cs typeface="Arial" panose="020B0604020202020204" pitchFamily="34" charset="0"/>
+              </a:endParaRPr>
+            </a:p>
+          </p:txBody>
+        </p:sp>
+      </p:grpSp>
+      <p:grpSp>
+        <p:nvGrpSpPr>
+          <p:cNvPr id="33" name="グループ化 32"/>
+          <p:cNvGrpSpPr/>
+          <p:nvPr/>
+        </p:nvGrpSpPr>
+        <p:grpSpPr>
+          <a:xfrm>
+            <a:off x="4634351" y="5543597"/>
+            <a:ext cx="1665841" cy="977483"/>
+            <a:chOff x="707393" y="6331953"/>
+            <a:chExt cx="1665841" cy="977483"/>
+          </a:xfrm>
+        </p:grpSpPr>
+        <p:sp>
+          <p:nvSpPr>
+            <p:cNvPr id="34" name="直方体 33"/>
+            <p:cNvSpPr/>
+            <p:nvPr/>
+          </p:nvSpPr>
+          <p:spPr>
+            <a:xfrm>
+              <a:off x="1324313" y="6331953"/>
+              <a:ext cx="432000" cy="432048"/>
+            </a:xfrm>
+            <a:prstGeom prst="cube">
+              <a:avLst/>
+            </a:prstGeom>
+          </p:spPr>
+          <p:style>
+            <a:lnRef idx="2">
+              <a:schemeClr val="accent5"/>
+            </a:lnRef>
+            <a:fillRef idx="1">
+              <a:schemeClr val="lt1"/>
+            </a:fillRef>
+            <a:effectRef idx="0">
+              <a:schemeClr val="accent5"/>
+            </a:effectRef>
+            <a:fontRef idx="minor">
+              <a:schemeClr val="dk1"/>
+            </a:fontRef>
+          </p:style>
+          <p:txBody>
+            <a:bodyPr rtlCol="0" anchor="ctr"/>
+            <a:lstStyle/>
+            <a:p>
+              <a:pPr algn="ctr"/>
+              <a:endParaRPr kumimoji="1" lang="ja-JP" altLang="en-US"/>
+            </a:p>
+          </p:txBody>
+        </p:sp>
+        <p:sp>
+          <p:nvSpPr>
+            <p:cNvPr id="35" name="テキスト ボックス 34"/>
+            <p:cNvSpPr txBox="1"/>
+            <p:nvPr/>
+          </p:nvSpPr>
+          <p:spPr>
+            <a:xfrm>
+              <a:off x="707393" y="6786216"/>
+              <a:ext cx="1665841" cy="523220"/>
+            </a:xfrm>
+            <a:prstGeom prst="rect">
+              <a:avLst/>
+            </a:prstGeom>
+            <a:noFill/>
+          </p:spPr>
+          <p:txBody>
+            <a:bodyPr wrap="none" rtlCol="0">
+              <a:spAutoFit/>
+            </a:bodyPr>
+            <a:lstStyle/>
+            <a:p>
+              <a:pPr algn="ctr"/>
+              <a:r>
+                <a:rPr lang="en-US" altLang="ja-JP" sz="2800" dirty="0" smtClean="0">
+                  <a:solidFill>
+                    <a:schemeClr val="tx1">
+                      <a:lumMod val="75000"/>
+                      <a:lumOff val="25000"/>
+                    </a:schemeClr>
+                  </a:solidFill>
+                  <a:latin typeface="Arial" panose="020B0604020202020204" pitchFamily="34" charset="0"/>
+                  <a:cs typeface="Arial" panose="020B0604020202020204" pitchFamily="34" charset="0"/>
+                </a:rPr>
+                <a:t>container</a:t>
+              </a:r>
+              <a:endParaRPr kumimoji="1" lang="ja-JP" altLang="en-US" sz="2800" dirty="0">
+                <a:solidFill>
+                  <a:schemeClr val="tx1">
+                    <a:lumMod val="75000"/>
+                    <a:lumOff val="25000"/>
+                  </a:schemeClr>
+                </a:solidFill>
+                <a:latin typeface="Arial" panose="020B0604020202020204" pitchFamily="34" charset="0"/>
+                <a:cs typeface="Arial" panose="020B0604020202020204" pitchFamily="34" charset="0"/>
+              </a:endParaRPr>
+            </a:p>
+          </p:txBody>
+        </p:sp>
+      </p:grpSp>
+      <p:cxnSp>
+        <p:nvCxnSpPr>
+          <p:cNvPr id="42" name="カギ線コネクタ 41"/>
+          <p:cNvCxnSpPr>
+            <a:endCxn id="31" idx="0"/>
+          </p:cNvCxnSpPr>
+          <p:nvPr/>
+        </p:nvCxnSpPr>
+        <p:spPr>
+          <a:xfrm rot="5400000">
+            <a:off x="3668012" y="4719134"/>
+            <a:ext cx="795857" cy="853068"/>
+          </a:xfrm>
+          <a:prstGeom prst="bentConnector3">
+            <a:avLst>
+              <a:gd name="adj1" fmla="val 29939"/>
+            </a:avLst>
+          </a:prstGeom>
+          <a:ln w="25400">
+            <a:tailEnd type="triangle" w="lg" len="lg"/>
+          </a:ln>
+        </p:spPr>
+        <p:style>
+          <a:lnRef idx="1">
+            <a:schemeClr val="accent5"/>
+          </a:lnRef>
+          <a:fillRef idx="0">
+            <a:schemeClr val="accent5"/>
+          </a:fillRef>
+          <a:effectRef idx="0">
+            <a:schemeClr val="accent5"/>
+          </a:effectRef>
+          <a:fontRef idx="minor">
+            <a:schemeClr val="tx1"/>
+          </a:fontRef>
+        </p:style>
+      </p:cxnSp>
+      <p:cxnSp>
+        <p:nvCxnSpPr>
+          <p:cNvPr id="46" name="カギ線コネクタ 45"/>
+          <p:cNvCxnSpPr>
+            <a:endCxn id="34" idx="0"/>
+          </p:cNvCxnSpPr>
+          <p:nvPr/>
+        </p:nvCxnSpPr>
+        <p:spPr>
+          <a:xfrm rot="16200000" flipH="1">
+            <a:off x="4608944" y="4631269"/>
+            <a:ext cx="795857" cy="1028797"/>
+          </a:xfrm>
+          <a:prstGeom prst="bentConnector3">
+            <a:avLst>
+              <a:gd name="adj1" fmla="val 29939"/>
+            </a:avLst>
+          </a:prstGeom>
+          <a:ln w="25400">
+            <a:tailEnd type="triangle" w="lg" len="lg"/>
+          </a:ln>
+        </p:spPr>
+        <p:style>
+          <a:lnRef idx="1">
+            <a:schemeClr val="accent5"/>
+          </a:lnRef>
+          <a:fillRef idx="0">
+            <a:schemeClr val="accent5"/>
+          </a:fillRef>
+          <a:effectRef idx="0">
+            <a:schemeClr val="accent5"/>
+          </a:effectRef>
+          <a:fontRef idx="minor">
+            <a:schemeClr val="tx1"/>
+          </a:fontRef>
+        </p:style>
+      </p:cxnSp>
+      <p:sp>
+        <p:nvSpPr>
+          <p:cNvPr id="16" name="正方形/長方形 15"/>
+          <p:cNvSpPr/>
+          <p:nvPr/>
+        </p:nvSpPr>
+        <p:spPr>
+          <a:xfrm>
+            <a:off x="4032000" y="4210004"/>
+            <a:ext cx="942887" cy="523220"/>
+          </a:xfrm>
+          <a:prstGeom prst="rect">
+            <a:avLst/>
+          </a:prstGeom>
+        </p:spPr>
+        <p:style>
+          <a:lnRef idx="2">
+            <a:schemeClr val="accent5"/>
+          </a:lnRef>
+          <a:fillRef idx="1">
+            <a:schemeClr val="lt1"/>
+          </a:fillRef>
+          <a:effectRef idx="0">
+            <a:schemeClr val="accent5"/>
+          </a:effectRef>
+          <a:fontRef idx="minor">
+            <a:schemeClr val="dk1"/>
+          </a:fontRef>
+        </p:style>
+        <p:txBody>
+          <a:bodyPr rot="0" spcFirstLastPara="0" vertOverflow="overflow" horzOverflow="overflow" vert="horz" wrap="none" lIns="91440" tIns="45720" rIns="91440" bIns="45720" numCol="1" spcCol="0" rtlCol="0" fromWordArt="0" anchor="ctr" anchorCtr="0" forceAA="0" compatLnSpc="1">
+            <a:prstTxWarp prst="textNoShape">
+              <a:avLst/>
+            </a:prstTxWarp>
+            <a:spAutoFit/>
+          </a:bodyPr>
+          <a:lstStyle/>
+          <a:p>
+            <a:pPr algn="ctr"/>
+            <a:r>
+              <a:rPr lang="en-US" altLang="ja-JP" sz="2800" dirty="0" smtClean="0">
+                <a:solidFill>
+                  <a:schemeClr val="accent1">
+                    <a:lumMod val="75000"/>
+                  </a:schemeClr>
+                </a:solidFill>
+                <a:latin typeface="Arial" panose="020B0604020202020204" pitchFamily="34" charset="0"/>
+                <a:cs typeface="Arial" panose="020B0604020202020204" pitchFamily="34" charset="0"/>
+              </a:rPr>
+              <a:t>HCS</a:t>
+            </a:r>
+            <a:endParaRPr lang="ja-JP" altLang="en-US" sz="2800" dirty="0">
+              <a:solidFill>
+                <a:schemeClr val="accent1">
+                  <a:lumMod val="75000"/>
+                </a:schemeClr>
+              </a:solidFill>
+              <a:latin typeface="Arial" panose="020B0604020202020204" pitchFamily="34" charset="0"/>
+              <a:cs typeface="Arial" panose="020B0604020202020204" pitchFamily="34" charset="0"/>
+            </a:endParaRPr>
+          </a:p>
+        </p:txBody>
+      </p:sp>
+    </p:spTree>
+    <p:extLst>
+      <p:ext uri="{BB962C8B-B14F-4D97-AF65-F5344CB8AC3E}">
+        <p14:creationId xmlns:p14="http://schemas.microsoft.com/office/powerpoint/2010/main" val="688454399"/>
+      </p:ext>
+    </p:extLst>
+  </p:cSld>
+  <p:clrMapOvr>
+    <a:masterClrMapping/>
+  </p:clrMapOvr>
+</p:sld>
+</file>
+
+<file path=ppt/slides/slide11.xml><?xml version="1.0" encoding="utf-8"?>
+<p:sld xmlns:a="http://schemas.openxmlformats.org/drawingml/2006/main" xmlns:r="http://schemas.openxmlformats.org/officeDocument/2006/relationships" xmlns:p="http://schemas.openxmlformats.org/presentationml/2006/main">
+  <p:cSld>
+    <p:spTree>
+      <p:nvGrpSpPr>
+        <p:cNvPr id="1" name=""/>
+        <p:cNvGrpSpPr/>
+        <p:nvPr/>
+      </p:nvGrpSpPr>
+      <p:grpSpPr>
+        <a:xfrm>
+          <a:off x="0" y="0"/>
+          <a:ext cx="0" cy="0"/>
+          <a:chOff x="0" y="0"/>
+          <a:chExt cx="0" cy="0"/>
+        </a:xfrm>
+      </p:grpSpPr>
+      <p:pic>
+        <p:nvPicPr>
           <p:cNvPr id="49" name="Picture 3" descr="C:\Users\kaitoy\Desktop\bin\pleiades\workspace\blog\static\images\docker.png"/>
           <p:cNvPicPr>
             <a:picLocks noChangeAspect="1" noChangeArrowheads="1"/>
@@ -5481,7 +5931,7 @@
 </p:sld>
 </file>
 
-<file path=ppt/slides/slide11.xml><?xml version="1.0" encoding="utf-8"?>
+<file path=ppt/slides/slide12.xml><?xml version="1.0" encoding="utf-8"?>
 <p:sld xmlns:a="http://schemas.openxmlformats.org/drawingml/2006/main" xmlns:r="http://schemas.openxmlformats.org/officeDocument/2006/relationships" xmlns:p="http://schemas.openxmlformats.org/presentationml/2006/main">
   <p:cSld>
     <p:spTree>
@@ -7695,7 +8145,2098 @@
 </p:sld>
 </file>
 
-<file path=ppt/slides/slide12.xml><?xml version="1.0" encoding="utf-8"?>
+<file path=ppt/slides/slide13.xml><?xml version="1.0" encoding="utf-8"?>
+<p:sld xmlns:a="http://schemas.openxmlformats.org/drawingml/2006/main" xmlns:r="http://schemas.openxmlformats.org/officeDocument/2006/relationships" xmlns:p="http://schemas.openxmlformats.org/presentationml/2006/main">
+  <p:cSld>
+    <p:spTree>
+      <p:nvGrpSpPr>
+        <p:cNvPr id="1" name=""/>
+        <p:cNvGrpSpPr/>
+        <p:nvPr/>
+      </p:nvGrpSpPr>
+      <p:grpSpPr>
+        <a:xfrm>
+          <a:off x="0" y="0"/>
+          <a:ext cx="0" cy="0"/>
+          <a:chOff x="0" y="0"/>
+          <a:chExt cx="0" cy="0"/>
+        </a:xfrm>
+      </p:grpSpPr>
+      <p:cxnSp>
+        <p:nvCxnSpPr>
+          <p:cNvPr id="61" name="カギ線コネクタ 60"/>
+          <p:cNvCxnSpPr/>
+          <p:nvPr/>
+        </p:nvCxnSpPr>
+        <p:spPr>
+          <a:xfrm rot="5400000">
+            <a:off x="3261411" y="7419985"/>
+            <a:ext cx="694736" cy="1683917"/>
+          </a:xfrm>
+          <a:prstGeom prst="bentConnector3">
+            <a:avLst>
+              <a:gd name="adj1" fmla="val 50000"/>
+            </a:avLst>
+          </a:prstGeom>
+          <a:ln w="25400">
+            <a:tailEnd type="triangle" w="lg" len="lg"/>
+          </a:ln>
+        </p:spPr>
+        <p:style>
+          <a:lnRef idx="1">
+            <a:schemeClr val="accent5"/>
+          </a:lnRef>
+          <a:fillRef idx="0">
+            <a:schemeClr val="accent5"/>
+          </a:fillRef>
+          <a:effectRef idx="0">
+            <a:schemeClr val="accent5"/>
+          </a:effectRef>
+          <a:fontRef idx="minor">
+            <a:schemeClr val="tx1"/>
+          </a:fontRef>
+        </p:style>
+      </p:cxnSp>
+      <p:grpSp>
+        <p:nvGrpSpPr>
+          <p:cNvPr id="62" name="グループ化 61"/>
+          <p:cNvGrpSpPr/>
+          <p:nvPr/>
+        </p:nvGrpSpPr>
+        <p:grpSpPr>
+          <a:xfrm>
+            <a:off x="1492164" y="8641772"/>
+            <a:ext cx="2534796" cy="1913421"/>
+            <a:chOff x="1533148" y="4392608"/>
+            <a:chExt cx="2534796" cy="1913421"/>
+          </a:xfrm>
+        </p:grpSpPr>
+        <p:sp>
+          <p:nvSpPr>
+            <p:cNvPr id="68" name="テキスト ボックス 67"/>
+            <p:cNvSpPr txBox="1"/>
+            <p:nvPr/>
+          </p:nvSpPr>
+          <p:spPr>
+            <a:xfrm>
+              <a:off x="1876680" y="5677768"/>
+              <a:ext cx="1864613" cy="523220"/>
+            </a:xfrm>
+            <a:prstGeom prst="rect">
+              <a:avLst/>
+            </a:prstGeom>
+            <a:noFill/>
+          </p:spPr>
+          <p:txBody>
+            <a:bodyPr wrap="none" rtlCol="0">
+              <a:spAutoFit/>
+            </a:bodyPr>
+            <a:lstStyle/>
+            <a:p>
+              <a:r>
+                <a:rPr lang="en-US" altLang="ja-JP" sz="2800" dirty="0">
+                  <a:solidFill>
+                    <a:schemeClr val="tx1">
+                      <a:lumMod val="75000"/>
+                      <a:lumOff val="25000"/>
+                    </a:schemeClr>
+                  </a:solidFill>
+                  <a:latin typeface="Arial" panose="020B0604020202020204" pitchFamily="34" charset="0"/>
+                  <a:cs typeface="Arial" panose="020B0604020202020204" pitchFamily="34" charset="0"/>
+                </a:rPr>
+                <a:t>cc</a:t>
+              </a:r>
+              <a:r>
+                <a:rPr kumimoji="1" lang="en-US" altLang="ja-JP" sz="2800" dirty="0" smtClean="0">
+                  <a:solidFill>
+                    <a:schemeClr val="tx1">
+                      <a:lumMod val="75000"/>
+                      <a:lumOff val="25000"/>
+                    </a:schemeClr>
+                  </a:solidFill>
+                  <a:latin typeface="Arial" panose="020B0604020202020204" pitchFamily="34" charset="0"/>
+                  <a:cs typeface="Arial" panose="020B0604020202020204" pitchFamily="34" charset="0"/>
+                </a:rPr>
+                <a:t>-runtime</a:t>
+              </a:r>
+              <a:endParaRPr kumimoji="1" lang="ja-JP" altLang="en-US" sz="2800" dirty="0">
+                <a:solidFill>
+                  <a:schemeClr val="tx1">
+                    <a:lumMod val="75000"/>
+                    <a:lumOff val="25000"/>
+                  </a:schemeClr>
+                </a:solidFill>
+                <a:latin typeface="Arial" panose="020B0604020202020204" pitchFamily="34" charset="0"/>
+                <a:cs typeface="Arial" panose="020B0604020202020204" pitchFamily="34" charset="0"/>
+              </a:endParaRPr>
+            </a:p>
+          </p:txBody>
+        </p:sp>
+        <p:grpSp>
+          <p:nvGrpSpPr>
+            <p:cNvPr id="64" name="グループ化 63"/>
+            <p:cNvGrpSpPr/>
+            <p:nvPr/>
+          </p:nvGrpSpPr>
+          <p:grpSpPr>
+            <a:xfrm>
+              <a:off x="1533148" y="4392608"/>
+              <a:ext cx="2534796" cy="1913421"/>
+              <a:chOff x="2901300" y="4435876"/>
+              <a:chExt cx="2534796" cy="1913421"/>
+            </a:xfrm>
+          </p:grpSpPr>
+          <p:sp>
+            <p:nvSpPr>
+              <p:cNvPr id="65" name="角丸四角形 64"/>
+              <p:cNvSpPr/>
+              <p:nvPr/>
+            </p:nvSpPr>
+            <p:spPr>
+              <a:xfrm>
+                <a:off x="2915816" y="4464905"/>
+                <a:ext cx="2520280" cy="1884392"/>
+              </a:xfrm>
+              <a:prstGeom prst="roundRect">
+                <a:avLst>
+                  <a:gd name="adj" fmla="val 13586"/>
+                </a:avLst>
+              </a:prstGeom>
+              <a:noFill/>
+              <a:ln>
+                <a:prstDash val="dash"/>
+              </a:ln>
+            </p:spPr>
+            <p:style>
+              <a:lnRef idx="2">
+                <a:schemeClr val="accent5"/>
+              </a:lnRef>
+              <a:fillRef idx="1">
+                <a:schemeClr val="lt1"/>
+              </a:fillRef>
+              <a:effectRef idx="0">
+                <a:schemeClr val="accent5"/>
+              </a:effectRef>
+              <a:fontRef idx="minor">
+                <a:schemeClr val="dk1"/>
+              </a:fontRef>
+            </p:style>
+            <p:txBody>
+              <a:bodyPr rtlCol="0" anchor="ctr"/>
+              <a:lstStyle/>
+              <a:p>
+                <a:pPr algn="ctr"/>
+                <a:endParaRPr kumimoji="1" lang="ja-JP" altLang="en-US"/>
+              </a:p>
+            </p:txBody>
+          </p:sp>
+          <p:sp>
+            <p:nvSpPr>
+              <p:cNvPr id="66" name="対角する 2 つの角を丸めた四角形 65"/>
+              <p:cNvSpPr/>
+              <p:nvPr/>
+            </p:nvSpPr>
+            <p:spPr>
+              <a:xfrm>
+                <a:off x="2901300" y="4435876"/>
+                <a:ext cx="1332000" cy="288000"/>
+              </a:xfrm>
+              <a:prstGeom prst="round2DiagRect">
+                <a:avLst/>
+              </a:prstGeom>
+              <a:effectLst/>
+            </p:spPr>
+            <p:style>
+              <a:lnRef idx="1">
+                <a:schemeClr val="accent5"/>
+              </a:lnRef>
+              <a:fillRef idx="2">
+                <a:schemeClr val="accent5"/>
+              </a:fillRef>
+              <a:effectRef idx="1">
+                <a:schemeClr val="accent5"/>
+              </a:effectRef>
+              <a:fontRef idx="minor">
+                <a:schemeClr val="dk1"/>
+              </a:fontRef>
+            </p:style>
+            <p:txBody>
+              <a:bodyPr wrap="none" lIns="36000" tIns="36000" rIns="36000" bIns="36000" rtlCol="0" anchor="ctr"/>
+              <a:lstStyle/>
+              <a:p>
+                <a:pPr algn="ctr">
+                  <a:lnSpc>
+                    <a:spcPts val="1460"/>
+                  </a:lnSpc>
+                </a:pPr>
+                <a:r>
+                  <a:rPr kumimoji="1" lang="en-US" altLang="ja-JP" dirty="0" smtClean="0">
+                    <a:solidFill>
+                      <a:schemeClr val="tx1">
+                        <a:lumMod val="75000"/>
+                        <a:lumOff val="25000"/>
+                      </a:schemeClr>
+                    </a:solidFill>
+                  </a:rPr>
+                  <a:t>OCI Runtime</a:t>
+                </a:r>
+                <a:endParaRPr kumimoji="1" lang="ja-JP" altLang="en-US" dirty="0">
+                  <a:solidFill>
+                    <a:schemeClr val="tx1">
+                      <a:lumMod val="75000"/>
+                      <a:lumOff val="25000"/>
+                    </a:schemeClr>
+                  </a:solidFill>
+                </a:endParaRPr>
+              </a:p>
+            </p:txBody>
+          </p:sp>
+        </p:grpSp>
+      </p:grpSp>
+      <p:cxnSp>
+        <p:nvCxnSpPr>
+          <p:cNvPr id="69" name="カギ線コネクタ 68"/>
+          <p:cNvCxnSpPr/>
+          <p:nvPr/>
+        </p:nvCxnSpPr>
+        <p:spPr>
+          <a:xfrm rot="16200000" flipH="1">
+            <a:off x="4917594" y="7447717"/>
+            <a:ext cx="694736" cy="1628451"/>
+          </a:xfrm>
+          <a:prstGeom prst="bentConnector3">
+            <a:avLst>
+              <a:gd name="adj1" fmla="val 50000"/>
+            </a:avLst>
+          </a:prstGeom>
+          <a:ln w="25400">
+            <a:tailEnd type="triangle" w="lg" len="lg"/>
+          </a:ln>
+        </p:spPr>
+        <p:style>
+          <a:lnRef idx="1">
+            <a:schemeClr val="accent5"/>
+          </a:lnRef>
+          <a:fillRef idx="0">
+            <a:schemeClr val="accent5"/>
+          </a:fillRef>
+          <a:effectRef idx="0">
+            <a:schemeClr val="accent5"/>
+          </a:effectRef>
+          <a:fontRef idx="minor">
+            <a:schemeClr val="tx1"/>
+          </a:fontRef>
+        </p:style>
+      </p:cxnSp>
+      <p:grpSp>
+        <p:nvGrpSpPr>
+          <p:cNvPr id="71" name="グループ化 70"/>
+          <p:cNvGrpSpPr/>
+          <p:nvPr/>
+        </p:nvGrpSpPr>
+        <p:grpSpPr>
+          <a:xfrm>
+            <a:off x="1926636" y="13842894"/>
+            <a:ext cx="1665841" cy="977483"/>
+            <a:chOff x="707393" y="6331953"/>
+            <a:chExt cx="1665841" cy="977483"/>
+          </a:xfrm>
+        </p:grpSpPr>
+        <p:sp>
+          <p:nvSpPr>
+            <p:cNvPr id="72" name="直方体 71"/>
+            <p:cNvSpPr/>
+            <p:nvPr/>
+          </p:nvSpPr>
+          <p:spPr>
+            <a:xfrm>
+              <a:off x="1324313" y="6331953"/>
+              <a:ext cx="432000" cy="432048"/>
+            </a:xfrm>
+            <a:prstGeom prst="cube">
+              <a:avLst/>
+            </a:prstGeom>
+          </p:spPr>
+          <p:style>
+            <a:lnRef idx="2">
+              <a:schemeClr val="accent5"/>
+            </a:lnRef>
+            <a:fillRef idx="1">
+              <a:schemeClr val="lt1"/>
+            </a:fillRef>
+            <a:effectRef idx="0">
+              <a:schemeClr val="accent5"/>
+            </a:effectRef>
+            <a:fontRef idx="minor">
+              <a:schemeClr val="dk1"/>
+            </a:fontRef>
+          </p:style>
+          <p:txBody>
+            <a:bodyPr rtlCol="0" anchor="ctr"/>
+            <a:lstStyle/>
+            <a:p>
+              <a:pPr algn="ctr"/>
+              <a:endParaRPr kumimoji="1" lang="ja-JP" altLang="en-US"/>
+            </a:p>
+          </p:txBody>
+        </p:sp>
+        <p:sp>
+          <p:nvSpPr>
+            <p:cNvPr id="73" name="テキスト ボックス 72"/>
+            <p:cNvSpPr txBox="1"/>
+            <p:nvPr/>
+          </p:nvSpPr>
+          <p:spPr>
+            <a:xfrm>
+              <a:off x="707393" y="6786216"/>
+              <a:ext cx="1665841" cy="523220"/>
+            </a:xfrm>
+            <a:prstGeom prst="rect">
+              <a:avLst/>
+            </a:prstGeom>
+            <a:noFill/>
+          </p:spPr>
+          <p:txBody>
+            <a:bodyPr wrap="none" rtlCol="0">
+              <a:spAutoFit/>
+            </a:bodyPr>
+            <a:lstStyle/>
+            <a:p>
+              <a:pPr algn="ctr"/>
+              <a:r>
+                <a:rPr lang="en-US" altLang="ja-JP" sz="2800" dirty="0" smtClean="0">
+                  <a:solidFill>
+                    <a:schemeClr val="tx1">
+                      <a:lumMod val="75000"/>
+                      <a:lumOff val="25000"/>
+                    </a:schemeClr>
+                  </a:solidFill>
+                  <a:latin typeface="Arial" panose="020B0604020202020204" pitchFamily="34" charset="0"/>
+                  <a:cs typeface="Arial" panose="020B0604020202020204" pitchFamily="34" charset="0"/>
+                </a:rPr>
+                <a:t>container</a:t>
+              </a:r>
+              <a:endParaRPr kumimoji="1" lang="ja-JP" altLang="en-US" sz="2800" dirty="0">
+                <a:solidFill>
+                  <a:schemeClr val="tx1">
+                    <a:lumMod val="75000"/>
+                    <a:lumOff val="25000"/>
+                  </a:schemeClr>
+                </a:solidFill>
+                <a:latin typeface="Arial" panose="020B0604020202020204" pitchFamily="34" charset="0"/>
+                <a:cs typeface="Arial" panose="020B0604020202020204" pitchFamily="34" charset="0"/>
+              </a:endParaRPr>
+            </a:p>
+          </p:txBody>
+        </p:sp>
+      </p:grpSp>
+      <p:grpSp>
+        <p:nvGrpSpPr>
+          <p:cNvPr id="75" name="グループ化 74"/>
+          <p:cNvGrpSpPr/>
+          <p:nvPr/>
+        </p:nvGrpSpPr>
+        <p:grpSpPr>
+          <a:xfrm>
+            <a:off x="4804532" y="8641772"/>
+            <a:ext cx="2534796" cy="1913421"/>
+            <a:chOff x="4845516" y="4374228"/>
+            <a:chExt cx="2534796" cy="1913421"/>
+          </a:xfrm>
+        </p:grpSpPr>
+        <p:sp>
+          <p:nvSpPr>
+            <p:cNvPr id="81" name="テキスト ボックス 80"/>
+            <p:cNvSpPr txBox="1"/>
+            <p:nvPr/>
+          </p:nvSpPr>
+          <p:spPr>
+            <a:xfrm>
+              <a:off x="5196643" y="5659388"/>
+              <a:ext cx="1864613" cy="523220"/>
+            </a:xfrm>
+            <a:prstGeom prst="rect">
+              <a:avLst/>
+            </a:prstGeom>
+            <a:noFill/>
+          </p:spPr>
+          <p:txBody>
+            <a:bodyPr wrap="none" rtlCol="0">
+              <a:spAutoFit/>
+            </a:bodyPr>
+            <a:lstStyle/>
+            <a:p>
+              <a:r>
+                <a:rPr lang="en-US" altLang="ja-JP" sz="2800" dirty="0">
+                  <a:solidFill>
+                    <a:schemeClr val="tx1">
+                      <a:lumMod val="75000"/>
+                      <a:lumOff val="25000"/>
+                    </a:schemeClr>
+                  </a:solidFill>
+                  <a:latin typeface="Arial" panose="020B0604020202020204" pitchFamily="34" charset="0"/>
+                  <a:cs typeface="Arial" panose="020B0604020202020204" pitchFamily="34" charset="0"/>
+                </a:rPr>
+                <a:t>cc</a:t>
+              </a:r>
+              <a:r>
+                <a:rPr lang="en-US" altLang="ja-JP" sz="2800" dirty="0" smtClean="0">
+                  <a:solidFill>
+                    <a:schemeClr val="tx1">
+                      <a:lumMod val="75000"/>
+                      <a:lumOff val="25000"/>
+                    </a:schemeClr>
+                  </a:solidFill>
+                  <a:latin typeface="Arial" panose="020B0604020202020204" pitchFamily="34" charset="0"/>
+                  <a:cs typeface="Arial" panose="020B0604020202020204" pitchFamily="34" charset="0"/>
+                </a:rPr>
+                <a:t>-runtime</a:t>
+              </a:r>
+              <a:endParaRPr kumimoji="1" lang="ja-JP" altLang="en-US" sz="2800" dirty="0">
+                <a:solidFill>
+                  <a:schemeClr val="tx1">
+                    <a:lumMod val="75000"/>
+                    <a:lumOff val="25000"/>
+                  </a:schemeClr>
+                </a:solidFill>
+                <a:latin typeface="Arial" panose="020B0604020202020204" pitchFamily="34" charset="0"/>
+                <a:cs typeface="Arial" panose="020B0604020202020204" pitchFamily="34" charset="0"/>
+              </a:endParaRPr>
+            </a:p>
+          </p:txBody>
+        </p:sp>
+        <p:grpSp>
+          <p:nvGrpSpPr>
+            <p:cNvPr id="77" name="グループ化 76"/>
+            <p:cNvGrpSpPr/>
+            <p:nvPr/>
+          </p:nvGrpSpPr>
+          <p:grpSpPr>
+            <a:xfrm>
+              <a:off x="4845516" y="4374228"/>
+              <a:ext cx="2534796" cy="1913421"/>
+              <a:chOff x="2901300" y="4435876"/>
+              <a:chExt cx="2534796" cy="1913421"/>
+            </a:xfrm>
+          </p:grpSpPr>
+          <p:sp>
+            <p:nvSpPr>
+              <p:cNvPr id="78" name="角丸四角形 77"/>
+              <p:cNvSpPr/>
+              <p:nvPr/>
+            </p:nvSpPr>
+            <p:spPr>
+              <a:xfrm>
+                <a:off x="2915816" y="4464905"/>
+                <a:ext cx="2520280" cy="1884392"/>
+              </a:xfrm>
+              <a:prstGeom prst="roundRect">
+                <a:avLst>
+                  <a:gd name="adj" fmla="val 13586"/>
+                </a:avLst>
+              </a:prstGeom>
+              <a:noFill/>
+              <a:ln>
+                <a:prstDash val="dash"/>
+              </a:ln>
+            </p:spPr>
+            <p:style>
+              <a:lnRef idx="2">
+                <a:schemeClr val="accent5"/>
+              </a:lnRef>
+              <a:fillRef idx="1">
+                <a:schemeClr val="lt1"/>
+              </a:fillRef>
+              <a:effectRef idx="0">
+                <a:schemeClr val="accent5"/>
+              </a:effectRef>
+              <a:fontRef idx="minor">
+                <a:schemeClr val="dk1"/>
+              </a:fontRef>
+            </p:style>
+            <p:txBody>
+              <a:bodyPr rtlCol="0" anchor="ctr"/>
+              <a:lstStyle/>
+              <a:p>
+                <a:pPr algn="ctr"/>
+                <a:endParaRPr kumimoji="1" lang="ja-JP" altLang="en-US"/>
+              </a:p>
+            </p:txBody>
+          </p:sp>
+          <p:sp>
+            <p:nvSpPr>
+              <p:cNvPr id="79" name="対角する 2 つの角を丸めた四角形 78"/>
+              <p:cNvSpPr/>
+              <p:nvPr/>
+            </p:nvSpPr>
+            <p:spPr>
+              <a:xfrm>
+                <a:off x="2901300" y="4435876"/>
+                <a:ext cx="1332000" cy="288000"/>
+              </a:xfrm>
+              <a:prstGeom prst="round2DiagRect">
+                <a:avLst/>
+              </a:prstGeom>
+              <a:effectLst/>
+            </p:spPr>
+            <p:style>
+              <a:lnRef idx="1">
+                <a:schemeClr val="accent5"/>
+              </a:lnRef>
+              <a:fillRef idx="2">
+                <a:schemeClr val="accent5"/>
+              </a:fillRef>
+              <a:effectRef idx="1">
+                <a:schemeClr val="accent5"/>
+              </a:effectRef>
+              <a:fontRef idx="minor">
+                <a:schemeClr val="dk1"/>
+              </a:fontRef>
+            </p:style>
+            <p:txBody>
+              <a:bodyPr wrap="none" lIns="36000" tIns="36000" rIns="36000" bIns="36000" rtlCol="0" anchor="ctr"/>
+              <a:lstStyle/>
+              <a:p>
+                <a:pPr algn="ctr">
+                  <a:lnSpc>
+                    <a:spcPts val="1460"/>
+                  </a:lnSpc>
+                </a:pPr>
+                <a:r>
+                  <a:rPr kumimoji="1" lang="en-US" altLang="ja-JP" dirty="0" smtClean="0">
+                    <a:solidFill>
+                      <a:schemeClr val="tx1">
+                        <a:lumMod val="75000"/>
+                        <a:lumOff val="25000"/>
+                      </a:schemeClr>
+                    </a:solidFill>
+                  </a:rPr>
+                  <a:t>OCI Runtime</a:t>
+                </a:r>
+                <a:endParaRPr kumimoji="1" lang="ja-JP" altLang="en-US" dirty="0">
+                  <a:solidFill>
+                    <a:schemeClr val="tx1">
+                      <a:lumMod val="75000"/>
+                      <a:lumOff val="25000"/>
+                    </a:schemeClr>
+                  </a:solidFill>
+                </a:endParaRPr>
+              </a:p>
+            </p:txBody>
+          </p:sp>
+        </p:grpSp>
+      </p:grpSp>
+      <p:sp>
+        <p:nvSpPr>
+          <p:cNvPr id="43" name="正方形/長方形 42"/>
+          <p:cNvSpPr/>
+          <p:nvPr/>
+        </p:nvSpPr>
+        <p:spPr>
+          <a:xfrm>
+            <a:off x="2047666" y="10849944"/>
+            <a:ext cx="1423788" cy="523220"/>
+          </a:xfrm>
+          <a:prstGeom prst="rect">
+            <a:avLst/>
+          </a:prstGeom>
+        </p:spPr>
+        <p:style>
+          <a:lnRef idx="2">
+            <a:schemeClr val="accent5"/>
+          </a:lnRef>
+          <a:fillRef idx="1">
+            <a:schemeClr val="lt1"/>
+          </a:fillRef>
+          <a:effectRef idx="0">
+            <a:schemeClr val="accent5"/>
+          </a:effectRef>
+          <a:fontRef idx="minor">
+            <a:schemeClr val="dk1"/>
+          </a:fontRef>
+        </p:style>
+        <p:txBody>
+          <a:bodyPr rot="0" spcFirstLastPara="0" vertOverflow="overflow" horzOverflow="overflow" vert="horz" wrap="none" lIns="91440" tIns="45720" rIns="91440" bIns="45720" numCol="1" spcCol="0" rtlCol="0" fromWordArt="0" anchor="ctr" anchorCtr="0" forceAA="0" compatLnSpc="1">
+            <a:prstTxWarp prst="textNoShape">
+              <a:avLst/>
+            </a:prstTxWarp>
+            <a:spAutoFit/>
+          </a:bodyPr>
+          <a:lstStyle/>
+          <a:p>
+            <a:pPr algn="ctr"/>
+            <a:r>
+              <a:rPr lang="en-US" altLang="ja-JP" sz="2800" dirty="0" smtClean="0">
+                <a:solidFill>
+                  <a:schemeClr val="accent1">
+                    <a:lumMod val="75000"/>
+                  </a:schemeClr>
+                </a:solidFill>
+                <a:latin typeface="Arial" panose="020B0604020202020204" pitchFamily="34" charset="0"/>
+                <a:cs typeface="Arial" panose="020B0604020202020204" pitchFamily="34" charset="0"/>
+              </a:rPr>
+              <a:t>cc-shim</a:t>
+            </a:r>
+            <a:endParaRPr lang="ja-JP" altLang="en-US" sz="2800" dirty="0">
+              <a:solidFill>
+                <a:schemeClr val="accent1">
+                  <a:lumMod val="75000"/>
+                </a:schemeClr>
+              </a:solidFill>
+              <a:latin typeface="Arial" panose="020B0604020202020204" pitchFamily="34" charset="0"/>
+              <a:cs typeface="Arial" panose="020B0604020202020204" pitchFamily="34" charset="0"/>
+            </a:endParaRPr>
+          </a:p>
+        </p:txBody>
+      </p:sp>
+      <p:sp>
+        <p:nvSpPr>
+          <p:cNvPr id="44" name="正方形/長方形 43"/>
+          <p:cNvSpPr/>
+          <p:nvPr/>
+        </p:nvSpPr>
+        <p:spPr>
+          <a:xfrm>
+            <a:off x="5363665" y="10849944"/>
+            <a:ext cx="1423788" cy="523220"/>
+          </a:xfrm>
+          <a:prstGeom prst="rect">
+            <a:avLst/>
+          </a:prstGeom>
+        </p:spPr>
+        <p:style>
+          <a:lnRef idx="2">
+            <a:schemeClr val="accent5"/>
+          </a:lnRef>
+          <a:fillRef idx="1">
+            <a:schemeClr val="lt1"/>
+          </a:fillRef>
+          <a:effectRef idx="0">
+            <a:schemeClr val="accent5"/>
+          </a:effectRef>
+          <a:fontRef idx="minor">
+            <a:schemeClr val="dk1"/>
+          </a:fontRef>
+        </p:style>
+        <p:txBody>
+          <a:bodyPr rot="0" spcFirstLastPara="0" vertOverflow="overflow" horzOverflow="overflow" vert="horz" wrap="none" lIns="91440" tIns="45720" rIns="91440" bIns="45720" numCol="1" spcCol="0" rtlCol="0" fromWordArt="0" anchor="ctr" anchorCtr="0" forceAA="0" compatLnSpc="1">
+            <a:prstTxWarp prst="textNoShape">
+              <a:avLst/>
+            </a:prstTxWarp>
+            <a:spAutoFit/>
+          </a:bodyPr>
+          <a:lstStyle/>
+          <a:p>
+            <a:pPr algn="ctr"/>
+            <a:r>
+              <a:rPr lang="en-US" altLang="ja-JP" sz="2800" dirty="0" smtClean="0">
+                <a:solidFill>
+                  <a:schemeClr val="accent1">
+                    <a:lumMod val="75000"/>
+                  </a:schemeClr>
+                </a:solidFill>
+                <a:latin typeface="Arial" panose="020B0604020202020204" pitchFamily="34" charset="0"/>
+                <a:cs typeface="Arial" panose="020B0604020202020204" pitchFamily="34" charset="0"/>
+              </a:rPr>
+              <a:t>cc</a:t>
+            </a:r>
+            <a:r>
+              <a:rPr lang="en-US" altLang="ja-JP" sz="2800" dirty="0" smtClean="0">
+                <a:solidFill>
+                  <a:schemeClr val="accent1">
+                    <a:lumMod val="75000"/>
+                  </a:schemeClr>
+                </a:solidFill>
+                <a:latin typeface="Arial" panose="020B0604020202020204" pitchFamily="34" charset="0"/>
+                <a:cs typeface="Arial" panose="020B0604020202020204" pitchFamily="34" charset="0"/>
+              </a:rPr>
+              <a:t>-shim</a:t>
+            </a:r>
+            <a:endParaRPr lang="ja-JP" altLang="en-US" sz="2800" dirty="0">
+              <a:solidFill>
+                <a:schemeClr val="accent1">
+                  <a:lumMod val="75000"/>
+                </a:schemeClr>
+              </a:solidFill>
+              <a:latin typeface="Arial" panose="020B0604020202020204" pitchFamily="34" charset="0"/>
+              <a:cs typeface="Arial" panose="020B0604020202020204" pitchFamily="34" charset="0"/>
+            </a:endParaRPr>
+          </a:p>
+        </p:txBody>
+      </p:sp>
+      <p:cxnSp>
+        <p:nvCxnSpPr>
+          <p:cNvPr id="45" name="直線矢印コネクタ 44"/>
+          <p:cNvCxnSpPr>
+            <a:stCxn id="65" idx="2"/>
+            <a:endCxn id="43" idx="0"/>
+          </p:cNvCxnSpPr>
+          <p:nvPr/>
+        </p:nvCxnSpPr>
+        <p:spPr>
+          <a:xfrm flipH="1">
+            <a:off x="2759560" y="10555193"/>
+            <a:ext cx="7260" cy="294751"/>
+          </a:xfrm>
+          <a:prstGeom prst="straightConnector1">
+            <a:avLst/>
+          </a:prstGeom>
+          <a:ln w="25400">
+            <a:tailEnd type="triangle" w="lg" len="lg"/>
+          </a:ln>
+        </p:spPr>
+        <p:style>
+          <a:lnRef idx="1">
+            <a:schemeClr val="accent5"/>
+          </a:lnRef>
+          <a:fillRef idx="0">
+            <a:schemeClr val="accent5"/>
+          </a:fillRef>
+          <a:effectRef idx="0">
+            <a:schemeClr val="accent5"/>
+          </a:effectRef>
+          <a:fontRef idx="minor">
+            <a:schemeClr val="tx1"/>
+          </a:fontRef>
+        </p:style>
+      </p:cxnSp>
+      <p:cxnSp>
+        <p:nvCxnSpPr>
+          <p:cNvPr id="48" name="直線矢印コネクタ 47"/>
+          <p:cNvCxnSpPr>
+            <a:stCxn id="78" idx="2"/>
+            <a:endCxn id="44" idx="0"/>
+          </p:cNvCxnSpPr>
+          <p:nvPr/>
+        </p:nvCxnSpPr>
+        <p:spPr>
+          <a:xfrm flipH="1">
+            <a:off x="6075559" y="10555193"/>
+            <a:ext cx="3629" cy="294751"/>
+          </a:xfrm>
+          <a:prstGeom prst="straightConnector1">
+            <a:avLst/>
+          </a:prstGeom>
+          <a:ln w="25400">
+            <a:tailEnd type="triangle" w="lg" len="lg"/>
+          </a:ln>
+        </p:spPr>
+        <p:style>
+          <a:lnRef idx="1">
+            <a:schemeClr val="accent5"/>
+          </a:lnRef>
+          <a:fillRef idx="0">
+            <a:schemeClr val="accent5"/>
+          </a:fillRef>
+          <a:effectRef idx="0">
+            <a:schemeClr val="accent5"/>
+          </a:effectRef>
+          <a:fontRef idx="minor">
+            <a:schemeClr val="tx1"/>
+          </a:fontRef>
+        </p:style>
+      </p:cxnSp>
+      <p:sp>
+        <p:nvSpPr>
+          <p:cNvPr id="51" name="正方形/長方形 50"/>
+          <p:cNvSpPr/>
+          <p:nvPr/>
+        </p:nvSpPr>
+        <p:spPr>
+          <a:xfrm>
+            <a:off x="1994814" y="11706219"/>
+            <a:ext cx="1544012" cy="523220"/>
+          </a:xfrm>
+          <a:prstGeom prst="rect">
+            <a:avLst/>
+          </a:prstGeom>
+        </p:spPr>
+        <p:style>
+          <a:lnRef idx="2">
+            <a:schemeClr val="accent5"/>
+          </a:lnRef>
+          <a:fillRef idx="1">
+            <a:schemeClr val="lt1"/>
+          </a:fillRef>
+          <a:effectRef idx="0">
+            <a:schemeClr val="accent5"/>
+          </a:effectRef>
+          <a:fontRef idx="minor">
+            <a:schemeClr val="dk1"/>
+          </a:fontRef>
+        </p:style>
+        <p:txBody>
+          <a:bodyPr rot="0" spcFirstLastPara="0" vertOverflow="overflow" horzOverflow="overflow" vert="horz" wrap="none" lIns="91440" tIns="45720" rIns="91440" bIns="45720" numCol="1" spcCol="0" rtlCol="0" fromWordArt="0" anchor="ctr" anchorCtr="0" forceAA="0" compatLnSpc="1">
+            <a:prstTxWarp prst="textNoShape">
+              <a:avLst/>
+            </a:prstTxWarp>
+            <a:spAutoFit/>
+          </a:bodyPr>
+          <a:lstStyle/>
+          <a:p>
+            <a:pPr algn="ctr"/>
+            <a:r>
+              <a:rPr lang="en-US" altLang="ja-JP" sz="2800" dirty="0" smtClean="0">
+                <a:solidFill>
+                  <a:schemeClr val="accent1">
+                    <a:lumMod val="75000"/>
+                  </a:schemeClr>
+                </a:solidFill>
+                <a:latin typeface="Arial" panose="020B0604020202020204" pitchFamily="34" charset="0"/>
+                <a:cs typeface="Arial" panose="020B0604020202020204" pitchFamily="34" charset="0"/>
+              </a:rPr>
+              <a:t>cc-proxy</a:t>
+            </a:r>
+            <a:endParaRPr lang="ja-JP" altLang="en-US" sz="2800" dirty="0">
+              <a:solidFill>
+                <a:schemeClr val="accent1">
+                  <a:lumMod val="75000"/>
+                </a:schemeClr>
+              </a:solidFill>
+              <a:latin typeface="Arial" panose="020B0604020202020204" pitchFamily="34" charset="0"/>
+              <a:cs typeface="Arial" panose="020B0604020202020204" pitchFamily="34" charset="0"/>
+            </a:endParaRPr>
+          </a:p>
+        </p:txBody>
+      </p:sp>
+      <p:sp>
+        <p:nvSpPr>
+          <p:cNvPr id="91" name="角丸四角形 90"/>
+          <p:cNvSpPr/>
+          <p:nvPr/>
+        </p:nvSpPr>
+        <p:spPr>
+          <a:xfrm>
+            <a:off x="1194682" y="12497744"/>
+            <a:ext cx="3161294" cy="2376264"/>
+          </a:xfrm>
+          <a:prstGeom prst="roundRect">
+            <a:avLst>
+              <a:gd name="adj" fmla="val 8030"/>
+            </a:avLst>
+          </a:prstGeom>
+          <a:noFill/>
+          <a:ln>
+            <a:solidFill>
+              <a:schemeClr val="tx1">
+                <a:lumMod val="50000"/>
+                <a:lumOff val="50000"/>
+              </a:schemeClr>
+            </a:solidFill>
+            <a:prstDash val="dash"/>
+          </a:ln>
+        </p:spPr>
+        <p:style>
+          <a:lnRef idx="2">
+            <a:schemeClr val="accent5"/>
+          </a:lnRef>
+          <a:fillRef idx="1">
+            <a:schemeClr val="lt1"/>
+          </a:fillRef>
+          <a:effectRef idx="0">
+            <a:schemeClr val="accent5"/>
+          </a:effectRef>
+          <a:fontRef idx="minor">
+            <a:schemeClr val="dk1"/>
+          </a:fontRef>
+        </p:style>
+        <p:txBody>
+          <a:bodyPr rtlCol="0" anchor="ctr"/>
+          <a:lstStyle/>
+          <a:p>
+            <a:pPr algn="ctr"/>
+            <a:endParaRPr kumimoji="1" lang="ja-JP" altLang="en-US"/>
+          </a:p>
+        </p:txBody>
+      </p:sp>
+      <p:sp>
+        <p:nvSpPr>
+          <p:cNvPr id="92" name="正方形/長方形 91"/>
+          <p:cNvSpPr/>
+          <p:nvPr/>
+        </p:nvSpPr>
+        <p:spPr>
+          <a:xfrm>
+            <a:off x="1348382" y="13013413"/>
+            <a:ext cx="2839239" cy="461665"/>
+          </a:xfrm>
+          <a:prstGeom prst="rect">
+            <a:avLst/>
+          </a:prstGeom>
+        </p:spPr>
+        <p:style>
+          <a:lnRef idx="2">
+            <a:schemeClr val="accent5"/>
+          </a:lnRef>
+          <a:fillRef idx="1">
+            <a:schemeClr val="lt1"/>
+          </a:fillRef>
+          <a:effectRef idx="0">
+            <a:schemeClr val="accent5"/>
+          </a:effectRef>
+          <a:fontRef idx="minor">
+            <a:schemeClr val="dk1"/>
+          </a:fontRef>
+        </p:style>
+        <p:txBody>
+          <a:bodyPr rot="0" spcFirstLastPara="0" vertOverflow="overflow" horzOverflow="overflow" vert="horz" wrap="none" lIns="91440" tIns="45720" rIns="91440" bIns="45720" numCol="1" spcCol="0" rtlCol="0" fromWordArt="0" anchor="ctr" anchorCtr="0" forceAA="0" compatLnSpc="1">
+            <a:prstTxWarp prst="textNoShape">
+              <a:avLst/>
+            </a:prstTxWarp>
+            <a:spAutoFit/>
+          </a:bodyPr>
+          <a:lstStyle/>
+          <a:p>
+            <a:pPr algn="ctr"/>
+            <a:r>
+              <a:rPr lang="en-US" altLang="ja-JP" sz="2400" dirty="0">
+                <a:solidFill>
+                  <a:schemeClr val="accent1">
+                    <a:lumMod val="75000"/>
+                  </a:schemeClr>
+                </a:solidFill>
+                <a:latin typeface="Arial" panose="020B0604020202020204" pitchFamily="34" charset="0"/>
+                <a:cs typeface="Arial" panose="020B0604020202020204" pitchFamily="34" charset="0"/>
+              </a:rPr>
+              <a:t>container-</a:t>
+            </a:r>
+            <a:r>
+              <a:rPr lang="en-US" altLang="ja-JP" sz="2400" dirty="0" err="1">
+                <a:solidFill>
+                  <a:schemeClr val="accent1">
+                    <a:lumMod val="75000"/>
+                  </a:schemeClr>
+                </a:solidFill>
+                <a:latin typeface="Arial" panose="020B0604020202020204" pitchFamily="34" charset="0"/>
+                <a:cs typeface="Arial" panose="020B0604020202020204" pitchFamily="34" charset="0"/>
+              </a:rPr>
+              <a:t>vm</a:t>
+            </a:r>
+            <a:r>
+              <a:rPr lang="en-US" altLang="ja-JP" sz="2400" dirty="0">
+                <a:solidFill>
+                  <a:schemeClr val="accent1">
+                    <a:lumMod val="75000"/>
+                  </a:schemeClr>
+                </a:solidFill>
+                <a:latin typeface="Arial" panose="020B0604020202020204" pitchFamily="34" charset="0"/>
+                <a:cs typeface="Arial" panose="020B0604020202020204" pitchFamily="34" charset="0"/>
+              </a:rPr>
+              <a:t>-agent</a:t>
+            </a:r>
+          </a:p>
+        </p:txBody>
+      </p:sp>
+      <p:sp>
+        <p:nvSpPr>
+          <p:cNvPr id="97" name="正方形/長方形 96"/>
+          <p:cNvSpPr/>
+          <p:nvPr/>
+        </p:nvSpPr>
+        <p:spPr>
+          <a:xfrm>
+            <a:off x="1187624" y="15378064"/>
+            <a:ext cx="6480720" cy="523220"/>
+          </a:xfrm>
+          <a:prstGeom prst="rect">
+            <a:avLst/>
+          </a:prstGeom>
+          <a:ln>
+            <a:solidFill>
+              <a:schemeClr val="tx1">
+                <a:lumMod val="65000"/>
+                <a:lumOff val="35000"/>
+              </a:schemeClr>
+            </a:solidFill>
+          </a:ln>
+        </p:spPr>
+        <p:style>
+          <a:lnRef idx="2">
+            <a:schemeClr val="dk1"/>
+          </a:lnRef>
+          <a:fillRef idx="1">
+            <a:schemeClr val="lt1"/>
+          </a:fillRef>
+          <a:effectRef idx="0">
+            <a:schemeClr val="dk1"/>
+          </a:effectRef>
+          <a:fontRef idx="minor">
+            <a:schemeClr val="dk1"/>
+          </a:fontRef>
+        </p:style>
+        <p:txBody>
+          <a:bodyPr rot="0" spcFirstLastPara="0" vertOverflow="overflow" horzOverflow="overflow" vert="horz" wrap="square" lIns="91440" tIns="45720" rIns="91440" bIns="45720" numCol="1" spcCol="0" rtlCol="0" fromWordArt="0" anchor="ctr" anchorCtr="0" forceAA="0" compatLnSpc="1">
+            <a:prstTxWarp prst="textNoShape">
+              <a:avLst/>
+            </a:prstTxWarp>
+            <a:spAutoFit/>
+          </a:bodyPr>
+          <a:lstStyle/>
+          <a:p>
+            <a:pPr algn="ctr"/>
+            <a:r>
+              <a:rPr lang="en-US" altLang="ja-JP" sz="2800" dirty="0" smtClean="0">
+                <a:solidFill>
+                  <a:schemeClr val="tx1">
+                    <a:lumMod val="65000"/>
+                    <a:lumOff val="35000"/>
+                  </a:schemeClr>
+                </a:solidFill>
+                <a:latin typeface="Arial" panose="020B0604020202020204" pitchFamily="34" charset="0"/>
+                <a:cs typeface="Arial" panose="020B0604020202020204" pitchFamily="34" charset="0"/>
+              </a:rPr>
+              <a:t>Hypervisor </a:t>
+            </a:r>
+            <a:r>
+              <a:rPr lang="en-US" altLang="ja-JP" sz="2800" dirty="0">
+                <a:solidFill>
+                  <a:schemeClr val="tx1">
+                    <a:lumMod val="65000"/>
+                    <a:lumOff val="35000"/>
+                  </a:schemeClr>
+                </a:solidFill>
+                <a:latin typeface="Arial" panose="020B0604020202020204" pitchFamily="34" charset="0"/>
+                <a:cs typeface="Arial" panose="020B0604020202020204" pitchFamily="34" charset="0"/>
+              </a:rPr>
+              <a:t>(</a:t>
+            </a:r>
+            <a:r>
+              <a:rPr lang="en-US" altLang="ja-JP" sz="2800" dirty="0" err="1">
+                <a:solidFill>
+                  <a:schemeClr val="tx1">
+                    <a:lumMod val="65000"/>
+                    <a:lumOff val="35000"/>
+                  </a:schemeClr>
+                </a:solidFill>
+                <a:latin typeface="Arial" panose="020B0604020202020204" pitchFamily="34" charset="0"/>
+                <a:cs typeface="Arial" panose="020B0604020202020204" pitchFamily="34" charset="0"/>
+              </a:rPr>
+              <a:t>qemu</a:t>
+            </a:r>
+            <a:r>
+              <a:rPr lang="en-US" altLang="ja-JP" sz="2800" dirty="0">
+                <a:solidFill>
+                  <a:schemeClr val="tx1">
+                    <a:lumMod val="65000"/>
+                    <a:lumOff val="35000"/>
+                  </a:schemeClr>
+                </a:solidFill>
+                <a:latin typeface="Arial" panose="020B0604020202020204" pitchFamily="34" charset="0"/>
+                <a:cs typeface="Arial" panose="020B0604020202020204" pitchFamily="34" charset="0"/>
+              </a:rPr>
+              <a:t>-light, </a:t>
+            </a:r>
+            <a:r>
+              <a:rPr lang="en-US" altLang="ja-JP" sz="2800" dirty="0" smtClean="0">
+                <a:solidFill>
+                  <a:schemeClr val="tx1">
+                    <a:lumMod val="65000"/>
+                    <a:lumOff val="35000"/>
+                  </a:schemeClr>
+                </a:solidFill>
+                <a:latin typeface="Arial" panose="020B0604020202020204" pitchFamily="34" charset="0"/>
+                <a:cs typeface="Arial" panose="020B0604020202020204" pitchFamily="34" charset="0"/>
+              </a:rPr>
+              <a:t>etc.)</a:t>
+            </a:r>
+            <a:endParaRPr lang="ja-JP" altLang="en-US" sz="2800" dirty="0">
+              <a:solidFill>
+                <a:schemeClr val="tx1">
+                  <a:lumMod val="65000"/>
+                  <a:lumOff val="35000"/>
+                </a:schemeClr>
+              </a:solidFill>
+              <a:latin typeface="Arial" panose="020B0604020202020204" pitchFamily="34" charset="0"/>
+              <a:cs typeface="Arial" panose="020B0604020202020204" pitchFamily="34" charset="0"/>
+            </a:endParaRPr>
+          </a:p>
+        </p:txBody>
+      </p:sp>
+      <p:cxnSp>
+        <p:nvCxnSpPr>
+          <p:cNvPr id="100" name="カギ線コネクタ 99"/>
+          <p:cNvCxnSpPr>
+            <a:stCxn id="65" idx="1"/>
+            <a:endCxn id="51" idx="1"/>
+          </p:cNvCxnSpPr>
+          <p:nvPr/>
+        </p:nvCxnSpPr>
+        <p:spPr>
+          <a:xfrm rot="10800000" flipH="1" flipV="1">
+            <a:off x="1506680" y="9612997"/>
+            <a:ext cx="488134" cy="2354832"/>
+          </a:xfrm>
+          <a:prstGeom prst="bentConnector3">
+            <a:avLst>
+              <a:gd name="adj1" fmla="val -46831"/>
+            </a:avLst>
+          </a:prstGeom>
+          <a:ln w="25400">
+            <a:prstDash val="sysDash"/>
+            <a:tailEnd type="triangle" w="lg" len="lg"/>
+          </a:ln>
+        </p:spPr>
+        <p:style>
+          <a:lnRef idx="1">
+            <a:schemeClr val="accent5"/>
+          </a:lnRef>
+          <a:fillRef idx="0">
+            <a:schemeClr val="accent5"/>
+          </a:fillRef>
+          <a:effectRef idx="0">
+            <a:schemeClr val="accent5"/>
+          </a:effectRef>
+          <a:fontRef idx="minor">
+            <a:schemeClr val="tx1"/>
+          </a:fontRef>
+        </p:style>
+      </p:cxnSp>
+      <p:cxnSp>
+        <p:nvCxnSpPr>
+          <p:cNvPr id="101" name="カギ線コネクタ 100"/>
+          <p:cNvCxnSpPr>
+            <a:stCxn id="65" idx="1"/>
+            <a:endCxn id="97" idx="1"/>
+          </p:cNvCxnSpPr>
+          <p:nvPr/>
+        </p:nvCxnSpPr>
+        <p:spPr>
+          <a:xfrm rot="10800000" flipV="1">
+            <a:off x="1187624" y="9612996"/>
+            <a:ext cx="319056" cy="6026677"/>
+          </a:xfrm>
+          <a:prstGeom prst="bentConnector3">
+            <a:avLst>
+              <a:gd name="adj1" fmla="val 198944"/>
+            </a:avLst>
+          </a:prstGeom>
+          <a:ln w="25400">
+            <a:prstDash val="sysDash"/>
+            <a:tailEnd type="triangle" w="lg" len="lg"/>
+          </a:ln>
+        </p:spPr>
+        <p:style>
+          <a:lnRef idx="1">
+            <a:schemeClr val="accent5"/>
+          </a:lnRef>
+          <a:fillRef idx="0">
+            <a:schemeClr val="accent5"/>
+          </a:fillRef>
+          <a:effectRef idx="0">
+            <a:schemeClr val="accent5"/>
+          </a:effectRef>
+          <a:fontRef idx="minor">
+            <a:schemeClr val="tx1"/>
+          </a:fontRef>
+        </p:style>
+      </p:cxnSp>
+      <p:cxnSp>
+        <p:nvCxnSpPr>
+          <p:cNvPr id="102" name="直線矢印コネクタ 101"/>
+          <p:cNvCxnSpPr>
+            <a:endCxn id="91" idx="2"/>
+          </p:cNvCxnSpPr>
+          <p:nvPr/>
+        </p:nvCxnSpPr>
+        <p:spPr>
+          <a:xfrm flipV="1">
+            <a:off x="2775329" y="14874008"/>
+            <a:ext cx="0" cy="504056"/>
+          </a:xfrm>
+          <a:prstGeom prst="straightConnector1">
+            <a:avLst/>
+          </a:prstGeom>
+          <a:ln w="25400">
+            <a:tailEnd type="triangle" w="lg" len="lg"/>
+          </a:ln>
+        </p:spPr>
+        <p:style>
+          <a:lnRef idx="1">
+            <a:schemeClr val="accent5"/>
+          </a:lnRef>
+          <a:fillRef idx="0">
+            <a:schemeClr val="accent5"/>
+          </a:fillRef>
+          <a:effectRef idx="0">
+            <a:schemeClr val="accent5"/>
+          </a:effectRef>
+          <a:fontRef idx="minor">
+            <a:schemeClr val="tx1"/>
+          </a:fontRef>
+        </p:style>
+      </p:cxnSp>
+      <p:sp>
+        <p:nvSpPr>
+          <p:cNvPr id="55" name="対角する 2 つの角を丸めた四角形 54"/>
+          <p:cNvSpPr/>
+          <p:nvPr/>
+        </p:nvSpPr>
+        <p:spPr>
+          <a:xfrm>
+            <a:off x="1187857" y="12488400"/>
+            <a:ext cx="1476000" cy="288000"/>
+          </a:xfrm>
+          <a:prstGeom prst="round2DiagRect">
+            <a:avLst/>
+          </a:prstGeom>
+          <a:effectLst/>
+        </p:spPr>
+        <p:style>
+          <a:lnRef idx="1">
+            <a:schemeClr val="dk1"/>
+          </a:lnRef>
+          <a:fillRef idx="2">
+            <a:schemeClr val="dk1"/>
+          </a:fillRef>
+          <a:effectRef idx="1">
+            <a:schemeClr val="dk1"/>
+          </a:effectRef>
+          <a:fontRef idx="minor">
+            <a:schemeClr val="dk1"/>
+          </a:fontRef>
+        </p:style>
+        <p:txBody>
+          <a:bodyPr wrap="none" lIns="36000" tIns="36000" rIns="36000" bIns="36000" rtlCol="0" anchor="ctr"/>
+          <a:lstStyle/>
+          <a:p>
+            <a:pPr algn="ctr">
+              <a:lnSpc>
+                <a:spcPts val="1460"/>
+              </a:lnSpc>
+            </a:pPr>
+            <a:r>
+              <a:rPr lang="en-US" altLang="ja-JP" dirty="0" smtClean="0">
+                <a:solidFill>
+                  <a:schemeClr val="tx1">
+                    <a:lumMod val="75000"/>
+                    <a:lumOff val="25000"/>
+                  </a:schemeClr>
+                </a:solidFill>
+              </a:rPr>
+              <a:t>Clear Linux VM</a:t>
+            </a:r>
+            <a:endParaRPr kumimoji="1" lang="ja-JP" altLang="en-US" dirty="0">
+              <a:solidFill>
+                <a:schemeClr val="tx1">
+                  <a:lumMod val="75000"/>
+                  <a:lumOff val="25000"/>
+                </a:schemeClr>
+              </a:solidFill>
+            </a:endParaRPr>
+          </a:p>
+        </p:txBody>
+      </p:sp>
+      <p:pic>
+        <p:nvPicPr>
+          <p:cNvPr id="4" name="Picture 2" descr="C:\Users\kaitoy\Desktop\bin\pleiades\workspace\chronicle-container-runtimes\img\cc.png"/>
+          <p:cNvPicPr>
+            <a:picLocks noChangeAspect="1" noChangeArrowheads="1"/>
+          </p:cNvPicPr>
+          <p:nvPr/>
+        </p:nvPicPr>
+        <p:blipFill>
+          <a:blip r:embed="rId2" cstate="print">
+            <a:extLst>
+              <a:ext uri="{28A0092B-C50C-407E-A947-70E740481C1C}">
+                <a14:useLocalDpi xmlns:a14="http://schemas.microsoft.com/office/drawing/2010/main" val="0"/>
+              </a:ext>
+            </a:extLst>
+          </a:blip>
+          <a:srcRect/>
+          <a:stretch>
+            <a:fillRect/>
+          </a:stretch>
+        </p:blipFill>
+        <p:spPr bwMode="auto">
+          <a:xfrm>
+            <a:off x="2411094" y="9041360"/>
+            <a:ext cx="696929" cy="1085272"/>
+          </a:xfrm>
+          <a:prstGeom prst="rect">
+            <a:avLst/>
+          </a:prstGeom>
+          <a:noFill/>
+          <a:extLst>
+            <a:ext uri="{909E8E84-426E-40DD-AFC4-6F175D3DCCD1}">
+              <a14:hiddenFill xmlns:a14="http://schemas.microsoft.com/office/drawing/2010/main">
+                <a:solidFill>
+                  <a:srgbClr val="FFFFFF"/>
+                </a:solidFill>
+              </a14:hiddenFill>
+            </a:ext>
+          </a:extLst>
+        </p:spPr>
+      </p:pic>
+      <p:pic>
+        <p:nvPicPr>
+          <p:cNvPr id="63" name="Picture 2" descr="C:\Users\kaitoy\Desktop\bin\pleiades\workspace\chronicle-container-runtimes\img\cc.png"/>
+          <p:cNvPicPr>
+            <a:picLocks noChangeAspect="1" noChangeArrowheads="1"/>
+          </p:cNvPicPr>
+          <p:nvPr/>
+        </p:nvPicPr>
+        <p:blipFill>
+          <a:blip r:embed="rId2" cstate="print">
+            <a:extLst>
+              <a:ext uri="{28A0092B-C50C-407E-A947-70E740481C1C}">
+                <a14:useLocalDpi xmlns:a14="http://schemas.microsoft.com/office/drawing/2010/main" val="0"/>
+              </a:ext>
+            </a:extLst>
+          </a:blip>
+          <a:srcRect/>
+          <a:stretch>
+            <a:fillRect/>
+          </a:stretch>
+        </p:blipFill>
+        <p:spPr bwMode="auto">
+          <a:xfrm>
+            <a:off x="5777466" y="9041360"/>
+            <a:ext cx="696929" cy="1085272"/>
+          </a:xfrm>
+          <a:prstGeom prst="rect">
+            <a:avLst/>
+          </a:prstGeom>
+          <a:noFill/>
+          <a:extLst>
+            <a:ext uri="{909E8E84-426E-40DD-AFC4-6F175D3DCCD1}">
+              <a14:hiddenFill xmlns:a14="http://schemas.microsoft.com/office/drawing/2010/main">
+                <a:solidFill>
+                  <a:srgbClr val="FFFFFF"/>
+                </a:solidFill>
+              </a14:hiddenFill>
+            </a:ext>
+          </a:extLst>
+        </p:spPr>
+      </p:pic>
+      <p:pic>
+        <p:nvPicPr>
+          <p:cNvPr id="67" name="Picture 3" descr="C:\Users\kaitoy\Desktop\bin\pleiades\workspace\blog\static\images\docker.png"/>
+          <p:cNvPicPr>
+            <a:picLocks noChangeAspect="1" noChangeArrowheads="1"/>
+          </p:cNvPicPr>
+          <p:nvPr/>
+        </p:nvPicPr>
+        <p:blipFill>
+          <a:blip r:embed="rId3">
+            <a:extLst>
+              <a:ext uri="{28A0092B-C50C-407E-A947-70E740481C1C}">
+                <a14:useLocalDpi xmlns:a14="http://schemas.microsoft.com/office/drawing/2010/main" val="0"/>
+              </a:ext>
+            </a:extLst>
+          </a:blip>
+          <a:srcRect/>
+          <a:stretch>
+            <a:fillRect/>
+          </a:stretch>
+        </p:blipFill>
+        <p:spPr bwMode="auto">
+          <a:xfrm>
+            <a:off x="3547259" y="6299920"/>
+            <a:ext cx="1905001" cy="1576388"/>
+          </a:xfrm>
+          <a:prstGeom prst="rect">
+            <a:avLst/>
+          </a:prstGeom>
+          <a:noFill/>
+          <a:extLst>
+            <a:ext uri="{909E8E84-426E-40DD-AFC4-6F175D3DCCD1}">
+              <a14:hiddenFill xmlns:a14="http://schemas.microsoft.com/office/drawing/2010/main">
+                <a:solidFill>
+                  <a:srgbClr val="FFFFFF"/>
+                </a:solidFill>
+              </a14:hiddenFill>
+            </a:ext>
+          </a:extLst>
+        </p:spPr>
+      </p:pic>
+      <p:cxnSp>
+        <p:nvCxnSpPr>
+          <p:cNvPr id="70" name="直線矢印コネクタ 69"/>
+          <p:cNvCxnSpPr>
+            <a:stCxn id="43" idx="2"/>
+            <a:endCxn id="51" idx="0"/>
+          </p:cNvCxnSpPr>
+          <p:nvPr/>
+        </p:nvCxnSpPr>
+        <p:spPr>
+          <a:xfrm>
+            <a:off x="2759560" y="11373164"/>
+            <a:ext cx="7260" cy="333055"/>
+          </a:xfrm>
+          <a:prstGeom prst="straightConnector1">
+            <a:avLst/>
+          </a:prstGeom>
+          <a:ln w="25400">
+            <a:tailEnd type="triangle" w="lg" len="lg"/>
+          </a:ln>
+        </p:spPr>
+        <p:style>
+          <a:lnRef idx="1">
+            <a:schemeClr val="accent5"/>
+          </a:lnRef>
+          <a:fillRef idx="0">
+            <a:schemeClr val="accent5"/>
+          </a:fillRef>
+          <a:effectRef idx="0">
+            <a:schemeClr val="accent5"/>
+          </a:effectRef>
+          <a:fontRef idx="minor">
+            <a:schemeClr val="tx1"/>
+          </a:fontRef>
+        </p:style>
+      </p:cxnSp>
+      <p:sp>
+        <p:nvSpPr>
+          <p:cNvPr id="76" name="正方形/長方形 75"/>
+          <p:cNvSpPr/>
+          <p:nvPr/>
+        </p:nvSpPr>
+        <p:spPr>
+          <a:xfrm>
+            <a:off x="5315959" y="11706219"/>
+            <a:ext cx="1544012" cy="523220"/>
+          </a:xfrm>
+          <a:prstGeom prst="rect">
+            <a:avLst/>
+          </a:prstGeom>
+        </p:spPr>
+        <p:style>
+          <a:lnRef idx="2">
+            <a:schemeClr val="accent5"/>
+          </a:lnRef>
+          <a:fillRef idx="1">
+            <a:schemeClr val="lt1"/>
+          </a:fillRef>
+          <a:effectRef idx="0">
+            <a:schemeClr val="accent5"/>
+          </a:effectRef>
+          <a:fontRef idx="minor">
+            <a:schemeClr val="dk1"/>
+          </a:fontRef>
+        </p:style>
+        <p:txBody>
+          <a:bodyPr rot="0" spcFirstLastPara="0" vertOverflow="overflow" horzOverflow="overflow" vert="horz" wrap="none" lIns="91440" tIns="45720" rIns="91440" bIns="45720" numCol="1" spcCol="0" rtlCol="0" fromWordArt="0" anchor="ctr" anchorCtr="0" forceAA="0" compatLnSpc="1">
+            <a:prstTxWarp prst="textNoShape">
+              <a:avLst/>
+            </a:prstTxWarp>
+            <a:spAutoFit/>
+          </a:bodyPr>
+          <a:lstStyle/>
+          <a:p>
+            <a:pPr algn="ctr"/>
+            <a:r>
+              <a:rPr lang="en-US" altLang="ja-JP" sz="2800" dirty="0" smtClean="0">
+                <a:solidFill>
+                  <a:schemeClr val="accent1">
+                    <a:lumMod val="75000"/>
+                  </a:schemeClr>
+                </a:solidFill>
+                <a:latin typeface="Arial" panose="020B0604020202020204" pitchFamily="34" charset="0"/>
+                <a:cs typeface="Arial" panose="020B0604020202020204" pitchFamily="34" charset="0"/>
+              </a:rPr>
+              <a:t>cc-proxy</a:t>
+            </a:r>
+            <a:endParaRPr lang="ja-JP" altLang="en-US" sz="2800" dirty="0">
+              <a:solidFill>
+                <a:schemeClr val="accent1">
+                  <a:lumMod val="75000"/>
+                </a:schemeClr>
+              </a:solidFill>
+              <a:latin typeface="Arial" panose="020B0604020202020204" pitchFamily="34" charset="0"/>
+              <a:cs typeface="Arial" panose="020B0604020202020204" pitchFamily="34" charset="0"/>
+            </a:endParaRPr>
+          </a:p>
+        </p:txBody>
+      </p:sp>
+      <p:cxnSp>
+        <p:nvCxnSpPr>
+          <p:cNvPr id="80" name="直線矢印コネクタ 79"/>
+          <p:cNvCxnSpPr>
+            <a:stCxn id="44" idx="2"/>
+            <a:endCxn id="76" idx="0"/>
+          </p:cNvCxnSpPr>
+          <p:nvPr/>
+        </p:nvCxnSpPr>
+        <p:spPr>
+          <a:xfrm>
+            <a:off x="6075559" y="11373164"/>
+            <a:ext cx="12406" cy="333055"/>
+          </a:xfrm>
+          <a:prstGeom prst="straightConnector1">
+            <a:avLst/>
+          </a:prstGeom>
+          <a:ln w="25400">
+            <a:tailEnd type="triangle" w="lg" len="lg"/>
+          </a:ln>
+        </p:spPr>
+        <p:style>
+          <a:lnRef idx="1">
+            <a:schemeClr val="accent5"/>
+          </a:lnRef>
+          <a:fillRef idx="0">
+            <a:schemeClr val="accent5"/>
+          </a:fillRef>
+          <a:effectRef idx="0">
+            <a:schemeClr val="accent5"/>
+          </a:effectRef>
+          <a:fontRef idx="minor">
+            <a:schemeClr val="tx1"/>
+          </a:fontRef>
+        </p:style>
+      </p:cxnSp>
+      <p:cxnSp>
+        <p:nvCxnSpPr>
+          <p:cNvPr id="82" name="直線矢印コネクタ 81"/>
+          <p:cNvCxnSpPr>
+            <a:stCxn id="51" idx="2"/>
+            <a:endCxn id="92" idx="0"/>
+          </p:cNvCxnSpPr>
+          <p:nvPr/>
+        </p:nvCxnSpPr>
+        <p:spPr>
+          <a:xfrm>
+            <a:off x="2766820" y="12229439"/>
+            <a:ext cx="1182" cy="783974"/>
+          </a:xfrm>
+          <a:prstGeom prst="straightConnector1">
+            <a:avLst/>
+          </a:prstGeom>
+          <a:ln w="25400">
+            <a:tailEnd type="triangle" w="lg" len="lg"/>
+          </a:ln>
+        </p:spPr>
+        <p:style>
+          <a:lnRef idx="1">
+            <a:schemeClr val="accent5"/>
+          </a:lnRef>
+          <a:fillRef idx="0">
+            <a:schemeClr val="accent5"/>
+          </a:fillRef>
+          <a:effectRef idx="0">
+            <a:schemeClr val="accent5"/>
+          </a:effectRef>
+          <a:fontRef idx="minor">
+            <a:schemeClr val="tx1"/>
+          </a:fontRef>
+        </p:style>
+      </p:cxnSp>
+      <p:cxnSp>
+        <p:nvCxnSpPr>
+          <p:cNvPr id="108" name="直線矢印コネクタ 107"/>
+          <p:cNvCxnSpPr/>
+          <p:nvPr/>
+        </p:nvCxnSpPr>
+        <p:spPr>
+          <a:xfrm flipH="1">
+            <a:off x="2766820" y="13475078"/>
+            <a:ext cx="7260" cy="294751"/>
+          </a:xfrm>
+          <a:prstGeom prst="straightConnector1">
+            <a:avLst/>
+          </a:prstGeom>
+          <a:ln w="25400">
+            <a:tailEnd type="triangle" w="lg" len="lg"/>
+          </a:ln>
+        </p:spPr>
+        <p:style>
+          <a:lnRef idx="1">
+            <a:schemeClr val="accent5"/>
+          </a:lnRef>
+          <a:fillRef idx="0">
+            <a:schemeClr val="accent5"/>
+          </a:fillRef>
+          <a:effectRef idx="0">
+            <a:schemeClr val="accent5"/>
+          </a:effectRef>
+          <a:fontRef idx="minor">
+            <a:schemeClr val="tx1"/>
+          </a:fontRef>
+        </p:style>
+      </p:cxnSp>
+      <p:grpSp>
+        <p:nvGrpSpPr>
+          <p:cNvPr id="109" name="グループ化 108"/>
+          <p:cNvGrpSpPr/>
+          <p:nvPr/>
+        </p:nvGrpSpPr>
+        <p:grpSpPr>
+          <a:xfrm>
+            <a:off x="5277237" y="13842894"/>
+            <a:ext cx="1665841" cy="977483"/>
+            <a:chOff x="707393" y="6331953"/>
+            <a:chExt cx="1665841" cy="977483"/>
+          </a:xfrm>
+        </p:grpSpPr>
+        <p:sp>
+          <p:nvSpPr>
+            <p:cNvPr id="110" name="直方体 109"/>
+            <p:cNvSpPr/>
+            <p:nvPr/>
+          </p:nvSpPr>
+          <p:spPr>
+            <a:xfrm>
+              <a:off x="1324313" y="6331953"/>
+              <a:ext cx="432000" cy="432048"/>
+            </a:xfrm>
+            <a:prstGeom prst="cube">
+              <a:avLst/>
+            </a:prstGeom>
+          </p:spPr>
+          <p:style>
+            <a:lnRef idx="2">
+              <a:schemeClr val="accent5"/>
+            </a:lnRef>
+            <a:fillRef idx="1">
+              <a:schemeClr val="lt1"/>
+            </a:fillRef>
+            <a:effectRef idx="0">
+              <a:schemeClr val="accent5"/>
+            </a:effectRef>
+            <a:fontRef idx="minor">
+              <a:schemeClr val="dk1"/>
+            </a:fontRef>
+          </p:style>
+          <p:txBody>
+            <a:bodyPr rtlCol="0" anchor="ctr"/>
+            <a:lstStyle/>
+            <a:p>
+              <a:pPr algn="ctr"/>
+              <a:endParaRPr kumimoji="1" lang="ja-JP" altLang="en-US"/>
+            </a:p>
+          </p:txBody>
+        </p:sp>
+        <p:sp>
+          <p:nvSpPr>
+            <p:cNvPr id="111" name="テキスト ボックス 110"/>
+            <p:cNvSpPr txBox="1"/>
+            <p:nvPr/>
+          </p:nvSpPr>
+          <p:spPr>
+            <a:xfrm>
+              <a:off x="707393" y="6786216"/>
+              <a:ext cx="1665841" cy="523220"/>
+            </a:xfrm>
+            <a:prstGeom prst="rect">
+              <a:avLst/>
+            </a:prstGeom>
+            <a:noFill/>
+          </p:spPr>
+          <p:txBody>
+            <a:bodyPr wrap="none" rtlCol="0">
+              <a:spAutoFit/>
+            </a:bodyPr>
+            <a:lstStyle/>
+            <a:p>
+              <a:pPr algn="ctr"/>
+              <a:r>
+                <a:rPr lang="en-US" altLang="ja-JP" sz="2800" dirty="0" smtClean="0">
+                  <a:solidFill>
+                    <a:schemeClr val="tx1">
+                      <a:lumMod val="75000"/>
+                      <a:lumOff val="25000"/>
+                    </a:schemeClr>
+                  </a:solidFill>
+                  <a:latin typeface="Arial" panose="020B0604020202020204" pitchFamily="34" charset="0"/>
+                  <a:cs typeface="Arial" panose="020B0604020202020204" pitchFamily="34" charset="0"/>
+                </a:rPr>
+                <a:t>container</a:t>
+              </a:r>
+              <a:endParaRPr kumimoji="1" lang="ja-JP" altLang="en-US" sz="2800" dirty="0">
+                <a:solidFill>
+                  <a:schemeClr val="tx1">
+                    <a:lumMod val="75000"/>
+                    <a:lumOff val="25000"/>
+                  </a:schemeClr>
+                </a:solidFill>
+                <a:latin typeface="Arial" panose="020B0604020202020204" pitchFamily="34" charset="0"/>
+                <a:cs typeface="Arial" panose="020B0604020202020204" pitchFamily="34" charset="0"/>
+              </a:endParaRPr>
+            </a:p>
+          </p:txBody>
+        </p:sp>
+      </p:grpSp>
+      <p:sp>
+        <p:nvSpPr>
+          <p:cNvPr id="112" name="角丸四角形 111"/>
+          <p:cNvSpPr/>
+          <p:nvPr/>
+        </p:nvSpPr>
+        <p:spPr>
+          <a:xfrm>
+            <a:off x="4545283" y="12497744"/>
+            <a:ext cx="3161294" cy="2376264"/>
+          </a:xfrm>
+          <a:prstGeom prst="roundRect">
+            <a:avLst>
+              <a:gd name="adj" fmla="val 8030"/>
+            </a:avLst>
+          </a:prstGeom>
+          <a:noFill/>
+          <a:ln>
+            <a:solidFill>
+              <a:schemeClr val="tx1">
+                <a:lumMod val="50000"/>
+                <a:lumOff val="50000"/>
+              </a:schemeClr>
+            </a:solidFill>
+            <a:prstDash val="dash"/>
+          </a:ln>
+        </p:spPr>
+        <p:style>
+          <a:lnRef idx="2">
+            <a:schemeClr val="accent5"/>
+          </a:lnRef>
+          <a:fillRef idx="1">
+            <a:schemeClr val="lt1"/>
+          </a:fillRef>
+          <a:effectRef idx="0">
+            <a:schemeClr val="accent5"/>
+          </a:effectRef>
+          <a:fontRef idx="minor">
+            <a:schemeClr val="dk1"/>
+          </a:fontRef>
+        </p:style>
+        <p:txBody>
+          <a:bodyPr rtlCol="0" anchor="ctr"/>
+          <a:lstStyle/>
+          <a:p>
+            <a:pPr algn="ctr"/>
+            <a:endParaRPr kumimoji="1" lang="ja-JP" altLang="en-US"/>
+          </a:p>
+        </p:txBody>
+      </p:sp>
+      <p:sp>
+        <p:nvSpPr>
+          <p:cNvPr id="113" name="正方形/長方形 112"/>
+          <p:cNvSpPr/>
+          <p:nvPr/>
+        </p:nvSpPr>
+        <p:spPr>
+          <a:xfrm>
+            <a:off x="4698983" y="13013413"/>
+            <a:ext cx="2839239" cy="461665"/>
+          </a:xfrm>
+          <a:prstGeom prst="rect">
+            <a:avLst/>
+          </a:prstGeom>
+        </p:spPr>
+        <p:style>
+          <a:lnRef idx="2">
+            <a:schemeClr val="accent5"/>
+          </a:lnRef>
+          <a:fillRef idx="1">
+            <a:schemeClr val="lt1"/>
+          </a:fillRef>
+          <a:effectRef idx="0">
+            <a:schemeClr val="accent5"/>
+          </a:effectRef>
+          <a:fontRef idx="minor">
+            <a:schemeClr val="dk1"/>
+          </a:fontRef>
+        </p:style>
+        <p:txBody>
+          <a:bodyPr rot="0" spcFirstLastPara="0" vertOverflow="overflow" horzOverflow="overflow" vert="horz" wrap="none" lIns="91440" tIns="45720" rIns="91440" bIns="45720" numCol="1" spcCol="0" rtlCol="0" fromWordArt="0" anchor="ctr" anchorCtr="0" forceAA="0" compatLnSpc="1">
+            <a:prstTxWarp prst="textNoShape">
+              <a:avLst/>
+            </a:prstTxWarp>
+            <a:spAutoFit/>
+          </a:bodyPr>
+          <a:lstStyle/>
+          <a:p>
+            <a:pPr algn="ctr"/>
+            <a:r>
+              <a:rPr lang="en-US" altLang="ja-JP" sz="2400" dirty="0">
+                <a:solidFill>
+                  <a:schemeClr val="accent1">
+                    <a:lumMod val="75000"/>
+                  </a:schemeClr>
+                </a:solidFill>
+                <a:latin typeface="Arial" panose="020B0604020202020204" pitchFamily="34" charset="0"/>
+                <a:cs typeface="Arial" panose="020B0604020202020204" pitchFamily="34" charset="0"/>
+              </a:rPr>
+              <a:t>container-</a:t>
+            </a:r>
+            <a:r>
+              <a:rPr lang="en-US" altLang="ja-JP" sz="2400" dirty="0" err="1">
+                <a:solidFill>
+                  <a:schemeClr val="accent1">
+                    <a:lumMod val="75000"/>
+                  </a:schemeClr>
+                </a:solidFill>
+                <a:latin typeface="Arial" panose="020B0604020202020204" pitchFamily="34" charset="0"/>
+                <a:cs typeface="Arial" panose="020B0604020202020204" pitchFamily="34" charset="0"/>
+              </a:rPr>
+              <a:t>vm</a:t>
+            </a:r>
+            <a:r>
+              <a:rPr lang="en-US" altLang="ja-JP" sz="2400" dirty="0">
+                <a:solidFill>
+                  <a:schemeClr val="accent1">
+                    <a:lumMod val="75000"/>
+                  </a:schemeClr>
+                </a:solidFill>
+                <a:latin typeface="Arial" panose="020B0604020202020204" pitchFamily="34" charset="0"/>
+                <a:cs typeface="Arial" panose="020B0604020202020204" pitchFamily="34" charset="0"/>
+              </a:rPr>
+              <a:t>-agent</a:t>
+            </a:r>
+          </a:p>
+        </p:txBody>
+      </p:sp>
+      <p:sp>
+        <p:nvSpPr>
+          <p:cNvPr id="114" name="対角する 2 つの角を丸めた四角形 113"/>
+          <p:cNvSpPr/>
+          <p:nvPr/>
+        </p:nvSpPr>
+        <p:spPr>
+          <a:xfrm>
+            <a:off x="4538458" y="12488400"/>
+            <a:ext cx="1476000" cy="288000"/>
+          </a:xfrm>
+          <a:prstGeom prst="round2DiagRect">
+            <a:avLst/>
+          </a:prstGeom>
+          <a:effectLst/>
+        </p:spPr>
+        <p:style>
+          <a:lnRef idx="1">
+            <a:schemeClr val="dk1"/>
+          </a:lnRef>
+          <a:fillRef idx="2">
+            <a:schemeClr val="dk1"/>
+          </a:fillRef>
+          <a:effectRef idx="1">
+            <a:schemeClr val="dk1"/>
+          </a:effectRef>
+          <a:fontRef idx="minor">
+            <a:schemeClr val="dk1"/>
+          </a:fontRef>
+        </p:style>
+        <p:txBody>
+          <a:bodyPr wrap="none" lIns="36000" tIns="36000" rIns="36000" bIns="36000" rtlCol="0" anchor="ctr"/>
+          <a:lstStyle/>
+          <a:p>
+            <a:pPr algn="ctr">
+              <a:lnSpc>
+                <a:spcPts val="1460"/>
+              </a:lnSpc>
+            </a:pPr>
+            <a:r>
+              <a:rPr lang="en-US" altLang="ja-JP" dirty="0">
+                <a:solidFill>
+                  <a:schemeClr val="tx1">
+                    <a:lumMod val="75000"/>
+                    <a:lumOff val="25000"/>
+                  </a:schemeClr>
+                </a:solidFill>
+              </a:rPr>
+              <a:t>Clear Linux VM</a:t>
+            </a:r>
+            <a:endParaRPr lang="ja-JP" altLang="en-US" dirty="0">
+              <a:solidFill>
+                <a:schemeClr val="tx1">
+                  <a:lumMod val="75000"/>
+                  <a:lumOff val="25000"/>
+                </a:schemeClr>
+              </a:solidFill>
+            </a:endParaRPr>
+          </a:p>
+        </p:txBody>
+      </p:sp>
+      <p:cxnSp>
+        <p:nvCxnSpPr>
+          <p:cNvPr id="115" name="直線矢印コネクタ 114"/>
+          <p:cNvCxnSpPr>
+            <a:endCxn id="113" idx="0"/>
+          </p:cNvCxnSpPr>
+          <p:nvPr/>
+        </p:nvCxnSpPr>
+        <p:spPr>
+          <a:xfrm>
+            <a:off x="6117421" y="12229439"/>
+            <a:ext cx="1182" cy="783974"/>
+          </a:xfrm>
+          <a:prstGeom prst="straightConnector1">
+            <a:avLst/>
+          </a:prstGeom>
+          <a:ln w="25400">
+            <a:tailEnd type="triangle" w="lg" len="lg"/>
+          </a:ln>
+        </p:spPr>
+        <p:style>
+          <a:lnRef idx="1">
+            <a:schemeClr val="accent5"/>
+          </a:lnRef>
+          <a:fillRef idx="0">
+            <a:schemeClr val="accent5"/>
+          </a:fillRef>
+          <a:effectRef idx="0">
+            <a:schemeClr val="accent5"/>
+          </a:effectRef>
+          <a:fontRef idx="minor">
+            <a:schemeClr val="tx1"/>
+          </a:fontRef>
+        </p:style>
+      </p:cxnSp>
+      <p:cxnSp>
+        <p:nvCxnSpPr>
+          <p:cNvPr id="116" name="直線矢印コネクタ 115"/>
+          <p:cNvCxnSpPr/>
+          <p:nvPr/>
+        </p:nvCxnSpPr>
+        <p:spPr>
+          <a:xfrm flipH="1">
+            <a:off x="6117421" y="13475078"/>
+            <a:ext cx="7260" cy="294751"/>
+          </a:xfrm>
+          <a:prstGeom prst="straightConnector1">
+            <a:avLst/>
+          </a:prstGeom>
+          <a:ln w="25400">
+            <a:tailEnd type="triangle" w="lg" len="lg"/>
+          </a:ln>
+        </p:spPr>
+        <p:style>
+          <a:lnRef idx="1">
+            <a:schemeClr val="accent5"/>
+          </a:lnRef>
+          <a:fillRef idx="0">
+            <a:schemeClr val="accent5"/>
+          </a:fillRef>
+          <a:effectRef idx="0">
+            <a:schemeClr val="accent5"/>
+          </a:effectRef>
+          <a:fontRef idx="minor">
+            <a:schemeClr val="tx1"/>
+          </a:fontRef>
+        </p:style>
+      </p:cxnSp>
+      <p:cxnSp>
+        <p:nvCxnSpPr>
+          <p:cNvPr id="117" name="直線矢印コネクタ 116"/>
+          <p:cNvCxnSpPr/>
+          <p:nvPr/>
+        </p:nvCxnSpPr>
+        <p:spPr>
+          <a:xfrm flipV="1">
+            <a:off x="6136532" y="14874008"/>
+            <a:ext cx="0" cy="504056"/>
+          </a:xfrm>
+          <a:prstGeom prst="straightConnector1">
+            <a:avLst/>
+          </a:prstGeom>
+          <a:ln w="25400">
+            <a:tailEnd type="triangle" w="lg" len="lg"/>
+          </a:ln>
+        </p:spPr>
+        <p:style>
+          <a:lnRef idx="1">
+            <a:schemeClr val="accent5"/>
+          </a:lnRef>
+          <a:fillRef idx="0">
+            <a:schemeClr val="accent5"/>
+          </a:fillRef>
+          <a:effectRef idx="0">
+            <a:schemeClr val="accent5"/>
+          </a:effectRef>
+          <a:fontRef idx="minor">
+            <a:schemeClr val="tx1"/>
+          </a:fontRef>
+        </p:style>
+      </p:cxnSp>
+      <p:cxnSp>
+        <p:nvCxnSpPr>
+          <p:cNvPr id="118" name="カギ線コネクタ 117"/>
+          <p:cNvCxnSpPr>
+            <a:stCxn id="78" idx="3"/>
+            <a:endCxn id="76" idx="3"/>
+          </p:cNvCxnSpPr>
+          <p:nvPr/>
+        </p:nvCxnSpPr>
+        <p:spPr>
+          <a:xfrm flipH="1">
+            <a:off x="6859971" y="9612997"/>
+            <a:ext cx="479357" cy="2354832"/>
+          </a:xfrm>
+          <a:prstGeom prst="bentConnector3">
+            <a:avLst>
+              <a:gd name="adj1" fmla="val -47689"/>
+            </a:avLst>
+          </a:prstGeom>
+          <a:ln w="25400">
+            <a:prstDash val="sysDash"/>
+            <a:tailEnd type="triangle" w="lg" len="lg"/>
+          </a:ln>
+        </p:spPr>
+        <p:style>
+          <a:lnRef idx="1">
+            <a:schemeClr val="accent5"/>
+          </a:lnRef>
+          <a:fillRef idx="0">
+            <a:schemeClr val="accent5"/>
+          </a:fillRef>
+          <a:effectRef idx="0">
+            <a:schemeClr val="accent5"/>
+          </a:effectRef>
+          <a:fontRef idx="minor">
+            <a:schemeClr val="tx1"/>
+          </a:fontRef>
+        </p:style>
+      </p:cxnSp>
+      <p:cxnSp>
+        <p:nvCxnSpPr>
+          <p:cNvPr id="119" name="カギ線コネクタ 118"/>
+          <p:cNvCxnSpPr>
+            <a:stCxn id="78" idx="3"/>
+            <a:endCxn id="97" idx="3"/>
+          </p:cNvCxnSpPr>
+          <p:nvPr/>
+        </p:nvCxnSpPr>
+        <p:spPr>
+          <a:xfrm>
+            <a:off x="7339328" y="9612997"/>
+            <a:ext cx="329016" cy="6026677"/>
+          </a:xfrm>
+          <a:prstGeom prst="bentConnector3">
+            <a:avLst>
+              <a:gd name="adj1" fmla="val 200360"/>
+            </a:avLst>
+          </a:prstGeom>
+          <a:ln w="25400">
+            <a:prstDash val="sysDash"/>
+            <a:tailEnd type="triangle" w="lg" len="lg"/>
+          </a:ln>
+        </p:spPr>
+        <p:style>
+          <a:lnRef idx="1">
+            <a:schemeClr val="accent5"/>
+          </a:lnRef>
+          <a:fillRef idx="0">
+            <a:schemeClr val="accent5"/>
+          </a:fillRef>
+          <a:effectRef idx="0">
+            <a:schemeClr val="accent5"/>
+          </a:effectRef>
+          <a:fontRef idx="minor">
+            <a:schemeClr val="tx1"/>
+          </a:fontRef>
+        </p:style>
+      </p:cxnSp>
+    </p:spTree>
+    <p:extLst>
+      <p:ext uri="{BB962C8B-B14F-4D97-AF65-F5344CB8AC3E}">
+        <p14:creationId xmlns:p14="http://schemas.microsoft.com/office/powerpoint/2010/main" val="3102030434"/>
+      </p:ext>
+    </p:extLst>
+  </p:cSld>
+  <p:clrMapOvr>
+    <a:masterClrMapping/>
+  </p:clrMapOvr>
+</p:sld>
+</file>
+
+<file path=ppt/slides/slide14.xml><?xml version="1.0" encoding="utf-8"?>
 <p:sld xmlns:a="http://schemas.openxmlformats.org/drawingml/2006/main" xmlns:r="http://schemas.openxmlformats.org/officeDocument/2006/relationships" xmlns:p="http://schemas.openxmlformats.org/presentationml/2006/main">
   <p:cSld>
     <p:spTree>
@@ -8854,7 +11395,7 @@
 </p:sld>
 </file>
 
-<file path=ppt/slides/slide13.xml><?xml version="1.0" encoding="utf-8"?>
+<file path=ppt/slides/slide15.xml><?xml version="1.0" encoding="utf-8"?>
 <p:sld xmlns:a="http://schemas.openxmlformats.org/drawingml/2006/main" xmlns:r="http://schemas.openxmlformats.org/officeDocument/2006/relationships" xmlns:p="http://schemas.openxmlformats.org/presentationml/2006/main">
   <p:cSld>
     <p:spTree>
@@ -10353,7 +12894,7 @@
 </p:sld>
 </file>
 
-<file path=ppt/slides/slide14.xml><?xml version="1.0" encoding="utf-8"?>
+<file path=ppt/slides/slide16.xml><?xml version="1.0" encoding="utf-8"?>
 <p:sld xmlns:a="http://schemas.openxmlformats.org/drawingml/2006/main" xmlns:r="http://schemas.openxmlformats.org/officeDocument/2006/relationships" xmlns:p="http://schemas.openxmlformats.org/presentationml/2006/main">
   <p:cSld>
     <p:spTree>
@@ -12271,7 +14812,7 @@
 </p:sld>
 </file>
 
-<file path=ppt/slides/slide15.xml><?xml version="1.0" encoding="utf-8"?>
+<file path=ppt/slides/slide17.xml><?xml version="1.0" encoding="utf-8"?>
 <p:sld xmlns:a="http://schemas.openxmlformats.org/drawingml/2006/main" xmlns:r="http://schemas.openxmlformats.org/officeDocument/2006/relationships" xmlns:p="http://schemas.openxmlformats.org/presentationml/2006/main">
   <p:cSld>
     <p:spTree>
@@ -22953,6 +25494,2187 @@
           <a:chExt cx="0" cy="0"/>
         </a:xfrm>
       </p:grpSpPr>
+      <p:pic>
+        <p:nvPicPr>
+          <p:cNvPr id="49" name="Picture 3" descr="C:\Users\kaitoy\Desktop\bin\pleiades\workspace\blog\static\images\docker.png"/>
+          <p:cNvPicPr>
+            <a:picLocks noChangeAspect="1" noChangeArrowheads="1"/>
+          </p:cNvPicPr>
+          <p:nvPr/>
+        </p:nvPicPr>
+        <p:blipFill>
+          <a:blip r:embed="rId2">
+            <a:extLst>
+              <a:ext uri="{28A0092B-C50C-407E-A947-70E740481C1C}">
+                <a14:useLocalDpi xmlns:a14="http://schemas.microsoft.com/office/drawing/2010/main" val="0"/>
+              </a:ext>
+            </a:extLst>
+          </a:blip>
+          <a:srcRect/>
+          <a:stretch>
+            <a:fillRect/>
+          </a:stretch>
+        </p:blipFill>
+        <p:spPr bwMode="auto">
+          <a:xfrm>
+            <a:off x="794791" y="3720556"/>
+            <a:ext cx="1905001" cy="1576388"/>
+          </a:xfrm>
+          <a:prstGeom prst="rect">
+            <a:avLst/>
+          </a:prstGeom>
+          <a:noFill/>
+          <a:extLst>
+            <a:ext uri="{909E8E84-426E-40DD-AFC4-6F175D3DCCD1}">
+              <a14:hiddenFill xmlns:a14="http://schemas.microsoft.com/office/drawing/2010/main">
+                <a:solidFill>
+                  <a:srgbClr val="FFFFFF"/>
+                </a:solidFill>
+              </a14:hiddenFill>
+            </a:ext>
+          </a:extLst>
+        </p:spPr>
+      </p:pic>
+      <p:cxnSp>
+        <p:nvCxnSpPr>
+          <p:cNvPr id="50" name="直線矢印コネクタ 49"/>
+          <p:cNvCxnSpPr/>
+          <p:nvPr/>
+        </p:nvCxnSpPr>
+        <p:spPr>
+          <a:xfrm>
+            <a:off x="4449600" y="5365245"/>
+            <a:ext cx="0" cy="666162"/>
+          </a:xfrm>
+          <a:prstGeom prst="straightConnector1">
+            <a:avLst/>
+          </a:prstGeom>
+          <a:ln w="25400">
+            <a:tailEnd type="triangle" w="lg" len="lg"/>
+          </a:ln>
+        </p:spPr>
+        <p:style>
+          <a:lnRef idx="1">
+            <a:schemeClr val="accent5"/>
+          </a:lnRef>
+          <a:fillRef idx="0">
+            <a:schemeClr val="accent5"/>
+          </a:fillRef>
+          <a:effectRef idx="0">
+            <a:schemeClr val="accent5"/>
+          </a:effectRef>
+          <a:fontRef idx="minor">
+            <a:schemeClr val="tx1"/>
+          </a:fontRef>
+        </p:style>
+      </p:cxnSp>
+      <p:grpSp>
+        <p:nvGrpSpPr>
+          <p:cNvPr id="52" name="グループ化 51"/>
+          <p:cNvGrpSpPr/>
+          <p:nvPr/>
+        </p:nvGrpSpPr>
+        <p:grpSpPr>
+          <a:xfrm>
+            <a:off x="3012385" y="6016893"/>
+            <a:ext cx="2862459" cy="1106287"/>
+            <a:chOff x="3126959" y="2262359"/>
+            <a:chExt cx="2862459" cy="1106287"/>
+          </a:xfrm>
+        </p:grpSpPr>
+        <p:sp>
+          <p:nvSpPr>
+            <p:cNvPr id="53" name="角丸四角形 52"/>
+            <p:cNvSpPr/>
+            <p:nvPr/>
+          </p:nvSpPr>
+          <p:spPr>
+            <a:xfrm>
+              <a:off x="3141203" y="2276873"/>
+              <a:ext cx="2848215" cy="1091773"/>
+            </a:xfrm>
+            <a:prstGeom prst="roundRect">
+              <a:avLst>
+                <a:gd name="adj" fmla="val 10811"/>
+              </a:avLst>
+            </a:prstGeom>
+            <a:noFill/>
+            <a:ln>
+              <a:prstDash val="dash"/>
+            </a:ln>
+          </p:spPr>
+          <p:style>
+            <a:lnRef idx="2">
+              <a:schemeClr val="accent1"/>
+            </a:lnRef>
+            <a:fillRef idx="1">
+              <a:schemeClr val="lt1"/>
+            </a:fillRef>
+            <a:effectRef idx="0">
+              <a:schemeClr val="accent1"/>
+            </a:effectRef>
+            <a:fontRef idx="minor">
+              <a:schemeClr val="dk1"/>
+            </a:fontRef>
+          </p:style>
+          <p:txBody>
+            <a:bodyPr rtlCol="0" anchor="ctr"/>
+            <a:lstStyle/>
+            <a:p>
+              <a:pPr algn="ctr"/>
+              <a:endParaRPr kumimoji="1" lang="ja-JP" altLang="en-US"/>
+            </a:p>
+          </p:txBody>
+        </p:sp>
+        <p:sp>
+          <p:nvSpPr>
+            <p:cNvPr id="54" name="対角する 2 つの角を丸めた四角形 53"/>
+            <p:cNvSpPr/>
+            <p:nvPr/>
+          </p:nvSpPr>
+          <p:spPr>
+            <a:xfrm>
+              <a:off x="3126959" y="2262359"/>
+              <a:ext cx="936000" cy="292627"/>
+            </a:xfrm>
+            <a:prstGeom prst="round2DiagRect">
+              <a:avLst/>
+            </a:prstGeom>
+            <a:effectLst/>
+          </p:spPr>
+          <p:style>
+            <a:lnRef idx="1">
+              <a:schemeClr val="accent1"/>
+            </a:lnRef>
+            <a:fillRef idx="2">
+              <a:schemeClr val="accent1"/>
+            </a:fillRef>
+            <a:effectRef idx="1">
+              <a:schemeClr val="accent1"/>
+            </a:effectRef>
+            <a:fontRef idx="minor">
+              <a:schemeClr val="dk1"/>
+            </a:fontRef>
+          </p:style>
+          <p:txBody>
+            <a:bodyPr wrap="none" lIns="36000" tIns="36000" rIns="36000" bIns="36000" rtlCol="0" anchor="ctr"/>
+            <a:lstStyle/>
+            <a:p>
+              <a:pPr algn="ctr"/>
+              <a:r>
+                <a:rPr kumimoji="1" lang="en-US" altLang="ja-JP" dirty="0" smtClean="0">
+                  <a:solidFill>
+                    <a:schemeClr val="tx1">
+                      <a:lumMod val="75000"/>
+                      <a:lumOff val="25000"/>
+                    </a:schemeClr>
+                  </a:solidFill>
+                </a:rPr>
+                <a:t>CRI </a:t>
+              </a:r>
+              <a:r>
+                <a:rPr kumimoji="1" lang="en-US" altLang="ja-JP" dirty="0" err="1" smtClean="0">
+                  <a:solidFill>
+                    <a:schemeClr val="tx1">
+                      <a:lumMod val="75000"/>
+                      <a:lumOff val="25000"/>
+                    </a:schemeClr>
+                  </a:solidFill>
+                </a:rPr>
+                <a:t>impl</a:t>
+              </a:r>
+              <a:endParaRPr kumimoji="1" lang="ja-JP" altLang="en-US" dirty="0">
+                <a:solidFill>
+                  <a:schemeClr val="tx1">
+                    <a:lumMod val="75000"/>
+                    <a:lumOff val="25000"/>
+                  </a:schemeClr>
+                </a:solidFill>
+              </a:endParaRPr>
+            </a:p>
+          </p:txBody>
+        </p:sp>
+      </p:grpSp>
+      <p:cxnSp>
+        <p:nvCxnSpPr>
+          <p:cNvPr id="55" name="カギ線コネクタ 54"/>
+          <p:cNvCxnSpPr>
+            <a:stCxn id="49" idx="2"/>
+            <a:endCxn id="53" idx="0"/>
+          </p:cNvCxnSpPr>
+          <p:nvPr/>
+        </p:nvCxnSpPr>
+        <p:spPr>
+          <a:xfrm rot="16200000" flipH="1">
+            <a:off x="2731783" y="4312452"/>
+            <a:ext cx="734463" cy="2703445"/>
+          </a:xfrm>
+          <a:prstGeom prst="bentConnector3">
+            <a:avLst>
+              <a:gd name="adj1" fmla="val 50000"/>
+            </a:avLst>
+          </a:prstGeom>
+          <a:ln w="25400">
+            <a:prstDash val="sysDash"/>
+            <a:tailEnd type="triangle" w="lg" len="lg"/>
+          </a:ln>
+        </p:spPr>
+        <p:style>
+          <a:lnRef idx="1">
+            <a:schemeClr val="accent5"/>
+          </a:lnRef>
+          <a:fillRef idx="0">
+            <a:schemeClr val="accent5"/>
+          </a:fillRef>
+          <a:effectRef idx="0">
+            <a:schemeClr val="accent5"/>
+          </a:effectRef>
+          <a:fontRef idx="minor">
+            <a:schemeClr val="tx1"/>
+          </a:fontRef>
+        </p:style>
+      </p:cxnSp>
+      <p:pic>
+        <p:nvPicPr>
+          <p:cNvPr id="56" name="Picture 2" descr="C:\Users\kaitoy\Desktop\bin\pleiades\workspace\blog\static\images\kubernetes.png"/>
+          <p:cNvPicPr>
+            <a:picLocks noChangeAspect="1" noChangeArrowheads="1"/>
+          </p:cNvPicPr>
+          <p:nvPr/>
+        </p:nvPicPr>
+        <p:blipFill>
+          <a:blip r:embed="rId3" cstate="print">
+            <a:extLst>
+              <a:ext uri="{28A0092B-C50C-407E-A947-70E740481C1C}">
+                <a14:useLocalDpi xmlns:a14="http://schemas.microsoft.com/office/drawing/2010/main" val="0"/>
+              </a:ext>
+            </a:extLst>
+          </a:blip>
+          <a:srcRect/>
+          <a:stretch>
+            <a:fillRect/>
+          </a:stretch>
+        </p:blipFill>
+        <p:spPr bwMode="auto">
+          <a:xfrm>
+            <a:off x="3471506" y="3770710"/>
+            <a:ext cx="1944216" cy="1454226"/>
+          </a:xfrm>
+          <a:prstGeom prst="rect">
+            <a:avLst/>
+          </a:prstGeom>
+          <a:noFill/>
+          <a:extLst>
+            <a:ext uri="{909E8E84-426E-40DD-AFC4-6F175D3DCCD1}">
+              <a14:hiddenFill xmlns:a14="http://schemas.microsoft.com/office/drawing/2010/main">
+                <a:solidFill>
+                  <a:srgbClr val="FFFFFF"/>
+                </a:solidFill>
+              </a14:hiddenFill>
+            </a:ext>
+          </a:extLst>
+        </p:spPr>
+      </p:pic>
+      <p:pic>
+        <p:nvPicPr>
+          <p:cNvPr id="57" name="Picture 2" descr="https://raw.githubusercontent.com/cncf/artwork/master/projects/containerd/horizontal/color/containerd-horizontal-color.png"/>
+          <p:cNvPicPr>
+            <a:picLocks noChangeAspect="1" noChangeArrowheads="1"/>
+          </p:cNvPicPr>
+          <p:nvPr/>
+        </p:nvPicPr>
+        <p:blipFill>
+          <a:blip r:embed="rId4" cstate="print">
+            <a:extLst>
+              <a:ext uri="{28A0092B-C50C-407E-A947-70E740481C1C}">
+                <a14:useLocalDpi xmlns:a14="http://schemas.microsoft.com/office/drawing/2010/main" val="0"/>
+              </a:ext>
+            </a:extLst>
+          </a:blip>
+          <a:srcRect/>
+          <a:stretch>
+            <a:fillRect/>
+          </a:stretch>
+        </p:blipFill>
+        <p:spPr bwMode="auto">
+          <a:xfrm>
+            <a:off x="3315577" y="6377064"/>
+            <a:ext cx="2256075" cy="558961"/>
+          </a:xfrm>
+          <a:prstGeom prst="rect">
+            <a:avLst/>
+          </a:prstGeom>
+          <a:noFill/>
+          <a:extLst>
+            <a:ext uri="{909E8E84-426E-40DD-AFC4-6F175D3DCCD1}">
+              <a14:hiddenFill xmlns:a14="http://schemas.microsoft.com/office/drawing/2010/main">
+                <a:solidFill>
+                  <a:srgbClr val="FFFFFF"/>
+                </a:solidFill>
+              </a14:hiddenFill>
+            </a:ext>
+          </a:extLst>
+        </p:spPr>
+      </p:pic>
+      <p:grpSp>
+        <p:nvGrpSpPr>
+          <p:cNvPr id="58" name="グループ化 57"/>
+          <p:cNvGrpSpPr/>
+          <p:nvPr/>
+        </p:nvGrpSpPr>
+        <p:grpSpPr>
+          <a:xfrm>
+            <a:off x="1926642" y="11142533"/>
+            <a:ext cx="1665841" cy="1408370"/>
+            <a:chOff x="707393" y="6331953"/>
+            <a:chExt cx="1665841" cy="1408370"/>
+          </a:xfrm>
+        </p:grpSpPr>
+        <p:sp>
+          <p:nvSpPr>
+            <p:cNvPr id="59" name="直方体 58"/>
+            <p:cNvSpPr/>
+            <p:nvPr/>
+          </p:nvSpPr>
+          <p:spPr>
+            <a:xfrm>
+              <a:off x="1324313" y="6331953"/>
+              <a:ext cx="432000" cy="432048"/>
+            </a:xfrm>
+            <a:prstGeom prst="cube">
+              <a:avLst/>
+            </a:prstGeom>
+          </p:spPr>
+          <p:style>
+            <a:lnRef idx="2">
+              <a:schemeClr val="accent5"/>
+            </a:lnRef>
+            <a:fillRef idx="1">
+              <a:schemeClr val="lt1"/>
+            </a:fillRef>
+            <a:effectRef idx="0">
+              <a:schemeClr val="accent5"/>
+            </a:effectRef>
+            <a:fontRef idx="minor">
+              <a:schemeClr val="dk1"/>
+            </a:fontRef>
+          </p:style>
+          <p:txBody>
+            <a:bodyPr rtlCol="0" anchor="ctr"/>
+            <a:lstStyle/>
+            <a:p>
+              <a:pPr algn="ctr"/>
+              <a:endParaRPr kumimoji="1" lang="ja-JP" altLang="en-US"/>
+            </a:p>
+          </p:txBody>
+        </p:sp>
+        <p:sp>
+          <p:nvSpPr>
+            <p:cNvPr id="60" name="テキスト ボックス 59"/>
+            <p:cNvSpPr txBox="1"/>
+            <p:nvPr/>
+          </p:nvSpPr>
+          <p:spPr>
+            <a:xfrm>
+              <a:off x="707393" y="6786216"/>
+              <a:ext cx="1665841" cy="954107"/>
+            </a:xfrm>
+            <a:prstGeom prst="rect">
+              <a:avLst/>
+            </a:prstGeom>
+            <a:noFill/>
+          </p:spPr>
+          <p:txBody>
+            <a:bodyPr wrap="none" rtlCol="0">
+              <a:spAutoFit/>
+            </a:bodyPr>
+            <a:lstStyle/>
+            <a:p>
+              <a:pPr algn="ctr"/>
+              <a:r>
+                <a:rPr lang="en-US" altLang="ja-JP" sz="2800" dirty="0" smtClean="0">
+                  <a:solidFill>
+                    <a:schemeClr val="tx1">
+                      <a:lumMod val="75000"/>
+                      <a:lumOff val="25000"/>
+                    </a:schemeClr>
+                  </a:solidFill>
+                  <a:latin typeface="Arial" panose="020B0604020202020204" pitchFamily="34" charset="0"/>
+                  <a:cs typeface="Arial" panose="020B0604020202020204" pitchFamily="34" charset="0"/>
+                </a:rPr>
+                <a:t>sandbox</a:t>
+              </a:r>
+            </a:p>
+            <a:p>
+              <a:pPr algn="ctr"/>
+              <a:r>
+                <a:rPr lang="en-US" altLang="ja-JP" sz="2800" dirty="0" smtClean="0">
+                  <a:solidFill>
+                    <a:schemeClr val="tx1">
+                      <a:lumMod val="75000"/>
+                      <a:lumOff val="25000"/>
+                    </a:schemeClr>
+                  </a:solidFill>
+                  <a:latin typeface="Arial" panose="020B0604020202020204" pitchFamily="34" charset="0"/>
+                  <a:cs typeface="Arial" panose="020B0604020202020204" pitchFamily="34" charset="0"/>
+                </a:rPr>
+                <a:t>container</a:t>
+              </a:r>
+              <a:endParaRPr kumimoji="1" lang="ja-JP" altLang="en-US" sz="2800" dirty="0">
+                <a:solidFill>
+                  <a:schemeClr val="tx1">
+                    <a:lumMod val="75000"/>
+                    <a:lumOff val="25000"/>
+                  </a:schemeClr>
+                </a:solidFill>
+                <a:latin typeface="Arial" panose="020B0604020202020204" pitchFamily="34" charset="0"/>
+                <a:cs typeface="Arial" panose="020B0604020202020204" pitchFamily="34" charset="0"/>
+              </a:endParaRPr>
+            </a:p>
+          </p:txBody>
+        </p:sp>
+      </p:grpSp>
+      <p:cxnSp>
+        <p:nvCxnSpPr>
+          <p:cNvPr id="61" name="カギ線コネクタ 60"/>
+          <p:cNvCxnSpPr>
+            <a:stCxn id="53" idx="2"/>
+            <a:endCxn id="86" idx="0"/>
+          </p:cNvCxnSpPr>
+          <p:nvPr/>
+        </p:nvCxnSpPr>
+        <p:spPr>
+          <a:xfrm rot="5400000">
+            <a:off x="3230634" y="6659367"/>
+            <a:ext cx="756291" cy="1683917"/>
+          </a:xfrm>
+          <a:prstGeom prst="bentConnector3">
+            <a:avLst>
+              <a:gd name="adj1" fmla="val 50000"/>
+            </a:avLst>
+          </a:prstGeom>
+          <a:ln w="25400">
+            <a:tailEnd type="triangle" w="lg" len="lg"/>
+          </a:ln>
+        </p:spPr>
+        <p:style>
+          <a:lnRef idx="1">
+            <a:schemeClr val="accent5"/>
+          </a:lnRef>
+          <a:fillRef idx="0">
+            <a:schemeClr val="accent5"/>
+          </a:fillRef>
+          <a:effectRef idx="0">
+            <a:schemeClr val="accent5"/>
+          </a:effectRef>
+          <a:fontRef idx="minor">
+            <a:schemeClr val="tx1"/>
+          </a:fontRef>
+        </p:style>
+      </p:cxnSp>
+      <p:grpSp>
+        <p:nvGrpSpPr>
+          <p:cNvPr id="62" name="グループ化 61"/>
+          <p:cNvGrpSpPr/>
+          <p:nvPr/>
+        </p:nvGrpSpPr>
+        <p:grpSpPr>
+          <a:xfrm>
+            <a:off x="1492164" y="8641772"/>
+            <a:ext cx="2534796" cy="1913421"/>
+            <a:chOff x="1533148" y="4392608"/>
+            <a:chExt cx="2534796" cy="1913421"/>
+          </a:xfrm>
+        </p:grpSpPr>
+        <p:sp>
+          <p:nvSpPr>
+            <p:cNvPr id="68" name="テキスト ボックス 67"/>
+            <p:cNvSpPr txBox="1"/>
+            <p:nvPr/>
+          </p:nvSpPr>
+          <p:spPr>
+            <a:xfrm>
+              <a:off x="2244532" y="5677768"/>
+              <a:ext cx="1112030" cy="523220"/>
+            </a:xfrm>
+            <a:prstGeom prst="rect">
+              <a:avLst/>
+            </a:prstGeom>
+            <a:noFill/>
+          </p:spPr>
+          <p:txBody>
+            <a:bodyPr wrap="square" rtlCol="0">
+              <a:spAutoFit/>
+            </a:bodyPr>
+            <a:lstStyle/>
+            <a:p>
+              <a:pPr algn="ctr"/>
+              <a:r>
+                <a:rPr lang="en-US" altLang="ja-JP" sz="2800" dirty="0" err="1" smtClean="0">
+                  <a:solidFill>
+                    <a:schemeClr val="tx1">
+                      <a:lumMod val="75000"/>
+                      <a:lumOff val="25000"/>
+                    </a:schemeClr>
+                  </a:solidFill>
+                  <a:latin typeface="Arial" panose="020B0604020202020204" pitchFamily="34" charset="0"/>
+                  <a:cs typeface="Arial" panose="020B0604020202020204" pitchFamily="34" charset="0"/>
+                </a:rPr>
+                <a:t>runsc</a:t>
+              </a:r>
+              <a:endParaRPr kumimoji="1" lang="ja-JP" altLang="en-US" sz="2800" dirty="0">
+                <a:solidFill>
+                  <a:schemeClr val="tx1">
+                    <a:lumMod val="75000"/>
+                    <a:lumOff val="25000"/>
+                  </a:schemeClr>
+                </a:solidFill>
+                <a:latin typeface="Arial" panose="020B0604020202020204" pitchFamily="34" charset="0"/>
+                <a:cs typeface="Arial" panose="020B0604020202020204" pitchFamily="34" charset="0"/>
+              </a:endParaRPr>
+            </a:p>
+          </p:txBody>
+        </p:sp>
+        <p:grpSp>
+          <p:nvGrpSpPr>
+            <p:cNvPr id="64" name="グループ化 63"/>
+            <p:cNvGrpSpPr/>
+            <p:nvPr/>
+          </p:nvGrpSpPr>
+          <p:grpSpPr>
+            <a:xfrm>
+              <a:off x="1533148" y="4392608"/>
+              <a:ext cx="2534796" cy="1913421"/>
+              <a:chOff x="2901300" y="4435876"/>
+              <a:chExt cx="2534796" cy="1913421"/>
+            </a:xfrm>
+          </p:grpSpPr>
+          <p:sp>
+            <p:nvSpPr>
+              <p:cNvPr id="65" name="角丸四角形 64"/>
+              <p:cNvSpPr/>
+              <p:nvPr/>
+            </p:nvSpPr>
+            <p:spPr>
+              <a:xfrm>
+                <a:off x="2915816" y="4464905"/>
+                <a:ext cx="2520280" cy="1884392"/>
+              </a:xfrm>
+              <a:prstGeom prst="roundRect">
+                <a:avLst>
+                  <a:gd name="adj" fmla="val 13586"/>
+                </a:avLst>
+              </a:prstGeom>
+              <a:noFill/>
+              <a:ln>
+                <a:prstDash val="dash"/>
+              </a:ln>
+            </p:spPr>
+            <p:style>
+              <a:lnRef idx="2">
+                <a:schemeClr val="accent5"/>
+              </a:lnRef>
+              <a:fillRef idx="1">
+                <a:schemeClr val="lt1"/>
+              </a:fillRef>
+              <a:effectRef idx="0">
+                <a:schemeClr val="accent5"/>
+              </a:effectRef>
+              <a:fontRef idx="minor">
+                <a:schemeClr val="dk1"/>
+              </a:fontRef>
+            </p:style>
+            <p:txBody>
+              <a:bodyPr rtlCol="0" anchor="ctr"/>
+              <a:lstStyle/>
+              <a:p>
+                <a:pPr algn="ctr"/>
+                <a:endParaRPr kumimoji="1" lang="ja-JP" altLang="en-US"/>
+              </a:p>
+            </p:txBody>
+          </p:sp>
+          <p:sp>
+            <p:nvSpPr>
+              <p:cNvPr id="66" name="対角する 2 つの角を丸めた四角形 65"/>
+              <p:cNvSpPr/>
+              <p:nvPr/>
+            </p:nvSpPr>
+            <p:spPr>
+              <a:xfrm>
+                <a:off x="2901300" y="4435876"/>
+                <a:ext cx="1332000" cy="288000"/>
+              </a:xfrm>
+              <a:prstGeom prst="round2DiagRect">
+                <a:avLst/>
+              </a:prstGeom>
+              <a:effectLst/>
+            </p:spPr>
+            <p:style>
+              <a:lnRef idx="1">
+                <a:schemeClr val="accent5"/>
+              </a:lnRef>
+              <a:fillRef idx="2">
+                <a:schemeClr val="accent5"/>
+              </a:fillRef>
+              <a:effectRef idx="1">
+                <a:schemeClr val="accent5"/>
+              </a:effectRef>
+              <a:fontRef idx="minor">
+                <a:schemeClr val="dk1"/>
+              </a:fontRef>
+            </p:style>
+            <p:txBody>
+              <a:bodyPr wrap="none" lIns="36000" tIns="36000" rIns="36000" bIns="36000" rtlCol="0" anchor="ctr"/>
+              <a:lstStyle/>
+              <a:p>
+                <a:pPr algn="ctr">
+                  <a:lnSpc>
+                    <a:spcPts val="1460"/>
+                  </a:lnSpc>
+                </a:pPr>
+                <a:r>
+                  <a:rPr kumimoji="1" lang="en-US" altLang="ja-JP" dirty="0" smtClean="0">
+                    <a:solidFill>
+                      <a:schemeClr val="tx1">
+                        <a:lumMod val="75000"/>
+                        <a:lumOff val="25000"/>
+                      </a:schemeClr>
+                    </a:solidFill>
+                  </a:rPr>
+                  <a:t>OCI Runtime</a:t>
+                </a:r>
+                <a:endParaRPr kumimoji="1" lang="ja-JP" altLang="en-US" dirty="0">
+                  <a:solidFill>
+                    <a:schemeClr val="tx1">
+                      <a:lumMod val="75000"/>
+                      <a:lumOff val="25000"/>
+                    </a:schemeClr>
+                  </a:solidFill>
+                </a:endParaRPr>
+              </a:p>
+            </p:txBody>
+          </p:sp>
+        </p:grpSp>
+      </p:grpSp>
+      <p:cxnSp>
+        <p:nvCxnSpPr>
+          <p:cNvPr id="69" name="カギ線コネクタ 68"/>
+          <p:cNvCxnSpPr>
+            <a:stCxn id="53" idx="2"/>
+            <a:endCxn id="87" idx="0"/>
+          </p:cNvCxnSpPr>
+          <p:nvPr/>
+        </p:nvCxnSpPr>
+        <p:spPr>
+          <a:xfrm rot="16200000" flipH="1">
+            <a:off x="4886817" y="6687099"/>
+            <a:ext cx="756291" cy="1628451"/>
+          </a:xfrm>
+          <a:prstGeom prst="bentConnector3">
+            <a:avLst>
+              <a:gd name="adj1" fmla="val 50000"/>
+            </a:avLst>
+          </a:prstGeom>
+          <a:ln w="25400">
+            <a:tailEnd type="triangle" w="lg" len="lg"/>
+          </a:ln>
+        </p:spPr>
+        <p:style>
+          <a:lnRef idx="1">
+            <a:schemeClr val="accent5"/>
+          </a:lnRef>
+          <a:fillRef idx="0">
+            <a:schemeClr val="accent5"/>
+          </a:fillRef>
+          <a:effectRef idx="0">
+            <a:schemeClr val="accent5"/>
+          </a:effectRef>
+          <a:fontRef idx="minor">
+            <a:schemeClr val="tx1"/>
+          </a:fontRef>
+        </p:style>
+      </p:cxnSp>
+      <p:cxnSp>
+        <p:nvCxnSpPr>
+          <p:cNvPr id="70" name="直線矢印コネクタ 69"/>
+          <p:cNvCxnSpPr/>
+          <p:nvPr/>
+        </p:nvCxnSpPr>
+        <p:spPr>
+          <a:xfrm flipH="1">
+            <a:off x="2759562" y="10555193"/>
+            <a:ext cx="1" cy="515267"/>
+          </a:xfrm>
+          <a:prstGeom prst="straightConnector1">
+            <a:avLst/>
+          </a:prstGeom>
+          <a:ln w="25400">
+            <a:tailEnd type="triangle" w="lg" len="lg"/>
+          </a:ln>
+        </p:spPr>
+        <p:style>
+          <a:lnRef idx="1">
+            <a:schemeClr val="accent5"/>
+          </a:lnRef>
+          <a:fillRef idx="0">
+            <a:schemeClr val="accent5"/>
+          </a:fillRef>
+          <a:effectRef idx="0">
+            <a:schemeClr val="accent5"/>
+          </a:effectRef>
+          <a:fontRef idx="minor">
+            <a:schemeClr val="tx1"/>
+          </a:fontRef>
+        </p:style>
+      </p:cxnSp>
+      <p:grpSp>
+        <p:nvGrpSpPr>
+          <p:cNvPr id="71" name="グループ化 70"/>
+          <p:cNvGrpSpPr/>
+          <p:nvPr/>
+        </p:nvGrpSpPr>
+        <p:grpSpPr>
+          <a:xfrm>
+            <a:off x="5239010" y="11142533"/>
+            <a:ext cx="1665841" cy="977483"/>
+            <a:chOff x="707393" y="6331953"/>
+            <a:chExt cx="1665841" cy="977483"/>
+          </a:xfrm>
+        </p:grpSpPr>
+        <p:sp>
+          <p:nvSpPr>
+            <p:cNvPr id="72" name="直方体 71"/>
+            <p:cNvSpPr/>
+            <p:nvPr/>
+          </p:nvSpPr>
+          <p:spPr>
+            <a:xfrm>
+              <a:off x="1324313" y="6331953"/>
+              <a:ext cx="432000" cy="432048"/>
+            </a:xfrm>
+            <a:prstGeom prst="cube">
+              <a:avLst/>
+            </a:prstGeom>
+          </p:spPr>
+          <p:style>
+            <a:lnRef idx="2">
+              <a:schemeClr val="accent5"/>
+            </a:lnRef>
+            <a:fillRef idx="1">
+              <a:schemeClr val="lt1"/>
+            </a:fillRef>
+            <a:effectRef idx="0">
+              <a:schemeClr val="accent5"/>
+            </a:effectRef>
+            <a:fontRef idx="minor">
+              <a:schemeClr val="dk1"/>
+            </a:fontRef>
+          </p:style>
+          <p:txBody>
+            <a:bodyPr rtlCol="0" anchor="ctr"/>
+            <a:lstStyle/>
+            <a:p>
+              <a:pPr algn="ctr"/>
+              <a:endParaRPr kumimoji="1" lang="ja-JP" altLang="en-US"/>
+            </a:p>
+          </p:txBody>
+        </p:sp>
+        <p:sp>
+          <p:nvSpPr>
+            <p:cNvPr id="73" name="テキスト ボックス 72"/>
+            <p:cNvSpPr txBox="1"/>
+            <p:nvPr/>
+          </p:nvSpPr>
+          <p:spPr>
+            <a:xfrm>
+              <a:off x="707393" y="6786216"/>
+              <a:ext cx="1665841" cy="523220"/>
+            </a:xfrm>
+            <a:prstGeom prst="rect">
+              <a:avLst/>
+            </a:prstGeom>
+            <a:noFill/>
+          </p:spPr>
+          <p:txBody>
+            <a:bodyPr wrap="none" rtlCol="0">
+              <a:spAutoFit/>
+            </a:bodyPr>
+            <a:lstStyle/>
+            <a:p>
+              <a:pPr algn="ctr"/>
+              <a:r>
+                <a:rPr lang="en-US" altLang="ja-JP" sz="2800" dirty="0" smtClean="0">
+                  <a:solidFill>
+                    <a:schemeClr val="tx1">
+                      <a:lumMod val="75000"/>
+                      <a:lumOff val="25000"/>
+                    </a:schemeClr>
+                  </a:solidFill>
+                  <a:latin typeface="Arial" panose="020B0604020202020204" pitchFamily="34" charset="0"/>
+                  <a:cs typeface="Arial" panose="020B0604020202020204" pitchFamily="34" charset="0"/>
+                </a:rPr>
+                <a:t>container</a:t>
+              </a:r>
+              <a:endParaRPr kumimoji="1" lang="ja-JP" altLang="en-US" sz="2800" dirty="0">
+                <a:solidFill>
+                  <a:schemeClr val="tx1">
+                    <a:lumMod val="75000"/>
+                    <a:lumOff val="25000"/>
+                  </a:schemeClr>
+                </a:solidFill>
+                <a:latin typeface="Arial" panose="020B0604020202020204" pitchFamily="34" charset="0"/>
+                <a:cs typeface="Arial" panose="020B0604020202020204" pitchFamily="34" charset="0"/>
+              </a:endParaRPr>
+            </a:p>
+          </p:txBody>
+        </p:sp>
+      </p:grpSp>
+      <p:grpSp>
+        <p:nvGrpSpPr>
+          <p:cNvPr id="75" name="グループ化 74"/>
+          <p:cNvGrpSpPr/>
+          <p:nvPr/>
+        </p:nvGrpSpPr>
+        <p:grpSpPr>
+          <a:xfrm>
+            <a:off x="4804532" y="8641772"/>
+            <a:ext cx="2534796" cy="1913421"/>
+            <a:chOff x="4845516" y="4374228"/>
+            <a:chExt cx="2534796" cy="1913421"/>
+          </a:xfrm>
+        </p:grpSpPr>
+        <p:sp>
+          <p:nvSpPr>
+            <p:cNvPr id="81" name="テキスト ボックス 80"/>
+            <p:cNvSpPr txBox="1"/>
+            <p:nvPr/>
+          </p:nvSpPr>
+          <p:spPr>
+            <a:xfrm>
+              <a:off x="5428839" y="5659388"/>
+              <a:ext cx="1368152" cy="523220"/>
+            </a:xfrm>
+            <a:prstGeom prst="rect">
+              <a:avLst/>
+            </a:prstGeom>
+            <a:noFill/>
+          </p:spPr>
+          <p:txBody>
+            <a:bodyPr wrap="square" rtlCol="0">
+              <a:spAutoFit/>
+            </a:bodyPr>
+            <a:lstStyle/>
+            <a:p>
+              <a:pPr algn="ctr"/>
+              <a:r>
+                <a:rPr lang="en-US" altLang="ja-JP" sz="2800" dirty="0" err="1" smtClean="0">
+                  <a:solidFill>
+                    <a:schemeClr val="tx1">
+                      <a:lumMod val="75000"/>
+                      <a:lumOff val="25000"/>
+                    </a:schemeClr>
+                  </a:solidFill>
+                  <a:latin typeface="Arial" panose="020B0604020202020204" pitchFamily="34" charset="0"/>
+                  <a:cs typeface="Arial" panose="020B0604020202020204" pitchFamily="34" charset="0"/>
+                </a:rPr>
+                <a:t>runsc</a:t>
+              </a:r>
+              <a:endParaRPr kumimoji="1" lang="ja-JP" altLang="en-US" sz="2800" dirty="0">
+                <a:solidFill>
+                  <a:schemeClr val="tx1">
+                    <a:lumMod val="75000"/>
+                    <a:lumOff val="25000"/>
+                  </a:schemeClr>
+                </a:solidFill>
+                <a:latin typeface="Arial" panose="020B0604020202020204" pitchFamily="34" charset="0"/>
+                <a:cs typeface="Arial" panose="020B0604020202020204" pitchFamily="34" charset="0"/>
+              </a:endParaRPr>
+            </a:p>
+          </p:txBody>
+        </p:sp>
+        <p:grpSp>
+          <p:nvGrpSpPr>
+            <p:cNvPr id="77" name="グループ化 76"/>
+            <p:cNvGrpSpPr/>
+            <p:nvPr/>
+          </p:nvGrpSpPr>
+          <p:grpSpPr>
+            <a:xfrm>
+              <a:off x="4845516" y="4374228"/>
+              <a:ext cx="2534796" cy="1913421"/>
+              <a:chOff x="2901300" y="4435876"/>
+              <a:chExt cx="2534796" cy="1913421"/>
+            </a:xfrm>
+          </p:grpSpPr>
+          <p:sp>
+            <p:nvSpPr>
+              <p:cNvPr id="78" name="角丸四角形 77"/>
+              <p:cNvSpPr/>
+              <p:nvPr/>
+            </p:nvSpPr>
+            <p:spPr>
+              <a:xfrm>
+                <a:off x="2915816" y="4464905"/>
+                <a:ext cx="2520280" cy="1884392"/>
+              </a:xfrm>
+              <a:prstGeom prst="roundRect">
+                <a:avLst>
+                  <a:gd name="adj" fmla="val 13586"/>
+                </a:avLst>
+              </a:prstGeom>
+              <a:noFill/>
+              <a:ln>
+                <a:prstDash val="dash"/>
+              </a:ln>
+            </p:spPr>
+            <p:style>
+              <a:lnRef idx="2">
+                <a:schemeClr val="accent5"/>
+              </a:lnRef>
+              <a:fillRef idx="1">
+                <a:schemeClr val="lt1"/>
+              </a:fillRef>
+              <a:effectRef idx="0">
+                <a:schemeClr val="accent5"/>
+              </a:effectRef>
+              <a:fontRef idx="minor">
+                <a:schemeClr val="dk1"/>
+              </a:fontRef>
+            </p:style>
+            <p:txBody>
+              <a:bodyPr rtlCol="0" anchor="ctr"/>
+              <a:lstStyle/>
+              <a:p>
+                <a:pPr algn="ctr"/>
+                <a:endParaRPr kumimoji="1" lang="ja-JP" altLang="en-US"/>
+              </a:p>
+            </p:txBody>
+          </p:sp>
+          <p:sp>
+            <p:nvSpPr>
+              <p:cNvPr id="79" name="対角する 2 つの角を丸めた四角形 78"/>
+              <p:cNvSpPr/>
+              <p:nvPr/>
+            </p:nvSpPr>
+            <p:spPr>
+              <a:xfrm>
+                <a:off x="2901300" y="4435876"/>
+                <a:ext cx="1332000" cy="288000"/>
+              </a:xfrm>
+              <a:prstGeom prst="round2DiagRect">
+                <a:avLst/>
+              </a:prstGeom>
+              <a:effectLst/>
+            </p:spPr>
+            <p:style>
+              <a:lnRef idx="1">
+                <a:schemeClr val="accent5"/>
+              </a:lnRef>
+              <a:fillRef idx="2">
+                <a:schemeClr val="accent5"/>
+              </a:fillRef>
+              <a:effectRef idx="1">
+                <a:schemeClr val="accent5"/>
+              </a:effectRef>
+              <a:fontRef idx="minor">
+                <a:schemeClr val="dk1"/>
+              </a:fontRef>
+            </p:style>
+            <p:txBody>
+              <a:bodyPr wrap="none" lIns="36000" tIns="36000" rIns="36000" bIns="36000" rtlCol="0" anchor="ctr"/>
+              <a:lstStyle/>
+              <a:p>
+                <a:pPr algn="ctr">
+                  <a:lnSpc>
+                    <a:spcPts val="1460"/>
+                  </a:lnSpc>
+                </a:pPr>
+                <a:r>
+                  <a:rPr kumimoji="1" lang="en-US" altLang="ja-JP" dirty="0" smtClean="0">
+                    <a:solidFill>
+                      <a:schemeClr val="tx1">
+                        <a:lumMod val="75000"/>
+                        <a:lumOff val="25000"/>
+                      </a:schemeClr>
+                    </a:solidFill>
+                  </a:rPr>
+                  <a:t>OCI Runtime</a:t>
+                </a:r>
+                <a:endParaRPr kumimoji="1" lang="ja-JP" altLang="en-US" dirty="0">
+                  <a:solidFill>
+                    <a:schemeClr val="tx1">
+                      <a:lumMod val="75000"/>
+                      <a:lumOff val="25000"/>
+                    </a:schemeClr>
+                  </a:solidFill>
+                </a:endParaRPr>
+              </a:p>
+            </p:txBody>
+          </p:sp>
+        </p:grpSp>
+      </p:grpSp>
+      <p:cxnSp>
+        <p:nvCxnSpPr>
+          <p:cNvPr id="82" name="直線矢印コネクタ 81"/>
+          <p:cNvCxnSpPr/>
+          <p:nvPr/>
+        </p:nvCxnSpPr>
+        <p:spPr>
+          <a:xfrm flipH="1">
+            <a:off x="6071930" y="10536813"/>
+            <a:ext cx="1" cy="515267"/>
+          </a:xfrm>
+          <a:prstGeom prst="straightConnector1">
+            <a:avLst/>
+          </a:prstGeom>
+          <a:ln w="25400">
+            <a:tailEnd type="triangle" w="lg" len="lg"/>
+          </a:ln>
+        </p:spPr>
+        <p:style>
+          <a:lnRef idx="1">
+            <a:schemeClr val="accent5"/>
+          </a:lnRef>
+          <a:fillRef idx="0">
+            <a:schemeClr val="accent5"/>
+          </a:fillRef>
+          <a:effectRef idx="0">
+            <a:schemeClr val="accent5"/>
+          </a:effectRef>
+          <a:fontRef idx="minor">
+            <a:schemeClr val="tx1"/>
+          </a:fontRef>
+        </p:style>
+      </p:cxnSp>
+      <p:grpSp>
+        <p:nvGrpSpPr>
+          <p:cNvPr id="83" name="グループ化 82"/>
+          <p:cNvGrpSpPr/>
+          <p:nvPr/>
+        </p:nvGrpSpPr>
+        <p:grpSpPr>
+          <a:xfrm>
+            <a:off x="1506680" y="10770244"/>
+            <a:ext cx="5832648" cy="3295814"/>
+            <a:chOff x="2901300" y="4435876"/>
+            <a:chExt cx="5832648" cy="3295814"/>
+          </a:xfrm>
+        </p:grpSpPr>
+        <p:sp>
+          <p:nvSpPr>
+            <p:cNvPr id="84" name="角丸四角形 83"/>
+            <p:cNvSpPr/>
+            <p:nvPr/>
+          </p:nvSpPr>
+          <p:spPr>
+            <a:xfrm>
+              <a:off x="2915816" y="4464905"/>
+              <a:ext cx="5818132" cy="3266785"/>
+            </a:xfrm>
+            <a:prstGeom prst="roundRect">
+              <a:avLst>
+                <a:gd name="adj" fmla="val 13586"/>
+              </a:avLst>
+            </a:prstGeom>
+            <a:noFill/>
+            <a:ln>
+              <a:solidFill>
+                <a:schemeClr val="tx1">
+                  <a:lumMod val="50000"/>
+                  <a:lumOff val="50000"/>
+                </a:schemeClr>
+              </a:solidFill>
+              <a:prstDash val="dash"/>
+            </a:ln>
+          </p:spPr>
+          <p:style>
+            <a:lnRef idx="2">
+              <a:schemeClr val="accent5"/>
+            </a:lnRef>
+            <a:fillRef idx="1">
+              <a:schemeClr val="lt1"/>
+            </a:fillRef>
+            <a:effectRef idx="0">
+              <a:schemeClr val="accent5"/>
+            </a:effectRef>
+            <a:fontRef idx="minor">
+              <a:schemeClr val="dk1"/>
+            </a:fontRef>
+          </p:style>
+          <p:txBody>
+            <a:bodyPr rtlCol="0" anchor="ctr"/>
+            <a:lstStyle/>
+            <a:p>
+              <a:pPr algn="ctr"/>
+              <a:endParaRPr kumimoji="1" lang="ja-JP" altLang="en-US"/>
+            </a:p>
+          </p:txBody>
+        </p:sp>
+        <p:sp>
+          <p:nvSpPr>
+            <p:cNvPr id="85" name="対角する 2 つの角を丸めた四角形 84"/>
+            <p:cNvSpPr/>
+            <p:nvPr/>
+          </p:nvSpPr>
+          <p:spPr>
+            <a:xfrm>
+              <a:off x="2901300" y="4435876"/>
+              <a:ext cx="612000" cy="288000"/>
+            </a:xfrm>
+            <a:prstGeom prst="round2DiagRect">
+              <a:avLst/>
+            </a:prstGeom>
+            <a:effectLst/>
+          </p:spPr>
+          <p:style>
+            <a:lnRef idx="1">
+              <a:schemeClr val="dk1"/>
+            </a:lnRef>
+            <a:fillRef idx="2">
+              <a:schemeClr val="dk1"/>
+            </a:fillRef>
+            <a:effectRef idx="1">
+              <a:schemeClr val="dk1"/>
+            </a:effectRef>
+            <a:fontRef idx="minor">
+              <a:schemeClr val="dk1"/>
+            </a:fontRef>
+          </p:style>
+          <p:txBody>
+            <a:bodyPr wrap="none" lIns="36000" tIns="36000" rIns="36000" bIns="36000" rtlCol="0" anchor="ctr"/>
+            <a:lstStyle/>
+            <a:p>
+              <a:pPr algn="ctr">
+                <a:lnSpc>
+                  <a:spcPts val="1460"/>
+                </a:lnSpc>
+              </a:pPr>
+              <a:r>
+                <a:rPr lang="en-US" altLang="ja-JP" dirty="0" smtClean="0">
+                  <a:solidFill>
+                    <a:schemeClr val="tx1">
+                      <a:lumMod val="75000"/>
+                      <a:lumOff val="25000"/>
+                    </a:schemeClr>
+                  </a:solidFill>
+                </a:rPr>
+                <a:t>Pod</a:t>
+              </a:r>
+              <a:endParaRPr kumimoji="1" lang="ja-JP" altLang="en-US" dirty="0">
+                <a:solidFill>
+                  <a:schemeClr val="tx1">
+                    <a:lumMod val="75000"/>
+                    <a:lumOff val="25000"/>
+                  </a:schemeClr>
+                </a:solidFill>
+              </a:endParaRPr>
+            </a:p>
+          </p:txBody>
+        </p:sp>
+      </p:grpSp>
+      <p:sp>
+        <p:nvSpPr>
+          <p:cNvPr id="86" name="正方形/長方形 85"/>
+          <p:cNvSpPr/>
+          <p:nvPr/>
+        </p:nvSpPr>
+        <p:spPr>
+          <a:xfrm>
+            <a:off x="1377657" y="7879471"/>
+            <a:ext cx="2778325" cy="400110"/>
+          </a:xfrm>
+          <a:prstGeom prst="rect">
+            <a:avLst/>
+          </a:prstGeom>
+        </p:spPr>
+        <p:style>
+          <a:lnRef idx="2">
+            <a:schemeClr val="accent5"/>
+          </a:lnRef>
+          <a:fillRef idx="1">
+            <a:schemeClr val="lt1"/>
+          </a:fillRef>
+          <a:effectRef idx="0">
+            <a:schemeClr val="accent5"/>
+          </a:effectRef>
+          <a:fontRef idx="minor">
+            <a:schemeClr val="dk1"/>
+          </a:fontRef>
+        </p:style>
+        <p:txBody>
+          <a:bodyPr rot="0" spcFirstLastPara="0" vertOverflow="overflow" horzOverflow="overflow" vert="horz" wrap="none" lIns="91440" tIns="45720" rIns="91440" bIns="45720" numCol="1" spcCol="0" rtlCol="0" fromWordArt="0" anchor="ctr" anchorCtr="0" forceAA="0" compatLnSpc="1">
+            <a:prstTxWarp prst="textNoShape">
+              <a:avLst/>
+            </a:prstTxWarp>
+            <a:spAutoFit/>
+          </a:bodyPr>
+          <a:lstStyle/>
+          <a:p>
+            <a:pPr algn="ctr"/>
+            <a:r>
+              <a:rPr lang="en-US" altLang="ja-JP" sz="2000" dirty="0" err="1">
+                <a:solidFill>
+                  <a:schemeClr val="accent1">
+                    <a:lumMod val="75000"/>
+                  </a:schemeClr>
+                </a:solidFill>
+                <a:latin typeface="Arial" panose="020B0604020202020204" pitchFamily="34" charset="0"/>
+                <a:cs typeface="Arial" panose="020B0604020202020204" pitchFamily="34" charset="0"/>
+              </a:rPr>
+              <a:t>gvisor</a:t>
+            </a:r>
+            <a:r>
+              <a:rPr lang="en-US" altLang="ja-JP" sz="2000" dirty="0">
+                <a:solidFill>
+                  <a:schemeClr val="accent1">
+                    <a:lumMod val="75000"/>
+                  </a:schemeClr>
+                </a:solidFill>
+                <a:latin typeface="Arial" panose="020B0604020202020204" pitchFamily="34" charset="0"/>
+                <a:cs typeface="Arial" panose="020B0604020202020204" pitchFamily="34" charset="0"/>
+              </a:rPr>
+              <a:t>-</a:t>
+            </a:r>
+            <a:r>
+              <a:rPr lang="en-US" altLang="ja-JP" sz="2000" dirty="0" err="1">
+                <a:solidFill>
+                  <a:schemeClr val="accent1">
+                    <a:lumMod val="75000"/>
+                  </a:schemeClr>
+                </a:solidFill>
+                <a:latin typeface="Arial" panose="020B0604020202020204" pitchFamily="34" charset="0"/>
+                <a:cs typeface="Arial" panose="020B0604020202020204" pitchFamily="34" charset="0"/>
+              </a:rPr>
+              <a:t>containerd</a:t>
+            </a:r>
+            <a:r>
+              <a:rPr lang="en-US" altLang="ja-JP" sz="2000" dirty="0">
+                <a:solidFill>
+                  <a:schemeClr val="accent1">
+                    <a:lumMod val="75000"/>
+                  </a:schemeClr>
+                </a:solidFill>
+                <a:latin typeface="Arial" panose="020B0604020202020204" pitchFamily="34" charset="0"/>
+                <a:cs typeface="Arial" panose="020B0604020202020204" pitchFamily="34" charset="0"/>
+              </a:rPr>
+              <a:t>-shim</a:t>
+            </a:r>
+            <a:endParaRPr lang="ja-JP" altLang="en-US" sz="2000" dirty="0">
+              <a:solidFill>
+                <a:schemeClr val="accent1">
+                  <a:lumMod val="75000"/>
+                </a:schemeClr>
+              </a:solidFill>
+              <a:latin typeface="Arial" panose="020B0604020202020204" pitchFamily="34" charset="0"/>
+              <a:cs typeface="Arial" panose="020B0604020202020204" pitchFamily="34" charset="0"/>
+            </a:endParaRPr>
+          </a:p>
+        </p:txBody>
+      </p:sp>
+      <p:sp>
+        <p:nvSpPr>
+          <p:cNvPr id="87" name="正方形/長方形 86"/>
+          <p:cNvSpPr/>
+          <p:nvPr/>
+        </p:nvSpPr>
+        <p:spPr>
+          <a:xfrm>
+            <a:off x="4690025" y="7879471"/>
+            <a:ext cx="2778325" cy="400110"/>
+          </a:xfrm>
+          <a:prstGeom prst="rect">
+            <a:avLst/>
+          </a:prstGeom>
+        </p:spPr>
+        <p:style>
+          <a:lnRef idx="2">
+            <a:schemeClr val="accent5"/>
+          </a:lnRef>
+          <a:fillRef idx="1">
+            <a:schemeClr val="lt1"/>
+          </a:fillRef>
+          <a:effectRef idx="0">
+            <a:schemeClr val="accent5"/>
+          </a:effectRef>
+          <a:fontRef idx="minor">
+            <a:schemeClr val="dk1"/>
+          </a:fontRef>
+        </p:style>
+        <p:txBody>
+          <a:bodyPr rot="0" spcFirstLastPara="0" vertOverflow="overflow" horzOverflow="overflow" vert="horz" wrap="none" lIns="91440" tIns="45720" rIns="91440" bIns="45720" numCol="1" spcCol="0" rtlCol="0" fromWordArt="0" anchor="ctr" anchorCtr="0" forceAA="0" compatLnSpc="1">
+            <a:prstTxWarp prst="textNoShape">
+              <a:avLst/>
+            </a:prstTxWarp>
+            <a:spAutoFit/>
+          </a:bodyPr>
+          <a:lstStyle/>
+          <a:p>
+            <a:pPr algn="ctr"/>
+            <a:r>
+              <a:rPr lang="en-US" altLang="ja-JP" sz="2000" dirty="0" err="1">
+                <a:solidFill>
+                  <a:schemeClr val="accent1">
+                    <a:lumMod val="75000"/>
+                  </a:schemeClr>
+                </a:solidFill>
+                <a:latin typeface="Arial" panose="020B0604020202020204" pitchFamily="34" charset="0"/>
+                <a:cs typeface="Arial" panose="020B0604020202020204" pitchFamily="34" charset="0"/>
+              </a:rPr>
+              <a:t>gvisor</a:t>
+            </a:r>
+            <a:r>
+              <a:rPr lang="en-US" altLang="ja-JP" sz="2000" dirty="0">
+                <a:solidFill>
+                  <a:schemeClr val="accent1">
+                    <a:lumMod val="75000"/>
+                  </a:schemeClr>
+                </a:solidFill>
+                <a:latin typeface="Arial" panose="020B0604020202020204" pitchFamily="34" charset="0"/>
+                <a:cs typeface="Arial" panose="020B0604020202020204" pitchFamily="34" charset="0"/>
+              </a:rPr>
+              <a:t>-</a:t>
+            </a:r>
+            <a:r>
+              <a:rPr lang="en-US" altLang="ja-JP" sz="2000" dirty="0" err="1">
+                <a:solidFill>
+                  <a:schemeClr val="accent1">
+                    <a:lumMod val="75000"/>
+                  </a:schemeClr>
+                </a:solidFill>
+                <a:latin typeface="Arial" panose="020B0604020202020204" pitchFamily="34" charset="0"/>
+                <a:cs typeface="Arial" panose="020B0604020202020204" pitchFamily="34" charset="0"/>
+              </a:rPr>
+              <a:t>containerd</a:t>
+            </a:r>
+            <a:r>
+              <a:rPr lang="en-US" altLang="ja-JP" sz="2000" dirty="0">
+                <a:solidFill>
+                  <a:schemeClr val="accent1">
+                    <a:lumMod val="75000"/>
+                  </a:schemeClr>
+                </a:solidFill>
+                <a:latin typeface="Arial" panose="020B0604020202020204" pitchFamily="34" charset="0"/>
+                <a:cs typeface="Arial" panose="020B0604020202020204" pitchFamily="34" charset="0"/>
+              </a:rPr>
+              <a:t>-shim</a:t>
+            </a:r>
+            <a:endParaRPr lang="ja-JP" altLang="en-US" sz="2000" dirty="0">
+              <a:solidFill>
+                <a:schemeClr val="accent1">
+                  <a:lumMod val="75000"/>
+                </a:schemeClr>
+              </a:solidFill>
+              <a:latin typeface="Arial" panose="020B0604020202020204" pitchFamily="34" charset="0"/>
+              <a:cs typeface="Arial" panose="020B0604020202020204" pitchFamily="34" charset="0"/>
+            </a:endParaRPr>
+          </a:p>
+        </p:txBody>
+      </p:sp>
+      <p:cxnSp>
+        <p:nvCxnSpPr>
+          <p:cNvPr id="88" name="直線矢印コネクタ 87"/>
+          <p:cNvCxnSpPr>
+            <a:stCxn id="86" idx="2"/>
+            <a:endCxn id="65" idx="0"/>
+          </p:cNvCxnSpPr>
+          <p:nvPr/>
+        </p:nvCxnSpPr>
+        <p:spPr>
+          <a:xfrm>
+            <a:off x="2766820" y="8279581"/>
+            <a:ext cx="0" cy="391220"/>
+          </a:xfrm>
+          <a:prstGeom prst="straightConnector1">
+            <a:avLst/>
+          </a:prstGeom>
+          <a:ln w="25400">
+            <a:tailEnd type="triangle" w="lg" len="lg"/>
+          </a:ln>
+        </p:spPr>
+        <p:style>
+          <a:lnRef idx="1">
+            <a:schemeClr val="accent5"/>
+          </a:lnRef>
+          <a:fillRef idx="0">
+            <a:schemeClr val="accent5"/>
+          </a:fillRef>
+          <a:effectRef idx="0">
+            <a:schemeClr val="accent5"/>
+          </a:effectRef>
+          <a:fontRef idx="minor">
+            <a:schemeClr val="tx1"/>
+          </a:fontRef>
+        </p:style>
+      </p:cxnSp>
+      <p:cxnSp>
+        <p:nvCxnSpPr>
+          <p:cNvPr id="89" name="直線矢印コネクタ 88"/>
+          <p:cNvCxnSpPr>
+            <a:stCxn id="87" idx="2"/>
+          </p:cNvCxnSpPr>
+          <p:nvPr/>
+        </p:nvCxnSpPr>
+        <p:spPr>
+          <a:xfrm flipH="1">
+            <a:off x="6071930" y="8279581"/>
+            <a:ext cx="7258" cy="362191"/>
+          </a:xfrm>
+          <a:prstGeom prst="straightConnector1">
+            <a:avLst/>
+          </a:prstGeom>
+          <a:ln w="25400">
+            <a:tailEnd type="triangle" w="lg" len="lg"/>
+          </a:ln>
+        </p:spPr>
+        <p:style>
+          <a:lnRef idx="1">
+            <a:schemeClr val="accent5"/>
+          </a:lnRef>
+          <a:fillRef idx="0">
+            <a:schemeClr val="accent5"/>
+          </a:fillRef>
+          <a:effectRef idx="0">
+            <a:schemeClr val="accent5"/>
+          </a:effectRef>
+          <a:fontRef idx="minor">
+            <a:schemeClr val="tx1"/>
+          </a:fontRef>
+        </p:style>
+      </p:cxnSp>
+      <p:pic>
+        <p:nvPicPr>
+          <p:cNvPr id="2051" name="Picture 3" descr="C:\Users\kaitoy\Desktop\gvisor.png"/>
+          <p:cNvPicPr>
+            <a:picLocks noChangeAspect="1" noChangeArrowheads="1"/>
+          </p:cNvPicPr>
+          <p:nvPr/>
+        </p:nvPicPr>
+        <p:blipFill>
+          <a:blip r:embed="rId5">
+            <a:extLst>
+              <a:ext uri="{28A0092B-C50C-407E-A947-70E740481C1C}">
+                <a14:useLocalDpi xmlns:a14="http://schemas.microsoft.com/office/drawing/2010/main" val="0"/>
+              </a:ext>
+            </a:extLst>
+          </a:blip>
+          <a:srcRect/>
+          <a:stretch>
+            <a:fillRect/>
+          </a:stretch>
+        </p:blipFill>
+        <p:spPr bwMode="auto">
+          <a:xfrm>
+            <a:off x="2306433" y="9068992"/>
+            <a:ext cx="906257" cy="926248"/>
+          </a:xfrm>
+          <a:prstGeom prst="rect">
+            <a:avLst/>
+          </a:prstGeom>
+          <a:noFill/>
+          <a:extLst>
+            <a:ext uri="{909E8E84-426E-40DD-AFC4-6F175D3DCCD1}">
+              <a14:hiddenFill xmlns:a14="http://schemas.microsoft.com/office/drawing/2010/main">
+                <a:solidFill>
+                  <a:srgbClr val="FFFFFF"/>
+                </a:solidFill>
+              </a14:hiddenFill>
+            </a:ext>
+          </a:extLst>
+        </p:spPr>
+      </p:pic>
+      <p:pic>
+        <p:nvPicPr>
+          <p:cNvPr id="43" name="Picture 3" descr="C:\Users\kaitoy\Desktop\gvisor.png"/>
+          <p:cNvPicPr>
+            <a:picLocks noChangeAspect="1" noChangeArrowheads="1"/>
+          </p:cNvPicPr>
+          <p:nvPr/>
+        </p:nvPicPr>
+        <p:blipFill>
+          <a:blip r:embed="rId5">
+            <a:extLst>
+              <a:ext uri="{28A0092B-C50C-407E-A947-70E740481C1C}">
+                <a14:useLocalDpi xmlns:a14="http://schemas.microsoft.com/office/drawing/2010/main" val="0"/>
+              </a:ext>
+            </a:extLst>
+          </a:blip>
+          <a:srcRect/>
+          <a:stretch>
+            <a:fillRect/>
+          </a:stretch>
+        </p:blipFill>
+        <p:spPr bwMode="auto">
+          <a:xfrm>
+            <a:off x="5626059" y="9068992"/>
+            <a:ext cx="906257" cy="926248"/>
+          </a:xfrm>
+          <a:prstGeom prst="rect">
+            <a:avLst/>
+          </a:prstGeom>
+          <a:noFill/>
+          <a:extLst>
+            <a:ext uri="{909E8E84-426E-40DD-AFC4-6F175D3DCCD1}">
+              <a14:hiddenFill xmlns:a14="http://schemas.microsoft.com/office/drawing/2010/main">
+                <a:solidFill>
+                  <a:srgbClr val="FFFFFF"/>
+                </a:solidFill>
+              </a14:hiddenFill>
+            </a:ext>
+          </a:extLst>
+        </p:spPr>
+      </p:pic>
+      <p:sp>
+        <p:nvSpPr>
+          <p:cNvPr id="44" name="正方形/長方形 43"/>
+          <p:cNvSpPr/>
+          <p:nvPr/>
+        </p:nvSpPr>
+        <p:spPr>
+          <a:xfrm>
+            <a:off x="1952667" y="12956130"/>
+            <a:ext cx="1613787" cy="954107"/>
+          </a:xfrm>
+          <a:prstGeom prst="rect">
+            <a:avLst/>
+          </a:prstGeom>
+          <a:ln>
+            <a:solidFill>
+              <a:schemeClr val="tx1">
+                <a:lumMod val="65000"/>
+                <a:lumOff val="35000"/>
+              </a:schemeClr>
+            </a:solidFill>
+          </a:ln>
+        </p:spPr>
+        <p:style>
+          <a:lnRef idx="2">
+            <a:schemeClr val="dk1"/>
+          </a:lnRef>
+          <a:fillRef idx="1">
+            <a:schemeClr val="lt1"/>
+          </a:fillRef>
+          <a:effectRef idx="0">
+            <a:schemeClr val="dk1"/>
+          </a:effectRef>
+          <a:fontRef idx="minor">
+            <a:schemeClr val="dk1"/>
+          </a:fontRef>
+        </p:style>
+        <p:txBody>
+          <a:bodyPr rot="0" spcFirstLastPara="0" vertOverflow="overflow" horzOverflow="overflow" vert="horz" wrap="square" lIns="91440" tIns="45720" rIns="91440" bIns="45720" numCol="1" spcCol="0" rtlCol="0" fromWordArt="0" anchor="ctr" anchorCtr="0" forceAA="0" compatLnSpc="1">
+            <a:prstTxWarp prst="textNoShape">
+              <a:avLst/>
+            </a:prstTxWarp>
+            <a:spAutoFit/>
+          </a:bodyPr>
+          <a:lstStyle/>
+          <a:p>
+            <a:pPr algn="ctr"/>
+            <a:r>
+              <a:rPr lang="en-US" altLang="ja-JP" sz="2800" dirty="0">
+                <a:solidFill>
+                  <a:schemeClr val="tx1">
+                    <a:lumMod val="65000"/>
+                    <a:lumOff val="35000"/>
+                  </a:schemeClr>
+                </a:solidFill>
+                <a:latin typeface="Arial" panose="020B0604020202020204" pitchFamily="34" charset="0"/>
+                <a:cs typeface="Arial" panose="020B0604020202020204" pitchFamily="34" charset="0"/>
+              </a:rPr>
+              <a:t>k</a:t>
+            </a:r>
+            <a:r>
+              <a:rPr lang="en-US" altLang="ja-JP" sz="2800" dirty="0" smtClean="0">
+                <a:solidFill>
+                  <a:schemeClr val="tx1">
+                    <a:lumMod val="65000"/>
+                    <a:lumOff val="35000"/>
+                  </a:schemeClr>
+                </a:solidFill>
+                <a:latin typeface="Arial" panose="020B0604020202020204" pitchFamily="34" charset="0"/>
+                <a:cs typeface="Arial" panose="020B0604020202020204" pitchFamily="34" charset="0"/>
+              </a:rPr>
+              <a:t>ernel (Sentry)</a:t>
+            </a:r>
+            <a:endParaRPr lang="ja-JP" altLang="en-US" sz="2800" dirty="0">
+              <a:solidFill>
+                <a:schemeClr val="tx1">
+                  <a:lumMod val="65000"/>
+                  <a:lumOff val="35000"/>
+                </a:schemeClr>
+              </a:solidFill>
+              <a:latin typeface="Arial" panose="020B0604020202020204" pitchFamily="34" charset="0"/>
+              <a:cs typeface="Arial" panose="020B0604020202020204" pitchFamily="34" charset="0"/>
+            </a:endParaRPr>
+          </a:p>
+        </p:txBody>
+      </p:sp>
+      <p:cxnSp>
+        <p:nvCxnSpPr>
+          <p:cNvPr id="45" name="カギ線コネクタ 44"/>
+          <p:cNvCxnSpPr>
+            <a:stCxn id="65" idx="1"/>
+            <a:endCxn id="44" idx="1"/>
+          </p:cNvCxnSpPr>
+          <p:nvPr/>
+        </p:nvCxnSpPr>
+        <p:spPr>
+          <a:xfrm rot="10800000" flipH="1" flipV="1">
+            <a:off x="1506679" y="9612996"/>
+            <a:ext cx="445987" cy="3820187"/>
+          </a:xfrm>
+          <a:prstGeom prst="bentConnector3">
+            <a:avLst>
+              <a:gd name="adj1" fmla="val -83801"/>
+            </a:avLst>
+          </a:prstGeom>
+          <a:ln w="25400">
+            <a:prstDash val="sysDash"/>
+            <a:tailEnd type="triangle" w="lg" len="lg"/>
+          </a:ln>
+        </p:spPr>
+        <p:style>
+          <a:lnRef idx="1">
+            <a:schemeClr val="accent5"/>
+          </a:lnRef>
+          <a:fillRef idx="0">
+            <a:schemeClr val="accent5"/>
+          </a:fillRef>
+          <a:effectRef idx="0">
+            <a:schemeClr val="accent5"/>
+          </a:effectRef>
+          <a:fontRef idx="minor">
+            <a:schemeClr val="tx1"/>
+          </a:fontRef>
+        </p:style>
+      </p:cxnSp>
+      <p:sp>
+        <p:nvSpPr>
+          <p:cNvPr id="51" name="正方形/長方形 50"/>
+          <p:cNvSpPr/>
+          <p:nvPr/>
+        </p:nvSpPr>
+        <p:spPr>
+          <a:xfrm>
+            <a:off x="1952667" y="14299460"/>
+            <a:ext cx="1613787" cy="954107"/>
+          </a:xfrm>
+          <a:prstGeom prst="rect">
+            <a:avLst/>
+          </a:prstGeom>
+          <a:ln>
+            <a:solidFill>
+              <a:schemeClr val="tx1">
+                <a:lumMod val="65000"/>
+                <a:lumOff val="35000"/>
+              </a:schemeClr>
+            </a:solidFill>
+          </a:ln>
+        </p:spPr>
+        <p:style>
+          <a:lnRef idx="2">
+            <a:schemeClr val="dk1"/>
+          </a:lnRef>
+          <a:fillRef idx="1">
+            <a:schemeClr val="lt1"/>
+          </a:fillRef>
+          <a:effectRef idx="0">
+            <a:schemeClr val="dk1"/>
+          </a:effectRef>
+          <a:fontRef idx="minor">
+            <a:schemeClr val="dk1"/>
+          </a:fontRef>
+        </p:style>
+        <p:txBody>
+          <a:bodyPr rot="0" spcFirstLastPara="0" vertOverflow="overflow" horzOverflow="overflow" vert="horz" wrap="square" lIns="91440" tIns="45720" rIns="91440" bIns="45720" numCol="1" spcCol="0" rtlCol="0" fromWordArt="0" anchor="ctr" anchorCtr="0" forceAA="0" compatLnSpc="1">
+            <a:prstTxWarp prst="textNoShape">
+              <a:avLst/>
+            </a:prstTxWarp>
+            <a:spAutoFit/>
+          </a:bodyPr>
+          <a:lstStyle/>
+          <a:p>
+            <a:pPr algn="ctr"/>
+            <a:r>
+              <a:rPr lang="en-US" altLang="ja-JP" sz="2800" dirty="0" smtClean="0">
+                <a:solidFill>
+                  <a:schemeClr val="tx1">
+                    <a:lumMod val="65000"/>
+                    <a:lumOff val="35000"/>
+                  </a:schemeClr>
+                </a:solidFill>
+                <a:latin typeface="Arial" panose="020B0604020202020204" pitchFamily="34" charset="0"/>
+                <a:cs typeface="Arial" panose="020B0604020202020204" pitchFamily="34" charset="0"/>
+              </a:rPr>
+              <a:t>FS proxy (Gofer)</a:t>
+            </a:r>
+            <a:endParaRPr lang="ja-JP" altLang="en-US" sz="2800" dirty="0">
+              <a:solidFill>
+                <a:schemeClr val="tx1">
+                  <a:lumMod val="65000"/>
+                  <a:lumOff val="35000"/>
+                </a:schemeClr>
+              </a:solidFill>
+              <a:latin typeface="Arial" panose="020B0604020202020204" pitchFamily="34" charset="0"/>
+              <a:cs typeface="Arial" panose="020B0604020202020204" pitchFamily="34" charset="0"/>
+            </a:endParaRPr>
+          </a:p>
+        </p:txBody>
+      </p:sp>
+      <p:cxnSp>
+        <p:nvCxnSpPr>
+          <p:cNvPr id="74" name="直線矢印コネクタ 73"/>
+          <p:cNvCxnSpPr>
+            <a:stCxn id="60" idx="2"/>
+            <a:endCxn id="44" idx="0"/>
+          </p:cNvCxnSpPr>
+          <p:nvPr/>
+        </p:nvCxnSpPr>
+        <p:spPr>
+          <a:xfrm flipH="1">
+            <a:off x="2759561" y="12550903"/>
+            <a:ext cx="2" cy="405227"/>
+          </a:xfrm>
+          <a:prstGeom prst="straightConnector1">
+            <a:avLst/>
+          </a:prstGeom>
+          <a:ln w="25400">
+            <a:prstDash val="sysDash"/>
+            <a:tailEnd type="triangle" w="lg" len="lg"/>
+          </a:ln>
+        </p:spPr>
+        <p:style>
+          <a:lnRef idx="1">
+            <a:schemeClr val="accent5"/>
+          </a:lnRef>
+          <a:fillRef idx="0">
+            <a:schemeClr val="accent5"/>
+          </a:fillRef>
+          <a:effectRef idx="0">
+            <a:schemeClr val="accent5"/>
+          </a:effectRef>
+          <a:fontRef idx="minor">
+            <a:schemeClr val="tx1"/>
+          </a:fontRef>
+        </p:style>
+      </p:cxnSp>
+      <p:sp>
+        <p:nvSpPr>
+          <p:cNvPr id="90" name="正方形/長方形 89"/>
+          <p:cNvSpPr/>
+          <p:nvPr/>
+        </p:nvSpPr>
+        <p:spPr>
+          <a:xfrm>
+            <a:off x="5268665" y="12956129"/>
+            <a:ext cx="1613787" cy="954107"/>
+          </a:xfrm>
+          <a:prstGeom prst="rect">
+            <a:avLst/>
+          </a:prstGeom>
+          <a:ln>
+            <a:solidFill>
+              <a:schemeClr val="tx1">
+                <a:lumMod val="65000"/>
+                <a:lumOff val="35000"/>
+              </a:schemeClr>
+            </a:solidFill>
+          </a:ln>
+        </p:spPr>
+        <p:style>
+          <a:lnRef idx="2">
+            <a:schemeClr val="dk1"/>
+          </a:lnRef>
+          <a:fillRef idx="1">
+            <a:schemeClr val="lt1"/>
+          </a:fillRef>
+          <a:effectRef idx="0">
+            <a:schemeClr val="dk1"/>
+          </a:effectRef>
+          <a:fontRef idx="minor">
+            <a:schemeClr val="dk1"/>
+          </a:fontRef>
+        </p:style>
+        <p:txBody>
+          <a:bodyPr rot="0" spcFirstLastPara="0" vertOverflow="overflow" horzOverflow="overflow" vert="horz" wrap="square" lIns="91440" tIns="45720" rIns="91440" bIns="45720" numCol="1" spcCol="0" rtlCol="0" fromWordArt="0" anchor="ctr" anchorCtr="0" forceAA="0" compatLnSpc="1">
+            <a:prstTxWarp prst="textNoShape">
+              <a:avLst/>
+            </a:prstTxWarp>
+            <a:spAutoFit/>
+          </a:bodyPr>
+          <a:lstStyle/>
+          <a:p>
+            <a:pPr algn="ctr"/>
+            <a:r>
+              <a:rPr lang="en-US" altLang="ja-JP" sz="2800" dirty="0">
+                <a:solidFill>
+                  <a:schemeClr val="tx1">
+                    <a:lumMod val="65000"/>
+                    <a:lumOff val="35000"/>
+                  </a:schemeClr>
+                </a:solidFill>
+                <a:latin typeface="Arial" panose="020B0604020202020204" pitchFamily="34" charset="0"/>
+                <a:cs typeface="Arial" panose="020B0604020202020204" pitchFamily="34" charset="0"/>
+              </a:rPr>
+              <a:t>k</a:t>
+            </a:r>
+            <a:r>
+              <a:rPr lang="en-US" altLang="ja-JP" sz="2800" dirty="0" smtClean="0">
+                <a:solidFill>
+                  <a:schemeClr val="tx1">
+                    <a:lumMod val="65000"/>
+                    <a:lumOff val="35000"/>
+                  </a:schemeClr>
+                </a:solidFill>
+                <a:latin typeface="Arial" panose="020B0604020202020204" pitchFamily="34" charset="0"/>
+                <a:cs typeface="Arial" panose="020B0604020202020204" pitchFamily="34" charset="0"/>
+              </a:rPr>
+              <a:t>ernel (Sentry)</a:t>
+            </a:r>
+            <a:endParaRPr lang="ja-JP" altLang="en-US" sz="2800" dirty="0">
+              <a:solidFill>
+                <a:schemeClr val="tx1">
+                  <a:lumMod val="65000"/>
+                  <a:lumOff val="35000"/>
+                </a:schemeClr>
+              </a:solidFill>
+              <a:latin typeface="Arial" panose="020B0604020202020204" pitchFamily="34" charset="0"/>
+              <a:cs typeface="Arial" panose="020B0604020202020204" pitchFamily="34" charset="0"/>
+            </a:endParaRPr>
+          </a:p>
+        </p:txBody>
+      </p:sp>
+      <p:cxnSp>
+        <p:nvCxnSpPr>
+          <p:cNvPr id="91" name="直線矢印コネクタ 90"/>
+          <p:cNvCxnSpPr>
+            <a:stCxn id="73" idx="2"/>
+            <a:endCxn id="90" idx="0"/>
+          </p:cNvCxnSpPr>
+          <p:nvPr/>
+        </p:nvCxnSpPr>
+        <p:spPr>
+          <a:xfrm>
+            <a:off x="6071931" y="12120016"/>
+            <a:ext cx="3628" cy="836113"/>
+          </a:xfrm>
+          <a:prstGeom prst="straightConnector1">
+            <a:avLst/>
+          </a:prstGeom>
+          <a:ln w="25400">
+            <a:prstDash val="sysDash"/>
+            <a:tailEnd type="triangle" w="lg" len="lg"/>
+          </a:ln>
+        </p:spPr>
+        <p:style>
+          <a:lnRef idx="1">
+            <a:schemeClr val="accent5"/>
+          </a:lnRef>
+          <a:fillRef idx="0">
+            <a:schemeClr val="accent5"/>
+          </a:fillRef>
+          <a:effectRef idx="0">
+            <a:schemeClr val="accent5"/>
+          </a:effectRef>
+          <a:fontRef idx="minor">
+            <a:schemeClr val="tx1"/>
+          </a:fontRef>
+        </p:style>
+      </p:cxnSp>
+      <p:sp>
+        <p:nvSpPr>
+          <p:cNvPr id="92" name="正方形/長方形 91"/>
+          <p:cNvSpPr/>
+          <p:nvPr/>
+        </p:nvSpPr>
+        <p:spPr>
+          <a:xfrm>
+            <a:off x="5268665" y="14314855"/>
+            <a:ext cx="1613787" cy="954107"/>
+          </a:xfrm>
+          <a:prstGeom prst="rect">
+            <a:avLst/>
+          </a:prstGeom>
+          <a:ln>
+            <a:solidFill>
+              <a:schemeClr val="tx1">
+                <a:lumMod val="65000"/>
+                <a:lumOff val="35000"/>
+              </a:schemeClr>
+            </a:solidFill>
+          </a:ln>
+        </p:spPr>
+        <p:style>
+          <a:lnRef idx="2">
+            <a:schemeClr val="dk1"/>
+          </a:lnRef>
+          <a:fillRef idx="1">
+            <a:schemeClr val="lt1"/>
+          </a:fillRef>
+          <a:effectRef idx="0">
+            <a:schemeClr val="dk1"/>
+          </a:effectRef>
+          <a:fontRef idx="minor">
+            <a:schemeClr val="dk1"/>
+          </a:fontRef>
+        </p:style>
+        <p:txBody>
+          <a:bodyPr rot="0" spcFirstLastPara="0" vertOverflow="overflow" horzOverflow="overflow" vert="horz" wrap="square" lIns="91440" tIns="45720" rIns="91440" bIns="45720" numCol="1" spcCol="0" rtlCol="0" fromWordArt="0" anchor="ctr" anchorCtr="0" forceAA="0" compatLnSpc="1">
+            <a:prstTxWarp prst="textNoShape">
+              <a:avLst/>
+            </a:prstTxWarp>
+            <a:spAutoFit/>
+          </a:bodyPr>
+          <a:lstStyle/>
+          <a:p>
+            <a:pPr algn="ctr"/>
+            <a:r>
+              <a:rPr lang="en-US" altLang="ja-JP" sz="2800" dirty="0" smtClean="0">
+                <a:solidFill>
+                  <a:schemeClr val="tx1">
+                    <a:lumMod val="65000"/>
+                    <a:lumOff val="35000"/>
+                  </a:schemeClr>
+                </a:solidFill>
+                <a:latin typeface="Arial" panose="020B0604020202020204" pitchFamily="34" charset="0"/>
+                <a:cs typeface="Arial" panose="020B0604020202020204" pitchFamily="34" charset="0"/>
+              </a:rPr>
+              <a:t>FS proxy (Gofer)</a:t>
+            </a:r>
+            <a:endParaRPr lang="ja-JP" altLang="en-US" sz="2800" dirty="0">
+              <a:solidFill>
+                <a:schemeClr val="tx1">
+                  <a:lumMod val="65000"/>
+                  <a:lumOff val="35000"/>
+                </a:schemeClr>
+              </a:solidFill>
+              <a:latin typeface="Arial" panose="020B0604020202020204" pitchFamily="34" charset="0"/>
+              <a:cs typeface="Arial" panose="020B0604020202020204" pitchFamily="34" charset="0"/>
+            </a:endParaRPr>
+          </a:p>
+        </p:txBody>
+      </p:sp>
+      <p:cxnSp>
+        <p:nvCxnSpPr>
+          <p:cNvPr id="93" name="直線矢印コネクタ 92"/>
+          <p:cNvCxnSpPr>
+            <a:stCxn id="44" idx="2"/>
+            <a:endCxn id="51" idx="0"/>
+          </p:cNvCxnSpPr>
+          <p:nvPr/>
+        </p:nvCxnSpPr>
+        <p:spPr>
+          <a:xfrm>
+            <a:off x="2759561" y="13910237"/>
+            <a:ext cx="0" cy="389223"/>
+          </a:xfrm>
+          <a:prstGeom prst="straightConnector1">
+            <a:avLst/>
+          </a:prstGeom>
+          <a:ln w="25400">
+            <a:prstDash val="sysDash"/>
+            <a:tailEnd type="triangle" w="lg" len="lg"/>
+          </a:ln>
+        </p:spPr>
+        <p:style>
+          <a:lnRef idx="1">
+            <a:schemeClr val="accent5"/>
+          </a:lnRef>
+          <a:fillRef idx="0">
+            <a:schemeClr val="accent5"/>
+          </a:fillRef>
+          <a:effectRef idx="0">
+            <a:schemeClr val="accent5"/>
+          </a:effectRef>
+          <a:fontRef idx="minor">
+            <a:schemeClr val="tx1"/>
+          </a:fontRef>
+        </p:style>
+      </p:cxnSp>
+      <p:cxnSp>
+        <p:nvCxnSpPr>
+          <p:cNvPr id="94" name="直線矢印コネクタ 93"/>
+          <p:cNvCxnSpPr>
+            <a:stCxn id="90" idx="2"/>
+            <a:endCxn id="92" idx="0"/>
+          </p:cNvCxnSpPr>
+          <p:nvPr/>
+        </p:nvCxnSpPr>
+        <p:spPr>
+          <a:xfrm>
+            <a:off x="6075559" y="13910236"/>
+            <a:ext cx="0" cy="404619"/>
+          </a:xfrm>
+          <a:prstGeom prst="straightConnector1">
+            <a:avLst/>
+          </a:prstGeom>
+          <a:ln w="25400">
+            <a:prstDash val="sysDash"/>
+            <a:tailEnd type="triangle" w="lg" len="lg"/>
+          </a:ln>
+        </p:spPr>
+        <p:style>
+          <a:lnRef idx="1">
+            <a:schemeClr val="accent5"/>
+          </a:lnRef>
+          <a:fillRef idx="0">
+            <a:schemeClr val="accent5"/>
+          </a:fillRef>
+          <a:effectRef idx="0">
+            <a:schemeClr val="accent5"/>
+          </a:effectRef>
+          <a:fontRef idx="minor">
+            <a:schemeClr val="tx1"/>
+          </a:fontRef>
+        </p:style>
+      </p:cxnSp>
+      <p:cxnSp>
+        <p:nvCxnSpPr>
+          <p:cNvPr id="95" name="カギ線コネクタ 94"/>
+          <p:cNvCxnSpPr>
+            <a:stCxn id="65" idx="1"/>
+            <a:endCxn id="51" idx="1"/>
+          </p:cNvCxnSpPr>
+          <p:nvPr/>
+        </p:nvCxnSpPr>
+        <p:spPr>
+          <a:xfrm rot="10800000" flipH="1" flipV="1">
+            <a:off x="1506679" y="9612996"/>
+            <a:ext cx="445987" cy="5163517"/>
+          </a:xfrm>
+          <a:prstGeom prst="bentConnector3">
+            <a:avLst>
+              <a:gd name="adj1" fmla="val -83801"/>
+            </a:avLst>
+          </a:prstGeom>
+          <a:ln w="25400">
+            <a:prstDash val="sysDash"/>
+            <a:tailEnd type="triangle" w="lg" len="lg"/>
+          </a:ln>
+        </p:spPr>
+        <p:style>
+          <a:lnRef idx="1">
+            <a:schemeClr val="accent5"/>
+          </a:lnRef>
+          <a:fillRef idx="0">
+            <a:schemeClr val="accent5"/>
+          </a:fillRef>
+          <a:effectRef idx="0">
+            <a:schemeClr val="accent5"/>
+          </a:effectRef>
+          <a:fontRef idx="minor">
+            <a:schemeClr val="tx1"/>
+          </a:fontRef>
+        </p:style>
+      </p:cxnSp>
+      <p:cxnSp>
+        <p:nvCxnSpPr>
+          <p:cNvPr id="96" name="カギ線コネクタ 95"/>
+          <p:cNvCxnSpPr>
+            <a:stCxn id="78" idx="3"/>
+            <a:endCxn id="90" idx="3"/>
+          </p:cNvCxnSpPr>
+          <p:nvPr/>
+        </p:nvCxnSpPr>
+        <p:spPr>
+          <a:xfrm flipH="1">
+            <a:off x="6882452" y="9612997"/>
+            <a:ext cx="456876" cy="3820186"/>
+          </a:xfrm>
+          <a:prstGeom prst="bentConnector3">
+            <a:avLst>
+              <a:gd name="adj1" fmla="val -91334"/>
+            </a:avLst>
+          </a:prstGeom>
+          <a:ln w="25400">
+            <a:prstDash val="sysDash"/>
+            <a:tailEnd type="triangle" w="lg" len="lg"/>
+          </a:ln>
+        </p:spPr>
+        <p:style>
+          <a:lnRef idx="1">
+            <a:schemeClr val="accent5"/>
+          </a:lnRef>
+          <a:fillRef idx="0">
+            <a:schemeClr val="accent5"/>
+          </a:fillRef>
+          <a:effectRef idx="0">
+            <a:schemeClr val="accent5"/>
+          </a:effectRef>
+          <a:fontRef idx="minor">
+            <a:schemeClr val="tx1"/>
+          </a:fontRef>
+        </p:style>
+      </p:cxnSp>
+      <p:cxnSp>
+        <p:nvCxnSpPr>
+          <p:cNvPr id="97" name="カギ線コネクタ 96"/>
+          <p:cNvCxnSpPr>
+            <a:stCxn id="78" idx="3"/>
+            <a:endCxn id="92" idx="3"/>
+          </p:cNvCxnSpPr>
+          <p:nvPr/>
+        </p:nvCxnSpPr>
+        <p:spPr>
+          <a:xfrm flipH="1">
+            <a:off x="6882452" y="9612997"/>
+            <a:ext cx="456876" cy="5178912"/>
+          </a:xfrm>
+          <a:prstGeom prst="bentConnector3">
+            <a:avLst>
+              <a:gd name="adj1" fmla="val -91334"/>
+            </a:avLst>
+          </a:prstGeom>
+          <a:ln w="25400">
+            <a:prstDash val="sysDash"/>
+            <a:tailEnd type="triangle" w="lg" len="lg"/>
+          </a:ln>
+        </p:spPr>
+        <p:style>
+          <a:lnRef idx="1">
+            <a:schemeClr val="accent5"/>
+          </a:lnRef>
+          <a:fillRef idx="0">
+            <a:schemeClr val="accent5"/>
+          </a:fillRef>
+          <a:effectRef idx="0">
+            <a:schemeClr val="accent5"/>
+          </a:effectRef>
+          <a:fontRef idx="minor">
+            <a:schemeClr val="tx1"/>
+          </a:fontRef>
+        </p:style>
+      </p:cxnSp>
+    </p:spTree>
+    <p:extLst>
+      <p:ext uri="{BB962C8B-B14F-4D97-AF65-F5344CB8AC3E}">
+        <p14:creationId xmlns:p14="http://schemas.microsoft.com/office/powerpoint/2010/main" val="821965230"/>
+      </p:ext>
+    </p:extLst>
+  </p:cSld>
+  <p:clrMapOvr>
+    <a:masterClrMapping/>
+  </p:clrMapOvr>
+</p:sld>
+</file>
+
+<file path=ppt/slides/slide9.xml><?xml version="1.0" encoding="utf-8"?>
+<p:sld xmlns:a="http://schemas.openxmlformats.org/drawingml/2006/main" xmlns:r="http://schemas.openxmlformats.org/officeDocument/2006/relationships" xmlns:p="http://schemas.openxmlformats.org/presentationml/2006/main">
+  <p:cSld>
+    <p:spTree>
+      <p:nvGrpSpPr>
+        <p:cNvPr id="1" name=""/>
+        <p:cNvGrpSpPr/>
+        <p:nvPr/>
+      </p:nvGrpSpPr>
+      <p:grpSpPr>
+        <a:xfrm>
+          <a:off x="0" y="0"/>
+          <a:ext cx="0" cy="0"/>
+          <a:chOff x="0" y="0"/>
+          <a:chExt cx="0" cy="0"/>
+        </a:xfrm>
+      </p:grpSpPr>
       <p:cxnSp>
         <p:nvCxnSpPr>
           <p:cNvPr id="50" name="直線矢印コネクタ 49"/>
@@ -24362,454 +29084,6 @@
     <p:extLst>
       <p:ext uri="{BB962C8B-B14F-4D97-AF65-F5344CB8AC3E}">
         <p14:creationId xmlns:p14="http://schemas.microsoft.com/office/powerpoint/2010/main" val="2357336998"/>
-      </p:ext>
-    </p:extLst>
-  </p:cSld>
-  <p:clrMapOvr>
-    <a:masterClrMapping/>
-  </p:clrMapOvr>
-</p:sld>
-</file>
-
-<file path=ppt/slides/slide9.xml><?xml version="1.0" encoding="utf-8"?>
-<p:sld xmlns:a="http://schemas.openxmlformats.org/drawingml/2006/main" xmlns:r="http://schemas.openxmlformats.org/officeDocument/2006/relationships" xmlns:p="http://schemas.openxmlformats.org/presentationml/2006/main">
-  <p:cSld>
-    <p:spTree>
-      <p:nvGrpSpPr>
-        <p:cNvPr id="1" name=""/>
-        <p:cNvGrpSpPr/>
-        <p:nvPr/>
-      </p:nvGrpSpPr>
-      <p:grpSpPr>
-        <a:xfrm>
-          <a:off x="0" y="0"/>
-          <a:ext cx="0" cy="0"/>
-          <a:chOff x="0" y="0"/>
-          <a:chExt cx="0" cy="0"/>
-        </a:xfrm>
-      </p:grpSpPr>
-      <p:pic>
-        <p:nvPicPr>
-          <p:cNvPr id="18" name="Picture 3" descr="C:\Users\kaitoy\Desktop\bin\pleiades\workspace\blog\static\images\docker.png"/>
-          <p:cNvPicPr>
-            <a:picLocks noChangeAspect="1" noChangeArrowheads="1"/>
-          </p:cNvPicPr>
-          <p:nvPr/>
-        </p:nvPicPr>
-        <p:blipFill>
-          <a:blip r:embed="rId2">
-            <a:extLst>
-              <a:ext uri="{28A0092B-C50C-407E-A947-70E740481C1C}">
-                <a14:useLocalDpi xmlns:a14="http://schemas.microsoft.com/office/drawing/2010/main" val="0"/>
-              </a:ext>
-            </a:extLst>
-          </a:blip>
-          <a:srcRect/>
-          <a:stretch>
-            <a:fillRect/>
-          </a:stretch>
-        </p:blipFill>
-        <p:spPr bwMode="auto">
-          <a:xfrm>
-            <a:off x="3542400" y="2314353"/>
-            <a:ext cx="1905001" cy="1576388"/>
-          </a:xfrm>
-          <a:prstGeom prst="rect">
-            <a:avLst/>
-          </a:prstGeom>
-          <a:noFill/>
-          <a:extLst>
-            <a:ext uri="{909E8E84-426E-40DD-AFC4-6F175D3DCCD1}">
-              <a14:hiddenFill xmlns:a14="http://schemas.microsoft.com/office/drawing/2010/main">
-                <a:solidFill>
-                  <a:srgbClr val="FFFFFF"/>
-                </a:solidFill>
-              </a14:hiddenFill>
-            </a:ext>
-          </a:extLst>
-        </p:spPr>
-      </p:pic>
-      <p:cxnSp>
-        <p:nvCxnSpPr>
-          <p:cNvPr id="25" name="直線矢印コネクタ 24"/>
-          <p:cNvCxnSpPr>
-            <a:stCxn id="18" idx="2"/>
-            <a:endCxn id="16" idx="0"/>
-          </p:cNvCxnSpPr>
-          <p:nvPr/>
-        </p:nvCxnSpPr>
-        <p:spPr>
-          <a:xfrm>
-            <a:off x="4494901" y="3890741"/>
-            <a:ext cx="0" cy="319263"/>
-          </a:xfrm>
-          <a:prstGeom prst="straightConnector1">
-            <a:avLst/>
-          </a:prstGeom>
-          <a:ln w="25400">
-            <a:tailEnd type="triangle" w="lg" len="lg"/>
-          </a:ln>
-        </p:spPr>
-        <p:style>
-          <a:lnRef idx="1">
-            <a:schemeClr val="accent5"/>
-          </a:lnRef>
-          <a:fillRef idx="0">
-            <a:schemeClr val="accent5"/>
-          </a:fillRef>
-          <a:effectRef idx="0">
-            <a:schemeClr val="accent5"/>
-          </a:effectRef>
-          <a:fontRef idx="minor">
-            <a:schemeClr val="tx1"/>
-          </a:fontRef>
-        </p:style>
-      </p:cxnSp>
-      <p:grpSp>
-        <p:nvGrpSpPr>
-          <p:cNvPr id="30" name="グループ化 29"/>
-          <p:cNvGrpSpPr/>
-          <p:nvPr/>
-        </p:nvGrpSpPr>
-        <p:grpSpPr>
-          <a:xfrm>
-            <a:off x="2752486" y="5543597"/>
-            <a:ext cx="1665841" cy="977483"/>
-            <a:chOff x="707393" y="6331953"/>
-            <a:chExt cx="1665841" cy="977483"/>
-          </a:xfrm>
-        </p:grpSpPr>
-        <p:sp>
-          <p:nvSpPr>
-            <p:cNvPr id="31" name="直方体 30"/>
-            <p:cNvSpPr/>
-            <p:nvPr/>
-          </p:nvSpPr>
-          <p:spPr>
-            <a:xfrm>
-              <a:off x="1324313" y="6331953"/>
-              <a:ext cx="432000" cy="432048"/>
-            </a:xfrm>
-            <a:prstGeom prst="cube">
-              <a:avLst/>
-            </a:prstGeom>
-          </p:spPr>
-          <p:style>
-            <a:lnRef idx="2">
-              <a:schemeClr val="accent5"/>
-            </a:lnRef>
-            <a:fillRef idx="1">
-              <a:schemeClr val="lt1"/>
-            </a:fillRef>
-            <a:effectRef idx="0">
-              <a:schemeClr val="accent5"/>
-            </a:effectRef>
-            <a:fontRef idx="minor">
-              <a:schemeClr val="dk1"/>
-            </a:fontRef>
-          </p:style>
-          <p:txBody>
-            <a:bodyPr rtlCol="0" anchor="ctr"/>
-            <a:lstStyle/>
-            <a:p>
-              <a:pPr algn="ctr"/>
-              <a:endParaRPr kumimoji="1" lang="ja-JP" altLang="en-US"/>
-            </a:p>
-          </p:txBody>
-        </p:sp>
-        <p:sp>
-          <p:nvSpPr>
-            <p:cNvPr id="32" name="テキスト ボックス 31"/>
-            <p:cNvSpPr txBox="1"/>
-            <p:nvPr/>
-          </p:nvSpPr>
-          <p:spPr>
-            <a:xfrm>
-              <a:off x="707393" y="6786216"/>
-              <a:ext cx="1665841" cy="523220"/>
-            </a:xfrm>
-            <a:prstGeom prst="rect">
-              <a:avLst/>
-            </a:prstGeom>
-            <a:noFill/>
-          </p:spPr>
-          <p:txBody>
-            <a:bodyPr wrap="none" rtlCol="0">
-              <a:spAutoFit/>
-            </a:bodyPr>
-            <a:lstStyle/>
-            <a:p>
-              <a:pPr algn="ctr"/>
-              <a:r>
-                <a:rPr lang="en-US" altLang="ja-JP" sz="2800" dirty="0" smtClean="0">
-                  <a:solidFill>
-                    <a:schemeClr val="tx1">
-                      <a:lumMod val="75000"/>
-                      <a:lumOff val="25000"/>
-                    </a:schemeClr>
-                  </a:solidFill>
-                  <a:latin typeface="Arial" panose="020B0604020202020204" pitchFamily="34" charset="0"/>
-                  <a:cs typeface="Arial" panose="020B0604020202020204" pitchFamily="34" charset="0"/>
-                </a:rPr>
-                <a:t>container</a:t>
-              </a:r>
-              <a:endParaRPr kumimoji="1" lang="ja-JP" altLang="en-US" sz="2800" dirty="0">
-                <a:solidFill>
-                  <a:schemeClr val="tx1">
-                    <a:lumMod val="75000"/>
-                    <a:lumOff val="25000"/>
-                  </a:schemeClr>
-                </a:solidFill>
-                <a:latin typeface="Arial" panose="020B0604020202020204" pitchFamily="34" charset="0"/>
-                <a:cs typeface="Arial" panose="020B0604020202020204" pitchFamily="34" charset="0"/>
-              </a:endParaRPr>
-            </a:p>
-          </p:txBody>
-        </p:sp>
-      </p:grpSp>
-      <p:grpSp>
-        <p:nvGrpSpPr>
-          <p:cNvPr id="33" name="グループ化 32"/>
-          <p:cNvGrpSpPr/>
-          <p:nvPr/>
-        </p:nvGrpSpPr>
-        <p:grpSpPr>
-          <a:xfrm>
-            <a:off x="4634351" y="5543597"/>
-            <a:ext cx="1665841" cy="977483"/>
-            <a:chOff x="707393" y="6331953"/>
-            <a:chExt cx="1665841" cy="977483"/>
-          </a:xfrm>
-        </p:grpSpPr>
-        <p:sp>
-          <p:nvSpPr>
-            <p:cNvPr id="34" name="直方体 33"/>
-            <p:cNvSpPr/>
-            <p:nvPr/>
-          </p:nvSpPr>
-          <p:spPr>
-            <a:xfrm>
-              <a:off x="1324313" y="6331953"/>
-              <a:ext cx="432000" cy="432048"/>
-            </a:xfrm>
-            <a:prstGeom prst="cube">
-              <a:avLst/>
-            </a:prstGeom>
-          </p:spPr>
-          <p:style>
-            <a:lnRef idx="2">
-              <a:schemeClr val="accent5"/>
-            </a:lnRef>
-            <a:fillRef idx="1">
-              <a:schemeClr val="lt1"/>
-            </a:fillRef>
-            <a:effectRef idx="0">
-              <a:schemeClr val="accent5"/>
-            </a:effectRef>
-            <a:fontRef idx="minor">
-              <a:schemeClr val="dk1"/>
-            </a:fontRef>
-          </p:style>
-          <p:txBody>
-            <a:bodyPr rtlCol="0" anchor="ctr"/>
-            <a:lstStyle/>
-            <a:p>
-              <a:pPr algn="ctr"/>
-              <a:endParaRPr kumimoji="1" lang="ja-JP" altLang="en-US"/>
-            </a:p>
-          </p:txBody>
-        </p:sp>
-        <p:sp>
-          <p:nvSpPr>
-            <p:cNvPr id="35" name="テキスト ボックス 34"/>
-            <p:cNvSpPr txBox="1"/>
-            <p:nvPr/>
-          </p:nvSpPr>
-          <p:spPr>
-            <a:xfrm>
-              <a:off x="707393" y="6786216"/>
-              <a:ext cx="1665841" cy="523220"/>
-            </a:xfrm>
-            <a:prstGeom prst="rect">
-              <a:avLst/>
-            </a:prstGeom>
-            <a:noFill/>
-          </p:spPr>
-          <p:txBody>
-            <a:bodyPr wrap="none" rtlCol="0">
-              <a:spAutoFit/>
-            </a:bodyPr>
-            <a:lstStyle/>
-            <a:p>
-              <a:pPr algn="ctr"/>
-              <a:r>
-                <a:rPr lang="en-US" altLang="ja-JP" sz="2800" dirty="0" smtClean="0">
-                  <a:solidFill>
-                    <a:schemeClr val="tx1">
-                      <a:lumMod val="75000"/>
-                      <a:lumOff val="25000"/>
-                    </a:schemeClr>
-                  </a:solidFill>
-                  <a:latin typeface="Arial" panose="020B0604020202020204" pitchFamily="34" charset="0"/>
-                  <a:cs typeface="Arial" panose="020B0604020202020204" pitchFamily="34" charset="0"/>
-                </a:rPr>
-                <a:t>container</a:t>
-              </a:r>
-              <a:endParaRPr kumimoji="1" lang="ja-JP" altLang="en-US" sz="2800" dirty="0">
-                <a:solidFill>
-                  <a:schemeClr val="tx1">
-                    <a:lumMod val="75000"/>
-                    <a:lumOff val="25000"/>
-                  </a:schemeClr>
-                </a:solidFill>
-                <a:latin typeface="Arial" panose="020B0604020202020204" pitchFamily="34" charset="0"/>
-                <a:cs typeface="Arial" panose="020B0604020202020204" pitchFamily="34" charset="0"/>
-              </a:endParaRPr>
-            </a:p>
-          </p:txBody>
-        </p:sp>
-      </p:grpSp>
-      <p:cxnSp>
-        <p:nvCxnSpPr>
-          <p:cNvPr id="42" name="カギ線コネクタ 41"/>
-          <p:cNvCxnSpPr>
-            <a:endCxn id="31" idx="0"/>
-          </p:cNvCxnSpPr>
-          <p:nvPr/>
-        </p:nvCxnSpPr>
-        <p:spPr>
-          <a:xfrm rot="5400000">
-            <a:off x="3668012" y="4719134"/>
-            <a:ext cx="795857" cy="853068"/>
-          </a:xfrm>
-          <a:prstGeom prst="bentConnector3">
-            <a:avLst>
-              <a:gd name="adj1" fmla="val 29939"/>
-            </a:avLst>
-          </a:prstGeom>
-          <a:ln w="25400">
-            <a:tailEnd type="triangle" w="lg" len="lg"/>
-          </a:ln>
-        </p:spPr>
-        <p:style>
-          <a:lnRef idx="1">
-            <a:schemeClr val="accent5"/>
-          </a:lnRef>
-          <a:fillRef idx="0">
-            <a:schemeClr val="accent5"/>
-          </a:fillRef>
-          <a:effectRef idx="0">
-            <a:schemeClr val="accent5"/>
-          </a:effectRef>
-          <a:fontRef idx="minor">
-            <a:schemeClr val="tx1"/>
-          </a:fontRef>
-        </p:style>
-      </p:cxnSp>
-      <p:cxnSp>
-        <p:nvCxnSpPr>
-          <p:cNvPr id="46" name="カギ線コネクタ 45"/>
-          <p:cNvCxnSpPr>
-            <a:endCxn id="34" idx="0"/>
-          </p:cNvCxnSpPr>
-          <p:nvPr/>
-        </p:nvCxnSpPr>
-        <p:spPr>
-          <a:xfrm rot="16200000" flipH="1">
-            <a:off x="4608944" y="4631269"/>
-            <a:ext cx="795857" cy="1028797"/>
-          </a:xfrm>
-          <a:prstGeom prst="bentConnector3">
-            <a:avLst>
-              <a:gd name="adj1" fmla="val 29939"/>
-            </a:avLst>
-          </a:prstGeom>
-          <a:ln w="25400">
-            <a:tailEnd type="triangle" w="lg" len="lg"/>
-          </a:ln>
-        </p:spPr>
-        <p:style>
-          <a:lnRef idx="1">
-            <a:schemeClr val="accent5"/>
-          </a:lnRef>
-          <a:fillRef idx="0">
-            <a:schemeClr val="accent5"/>
-          </a:fillRef>
-          <a:effectRef idx="0">
-            <a:schemeClr val="accent5"/>
-          </a:effectRef>
-          <a:fontRef idx="minor">
-            <a:schemeClr val="tx1"/>
-          </a:fontRef>
-        </p:style>
-      </p:cxnSp>
-      <p:sp>
-        <p:nvSpPr>
-          <p:cNvPr id="16" name="正方形/長方形 15"/>
-          <p:cNvSpPr/>
-          <p:nvPr/>
-        </p:nvSpPr>
-        <p:spPr>
-          <a:xfrm>
-            <a:off x="4032000" y="4210004"/>
-            <a:ext cx="942887" cy="523220"/>
-          </a:xfrm>
-          <a:prstGeom prst="rect">
-            <a:avLst/>
-          </a:prstGeom>
-        </p:spPr>
-        <p:style>
-          <a:lnRef idx="2">
-            <a:schemeClr val="accent5"/>
-          </a:lnRef>
-          <a:fillRef idx="1">
-            <a:schemeClr val="lt1"/>
-          </a:fillRef>
-          <a:effectRef idx="0">
-            <a:schemeClr val="accent5"/>
-          </a:effectRef>
-          <a:fontRef idx="minor">
-            <a:schemeClr val="dk1"/>
-          </a:fontRef>
-        </p:style>
-        <p:txBody>
-          <a:bodyPr rot="0" spcFirstLastPara="0" vertOverflow="overflow" horzOverflow="overflow" vert="horz" wrap="none" lIns="91440" tIns="45720" rIns="91440" bIns="45720" numCol="1" spcCol="0" rtlCol="0" fromWordArt="0" anchor="ctr" anchorCtr="0" forceAA="0" compatLnSpc="1">
-            <a:prstTxWarp prst="textNoShape">
-              <a:avLst/>
-            </a:prstTxWarp>
-            <a:spAutoFit/>
-          </a:bodyPr>
-          <a:lstStyle/>
-          <a:p>
-            <a:pPr algn="ctr"/>
-            <a:r>
-              <a:rPr lang="en-US" altLang="ja-JP" sz="2800" dirty="0" smtClean="0">
-                <a:solidFill>
-                  <a:schemeClr val="accent1">
-                    <a:lumMod val="75000"/>
-                  </a:schemeClr>
-                </a:solidFill>
-                <a:latin typeface="Arial" panose="020B0604020202020204" pitchFamily="34" charset="0"/>
-                <a:cs typeface="Arial" panose="020B0604020202020204" pitchFamily="34" charset="0"/>
-              </a:rPr>
-              <a:t>HCS</a:t>
-            </a:r>
-            <a:endParaRPr lang="ja-JP" altLang="en-US" sz="2800" dirty="0">
-              <a:solidFill>
-                <a:schemeClr val="accent1">
-                  <a:lumMod val="75000"/>
-                </a:schemeClr>
-              </a:solidFill>
-              <a:latin typeface="Arial" panose="020B0604020202020204" pitchFamily="34" charset="0"/>
-              <a:cs typeface="Arial" panose="020B0604020202020204" pitchFamily="34" charset="0"/>
-            </a:endParaRPr>
-          </a:p>
-        </p:txBody>
-      </p:sp>
-    </p:spTree>
-    <p:extLst>
-      <p:ext uri="{BB962C8B-B14F-4D97-AF65-F5344CB8AC3E}">
-        <p14:creationId xmlns:p14="http://schemas.microsoft.com/office/powerpoint/2010/main" val="688454399"/>
       </p:ext>
     </p:extLst>
   </p:cSld>

--- a/static/images/k8s-ecosystem-container-runtimes/container-runtime.pptx
+++ b/static/images/k8s-ecosystem-container-runtimes/container-runtime.pptx
@@ -12,16 +12,17 @@
     <p:sldId id="261" r:id="rId6"/>
     <p:sldId id="262" r:id="rId7"/>
     <p:sldId id="263" r:id="rId8"/>
-    <p:sldId id="275" r:id="rId9"/>
-    <p:sldId id="271" r:id="rId10"/>
-    <p:sldId id="264" r:id="rId11"/>
-    <p:sldId id="265" r:id="rId12"/>
-    <p:sldId id="267" r:id="rId13"/>
-    <p:sldId id="274" r:id="rId14"/>
-    <p:sldId id="268" r:id="rId15"/>
-    <p:sldId id="269" r:id="rId16"/>
-    <p:sldId id="270" r:id="rId17"/>
-    <p:sldId id="272" r:id="rId18"/>
+    <p:sldId id="276" r:id="rId9"/>
+    <p:sldId id="275" r:id="rId10"/>
+    <p:sldId id="271" r:id="rId11"/>
+    <p:sldId id="264" r:id="rId12"/>
+    <p:sldId id="265" r:id="rId13"/>
+    <p:sldId id="267" r:id="rId14"/>
+    <p:sldId id="274" r:id="rId15"/>
+    <p:sldId id="268" r:id="rId16"/>
+    <p:sldId id="269" r:id="rId17"/>
+    <p:sldId id="270" r:id="rId18"/>
+    <p:sldId id="272" r:id="rId19"/>
   </p:sldIdLst>
   <p:sldSz cx="9144000" cy="51206400"/>
   <p:notesSz cx="6858000" cy="9144000"/>
@@ -304,7 +305,7 @@
           <a:p>
             <a:fld id="{1C257373-2D96-432C-8559-9F0547ADC7C2}" type="datetimeFigureOut">
               <a:rPr kumimoji="1" lang="ja-JP" altLang="en-US" smtClean="0"/>
-              <a:t>2019/7/6</a:t>
+              <a:t>2019/7/7</a:t>
             </a:fld>
             <a:endParaRPr kumimoji="1" lang="ja-JP" altLang="en-US"/>
           </a:p>
@@ -506,7 +507,7 @@
           <a:p>
             <a:fld id="{1C257373-2D96-432C-8559-9F0547ADC7C2}" type="datetimeFigureOut">
               <a:rPr kumimoji="1" lang="ja-JP" altLang="en-US" smtClean="0"/>
-              <a:t>2019/7/6</a:t>
+              <a:t>2019/7/7</a:t>
             </a:fld>
             <a:endParaRPr kumimoji="1" lang="ja-JP" altLang="en-US"/>
           </a:p>
@@ -718,7 +719,7 @@
           <a:p>
             <a:fld id="{1C257373-2D96-432C-8559-9F0547ADC7C2}" type="datetimeFigureOut">
               <a:rPr kumimoji="1" lang="ja-JP" altLang="en-US" smtClean="0"/>
-              <a:t>2019/7/6</a:t>
+              <a:t>2019/7/7</a:t>
             </a:fld>
             <a:endParaRPr kumimoji="1" lang="ja-JP" altLang="en-US"/>
           </a:p>
@@ -920,7 +921,7 @@
           <a:p>
             <a:fld id="{1C257373-2D96-432C-8559-9F0547ADC7C2}" type="datetimeFigureOut">
               <a:rPr kumimoji="1" lang="ja-JP" altLang="en-US" smtClean="0"/>
-              <a:t>2019/7/6</a:t>
+              <a:t>2019/7/7</a:t>
             </a:fld>
             <a:endParaRPr kumimoji="1" lang="ja-JP" altLang="en-US"/>
           </a:p>
@@ -1166,7 +1167,7 @@
           <a:p>
             <a:fld id="{1C257373-2D96-432C-8559-9F0547ADC7C2}" type="datetimeFigureOut">
               <a:rPr kumimoji="1" lang="ja-JP" altLang="en-US" smtClean="0"/>
-              <a:t>2019/7/6</a:t>
+              <a:t>2019/7/7</a:t>
             </a:fld>
             <a:endParaRPr kumimoji="1" lang="ja-JP" altLang="en-US"/>
           </a:p>
@@ -1518,7 +1519,7 @@
           <a:p>
             <a:fld id="{1C257373-2D96-432C-8559-9F0547ADC7C2}" type="datetimeFigureOut">
               <a:rPr kumimoji="1" lang="ja-JP" altLang="en-US" smtClean="0"/>
-              <a:t>2019/7/6</a:t>
+              <a:t>2019/7/7</a:t>
             </a:fld>
             <a:endParaRPr kumimoji="1" lang="ja-JP" altLang="en-US"/>
           </a:p>
@@ -2004,7 +2005,7 @@
           <a:p>
             <a:fld id="{1C257373-2D96-432C-8559-9F0547ADC7C2}" type="datetimeFigureOut">
               <a:rPr kumimoji="1" lang="ja-JP" altLang="en-US" smtClean="0"/>
-              <a:t>2019/7/6</a:t>
+              <a:t>2019/7/7</a:t>
             </a:fld>
             <a:endParaRPr kumimoji="1" lang="ja-JP" altLang="en-US"/>
           </a:p>
@@ -2122,7 +2123,7 @@
           <a:p>
             <a:fld id="{1C257373-2D96-432C-8559-9F0547ADC7C2}" type="datetimeFigureOut">
               <a:rPr kumimoji="1" lang="ja-JP" altLang="en-US" smtClean="0"/>
-              <a:t>2019/7/6</a:t>
+              <a:t>2019/7/7</a:t>
             </a:fld>
             <a:endParaRPr kumimoji="1" lang="ja-JP" altLang="en-US"/>
           </a:p>
@@ -2217,7 +2218,7 @@
           <a:p>
             <a:fld id="{1C257373-2D96-432C-8559-9F0547ADC7C2}" type="datetimeFigureOut">
               <a:rPr kumimoji="1" lang="ja-JP" altLang="en-US" smtClean="0"/>
-              <a:t>2019/7/6</a:t>
+              <a:t>2019/7/7</a:t>
             </a:fld>
             <a:endParaRPr kumimoji="1" lang="ja-JP" altLang="en-US"/>
           </a:p>
@@ -2526,7 +2527,7 @@
           <a:p>
             <a:fld id="{1C257373-2D96-432C-8559-9F0547ADC7C2}" type="datetimeFigureOut">
               <a:rPr kumimoji="1" lang="ja-JP" altLang="en-US" smtClean="0"/>
-              <a:t>2019/7/6</a:t>
+              <a:t>2019/7/7</a:t>
             </a:fld>
             <a:endParaRPr kumimoji="1" lang="ja-JP" altLang="en-US"/>
           </a:p>
@@ -2779,7 +2780,7 @@
           <a:p>
             <a:fld id="{1C257373-2D96-432C-8559-9F0547ADC7C2}" type="datetimeFigureOut">
               <a:rPr kumimoji="1" lang="ja-JP" altLang="en-US" smtClean="0"/>
-              <a:t>2019/7/6</a:t>
+              <a:t>2019/7/7</a:t>
             </a:fld>
             <a:endParaRPr kumimoji="1" lang="ja-JP" altLang="en-US"/>
           </a:p>
@@ -3024,7 +3025,7 @@
           <a:p>
             <a:fld id="{1C257373-2D96-432C-8559-9F0547ADC7C2}" type="datetimeFigureOut">
               <a:rPr kumimoji="1" lang="ja-JP" altLang="en-US" smtClean="0"/>
-              <a:t>2019/7/6</a:t>
+              <a:t>2019/7/7</a:t>
             </a:fld>
             <a:endParaRPr kumimoji="1" lang="ja-JP" altLang="en-US"/>
           </a:p>
@@ -3966,6 +3967,1441 @@
           <a:chExt cx="0" cy="0"/>
         </a:xfrm>
       </p:grpSpPr>
+      <p:cxnSp>
+        <p:nvCxnSpPr>
+          <p:cNvPr id="50" name="直線矢印コネクタ 49"/>
+          <p:cNvCxnSpPr/>
+          <p:nvPr/>
+        </p:nvCxnSpPr>
+        <p:spPr>
+          <a:xfrm>
+            <a:off x="4449600" y="5365245"/>
+            <a:ext cx="0" cy="666162"/>
+          </a:xfrm>
+          <a:prstGeom prst="straightConnector1">
+            <a:avLst/>
+          </a:prstGeom>
+          <a:ln w="25400">
+            <a:tailEnd type="triangle" w="lg" len="lg"/>
+          </a:ln>
+        </p:spPr>
+        <p:style>
+          <a:lnRef idx="1">
+            <a:schemeClr val="accent5"/>
+          </a:lnRef>
+          <a:fillRef idx="0">
+            <a:schemeClr val="accent5"/>
+          </a:fillRef>
+          <a:effectRef idx="0">
+            <a:schemeClr val="accent5"/>
+          </a:effectRef>
+          <a:fontRef idx="minor">
+            <a:schemeClr val="tx1"/>
+          </a:fontRef>
+        </p:style>
+      </p:cxnSp>
+      <p:grpSp>
+        <p:nvGrpSpPr>
+          <p:cNvPr id="52" name="グループ化 51"/>
+          <p:cNvGrpSpPr/>
+          <p:nvPr/>
+        </p:nvGrpSpPr>
+        <p:grpSpPr>
+          <a:xfrm>
+            <a:off x="3012385" y="6016893"/>
+            <a:ext cx="2862459" cy="1106287"/>
+            <a:chOff x="3126959" y="2262359"/>
+            <a:chExt cx="2862459" cy="1106287"/>
+          </a:xfrm>
+        </p:grpSpPr>
+        <p:sp>
+          <p:nvSpPr>
+            <p:cNvPr id="53" name="角丸四角形 52"/>
+            <p:cNvSpPr/>
+            <p:nvPr/>
+          </p:nvSpPr>
+          <p:spPr>
+            <a:xfrm>
+              <a:off x="3141203" y="2276873"/>
+              <a:ext cx="2848215" cy="1091773"/>
+            </a:xfrm>
+            <a:prstGeom prst="roundRect">
+              <a:avLst>
+                <a:gd name="adj" fmla="val 10811"/>
+              </a:avLst>
+            </a:prstGeom>
+            <a:noFill/>
+            <a:ln>
+              <a:prstDash val="dash"/>
+            </a:ln>
+          </p:spPr>
+          <p:style>
+            <a:lnRef idx="2">
+              <a:schemeClr val="accent1"/>
+            </a:lnRef>
+            <a:fillRef idx="1">
+              <a:schemeClr val="lt1"/>
+            </a:fillRef>
+            <a:effectRef idx="0">
+              <a:schemeClr val="accent1"/>
+            </a:effectRef>
+            <a:fontRef idx="minor">
+              <a:schemeClr val="dk1"/>
+            </a:fontRef>
+          </p:style>
+          <p:txBody>
+            <a:bodyPr rtlCol="0" anchor="ctr"/>
+            <a:lstStyle/>
+            <a:p>
+              <a:pPr algn="ctr"/>
+              <a:endParaRPr kumimoji="1" lang="ja-JP" altLang="en-US"/>
+            </a:p>
+          </p:txBody>
+        </p:sp>
+        <p:sp>
+          <p:nvSpPr>
+            <p:cNvPr id="54" name="対角する 2 つの角を丸めた四角形 53"/>
+            <p:cNvSpPr/>
+            <p:nvPr/>
+          </p:nvSpPr>
+          <p:spPr>
+            <a:xfrm>
+              <a:off x="3126959" y="2262359"/>
+              <a:ext cx="936000" cy="292627"/>
+            </a:xfrm>
+            <a:prstGeom prst="round2DiagRect">
+              <a:avLst/>
+            </a:prstGeom>
+            <a:effectLst/>
+          </p:spPr>
+          <p:style>
+            <a:lnRef idx="1">
+              <a:schemeClr val="accent1"/>
+            </a:lnRef>
+            <a:fillRef idx="2">
+              <a:schemeClr val="accent1"/>
+            </a:fillRef>
+            <a:effectRef idx="1">
+              <a:schemeClr val="accent1"/>
+            </a:effectRef>
+            <a:fontRef idx="minor">
+              <a:schemeClr val="dk1"/>
+            </a:fontRef>
+          </p:style>
+          <p:txBody>
+            <a:bodyPr wrap="none" lIns="36000" tIns="36000" rIns="36000" bIns="36000" rtlCol="0" anchor="ctr"/>
+            <a:lstStyle/>
+            <a:p>
+              <a:pPr algn="ctr"/>
+              <a:r>
+                <a:rPr kumimoji="1" lang="en-US" altLang="ja-JP" dirty="0" smtClean="0">
+                  <a:solidFill>
+                    <a:schemeClr val="tx1">
+                      <a:lumMod val="75000"/>
+                      <a:lumOff val="25000"/>
+                    </a:schemeClr>
+                  </a:solidFill>
+                </a:rPr>
+                <a:t>CRI </a:t>
+              </a:r>
+              <a:r>
+                <a:rPr kumimoji="1" lang="en-US" altLang="ja-JP" dirty="0" err="1" smtClean="0">
+                  <a:solidFill>
+                    <a:schemeClr val="tx1">
+                      <a:lumMod val="75000"/>
+                      <a:lumOff val="25000"/>
+                    </a:schemeClr>
+                  </a:solidFill>
+                </a:rPr>
+                <a:t>impl</a:t>
+              </a:r>
+              <a:endParaRPr kumimoji="1" lang="ja-JP" altLang="en-US" dirty="0">
+                <a:solidFill>
+                  <a:schemeClr val="tx1">
+                    <a:lumMod val="75000"/>
+                    <a:lumOff val="25000"/>
+                  </a:schemeClr>
+                </a:solidFill>
+              </a:endParaRPr>
+            </a:p>
+          </p:txBody>
+        </p:sp>
+      </p:grpSp>
+      <p:pic>
+        <p:nvPicPr>
+          <p:cNvPr id="56" name="Picture 2" descr="C:\Users\kaitoy\Desktop\bin\pleiades\workspace\blog\static\images\kubernetes.png"/>
+          <p:cNvPicPr>
+            <a:picLocks noChangeAspect="1" noChangeArrowheads="1"/>
+          </p:cNvPicPr>
+          <p:nvPr/>
+        </p:nvPicPr>
+        <p:blipFill>
+          <a:blip r:embed="rId2" cstate="print">
+            <a:extLst>
+              <a:ext uri="{28A0092B-C50C-407E-A947-70E740481C1C}">
+                <a14:useLocalDpi xmlns:a14="http://schemas.microsoft.com/office/drawing/2010/main" val="0"/>
+              </a:ext>
+            </a:extLst>
+          </a:blip>
+          <a:srcRect/>
+          <a:stretch>
+            <a:fillRect/>
+          </a:stretch>
+        </p:blipFill>
+        <p:spPr bwMode="auto">
+          <a:xfrm>
+            <a:off x="3471506" y="3770710"/>
+            <a:ext cx="1944216" cy="1454226"/>
+          </a:xfrm>
+          <a:prstGeom prst="rect">
+            <a:avLst/>
+          </a:prstGeom>
+          <a:noFill/>
+          <a:extLst>
+            <a:ext uri="{909E8E84-426E-40DD-AFC4-6F175D3DCCD1}">
+              <a14:hiddenFill xmlns:a14="http://schemas.microsoft.com/office/drawing/2010/main">
+                <a:solidFill>
+                  <a:srgbClr val="FFFFFF"/>
+                </a:solidFill>
+              </a14:hiddenFill>
+            </a:ext>
+          </a:extLst>
+        </p:spPr>
+      </p:pic>
+      <p:grpSp>
+        <p:nvGrpSpPr>
+          <p:cNvPr id="58" name="グループ化 57"/>
+          <p:cNvGrpSpPr/>
+          <p:nvPr/>
+        </p:nvGrpSpPr>
+        <p:grpSpPr>
+          <a:xfrm>
+            <a:off x="1926642" y="11142533"/>
+            <a:ext cx="1665841" cy="1408370"/>
+            <a:chOff x="707393" y="6331953"/>
+            <a:chExt cx="1665841" cy="1408370"/>
+          </a:xfrm>
+        </p:grpSpPr>
+        <p:sp>
+          <p:nvSpPr>
+            <p:cNvPr id="59" name="直方体 58"/>
+            <p:cNvSpPr/>
+            <p:nvPr/>
+          </p:nvSpPr>
+          <p:spPr>
+            <a:xfrm>
+              <a:off x="1324313" y="6331953"/>
+              <a:ext cx="432000" cy="432048"/>
+            </a:xfrm>
+            <a:prstGeom prst="cube">
+              <a:avLst/>
+            </a:prstGeom>
+          </p:spPr>
+          <p:style>
+            <a:lnRef idx="2">
+              <a:schemeClr val="accent5"/>
+            </a:lnRef>
+            <a:fillRef idx="1">
+              <a:schemeClr val="lt1"/>
+            </a:fillRef>
+            <a:effectRef idx="0">
+              <a:schemeClr val="accent5"/>
+            </a:effectRef>
+            <a:fontRef idx="minor">
+              <a:schemeClr val="dk1"/>
+            </a:fontRef>
+          </p:style>
+          <p:txBody>
+            <a:bodyPr rtlCol="0" anchor="ctr"/>
+            <a:lstStyle/>
+            <a:p>
+              <a:pPr algn="ctr"/>
+              <a:endParaRPr kumimoji="1" lang="ja-JP" altLang="en-US"/>
+            </a:p>
+          </p:txBody>
+        </p:sp>
+        <p:sp>
+          <p:nvSpPr>
+            <p:cNvPr id="60" name="テキスト ボックス 59"/>
+            <p:cNvSpPr txBox="1"/>
+            <p:nvPr/>
+          </p:nvSpPr>
+          <p:spPr>
+            <a:xfrm>
+              <a:off x="707393" y="6786216"/>
+              <a:ext cx="1665841" cy="954107"/>
+            </a:xfrm>
+            <a:prstGeom prst="rect">
+              <a:avLst/>
+            </a:prstGeom>
+            <a:noFill/>
+          </p:spPr>
+          <p:txBody>
+            <a:bodyPr wrap="none" rtlCol="0">
+              <a:spAutoFit/>
+            </a:bodyPr>
+            <a:lstStyle/>
+            <a:p>
+              <a:pPr algn="ctr"/>
+              <a:r>
+                <a:rPr lang="en-US" altLang="ja-JP" sz="2800" dirty="0" smtClean="0">
+                  <a:solidFill>
+                    <a:schemeClr val="tx1">
+                      <a:lumMod val="75000"/>
+                      <a:lumOff val="25000"/>
+                    </a:schemeClr>
+                  </a:solidFill>
+                  <a:latin typeface="Arial" panose="020B0604020202020204" pitchFamily="34" charset="0"/>
+                  <a:cs typeface="Arial" panose="020B0604020202020204" pitchFamily="34" charset="0"/>
+                </a:rPr>
+                <a:t>sandbox</a:t>
+              </a:r>
+            </a:p>
+            <a:p>
+              <a:pPr algn="ctr"/>
+              <a:r>
+                <a:rPr lang="en-US" altLang="ja-JP" sz="2800" dirty="0" smtClean="0">
+                  <a:solidFill>
+                    <a:schemeClr val="tx1">
+                      <a:lumMod val="75000"/>
+                      <a:lumOff val="25000"/>
+                    </a:schemeClr>
+                  </a:solidFill>
+                  <a:latin typeface="Arial" panose="020B0604020202020204" pitchFamily="34" charset="0"/>
+                  <a:cs typeface="Arial" panose="020B0604020202020204" pitchFamily="34" charset="0"/>
+                </a:rPr>
+                <a:t>container</a:t>
+              </a:r>
+              <a:endParaRPr kumimoji="1" lang="ja-JP" altLang="en-US" sz="2800" dirty="0">
+                <a:solidFill>
+                  <a:schemeClr val="tx1">
+                    <a:lumMod val="75000"/>
+                    <a:lumOff val="25000"/>
+                  </a:schemeClr>
+                </a:solidFill>
+                <a:latin typeface="Arial" panose="020B0604020202020204" pitchFamily="34" charset="0"/>
+                <a:cs typeface="Arial" panose="020B0604020202020204" pitchFamily="34" charset="0"/>
+              </a:endParaRPr>
+            </a:p>
+          </p:txBody>
+        </p:sp>
+      </p:grpSp>
+      <p:cxnSp>
+        <p:nvCxnSpPr>
+          <p:cNvPr id="61" name="カギ線コネクタ 60"/>
+          <p:cNvCxnSpPr>
+            <a:stCxn id="53" idx="2"/>
+            <a:endCxn id="86" idx="0"/>
+          </p:cNvCxnSpPr>
+          <p:nvPr/>
+        </p:nvCxnSpPr>
+        <p:spPr>
+          <a:xfrm rot="5400000">
+            <a:off x="3261412" y="6628591"/>
+            <a:ext cx="694736" cy="1683915"/>
+          </a:xfrm>
+          <a:prstGeom prst="bentConnector3">
+            <a:avLst>
+              <a:gd name="adj1" fmla="val 50000"/>
+            </a:avLst>
+          </a:prstGeom>
+          <a:ln w="25400">
+            <a:tailEnd type="triangle" w="lg" len="lg"/>
+          </a:ln>
+        </p:spPr>
+        <p:style>
+          <a:lnRef idx="1">
+            <a:schemeClr val="accent5"/>
+          </a:lnRef>
+          <a:fillRef idx="0">
+            <a:schemeClr val="accent5"/>
+          </a:fillRef>
+          <a:effectRef idx="0">
+            <a:schemeClr val="accent5"/>
+          </a:effectRef>
+          <a:fontRef idx="minor">
+            <a:schemeClr val="tx1"/>
+          </a:fontRef>
+        </p:style>
+      </p:cxnSp>
+      <p:grpSp>
+        <p:nvGrpSpPr>
+          <p:cNvPr id="62" name="グループ化 61"/>
+          <p:cNvGrpSpPr/>
+          <p:nvPr/>
+        </p:nvGrpSpPr>
+        <p:grpSpPr>
+          <a:xfrm>
+            <a:off x="1492164" y="8641772"/>
+            <a:ext cx="2534796" cy="1913421"/>
+            <a:chOff x="1533148" y="4392608"/>
+            <a:chExt cx="2534796" cy="1913421"/>
+          </a:xfrm>
+        </p:grpSpPr>
+        <p:grpSp>
+          <p:nvGrpSpPr>
+            <p:cNvPr id="63" name="グループ化 62"/>
+            <p:cNvGrpSpPr/>
+            <p:nvPr/>
+          </p:nvGrpSpPr>
+          <p:grpSpPr>
+            <a:xfrm>
+              <a:off x="2116470" y="4792888"/>
+              <a:ext cx="1368152" cy="1408103"/>
+              <a:chOff x="5364088" y="2616126"/>
+              <a:chExt cx="1368152" cy="1408102"/>
+            </a:xfrm>
+          </p:grpSpPr>
+          <p:pic>
+            <p:nvPicPr>
+              <p:cNvPr id="67" name="Picture 2" descr="C:\Users\kaitoy\Desktop\bin\pleiades\workspace\blog\static\images\runc.png"/>
+              <p:cNvPicPr>
+                <a:picLocks noChangeAspect="1" noChangeArrowheads="1"/>
+              </p:cNvPicPr>
+              <p:nvPr/>
+            </p:nvPicPr>
+            <p:blipFill>
+              <a:blip r:embed="rId3" cstate="print">
+                <a:extLst>
+                  <a:ext uri="{28A0092B-C50C-407E-A947-70E740481C1C}">
+                    <a14:useLocalDpi xmlns:a14="http://schemas.microsoft.com/office/drawing/2010/main" val="0"/>
+                  </a:ext>
+                </a:extLst>
+              </a:blip>
+              <a:srcRect/>
+              <a:stretch>
+                <a:fillRect/>
+              </a:stretch>
+            </p:blipFill>
+            <p:spPr bwMode="auto">
+              <a:xfrm>
+                <a:off x="5364088" y="2616126"/>
+                <a:ext cx="1368152" cy="953187"/>
+              </a:xfrm>
+              <a:prstGeom prst="rect">
+                <a:avLst/>
+              </a:prstGeom>
+              <a:noFill/>
+              <a:extLst>
+                <a:ext uri="{909E8E84-426E-40DD-AFC4-6F175D3DCCD1}">
+                  <a14:hiddenFill xmlns:a14="http://schemas.microsoft.com/office/drawing/2010/main">
+                    <a:solidFill>
+                      <a:srgbClr val="FFFFFF"/>
+                    </a:solidFill>
+                  </a14:hiddenFill>
+                </a:ext>
+              </a:extLst>
+            </p:spPr>
+          </p:pic>
+          <p:sp>
+            <p:nvSpPr>
+              <p:cNvPr id="68" name="テキスト ボックス 67"/>
+              <p:cNvSpPr txBox="1"/>
+              <p:nvPr/>
+            </p:nvSpPr>
+            <p:spPr>
+              <a:xfrm>
+                <a:off x="5565500" y="3501008"/>
+                <a:ext cx="965329" cy="523220"/>
+              </a:xfrm>
+              <a:prstGeom prst="rect">
+                <a:avLst/>
+              </a:prstGeom>
+              <a:noFill/>
+            </p:spPr>
+            <p:txBody>
+              <a:bodyPr wrap="none" rtlCol="0">
+                <a:spAutoFit/>
+              </a:bodyPr>
+              <a:lstStyle/>
+              <a:p>
+                <a:r>
+                  <a:rPr lang="en-US" altLang="ja-JP" sz="2800" dirty="0" err="1" smtClean="0">
+                    <a:solidFill>
+                      <a:schemeClr val="tx1">
+                        <a:lumMod val="75000"/>
+                        <a:lumOff val="25000"/>
+                      </a:schemeClr>
+                    </a:solidFill>
+                    <a:latin typeface="Arial" panose="020B0604020202020204" pitchFamily="34" charset="0"/>
+                    <a:cs typeface="Arial" panose="020B0604020202020204" pitchFamily="34" charset="0"/>
+                  </a:rPr>
+                  <a:t>runC</a:t>
+                </a:r>
+                <a:endParaRPr kumimoji="1" lang="ja-JP" altLang="en-US" sz="2800" dirty="0">
+                  <a:solidFill>
+                    <a:schemeClr val="tx1">
+                      <a:lumMod val="75000"/>
+                      <a:lumOff val="25000"/>
+                    </a:schemeClr>
+                  </a:solidFill>
+                  <a:latin typeface="Arial" panose="020B0604020202020204" pitchFamily="34" charset="0"/>
+                  <a:cs typeface="Arial" panose="020B0604020202020204" pitchFamily="34" charset="0"/>
+                </a:endParaRPr>
+              </a:p>
+            </p:txBody>
+          </p:sp>
+        </p:grpSp>
+        <p:grpSp>
+          <p:nvGrpSpPr>
+            <p:cNvPr id="64" name="グループ化 63"/>
+            <p:cNvGrpSpPr/>
+            <p:nvPr/>
+          </p:nvGrpSpPr>
+          <p:grpSpPr>
+            <a:xfrm>
+              <a:off x="1533148" y="4392608"/>
+              <a:ext cx="2534796" cy="1913421"/>
+              <a:chOff x="2901300" y="4435876"/>
+              <a:chExt cx="2534796" cy="1913421"/>
+            </a:xfrm>
+          </p:grpSpPr>
+          <p:sp>
+            <p:nvSpPr>
+              <p:cNvPr id="65" name="角丸四角形 64"/>
+              <p:cNvSpPr/>
+              <p:nvPr/>
+            </p:nvSpPr>
+            <p:spPr>
+              <a:xfrm>
+                <a:off x="2915816" y="4464905"/>
+                <a:ext cx="2520280" cy="1884392"/>
+              </a:xfrm>
+              <a:prstGeom prst="roundRect">
+                <a:avLst>
+                  <a:gd name="adj" fmla="val 13586"/>
+                </a:avLst>
+              </a:prstGeom>
+              <a:noFill/>
+              <a:ln>
+                <a:prstDash val="dash"/>
+              </a:ln>
+            </p:spPr>
+            <p:style>
+              <a:lnRef idx="2">
+                <a:schemeClr val="accent5"/>
+              </a:lnRef>
+              <a:fillRef idx="1">
+                <a:schemeClr val="lt1"/>
+              </a:fillRef>
+              <a:effectRef idx="0">
+                <a:schemeClr val="accent5"/>
+              </a:effectRef>
+              <a:fontRef idx="minor">
+                <a:schemeClr val="dk1"/>
+              </a:fontRef>
+            </p:style>
+            <p:txBody>
+              <a:bodyPr rtlCol="0" anchor="ctr"/>
+              <a:lstStyle/>
+              <a:p>
+                <a:pPr algn="ctr"/>
+                <a:endParaRPr kumimoji="1" lang="ja-JP" altLang="en-US"/>
+              </a:p>
+            </p:txBody>
+          </p:sp>
+          <p:sp>
+            <p:nvSpPr>
+              <p:cNvPr id="66" name="対角する 2 つの角を丸めた四角形 65"/>
+              <p:cNvSpPr/>
+              <p:nvPr/>
+            </p:nvSpPr>
+            <p:spPr>
+              <a:xfrm>
+                <a:off x="2901300" y="4435876"/>
+                <a:ext cx="1332000" cy="288000"/>
+              </a:xfrm>
+              <a:prstGeom prst="round2DiagRect">
+                <a:avLst/>
+              </a:prstGeom>
+              <a:effectLst/>
+            </p:spPr>
+            <p:style>
+              <a:lnRef idx="1">
+                <a:schemeClr val="accent5"/>
+              </a:lnRef>
+              <a:fillRef idx="2">
+                <a:schemeClr val="accent5"/>
+              </a:fillRef>
+              <a:effectRef idx="1">
+                <a:schemeClr val="accent5"/>
+              </a:effectRef>
+              <a:fontRef idx="minor">
+                <a:schemeClr val="dk1"/>
+              </a:fontRef>
+            </p:style>
+            <p:txBody>
+              <a:bodyPr wrap="none" lIns="36000" tIns="36000" rIns="36000" bIns="36000" rtlCol="0" anchor="ctr"/>
+              <a:lstStyle/>
+              <a:p>
+                <a:pPr algn="ctr">
+                  <a:lnSpc>
+                    <a:spcPts val="1460"/>
+                  </a:lnSpc>
+                </a:pPr>
+                <a:r>
+                  <a:rPr kumimoji="1" lang="en-US" altLang="ja-JP" dirty="0" smtClean="0">
+                    <a:solidFill>
+                      <a:schemeClr val="tx1">
+                        <a:lumMod val="75000"/>
+                        <a:lumOff val="25000"/>
+                      </a:schemeClr>
+                    </a:solidFill>
+                  </a:rPr>
+                  <a:t>OCI Runtime</a:t>
+                </a:r>
+                <a:endParaRPr kumimoji="1" lang="ja-JP" altLang="en-US" dirty="0">
+                  <a:solidFill>
+                    <a:schemeClr val="tx1">
+                      <a:lumMod val="75000"/>
+                      <a:lumOff val="25000"/>
+                    </a:schemeClr>
+                  </a:solidFill>
+                </a:endParaRPr>
+              </a:p>
+            </p:txBody>
+          </p:sp>
+        </p:grpSp>
+      </p:grpSp>
+      <p:cxnSp>
+        <p:nvCxnSpPr>
+          <p:cNvPr id="69" name="カギ線コネクタ 68"/>
+          <p:cNvCxnSpPr>
+            <a:stCxn id="53" idx="2"/>
+            <a:endCxn id="87" idx="0"/>
+          </p:cNvCxnSpPr>
+          <p:nvPr/>
+        </p:nvCxnSpPr>
+        <p:spPr>
+          <a:xfrm rot="16200000" flipH="1">
+            <a:off x="4917594" y="6656322"/>
+            <a:ext cx="694736" cy="1628451"/>
+          </a:xfrm>
+          <a:prstGeom prst="bentConnector3">
+            <a:avLst>
+              <a:gd name="adj1" fmla="val 50000"/>
+            </a:avLst>
+          </a:prstGeom>
+          <a:ln w="25400">
+            <a:tailEnd type="triangle" w="lg" len="lg"/>
+          </a:ln>
+        </p:spPr>
+        <p:style>
+          <a:lnRef idx="1">
+            <a:schemeClr val="accent5"/>
+          </a:lnRef>
+          <a:fillRef idx="0">
+            <a:schemeClr val="accent5"/>
+          </a:fillRef>
+          <a:effectRef idx="0">
+            <a:schemeClr val="accent5"/>
+          </a:effectRef>
+          <a:fontRef idx="minor">
+            <a:schemeClr val="tx1"/>
+          </a:fontRef>
+        </p:style>
+      </p:cxnSp>
+      <p:cxnSp>
+        <p:nvCxnSpPr>
+          <p:cNvPr id="70" name="直線矢印コネクタ 69"/>
+          <p:cNvCxnSpPr/>
+          <p:nvPr/>
+        </p:nvCxnSpPr>
+        <p:spPr>
+          <a:xfrm flipH="1">
+            <a:off x="2759562" y="10555193"/>
+            <a:ext cx="1" cy="515267"/>
+          </a:xfrm>
+          <a:prstGeom prst="straightConnector1">
+            <a:avLst/>
+          </a:prstGeom>
+          <a:ln w="25400">
+            <a:tailEnd type="triangle" w="lg" len="lg"/>
+          </a:ln>
+        </p:spPr>
+        <p:style>
+          <a:lnRef idx="1">
+            <a:schemeClr val="accent5"/>
+          </a:lnRef>
+          <a:fillRef idx="0">
+            <a:schemeClr val="accent5"/>
+          </a:fillRef>
+          <a:effectRef idx="0">
+            <a:schemeClr val="accent5"/>
+          </a:effectRef>
+          <a:fontRef idx="minor">
+            <a:schemeClr val="tx1"/>
+          </a:fontRef>
+        </p:style>
+      </p:cxnSp>
+      <p:grpSp>
+        <p:nvGrpSpPr>
+          <p:cNvPr id="71" name="グループ化 70"/>
+          <p:cNvGrpSpPr/>
+          <p:nvPr/>
+        </p:nvGrpSpPr>
+        <p:grpSpPr>
+          <a:xfrm>
+            <a:off x="5239010" y="11142533"/>
+            <a:ext cx="1665841" cy="977483"/>
+            <a:chOff x="707393" y="6331953"/>
+            <a:chExt cx="1665841" cy="977483"/>
+          </a:xfrm>
+        </p:grpSpPr>
+        <p:sp>
+          <p:nvSpPr>
+            <p:cNvPr id="72" name="直方体 71"/>
+            <p:cNvSpPr/>
+            <p:nvPr/>
+          </p:nvSpPr>
+          <p:spPr>
+            <a:xfrm>
+              <a:off x="1324313" y="6331953"/>
+              <a:ext cx="432000" cy="432048"/>
+            </a:xfrm>
+            <a:prstGeom prst="cube">
+              <a:avLst/>
+            </a:prstGeom>
+          </p:spPr>
+          <p:style>
+            <a:lnRef idx="2">
+              <a:schemeClr val="accent5"/>
+            </a:lnRef>
+            <a:fillRef idx="1">
+              <a:schemeClr val="lt1"/>
+            </a:fillRef>
+            <a:effectRef idx="0">
+              <a:schemeClr val="accent5"/>
+            </a:effectRef>
+            <a:fontRef idx="minor">
+              <a:schemeClr val="dk1"/>
+            </a:fontRef>
+          </p:style>
+          <p:txBody>
+            <a:bodyPr rtlCol="0" anchor="ctr"/>
+            <a:lstStyle/>
+            <a:p>
+              <a:pPr algn="ctr"/>
+              <a:endParaRPr kumimoji="1" lang="ja-JP" altLang="en-US"/>
+            </a:p>
+          </p:txBody>
+        </p:sp>
+        <p:sp>
+          <p:nvSpPr>
+            <p:cNvPr id="73" name="テキスト ボックス 72"/>
+            <p:cNvSpPr txBox="1"/>
+            <p:nvPr/>
+          </p:nvSpPr>
+          <p:spPr>
+            <a:xfrm>
+              <a:off x="707393" y="6786216"/>
+              <a:ext cx="1665841" cy="523220"/>
+            </a:xfrm>
+            <a:prstGeom prst="rect">
+              <a:avLst/>
+            </a:prstGeom>
+            <a:noFill/>
+          </p:spPr>
+          <p:txBody>
+            <a:bodyPr wrap="none" rtlCol="0">
+              <a:spAutoFit/>
+            </a:bodyPr>
+            <a:lstStyle/>
+            <a:p>
+              <a:pPr algn="ctr"/>
+              <a:r>
+                <a:rPr lang="en-US" altLang="ja-JP" sz="2800" dirty="0" smtClean="0">
+                  <a:solidFill>
+                    <a:schemeClr val="tx1">
+                      <a:lumMod val="75000"/>
+                      <a:lumOff val="25000"/>
+                    </a:schemeClr>
+                  </a:solidFill>
+                  <a:latin typeface="Arial" panose="020B0604020202020204" pitchFamily="34" charset="0"/>
+                  <a:cs typeface="Arial" panose="020B0604020202020204" pitchFamily="34" charset="0"/>
+                </a:rPr>
+                <a:t>container</a:t>
+              </a:r>
+              <a:endParaRPr kumimoji="1" lang="ja-JP" altLang="en-US" sz="2800" dirty="0">
+                <a:solidFill>
+                  <a:schemeClr val="tx1">
+                    <a:lumMod val="75000"/>
+                    <a:lumOff val="25000"/>
+                  </a:schemeClr>
+                </a:solidFill>
+                <a:latin typeface="Arial" panose="020B0604020202020204" pitchFamily="34" charset="0"/>
+                <a:cs typeface="Arial" panose="020B0604020202020204" pitchFamily="34" charset="0"/>
+              </a:endParaRPr>
+            </a:p>
+          </p:txBody>
+        </p:sp>
+      </p:grpSp>
+      <p:grpSp>
+        <p:nvGrpSpPr>
+          <p:cNvPr id="75" name="グループ化 74"/>
+          <p:cNvGrpSpPr/>
+          <p:nvPr/>
+        </p:nvGrpSpPr>
+        <p:grpSpPr>
+          <a:xfrm>
+            <a:off x="4804532" y="8641772"/>
+            <a:ext cx="2534796" cy="1913421"/>
+            <a:chOff x="4845516" y="4374228"/>
+            <a:chExt cx="2534796" cy="1913421"/>
+          </a:xfrm>
+        </p:grpSpPr>
+        <p:grpSp>
+          <p:nvGrpSpPr>
+            <p:cNvPr id="76" name="グループ化 75"/>
+            <p:cNvGrpSpPr/>
+            <p:nvPr/>
+          </p:nvGrpSpPr>
+          <p:grpSpPr>
+            <a:xfrm>
+              <a:off x="5428838" y="4774508"/>
+              <a:ext cx="1368152" cy="1408103"/>
+              <a:chOff x="5364088" y="2616126"/>
+              <a:chExt cx="1368152" cy="1408102"/>
+            </a:xfrm>
+          </p:grpSpPr>
+          <p:pic>
+            <p:nvPicPr>
+              <p:cNvPr id="80" name="Picture 2" descr="C:\Users\kaitoy\Desktop\bin\pleiades\workspace\blog\static\images\runc.png"/>
+              <p:cNvPicPr>
+                <a:picLocks noChangeAspect="1" noChangeArrowheads="1"/>
+              </p:cNvPicPr>
+              <p:nvPr/>
+            </p:nvPicPr>
+            <p:blipFill>
+              <a:blip r:embed="rId3" cstate="print">
+                <a:extLst>
+                  <a:ext uri="{28A0092B-C50C-407E-A947-70E740481C1C}">
+                    <a14:useLocalDpi xmlns:a14="http://schemas.microsoft.com/office/drawing/2010/main" val="0"/>
+                  </a:ext>
+                </a:extLst>
+              </a:blip>
+              <a:srcRect/>
+              <a:stretch>
+                <a:fillRect/>
+              </a:stretch>
+            </p:blipFill>
+            <p:spPr bwMode="auto">
+              <a:xfrm>
+                <a:off x="5364088" y="2616126"/>
+                <a:ext cx="1368152" cy="953187"/>
+              </a:xfrm>
+              <a:prstGeom prst="rect">
+                <a:avLst/>
+              </a:prstGeom>
+              <a:noFill/>
+              <a:extLst>
+                <a:ext uri="{909E8E84-426E-40DD-AFC4-6F175D3DCCD1}">
+                  <a14:hiddenFill xmlns:a14="http://schemas.microsoft.com/office/drawing/2010/main">
+                    <a:solidFill>
+                      <a:srgbClr val="FFFFFF"/>
+                    </a:solidFill>
+                  </a14:hiddenFill>
+                </a:ext>
+              </a:extLst>
+            </p:spPr>
+          </p:pic>
+          <p:sp>
+            <p:nvSpPr>
+              <p:cNvPr id="81" name="テキスト ボックス 80"/>
+              <p:cNvSpPr txBox="1"/>
+              <p:nvPr/>
+            </p:nvSpPr>
+            <p:spPr>
+              <a:xfrm>
+                <a:off x="5565500" y="3501008"/>
+                <a:ext cx="965329" cy="523220"/>
+              </a:xfrm>
+              <a:prstGeom prst="rect">
+                <a:avLst/>
+              </a:prstGeom>
+              <a:noFill/>
+            </p:spPr>
+            <p:txBody>
+              <a:bodyPr wrap="none" rtlCol="0">
+                <a:spAutoFit/>
+              </a:bodyPr>
+              <a:lstStyle/>
+              <a:p>
+                <a:r>
+                  <a:rPr lang="en-US" altLang="ja-JP" sz="2800" dirty="0" err="1" smtClean="0">
+                    <a:solidFill>
+                      <a:schemeClr val="tx1">
+                        <a:lumMod val="75000"/>
+                        <a:lumOff val="25000"/>
+                      </a:schemeClr>
+                    </a:solidFill>
+                    <a:latin typeface="Arial" panose="020B0604020202020204" pitchFamily="34" charset="0"/>
+                    <a:cs typeface="Arial" panose="020B0604020202020204" pitchFamily="34" charset="0"/>
+                  </a:rPr>
+                  <a:t>runC</a:t>
+                </a:r>
+                <a:endParaRPr kumimoji="1" lang="ja-JP" altLang="en-US" sz="2800" dirty="0">
+                  <a:solidFill>
+                    <a:schemeClr val="tx1">
+                      <a:lumMod val="75000"/>
+                      <a:lumOff val="25000"/>
+                    </a:schemeClr>
+                  </a:solidFill>
+                  <a:latin typeface="Arial" panose="020B0604020202020204" pitchFamily="34" charset="0"/>
+                  <a:cs typeface="Arial" panose="020B0604020202020204" pitchFamily="34" charset="0"/>
+                </a:endParaRPr>
+              </a:p>
+            </p:txBody>
+          </p:sp>
+        </p:grpSp>
+        <p:grpSp>
+          <p:nvGrpSpPr>
+            <p:cNvPr id="77" name="グループ化 76"/>
+            <p:cNvGrpSpPr/>
+            <p:nvPr/>
+          </p:nvGrpSpPr>
+          <p:grpSpPr>
+            <a:xfrm>
+              <a:off x="4845516" y="4374228"/>
+              <a:ext cx="2534796" cy="1913421"/>
+              <a:chOff x="2901300" y="4435876"/>
+              <a:chExt cx="2534796" cy="1913421"/>
+            </a:xfrm>
+          </p:grpSpPr>
+          <p:sp>
+            <p:nvSpPr>
+              <p:cNvPr id="78" name="角丸四角形 77"/>
+              <p:cNvSpPr/>
+              <p:nvPr/>
+            </p:nvSpPr>
+            <p:spPr>
+              <a:xfrm>
+                <a:off x="2915816" y="4464905"/>
+                <a:ext cx="2520280" cy="1884392"/>
+              </a:xfrm>
+              <a:prstGeom prst="roundRect">
+                <a:avLst>
+                  <a:gd name="adj" fmla="val 13586"/>
+                </a:avLst>
+              </a:prstGeom>
+              <a:noFill/>
+              <a:ln>
+                <a:prstDash val="dash"/>
+              </a:ln>
+            </p:spPr>
+            <p:style>
+              <a:lnRef idx="2">
+                <a:schemeClr val="accent5"/>
+              </a:lnRef>
+              <a:fillRef idx="1">
+                <a:schemeClr val="lt1"/>
+              </a:fillRef>
+              <a:effectRef idx="0">
+                <a:schemeClr val="accent5"/>
+              </a:effectRef>
+              <a:fontRef idx="minor">
+                <a:schemeClr val="dk1"/>
+              </a:fontRef>
+            </p:style>
+            <p:txBody>
+              <a:bodyPr rtlCol="0" anchor="ctr"/>
+              <a:lstStyle/>
+              <a:p>
+                <a:pPr algn="ctr"/>
+                <a:endParaRPr kumimoji="1" lang="ja-JP" altLang="en-US"/>
+              </a:p>
+            </p:txBody>
+          </p:sp>
+          <p:sp>
+            <p:nvSpPr>
+              <p:cNvPr id="79" name="対角する 2 つの角を丸めた四角形 78"/>
+              <p:cNvSpPr/>
+              <p:nvPr/>
+            </p:nvSpPr>
+            <p:spPr>
+              <a:xfrm>
+                <a:off x="2901300" y="4435876"/>
+                <a:ext cx="1332000" cy="288000"/>
+              </a:xfrm>
+              <a:prstGeom prst="round2DiagRect">
+                <a:avLst/>
+              </a:prstGeom>
+              <a:effectLst/>
+            </p:spPr>
+            <p:style>
+              <a:lnRef idx="1">
+                <a:schemeClr val="accent5"/>
+              </a:lnRef>
+              <a:fillRef idx="2">
+                <a:schemeClr val="accent5"/>
+              </a:fillRef>
+              <a:effectRef idx="1">
+                <a:schemeClr val="accent5"/>
+              </a:effectRef>
+              <a:fontRef idx="minor">
+                <a:schemeClr val="dk1"/>
+              </a:fontRef>
+            </p:style>
+            <p:txBody>
+              <a:bodyPr wrap="none" lIns="36000" tIns="36000" rIns="36000" bIns="36000" rtlCol="0" anchor="ctr"/>
+              <a:lstStyle/>
+              <a:p>
+                <a:pPr algn="ctr">
+                  <a:lnSpc>
+                    <a:spcPts val="1460"/>
+                  </a:lnSpc>
+                </a:pPr>
+                <a:r>
+                  <a:rPr kumimoji="1" lang="en-US" altLang="ja-JP" dirty="0" smtClean="0">
+                    <a:solidFill>
+                      <a:schemeClr val="tx1">
+                        <a:lumMod val="75000"/>
+                        <a:lumOff val="25000"/>
+                      </a:schemeClr>
+                    </a:solidFill>
+                  </a:rPr>
+                  <a:t>OCI Runtime</a:t>
+                </a:r>
+                <a:endParaRPr kumimoji="1" lang="ja-JP" altLang="en-US" dirty="0">
+                  <a:solidFill>
+                    <a:schemeClr val="tx1">
+                      <a:lumMod val="75000"/>
+                      <a:lumOff val="25000"/>
+                    </a:schemeClr>
+                  </a:solidFill>
+                </a:endParaRPr>
+              </a:p>
+            </p:txBody>
+          </p:sp>
+        </p:grpSp>
+      </p:grpSp>
+      <p:cxnSp>
+        <p:nvCxnSpPr>
+          <p:cNvPr id="82" name="直線矢印コネクタ 81"/>
+          <p:cNvCxnSpPr/>
+          <p:nvPr/>
+        </p:nvCxnSpPr>
+        <p:spPr>
+          <a:xfrm flipH="1">
+            <a:off x="6071930" y="10536813"/>
+            <a:ext cx="1" cy="515267"/>
+          </a:xfrm>
+          <a:prstGeom prst="straightConnector1">
+            <a:avLst/>
+          </a:prstGeom>
+          <a:ln w="25400">
+            <a:tailEnd type="triangle" w="lg" len="lg"/>
+          </a:ln>
+        </p:spPr>
+        <p:style>
+          <a:lnRef idx="1">
+            <a:schemeClr val="accent5"/>
+          </a:lnRef>
+          <a:fillRef idx="0">
+            <a:schemeClr val="accent5"/>
+          </a:fillRef>
+          <a:effectRef idx="0">
+            <a:schemeClr val="accent5"/>
+          </a:effectRef>
+          <a:fontRef idx="minor">
+            <a:schemeClr val="tx1"/>
+          </a:fontRef>
+        </p:style>
+      </p:cxnSp>
+      <p:grpSp>
+        <p:nvGrpSpPr>
+          <p:cNvPr id="83" name="グループ化 82"/>
+          <p:cNvGrpSpPr/>
+          <p:nvPr/>
+        </p:nvGrpSpPr>
+        <p:grpSpPr>
+          <a:xfrm>
+            <a:off x="1506680" y="10770244"/>
+            <a:ext cx="5832648" cy="1944216"/>
+            <a:chOff x="2901300" y="4435876"/>
+            <a:chExt cx="5832648" cy="1944216"/>
+          </a:xfrm>
+        </p:grpSpPr>
+        <p:sp>
+          <p:nvSpPr>
+            <p:cNvPr id="84" name="角丸四角形 83"/>
+            <p:cNvSpPr/>
+            <p:nvPr/>
+          </p:nvSpPr>
+          <p:spPr>
+            <a:xfrm>
+              <a:off x="2915816" y="4464905"/>
+              <a:ext cx="5818132" cy="1915187"/>
+            </a:xfrm>
+            <a:prstGeom prst="roundRect">
+              <a:avLst>
+                <a:gd name="adj" fmla="val 13586"/>
+              </a:avLst>
+            </a:prstGeom>
+            <a:noFill/>
+            <a:ln>
+              <a:solidFill>
+                <a:schemeClr val="tx1">
+                  <a:lumMod val="50000"/>
+                  <a:lumOff val="50000"/>
+                </a:schemeClr>
+              </a:solidFill>
+              <a:prstDash val="dash"/>
+            </a:ln>
+          </p:spPr>
+          <p:style>
+            <a:lnRef idx="2">
+              <a:schemeClr val="accent5"/>
+            </a:lnRef>
+            <a:fillRef idx="1">
+              <a:schemeClr val="lt1"/>
+            </a:fillRef>
+            <a:effectRef idx="0">
+              <a:schemeClr val="accent5"/>
+            </a:effectRef>
+            <a:fontRef idx="minor">
+              <a:schemeClr val="dk1"/>
+            </a:fontRef>
+          </p:style>
+          <p:txBody>
+            <a:bodyPr rtlCol="0" anchor="ctr"/>
+            <a:lstStyle/>
+            <a:p>
+              <a:pPr algn="ctr"/>
+              <a:endParaRPr kumimoji="1" lang="ja-JP" altLang="en-US"/>
+            </a:p>
+          </p:txBody>
+        </p:sp>
+        <p:sp>
+          <p:nvSpPr>
+            <p:cNvPr id="85" name="対角する 2 つの角を丸めた四角形 84"/>
+            <p:cNvSpPr/>
+            <p:nvPr/>
+          </p:nvSpPr>
+          <p:spPr>
+            <a:xfrm>
+              <a:off x="2901300" y="4435876"/>
+              <a:ext cx="612000" cy="288000"/>
+            </a:xfrm>
+            <a:prstGeom prst="round2DiagRect">
+              <a:avLst/>
+            </a:prstGeom>
+            <a:effectLst/>
+          </p:spPr>
+          <p:style>
+            <a:lnRef idx="1">
+              <a:schemeClr val="dk1"/>
+            </a:lnRef>
+            <a:fillRef idx="2">
+              <a:schemeClr val="dk1"/>
+            </a:fillRef>
+            <a:effectRef idx="1">
+              <a:schemeClr val="dk1"/>
+            </a:effectRef>
+            <a:fontRef idx="minor">
+              <a:schemeClr val="dk1"/>
+            </a:fontRef>
+          </p:style>
+          <p:txBody>
+            <a:bodyPr wrap="none" lIns="36000" tIns="36000" rIns="36000" bIns="36000" rtlCol="0" anchor="ctr"/>
+            <a:lstStyle/>
+            <a:p>
+              <a:pPr algn="ctr">
+                <a:lnSpc>
+                  <a:spcPts val="1460"/>
+                </a:lnSpc>
+              </a:pPr>
+              <a:r>
+                <a:rPr lang="en-US" altLang="ja-JP" dirty="0" smtClean="0">
+                  <a:solidFill>
+                    <a:schemeClr val="tx1">
+                      <a:lumMod val="75000"/>
+                      <a:lumOff val="25000"/>
+                    </a:schemeClr>
+                  </a:solidFill>
+                </a:rPr>
+                <a:t>Pod</a:t>
+              </a:r>
+              <a:endParaRPr kumimoji="1" lang="ja-JP" altLang="en-US" dirty="0">
+                <a:solidFill>
+                  <a:schemeClr val="tx1">
+                    <a:lumMod val="75000"/>
+                    <a:lumOff val="25000"/>
+                  </a:schemeClr>
+                </a:solidFill>
+              </a:endParaRPr>
+            </a:p>
+          </p:txBody>
+        </p:sp>
+      </p:grpSp>
+      <p:sp>
+        <p:nvSpPr>
+          <p:cNvPr id="86" name="正方形/長方形 85"/>
+          <p:cNvSpPr/>
+          <p:nvPr/>
+        </p:nvSpPr>
+        <p:spPr>
+          <a:xfrm>
+            <a:off x="2034089" y="7817916"/>
+            <a:ext cx="1465466" cy="523220"/>
+          </a:xfrm>
+          <a:prstGeom prst="rect">
+            <a:avLst/>
+          </a:prstGeom>
+        </p:spPr>
+        <p:style>
+          <a:lnRef idx="2">
+            <a:schemeClr val="accent5"/>
+          </a:lnRef>
+          <a:fillRef idx="1">
+            <a:schemeClr val="lt1"/>
+          </a:fillRef>
+          <a:effectRef idx="0">
+            <a:schemeClr val="accent5"/>
+          </a:effectRef>
+          <a:fontRef idx="minor">
+            <a:schemeClr val="dk1"/>
+          </a:fontRef>
+        </p:style>
+        <p:txBody>
+          <a:bodyPr rot="0" spcFirstLastPara="0" vertOverflow="overflow" horzOverflow="overflow" vert="horz" wrap="none" lIns="91440" tIns="45720" rIns="91440" bIns="45720" numCol="1" spcCol="0" rtlCol="0" fromWordArt="0" anchor="ctr" anchorCtr="0" forceAA="0" compatLnSpc="1">
+            <a:prstTxWarp prst="textNoShape">
+              <a:avLst/>
+            </a:prstTxWarp>
+            <a:spAutoFit/>
+          </a:bodyPr>
+          <a:lstStyle/>
+          <a:p>
+            <a:pPr algn="ctr"/>
+            <a:r>
+              <a:rPr lang="en-US" altLang="ja-JP" sz="2800" dirty="0" err="1" smtClean="0">
+                <a:solidFill>
+                  <a:schemeClr val="accent1">
+                    <a:lumMod val="75000"/>
+                  </a:schemeClr>
+                </a:solidFill>
+                <a:latin typeface="Arial" panose="020B0604020202020204" pitchFamily="34" charset="0"/>
+                <a:cs typeface="Arial" panose="020B0604020202020204" pitchFamily="34" charset="0"/>
+              </a:rPr>
+              <a:t>conmon</a:t>
+            </a:r>
+            <a:endParaRPr lang="ja-JP" altLang="en-US" sz="2800" dirty="0">
+              <a:solidFill>
+                <a:schemeClr val="accent1">
+                  <a:lumMod val="75000"/>
+                </a:schemeClr>
+              </a:solidFill>
+              <a:latin typeface="Arial" panose="020B0604020202020204" pitchFamily="34" charset="0"/>
+              <a:cs typeface="Arial" panose="020B0604020202020204" pitchFamily="34" charset="0"/>
+            </a:endParaRPr>
+          </a:p>
+        </p:txBody>
+      </p:sp>
+      <p:sp>
+        <p:nvSpPr>
+          <p:cNvPr id="87" name="正方形/長方形 86"/>
+          <p:cNvSpPr/>
+          <p:nvPr/>
+        </p:nvSpPr>
+        <p:spPr>
+          <a:xfrm>
+            <a:off x="5346455" y="7817916"/>
+            <a:ext cx="1465465" cy="523220"/>
+          </a:xfrm>
+          <a:prstGeom prst="rect">
+            <a:avLst/>
+          </a:prstGeom>
+        </p:spPr>
+        <p:style>
+          <a:lnRef idx="2">
+            <a:schemeClr val="accent5"/>
+          </a:lnRef>
+          <a:fillRef idx="1">
+            <a:schemeClr val="lt1"/>
+          </a:fillRef>
+          <a:effectRef idx="0">
+            <a:schemeClr val="accent5"/>
+          </a:effectRef>
+          <a:fontRef idx="minor">
+            <a:schemeClr val="dk1"/>
+          </a:fontRef>
+        </p:style>
+        <p:txBody>
+          <a:bodyPr rot="0" spcFirstLastPara="0" vertOverflow="overflow" horzOverflow="overflow" vert="horz" wrap="none" lIns="91440" tIns="45720" rIns="91440" bIns="45720" numCol="1" spcCol="0" rtlCol="0" fromWordArt="0" anchor="ctr" anchorCtr="0" forceAA="0" compatLnSpc="1">
+            <a:prstTxWarp prst="textNoShape">
+              <a:avLst/>
+            </a:prstTxWarp>
+            <a:spAutoFit/>
+          </a:bodyPr>
+          <a:lstStyle/>
+          <a:p>
+            <a:pPr algn="ctr"/>
+            <a:r>
+              <a:rPr lang="en-US" altLang="ja-JP" sz="2800" dirty="0" err="1">
+                <a:solidFill>
+                  <a:schemeClr val="accent1">
+                    <a:lumMod val="75000"/>
+                  </a:schemeClr>
+                </a:solidFill>
+                <a:latin typeface="Arial" panose="020B0604020202020204" pitchFamily="34" charset="0"/>
+                <a:cs typeface="Arial" panose="020B0604020202020204" pitchFamily="34" charset="0"/>
+              </a:rPr>
+              <a:t>conmon</a:t>
+            </a:r>
+            <a:endParaRPr lang="ja-JP" altLang="en-US" sz="2800" dirty="0">
+              <a:solidFill>
+                <a:schemeClr val="accent1">
+                  <a:lumMod val="75000"/>
+                </a:schemeClr>
+              </a:solidFill>
+              <a:latin typeface="Arial" panose="020B0604020202020204" pitchFamily="34" charset="0"/>
+              <a:cs typeface="Arial" panose="020B0604020202020204" pitchFamily="34" charset="0"/>
+            </a:endParaRPr>
+          </a:p>
+        </p:txBody>
+      </p:sp>
+      <p:cxnSp>
+        <p:nvCxnSpPr>
+          <p:cNvPr id="88" name="直線矢印コネクタ 87"/>
+          <p:cNvCxnSpPr>
+            <a:stCxn id="86" idx="2"/>
+            <a:endCxn id="65" idx="0"/>
+          </p:cNvCxnSpPr>
+          <p:nvPr/>
+        </p:nvCxnSpPr>
+        <p:spPr>
+          <a:xfrm flipH="1">
+            <a:off x="2766820" y="8341136"/>
+            <a:ext cx="2" cy="329665"/>
+          </a:xfrm>
+          <a:prstGeom prst="straightConnector1">
+            <a:avLst/>
+          </a:prstGeom>
+          <a:ln w="25400">
+            <a:tailEnd type="triangle" w="lg" len="lg"/>
+          </a:ln>
+        </p:spPr>
+        <p:style>
+          <a:lnRef idx="1">
+            <a:schemeClr val="accent5"/>
+          </a:lnRef>
+          <a:fillRef idx="0">
+            <a:schemeClr val="accent5"/>
+          </a:fillRef>
+          <a:effectRef idx="0">
+            <a:schemeClr val="accent5"/>
+          </a:effectRef>
+          <a:fontRef idx="minor">
+            <a:schemeClr val="tx1"/>
+          </a:fontRef>
+        </p:style>
+      </p:cxnSp>
+      <p:cxnSp>
+        <p:nvCxnSpPr>
+          <p:cNvPr id="89" name="直線矢印コネクタ 88"/>
+          <p:cNvCxnSpPr>
+            <a:stCxn id="87" idx="2"/>
+          </p:cNvCxnSpPr>
+          <p:nvPr/>
+        </p:nvCxnSpPr>
+        <p:spPr>
+          <a:xfrm flipH="1">
+            <a:off x="6071932" y="8341136"/>
+            <a:ext cx="7256" cy="300636"/>
+          </a:xfrm>
+          <a:prstGeom prst="straightConnector1">
+            <a:avLst/>
+          </a:prstGeom>
+          <a:ln w="25400">
+            <a:tailEnd type="triangle" w="lg" len="lg"/>
+          </a:ln>
+        </p:spPr>
+        <p:style>
+          <a:lnRef idx="1">
+            <a:schemeClr val="accent5"/>
+          </a:lnRef>
+          <a:fillRef idx="0">
+            <a:schemeClr val="accent5"/>
+          </a:fillRef>
+          <a:effectRef idx="0">
+            <a:schemeClr val="accent5"/>
+          </a:effectRef>
+          <a:fontRef idx="minor">
+            <a:schemeClr val="tx1"/>
+          </a:fontRef>
+        </p:style>
+      </p:cxnSp>
+      <p:pic>
+        <p:nvPicPr>
+          <p:cNvPr id="1026" name="Picture 2" descr="C:\Users\kaitoy\Desktop\crio.png"/>
+          <p:cNvPicPr>
+            <a:picLocks noChangeAspect="1" noChangeArrowheads="1"/>
+          </p:cNvPicPr>
+          <p:nvPr/>
+        </p:nvPicPr>
+        <p:blipFill>
+          <a:blip r:embed="rId4" cstate="print">
+            <a:extLst>
+              <a:ext uri="{28A0092B-C50C-407E-A947-70E740481C1C}">
+                <a14:useLocalDpi xmlns:a14="http://schemas.microsoft.com/office/drawing/2010/main" val="0"/>
+              </a:ext>
+            </a:extLst>
+          </a:blip>
+          <a:srcRect/>
+          <a:stretch>
+            <a:fillRect/>
+          </a:stretch>
+        </p:blipFill>
+        <p:spPr bwMode="auto">
+          <a:xfrm>
+            <a:off x="3543697" y="6353518"/>
+            <a:ext cx="1811806" cy="671618"/>
+          </a:xfrm>
+          <a:prstGeom prst="rect">
+            <a:avLst/>
+          </a:prstGeom>
+          <a:noFill/>
+          <a:extLst>
+            <a:ext uri="{909E8E84-426E-40DD-AFC4-6F175D3DCCD1}">
+              <a14:hiddenFill xmlns:a14="http://schemas.microsoft.com/office/drawing/2010/main">
+                <a:solidFill>
+                  <a:srgbClr val="FFFFFF"/>
+                </a:solidFill>
+              </a14:hiddenFill>
+            </a:ext>
+          </a:extLst>
+        </p:spPr>
+      </p:pic>
+    </p:spTree>
+    <p:extLst>
+      <p:ext uri="{BB962C8B-B14F-4D97-AF65-F5344CB8AC3E}">
+        <p14:creationId xmlns:p14="http://schemas.microsoft.com/office/powerpoint/2010/main" val="2357336998"/>
+      </p:ext>
+    </p:extLst>
+  </p:cSld>
+  <p:clrMapOvr>
+    <a:masterClrMapping/>
+  </p:clrMapOvr>
+</p:sld>
+</file>
+
+<file path=ppt/slides/slide11.xml><?xml version="1.0" encoding="utf-8"?>
+<p:sld xmlns:a="http://schemas.openxmlformats.org/drawingml/2006/main" xmlns:r="http://schemas.openxmlformats.org/officeDocument/2006/relationships" xmlns:p="http://schemas.openxmlformats.org/presentationml/2006/main">
+  <p:cSld>
+    <p:spTree>
+      <p:nvGrpSpPr>
+        <p:cNvPr id="1" name=""/>
+        <p:cNvGrpSpPr/>
+        <p:nvPr/>
+      </p:nvGrpSpPr>
+      <p:grpSpPr>
+        <a:xfrm>
+          <a:off x="0" y="0"/>
+          <a:ext cx="0" cy="0"/>
+          <a:chOff x="0" y="0"/>
+          <a:chExt cx="0" cy="0"/>
+        </a:xfrm>
+      </p:grpSpPr>
       <p:pic>
         <p:nvPicPr>
           <p:cNvPr id="18" name="Picture 3" descr="C:\Users\kaitoy\Desktop\bin\pleiades\workspace\blog\static\images\docker.png"/>
@@ -4397,7 +5833,7 @@
 </p:sld>
 </file>
 
-<file path=ppt/slides/slide11.xml><?xml version="1.0" encoding="utf-8"?>
+<file path=ppt/slides/slide12.xml><?xml version="1.0" encoding="utf-8"?>
 <p:sld xmlns:a="http://schemas.openxmlformats.org/drawingml/2006/main" xmlns:r="http://schemas.openxmlformats.org/officeDocument/2006/relationships" xmlns:p="http://schemas.openxmlformats.org/presentationml/2006/main">
   <p:cSld>
     <p:spTree>
@@ -5931,7 +7367,7 @@
 </p:sld>
 </file>
 
-<file path=ppt/slides/slide12.xml><?xml version="1.0" encoding="utf-8"?>
+<file path=ppt/slides/slide13.xml><?xml version="1.0" encoding="utf-8"?>
 <p:sld xmlns:a="http://schemas.openxmlformats.org/drawingml/2006/main" xmlns:r="http://schemas.openxmlformats.org/officeDocument/2006/relationships" xmlns:p="http://schemas.openxmlformats.org/presentationml/2006/main">
   <p:cSld>
     <p:spTree>
@@ -8145,7 +9581,7 @@
 </p:sld>
 </file>
 
-<file path=ppt/slides/slide13.xml><?xml version="1.0" encoding="utf-8"?>
+<file path=ppt/slides/slide14.xml><?xml version="1.0" encoding="utf-8"?>
 <p:sld xmlns:a="http://schemas.openxmlformats.org/drawingml/2006/main" xmlns:r="http://schemas.openxmlformats.org/officeDocument/2006/relationships" xmlns:p="http://schemas.openxmlformats.org/presentationml/2006/main">
   <p:cSld>
     <p:spTree>
@@ -8838,19 +10274,7 @@
                 <a:latin typeface="Arial" panose="020B0604020202020204" pitchFamily="34" charset="0"/>
                 <a:cs typeface="Arial" panose="020B0604020202020204" pitchFamily="34" charset="0"/>
               </a:rPr>
-              <a:t>cc</a:t>
-            </a:r>
-            <a:r>
-              <a:rPr lang="en-US" altLang="ja-JP" sz="2800" dirty="0" smtClean="0">
-                <a:solidFill>
-                  <a:schemeClr val="accent1">
-                    <a:lumMod val="75000"/>
-                  </a:schemeClr>
-                </a:solidFill>
-                <a:latin typeface="Arial" panose="020B0604020202020204" pitchFamily="34" charset="0"/>
-                <a:cs typeface="Arial" panose="020B0604020202020204" pitchFamily="34" charset="0"/>
-              </a:rPr>
-              <a:t>-shim</a:t>
+              <a:t>cc-shim</a:t>
             </a:r>
             <a:endParaRPr lang="ja-JP" altLang="en-US" sz="2800" dirty="0">
               <a:solidFill>
@@ -10236,7 +11660,7 @@
 </p:sld>
 </file>
 
-<file path=ppt/slides/slide14.xml><?xml version="1.0" encoding="utf-8"?>
+<file path=ppt/slides/slide15.xml><?xml version="1.0" encoding="utf-8"?>
 <p:sld xmlns:a="http://schemas.openxmlformats.org/drawingml/2006/main" xmlns:r="http://schemas.openxmlformats.org/officeDocument/2006/relationships" xmlns:p="http://schemas.openxmlformats.org/presentationml/2006/main">
   <p:cSld>
     <p:spTree>
@@ -11395,7 +12819,7 @@
 </p:sld>
 </file>
 
-<file path=ppt/slides/slide15.xml><?xml version="1.0" encoding="utf-8"?>
+<file path=ppt/slides/slide16.xml><?xml version="1.0" encoding="utf-8"?>
 <p:sld xmlns:a="http://schemas.openxmlformats.org/drawingml/2006/main" xmlns:r="http://schemas.openxmlformats.org/officeDocument/2006/relationships" xmlns:p="http://schemas.openxmlformats.org/presentationml/2006/main">
   <p:cSld>
     <p:spTree>
@@ -12894,7 +14318,7 @@
 </p:sld>
 </file>
 
-<file path=ppt/slides/slide16.xml><?xml version="1.0" encoding="utf-8"?>
+<file path=ppt/slides/slide17.xml><?xml version="1.0" encoding="utf-8"?>
 <p:sld xmlns:a="http://schemas.openxmlformats.org/drawingml/2006/main" xmlns:r="http://schemas.openxmlformats.org/officeDocument/2006/relationships" xmlns:p="http://schemas.openxmlformats.org/presentationml/2006/main">
   <p:cSld>
     <p:spTree>
@@ -14812,7 +16236,7 @@
 </p:sld>
 </file>
 
-<file path=ppt/slides/slide17.xml><?xml version="1.0" encoding="utf-8"?>
+<file path=ppt/slides/slide18.xml><?xml version="1.0" encoding="utf-8"?>
 <p:sld xmlns:a="http://schemas.openxmlformats.org/drawingml/2006/main" xmlns:r="http://schemas.openxmlformats.org/officeDocument/2006/relationships" xmlns:p="http://schemas.openxmlformats.org/presentationml/2006/main">
   <p:cSld>
     <p:spTree>
@@ -25517,6 +26941,1978 @@
         </p:blipFill>
         <p:spPr bwMode="auto">
           <a:xfrm>
+            <a:off x="3498237" y="4008588"/>
+            <a:ext cx="1905001" cy="1576388"/>
+          </a:xfrm>
+          <a:prstGeom prst="rect">
+            <a:avLst/>
+          </a:prstGeom>
+          <a:noFill/>
+          <a:extLst>
+            <a:ext uri="{909E8E84-426E-40DD-AFC4-6F175D3DCCD1}">
+              <a14:hiddenFill xmlns:a14="http://schemas.microsoft.com/office/drawing/2010/main">
+                <a:solidFill>
+                  <a:srgbClr val="FFFFFF"/>
+                </a:solidFill>
+              </a14:hiddenFill>
+            </a:ext>
+          </a:extLst>
+        </p:spPr>
+      </p:pic>
+      <p:cxnSp>
+        <p:nvCxnSpPr>
+          <p:cNvPr id="50" name="直線矢印コネクタ 49"/>
+          <p:cNvCxnSpPr>
+            <a:stCxn id="49" idx="2"/>
+            <a:endCxn id="53" idx="0"/>
+          </p:cNvCxnSpPr>
+          <p:nvPr/>
+        </p:nvCxnSpPr>
+        <p:spPr>
+          <a:xfrm flipH="1">
+            <a:off x="4450737" y="5584976"/>
+            <a:ext cx="1" cy="446431"/>
+          </a:xfrm>
+          <a:prstGeom prst="straightConnector1">
+            <a:avLst/>
+          </a:prstGeom>
+          <a:ln w="25400">
+            <a:tailEnd type="triangle" w="lg" len="lg"/>
+          </a:ln>
+        </p:spPr>
+        <p:style>
+          <a:lnRef idx="1">
+            <a:schemeClr val="accent5"/>
+          </a:lnRef>
+          <a:fillRef idx="0">
+            <a:schemeClr val="accent5"/>
+          </a:fillRef>
+          <a:effectRef idx="0">
+            <a:schemeClr val="accent5"/>
+          </a:effectRef>
+          <a:fontRef idx="minor">
+            <a:schemeClr val="tx1"/>
+          </a:fontRef>
+        </p:style>
+      </p:cxnSp>
+      <p:grpSp>
+        <p:nvGrpSpPr>
+          <p:cNvPr id="52" name="グループ化 51"/>
+          <p:cNvGrpSpPr/>
+          <p:nvPr/>
+        </p:nvGrpSpPr>
+        <p:grpSpPr>
+          <a:xfrm>
+            <a:off x="3012385" y="6016893"/>
+            <a:ext cx="2862459" cy="1106287"/>
+            <a:chOff x="3126959" y="2262359"/>
+            <a:chExt cx="2862459" cy="1106287"/>
+          </a:xfrm>
+        </p:grpSpPr>
+        <p:sp>
+          <p:nvSpPr>
+            <p:cNvPr id="53" name="角丸四角形 52"/>
+            <p:cNvSpPr/>
+            <p:nvPr/>
+          </p:nvSpPr>
+          <p:spPr>
+            <a:xfrm>
+              <a:off x="3141203" y="2276873"/>
+              <a:ext cx="2848215" cy="1091773"/>
+            </a:xfrm>
+            <a:prstGeom prst="roundRect">
+              <a:avLst>
+                <a:gd name="adj" fmla="val 10811"/>
+              </a:avLst>
+            </a:prstGeom>
+            <a:noFill/>
+            <a:ln>
+              <a:prstDash val="dash"/>
+            </a:ln>
+          </p:spPr>
+          <p:style>
+            <a:lnRef idx="2">
+              <a:schemeClr val="accent1"/>
+            </a:lnRef>
+            <a:fillRef idx="1">
+              <a:schemeClr val="lt1"/>
+            </a:fillRef>
+            <a:effectRef idx="0">
+              <a:schemeClr val="accent1"/>
+            </a:effectRef>
+            <a:fontRef idx="minor">
+              <a:schemeClr val="dk1"/>
+            </a:fontRef>
+          </p:style>
+          <p:txBody>
+            <a:bodyPr rtlCol="0" anchor="ctr"/>
+            <a:lstStyle/>
+            <a:p>
+              <a:pPr algn="ctr"/>
+              <a:endParaRPr kumimoji="1" lang="ja-JP" altLang="en-US"/>
+            </a:p>
+          </p:txBody>
+        </p:sp>
+        <p:sp>
+          <p:nvSpPr>
+            <p:cNvPr id="54" name="対角する 2 つの角を丸めた四角形 53"/>
+            <p:cNvSpPr/>
+            <p:nvPr/>
+          </p:nvSpPr>
+          <p:spPr>
+            <a:xfrm>
+              <a:off x="3126959" y="2262359"/>
+              <a:ext cx="936000" cy="292627"/>
+            </a:xfrm>
+            <a:prstGeom prst="round2DiagRect">
+              <a:avLst/>
+            </a:prstGeom>
+            <a:effectLst/>
+          </p:spPr>
+          <p:style>
+            <a:lnRef idx="1">
+              <a:schemeClr val="accent1"/>
+            </a:lnRef>
+            <a:fillRef idx="2">
+              <a:schemeClr val="accent1"/>
+            </a:fillRef>
+            <a:effectRef idx="1">
+              <a:schemeClr val="accent1"/>
+            </a:effectRef>
+            <a:fontRef idx="minor">
+              <a:schemeClr val="dk1"/>
+            </a:fontRef>
+          </p:style>
+          <p:txBody>
+            <a:bodyPr wrap="none" lIns="36000" tIns="36000" rIns="36000" bIns="36000" rtlCol="0" anchor="ctr"/>
+            <a:lstStyle/>
+            <a:p>
+              <a:pPr algn="ctr"/>
+              <a:r>
+                <a:rPr kumimoji="1" lang="en-US" altLang="ja-JP" dirty="0" smtClean="0">
+                  <a:solidFill>
+                    <a:schemeClr val="tx1">
+                      <a:lumMod val="75000"/>
+                      <a:lumOff val="25000"/>
+                    </a:schemeClr>
+                  </a:solidFill>
+                </a:rPr>
+                <a:t>CRI </a:t>
+              </a:r>
+              <a:r>
+                <a:rPr kumimoji="1" lang="en-US" altLang="ja-JP" dirty="0" err="1" smtClean="0">
+                  <a:solidFill>
+                    <a:schemeClr val="tx1">
+                      <a:lumMod val="75000"/>
+                      <a:lumOff val="25000"/>
+                    </a:schemeClr>
+                  </a:solidFill>
+                </a:rPr>
+                <a:t>impl</a:t>
+              </a:r>
+              <a:endParaRPr kumimoji="1" lang="ja-JP" altLang="en-US" dirty="0">
+                <a:solidFill>
+                  <a:schemeClr val="tx1">
+                    <a:lumMod val="75000"/>
+                    <a:lumOff val="25000"/>
+                  </a:schemeClr>
+                </a:solidFill>
+              </a:endParaRPr>
+            </a:p>
+          </p:txBody>
+        </p:sp>
+      </p:grpSp>
+      <p:pic>
+        <p:nvPicPr>
+          <p:cNvPr id="57" name="Picture 2" descr="https://raw.githubusercontent.com/cncf/artwork/master/projects/containerd/horizontal/color/containerd-horizontal-color.png"/>
+          <p:cNvPicPr>
+            <a:picLocks noChangeAspect="1" noChangeArrowheads="1"/>
+          </p:cNvPicPr>
+          <p:nvPr/>
+        </p:nvPicPr>
+        <p:blipFill>
+          <a:blip r:embed="rId3" cstate="print">
+            <a:extLst>
+              <a:ext uri="{28A0092B-C50C-407E-A947-70E740481C1C}">
+                <a14:useLocalDpi xmlns:a14="http://schemas.microsoft.com/office/drawing/2010/main" val="0"/>
+              </a:ext>
+            </a:extLst>
+          </a:blip>
+          <a:srcRect/>
+          <a:stretch>
+            <a:fillRect/>
+          </a:stretch>
+        </p:blipFill>
+        <p:spPr bwMode="auto">
+          <a:xfrm>
+            <a:off x="3315577" y="6377064"/>
+            <a:ext cx="2256075" cy="558961"/>
+          </a:xfrm>
+          <a:prstGeom prst="rect">
+            <a:avLst/>
+          </a:prstGeom>
+          <a:noFill/>
+          <a:extLst>
+            <a:ext uri="{909E8E84-426E-40DD-AFC4-6F175D3DCCD1}">
+              <a14:hiddenFill xmlns:a14="http://schemas.microsoft.com/office/drawing/2010/main">
+                <a:solidFill>
+                  <a:srgbClr val="FFFFFF"/>
+                </a:solidFill>
+              </a14:hiddenFill>
+            </a:ext>
+          </a:extLst>
+        </p:spPr>
+      </p:pic>
+      <p:cxnSp>
+        <p:nvCxnSpPr>
+          <p:cNvPr id="61" name="カギ線コネクタ 60"/>
+          <p:cNvCxnSpPr>
+            <a:stCxn id="53" idx="2"/>
+            <a:endCxn id="86" idx="0"/>
+          </p:cNvCxnSpPr>
+          <p:nvPr/>
+        </p:nvCxnSpPr>
+        <p:spPr>
+          <a:xfrm rot="5400000">
+            <a:off x="3261411" y="6628590"/>
+            <a:ext cx="694736" cy="1683917"/>
+          </a:xfrm>
+          <a:prstGeom prst="bentConnector3">
+            <a:avLst>
+              <a:gd name="adj1" fmla="val 50000"/>
+            </a:avLst>
+          </a:prstGeom>
+          <a:ln w="25400">
+            <a:tailEnd type="triangle" w="lg" len="lg"/>
+          </a:ln>
+        </p:spPr>
+        <p:style>
+          <a:lnRef idx="1">
+            <a:schemeClr val="accent5"/>
+          </a:lnRef>
+          <a:fillRef idx="0">
+            <a:schemeClr val="accent5"/>
+          </a:fillRef>
+          <a:effectRef idx="0">
+            <a:schemeClr val="accent5"/>
+          </a:effectRef>
+          <a:fontRef idx="minor">
+            <a:schemeClr val="tx1"/>
+          </a:fontRef>
+        </p:style>
+      </p:cxnSp>
+      <p:grpSp>
+        <p:nvGrpSpPr>
+          <p:cNvPr id="62" name="グループ化 61"/>
+          <p:cNvGrpSpPr/>
+          <p:nvPr/>
+        </p:nvGrpSpPr>
+        <p:grpSpPr>
+          <a:xfrm>
+            <a:off x="1492164" y="8641772"/>
+            <a:ext cx="2534796" cy="1913421"/>
+            <a:chOff x="1533148" y="4392608"/>
+            <a:chExt cx="2534796" cy="1913421"/>
+          </a:xfrm>
+        </p:grpSpPr>
+        <p:sp>
+          <p:nvSpPr>
+            <p:cNvPr id="68" name="テキスト ボックス 67"/>
+            <p:cNvSpPr txBox="1"/>
+            <p:nvPr/>
+          </p:nvSpPr>
+          <p:spPr>
+            <a:xfrm>
+              <a:off x="2244532" y="5677768"/>
+              <a:ext cx="1112030" cy="523220"/>
+            </a:xfrm>
+            <a:prstGeom prst="rect">
+              <a:avLst/>
+            </a:prstGeom>
+            <a:noFill/>
+          </p:spPr>
+          <p:txBody>
+            <a:bodyPr wrap="square" rtlCol="0">
+              <a:spAutoFit/>
+            </a:bodyPr>
+            <a:lstStyle/>
+            <a:p>
+              <a:pPr algn="ctr"/>
+              <a:r>
+                <a:rPr lang="en-US" altLang="ja-JP" sz="2800" dirty="0" err="1" smtClean="0">
+                  <a:solidFill>
+                    <a:schemeClr val="tx1">
+                      <a:lumMod val="75000"/>
+                      <a:lumOff val="25000"/>
+                    </a:schemeClr>
+                  </a:solidFill>
+                  <a:latin typeface="Arial" panose="020B0604020202020204" pitchFamily="34" charset="0"/>
+                  <a:cs typeface="Arial" panose="020B0604020202020204" pitchFamily="34" charset="0"/>
+                </a:rPr>
+                <a:t>runnc</a:t>
+              </a:r>
+              <a:endParaRPr kumimoji="1" lang="ja-JP" altLang="en-US" sz="2800" dirty="0">
+                <a:solidFill>
+                  <a:schemeClr val="tx1">
+                    <a:lumMod val="75000"/>
+                    <a:lumOff val="25000"/>
+                  </a:schemeClr>
+                </a:solidFill>
+                <a:latin typeface="Arial" panose="020B0604020202020204" pitchFamily="34" charset="0"/>
+                <a:cs typeface="Arial" panose="020B0604020202020204" pitchFamily="34" charset="0"/>
+              </a:endParaRPr>
+            </a:p>
+          </p:txBody>
+        </p:sp>
+        <p:grpSp>
+          <p:nvGrpSpPr>
+            <p:cNvPr id="64" name="グループ化 63"/>
+            <p:cNvGrpSpPr/>
+            <p:nvPr/>
+          </p:nvGrpSpPr>
+          <p:grpSpPr>
+            <a:xfrm>
+              <a:off x="1533148" y="4392608"/>
+              <a:ext cx="2534796" cy="1913421"/>
+              <a:chOff x="2901300" y="4435876"/>
+              <a:chExt cx="2534796" cy="1913421"/>
+            </a:xfrm>
+          </p:grpSpPr>
+          <p:sp>
+            <p:nvSpPr>
+              <p:cNvPr id="65" name="角丸四角形 64"/>
+              <p:cNvSpPr/>
+              <p:nvPr/>
+            </p:nvSpPr>
+            <p:spPr>
+              <a:xfrm>
+                <a:off x="2915816" y="4464905"/>
+                <a:ext cx="2520280" cy="1884392"/>
+              </a:xfrm>
+              <a:prstGeom prst="roundRect">
+                <a:avLst>
+                  <a:gd name="adj" fmla="val 13586"/>
+                </a:avLst>
+              </a:prstGeom>
+              <a:noFill/>
+              <a:ln>
+                <a:prstDash val="dash"/>
+              </a:ln>
+            </p:spPr>
+            <p:style>
+              <a:lnRef idx="2">
+                <a:schemeClr val="accent5"/>
+              </a:lnRef>
+              <a:fillRef idx="1">
+                <a:schemeClr val="lt1"/>
+              </a:fillRef>
+              <a:effectRef idx="0">
+                <a:schemeClr val="accent5"/>
+              </a:effectRef>
+              <a:fontRef idx="minor">
+                <a:schemeClr val="dk1"/>
+              </a:fontRef>
+            </p:style>
+            <p:txBody>
+              <a:bodyPr rtlCol="0" anchor="ctr"/>
+              <a:lstStyle/>
+              <a:p>
+                <a:pPr algn="ctr"/>
+                <a:endParaRPr kumimoji="1" lang="ja-JP" altLang="en-US"/>
+              </a:p>
+            </p:txBody>
+          </p:sp>
+          <p:sp>
+            <p:nvSpPr>
+              <p:cNvPr id="66" name="対角する 2 つの角を丸めた四角形 65"/>
+              <p:cNvSpPr/>
+              <p:nvPr/>
+            </p:nvSpPr>
+            <p:spPr>
+              <a:xfrm>
+                <a:off x="2901300" y="4435876"/>
+                <a:ext cx="1332000" cy="288000"/>
+              </a:xfrm>
+              <a:prstGeom prst="round2DiagRect">
+                <a:avLst/>
+              </a:prstGeom>
+              <a:effectLst/>
+            </p:spPr>
+            <p:style>
+              <a:lnRef idx="1">
+                <a:schemeClr val="accent5"/>
+              </a:lnRef>
+              <a:fillRef idx="2">
+                <a:schemeClr val="accent5"/>
+              </a:fillRef>
+              <a:effectRef idx="1">
+                <a:schemeClr val="accent5"/>
+              </a:effectRef>
+              <a:fontRef idx="minor">
+                <a:schemeClr val="dk1"/>
+              </a:fontRef>
+            </p:style>
+            <p:txBody>
+              <a:bodyPr wrap="none" lIns="36000" tIns="36000" rIns="36000" bIns="36000" rtlCol="0" anchor="ctr"/>
+              <a:lstStyle/>
+              <a:p>
+                <a:pPr algn="ctr">
+                  <a:lnSpc>
+                    <a:spcPts val="1460"/>
+                  </a:lnSpc>
+                </a:pPr>
+                <a:r>
+                  <a:rPr kumimoji="1" lang="en-US" altLang="ja-JP" dirty="0" smtClean="0">
+                    <a:solidFill>
+                      <a:schemeClr val="tx1">
+                        <a:lumMod val="75000"/>
+                        <a:lumOff val="25000"/>
+                      </a:schemeClr>
+                    </a:solidFill>
+                  </a:rPr>
+                  <a:t>OCI Runtime</a:t>
+                </a:r>
+                <a:endParaRPr kumimoji="1" lang="ja-JP" altLang="en-US" dirty="0">
+                  <a:solidFill>
+                    <a:schemeClr val="tx1">
+                      <a:lumMod val="75000"/>
+                      <a:lumOff val="25000"/>
+                    </a:schemeClr>
+                  </a:solidFill>
+                </a:endParaRPr>
+              </a:p>
+            </p:txBody>
+          </p:sp>
+        </p:grpSp>
+      </p:grpSp>
+      <p:cxnSp>
+        <p:nvCxnSpPr>
+          <p:cNvPr id="69" name="カギ線コネクタ 68"/>
+          <p:cNvCxnSpPr>
+            <a:stCxn id="53" idx="2"/>
+            <a:endCxn id="87" idx="0"/>
+          </p:cNvCxnSpPr>
+          <p:nvPr/>
+        </p:nvCxnSpPr>
+        <p:spPr>
+          <a:xfrm rot="16200000" flipH="1">
+            <a:off x="4917594" y="6656322"/>
+            <a:ext cx="694736" cy="1628451"/>
+          </a:xfrm>
+          <a:prstGeom prst="bentConnector3">
+            <a:avLst>
+              <a:gd name="adj1" fmla="val 50000"/>
+            </a:avLst>
+          </a:prstGeom>
+          <a:ln w="25400">
+            <a:tailEnd type="triangle" w="lg" len="lg"/>
+          </a:ln>
+        </p:spPr>
+        <p:style>
+          <a:lnRef idx="1">
+            <a:schemeClr val="accent5"/>
+          </a:lnRef>
+          <a:fillRef idx="0">
+            <a:schemeClr val="accent5"/>
+          </a:fillRef>
+          <a:effectRef idx="0">
+            <a:schemeClr val="accent5"/>
+          </a:effectRef>
+          <a:fontRef idx="minor">
+            <a:schemeClr val="tx1"/>
+          </a:fontRef>
+        </p:style>
+      </p:cxnSp>
+      <p:cxnSp>
+        <p:nvCxnSpPr>
+          <p:cNvPr id="70" name="直線矢印コネクタ 69"/>
+          <p:cNvCxnSpPr/>
+          <p:nvPr/>
+        </p:nvCxnSpPr>
+        <p:spPr>
+          <a:xfrm flipH="1">
+            <a:off x="2759562" y="10555193"/>
+            <a:ext cx="1" cy="515267"/>
+          </a:xfrm>
+          <a:prstGeom prst="straightConnector1">
+            <a:avLst/>
+          </a:prstGeom>
+          <a:ln w="25400">
+            <a:tailEnd type="triangle" w="lg" len="lg"/>
+          </a:ln>
+        </p:spPr>
+        <p:style>
+          <a:lnRef idx="1">
+            <a:schemeClr val="accent5"/>
+          </a:lnRef>
+          <a:fillRef idx="0">
+            <a:schemeClr val="accent5"/>
+          </a:fillRef>
+          <a:effectRef idx="0">
+            <a:schemeClr val="accent5"/>
+          </a:effectRef>
+          <a:fontRef idx="minor">
+            <a:schemeClr val="tx1"/>
+          </a:fontRef>
+        </p:style>
+      </p:cxnSp>
+      <p:grpSp>
+        <p:nvGrpSpPr>
+          <p:cNvPr id="75" name="グループ化 74"/>
+          <p:cNvGrpSpPr/>
+          <p:nvPr/>
+        </p:nvGrpSpPr>
+        <p:grpSpPr>
+          <a:xfrm>
+            <a:off x="4804532" y="8641772"/>
+            <a:ext cx="2534796" cy="1913421"/>
+            <a:chOff x="4845516" y="4374228"/>
+            <a:chExt cx="2534796" cy="1913421"/>
+          </a:xfrm>
+        </p:grpSpPr>
+        <p:sp>
+          <p:nvSpPr>
+            <p:cNvPr id="81" name="テキスト ボックス 80"/>
+            <p:cNvSpPr txBox="1"/>
+            <p:nvPr/>
+          </p:nvSpPr>
+          <p:spPr>
+            <a:xfrm>
+              <a:off x="5428839" y="5659388"/>
+              <a:ext cx="1368152" cy="523220"/>
+            </a:xfrm>
+            <a:prstGeom prst="rect">
+              <a:avLst/>
+            </a:prstGeom>
+            <a:noFill/>
+          </p:spPr>
+          <p:txBody>
+            <a:bodyPr wrap="square" rtlCol="0">
+              <a:spAutoFit/>
+            </a:bodyPr>
+            <a:lstStyle/>
+            <a:p>
+              <a:pPr algn="ctr"/>
+              <a:r>
+                <a:rPr lang="en-US" altLang="ja-JP" sz="2800" dirty="0" err="1" smtClean="0">
+                  <a:solidFill>
+                    <a:schemeClr val="tx1">
+                      <a:lumMod val="75000"/>
+                      <a:lumOff val="25000"/>
+                    </a:schemeClr>
+                  </a:solidFill>
+                  <a:latin typeface="Arial" panose="020B0604020202020204" pitchFamily="34" charset="0"/>
+                  <a:cs typeface="Arial" panose="020B0604020202020204" pitchFamily="34" charset="0"/>
+                </a:rPr>
+                <a:t>runnc</a:t>
+              </a:r>
+              <a:endParaRPr kumimoji="1" lang="ja-JP" altLang="en-US" sz="2800" dirty="0">
+                <a:solidFill>
+                  <a:schemeClr val="tx1">
+                    <a:lumMod val="75000"/>
+                    <a:lumOff val="25000"/>
+                  </a:schemeClr>
+                </a:solidFill>
+                <a:latin typeface="Arial" panose="020B0604020202020204" pitchFamily="34" charset="0"/>
+                <a:cs typeface="Arial" panose="020B0604020202020204" pitchFamily="34" charset="0"/>
+              </a:endParaRPr>
+            </a:p>
+          </p:txBody>
+        </p:sp>
+        <p:grpSp>
+          <p:nvGrpSpPr>
+            <p:cNvPr id="77" name="グループ化 76"/>
+            <p:cNvGrpSpPr/>
+            <p:nvPr/>
+          </p:nvGrpSpPr>
+          <p:grpSpPr>
+            <a:xfrm>
+              <a:off x="4845516" y="4374228"/>
+              <a:ext cx="2534796" cy="1913421"/>
+              <a:chOff x="2901300" y="4435876"/>
+              <a:chExt cx="2534796" cy="1913421"/>
+            </a:xfrm>
+          </p:grpSpPr>
+          <p:sp>
+            <p:nvSpPr>
+              <p:cNvPr id="78" name="角丸四角形 77"/>
+              <p:cNvSpPr/>
+              <p:nvPr/>
+            </p:nvSpPr>
+            <p:spPr>
+              <a:xfrm>
+                <a:off x="2915816" y="4464905"/>
+                <a:ext cx="2520280" cy="1884392"/>
+              </a:xfrm>
+              <a:prstGeom prst="roundRect">
+                <a:avLst>
+                  <a:gd name="adj" fmla="val 13586"/>
+                </a:avLst>
+              </a:prstGeom>
+              <a:noFill/>
+              <a:ln>
+                <a:prstDash val="dash"/>
+              </a:ln>
+            </p:spPr>
+            <p:style>
+              <a:lnRef idx="2">
+                <a:schemeClr val="accent5"/>
+              </a:lnRef>
+              <a:fillRef idx="1">
+                <a:schemeClr val="lt1"/>
+              </a:fillRef>
+              <a:effectRef idx="0">
+                <a:schemeClr val="accent5"/>
+              </a:effectRef>
+              <a:fontRef idx="minor">
+                <a:schemeClr val="dk1"/>
+              </a:fontRef>
+            </p:style>
+            <p:txBody>
+              <a:bodyPr rtlCol="0" anchor="ctr"/>
+              <a:lstStyle/>
+              <a:p>
+                <a:pPr algn="ctr"/>
+                <a:endParaRPr kumimoji="1" lang="ja-JP" altLang="en-US"/>
+              </a:p>
+            </p:txBody>
+          </p:sp>
+          <p:sp>
+            <p:nvSpPr>
+              <p:cNvPr id="79" name="対角する 2 つの角を丸めた四角形 78"/>
+              <p:cNvSpPr/>
+              <p:nvPr/>
+            </p:nvSpPr>
+            <p:spPr>
+              <a:xfrm>
+                <a:off x="2901300" y="4435876"/>
+                <a:ext cx="1332000" cy="288000"/>
+              </a:xfrm>
+              <a:prstGeom prst="round2DiagRect">
+                <a:avLst/>
+              </a:prstGeom>
+              <a:effectLst/>
+            </p:spPr>
+            <p:style>
+              <a:lnRef idx="1">
+                <a:schemeClr val="accent5"/>
+              </a:lnRef>
+              <a:fillRef idx="2">
+                <a:schemeClr val="accent5"/>
+              </a:fillRef>
+              <a:effectRef idx="1">
+                <a:schemeClr val="accent5"/>
+              </a:effectRef>
+              <a:fontRef idx="minor">
+                <a:schemeClr val="dk1"/>
+              </a:fontRef>
+            </p:style>
+            <p:txBody>
+              <a:bodyPr wrap="none" lIns="36000" tIns="36000" rIns="36000" bIns="36000" rtlCol="0" anchor="ctr"/>
+              <a:lstStyle/>
+              <a:p>
+                <a:pPr algn="ctr">
+                  <a:lnSpc>
+                    <a:spcPts val="1460"/>
+                  </a:lnSpc>
+                </a:pPr>
+                <a:r>
+                  <a:rPr kumimoji="1" lang="en-US" altLang="ja-JP" dirty="0" smtClean="0">
+                    <a:solidFill>
+                      <a:schemeClr val="tx1">
+                        <a:lumMod val="75000"/>
+                        <a:lumOff val="25000"/>
+                      </a:schemeClr>
+                    </a:solidFill>
+                  </a:rPr>
+                  <a:t>OCI Runtime</a:t>
+                </a:r>
+                <a:endParaRPr kumimoji="1" lang="ja-JP" altLang="en-US" dirty="0">
+                  <a:solidFill>
+                    <a:schemeClr val="tx1">
+                      <a:lumMod val="75000"/>
+                      <a:lumOff val="25000"/>
+                    </a:schemeClr>
+                  </a:solidFill>
+                </a:endParaRPr>
+              </a:p>
+            </p:txBody>
+          </p:sp>
+        </p:grpSp>
+      </p:grpSp>
+      <p:cxnSp>
+        <p:nvCxnSpPr>
+          <p:cNvPr id="82" name="直線矢印コネクタ 81"/>
+          <p:cNvCxnSpPr/>
+          <p:nvPr/>
+        </p:nvCxnSpPr>
+        <p:spPr>
+          <a:xfrm flipH="1">
+            <a:off x="6071930" y="10536813"/>
+            <a:ext cx="1" cy="515267"/>
+          </a:xfrm>
+          <a:prstGeom prst="straightConnector1">
+            <a:avLst/>
+          </a:prstGeom>
+          <a:ln w="25400">
+            <a:tailEnd type="triangle" w="lg" len="lg"/>
+          </a:ln>
+        </p:spPr>
+        <p:style>
+          <a:lnRef idx="1">
+            <a:schemeClr val="accent5"/>
+          </a:lnRef>
+          <a:fillRef idx="0">
+            <a:schemeClr val="accent5"/>
+          </a:fillRef>
+          <a:effectRef idx="0">
+            <a:schemeClr val="accent5"/>
+          </a:effectRef>
+          <a:fontRef idx="minor">
+            <a:schemeClr val="tx1"/>
+          </a:fontRef>
+        </p:style>
+      </p:cxnSp>
+      <p:sp>
+        <p:nvSpPr>
+          <p:cNvPr id="86" name="正方形/長方形 85"/>
+          <p:cNvSpPr/>
+          <p:nvPr/>
+        </p:nvSpPr>
+        <p:spPr>
+          <a:xfrm>
+            <a:off x="1393687" y="7817916"/>
+            <a:ext cx="2746265" cy="523220"/>
+          </a:xfrm>
+          <a:prstGeom prst="rect">
+            <a:avLst/>
+          </a:prstGeom>
+        </p:spPr>
+        <p:style>
+          <a:lnRef idx="2">
+            <a:schemeClr val="accent5"/>
+          </a:lnRef>
+          <a:fillRef idx="1">
+            <a:schemeClr val="lt1"/>
+          </a:fillRef>
+          <a:effectRef idx="0">
+            <a:schemeClr val="accent5"/>
+          </a:effectRef>
+          <a:fontRef idx="minor">
+            <a:schemeClr val="dk1"/>
+          </a:fontRef>
+        </p:style>
+        <p:txBody>
+          <a:bodyPr rot="0" spcFirstLastPara="0" vertOverflow="overflow" horzOverflow="overflow" vert="horz" wrap="none" lIns="91440" tIns="45720" rIns="91440" bIns="45720" numCol="1" spcCol="0" rtlCol="0" fromWordArt="0" anchor="ctr" anchorCtr="0" forceAA="0" compatLnSpc="1">
+            <a:prstTxWarp prst="textNoShape">
+              <a:avLst/>
+            </a:prstTxWarp>
+            <a:spAutoFit/>
+          </a:bodyPr>
+          <a:lstStyle/>
+          <a:p>
+            <a:pPr algn="ctr"/>
+            <a:r>
+              <a:rPr lang="en-US" altLang="ja-JP" sz="2800" dirty="0" err="1">
+                <a:solidFill>
+                  <a:schemeClr val="accent1">
+                    <a:lumMod val="75000"/>
+                  </a:schemeClr>
+                </a:solidFill>
+                <a:latin typeface="Arial" panose="020B0604020202020204" pitchFamily="34" charset="0"/>
+                <a:cs typeface="Arial" panose="020B0604020202020204" pitchFamily="34" charset="0"/>
+              </a:rPr>
+              <a:t>c</a:t>
+            </a:r>
+            <a:r>
+              <a:rPr lang="en-US" altLang="ja-JP" sz="2800" dirty="0" err="1" smtClean="0">
+                <a:solidFill>
+                  <a:schemeClr val="accent1">
+                    <a:lumMod val="75000"/>
+                  </a:schemeClr>
+                </a:solidFill>
+                <a:latin typeface="Arial" panose="020B0604020202020204" pitchFamily="34" charset="0"/>
+                <a:cs typeface="Arial" panose="020B0604020202020204" pitchFamily="34" charset="0"/>
+              </a:rPr>
+              <a:t>ontainerd</a:t>
+            </a:r>
+            <a:r>
+              <a:rPr lang="en-US" altLang="ja-JP" sz="2800" dirty="0" smtClean="0">
+                <a:solidFill>
+                  <a:schemeClr val="accent1">
+                    <a:lumMod val="75000"/>
+                  </a:schemeClr>
+                </a:solidFill>
+                <a:latin typeface="Arial" panose="020B0604020202020204" pitchFamily="34" charset="0"/>
+                <a:cs typeface="Arial" panose="020B0604020202020204" pitchFamily="34" charset="0"/>
+              </a:rPr>
+              <a:t>-shim</a:t>
+            </a:r>
+            <a:endParaRPr lang="ja-JP" altLang="en-US" sz="2800" dirty="0">
+              <a:solidFill>
+                <a:schemeClr val="accent1">
+                  <a:lumMod val="75000"/>
+                </a:schemeClr>
+              </a:solidFill>
+              <a:latin typeface="Arial" panose="020B0604020202020204" pitchFamily="34" charset="0"/>
+              <a:cs typeface="Arial" panose="020B0604020202020204" pitchFamily="34" charset="0"/>
+            </a:endParaRPr>
+          </a:p>
+        </p:txBody>
+      </p:sp>
+      <p:sp>
+        <p:nvSpPr>
+          <p:cNvPr id="87" name="正方形/長方形 86"/>
+          <p:cNvSpPr/>
+          <p:nvPr/>
+        </p:nvSpPr>
+        <p:spPr>
+          <a:xfrm>
+            <a:off x="4706055" y="7817916"/>
+            <a:ext cx="2746265" cy="523220"/>
+          </a:xfrm>
+          <a:prstGeom prst="rect">
+            <a:avLst/>
+          </a:prstGeom>
+        </p:spPr>
+        <p:style>
+          <a:lnRef idx="2">
+            <a:schemeClr val="accent5"/>
+          </a:lnRef>
+          <a:fillRef idx="1">
+            <a:schemeClr val="lt1"/>
+          </a:fillRef>
+          <a:effectRef idx="0">
+            <a:schemeClr val="accent5"/>
+          </a:effectRef>
+          <a:fontRef idx="minor">
+            <a:schemeClr val="dk1"/>
+          </a:fontRef>
+        </p:style>
+        <p:txBody>
+          <a:bodyPr rot="0" spcFirstLastPara="0" vertOverflow="overflow" horzOverflow="overflow" vert="horz" wrap="none" lIns="91440" tIns="45720" rIns="91440" bIns="45720" numCol="1" spcCol="0" rtlCol="0" fromWordArt="0" anchor="ctr" anchorCtr="0" forceAA="0" compatLnSpc="1">
+            <a:prstTxWarp prst="textNoShape">
+              <a:avLst/>
+            </a:prstTxWarp>
+            <a:spAutoFit/>
+          </a:bodyPr>
+          <a:lstStyle/>
+          <a:p>
+            <a:pPr algn="ctr"/>
+            <a:r>
+              <a:rPr lang="en-US" altLang="ja-JP" sz="2800" dirty="0" err="1">
+                <a:solidFill>
+                  <a:schemeClr val="accent1">
+                    <a:lumMod val="75000"/>
+                  </a:schemeClr>
+                </a:solidFill>
+                <a:latin typeface="Arial" panose="020B0604020202020204" pitchFamily="34" charset="0"/>
+                <a:cs typeface="Arial" panose="020B0604020202020204" pitchFamily="34" charset="0"/>
+              </a:rPr>
+              <a:t>c</a:t>
+            </a:r>
+            <a:r>
+              <a:rPr lang="en-US" altLang="ja-JP" sz="2800" dirty="0" err="1" smtClean="0">
+                <a:solidFill>
+                  <a:schemeClr val="accent1">
+                    <a:lumMod val="75000"/>
+                  </a:schemeClr>
+                </a:solidFill>
+                <a:latin typeface="Arial" panose="020B0604020202020204" pitchFamily="34" charset="0"/>
+                <a:cs typeface="Arial" panose="020B0604020202020204" pitchFamily="34" charset="0"/>
+              </a:rPr>
+              <a:t>ontainerd</a:t>
+            </a:r>
+            <a:r>
+              <a:rPr lang="en-US" altLang="ja-JP" sz="2800" dirty="0" smtClean="0">
+                <a:solidFill>
+                  <a:schemeClr val="accent1">
+                    <a:lumMod val="75000"/>
+                  </a:schemeClr>
+                </a:solidFill>
+                <a:latin typeface="Arial" panose="020B0604020202020204" pitchFamily="34" charset="0"/>
+                <a:cs typeface="Arial" panose="020B0604020202020204" pitchFamily="34" charset="0"/>
+              </a:rPr>
+              <a:t>-shim</a:t>
+            </a:r>
+            <a:endParaRPr lang="ja-JP" altLang="en-US" sz="2800" dirty="0">
+              <a:solidFill>
+                <a:schemeClr val="accent1">
+                  <a:lumMod val="75000"/>
+                </a:schemeClr>
+              </a:solidFill>
+              <a:latin typeface="Arial" panose="020B0604020202020204" pitchFamily="34" charset="0"/>
+              <a:cs typeface="Arial" panose="020B0604020202020204" pitchFamily="34" charset="0"/>
+            </a:endParaRPr>
+          </a:p>
+        </p:txBody>
+      </p:sp>
+      <p:cxnSp>
+        <p:nvCxnSpPr>
+          <p:cNvPr id="88" name="直線矢印コネクタ 87"/>
+          <p:cNvCxnSpPr>
+            <a:stCxn id="86" idx="2"/>
+            <a:endCxn id="65" idx="0"/>
+          </p:cNvCxnSpPr>
+          <p:nvPr/>
+        </p:nvCxnSpPr>
+        <p:spPr>
+          <a:xfrm>
+            <a:off x="2766820" y="8341136"/>
+            <a:ext cx="0" cy="329665"/>
+          </a:xfrm>
+          <a:prstGeom prst="straightConnector1">
+            <a:avLst/>
+          </a:prstGeom>
+          <a:ln w="25400">
+            <a:tailEnd type="triangle" w="lg" len="lg"/>
+          </a:ln>
+        </p:spPr>
+        <p:style>
+          <a:lnRef idx="1">
+            <a:schemeClr val="accent5"/>
+          </a:lnRef>
+          <a:fillRef idx="0">
+            <a:schemeClr val="accent5"/>
+          </a:fillRef>
+          <a:effectRef idx="0">
+            <a:schemeClr val="accent5"/>
+          </a:effectRef>
+          <a:fontRef idx="minor">
+            <a:schemeClr val="tx1"/>
+          </a:fontRef>
+        </p:style>
+      </p:cxnSp>
+      <p:cxnSp>
+        <p:nvCxnSpPr>
+          <p:cNvPr id="89" name="直線矢印コネクタ 88"/>
+          <p:cNvCxnSpPr>
+            <a:stCxn id="87" idx="2"/>
+          </p:cNvCxnSpPr>
+          <p:nvPr/>
+        </p:nvCxnSpPr>
+        <p:spPr>
+          <a:xfrm flipH="1">
+            <a:off x="6071930" y="8341136"/>
+            <a:ext cx="7258" cy="300636"/>
+          </a:xfrm>
+          <a:prstGeom prst="straightConnector1">
+            <a:avLst/>
+          </a:prstGeom>
+          <a:ln w="25400">
+            <a:tailEnd type="triangle" w="lg" len="lg"/>
+          </a:ln>
+        </p:spPr>
+        <p:style>
+          <a:lnRef idx="1">
+            <a:schemeClr val="accent5"/>
+          </a:lnRef>
+          <a:fillRef idx="0">
+            <a:schemeClr val="accent5"/>
+          </a:fillRef>
+          <a:effectRef idx="0">
+            <a:schemeClr val="accent5"/>
+          </a:effectRef>
+          <a:fontRef idx="minor">
+            <a:schemeClr val="tx1"/>
+          </a:fontRef>
+        </p:style>
+      </p:cxnSp>
+      <p:pic>
+        <p:nvPicPr>
+          <p:cNvPr id="1026" name="Picture 2" descr="C:\Users\kaitoy\Desktop\bin\pleiades\workspace\chronicle-container-runtimes\img\nabla.png"/>
+          <p:cNvPicPr>
+            <a:picLocks noChangeAspect="1" noChangeArrowheads="1"/>
+          </p:cNvPicPr>
+          <p:nvPr/>
+        </p:nvPicPr>
+        <p:blipFill>
+          <a:blip r:embed="rId4">
+            <a:extLst>
+              <a:ext uri="{28A0092B-C50C-407E-A947-70E740481C1C}">
+                <a14:useLocalDpi xmlns:a14="http://schemas.microsoft.com/office/drawing/2010/main" val="0"/>
+              </a:ext>
+            </a:extLst>
+          </a:blip>
+          <a:srcRect/>
+          <a:stretch>
+            <a:fillRect/>
+          </a:stretch>
+        </p:blipFill>
+        <p:spPr bwMode="auto">
+          <a:xfrm>
+            <a:off x="2334889" y="9113368"/>
+            <a:ext cx="849346" cy="849346"/>
+          </a:xfrm>
+          <a:prstGeom prst="rect">
+            <a:avLst/>
+          </a:prstGeom>
+          <a:noFill/>
+          <a:extLst>
+            <a:ext uri="{909E8E84-426E-40DD-AFC4-6F175D3DCCD1}">
+              <a14:hiddenFill xmlns:a14="http://schemas.microsoft.com/office/drawing/2010/main">
+                <a:solidFill>
+                  <a:srgbClr val="FFFFFF"/>
+                </a:solidFill>
+              </a14:hiddenFill>
+            </a:ext>
+          </a:extLst>
+        </p:spPr>
+      </p:pic>
+      <p:pic>
+        <p:nvPicPr>
+          <p:cNvPr id="44" name="Picture 2" descr="C:\Users\kaitoy\Desktop\bin\pleiades\workspace\chronicle-container-runtimes\img\nabla.png"/>
+          <p:cNvPicPr>
+            <a:picLocks noChangeAspect="1" noChangeArrowheads="1"/>
+          </p:cNvPicPr>
+          <p:nvPr/>
+        </p:nvPicPr>
+        <p:blipFill>
+          <a:blip r:embed="rId4">
+            <a:extLst>
+              <a:ext uri="{28A0092B-C50C-407E-A947-70E740481C1C}">
+                <a14:useLocalDpi xmlns:a14="http://schemas.microsoft.com/office/drawing/2010/main" val="0"/>
+              </a:ext>
+            </a:extLst>
+          </a:blip>
+          <a:srcRect/>
+          <a:stretch>
+            <a:fillRect/>
+          </a:stretch>
+        </p:blipFill>
+        <p:spPr bwMode="auto">
+          <a:xfrm>
+            <a:off x="5647257" y="9113368"/>
+            <a:ext cx="849346" cy="849346"/>
+          </a:xfrm>
+          <a:prstGeom prst="rect">
+            <a:avLst/>
+          </a:prstGeom>
+          <a:noFill/>
+          <a:extLst>
+            <a:ext uri="{909E8E84-426E-40DD-AFC4-6F175D3DCCD1}">
+              <a14:hiddenFill xmlns:a14="http://schemas.microsoft.com/office/drawing/2010/main">
+                <a:solidFill>
+                  <a:srgbClr val="FFFFFF"/>
+                </a:solidFill>
+              </a14:hiddenFill>
+            </a:ext>
+          </a:extLst>
+        </p:spPr>
+      </p:pic>
+      <p:grpSp>
+        <p:nvGrpSpPr>
+          <p:cNvPr id="5" name="グループ化 4"/>
+          <p:cNvGrpSpPr/>
+          <p:nvPr/>
+        </p:nvGrpSpPr>
+        <p:grpSpPr>
+          <a:xfrm>
+            <a:off x="1217797" y="11160178"/>
+            <a:ext cx="3083529" cy="3475548"/>
+            <a:chOff x="1979711" y="12785776"/>
+            <a:chExt cx="3083529" cy="3475548"/>
+          </a:xfrm>
+        </p:grpSpPr>
+        <p:sp>
+          <p:nvSpPr>
+            <p:cNvPr id="59" name="直方体 58"/>
+            <p:cNvSpPr/>
+            <p:nvPr/>
+          </p:nvSpPr>
+          <p:spPr>
+            <a:xfrm>
+              <a:off x="1979711" y="12785776"/>
+              <a:ext cx="3083529" cy="2880000"/>
+            </a:xfrm>
+            <a:prstGeom prst="cube">
+              <a:avLst/>
+            </a:prstGeom>
+          </p:spPr>
+          <p:style>
+            <a:lnRef idx="2">
+              <a:schemeClr val="accent5"/>
+            </a:lnRef>
+            <a:fillRef idx="1">
+              <a:schemeClr val="lt1"/>
+            </a:fillRef>
+            <a:effectRef idx="0">
+              <a:schemeClr val="accent5"/>
+            </a:effectRef>
+            <a:fontRef idx="minor">
+              <a:schemeClr val="dk1"/>
+            </a:fontRef>
+          </p:style>
+          <p:txBody>
+            <a:bodyPr rtlCol="0" anchor="ctr"/>
+            <a:lstStyle/>
+            <a:p>
+              <a:pPr algn="ctr"/>
+              <a:endParaRPr kumimoji="1" lang="ja-JP" altLang="en-US"/>
+            </a:p>
+          </p:txBody>
+        </p:sp>
+        <p:sp>
+          <p:nvSpPr>
+            <p:cNvPr id="60" name="テキスト ボックス 59"/>
+            <p:cNvSpPr txBox="1"/>
+            <p:nvPr/>
+          </p:nvSpPr>
+          <p:spPr>
+            <a:xfrm>
+              <a:off x="2309578" y="15738104"/>
+              <a:ext cx="1665841" cy="523220"/>
+            </a:xfrm>
+            <a:prstGeom prst="rect">
+              <a:avLst/>
+            </a:prstGeom>
+            <a:noFill/>
+          </p:spPr>
+          <p:txBody>
+            <a:bodyPr wrap="none" rtlCol="0">
+              <a:spAutoFit/>
+            </a:bodyPr>
+            <a:lstStyle/>
+            <a:p>
+              <a:pPr algn="ctr"/>
+              <a:r>
+                <a:rPr lang="en-US" altLang="ja-JP" sz="2800" dirty="0" smtClean="0">
+                  <a:solidFill>
+                    <a:schemeClr val="tx1">
+                      <a:lumMod val="75000"/>
+                      <a:lumOff val="25000"/>
+                    </a:schemeClr>
+                  </a:solidFill>
+                  <a:latin typeface="Arial" panose="020B0604020202020204" pitchFamily="34" charset="0"/>
+                  <a:cs typeface="Arial" panose="020B0604020202020204" pitchFamily="34" charset="0"/>
+                </a:rPr>
+                <a:t>container</a:t>
+              </a:r>
+              <a:endParaRPr kumimoji="1" lang="ja-JP" altLang="en-US" sz="2800" dirty="0">
+                <a:solidFill>
+                  <a:schemeClr val="tx1">
+                    <a:lumMod val="75000"/>
+                    <a:lumOff val="25000"/>
+                  </a:schemeClr>
+                </a:solidFill>
+                <a:latin typeface="Arial" panose="020B0604020202020204" pitchFamily="34" charset="0"/>
+                <a:cs typeface="Arial" panose="020B0604020202020204" pitchFamily="34" charset="0"/>
+              </a:endParaRPr>
+            </a:p>
+          </p:txBody>
+        </p:sp>
+        <p:grpSp>
+          <p:nvGrpSpPr>
+            <p:cNvPr id="4" name="グループ化 3"/>
+            <p:cNvGrpSpPr/>
+            <p:nvPr/>
+          </p:nvGrpSpPr>
+          <p:grpSpPr>
+            <a:xfrm>
+              <a:off x="2310604" y="13702788"/>
+              <a:ext cx="1685332" cy="1776313"/>
+              <a:chOff x="4189815" y="12850384"/>
+              <a:chExt cx="1685332" cy="1776313"/>
+            </a:xfrm>
+          </p:grpSpPr>
+          <p:sp>
+            <p:nvSpPr>
+              <p:cNvPr id="45" name="正方形/長方形 44"/>
+              <p:cNvSpPr/>
+              <p:nvPr/>
+            </p:nvSpPr>
+            <p:spPr>
+              <a:xfrm>
+                <a:off x="4189815" y="13918811"/>
+                <a:ext cx="1685029" cy="707886"/>
+              </a:xfrm>
+              <a:prstGeom prst="rect">
+                <a:avLst/>
+              </a:prstGeom>
+              <a:ln>
+                <a:solidFill>
+                  <a:schemeClr val="tx1">
+                    <a:lumMod val="65000"/>
+                    <a:lumOff val="35000"/>
+                  </a:schemeClr>
+                </a:solidFill>
+              </a:ln>
+            </p:spPr>
+            <p:style>
+              <a:lnRef idx="2">
+                <a:schemeClr val="dk1"/>
+              </a:lnRef>
+              <a:fillRef idx="1">
+                <a:schemeClr val="lt1"/>
+              </a:fillRef>
+              <a:effectRef idx="0">
+                <a:schemeClr val="dk1"/>
+              </a:effectRef>
+              <a:fontRef idx="minor">
+                <a:schemeClr val="dk1"/>
+              </a:fontRef>
+            </p:style>
+            <p:txBody>
+              <a:bodyPr rot="0" spcFirstLastPara="0" vertOverflow="overflow" horzOverflow="overflow" vert="horz" wrap="square" lIns="91440" tIns="45720" rIns="91440" bIns="45720" numCol="1" spcCol="0" rtlCol="0" fromWordArt="0" anchor="ctr" anchorCtr="0" forceAA="0" compatLnSpc="1">
+                <a:prstTxWarp prst="textNoShape">
+                  <a:avLst/>
+                </a:prstTxWarp>
+                <a:spAutoFit/>
+              </a:bodyPr>
+              <a:lstStyle/>
+              <a:p>
+                <a:pPr algn="ctr"/>
+                <a:r>
+                  <a:rPr lang="ja-JP" altLang="en-US" sz="2000" dirty="0" smtClean="0">
+                    <a:solidFill>
+                      <a:schemeClr val="tx1">
+                        <a:lumMod val="65000"/>
+                        <a:lumOff val="35000"/>
+                      </a:schemeClr>
+                    </a:solidFill>
+                    <a:latin typeface="Arial" panose="020B0604020202020204" pitchFamily="34" charset="0"/>
+                    <a:cs typeface="Arial" panose="020B0604020202020204" pitchFamily="34" charset="0"/>
+                  </a:rPr>
+                  <a:t>ハイパバイザ</a:t>
+                </a:r>
+                <a:endParaRPr lang="en-US" altLang="ja-JP" sz="2000" dirty="0" smtClean="0">
+                  <a:solidFill>
+                    <a:schemeClr val="tx1">
+                      <a:lumMod val="65000"/>
+                      <a:lumOff val="35000"/>
+                    </a:schemeClr>
+                  </a:solidFill>
+                  <a:latin typeface="Arial" panose="020B0604020202020204" pitchFamily="34" charset="0"/>
+                  <a:cs typeface="Arial" panose="020B0604020202020204" pitchFamily="34" charset="0"/>
+                </a:endParaRPr>
+              </a:p>
+              <a:p>
+                <a:pPr algn="ctr"/>
+                <a:r>
+                  <a:rPr lang="en-US" altLang="ja-JP" sz="2000" dirty="0" smtClean="0">
+                    <a:solidFill>
+                      <a:schemeClr val="tx1">
+                        <a:lumMod val="65000"/>
+                        <a:lumOff val="35000"/>
+                      </a:schemeClr>
+                    </a:solidFill>
+                    <a:latin typeface="Arial" panose="020B0604020202020204" pitchFamily="34" charset="0"/>
+                    <a:cs typeface="Arial" panose="020B0604020202020204" pitchFamily="34" charset="0"/>
+                  </a:rPr>
+                  <a:t>(Solo5)</a:t>
+                </a:r>
+                <a:endParaRPr lang="ja-JP" altLang="en-US" sz="2000" dirty="0">
+                  <a:solidFill>
+                    <a:schemeClr val="tx1">
+                      <a:lumMod val="65000"/>
+                      <a:lumOff val="35000"/>
+                    </a:schemeClr>
+                  </a:solidFill>
+                  <a:latin typeface="Arial" panose="020B0604020202020204" pitchFamily="34" charset="0"/>
+                  <a:cs typeface="Arial" panose="020B0604020202020204" pitchFamily="34" charset="0"/>
+                </a:endParaRPr>
+              </a:p>
+            </p:txBody>
+          </p:sp>
+          <p:sp>
+            <p:nvSpPr>
+              <p:cNvPr id="46" name="正方形/長方形 45"/>
+              <p:cNvSpPr/>
+              <p:nvPr/>
+            </p:nvSpPr>
+            <p:spPr>
+              <a:xfrm>
+                <a:off x="4189815" y="13210925"/>
+                <a:ext cx="1685029" cy="707886"/>
+              </a:xfrm>
+              <a:prstGeom prst="rect">
+                <a:avLst/>
+              </a:prstGeom>
+              <a:ln>
+                <a:solidFill>
+                  <a:schemeClr val="tx1">
+                    <a:lumMod val="65000"/>
+                    <a:lumOff val="35000"/>
+                  </a:schemeClr>
+                </a:solidFill>
+              </a:ln>
+            </p:spPr>
+            <p:style>
+              <a:lnRef idx="2">
+                <a:schemeClr val="dk1"/>
+              </a:lnRef>
+              <a:fillRef idx="1">
+                <a:schemeClr val="lt1"/>
+              </a:fillRef>
+              <a:effectRef idx="0">
+                <a:schemeClr val="dk1"/>
+              </a:effectRef>
+              <a:fontRef idx="minor">
+                <a:schemeClr val="dk1"/>
+              </a:fontRef>
+            </p:style>
+            <p:txBody>
+              <a:bodyPr rot="0" spcFirstLastPara="0" vertOverflow="overflow" horzOverflow="overflow" vert="horz" wrap="square" lIns="91440" tIns="45720" rIns="91440" bIns="45720" numCol="1" spcCol="0" rtlCol="0" fromWordArt="0" anchor="ctr" anchorCtr="0" forceAA="0" compatLnSpc="1">
+                <a:prstTxWarp prst="textNoShape">
+                  <a:avLst/>
+                </a:prstTxWarp>
+                <a:spAutoFit/>
+              </a:bodyPr>
+              <a:lstStyle/>
+              <a:p>
+                <a:pPr algn="ctr"/>
+                <a:r>
+                  <a:rPr lang="ja-JP" altLang="en-US" sz="2000" dirty="0" smtClean="0">
+                    <a:solidFill>
+                      <a:schemeClr val="tx1">
+                        <a:lumMod val="65000"/>
+                        <a:lumOff val="35000"/>
+                      </a:schemeClr>
+                    </a:solidFill>
+                    <a:latin typeface="Arial" panose="020B0604020202020204" pitchFamily="34" charset="0"/>
+                    <a:cs typeface="Arial" panose="020B0604020202020204" pitchFamily="34" charset="0"/>
+                  </a:rPr>
+                  <a:t>ライブラリ</a:t>
+                </a:r>
+                <a:r>
+                  <a:rPr lang="en-US" altLang="ja-JP" sz="2000" dirty="0" smtClean="0">
+                    <a:solidFill>
+                      <a:schemeClr val="tx1">
+                        <a:lumMod val="65000"/>
+                        <a:lumOff val="35000"/>
+                      </a:schemeClr>
+                    </a:solidFill>
+                    <a:latin typeface="Arial" panose="020B0604020202020204" pitchFamily="34" charset="0"/>
+                    <a:cs typeface="Arial" panose="020B0604020202020204" pitchFamily="34" charset="0"/>
+                  </a:rPr>
+                  <a:t>OS</a:t>
+                </a:r>
+              </a:p>
+              <a:p>
+                <a:pPr algn="ctr"/>
+                <a:r>
+                  <a:rPr lang="en-US" altLang="ja-JP" sz="2000" dirty="0" smtClean="0">
+                    <a:solidFill>
+                      <a:schemeClr val="tx1">
+                        <a:lumMod val="65000"/>
+                        <a:lumOff val="35000"/>
+                      </a:schemeClr>
+                    </a:solidFill>
+                    <a:latin typeface="Arial" panose="020B0604020202020204" pitchFamily="34" charset="0"/>
+                    <a:cs typeface="Arial" panose="020B0604020202020204" pitchFamily="34" charset="0"/>
+                  </a:rPr>
+                  <a:t>(</a:t>
+                </a:r>
+                <a:r>
+                  <a:rPr lang="en-US" altLang="ja-JP" sz="2000" dirty="0" err="1" smtClean="0">
+                    <a:solidFill>
+                      <a:schemeClr val="tx1">
+                        <a:lumMod val="65000"/>
+                        <a:lumOff val="35000"/>
+                      </a:schemeClr>
+                    </a:solidFill>
+                    <a:latin typeface="Arial" panose="020B0604020202020204" pitchFamily="34" charset="0"/>
+                    <a:cs typeface="Arial" panose="020B0604020202020204" pitchFamily="34" charset="0"/>
+                  </a:rPr>
+                  <a:t>Rumprun</a:t>
+                </a:r>
+                <a:r>
+                  <a:rPr lang="ja-JP" altLang="en-US" sz="2000" dirty="0" smtClean="0">
+                    <a:solidFill>
+                      <a:schemeClr val="tx1">
+                        <a:lumMod val="65000"/>
+                        <a:lumOff val="35000"/>
+                      </a:schemeClr>
+                    </a:solidFill>
+                    <a:latin typeface="Arial" panose="020B0604020202020204" pitchFamily="34" charset="0"/>
+                    <a:cs typeface="Arial" panose="020B0604020202020204" pitchFamily="34" charset="0"/>
+                  </a:rPr>
+                  <a:t>等</a:t>
+                </a:r>
+                <a:r>
+                  <a:rPr lang="en-US" altLang="ja-JP" sz="2000" dirty="0" smtClean="0">
+                    <a:solidFill>
+                      <a:schemeClr val="tx1">
+                        <a:lumMod val="65000"/>
+                        <a:lumOff val="35000"/>
+                      </a:schemeClr>
+                    </a:solidFill>
+                    <a:latin typeface="Arial" panose="020B0604020202020204" pitchFamily="34" charset="0"/>
+                    <a:cs typeface="Arial" panose="020B0604020202020204" pitchFamily="34" charset="0"/>
+                  </a:rPr>
+                  <a:t>)</a:t>
+                </a:r>
+                <a:endParaRPr lang="ja-JP" altLang="en-US" sz="2000" dirty="0">
+                  <a:solidFill>
+                    <a:schemeClr val="tx1">
+                      <a:lumMod val="65000"/>
+                      <a:lumOff val="35000"/>
+                    </a:schemeClr>
+                  </a:solidFill>
+                  <a:latin typeface="Arial" panose="020B0604020202020204" pitchFamily="34" charset="0"/>
+                  <a:cs typeface="Arial" panose="020B0604020202020204" pitchFamily="34" charset="0"/>
+                </a:endParaRPr>
+              </a:p>
+            </p:txBody>
+          </p:sp>
+          <p:sp>
+            <p:nvSpPr>
+              <p:cNvPr id="47" name="正方形/長方形 46"/>
+              <p:cNvSpPr/>
+              <p:nvPr/>
+            </p:nvSpPr>
+            <p:spPr>
+              <a:xfrm>
+                <a:off x="4190118" y="12850384"/>
+                <a:ext cx="1685029" cy="400110"/>
+              </a:xfrm>
+              <a:prstGeom prst="rect">
+                <a:avLst/>
+              </a:prstGeom>
+              <a:ln>
+                <a:solidFill>
+                  <a:schemeClr val="tx1">
+                    <a:lumMod val="65000"/>
+                    <a:lumOff val="35000"/>
+                  </a:schemeClr>
+                </a:solidFill>
+              </a:ln>
+            </p:spPr>
+            <p:style>
+              <a:lnRef idx="2">
+                <a:schemeClr val="dk1"/>
+              </a:lnRef>
+              <a:fillRef idx="1">
+                <a:schemeClr val="lt1"/>
+              </a:fillRef>
+              <a:effectRef idx="0">
+                <a:schemeClr val="dk1"/>
+              </a:effectRef>
+              <a:fontRef idx="minor">
+                <a:schemeClr val="dk1"/>
+              </a:fontRef>
+            </p:style>
+            <p:txBody>
+              <a:bodyPr rot="0" spcFirstLastPara="0" vertOverflow="overflow" horzOverflow="overflow" vert="horz" wrap="square" lIns="91440" tIns="45720" rIns="91440" bIns="45720" numCol="1" spcCol="0" rtlCol="0" fromWordArt="0" anchor="ctr" anchorCtr="0" forceAA="0" compatLnSpc="1">
+                <a:prstTxWarp prst="textNoShape">
+                  <a:avLst/>
+                </a:prstTxWarp>
+                <a:spAutoFit/>
+              </a:bodyPr>
+              <a:lstStyle/>
+              <a:p>
+                <a:pPr algn="ctr"/>
+                <a:r>
+                  <a:rPr lang="ja-JP" altLang="en-US" sz="2000" dirty="0" smtClean="0">
+                    <a:solidFill>
+                      <a:schemeClr val="tx1">
+                        <a:lumMod val="65000"/>
+                        <a:lumOff val="35000"/>
+                      </a:schemeClr>
+                    </a:solidFill>
+                    <a:latin typeface="Arial" panose="020B0604020202020204" pitchFamily="34" charset="0"/>
+                    <a:cs typeface="Arial" panose="020B0604020202020204" pitchFamily="34" charset="0"/>
+                  </a:rPr>
+                  <a:t>ユーザアプリ</a:t>
+                </a:r>
+                <a:endParaRPr lang="ja-JP" altLang="en-US" sz="2000" dirty="0">
+                  <a:solidFill>
+                    <a:schemeClr val="tx1">
+                      <a:lumMod val="65000"/>
+                      <a:lumOff val="35000"/>
+                    </a:schemeClr>
+                  </a:solidFill>
+                  <a:latin typeface="Arial" panose="020B0604020202020204" pitchFamily="34" charset="0"/>
+                  <a:cs typeface="Arial" panose="020B0604020202020204" pitchFamily="34" charset="0"/>
+                </a:endParaRPr>
+              </a:p>
+            </p:txBody>
+          </p:sp>
+        </p:grpSp>
+      </p:grpSp>
+      <p:grpSp>
+        <p:nvGrpSpPr>
+          <p:cNvPr id="51" name="グループ化 50"/>
+          <p:cNvGrpSpPr/>
+          <p:nvPr/>
+        </p:nvGrpSpPr>
+        <p:grpSpPr>
+          <a:xfrm>
+            <a:off x="4553675" y="11160178"/>
+            <a:ext cx="3083529" cy="3475548"/>
+            <a:chOff x="1979711" y="12785776"/>
+            <a:chExt cx="3083529" cy="3475548"/>
+          </a:xfrm>
+        </p:grpSpPr>
+        <p:sp>
+          <p:nvSpPr>
+            <p:cNvPr id="74" name="直方体 73"/>
+            <p:cNvSpPr/>
+            <p:nvPr/>
+          </p:nvSpPr>
+          <p:spPr>
+            <a:xfrm>
+              <a:off x="1979711" y="12785776"/>
+              <a:ext cx="3083529" cy="2880000"/>
+            </a:xfrm>
+            <a:prstGeom prst="cube">
+              <a:avLst/>
+            </a:prstGeom>
+          </p:spPr>
+          <p:style>
+            <a:lnRef idx="2">
+              <a:schemeClr val="accent5"/>
+            </a:lnRef>
+            <a:fillRef idx="1">
+              <a:schemeClr val="lt1"/>
+            </a:fillRef>
+            <a:effectRef idx="0">
+              <a:schemeClr val="accent5"/>
+            </a:effectRef>
+            <a:fontRef idx="minor">
+              <a:schemeClr val="dk1"/>
+            </a:fontRef>
+          </p:style>
+          <p:txBody>
+            <a:bodyPr rtlCol="0" anchor="ctr"/>
+            <a:lstStyle/>
+            <a:p>
+              <a:pPr algn="ctr"/>
+              <a:endParaRPr kumimoji="1" lang="ja-JP" altLang="en-US"/>
+            </a:p>
+          </p:txBody>
+        </p:sp>
+        <p:sp>
+          <p:nvSpPr>
+            <p:cNvPr id="90" name="テキスト ボックス 89"/>
+            <p:cNvSpPr txBox="1"/>
+            <p:nvPr/>
+          </p:nvSpPr>
+          <p:spPr>
+            <a:xfrm>
+              <a:off x="2286068" y="15738104"/>
+              <a:ext cx="1665841" cy="523220"/>
+            </a:xfrm>
+            <a:prstGeom prst="rect">
+              <a:avLst/>
+            </a:prstGeom>
+            <a:noFill/>
+          </p:spPr>
+          <p:txBody>
+            <a:bodyPr wrap="none" rtlCol="0">
+              <a:spAutoFit/>
+            </a:bodyPr>
+            <a:lstStyle/>
+            <a:p>
+              <a:pPr algn="ctr"/>
+              <a:r>
+                <a:rPr lang="en-US" altLang="ja-JP" sz="2800" dirty="0" smtClean="0">
+                  <a:solidFill>
+                    <a:schemeClr val="tx1">
+                      <a:lumMod val="75000"/>
+                      <a:lumOff val="25000"/>
+                    </a:schemeClr>
+                  </a:solidFill>
+                  <a:latin typeface="Arial" panose="020B0604020202020204" pitchFamily="34" charset="0"/>
+                  <a:cs typeface="Arial" panose="020B0604020202020204" pitchFamily="34" charset="0"/>
+                </a:rPr>
+                <a:t>container</a:t>
+              </a:r>
+              <a:endParaRPr kumimoji="1" lang="ja-JP" altLang="en-US" sz="2800" dirty="0">
+                <a:solidFill>
+                  <a:schemeClr val="tx1">
+                    <a:lumMod val="75000"/>
+                    <a:lumOff val="25000"/>
+                  </a:schemeClr>
+                </a:solidFill>
+                <a:latin typeface="Arial" panose="020B0604020202020204" pitchFamily="34" charset="0"/>
+                <a:cs typeface="Arial" panose="020B0604020202020204" pitchFamily="34" charset="0"/>
+              </a:endParaRPr>
+            </a:p>
+          </p:txBody>
+        </p:sp>
+        <p:grpSp>
+          <p:nvGrpSpPr>
+            <p:cNvPr id="91" name="グループ化 90"/>
+            <p:cNvGrpSpPr/>
+            <p:nvPr/>
+          </p:nvGrpSpPr>
+          <p:grpSpPr>
+            <a:xfrm>
+              <a:off x="2310604" y="13702788"/>
+              <a:ext cx="1685332" cy="1776313"/>
+              <a:chOff x="4189815" y="12850384"/>
+              <a:chExt cx="1685332" cy="1776313"/>
+            </a:xfrm>
+          </p:grpSpPr>
+          <p:sp>
+            <p:nvSpPr>
+              <p:cNvPr id="92" name="正方形/長方形 91"/>
+              <p:cNvSpPr/>
+              <p:nvPr/>
+            </p:nvSpPr>
+            <p:spPr>
+              <a:xfrm>
+                <a:off x="4189815" y="13918811"/>
+                <a:ext cx="1685029" cy="707886"/>
+              </a:xfrm>
+              <a:prstGeom prst="rect">
+                <a:avLst/>
+              </a:prstGeom>
+              <a:ln>
+                <a:solidFill>
+                  <a:schemeClr val="tx1">
+                    <a:lumMod val="65000"/>
+                    <a:lumOff val="35000"/>
+                  </a:schemeClr>
+                </a:solidFill>
+              </a:ln>
+            </p:spPr>
+            <p:style>
+              <a:lnRef idx="2">
+                <a:schemeClr val="dk1"/>
+              </a:lnRef>
+              <a:fillRef idx="1">
+                <a:schemeClr val="lt1"/>
+              </a:fillRef>
+              <a:effectRef idx="0">
+                <a:schemeClr val="dk1"/>
+              </a:effectRef>
+              <a:fontRef idx="minor">
+                <a:schemeClr val="dk1"/>
+              </a:fontRef>
+            </p:style>
+            <p:txBody>
+              <a:bodyPr rot="0" spcFirstLastPara="0" vertOverflow="overflow" horzOverflow="overflow" vert="horz" wrap="square" lIns="91440" tIns="45720" rIns="91440" bIns="45720" numCol="1" spcCol="0" rtlCol="0" fromWordArt="0" anchor="ctr" anchorCtr="0" forceAA="0" compatLnSpc="1">
+                <a:prstTxWarp prst="textNoShape">
+                  <a:avLst/>
+                </a:prstTxWarp>
+                <a:spAutoFit/>
+              </a:bodyPr>
+              <a:lstStyle/>
+              <a:p>
+                <a:pPr algn="ctr"/>
+                <a:r>
+                  <a:rPr lang="ja-JP" altLang="en-US" sz="2000" dirty="0" smtClean="0">
+                    <a:solidFill>
+                      <a:schemeClr val="tx1">
+                        <a:lumMod val="65000"/>
+                        <a:lumOff val="35000"/>
+                      </a:schemeClr>
+                    </a:solidFill>
+                    <a:latin typeface="Arial" panose="020B0604020202020204" pitchFamily="34" charset="0"/>
+                    <a:cs typeface="Arial" panose="020B0604020202020204" pitchFamily="34" charset="0"/>
+                  </a:rPr>
+                  <a:t>ハイパバイザ</a:t>
+                </a:r>
+                <a:endParaRPr lang="en-US" altLang="ja-JP" sz="2000" dirty="0" smtClean="0">
+                  <a:solidFill>
+                    <a:schemeClr val="tx1">
+                      <a:lumMod val="65000"/>
+                      <a:lumOff val="35000"/>
+                    </a:schemeClr>
+                  </a:solidFill>
+                  <a:latin typeface="Arial" panose="020B0604020202020204" pitchFamily="34" charset="0"/>
+                  <a:cs typeface="Arial" panose="020B0604020202020204" pitchFamily="34" charset="0"/>
+                </a:endParaRPr>
+              </a:p>
+              <a:p>
+                <a:pPr algn="ctr"/>
+                <a:r>
+                  <a:rPr lang="en-US" altLang="ja-JP" sz="2000" dirty="0" smtClean="0">
+                    <a:solidFill>
+                      <a:schemeClr val="tx1">
+                        <a:lumMod val="65000"/>
+                        <a:lumOff val="35000"/>
+                      </a:schemeClr>
+                    </a:solidFill>
+                    <a:latin typeface="Arial" panose="020B0604020202020204" pitchFamily="34" charset="0"/>
+                    <a:cs typeface="Arial" panose="020B0604020202020204" pitchFamily="34" charset="0"/>
+                  </a:rPr>
+                  <a:t>(Solo5)</a:t>
+                </a:r>
+                <a:endParaRPr lang="ja-JP" altLang="en-US" sz="2000" dirty="0">
+                  <a:solidFill>
+                    <a:schemeClr val="tx1">
+                      <a:lumMod val="65000"/>
+                      <a:lumOff val="35000"/>
+                    </a:schemeClr>
+                  </a:solidFill>
+                  <a:latin typeface="Arial" panose="020B0604020202020204" pitchFamily="34" charset="0"/>
+                  <a:cs typeface="Arial" panose="020B0604020202020204" pitchFamily="34" charset="0"/>
+                </a:endParaRPr>
+              </a:p>
+            </p:txBody>
+          </p:sp>
+          <p:sp>
+            <p:nvSpPr>
+              <p:cNvPr id="93" name="正方形/長方形 92"/>
+              <p:cNvSpPr/>
+              <p:nvPr/>
+            </p:nvSpPr>
+            <p:spPr>
+              <a:xfrm>
+                <a:off x="4189815" y="13210925"/>
+                <a:ext cx="1685029" cy="707886"/>
+              </a:xfrm>
+              <a:prstGeom prst="rect">
+                <a:avLst/>
+              </a:prstGeom>
+              <a:ln>
+                <a:solidFill>
+                  <a:schemeClr val="tx1">
+                    <a:lumMod val="65000"/>
+                    <a:lumOff val="35000"/>
+                  </a:schemeClr>
+                </a:solidFill>
+              </a:ln>
+            </p:spPr>
+            <p:style>
+              <a:lnRef idx="2">
+                <a:schemeClr val="dk1"/>
+              </a:lnRef>
+              <a:fillRef idx="1">
+                <a:schemeClr val="lt1"/>
+              </a:fillRef>
+              <a:effectRef idx="0">
+                <a:schemeClr val="dk1"/>
+              </a:effectRef>
+              <a:fontRef idx="minor">
+                <a:schemeClr val="dk1"/>
+              </a:fontRef>
+            </p:style>
+            <p:txBody>
+              <a:bodyPr rot="0" spcFirstLastPara="0" vertOverflow="overflow" horzOverflow="overflow" vert="horz" wrap="square" lIns="91440" tIns="45720" rIns="91440" bIns="45720" numCol="1" spcCol="0" rtlCol="0" fromWordArt="0" anchor="ctr" anchorCtr="0" forceAA="0" compatLnSpc="1">
+                <a:prstTxWarp prst="textNoShape">
+                  <a:avLst/>
+                </a:prstTxWarp>
+                <a:spAutoFit/>
+              </a:bodyPr>
+              <a:lstStyle/>
+              <a:p>
+                <a:pPr algn="ctr"/>
+                <a:r>
+                  <a:rPr lang="ja-JP" altLang="en-US" sz="2000" dirty="0" smtClean="0">
+                    <a:solidFill>
+                      <a:schemeClr val="tx1">
+                        <a:lumMod val="65000"/>
+                        <a:lumOff val="35000"/>
+                      </a:schemeClr>
+                    </a:solidFill>
+                    <a:latin typeface="Arial" panose="020B0604020202020204" pitchFamily="34" charset="0"/>
+                    <a:cs typeface="Arial" panose="020B0604020202020204" pitchFamily="34" charset="0"/>
+                  </a:rPr>
+                  <a:t>ライブラリ</a:t>
+                </a:r>
+                <a:r>
+                  <a:rPr lang="en-US" altLang="ja-JP" sz="2000" dirty="0" smtClean="0">
+                    <a:solidFill>
+                      <a:schemeClr val="tx1">
+                        <a:lumMod val="65000"/>
+                        <a:lumOff val="35000"/>
+                      </a:schemeClr>
+                    </a:solidFill>
+                    <a:latin typeface="Arial" panose="020B0604020202020204" pitchFamily="34" charset="0"/>
+                    <a:cs typeface="Arial" panose="020B0604020202020204" pitchFamily="34" charset="0"/>
+                  </a:rPr>
+                  <a:t>OS</a:t>
+                </a:r>
+              </a:p>
+              <a:p>
+                <a:pPr algn="ctr"/>
+                <a:r>
+                  <a:rPr lang="en-US" altLang="ja-JP" sz="2000" dirty="0" smtClean="0">
+                    <a:solidFill>
+                      <a:schemeClr val="tx1">
+                        <a:lumMod val="65000"/>
+                        <a:lumOff val="35000"/>
+                      </a:schemeClr>
+                    </a:solidFill>
+                    <a:latin typeface="Arial" panose="020B0604020202020204" pitchFamily="34" charset="0"/>
+                    <a:cs typeface="Arial" panose="020B0604020202020204" pitchFamily="34" charset="0"/>
+                  </a:rPr>
+                  <a:t>(</a:t>
+                </a:r>
+                <a:r>
+                  <a:rPr lang="en-US" altLang="ja-JP" sz="2000" dirty="0" err="1" smtClean="0">
+                    <a:solidFill>
+                      <a:schemeClr val="tx1">
+                        <a:lumMod val="65000"/>
+                        <a:lumOff val="35000"/>
+                      </a:schemeClr>
+                    </a:solidFill>
+                    <a:latin typeface="Arial" panose="020B0604020202020204" pitchFamily="34" charset="0"/>
+                    <a:cs typeface="Arial" panose="020B0604020202020204" pitchFamily="34" charset="0"/>
+                  </a:rPr>
+                  <a:t>Rumprun</a:t>
+                </a:r>
+                <a:r>
+                  <a:rPr lang="ja-JP" altLang="en-US" sz="2000" dirty="0" smtClean="0">
+                    <a:solidFill>
+                      <a:schemeClr val="tx1">
+                        <a:lumMod val="65000"/>
+                        <a:lumOff val="35000"/>
+                      </a:schemeClr>
+                    </a:solidFill>
+                    <a:latin typeface="Arial" panose="020B0604020202020204" pitchFamily="34" charset="0"/>
+                    <a:cs typeface="Arial" panose="020B0604020202020204" pitchFamily="34" charset="0"/>
+                  </a:rPr>
+                  <a:t>等</a:t>
+                </a:r>
+                <a:r>
+                  <a:rPr lang="en-US" altLang="ja-JP" sz="2000" dirty="0" smtClean="0">
+                    <a:solidFill>
+                      <a:schemeClr val="tx1">
+                        <a:lumMod val="65000"/>
+                        <a:lumOff val="35000"/>
+                      </a:schemeClr>
+                    </a:solidFill>
+                    <a:latin typeface="Arial" panose="020B0604020202020204" pitchFamily="34" charset="0"/>
+                    <a:cs typeface="Arial" panose="020B0604020202020204" pitchFamily="34" charset="0"/>
+                  </a:rPr>
+                  <a:t>)</a:t>
+                </a:r>
+                <a:endParaRPr lang="ja-JP" altLang="en-US" sz="2000" dirty="0">
+                  <a:solidFill>
+                    <a:schemeClr val="tx1">
+                      <a:lumMod val="65000"/>
+                      <a:lumOff val="35000"/>
+                    </a:schemeClr>
+                  </a:solidFill>
+                  <a:latin typeface="Arial" panose="020B0604020202020204" pitchFamily="34" charset="0"/>
+                  <a:cs typeface="Arial" panose="020B0604020202020204" pitchFamily="34" charset="0"/>
+                </a:endParaRPr>
+              </a:p>
+            </p:txBody>
+          </p:sp>
+          <p:sp>
+            <p:nvSpPr>
+              <p:cNvPr id="94" name="正方形/長方形 93"/>
+              <p:cNvSpPr/>
+              <p:nvPr/>
+            </p:nvSpPr>
+            <p:spPr>
+              <a:xfrm>
+                <a:off x="4190118" y="12850384"/>
+                <a:ext cx="1685029" cy="400110"/>
+              </a:xfrm>
+              <a:prstGeom prst="rect">
+                <a:avLst/>
+              </a:prstGeom>
+              <a:ln>
+                <a:solidFill>
+                  <a:schemeClr val="tx1">
+                    <a:lumMod val="65000"/>
+                    <a:lumOff val="35000"/>
+                  </a:schemeClr>
+                </a:solidFill>
+              </a:ln>
+            </p:spPr>
+            <p:style>
+              <a:lnRef idx="2">
+                <a:schemeClr val="dk1"/>
+              </a:lnRef>
+              <a:fillRef idx="1">
+                <a:schemeClr val="lt1"/>
+              </a:fillRef>
+              <a:effectRef idx="0">
+                <a:schemeClr val="dk1"/>
+              </a:effectRef>
+              <a:fontRef idx="minor">
+                <a:schemeClr val="dk1"/>
+              </a:fontRef>
+            </p:style>
+            <p:txBody>
+              <a:bodyPr rot="0" spcFirstLastPara="0" vertOverflow="overflow" horzOverflow="overflow" vert="horz" wrap="square" lIns="91440" tIns="45720" rIns="91440" bIns="45720" numCol="1" spcCol="0" rtlCol="0" fromWordArt="0" anchor="ctr" anchorCtr="0" forceAA="0" compatLnSpc="1">
+                <a:prstTxWarp prst="textNoShape">
+                  <a:avLst/>
+                </a:prstTxWarp>
+                <a:spAutoFit/>
+              </a:bodyPr>
+              <a:lstStyle/>
+              <a:p>
+                <a:pPr algn="ctr"/>
+                <a:r>
+                  <a:rPr lang="ja-JP" altLang="en-US" sz="2000" dirty="0" smtClean="0">
+                    <a:solidFill>
+                      <a:schemeClr val="tx1">
+                        <a:lumMod val="65000"/>
+                        <a:lumOff val="35000"/>
+                      </a:schemeClr>
+                    </a:solidFill>
+                    <a:latin typeface="Arial" panose="020B0604020202020204" pitchFamily="34" charset="0"/>
+                    <a:cs typeface="Arial" panose="020B0604020202020204" pitchFamily="34" charset="0"/>
+                  </a:rPr>
+                  <a:t>ユーザアプリ</a:t>
+                </a:r>
+                <a:endParaRPr lang="ja-JP" altLang="en-US" sz="2000" dirty="0">
+                  <a:solidFill>
+                    <a:schemeClr val="tx1">
+                      <a:lumMod val="65000"/>
+                      <a:lumOff val="35000"/>
+                    </a:schemeClr>
+                  </a:solidFill>
+                  <a:latin typeface="Arial" panose="020B0604020202020204" pitchFamily="34" charset="0"/>
+                  <a:cs typeface="Arial" panose="020B0604020202020204" pitchFamily="34" charset="0"/>
+                </a:endParaRPr>
+              </a:p>
+            </p:txBody>
+          </p:sp>
+        </p:grpSp>
+      </p:grpSp>
+    </p:spTree>
+    <p:extLst>
+      <p:ext uri="{BB962C8B-B14F-4D97-AF65-F5344CB8AC3E}">
+        <p14:creationId xmlns:p14="http://schemas.microsoft.com/office/powerpoint/2010/main" val="1565328758"/>
+      </p:ext>
+    </p:extLst>
+  </p:cSld>
+  <p:clrMapOvr>
+    <a:masterClrMapping/>
+  </p:clrMapOvr>
+</p:sld>
+</file>
+
+<file path=ppt/slides/slide9.xml><?xml version="1.0" encoding="utf-8"?>
+<p:sld xmlns:a="http://schemas.openxmlformats.org/drawingml/2006/main" xmlns:r="http://schemas.openxmlformats.org/officeDocument/2006/relationships" xmlns:p="http://schemas.openxmlformats.org/presentationml/2006/main">
+  <p:cSld>
+    <p:spTree>
+      <p:nvGrpSpPr>
+        <p:cNvPr id="1" name=""/>
+        <p:cNvGrpSpPr/>
+        <p:nvPr/>
+      </p:nvGrpSpPr>
+      <p:grpSpPr>
+        <a:xfrm>
+          <a:off x="0" y="0"/>
+          <a:ext cx="0" cy="0"/>
+          <a:chOff x="0" y="0"/>
+          <a:chExt cx="0" cy="0"/>
+        </a:xfrm>
+      </p:grpSpPr>
+      <p:pic>
+        <p:nvPicPr>
+          <p:cNvPr id="49" name="Picture 3" descr="C:\Users\kaitoy\Desktop\bin\pleiades\workspace\blog\static\images\docker.png"/>
+          <p:cNvPicPr>
+            <a:picLocks noChangeAspect="1" noChangeArrowheads="1"/>
+          </p:cNvPicPr>
+          <p:nvPr/>
+        </p:nvPicPr>
+        <p:blipFill>
+          <a:blip r:embed="rId2">
+            <a:extLst>
+              <a:ext uri="{28A0092B-C50C-407E-A947-70E740481C1C}">
+                <a14:useLocalDpi xmlns:a14="http://schemas.microsoft.com/office/drawing/2010/main" val="0"/>
+              </a:ext>
+            </a:extLst>
+          </a:blip>
+          <a:srcRect/>
+          <a:stretch>
+            <a:fillRect/>
+          </a:stretch>
+        </p:blipFill>
+        <p:spPr bwMode="auto">
+          <a:xfrm>
             <a:off x="794791" y="3720556"/>
             <a:ext cx="1905001" cy="1576388"/>
           </a:xfrm>
@@ -27649,1441 +31045,6 @@
     <p:extLst>
       <p:ext uri="{BB962C8B-B14F-4D97-AF65-F5344CB8AC3E}">
         <p14:creationId xmlns:p14="http://schemas.microsoft.com/office/powerpoint/2010/main" val="821965230"/>
-      </p:ext>
-    </p:extLst>
-  </p:cSld>
-  <p:clrMapOvr>
-    <a:masterClrMapping/>
-  </p:clrMapOvr>
-</p:sld>
-</file>
-
-<file path=ppt/slides/slide9.xml><?xml version="1.0" encoding="utf-8"?>
-<p:sld xmlns:a="http://schemas.openxmlformats.org/drawingml/2006/main" xmlns:r="http://schemas.openxmlformats.org/officeDocument/2006/relationships" xmlns:p="http://schemas.openxmlformats.org/presentationml/2006/main">
-  <p:cSld>
-    <p:spTree>
-      <p:nvGrpSpPr>
-        <p:cNvPr id="1" name=""/>
-        <p:cNvGrpSpPr/>
-        <p:nvPr/>
-      </p:nvGrpSpPr>
-      <p:grpSpPr>
-        <a:xfrm>
-          <a:off x="0" y="0"/>
-          <a:ext cx="0" cy="0"/>
-          <a:chOff x="0" y="0"/>
-          <a:chExt cx="0" cy="0"/>
-        </a:xfrm>
-      </p:grpSpPr>
-      <p:cxnSp>
-        <p:nvCxnSpPr>
-          <p:cNvPr id="50" name="直線矢印コネクタ 49"/>
-          <p:cNvCxnSpPr/>
-          <p:nvPr/>
-        </p:nvCxnSpPr>
-        <p:spPr>
-          <a:xfrm>
-            <a:off x="4449600" y="5365245"/>
-            <a:ext cx="0" cy="666162"/>
-          </a:xfrm>
-          <a:prstGeom prst="straightConnector1">
-            <a:avLst/>
-          </a:prstGeom>
-          <a:ln w="25400">
-            <a:tailEnd type="triangle" w="lg" len="lg"/>
-          </a:ln>
-        </p:spPr>
-        <p:style>
-          <a:lnRef idx="1">
-            <a:schemeClr val="accent5"/>
-          </a:lnRef>
-          <a:fillRef idx="0">
-            <a:schemeClr val="accent5"/>
-          </a:fillRef>
-          <a:effectRef idx="0">
-            <a:schemeClr val="accent5"/>
-          </a:effectRef>
-          <a:fontRef idx="minor">
-            <a:schemeClr val="tx1"/>
-          </a:fontRef>
-        </p:style>
-      </p:cxnSp>
-      <p:grpSp>
-        <p:nvGrpSpPr>
-          <p:cNvPr id="52" name="グループ化 51"/>
-          <p:cNvGrpSpPr/>
-          <p:nvPr/>
-        </p:nvGrpSpPr>
-        <p:grpSpPr>
-          <a:xfrm>
-            <a:off x="3012385" y="6016893"/>
-            <a:ext cx="2862459" cy="1106287"/>
-            <a:chOff x="3126959" y="2262359"/>
-            <a:chExt cx="2862459" cy="1106287"/>
-          </a:xfrm>
-        </p:grpSpPr>
-        <p:sp>
-          <p:nvSpPr>
-            <p:cNvPr id="53" name="角丸四角形 52"/>
-            <p:cNvSpPr/>
-            <p:nvPr/>
-          </p:nvSpPr>
-          <p:spPr>
-            <a:xfrm>
-              <a:off x="3141203" y="2276873"/>
-              <a:ext cx="2848215" cy="1091773"/>
-            </a:xfrm>
-            <a:prstGeom prst="roundRect">
-              <a:avLst>
-                <a:gd name="adj" fmla="val 10811"/>
-              </a:avLst>
-            </a:prstGeom>
-            <a:noFill/>
-            <a:ln>
-              <a:prstDash val="dash"/>
-            </a:ln>
-          </p:spPr>
-          <p:style>
-            <a:lnRef idx="2">
-              <a:schemeClr val="accent1"/>
-            </a:lnRef>
-            <a:fillRef idx="1">
-              <a:schemeClr val="lt1"/>
-            </a:fillRef>
-            <a:effectRef idx="0">
-              <a:schemeClr val="accent1"/>
-            </a:effectRef>
-            <a:fontRef idx="minor">
-              <a:schemeClr val="dk1"/>
-            </a:fontRef>
-          </p:style>
-          <p:txBody>
-            <a:bodyPr rtlCol="0" anchor="ctr"/>
-            <a:lstStyle/>
-            <a:p>
-              <a:pPr algn="ctr"/>
-              <a:endParaRPr kumimoji="1" lang="ja-JP" altLang="en-US"/>
-            </a:p>
-          </p:txBody>
-        </p:sp>
-        <p:sp>
-          <p:nvSpPr>
-            <p:cNvPr id="54" name="対角する 2 つの角を丸めた四角形 53"/>
-            <p:cNvSpPr/>
-            <p:nvPr/>
-          </p:nvSpPr>
-          <p:spPr>
-            <a:xfrm>
-              <a:off x="3126959" y="2262359"/>
-              <a:ext cx="936000" cy="292627"/>
-            </a:xfrm>
-            <a:prstGeom prst="round2DiagRect">
-              <a:avLst/>
-            </a:prstGeom>
-            <a:effectLst/>
-          </p:spPr>
-          <p:style>
-            <a:lnRef idx="1">
-              <a:schemeClr val="accent1"/>
-            </a:lnRef>
-            <a:fillRef idx="2">
-              <a:schemeClr val="accent1"/>
-            </a:fillRef>
-            <a:effectRef idx="1">
-              <a:schemeClr val="accent1"/>
-            </a:effectRef>
-            <a:fontRef idx="minor">
-              <a:schemeClr val="dk1"/>
-            </a:fontRef>
-          </p:style>
-          <p:txBody>
-            <a:bodyPr wrap="none" lIns="36000" tIns="36000" rIns="36000" bIns="36000" rtlCol="0" anchor="ctr"/>
-            <a:lstStyle/>
-            <a:p>
-              <a:pPr algn="ctr"/>
-              <a:r>
-                <a:rPr kumimoji="1" lang="en-US" altLang="ja-JP" dirty="0" smtClean="0">
-                  <a:solidFill>
-                    <a:schemeClr val="tx1">
-                      <a:lumMod val="75000"/>
-                      <a:lumOff val="25000"/>
-                    </a:schemeClr>
-                  </a:solidFill>
-                </a:rPr>
-                <a:t>CRI </a:t>
-              </a:r>
-              <a:r>
-                <a:rPr kumimoji="1" lang="en-US" altLang="ja-JP" dirty="0" err="1" smtClean="0">
-                  <a:solidFill>
-                    <a:schemeClr val="tx1">
-                      <a:lumMod val="75000"/>
-                      <a:lumOff val="25000"/>
-                    </a:schemeClr>
-                  </a:solidFill>
-                </a:rPr>
-                <a:t>impl</a:t>
-              </a:r>
-              <a:endParaRPr kumimoji="1" lang="ja-JP" altLang="en-US" dirty="0">
-                <a:solidFill>
-                  <a:schemeClr val="tx1">
-                    <a:lumMod val="75000"/>
-                    <a:lumOff val="25000"/>
-                  </a:schemeClr>
-                </a:solidFill>
-              </a:endParaRPr>
-            </a:p>
-          </p:txBody>
-        </p:sp>
-      </p:grpSp>
-      <p:pic>
-        <p:nvPicPr>
-          <p:cNvPr id="56" name="Picture 2" descr="C:\Users\kaitoy\Desktop\bin\pleiades\workspace\blog\static\images\kubernetes.png"/>
-          <p:cNvPicPr>
-            <a:picLocks noChangeAspect="1" noChangeArrowheads="1"/>
-          </p:cNvPicPr>
-          <p:nvPr/>
-        </p:nvPicPr>
-        <p:blipFill>
-          <a:blip r:embed="rId2" cstate="print">
-            <a:extLst>
-              <a:ext uri="{28A0092B-C50C-407E-A947-70E740481C1C}">
-                <a14:useLocalDpi xmlns:a14="http://schemas.microsoft.com/office/drawing/2010/main" val="0"/>
-              </a:ext>
-            </a:extLst>
-          </a:blip>
-          <a:srcRect/>
-          <a:stretch>
-            <a:fillRect/>
-          </a:stretch>
-        </p:blipFill>
-        <p:spPr bwMode="auto">
-          <a:xfrm>
-            <a:off x="3471506" y="3770710"/>
-            <a:ext cx="1944216" cy="1454226"/>
-          </a:xfrm>
-          <a:prstGeom prst="rect">
-            <a:avLst/>
-          </a:prstGeom>
-          <a:noFill/>
-          <a:extLst>
-            <a:ext uri="{909E8E84-426E-40DD-AFC4-6F175D3DCCD1}">
-              <a14:hiddenFill xmlns:a14="http://schemas.microsoft.com/office/drawing/2010/main">
-                <a:solidFill>
-                  <a:srgbClr val="FFFFFF"/>
-                </a:solidFill>
-              </a14:hiddenFill>
-            </a:ext>
-          </a:extLst>
-        </p:spPr>
-      </p:pic>
-      <p:grpSp>
-        <p:nvGrpSpPr>
-          <p:cNvPr id="58" name="グループ化 57"/>
-          <p:cNvGrpSpPr/>
-          <p:nvPr/>
-        </p:nvGrpSpPr>
-        <p:grpSpPr>
-          <a:xfrm>
-            <a:off x="1926642" y="11142533"/>
-            <a:ext cx="1665841" cy="1408370"/>
-            <a:chOff x="707393" y="6331953"/>
-            <a:chExt cx="1665841" cy="1408370"/>
-          </a:xfrm>
-        </p:grpSpPr>
-        <p:sp>
-          <p:nvSpPr>
-            <p:cNvPr id="59" name="直方体 58"/>
-            <p:cNvSpPr/>
-            <p:nvPr/>
-          </p:nvSpPr>
-          <p:spPr>
-            <a:xfrm>
-              <a:off x="1324313" y="6331953"/>
-              <a:ext cx="432000" cy="432048"/>
-            </a:xfrm>
-            <a:prstGeom prst="cube">
-              <a:avLst/>
-            </a:prstGeom>
-          </p:spPr>
-          <p:style>
-            <a:lnRef idx="2">
-              <a:schemeClr val="accent5"/>
-            </a:lnRef>
-            <a:fillRef idx="1">
-              <a:schemeClr val="lt1"/>
-            </a:fillRef>
-            <a:effectRef idx="0">
-              <a:schemeClr val="accent5"/>
-            </a:effectRef>
-            <a:fontRef idx="minor">
-              <a:schemeClr val="dk1"/>
-            </a:fontRef>
-          </p:style>
-          <p:txBody>
-            <a:bodyPr rtlCol="0" anchor="ctr"/>
-            <a:lstStyle/>
-            <a:p>
-              <a:pPr algn="ctr"/>
-              <a:endParaRPr kumimoji="1" lang="ja-JP" altLang="en-US"/>
-            </a:p>
-          </p:txBody>
-        </p:sp>
-        <p:sp>
-          <p:nvSpPr>
-            <p:cNvPr id="60" name="テキスト ボックス 59"/>
-            <p:cNvSpPr txBox="1"/>
-            <p:nvPr/>
-          </p:nvSpPr>
-          <p:spPr>
-            <a:xfrm>
-              <a:off x="707393" y="6786216"/>
-              <a:ext cx="1665841" cy="954107"/>
-            </a:xfrm>
-            <a:prstGeom prst="rect">
-              <a:avLst/>
-            </a:prstGeom>
-            <a:noFill/>
-          </p:spPr>
-          <p:txBody>
-            <a:bodyPr wrap="none" rtlCol="0">
-              <a:spAutoFit/>
-            </a:bodyPr>
-            <a:lstStyle/>
-            <a:p>
-              <a:pPr algn="ctr"/>
-              <a:r>
-                <a:rPr lang="en-US" altLang="ja-JP" sz="2800" dirty="0" smtClean="0">
-                  <a:solidFill>
-                    <a:schemeClr val="tx1">
-                      <a:lumMod val="75000"/>
-                      <a:lumOff val="25000"/>
-                    </a:schemeClr>
-                  </a:solidFill>
-                  <a:latin typeface="Arial" panose="020B0604020202020204" pitchFamily="34" charset="0"/>
-                  <a:cs typeface="Arial" panose="020B0604020202020204" pitchFamily="34" charset="0"/>
-                </a:rPr>
-                <a:t>sandbox</a:t>
-              </a:r>
-            </a:p>
-            <a:p>
-              <a:pPr algn="ctr"/>
-              <a:r>
-                <a:rPr lang="en-US" altLang="ja-JP" sz="2800" dirty="0" smtClean="0">
-                  <a:solidFill>
-                    <a:schemeClr val="tx1">
-                      <a:lumMod val="75000"/>
-                      <a:lumOff val="25000"/>
-                    </a:schemeClr>
-                  </a:solidFill>
-                  <a:latin typeface="Arial" panose="020B0604020202020204" pitchFamily="34" charset="0"/>
-                  <a:cs typeface="Arial" panose="020B0604020202020204" pitchFamily="34" charset="0"/>
-                </a:rPr>
-                <a:t>container</a:t>
-              </a:r>
-              <a:endParaRPr kumimoji="1" lang="ja-JP" altLang="en-US" sz="2800" dirty="0">
-                <a:solidFill>
-                  <a:schemeClr val="tx1">
-                    <a:lumMod val="75000"/>
-                    <a:lumOff val="25000"/>
-                  </a:schemeClr>
-                </a:solidFill>
-                <a:latin typeface="Arial" panose="020B0604020202020204" pitchFamily="34" charset="0"/>
-                <a:cs typeface="Arial" panose="020B0604020202020204" pitchFamily="34" charset="0"/>
-              </a:endParaRPr>
-            </a:p>
-          </p:txBody>
-        </p:sp>
-      </p:grpSp>
-      <p:cxnSp>
-        <p:nvCxnSpPr>
-          <p:cNvPr id="61" name="カギ線コネクタ 60"/>
-          <p:cNvCxnSpPr>
-            <a:stCxn id="53" idx="2"/>
-            <a:endCxn id="86" idx="0"/>
-          </p:cNvCxnSpPr>
-          <p:nvPr/>
-        </p:nvCxnSpPr>
-        <p:spPr>
-          <a:xfrm rot="5400000">
-            <a:off x="3261412" y="6628591"/>
-            <a:ext cx="694736" cy="1683915"/>
-          </a:xfrm>
-          <a:prstGeom prst="bentConnector3">
-            <a:avLst>
-              <a:gd name="adj1" fmla="val 50000"/>
-            </a:avLst>
-          </a:prstGeom>
-          <a:ln w="25400">
-            <a:tailEnd type="triangle" w="lg" len="lg"/>
-          </a:ln>
-        </p:spPr>
-        <p:style>
-          <a:lnRef idx="1">
-            <a:schemeClr val="accent5"/>
-          </a:lnRef>
-          <a:fillRef idx="0">
-            <a:schemeClr val="accent5"/>
-          </a:fillRef>
-          <a:effectRef idx="0">
-            <a:schemeClr val="accent5"/>
-          </a:effectRef>
-          <a:fontRef idx="minor">
-            <a:schemeClr val="tx1"/>
-          </a:fontRef>
-        </p:style>
-      </p:cxnSp>
-      <p:grpSp>
-        <p:nvGrpSpPr>
-          <p:cNvPr id="62" name="グループ化 61"/>
-          <p:cNvGrpSpPr/>
-          <p:nvPr/>
-        </p:nvGrpSpPr>
-        <p:grpSpPr>
-          <a:xfrm>
-            <a:off x="1492164" y="8641772"/>
-            <a:ext cx="2534796" cy="1913421"/>
-            <a:chOff x="1533148" y="4392608"/>
-            <a:chExt cx="2534796" cy="1913421"/>
-          </a:xfrm>
-        </p:grpSpPr>
-        <p:grpSp>
-          <p:nvGrpSpPr>
-            <p:cNvPr id="63" name="グループ化 62"/>
-            <p:cNvGrpSpPr/>
-            <p:nvPr/>
-          </p:nvGrpSpPr>
-          <p:grpSpPr>
-            <a:xfrm>
-              <a:off x="2116470" y="4792888"/>
-              <a:ext cx="1368152" cy="1408103"/>
-              <a:chOff x="5364088" y="2616126"/>
-              <a:chExt cx="1368152" cy="1408102"/>
-            </a:xfrm>
-          </p:grpSpPr>
-          <p:pic>
-            <p:nvPicPr>
-              <p:cNvPr id="67" name="Picture 2" descr="C:\Users\kaitoy\Desktop\bin\pleiades\workspace\blog\static\images\runc.png"/>
-              <p:cNvPicPr>
-                <a:picLocks noChangeAspect="1" noChangeArrowheads="1"/>
-              </p:cNvPicPr>
-              <p:nvPr/>
-            </p:nvPicPr>
-            <p:blipFill>
-              <a:blip r:embed="rId3" cstate="print">
-                <a:extLst>
-                  <a:ext uri="{28A0092B-C50C-407E-A947-70E740481C1C}">
-                    <a14:useLocalDpi xmlns:a14="http://schemas.microsoft.com/office/drawing/2010/main" val="0"/>
-                  </a:ext>
-                </a:extLst>
-              </a:blip>
-              <a:srcRect/>
-              <a:stretch>
-                <a:fillRect/>
-              </a:stretch>
-            </p:blipFill>
-            <p:spPr bwMode="auto">
-              <a:xfrm>
-                <a:off x="5364088" y="2616126"/>
-                <a:ext cx="1368152" cy="953187"/>
-              </a:xfrm>
-              <a:prstGeom prst="rect">
-                <a:avLst/>
-              </a:prstGeom>
-              <a:noFill/>
-              <a:extLst>
-                <a:ext uri="{909E8E84-426E-40DD-AFC4-6F175D3DCCD1}">
-                  <a14:hiddenFill xmlns:a14="http://schemas.microsoft.com/office/drawing/2010/main">
-                    <a:solidFill>
-                      <a:srgbClr val="FFFFFF"/>
-                    </a:solidFill>
-                  </a14:hiddenFill>
-                </a:ext>
-              </a:extLst>
-            </p:spPr>
-          </p:pic>
-          <p:sp>
-            <p:nvSpPr>
-              <p:cNvPr id="68" name="テキスト ボックス 67"/>
-              <p:cNvSpPr txBox="1"/>
-              <p:nvPr/>
-            </p:nvSpPr>
-            <p:spPr>
-              <a:xfrm>
-                <a:off x="5565500" y="3501008"/>
-                <a:ext cx="965329" cy="523220"/>
-              </a:xfrm>
-              <a:prstGeom prst="rect">
-                <a:avLst/>
-              </a:prstGeom>
-              <a:noFill/>
-            </p:spPr>
-            <p:txBody>
-              <a:bodyPr wrap="none" rtlCol="0">
-                <a:spAutoFit/>
-              </a:bodyPr>
-              <a:lstStyle/>
-              <a:p>
-                <a:r>
-                  <a:rPr lang="en-US" altLang="ja-JP" sz="2800" dirty="0" err="1" smtClean="0">
-                    <a:solidFill>
-                      <a:schemeClr val="tx1">
-                        <a:lumMod val="75000"/>
-                        <a:lumOff val="25000"/>
-                      </a:schemeClr>
-                    </a:solidFill>
-                    <a:latin typeface="Arial" panose="020B0604020202020204" pitchFamily="34" charset="0"/>
-                    <a:cs typeface="Arial" panose="020B0604020202020204" pitchFamily="34" charset="0"/>
-                  </a:rPr>
-                  <a:t>runC</a:t>
-                </a:r>
-                <a:endParaRPr kumimoji="1" lang="ja-JP" altLang="en-US" sz="2800" dirty="0">
-                  <a:solidFill>
-                    <a:schemeClr val="tx1">
-                      <a:lumMod val="75000"/>
-                      <a:lumOff val="25000"/>
-                    </a:schemeClr>
-                  </a:solidFill>
-                  <a:latin typeface="Arial" panose="020B0604020202020204" pitchFamily="34" charset="0"/>
-                  <a:cs typeface="Arial" panose="020B0604020202020204" pitchFamily="34" charset="0"/>
-                </a:endParaRPr>
-              </a:p>
-            </p:txBody>
-          </p:sp>
-        </p:grpSp>
-        <p:grpSp>
-          <p:nvGrpSpPr>
-            <p:cNvPr id="64" name="グループ化 63"/>
-            <p:cNvGrpSpPr/>
-            <p:nvPr/>
-          </p:nvGrpSpPr>
-          <p:grpSpPr>
-            <a:xfrm>
-              <a:off x="1533148" y="4392608"/>
-              <a:ext cx="2534796" cy="1913421"/>
-              <a:chOff x="2901300" y="4435876"/>
-              <a:chExt cx="2534796" cy="1913421"/>
-            </a:xfrm>
-          </p:grpSpPr>
-          <p:sp>
-            <p:nvSpPr>
-              <p:cNvPr id="65" name="角丸四角形 64"/>
-              <p:cNvSpPr/>
-              <p:nvPr/>
-            </p:nvSpPr>
-            <p:spPr>
-              <a:xfrm>
-                <a:off x="2915816" y="4464905"/>
-                <a:ext cx="2520280" cy="1884392"/>
-              </a:xfrm>
-              <a:prstGeom prst="roundRect">
-                <a:avLst>
-                  <a:gd name="adj" fmla="val 13586"/>
-                </a:avLst>
-              </a:prstGeom>
-              <a:noFill/>
-              <a:ln>
-                <a:prstDash val="dash"/>
-              </a:ln>
-            </p:spPr>
-            <p:style>
-              <a:lnRef idx="2">
-                <a:schemeClr val="accent5"/>
-              </a:lnRef>
-              <a:fillRef idx="1">
-                <a:schemeClr val="lt1"/>
-              </a:fillRef>
-              <a:effectRef idx="0">
-                <a:schemeClr val="accent5"/>
-              </a:effectRef>
-              <a:fontRef idx="minor">
-                <a:schemeClr val="dk1"/>
-              </a:fontRef>
-            </p:style>
-            <p:txBody>
-              <a:bodyPr rtlCol="0" anchor="ctr"/>
-              <a:lstStyle/>
-              <a:p>
-                <a:pPr algn="ctr"/>
-                <a:endParaRPr kumimoji="1" lang="ja-JP" altLang="en-US"/>
-              </a:p>
-            </p:txBody>
-          </p:sp>
-          <p:sp>
-            <p:nvSpPr>
-              <p:cNvPr id="66" name="対角する 2 つの角を丸めた四角形 65"/>
-              <p:cNvSpPr/>
-              <p:nvPr/>
-            </p:nvSpPr>
-            <p:spPr>
-              <a:xfrm>
-                <a:off x="2901300" y="4435876"/>
-                <a:ext cx="1332000" cy="288000"/>
-              </a:xfrm>
-              <a:prstGeom prst="round2DiagRect">
-                <a:avLst/>
-              </a:prstGeom>
-              <a:effectLst/>
-            </p:spPr>
-            <p:style>
-              <a:lnRef idx="1">
-                <a:schemeClr val="accent5"/>
-              </a:lnRef>
-              <a:fillRef idx="2">
-                <a:schemeClr val="accent5"/>
-              </a:fillRef>
-              <a:effectRef idx="1">
-                <a:schemeClr val="accent5"/>
-              </a:effectRef>
-              <a:fontRef idx="minor">
-                <a:schemeClr val="dk1"/>
-              </a:fontRef>
-            </p:style>
-            <p:txBody>
-              <a:bodyPr wrap="none" lIns="36000" tIns="36000" rIns="36000" bIns="36000" rtlCol="0" anchor="ctr"/>
-              <a:lstStyle/>
-              <a:p>
-                <a:pPr algn="ctr">
-                  <a:lnSpc>
-                    <a:spcPts val="1460"/>
-                  </a:lnSpc>
-                </a:pPr>
-                <a:r>
-                  <a:rPr kumimoji="1" lang="en-US" altLang="ja-JP" dirty="0" smtClean="0">
-                    <a:solidFill>
-                      <a:schemeClr val="tx1">
-                        <a:lumMod val="75000"/>
-                        <a:lumOff val="25000"/>
-                      </a:schemeClr>
-                    </a:solidFill>
-                  </a:rPr>
-                  <a:t>OCI Runtime</a:t>
-                </a:r>
-                <a:endParaRPr kumimoji="1" lang="ja-JP" altLang="en-US" dirty="0">
-                  <a:solidFill>
-                    <a:schemeClr val="tx1">
-                      <a:lumMod val="75000"/>
-                      <a:lumOff val="25000"/>
-                    </a:schemeClr>
-                  </a:solidFill>
-                </a:endParaRPr>
-              </a:p>
-            </p:txBody>
-          </p:sp>
-        </p:grpSp>
-      </p:grpSp>
-      <p:cxnSp>
-        <p:nvCxnSpPr>
-          <p:cNvPr id="69" name="カギ線コネクタ 68"/>
-          <p:cNvCxnSpPr>
-            <a:stCxn id="53" idx="2"/>
-            <a:endCxn id="87" idx="0"/>
-          </p:cNvCxnSpPr>
-          <p:nvPr/>
-        </p:nvCxnSpPr>
-        <p:spPr>
-          <a:xfrm rot="16200000" flipH="1">
-            <a:off x="4917594" y="6656322"/>
-            <a:ext cx="694736" cy="1628451"/>
-          </a:xfrm>
-          <a:prstGeom prst="bentConnector3">
-            <a:avLst>
-              <a:gd name="adj1" fmla="val 50000"/>
-            </a:avLst>
-          </a:prstGeom>
-          <a:ln w="25400">
-            <a:tailEnd type="triangle" w="lg" len="lg"/>
-          </a:ln>
-        </p:spPr>
-        <p:style>
-          <a:lnRef idx="1">
-            <a:schemeClr val="accent5"/>
-          </a:lnRef>
-          <a:fillRef idx="0">
-            <a:schemeClr val="accent5"/>
-          </a:fillRef>
-          <a:effectRef idx="0">
-            <a:schemeClr val="accent5"/>
-          </a:effectRef>
-          <a:fontRef idx="minor">
-            <a:schemeClr val="tx1"/>
-          </a:fontRef>
-        </p:style>
-      </p:cxnSp>
-      <p:cxnSp>
-        <p:nvCxnSpPr>
-          <p:cNvPr id="70" name="直線矢印コネクタ 69"/>
-          <p:cNvCxnSpPr/>
-          <p:nvPr/>
-        </p:nvCxnSpPr>
-        <p:spPr>
-          <a:xfrm flipH="1">
-            <a:off x="2759562" y="10555193"/>
-            <a:ext cx="1" cy="515267"/>
-          </a:xfrm>
-          <a:prstGeom prst="straightConnector1">
-            <a:avLst/>
-          </a:prstGeom>
-          <a:ln w="25400">
-            <a:tailEnd type="triangle" w="lg" len="lg"/>
-          </a:ln>
-        </p:spPr>
-        <p:style>
-          <a:lnRef idx="1">
-            <a:schemeClr val="accent5"/>
-          </a:lnRef>
-          <a:fillRef idx="0">
-            <a:schemeClr val="accent5"/>
-          </a:fillRef>
-          <a:effectRef idx="0">
-            <a:schemeClr val="accent5"/>
-          </a:effectRef>
-          <a:fontRef idx="minor">
-            <a:schemeClr val="tx1"/>
-          </a:fontRef>
-        </p:style>
-      </p:cxnSp>
-      <p:grpSp>
-        <p:nvGrpSpPr>
-          <p:cNvPr id="71" name="グループ化 70"/>
-          <p:cNvGrpSpPr/>
-          <p:nvPr/>
-        </p:nvGrpSpPr>
-        <p:grpSpPr>
-          <a:xfrm>
-            <a:off x="5239010" y="11142533"/>
-            <a:ext cx="1665841" cy="977483"/>
-            <a:chOff x="707393" y="6331953"/>
-            <a:chExt cx="1665841" cy="977483"/>
-          </a:xfrm>
-        </p:grpSpPr>
-        <p:sp>
-          <p:nvSpPr>
-            <p:cNvPr id="72" name="直方体 71"/>
-            <p:cNvSpPr/>
-            <p:nvPr/>
-          </p:nvSpPr>
-          <p:spPr>
-            <a:xfrm>
-              <a:off x="1324313" y="6331953"/>
-              <a:ext cx="432000" cy="432048"/>
-            </a:xfrm>
-            <a:prstGeom prst="cube">
-              <a:avLst/>
-            </a:prstGeom>
-          </p:spPr>
-          <p:style>
-            <a:lnRef idx="2">
-              <a:schemeClr val="accent5"/>
-            </a:lnRef>
-            <a:fillRef idx="1">
-              <a:schemeClr val="lt1"/>
-            </a:fillRef>
-            <a:effectRef idx="0">
-              <a:schemeClr val="accent5"/>
-            </a:effectRef>
-            <a:fontRef idx="minor">
-              <a:schemeClr val="dk1"/>
-            </a:fontRef>
-          </p:style>
-          <p:txBody>
-            <a:bodyPr rtlCol="0" anchor="ctr"/>
-            <a:lstStyle/>
-            <a:p>
-              <a:pPr algn="ctr"/>
-              <a:endParaRPr kumimoji="1" lang="ja-JP" altLang="en-US"/>
-            </a:p>
-          </p:txBody>
-        </p:sp>
-        <p:sp>
-          <p:nvSpPr>
-            <p:cNvPr id="73" name="テキスト ボックス 72"/>
-            <p:cNvSpPr txBox="1"/>
-            <p:nvPr/>
-          </p:nvSpPr>
-          <p:spPr>
-            <a:xfrm>
-              <a:off x="707393" y="6786216"/>
-              <a:ext cx="1665841" cy="523220"/>
-            </a:xfrm>
-            <a:prstGeom prst="rect">
-              <a:avLst/>
-            </a:prstGeom>
-            <a:noFill/>
-          </p:spPr>
-          <p:txBody>
-            <a:bodyPr wrap="none" rtlCol="0">
-              <a:spAutoFit/>
-            </a:bodyPr>
-            <a:lstStyle/>
-            <a:p>
-              <a:pPr algn="ctr"/>
-              <a:r>
-                <a:rPr lang="en-US" altLang="ja-JP" sz="2800" dirty="0" smtClean="0">
-                  <a:solidFill>
-                    <a:schemeClr val="tx1">
-                      <a:lumMod val="75000"/>
-                      <a:lumOff val="25000"/>
-                    </a:schemeClr>
-                  </a:solidFill>
-                  <a:latin typeface="Arial" panose="020B0604020202020204" pitchFamily="34" charset="0"/>
-                  <a:cs typeface="Arial" panose="020B0604020202020204" pitchFamily="34" charset="0"/>
-                </a:rPr>
-                <a:t>container</a:t>
-              </a:r>
-              <a:endParaRPr kumimoji="1" lang="ja-JP" altLang="en-US" sz="2800" dirty="0">
-                <a:solidFill>
-                  <a:schemeClr val="tx1">
-                    <a:lumMod val="75000"/>
-                    <a:lumOff val="25000"/>
-                  </a:schemeClr>
-                </a:solidFill>
-                <a:latin typeface="Arial" panose="020B0604020202020204" pitchFamily="34" charset="0"/>
-                <a:cs typeface="Arial" panose="020B0604020202020204" pitchFamily="34" charset="0"/>
-              </a:endParaRPr>
-            </a:p>
-          </p:txBody>
-        </p:sp>
-      </p:grpSp>
-      <p:grpSp>
-        <p:nvGrpSpPr>
-          <p:cNvPr id="75" name="グループ化 74"/>
-          <p:cNvGrpSpPr/>
-          <p:nvPr/>
-        </p:nvGrpSpPr>
-        <p:grpSpPr>
-          <a:xfrm>
-            <a:off x="4804532" y="8641772"/>
-            <a:ext cx="2534796" cy="1913421"/>
-            <a:chOff x="4845516" y="4374228"/>
-            <a:chExt cx="2534796" cy="1913421"/>
-          </a:xfrm>
-        </p:grpSpPr>
-        <p:grpSp>
-          <p:nvGrpSpPr>
-            <p:cNvPr id="76" name="グループ化 75"/>
-            <p:cNvGrpSpPr/>
-            <p:nvPr/>
-          </p:nvGrpSpPr>
-          <p:grpSpPr>
-            <a:xfrm>
-              <a:off x="5428838" y="4774508"/>
-              <a:ext cx="1368152" cy="1408103"/>
-              <a:chOff x="5364088" y="2616126"/>
-              <a:chExt cx="1368152" cy="1408102"/>
-            </a:xfrm>
-          </p:grpSpPr>
-          <p:pic>
-            <p:nvPicPr>
-              <p:cNvPr id="80" name="Picture 2" descr="C:\Users\kaitoy\Desktop\bin\pleiades\workspace\blog\static\images\runc.png"/>
-              <p:cNvPicPr>
-                <a:picLocks noChangeAspect="1" noChangeArrowheads="1"/>
-              </p:cNvPicPr>
-              <p:nvPr/>
-            </p:nvPicPr>
-            <p:blipFill>
-              <a:blip r:embed="rId3" cstate="print">
-                <a:extLst>
-                  <a:ext uri="{28A0092B-C50C-407E-A947-70E740481C1C}">
-                    <a14:useLocalDpi xmlns:a14="http://schemas.microsoft.com/office/drawing/2010/main" val="0"/>
-                  </a:ext>
-                </a:extLst>
-              </a:blip>
-              <a:srcRect/>
-              <a:stretch>
-                <a:fillRect/>
-              </a:stretch>
-            </p:blipFill>
-            <p:spPr bwMode="auto">
-              <a:xfrm>
-                <a:off x="5364088" y="2616126"/>
-                <a:ext cx="1368152" cy="953187"/>
-              </a:xfrm>
-              <a:prstGeom prst="rect">
-                <a:avLst/>
-              </a:prstGeom>
-              <a:noFill/>
-              <a:extLst>
-                <a:ext uri="{909E8E84-426E-40DD-AFC4-6F175D3DCCD1}">
-                  <a14:hiddenFill xmlns:a14="http://schemas.microsoft.com/office/drawing/2010/main">
-                    <a:solidFill>
-                      <a:srgbClr val="FFFFFF"/>
-                    </a:solidFill>
-                  </a14:hiddenFill>
-                </a:ext>
-              </a:extLst>
-            </p:spPr>
-          </p:pic>
-          <p:sp>
-            <p:nvSpPr>
-              <p:cNvPr id="81" name="テキスト ボックス 80"/>
-              <p:cNvSpPr txBox="1"/>
-              <p:nvPr/>
-            </p:nvSpPr>
-            <p:spPr>
-              <a:xfrm>
-                <a:off x="5565500" y="3501008"/>
-                <a:ext cx="965329" cy="523220"/>
-              </a:xfrm>
-              <a:prstGeom prst="rect">
-                <a:avLst/>
-              </a:prstGeom>
-              <a:noFill/>
-            </p:spPr>
-            <p:txBody>
-              <a:bodyPr wrap="none" rtlCol="0">
-                <a:spAutoFit/>
-              </a:bodyPr>
-              <a:lstStyle/>
-              <a:p>
-                <a:r>
-                  <a:rPr lang="en-US" altLang="ja-JP" sz="2800" dirty="0" err="1" smtClean="0">
-                    <a:solidFill>
-                      <a:schemeClr val="tx1">
-                        <a:lumMod val="75000"/>
-                        <a:lumOff val="25000"/>
-                      </a:schemeClr>
-                    </a:solidFill>
-                    <a:latin typeface="Arial" panose="020B0604020202020204" pitchFamily="34" charset="0"/>
-                    <a:cs typeface="Arial" panose="020B0604020202020204" pitchFamily="34" charset="0"/>
-                  </a:rPr>
-                  <a:t>runC</a:t>
-                </a:r>
-                <a:endParaRPr kumimoji="1" lang="ja-JP" altLang="en-US" sz="2800" dirty="0">
-                  <a:solidFill>
-                    <a:schemeClr val="tx1">
-                      <a:lumMod val="75000"/>
-                      <a:lumOff val="25000"/>
-                    </a:schemeClr>
-                  </a:solidFill>
-                  <a:latin typeface="Arial" panose="020B0604020202020204" pitchFamily="34" charset="0"/>
-                  <a:cs typeface="Arial" panose="020B0604020202020204" pitchFamily="34" charset="0"/>
-                </a:endParaRPr>
-              </a:p>
-            </p:txBody>
-          </p:sp>
-        </p:grpSp>
-        <p:grpSp>
-          <p:nvGrpSpPr>
-            <p:cNvPr id="77" name="グループ化 76"/>
-            <p:cNvGrpSpPr/>
-            <p:nvPr/>
-          </p:nvGrpSpPr>
-          <p:grpSpPr>
-            <a:xfrm>
-              <a:off x="4845516" y="4374228"/>
-              <a:ext cx="2534796" cy="1913421"/>
-              <a:chOff x="2901300" y="4435876"/>
-              <a:chExt cx="2534796" cy="1913421"/>
-            </a:xfrm>
-          </p:grpSpPr>
-          <p:sp>
-            <p:nvSpPr>
-              <p:cNvPr id="78" name="角丸四角形 77"/>
-              <p:cNvSpPr/>
-              <p:nvPr/>
-            </p:nvSpPr>
-            <p:spPr>
-              <a:xfrm>
-                <a:off x="2915816" y="4464905"/>
-                <a:ext cx="2520280" cy="1884392"/>
-              </a:xfrm>
-              <a:prstGeom prst="roundRect">
-                <a:avLst>
-                  <a:gd name="adj" fmla="val 13586"/>
-                </a:avLst>
-              </a:prstGeom>
-              <a:noFill/>
-              <a:ln>
-                <a:prstDash val="dash"/>
-              </a:ln>
-            </p:spPr>
-            <p:style>
-              <a:lnRef idx="2">
-                <a:schemeClr val="accent5"/>
-              </a:lnRef>
-              <a:fillRef idx="1">
-                <a:schemeClr val="lt1"/>
-              </a:fillRef>
-              <a:effectRef idx="0">
-                <a:schemeClr val="accent5"/>
-              </a:effectRef>
-              <a:fontRef idx="minor">
-                <a:schemeClr val="dk1"/>
-              </a:fontRef>
-            </p:style>
-            <p:txBody>
-              <a:bodyPr rtlCol="0" anchor="ctr"/>
-              <a:lstStyle/>
-              <a:p>
-                <a:pPr algn="ctr"/>
-                <a:endParaRPr kumimoji="1" lang="ja-JP" altLang="en-US"/>
-              </a:p>
-            </p:txBody>
-          </p:sp>
-          <p:sp>
-            <p:nvSpPr>
-              <p:cNvPr id="79" name="対角する 2 つの角を丸めた四角形 78"/>
-              <p:cNvSpPr/>
-              <p:nvPr/>
-            </p:nvSpPr>
-            <p:spPr>
-              <a:xfrm>
-                <a:off x="2901300" y="4435876"/>
-                <a:ext cx="1332000" cy="288000"/>
-              </a:xfrm>
-              <a:prstGeom prst="round2DiagRect">
-                <a:avLst/>
-              </a:prstGeom>
-              <a:effectLst/>
-            </p:spPr>
-            <p:style>
-              <a:lnRef idx="1">
-                <a:schemeClr val="accent5"/>
-              </a:lnRef>
-              <a:fillRef idx="2">
-                <a:schemeClr val="accent5"/>
-              </a:fillRef>
-              <a:effectRef idx="1">
-                <a:schemeClr val="accent5"/>
-              </a:effectRef>
-              <a:fontRef idx="minor">
-                <a:schemeClr val="dk1"/>
-              </a:fontRef>
-            </p:style>
-            <p:txBody>
-              <a:bodyPr wrap="none" lIns="36000" tIns="36000" rIns="36000" bIns="36000" rtlCol="0" anchor="ctr"/>
-              <a:lstStyle/>
-              <a:p>
-                <a:pPr algn="ctr">
-                  <a:lnSpc>
-                    <a:spcPts val="1460"/>
-                  </a:lnSpc>
-                </a:pPr>
-                <a:r>
-                  <a:rPr kumimoji="1" lang="en-US" altLang="ja-JP" dirty="0" smtClean="0">
-                    <a:solidFill>
-                      <a:schemeClr val="tx1">
-                        <a:lumMod val="75000"/>
-                        <a:lumOff val="25000"/>
-                      </a:schemeClr>
-                    </a:solidFill>
-                  </a:rPr>
-                  <a:t>OCI Runtime</a:t>
-                </a:r>
-                <a:endParaRPr kumimoji="1" lang="ja-JP" altLang="en-US" dirty="0">
-                  <a:solidFill>
-                    <a:schemeClr val="tx1">
-                      <a:lumMod val="75000"/>
-                      <a:lumOff val="25000"/>
-                    </a:schemeClr>
-                  </a:solidFill>
-                </a:endParaRPr>
-              </a:p>
-            </p:txBody>
-          </p:sp>
-        </p:grpSp>
-      </p:grpSp>
-      <p:cxnSp>
-        <p:nvCxnSpPr>
-          <p:cNvPr id="82" name="直線矢印コネクタ 81"/>
-          <p:cNvCxnSpPr/>
-          <p:nvPr/>
-        </p:nvCxnSpPr>
-        <p:spPr>
-          <a:xfrm flipH="1">
-            <a:off x="6071930" y="10536813"/>
-            <a:ext cx="1" cy="515267"/>
-          </a:xfrm>
-          <a:prstGeom prst="straightConnector1">
-            <a:avLst/>
-          </a:prstGeom>
-          <a:ln w="25400">
-            <a:tailEnd type="triangle" w="lg" len="lg"/>
-          </a:ln>
-        </p:spPr>
-        <p:style>
-          <a:lnRef idx="1">
-            <a:schemeClr val="accent5"/>
-          </a:lnRef>
-          <a:fillRef idx="0">
-            <a:schemeClr val="accent5"/>
-          </a:fillRef>
-          <a:effectRef idx="0">
-            <a:schemeClr val="accent5"/>
-          </a:effectRef>
-          <a:fontRef idx="minor">
-            <a:schemeClr val="tx1"/>
-          </a:fontRef>
-        </p:style>
-      </p:cxnSp>
-      <p:grpSp>
-        <p:nvGrpSpPr>
-          <p:cNvPr id="83" name="グループ化 82"/>
-          <p:cNvGrpSpPr/>
-          <p:nvPr/>
-        </p:nvGrpSpPr>
-        <p:grpSpPr>
-          <a:xfrm>
-            <a:off x="1506680" y="10770244"/>
-            <a:ext cx="5832648" cy="1944216"/>
-            <a:chOff x="2901300" y="4435876"/>
-            <a:chExt cx="5832648" cy="1944216"/>
-          </a:xfrm>
-        </p:grpSpPr>
-        <p:sp>
-          <p:nvSpPr>
-            <p:cNvPr id="84" name="角丸四角形 83"/>
-            <p:cNvSpPr/>
-            <p:nvPr/>
-          </p:nvSpPr>
-          <p:spPr>
-            <a:xfrm>
-              <a:off x="2915816" y="4464905"/>
-              <a:ext cx="5818132" cy="1915187"/>
-            </a:xfrm>
-            <a:prstGeom prst="roundRect">
-              <a:avLst>
-                <a:gd name="adj" fmla="val 13586"/>
-              </a:avLst>
-            </a:prstGeom>
-            <a:noFill/>
-            <a:ln>
-              <a:solidFill>
-                <a:schemeClr val="tx1">
-                  <a:lumMod val="50000"/>
-                  <a:lumOff val="50000"/>
-                </a:schemeClr>
-              </a:solidFill>
-              <a:prstDash val="dash"/>
-            </a:ln>
-          </p:spPr>
-          <p:style>
-            <a:lnRef idx="2">
-              <a:schemeClr val="accent5"/>
-            </a:lnRef>
-            <a:fillRef idx="1">
-              <a:schemeClr val="lt1"/>
-            </a:fillRef>
-            <a:effectRef idx="0">
-              <a:schemeClr val="accent5"/>
-            </a:effectRef>
-            <a:fontRef idx="minor">
-              <a:schemeClr val="dk1"/>
-            </a:fontRef>
-          </p:style>
-          <p:txBody>
-            <a:bodyPr rtlCol="0" anchor="ctr"/>
-            <a:lstStyle/>
-            <a:p>
-              <a:pPr algn="ctr"/>
-              <a:endParaRPr kumimoji="1" lang="ja-JP" altLang="en-US"/>
-            </a:p>
-          </p:txBody>
-        </p:sp>
-        <p:sp>
-          <p:nvSpPr>
-            <p:cNvPr id="85" name="対角する 2 つの角を丸めた四角形 84"/>
-            <p:cNvSpPr/>
-            <p:nvPr/>
-          </p:nvSpPr>
-          <p:spPr>
-            <a:xfrm>
-              <a:off x="2901300" y="4435876"/>
-              <a:ext cx="612000" cy="288000"/>
-            </a:xfrm>
-            <a:prstGeom prst="round2DiagRect">
-              <a:avLst/>
-            </a:prstGeom>
-            <a:effectLst/>
-          </p:spPr>
-          <p:style>
-            <a:lnRef idx="1">
-              <a:schemeClr val="dk1"/>
-            </a:lnRef>
-            <a:fillRef idx="2">
-              <a:schemeClr val="dk1"/>
-            </a:fillRef>
-            <a:effectRef idx="1">
-              <a:schemeClr val="dk1"/>
-            </a:effectRef>
-            <a:fontRef idx="minor">
-              <a:schemeClr val="dk1"/>
-            </a:fontRef>
-          </p:style>
-          <p:txBody>
-            <a:bodyPr wrap="none" lIns="36000" tIns="36000" rIns="36000" bIns="36000" rtlCol="0" anchor="ctr"/>
-            <a:lstStyle/>
-            <a:p>
-              <a:pPr algn="ctr">
-                <a:lnSpc>
-                  <a:spcPts val="1460"/>
-                </a:lnSpc>
-              </a:pPr>
-              <a:r>
-                <a:rPr lang="en-US" altLang="ja-JP" dirty="0" smtClean="0">
-                  <a:solidFill>
-                    <a:schemeClr val="tx1">
-                      <a:lumMod val="75000"/>
-                      <a:lumOff val="25000"/>
-                    </a:schemeClr>
-                  </a:solidFill>
-                </a:rPr>
-                <a:t>Pod</a:t>
-              </a:r>
-              <a:endParaRPr kumimoji="1" lang="ja-JP" altLang="en-US" dirty="0">
-                <a:solidFill>
-                  <a:schemeClr val="tx1">
-                    <a:lumMod val="75000"/>
-                    <a:lumOff val="25000"/>
-                  </a:schemeClr>
-                </a:solidFill>
-              </a:endParaRPr>
-            </a:p>
-          </p:txBody>
-        </p:sp>
-      </p:grpSp>
-      <p:sp>
-        <p:nvSpPr>
-          <p:cNvPr id="86" name="正方形/長方形 85"/>
-          <p:cNvSpPr/>
-          <p:nvPr/>
-        </p:nvSpPr>
-        <p:spPr>
-          <a:xfrm>
-            <a:off x="2034089" y="7817916"/>
-            <a:ext cx="1465466" cy="523220"/>
-          </a:xfrm>
-          <a:prstGeom prst="rect">
-            <a:avLst/>
-          </a:prstGeom>
-        </p:spPr>
-        <p:style>
-          <a:lnRef idx="2">
-            <a:schemeClr val="accent5"/>
-          </a:lnRef>
-          <a:fillRef idx="1">
-            <a:schemeClr val="lt1"/>
-          </a:fillRef>
-          <a:effectRef idx="0">
-            <a:schemeClr val="accent5"/>
-          </a:effectRef>
-          <a:fontRef idx="minor">
-            <a:schemeClr val="dk1"/>
-          </a:fontRef>
-        </p:style>
-        <p:txBody>
-          <a:bodyPr rot="0" spcFirstLastPara="0" vertOverflow="overflow" horzOverflow="overflow" vert="horz" wrap="none" lIns="91440" tIns="45720" rIns="91440" bIns="45720" numCol="1" spcCol="0" rtlCol="0" fromWordArt="0" anchor="ctr" anchorCtr="0" forceAA="0" compatLnSpc="1">
-            <a:prstTxWarp prst="textNoShape">
-              <a:avLst/>
-            </a:prstTxWarp>
-            <a:spAutoFit/>
-          </a:bodyPr>
-          <a:lstStyle/>
-          <a:p>
-            <a:pPr algn="ctr"/>
-            <a:r>
-              <a:rPr lang="en-US" altLang="ja-JP" sz="2800" dirty="0" err="1" smtClean="0">
-                <a:solidFill>
-                  <a:schemeClr val="accent1">
-                    <a:lumMod val="75000"/>
-                  </a:schemeClr>
-                </a:solidFill>
-                <a:latin typeface="Arial" panose="020B0604020202020204" pitchFamily="34" charset="0"/>
-                <a:cs typeface="Arial" panose="020B0604020202020204" pitchFamily="34" charset="0"/>
-              </a:rPr>
-              <a:t>conmon</a:t>
-            </a:r>
-            <a:endParaRPr lang="ja-JP" altLang="en-US" sz="2800" dirty="0">
-              <a:solidFill>
-                <a:schemeClr val="accent1">
-                  <a:lumMod val="75000"/>
-                </a:schemeClr>
-              </a:solidFill>
-              <a:latin typeface="Arial" panose="020B0604020202020204" pitchFamily="34" charset="0"/>
-              <a:cs typeface="Arial" panose="020B0604020202020204" pitchFamily="34" charset="0"/>
-            </a:endParaRPr>
-          </a:p>
-        </p:txBody>
-      </p:sp>
-      <p:sp>
-        <p:nvSpPr>
-          <p:cNvPr id="87" name="正方形/長方形 86"/>
-          <p:cNvSpPr/>
-          <p:nvPr/>
-        </p:nvSpPr>
-        <p:spPr>
-          <a:xfrm>
-            <a:off x="5346455" y="7817916"/>
-            <a:ext cx="1465465" cy="523220"/>
-          </a:xfrm>
-          <a:prstGeom prst="rect">
-            <a:avLst/>
-          </a:prstGeom>
-        </p:spPr>
-        <p:style>
-          <a:lnRef idx="2">
-            <a:schemeClr val="accent5"/>
-          </a:lnRef>
-          <a:fillRef idx="1">
-            <a:schemeClr val="lt1"/>
-          </a:fillRef>
-          <a:effectRef idx="0">
-            <a:schemeClr val="accent5"/>
-          </a:effectRef>
-          <a:fontRef idx="minor">
-            <a:schemeClr val="dk1"/>
-          </a:fontRef>
-        </p:style>
-        <p:txBody>
-          <a:bodyPr rot="0" spcFirstLastPara="0" vertOverflow="overflow" horzOverflow="overflow" vert="horz" wrap="none" lIns="91440" tIns="45720" rIns="91440" bIns="45720" numCol="1" spcCol="0" rtlCol="0" fromWordArt="0" anchor="ctr" anchorCtr="0" forceAA="0" compatLnSpc="1">
-            <a:prstTxWarp prst="textNoShape">
-              <a:avLst/>
-            </a:prstTxWarp>
-            <a:spAutoFit/>
-          </a:bodyPr>
-          <a:lstStyle/>
-          <a:p>
-            <a:pPr algn="ctr"/>
-            <a:r>
-              <a:rPr lang="en-US" altLang="ja-JP" sz="2800" dirty="0" err="1">
-                <a:solidFill>
-                  <a:schemeClr val="accent1">
-                    <a:lumMod val="75000"/>
-                  </a:schemeClr>
-                </a:solidFill>
-                <a:latin typeface="Arial" panose="020B0604020202020204" pitchFamily="34" charset="0"/>
-                <a:cs typeface="Arial" panose="020B0604020202020204" pitchFamily="34" charset="0"/>
-              </a:rPr>
-              <a:t>conmon</a:t>
-            </a:r>
-            <a:endParaRPr lang="ja-JP" altLang="en-US" sz="2800" dirty="0">
-              <a:solidFill>
-                <a:schemeClr val="accent1">
-                  <a:lumMod val="75000"/>
-                </a:schemeClr>
-              </a:solidFill>
-              <a:latin typeface="Arial" panose="020B0604020202020204" pitchFamily="34" charset="0"/>
-              <a:cs typeface="Arial" panose="020B0604020202020204" pitchFamily="34" charset="0"/>
-            </a:endParaRPr>
-          </a:p>
-        </p:txBody>
-      </p:sp>
-      <p:cxnSp>
-        <p:nvCxnSpPr>
-          <p:cNvPr id="88" name="直線矢印コネクタ 87"/>
-          <p:cNvCxnSpPr>
-            <a:stCxn id="86" idx="2"/>
-            <a:endCxn id="65" idx="0"/>
-          </p:cNvCxnSpPr>
-          <p:nvPr/>
-        </p:nvCxnSpPr>
-        <p:spPr>
-          <a:xfrm flipH="1">
-            <a:off x="2766820" y="8341136"/>
-            <a:ext cx="2" cy="329665"/>
-          </a:xfrm>
-          <a:prstGeom prst="straightConnector1">
-            <a:avLst/>
-          </a:prstGeom>
-          <a:ln w="25400">
-            <a:tailEnd type="triangle" w="lg" len="lg"/>
-          </a:ln>
-        </p:spPr>
-        <p:style>
-          <a:lnRef idx="1">
-            <a:schemeClr val="accent5"/>
-          </a:lnRef>
-          <a:fillRef idx="0">
-            <a:schemeClr val="accent5"/>
-          </a:fillRef>
-          <a:effectRef idx="0">
-            <a:schemeClr val="accent5"/>
-          </a:effectRef>
-          <a:fontRef idx="minor">
-            <a:schemeClr val="tx1"/>
-          </a:fontRef>
-        </p:style>
-      </p:cxnSp>
-      <p:cxnSp>
-        <p:nvCxnSpPr>
-          <p:cNvPr id="89" name="直線矢印コネクタ 88"/>
-          <p:cNvCxnSpPr>
-            <a:stCxn id="87" idx="2"/>
-          </p:cNvCxnSpPr>
-          <p:nvPr/>
-        </p:nvCxnSpPr>
-        <p:spPr>
-          <a:xfrm flipH="1">
-            <a:off x="6071932" y="8341136"/>
-            <a:ext cx="7256" cy="300636"/>
-          </a:xfrm>
-          <a:prstGeom prst="straightConnector1">
-            <a:avLst/>
-          </a:prstGeom>
-          <a:ln w="25400">
-            <a:tailEnd type="triangle" w="lg" len="lg"/>
-          </a:ln>
-        </p:spPr>
-        <p:style>
-          <a:lnRef idx="1">
-            <a:schemeClr val="accent5"/>
-          </a:lnRef>
-          <a:fillRef idx="0">
-            <a:schemeClr val="accent5"/>
-          </a:fillRef>
-          <a:effectRef idx="0">
-            <a:schemeClr val="accent5"/>
-          </a:effectRef>
-          <a:fontRef idx="minor">
-            <a:schemeClr val="tx1"/>
-          </a:fontRef>
-        </p:style>
-      </p:cxnSp>
-      <p:pic>
-        <p:nvPicPr>
-          <p:cNvPr id="1026" name="Picture 2" descr="C:\Users\kaitoy\Desktop\crio.png"/>
-          <p:cNvPicPr>
-            <a:picLocks noChangeAspect="1" noChangeArrowheads="1"/>
-          </p:cNvPicPr>
-          <p:nvPr/>
-        </p:nvPicPr>
-        <p:blipFill>
-          <a:blip r:embed="rId4" cstate="print">
-            <a:extLst>
-              <a:ext uri="{28A0092B-C50C-407E-A947-70E740481C1C}">
-                <a14:useLocalDpi xmlns:a14="http://schemas.microsoft.com/office/drawing/2010/main" val="0"/>
-              </a:ext>
-            </a:extLst>
-          </a:blip>
-          <a:srcRect/>
-          <a:stretch>
-            <a:fillRect/>
-          </a:stretch>
-        </p:blipFill>
-        <p:spPr bwMode="auto">
-          <a:xfrm>
-            <a:off x="3543697" y="6353518"/>
-            <a:ext cx="1811806" cy="671618"/>
-          </a:xfrm>
-          <a:prstGeom prst="rect">
-            <a:avLst/>
-          </a:prstGeom>
-          <a:noFill/>
-          <a:extLst>
-            <a:ext uri="{909E8E84-426E-40DD-AFC4-6F175D3DCCD1}">
-              <a14:hiddenFill xmlns:a14="http://schemas.microsoft.com/office/drawing/2010/main">
-                <a:solidFill>
-                  <a:srgbClr val="FFFFFF"/>
-                </a:solidFill>
-              </a14:hiddenFill>
-            </a:ext>
-          </a:extLst>
-        </p:spPr>
-      </p:pic>
-    </p:spTree>
-    <p:extLst>
-      <p:ext uri="{BB962C8B-B14F-4D97-AF65-F5344CB8AC3E}">
-        <p14:creationId xmlns:p14="http://schemas.microsoft.com/office/powerpoint/2010/main" val="2357336998"/>
       </p:ext>
     </p:extLst>
   </p:cSld>

--- a/static/images/k8s-ecosystem-container-runtimes/container-runtime.pptx
+++ b/static/images/k8s-ecosystem-container-runtimes/container-runtime.pptx
@@ -23,6 +23,7 @@
     <p:sldId id="269" r:id="rId17"/>
     <p:sldId id="270" r:id="rId18"/>
     <p:sldId id="272" r:id="rId19"/>
+    <p:sldId id="277" r:id="rId20"/>
   </p:sldIdLst>
   <p:sldSz cx="9144000" cy="51206400"/>
   <p:notesSz cx="6858000" cy="9144000"/>
@@ -305,7 +306,7 @@
           <a:p>
             <a:fld id="{1C257373-2D96-432C-8559-9F0547ADC7C2}" type="datetimeFigureOut">
               <a:rPr kumimoji="1" lang="ja-JP" altLang="en-US" smtClean="0"/>
-              <a:t>2019/7/7</a:t>
+              <a:t>2020/8/28</a:t>
             </a:fld>
             <a:endParaRPr kumimoji="1" lang="ja-JP" altLang="en-US"/>
           </a:p>
@@ -507,7 +508,7 @@
           <a:p>
             <a:fld id="{1C257373-2D96-432C-8559-9F0547ADC7C2}" type="datetimeFigureOut">
               <a:rPr kumimoji="1" lang="ja-JP" altLang="en-US" smtClean="0"/>
-              <a:t>2019/7/7</a:t>
+              <a:t>2020/8/28</a:t>
             </a:fld>
             <a:endParaRPr kumimoji="1" lang="ja-JP" altLang="en-US"/>
           </a:p>
@@ -719,7 +720,7 @@
           <a:p>
             <a:fld id="{1C257373-2D96-432C-8559-9F0547ADC7C2}" type="datetimeFigureOut">
               <a:rPr kumimoji="1" lang="ja-JP" altLang="en-US" smtClean="0"/>
-              <a:t>2019/7/7</a:t>
+              <a:t>2020/8/28</a:t>
             </a:fld>
             <a:endParaRPr kumimoji="1" lang="ja-JP" altLang="en-US"/>
           </a:p>
@@ -921,7 +922,7 @@
           <a:p>
             <a:fld id="{1C257373-2D96-432C-8559-9F0547ADC7C2}" type="datetimeFigureOut">
               <a:rPr kumimoji="1" lang="ja-JP" altLang="en-US" smtClean="0"/>
-              <a:t>2019/7/7</a:t>
+              <a:t>2020/8/28</a:t>
             </a:fld>
             <a:endParaRPr kumimoji="1" lang="ja-JP" altLang="en-US"/>
           </a:p>
@@ -1167,7 +1168,7 @@
           <a:p>
             <a:fld id="{1C257373-2D96-432C-8559-9F0547ADC7C2}" type="datetimeFigureOut">
               <a:rPr kumimoji="1" lang="ja-JP" altLang="en-US" smtClean="0"/>
-              <a:t>2019/7/7</a:t>
+              <a:t>2020/8/28</a:t>
             </a:fld>
             <a:endParaRPr kumimoji="1" lang="ja-JP" altLang="en-US"/>
           </a:p>
@@ -1519,7 +1520,7 @@
           <a:p>
             <a:fld id="{1C257373-2D96-432C-8559-9F0547ADC7C2}" type="datetimeFigureOut">
               <a:rPr kumimoji="1" lang="ja-JP" altLang="en-US" smtClean="0"/>
-              <a:t>2019/7/7</a:t>
+              <a:t>2020/8/28</a:t>
             </a:fld>
             <a:endParaRPr kumimoji="1" lang="ja-JP" altLang="en-US"/>
           </a:p>
@@ -2005,7 +2006,7 @@
           <a:p>
             <a:fld id="{1C257373-2D96-432C-8559-9F0547ADC7C2}" type="datetimeFigureOut">
               <a:rPr kumimoji="1" lang="ja-JP" altLang="en-US" smtClean="0"/>
-              <a:t>2019/7/7</a:t>
+              <a:t>2020/8/28</a:t>
             </a:fld>
             <a:endParaRPr kumimoji="1" lang="ja-JP" altLang="en-US"/>
           </a:p>
@@ -2123,7 +2124,7 @@
           <a:p>
             <a:fld id="{1C257373-2D96-432C-8559-9F0547ADC7C2}" type="datetimeFigureOut">
               <a:rPr kumimoji="1" lang="ja-JP" altLang="en-US" smtClean="0"/>
-              <a:t>2019/7/7</a:t>
+              <a:t>2020/8/28</a:t>
             </a:fld>
             <a:endParaRPr kumimoji="1" lang="ja-JP" altLang="en-US"/>
           </a:p>
@@ -2218,7 +2219,7 @@
           <a:p>
             <a:fld id="{1C257373-2D96-432C-8559-9F0547ADC7C2}" type="datetimeFigureOut">
               <a:rPr kumimoji="1" lang="ja-JP" altLang="en-US" smtClean="0"/>
-              <a:t>2019/7/7</a:t>
+              <a:t>2020/8/28</a:t>
             </a:fld>
             <a:endParaRPr kumimoji="1" lang="ja-JP" altLang="en-US"/>
           </a:p>
@@ -2527,7 +2528,7 @@
           <a:p>
             <a:fld id="{1C257373-2D96-432C-8559-9F0547ADC7C2}" type="datetimeFigureOut">
               <a:rPr kumimoji="1" lang="ja-JP" altLang="en-US" smtClean="0"/>
-              <a:t>2019/7/7</a:t>
+              <a:t>2020/8/28</a:t>
             </a:fld>
             <a:endParaRPr kumimoji="1" lang="ja-JP" altLang="en-US"/>
           </a:p>
@@ -2780,7 +2781,7 @@
           <a:p>
             <a:fld id="{1C257373-2D96-432C-8559-9F0547ADC7C2}" type="datetimeFigureOut">
               <a:rPr kumimoji="1" lang="ja-JP" altLang="en-US" smtClean="0"/>
-              <a:t>2019/7/7</a:t>
+              <a:t>2020/8/28</a:t>
             </a:fld>
             <a:endParaRPr kumimoji="1" lang="ja-JP" altLang="en-US"/>
           </a:p>
@@ -3025,7 +3026,7 @@
           <a:p>
             <a:fld id="{1C257373-2D96-432C-8559-9F0547ADC7C2}" type="datetimeFigureOut">
               <a:rPr kumimoji="1" lang="ja-JP" altLang="en-US" smtClean="0"/>
-              <a:t>2019/7/7</a:t>
+              <a:t>2020/8/28</a:t>
             </a:fld>
             <a:endParaRPr kumimoji="1" lang="ja-JP" altLang="en-US"/>
           </a:p>
@@ -18304,6 +18305,1755 @@
     <p:extLst>
       <p:ext uri="{BB962C8B-B14F-4D97-AF65-F5344CB8AC3E}">
         <p14:creationId xmlns:p14="http://schemas.microsoft.com/office/powerpoint/2010/main" val="3312466172"/>
+      </p:ext>
+    </p:extLst>
+  </p:cSld>
+  <p:clrMapOvr>
+    <a:masterClrMapping/>
+  </p:clrMapOvr>
+</p:sld>
+</file>
+
+<file path=ppt/slides/slide19.xml><?xml version="1.0" encoding="utf-8"?>
+<p:sld xmlns:a="http://schemas.openxmlformats.org/drawingml/2006/main" xmlns:r="http://schemas.openxmlformats.org/officeDocument/2006/relationships" xmlns:p="http://schemas.openxmlformats.org/presentationml/2006/main">
+  <p:cSld>
+    <p:spTree>
+      <p:nvGrpSpPr>
+        <p:cNvPr id="1" name=""/>
+        <p:cNvGrpSpPr/>
+        <p:nvPr/>
+      </p:nvGrpSpPr>
+      <p:grpSpPr>
+        <a:xfrm>
+          <a:off x="0" y="0"/>
+          <a:ext cx="0" cy="0"/>
+          <a:chOff x="0" y="0"/>
+          <a:chExt cx="0" cy="0"/>
+        </a:xfrm>
+      </p:grpSpPr>
+      <p:cxnSp>
+        <p:nvCxnSpPr>
+          <p:cNvPr id="50" name="直線矢印コネクタ 49"/>
+          <p:cNvCxnSpPr>
+            <a:endCxn id="57" idx="0"/>
+          </p:cNvCxnSpPr>
+          <p:nvPr/>
+        </p:nvCxnSpPr>
+        <p:spPr>
+          <a:xfrm>
+            <a:off x="4443614" y="5368952"/>
+            <a:ext cx="1" cy="432048"/>
+          </a:xfrm>
+          <a:prstGeom prst="straightConnector1">
+            <a:avLst/>
+          </a:prstGeom>
+          <a:ln w="25400">
+            <a:tailEnd type="triangle" w="lg" len="lg"/>
+          </a:ln>
+        </p:spPr>
+        <p:style>
+          <a:lnRef idx="1">
+            <a:schemeClr val="accent5"/>
+          </a:lnRef>
+          <a:fillRef idx="0">
+            <a:schemeClr val="accent5"/>
+          </a:fillRef>
+          <a:effectRef idx="0">
+            <a:schemeClr val="accent5"/>
+          </a:effectRef>
+          <a:fontRef idx="minor">
+            <a:schemeClr val="tx1"/>
+          </a:fontRef>
+        </p:style>
+      </p:cxnSp>
+      <p:pic>
+        <p:nvPicPr>
+          <p:cNvPr id="57" name="Picture 2" descr="https://raw.githubusercontent.com/cncf/artwork/master/projects/containerd/horizontal/color/containerd-horizontal-color.png"/>
+          <p:cNvPicPr>
+            <a:picLocks noChangeAspect="1" noChangeArrowheads="1"/>
+          </p:cNvPicPr>
+          <p:nvPr/>
+        </p:nvPicPr>
+        <p:blipFill>
+          <a:blip r:embed="rId2" cstate="print">
+            <a:extLst>
+              <a:ext uri="{28A0092B-C50C-407E-A947-70E740481C1C}">
+                <a14:useLocalDpi xmlns:a14="http://schemas.microsoft.com/office/drawing/2010/main" val="0"/>
+              </a:ext>
+            </a:extLst>
+          </a:blip>
+          <a:srcRect/>
+          <a:stretch>
+            <a:fillRect/>
+          </a:stretch>
+        </p:blipFill>
+        <p:spPr bwMode="auto">
+          <a:xfrm>
+            <a:off x="3315577" y="5801000"/>
+            <a:ext cx="2256075" cy="558961"/>
+          </a:xfrm>
+          <a:prstGeom prst="rect">
+            <a:avLst/>
+          </a:prstGeom>
+          <a:noFill/>
+          <a:extLst>
+            <a:ext uri="{909E8E84-426E-40DD-AFC4-6F175D3DCCD1}">
+              <a14:hiddenFill xmlns:a14="http://schemas.microsoft.com/office/drawing/2010/main">
+                <a:solidFill>
+                  <a:srgbClr val="FFFFFF"/>
+                </a:solidFill>
+              </a14:hiddenFill>
+            </a:ext>
+          </a:extLst>
+        </p:spPr>
+      </p:pic>
+      <p:grpSp>
+        <p:nvGrpSpPr>
+          <p:cNvPr id="58" name="グループ化 57"/>
+          <p:cNvGrpSpPr/>
+          <p:nvPr/>
+        </p:nvGrpSpPr>
+        <p:grpSpPr>
+          <a:xfrm>
+            <a:off x="1926642" y="11573889"/>
+            <a:ext cx="1665841" cy="1408370"/>
+            <a:chOff x="707393" y="6331953"/>
+            <a:chExt cx="1665841" cy="1408370"/>
+          </a:xfrm>
+        </p:grpSpPr>
+        <p:sp>
+          <p:nvSpPr>
+            <p:cNvPr id="59" name="直方体 58"/>
+            <p:cNvSpPr/>
+            <p:nvPr/>
+          </p:nvSpPr>
+          <p:spPr>
+            <a:xfrm>
+              <a:off x="1324313" y="6331953"/>
+              <a:ext cx="432000" cy="432048"/>
+            </a:xfrm>
+            <a:prstGeom prst="cube">
+              <a:avLst/>
+            </a:prstGeom>
+          </p:spPr>
+          <p:style>
+            <a:lnRef idx="2">
+              <a:schemeClr val="accent5"/>
+            </a:lnRef>
+            <a:fillRef idx="1">
+              <a:schemeClr val="lt1"/>
+            </a:fillRef>
+            <a:effectRef idx="0">
+              <a:schemeClr val="accent5"/>
+            </a:effectRef>
+            <a:fontRef idx="minor">
+              <a:schemeClr val="dk1"/>
+            </a:fontRef>
+          </p:style>
+          <p:txBody>
+            <a:bodyPr rtlCol="0" anchor="ctr"/>
+            <a:lstStyle/>
+            <a:p>
+              <a:pPr algn="ctr"/>
+              <a:endParaRPr kumimoji="1" lang="ja-JP" altLang="en-US"/>
+            </a:p>
+          </p:txBody>
+        </p:sp>
+        <p:sp>
+          <p:nvSpPr>
+            <p:cNvPr id="60" name="テキスト ボックス 59"/>
+            <p:cNvSpPr txBox="1"/>
+            <p:nvPr/>
+          </p:nvSpPr>
+          <p:spPr>
+            <a:xfrm>
+              <a:off x="707393" y="6786216"/>
+              <a:ext cx="1665841" cy="954107"/>
+            </a:xfrm>
+            <a:prstGeom prst="rect">
+              <a:avLst/>
+            </a:prstGeom>
+            <a:noFill/>
+          </p:spPr>
+          <p:txBody>
+            <a:bodyPr wrap="none" rtlCol="0">
+              <a:spAutoFit/>
+            </a:bodyPr>
+            <a:lstStyle/>
+            <a:p>
+              <a:pPr algn="ctr"/>
+              <a:r>
+                <a:rPr lang="en-US" altLang="ja-JP" sz="2800" dirty="0" smtClean="0">
+                  <a:solidFill>
+                    <a:schemeClr val="tx1">
+                      <a:lumMod val="75000"/>
+                      <a:lumOff val="25000"/>
+                    </a:schemeClr>
+                  </a:solidFill>
+                  <a:latin typeface="Arial" panose="020B0604020202020204" pitchFamily="34" charset="0"/>
+                  <a:cs typeface="Arial" panose="020B0604020202020204" pitchFamily="34" charset="0"/>
+                </a:rPr>
+                <a:t>sandbox</a:t>
+              </a:r>
+            </a:p>
+            <a:p>
+              <a:pPr algn="ctr"/>
+              <a:r>
+                <a:rPr lang="en-US" altLang="ja-JP" sz="2800" dirty="0" smtClean="0">
+                  <a:solidFill>
+                    <a:schemeClr val="tx1">
+                      <a:lumMod val="75000"/>
+                      <a:lumOff val="25000"/>
+                    </a:schemeClr>
+                  </a:solidFill>
+                  <a:latin typeface="Arial" panose="020B0604020202020204" pitchFamily="34" charset="0"/>
+                  <a:cs typeface="Arial" panose="020B0604020202020204" pitchFamily="34" charset="0"/>
+                </a:rPr>
+                <a:t>container</a:t>
+              </a:r>
+              <a:endParaRPr kumimoji="1" lang="ja-JP" altLang="en-US" sz="2800" dirty="0">
+                <a:solidFill>
+                  <a:schemeClr val="tx1">
+                    <a:lumMod val="75000"/>
+                    <a:lumOff val="25000"/>
+                  </a:schemeClr>
+                </a:solidFill>
+                <a:latin typeface="Arial" panose="020B0604020202020204" pitchFamily="34" charset="0"/>
+                <a:cs typeface="Arial" panose="020B0604020202020204" pitchFamily="34" charset="0"/>
+              </a:endParaRPr>
+            </a:p>
+          </p:txBody>
+        </p:sp>
+      </p:grpSp>
+      <p:grpSp>
+        <p:nvGrpSpPr>
+          <p:cNvPr id="71" name="グループ化 70"/>
+          <p:cNvGrpSpPr/>
+          <p:nvPr/>
+        </p:nvGrpSpPr>
+        <p:grpSpPr>
+          <a:xfrm>
+            <a:off x="5239010" y="11573889"/>
+            <a:ext cx="1665841" cy="977483"/>
+            <a:chOff x="707393" y="6331953"/>
+            <a:chExt cx="1665841" cy="977483"/>
+          </a:xfrm>
+        </p:grpSpPr>
+        <p:sp>
+          <p:nvSpPr>
+            <p:cNvPr id="72" name="直方体 71"/>
+            <p:cNvSpPr/>
+            <p:nvPr/>
+          </p:nvSpPr>
+          <p:spPr>
+            <a:xfrm>
+              <a:off x="1324313" y="6331953"/>
+              <a:ext cx="432000" cy="432048"/>
+            </a:xfrm>
+            <a:prstGeom prst="cube">
+              <a:avLst/>
+            </a:prstGeom>
+          </p:spPr>
+          <p:style>
+            <a:lnRef idx="2">
+              <a:schemeClr val="accent5"/>
+            </a:lnRef>
+            <a:fillRef idx="1">
+              <a:schemeClr val="lt1"/>
+            </a:fillRef>
+            <a:effectRef idx="0">
+              <a:schemeClr val="accent5"/>
+            </a:effectRef>
+            <a:fontRef idx="minor">
+              <a:schemeClr val="dk1"/>
+            </a:fontRef>
+          </p:style>
+          <p:txBody>
+            <a:bodyPr rtlCol="0" anchor="ctr"/>
+            <a:lstStyle/>
+            <a:p>
+              <a:pPr algn="ctr"/>
+              <a:endParaRPr kumimoji="1" lang="ja-JP" altLang="en-US"/>
+            </a:p>
+          </p:txBody>
+        </p:sp>
+        <p:sp>
+          <p:nvSpPr>
+            <p:cNvPr id="73" name="テキスト ボックス 72"/>
+            <p:cNvSpPr txBox="1"/>
+            <p:nvPr/>
+          </p:nvSpPr>
+          <p:spPr>
+            <a:xfrm>
+              <a:off x="707393" y="6786216"/>
+              <a:ext cx="1665841" cy="523220"/>
+            </a:xfrm>
+            <a:prstGeom prst="rect">
+              <a:avLst/>
+            </a:prstGeom>
+            <a:noFill/>
+          </p:spPr>
+          <p:txBody>
+            <a:bodyPr wrap="none" rtlCol="0">
+              <a:spAutoFit/>
+            </a:bodyPr>
+            <a:lstStyle/>
+            <a:p>
+              <a:pPr algn="ctr"/>
+              <a:r>
+                <a:rPr lang="en-US" altLang="ja-JP" sz="2800" dirty="0" smtClean="0">
+                  <a:solidFill>
+                    <a:schemeClr val="tx1">
+                      <a:lumMod val="75000"/>
+                      <a:lumOff val="25000"/>
+                    </a:schemeClr>
+                  </a:solidFill>
+                  <a:latin typeface="Arial" panose="020B0604020202020204" pitchFamily="34" charset="0"/>
+                  <a:cs typeface="Arial" panose="020B0604020202020204" pitchFamily="34" charset="0"/>
+                </a:rPr>
+                <a:t>container</a:t>
+              </a:r>
+              <a:endParaRPr kumimoji="1" lang="ja-JP" altLang="en-US" sz="2800" dirty="0">
+                <a:solidFill>
+                  <a:schemeClr val="tx1">
+                    <a:lumMod val="75000"/>
+                    <a:lumOff val="25000"/>
+                  </a:schemeClr>
+                </a:solidFill>
+                <a:latin typeface="Arial" panose="020B0604020202020204" pitchFamily="34" charset="0"/>
+                <a:cs typeface="Arial" panose="020B0604020202020204" pitchFamily="34" charset="0"/>
+              </a:endParaRPr>
+            </a:p>
+          </p:txBody>
+        </p:sp>
+      </p:grpSp>
+      <p:grpSp>
+        <p:nvGrpSpPr>
+          <p:cNvPr id="83" name="グループ化 82"/>
+          <p:cNvGrpSpPr/>
+          <p:nvPr/>
+        </p:nvGrpSpPr>
+        <p:grpSpPr>
+          <a:xfrm>
+            <a:off x="1506680" y="11201600"/>
+            <a:ext cx="5832648" cy="1944216"/>
+            <a:chOff x="2901300" y="4435876"/>
+            <a:chExt cx="5832648" cy="1944216"/>
+          </a:xfrm>
+        </p:grpSpPr>
+        <p:sp>
+          <p:nvSpPr>
+            <p:cNvPr id="84" name="角丸四角形 83"/>
+            <p:cNvSpPr/>
+            <p:nvPr/>
+          </p:nvSpPr>
+          <p:spPr>
+            <a:xfrm>
+              <a:off x="2915816" y="4464905"/>
+              <a:ext cx="5818132" cy="1915187"/>
+            </a:xfrm>
+            <a:prstGeom prst="roundRect">
+              <a:avLst>
+                <a:gd name="adj" fmla="val 13586"/>
+              </a:avLst>
+            </a:prstGeom>
+            <a:noFill/>
+            <a:ln>
+              <a:solidFill>
+                <a:schemeClr val="tx1">
+                  <a:lumMod val="50000"/>
+                  <a:lumOff val="50000"/>
+                </a:schemeClr>
+              </a:solidFill>
+              <a:prstDash val="dash"/>
+            </a:ln>
+          </p:spPr>
+          <p:style>
+            <a:lnRef idx="2">
+              <a:schemeClr val="accent5"/>
+            </a:lnRef>
+            <a:fillRef idx="1">
+              <a:schemeClr val="lt1"/>
+            </a:fillRef>
+            <a:effectRef idx="0">
+              <a:schemeClr val="accent5"/>
+            </a:effectRef>
+            <a:fontRef idx="minor">
+              <a:schemeClr val="dk1"/>
+            </a:fontRef>
+          </p:style>
+          <p:txBody>
+            <a:bodyPr rtlCol="0" anchor="ctr"/>
+            <a:lstStyle/>
+            <a:p>
+              <a:pPr algn="ctr"/>
+              <a:endParaRPr kumimoji="1" lang="ja-JP" altLang="en-US"/>
+            </a:p>
+          </p:txBody>
+        </p:sp>
+        <p:sp>
+          <p:nvSpPr>
+            <p:cNvPr id="85" name="対角する 2 つの角を丸めた四角形 84"/>
+            <p:cNvSpPr/>
+            <p:nvPr/>
+          </p:nvSpPr>
+          <p:spPr>
+            <a:xfrm>
+              <a:off x="2901300" y="4435876"/>
+              <a:ext cx="612000" cy="288000"/>
+            </a:xfrm>
+            <a:prstGeom prst="round2DiagRect">
+              <a:avLst/>
+            </a:prstGeom>
+            <a:effectLst/>
+          </p:spPr>
+          <p:style>
+            <a:lnRef idx="1">
+              <a:schemeClr val="dk1"/>
+            </a:lnRef>
+            <a:fillRef idx="2">
+              <a:schemeClr val="dk1"/>
+            </a:fillRef>
+            <a:effectRef idx="1">
+              <a:schemeClr val="dk1"/>
+            </a:effectRef>
+            <a:fontRef idx="minor">
+              <a:schemeClr val="dk1"/>
+            </a:fontRef>
+          </p:style>
+          <p:txBody>
+            <a:bodyPr wrap="none" lIns="36000" tIns="36000" rIns="36000" bIns="36000" rtlCol="0" anchor="ctr"/>
+            <a:lstStyle/>
+            <a:p>
+              <a:pPr algn="ctr">
+                <a:lnSpc>
+                  <a:spcPts val="1460"/>
+                </a:lnSpc>
+              </a:pPr>
+              <a:r>
+                <a:rPr lang="en-US" altLang="ja-JP" dirty="0" smtClean="0">
+                  <a:solidFill>
+                    <a:schemeClr val="tx1">
+                      <a:lumMod val="75000"/>
+                      <a:lumOff val="25000"/>
+                    </a:schemeClr>
+                  </a:solidFill>
+                </a:rPr>
+                <a:t>Pod</a:t>
+              </a:r>
+              <a:endParaRPr kumimoji="1" lang="ja-JP" altLang="en-US" dirty="0">
+                <a:solidFill>
+                  <a:schemeClr val="tx1">
+                    <a:lumMod val="75000"/>
+                    <a:lumOff val="25000"/>
+                  </a:schemeClr>
+                </a:solidFill>
+              </a:endParaRPr>
+            </a:p>
+          </p:txBody>
+        </p:sp>
+      </p:grpSp>
+      <p:sp>
+        <p:nvSpPr>
+          <p:cNvPr id="86" name="正方形/長方形 85"/>
+          <p:cNvSpPr/>
+          <p:nvPr/>
+        </p:nvSpPr>
+        <p:spPr>
+          <a:xfrm>
+            <a:off x="3461614" y="7025136"/>
+            <a:ext cx="1964000" cy="523220"/>
+          </a:xfrm>
+          <a:prstGeom prst="rect">
+            <a:avLst/>
+          </a:prstGeom>
+        </p:spPr>
+        <p:style>
+          <a:lnRef idx="2">
+            <a:schemeClr val="accent5"/>
+          </a:lnRef>
+          <a:fillRef idx="1">
+            <a:schemeClr val="lt1"/>
+          </a:fillRef>
+          <a:effectRef idx="0">
+            <a:schemeClr val="accent5"/>
+          </a:effectRef>
+          <a:fontRef idx="minor">
+            <a:schemeClr val="dk1"/>
+          </a:fontRef>
+        </p:style>
+        <p:txBody>
+          <a:bodyPr rot="0" spcFirstLastPara="0" vertOverflow="overflow" horzOverflow="overflow" vert="horz" wrap="none" lIns="91440" tIns="45720" rIns="91440" bIns="45720" numCol="1" spcCol="0" rtlCol="0" fromWordArt="0" anchor="ctr" anchorCtr="0" forceAA="0" compatLnSpc="1">
+            <a:prstTxWarp prst="textNoShape">
+              <a:avLst/>
+            </a:prstTxWarp>
+            <a:spAutoFit/>
+          </a:bodyPr>
+          <a:lstStyle/>
+          <a:p>
+            <a:pPr algn="ctr"/>
+            <a:r>
+              <a:rPr lang="en-US" altLang="ja-JP" sz="2800" dirty="0" smtClean="0">
+                <a:solidFill>
+                  <a:schemeClr val="accent1">
+                    <a:lumMod val="75000"/>
+                  </a:schemeClr>
+                </a:solidFill>
+                <a:latin typeface="Arial" panose="020B0604020202020204" pitchFamily="34" charset="0"/>
+                <a:cs typeface="Arial" panose="020B0604020202020204" pitchFamily="34" charset="0"/>
+              </a:rPr>
+              <a:t>FC runtime</a:t>
+            </a:r>
+            <a:endParaRPr lang="ja-JP" altLang="en-US" sz="2800" dirty="0">
+              <a:solidFill>
+                <a:schemeClr val="accent1">
+                  <a:lumMod val="75000"/>
+                </a:schemeClr>
+              </a:solidFill>
+              <a:latin typeface="Arial" panose="020B0604020202020204" pitchFamily="34" charset="0"/>
+              <a:cs typeface="Arial" panose="020B0604020202020204" pitchFamily="34" charset="0"/>
+            </a:endParaRPr>
+          </a:p>
+        </p:txBody>
+      </p:sp>
+      <p:cxnSp>
+        <p:nvCxnSpPr>
+          <p:cNvPr id="88" name="直線矢印コネクタ 87"/>
+          <p:cNvCxnSpPr>
+            <a:stCxn id="29" idx="2"/>
+            <a:endCxn id="86" idx="0"/>
+          </p:cNvCxnSpPr>
+          <p:nvPr/>
+        </p:nvCxnSpPr>
+        <p:spPr>
+          <a:xfrm flipH="1">
+            <a:off x="4443614" y="6737104"/>
+            <a:ext cx="2994" cy="288032"/>
+          </a:xfrm>
+          <a:prstGeom prst="straightConnector1">
+            <a:avLst/>
+          </a:prstGeom>
+          <a:ln w="25400">
+            <a:tailEnd type="triangle" w="lg" len="lg"/>
+          </a:ln>
+        </p:spPr>
+        <p:style>
+          <a:lnRef idx="1">
+            <a:schemeClr val="accent5"/>
+          </a:lnRef>
+          <a:fillRef idx="0">
+            <a:schemeClr val="accent5"/>
+          </a:fillRef>
+          <a:effectRef idx="0">
+            <a:schemeClr val="accent5"/>
+          </a:effectRef>
+          <a:fontRef idx="minor">
+            <a:schemeClr val="tx1"/>
+          </a:fontRef>
+        </p:style>
+      </p:cxnSp>
+      <p:sp>
+        <p:nvSpPr>
+          <p:cNvPr id="91" name="角丸四角形 90"/>
+          <p:cNvSpPr/>
+          <p:nvPr/>
+        </p:nvSpPr>
+        <p:spPr>
+          <a:xfrm>
+            <a:off x="1187624" y="7770946"/>
+            <a:ext cx="6480720" cy="5725328"/>
+          </a:xfrm>
+          <a:prstGeom prst="roundRect">
+            <a:avLst>
+              <a:gd name="adj" fmla="val 8030"/>
+            </a:avLst>
+          </a:prstGeom>
+          <a:noFill/>
+          <a:ln>
+            <a:solidFill>
+              <a:schemeClr val="tx1">
+                <a:lumMod val="50000"/>
+                <a:lumOff val="50000"/>
+              </a:schemeClr>
+            </a:solidFill>
+            <a:prstDash val="dash"/>
+          </a:ln>
+        </p:spPr>
+        <p:style>
+          <a:lnRef idx="2">
+            <a:schemeClr val="accent5"/>
+          </a:lnRef>
+          <a:fillRef idx="1">
+            <a:schemeClr val="lt1"/>
+          </a:fillRef>
+          <a:effectRef idx="0">
+            <a:schemeClr val="accent5"/>
+          </a:effectRef>
+          <a:fontRef idx="minor">
+            <a:schemeClr val="dk1"/>
+          </a:fontRef>
+        </p:style>
+        <p:txBody>
+          <a:bodyPr rtlCol="0" anchor="ctr"/>
+          <a:lstStyle/>
+          <a:p>
+            <a:pPr algn="ctr"/>
+            <a:endParaRPr kumimoji="1" lang="ja-JP" altLang="en-US"/>
+          </a:p>
+        </p:txBody>
+      </p:sp>
+      <p:sp>
+        <p:nvSpPr>
+          <p:cNvPr id="92" name="正方形/長方形 91"/>
+          <p:cNvSpPr/>
+          <p:nvPr/>
+        </p:nvSpPr>
+        <p:spPr>
+          <a:xfrm>
+            <a:off x="3611495" y="8072888"/>
+            <a:ext cx="1664238" cy="523220"/>
+          </a:xfrm>
+          <a:prstGeom prst="rect">
+            <a:avLst/>
+          </a:prstGeom>
+        </p:spPr>
+        <p:style>
+          <a:lnRef idx="2">
+            <a:schemeClr val="accent5"/>
+          </a:lnRef>
+          <a:fillRef idx="1">
+            <a:schemeClr val="lt1"/>
+          </a:fillRef>
+          <a:effectRef idx="0">
+            <a:schemeClr val="accent5"/>
+          </a:effectRef>
+          <a:fontRef idx="minor">
+            <a:schemeClr val="dk1"/>
+          </a:fontRef>
+        </p:style>
+        <p:txBody>
+          <a:bodyPr rot="0" spcFirstLastPara="0" vertOverflow="overflow" horzOverflow="overflow" vert="horz" wrap="none" lIns="91440" tIns="45720" rIns="91440" bIns="45720" numCol="1" spcCol="0" rtlCol="0" fromWordArt="0" anchor="ctr" anchorCtr="0" forceAA="0" compatLnSpc="1">
+            <a:prstTxWarp prst="textNoShape">
+              <a:avLst/>
+            </a:prstTxWarp>
+            <a:spAutoFit/>
+          </a:bodyPr>
+          <a:lstStyle/>
+          <a:p>
+            <a:pPr algn="ctr"/>
+            <a:r>
+              <a:rPr lang="en-US" altLang="ja-JP" sz="2800" dirty="0" smtClean="0">
+                <a:solidFill>
+                  <a:schemeClr val="accent1">
+                    <a:lumMod val="75000"/>
+                  </a:schemeClr>
+                </a:solidFill>
+                <a:latin typeface="Arial" panose="020B0604020202020204" pitchFamily="34" charset="0"/>
+                <a:cs typeface="Arial" panose="020B0604020202020204" pitchFamily="34" charset="0"/>
+              </a:rPr>
+              <a:t>FC </a:t>
+            </a:r>
+            <a:r>
+              <a:rPr lang="en-US" altLang="ja-JP" sz="2800" dirty="0" smtClean="0">
+                <a:solidFill>
+                  <a:schemeClr val="accent1">
+                    <a:lumMod val="75000"/>
+                  </a:schemeClr>
+                </a:solidFill>
+                <a:latin typeface="Arial" panose="020B0604020202020204" pitchFamily="34" charset="0"/>
+                <a:cs typeface="Arial" panose="020B0604020202020204" pitchFamily="34" charset="0"/>
+              </a:rPr>
+              <a:t>agent</a:t>
+            </a:r>
+            <a:endParaRPr lang="ja-JP" altLang="en-US" sz="2800" dirty="0">
+              <a:solidFill>
+                <a:schemeClr val="accent1">
+                  <a:lumMod val="75000"/>
+                </a:schemeClr>
+              </a:solidFill>
+              <a:latin typeface="Arial" panose="020B0604020202020204" pitchFamily="34" charset="0"/>
+              <a:cs typeface="Arial" panose="020B0604020202020204" pitchFamily="34" charset="0"/>
+            </a:endParaRPr>
+          </a:p>
+        </p:txBody>
+      </p:sp>
+      <p:cxnSp>
+        <p:nvCxnSpPr>
+          <p:cNvPr id="93" name="直線矢印コネクタ 92"/>
+          <p:cNvCxnSpPr/>
+          <p:nvPr/>
+        </p:nvCxnSpPr>
+        <p:spPr>
+          <a:xfrm>
+            <a:off x="4443613" y="7574086"/>
+            <a:ext cx="1" cy="498802"/>
+          </a:xfrm>
+          <a:prstGeom prst="straightConnector1">
+            <a:avLst/>
+          </a:prstGeom>
+          <a:ln w="25400">
+            <a:tailEnd type="triangle" w="lg" len="lg"/>
+          </a:ln>
+        </p:spPr>
+        <p:style>
+          <a:lnRef idx="1">
+            <a:schemeClr val="accent5"/>
+          </a:lnRef>
+          <a:fillRef idx="0">
+            <a:schemeClr val="accent5"/>
+          </a:fillRef>
+          <a:effectRef idx="0">
+            <a:schemeClr val="accent5"/>
+          </a:effectRef>
+          <a:fontRef idx="minor">
+            <a:schemeClr val="tx1"/>
+          </a:fontRef>
+        </p:style>
+      </p:cxnSp>
+      <p:sp>
+        <p:nvSpPr>
+          <p:cNvPr id="94" name="対角する 2 つの角を丸めた四角形 93"/>
+          <p:cNvSpPr/>
+          <p:nvPr/>
+        </p:nvSpPr>
+        <p:spPr>
+          <a:xfrm>
+            <a:off x="1180799" y="7761602"/>
+            <a:ext cx="2088000" cy="288000"/>
+          </a:xfrm>
+          <a:prstGeom prst="round2DiagRect">
+            <a:avLst/>
+          </a:prstGeom>
+          <a:effectLst/>
+        </p:spPr>
+        <p:style>
+          <a:lnRef idx="1">
+            <a:schemeClr val="dk1"/>
+          </a:lnRef>
+          <a:fillRef idx="2">
+            <a:schemeClr val="dk1"/>
+          </a:fillRef>
+          <a:effectRef idx="1">
+            <a:schemeClr val="dk1"/>
+          </a:effectRef>
+          <a:fontRef idx="minor">
+            <a:schemeClr val="dk1"/>
+          </a:fontRef>
+        </p:style>
+        <p:txBody>
+          <a:bodyPr wrap="none" lIns="36000" tIns="36000" rIns="36000" bIns="36000" rtlCol="0" anchor="ctr"/>
+          <a:lstStyle/>
+          <a:p>
+            <a:pPr algn="ctr">
+              <a:lnSpc>
+                <a:spcPts val="1460"/>
+              </a:lnSpc>
+            </a:pPr>
+            <a:r>
+              <a:rPr lang="en-US" altLang="ja-JP" dirty="0" smtClean="0">
+                <a:solidFill>
+                  <a:schemeClr val="tx1">
+                    <a:lumMod val="75000"/>
+                    <a:lumOff val="25000"/>
+                  </a:schemeClr>
+                </a:solidFill>
+              </a:rPr>
+              <a:t>Firecracker VM</a:t>
+            </a:r>
+            <a:endParaRPr kumimoji="1" lang="ja-JP" altLang="en-US" dirty="0">
+              <a:solidFill>
+                <a:schemeClr val="tx1">
+                  <a:lumMod val="75000"/>
+                  <a:lumOff val="25000"/>
+                </a:schemeClr>
+              </a:solidFill>
+            </a:endParaRPr>
+          </a:p>
+        </p:txBody>
+      </p:sp>
+      <p:cxnSp>
+        <p:nvCxnSpPr>
+          <p:cNvPr id="95" name="カギ線コネクタ 94"/>
+          <p:cNvCxnSpPr>
+            <a:stCxn id="92" idx="2"/>
+            <a:endCxn id="37" idx="0"/>
+          </p:cNvCxnSpPr>
+          <p:nvPr/>
+        </p:nvCxnSpPr>
+        <p:spPr>
+          <a:xfrm rot="5400000">
+            <a:off x="3415683" y="8001245"/>
+            <a:ext cx="433068" cy="1622794"/>
+          </a:xfrm>
+          <a:prstGeom prst="bentConnector3">
+            <a:avLst>
+              <a:gd name="adj1" fmla="val 50000"/>
+            </a:avLst>
+          </a:prstGeom>
+          <a:ln w="25400">
+            <a:tailEnd type="triangle" w="lg" len="lg"/>
+          </a:ln>
+        </p:spPr>
+        <p:style>
+          <a:lnRef idx="1">
+            <a:schemeClr val="accent5"/>
+          </a:lnRef>
+          <a:fillRef idx="0">
+            <a:schemeClr val="accent5"/>
+          </a:fillRef>
+          <a:effectRef idx="0">
+            <a:schemeClr val="accent5"/>
+          </a:effectRef>
+          <a:fontRef idx="minor">
+            <a:schemeClr val="tx1"/>
+          </a:fontRef>
+        </p:style>
+      </p:cxnSp>
+      <p:cxnSp>
+        <p:nvCxnSpPr>
+          <p:cNvPr id="96" name="カギ線コネクタ 95"/>
+          <p:cNvCxnSpPr>
+            <a:stCxn id="92" idx="2"/>
+            <a:endCxn id="62" idx="0"/>
+          </p:cNvCxnSpPr>
+          <p:nvPr/>
+        </p:nvCxnSpPr>
+        <p:spPr>
+          <a:xfrm rot="16200000" flipH="1">
+            <a:off x="5065359" y="7974363"/>
+            <a:ext cx="433068" cy="1676558"/>
+          </a:xfrm>
+          <a:prstGeom prst="bentConnector3">
+            <a:avLst>
+              <a:gd name="adj1" fmla="val 50000"/>
+            </a:avLst>
+          </a:prstGeom>
+          <a:ln w="25400">
+            <a:tailEnd type="triangle" w="lg" len="lg"/>
+          </a:ln>
+        </p:spPr>
+        <p:style>
+          <a:lnRef idx="1">
+            <a:schemeClr val="accent5"/>
+          </a:lnRef>
+          <a:fillRef idx="0">
+            <a:schemeClr val="accent5"/>
+          </a:fillRef>
+          <a:effectRef idx="0">
+            <a:schemeClr val="accent5"/>
+          </a:effectRef>
+          <a:fontRef idx="minor">
+            <a:schemeClr val="tx1"/>
+          </a:fontRef>
+        </p:style>
+      </p:cxnSp>
+      <p:sp>
+        <p:nvSpPr>
+          <p:cNvPr id="97" name="正方形/長方形 96"/>
+          <p:cNvSpPr/>
+          <p:nvPr/>
+        </p:nvSpPr>
+        <p:spPr>
+          <a:xfrm>
+            <a:off x="1187624" y="13702716"/>
+            <a:ext cx="6480720" cy="523220"/>
+          </a:xfrm>
+          <a:prstGeom prst="rect">
+            <a:avLst/>
+          </a:prstGeom>
+          <a:ln>
+            <a:solidFill>
+              <a:schemeClr val="tx1">
+                <a:lumMod val="65000"/>
+                <a:lumOff val="35000"/>
+              </a:schemeClr>
+            </a:solidFill>
+          </a:ln>
+        </p:spPr>
+        <p:style>
+          <a:lnRef idx="2">
+            <a:schemeClr val="dk1"/>
+          </a:lnRef>
+          <a:fillRef idx="1">
+            <a:schemeClr val="lt1"/>
+          </a:fillRef>
+          <a:effectRef idx="0">
+            <a:schemeClr val="dk1"/>
+          </a:effectRef>
+          <a:fontRef idx="minor">
+            <a:schemeClr val="dk1"/>
+          </a:fontRef>
+        </p:style>
+        <p:txBody>
+          <a:bodyPr rot="0" spcFirstLastPara="0" vertOverflow="overflow" horzOverflow="overflow" vert="horz" wrap="square" lIns="91440" tIns="45720" rIns="91440" bIns="45720" numCol="1" spcCol="0" rtlCol="0" fromWordArt="0" anchor="ctr" anchorCtr="0" forceAA="0" compatLnSpc="1">
+            <a:prstTxWarp prst="textNoShape">
+              <a:avLst/>
+            </a:prstTxWarp>
+            <a:spAutoFit/>
+          </a:bodyPr>
+          <a:lstStyle/>
+          <a:p>
+            <a:pPr algn="ctr"/>
+            <a:r>
+              <a:rPr lang="en-US" altLang="ja-JP" sz="2800" dirty="0" smtClean="0">
+                <a:solidFill>
+                  <a:schemeClr val="tx1">
+                    <a:lumMod val="65000"/>
+                    <a:lumOff val="35000"/>
+                  </a:schemeClr>
+                </a:solidFill>
+                <a:latin typeface="Arial" panose="020B0604020202020204" pitchFamily="34" charset="0"/>
+                <a:cs typeface="Arial" panose="020B0604020202020204" pitchFamily="34" charset="0"/>
+              </a:rPr>
+              <a:t>KVM</a:t>
+            </a:r>
+            <a:endParaRPr lang="ja-JP" altLang="en-US" sz="2800" dirty="0">
+              <a:solidFill>
+                <a:schemeClr val="tx1">
+                  <a:lumMod val="65000"/>
+                  <a:lumOff val="35000"/>
+                </a:schemeClr>
+              </a:solidFill>
+              <a:latin typeface="Arial" panose="020B0604020202020204" pitchFamily="34" charset="0"/>
+              <a:cs typeface="Arial" panose="020B0604020202020204" pitchFamily="34" charset="0"/>
+            </a:endParaRPr>
+          </a:p>
+        </p:txBody>
+      </p:sp>
+      <p:cxnSp>
+        <p:nvCxnSpPr>
+          <p:cNvPr id="101" name="カギ線コネクタ 100"/>
+          <p:cNvCxnSpPr>
+            <a:stCxn id="29" idx="1"/>
+            <a:endCxn id="97" idx="1"/>
+          </p:cNvCxnSpPr>
+          <p:nvPr/>
+        </p:nvCxnSpPr>
+        <p:spPr>
+          <a:xfrm rot="10800000" flipV="1">
+            <a:off x="1187624" y="6537048"/>
+            <a:ext cx="1933140" cy="7427277"/>
+          </a:xfrm>
+          <a:prstGeom prst="bentConnector3">
+            <a:avLst>
+              <a:gd name="adj1" fmla="val 111825"/>
+            </a:avLst>
+          </a:prstGeom>
+          <a:ln w="25400">
+            <a:prstDash val="sysDash"/>
+            <a:tailEnd type="triangle" w="lg" len="lg"/>
+          </a:ln>
+        </p:spPr>
+        <p:style>
+          <a:lnRef idx="1">
+            <a:schemeClr val="accent5"/>
+          </a:lnRef>
+          <a:fillRef idx="0">
+            <a:schemeClr val="accent5"/>
+          </a:fillRef>
+          <a:effectRef idx="0">
+            <a:schemeClr val="accent5"/>
+          </a:effectRef>
+          <a:fontRef idx="minor">
+            <a:schemeClr val="tx1"/>
+          </a:fontRef>
+        </p:style>
+      </p:cxnSp>
+      <p:cxnSp>
+        <p:nvCxnSpPr>
+          <p:cNvPr id="102" name="直線矢印コネクタ 101"/>
+          <p:cNvCxnSpPr>
+            <a:stCxn id="97" idx="0"/>
+            <a:endCxn id="91" idx="2"/>
+          </p:cNvCxnSpPr>
+          <p:nvPr/>
+        </p:nvCxnSpPr>
+        <p:spPr>
+          <a:xfrm flipV="1">
+            <a:off x="4427984" y="13496274"/>
+            <a:ext cx="0" cy="206442"/>
+          </a:xfrm>
+          <a:prstGeom prst="straightConnector1">
+            <a:avLst/>
+          </a:prstGeom>
+          <a:ln w="25400">
+            <a:tailEnd type="triangle" w="lg" len="lg"/>
+          </a:ln>
+        </p:spPr>
+        <p:style>
+          <a:lnRef idx="1">
+            <a:schemeClr val="accent5"/>
+          </a:lnRef>
+          <a:fillRef idx="0">
+            <a:schemeClr val="accent5"/>
+          </a:fillRef>
+          <a:effectRef idx="0">
+            <a:schemeClr val="accent5"/>
+          </a:effectRef>
+          <a:fontRef idx="minor">
+            <a:schemeClr val="tx1"/>
+          </a:fontRef>
+        </p:style>
+      </p:cxnSp>
+      <p:sp>
+        <p:nvSpPr>
+          <p:cNvPr id="29" name="正方形/長方形 28"/>
+          <p:cNvSpPr/>
+          <p:nvPr/>
+        </p:nvSpPr>
+        <p:spPr>
+          <a:xfrm>
+            <a:off x="3120764" y="6336994"/>
+            <a:ext cx="2651688" cy="400110"/>
+          </a:xfrm>
+          <a:prstGeom prst="rect">
+            <a:avLst/>
+          </a:prstGeom>
+          <a:noFill/>
+          <a:ln>
+            <a:noFill/>
+          </a:ln>
+        </p:spPr>
+        <p:style>
+          <a:lnRef idx="2">
+            <a:schemeClr val="accent5"/>
+          </a:lnRef>
+          <a:fillRef idx="1">
+            <a:schemeClr val="lt1"/>
+          </a:fillRef>
+          <a:effectRef idx="0">
+            <a:schemeClr val="accent5"/>
+          </a:effectRef>
+          <a:fontRef idx="minor">
+            <a:schemeClr val="dk1"/>
+          </a:fontRef>
+        </p:style>
+        <p:txBody>
+          <a:bodyPr rot="0" spcFirstLastPara="0" vertOverflow="overflow" horzOverflow="overflow" vert="horz" wrap="none" lIns="91440" tIns="45720" rIns="91440" bIns="45720" numCol="1" spcCol="0" rtlCol="0" fromWordArt="0" anchor="ctr" anchorCtr="0" forceAA="0" compatLnSpc="1">
+            <a:prstTxWarp prst="textNoShape">
+              <a:avLst/>
+            </a:prstTxWarp>
+            <a:spAutoFit/>
+          </a:bodyPr>
+          <a:lstStyle/>
+          <a:p>
+            <a:pPr algn="ctr"/>
+            <a:r>
+              <a:rPr lang="en-US" altLang="ja-JP" sz="2000" dirty="0">
+                <a:solidFill>
+                  <a:schemeClr val="accent1">
+                    <a:lumMod val="75000"/>
+                  </a:schemeClr>
+                </a:solidFill>
+                <a:latin typeface="Arial" panose="020B0604020202020204" pitchFamily="34" charset="0"/>
+                <a:cs typeface="Arial" panose="020B0604020202020204" pitchFamily="34" charset="0"/>
+              </a:rPr>
+              <a:t>w</a:t>
+            </a:r>
+            <a:r>
+              <a:rPr lang="en-US" altLang="ja-JP" sz="2000" dirty="0" smtClean="0">
+                <a:solidFill>
+                  <a:schemeClr val="accent1">
+                    <a:lumMod val="75000"/>
+                  </a:schemeClr>
+                </a:solidFill>
+                <a:latin typeface="Arial" panose="020B0604020202020204" pitchFamily="34" charset="0"/>
+                <a:cs typeface="Arial" panose="020B0604020202020204" pitchFamily="34" charset="0"/>
+              </a:rPr>
+              <a:t>ith FC control plugin</a:t>
+            </a:r>
+            <a:endParaRPr lang="ja-JP" altLang="en-US" sz="2000" dirty="0">
+              <a:solidFill>
+                <a:schemeClr val="accent1">
+                  <a:lumMod val="75000"/>
+                </a:schemeClr>
+              </a:solidFill>
+              <a:latin typeface="Arial" panose="020B0604020202020204" pitchFamily="34" charset="0"/>
+              <a:cs typeface="Arial" panose="020B0604020202020204" pitchFamily="34" charset="0"/>
+            </a:endParaRPr>
+          </a:p>
+        </p:txBody>
+      </p:sp>
+      <p:grpSp>
+        <p:nvGrpSpPr>
+          <p:cNvPr id="34" name="グループ化 33"/>
+          <p:cNvGrpSpPr/>
+          <p:nvPr/>
+        </p:nvGrpSpPr>
+        <p:grpSpPr>
+          <a:xfrm>
+            <a:off x="1546164" y="9000147"/>
+            <a:ext cx="2534796" cy="1913421"/>
+            <a:chOff x="1533148" y="4392608"/>
+            <a:chExt cx="2534796" cy="1913421"/>
+          </a:xfrm>
+        </p:grpSpPr>
+        <p:grpSp>
+          <p:nvGrpSpPr>
+            <p:cNvPr id="35" name="グループ化 34"/>
+            <p:cNvGrpSpPr/>
+            <p:nvPr/>
+          </p:nvGrpSpPr>
+          <p:grpSpPr>
+            <a:xfrm>
+              <a:off x="2116470" y="4792888"/>
+              <a:ext cx="1368152" cy="1408103"/>
+              <a:chOff x="5364088" y="2616126"/>
+              <a:chExt cx="1368152" cy="1408102"/>
+            </a:xfrm>
+          </p:grpSpPr>
+          <p:pic>
+            <p:nvPicPr>
+              <p:cNvPr id="39" name="Picture 2" descr="C:\Users\kaitoy\Desktop\bin\pleiades\workspace\blog\static\images\runc.png"/>
+              <p:cNvPicPr>
+                <a:picLocks noChangeAspect="1" noChangeArrowheads="1"/>
+              </p:cNvPicPr>
+              <p:nvPr/>
+            </p:nvPicPr>
+            <p:blipFill>
+              <a:blip r:embed="rId3" cstate="print">
+                <a:extLst>
+                  <a:ext uri="{28A0092B-C50C-407E-A947-70E740481C1C}">
+                    <a14:useLocalDpi xmlns:a14="http://schemas.microsoft.com/office/drawing/2010/main" val="0"/>
+                  </a:ext>
+                </a:extLst>
+              </a:blip>
+              <a:srcRect/>
+              <a:stretch>
+                <a:fillRect/>
+              </a:stretch>
+            </p:blipFill>
+            <p:spPr bwMode="auto">
+              <a:xfrm>
+                <a:off x="5364088" y="2616126"/>
+                <a:ext cx="1368152" cy="953187"/>
+              </a:xfrm>
+              <a:prstGeom prst="rect">
+                <a:avLst/>
+              </a:prstGeom>
+              <a:noFill/>
+              <a:extLst>
+                <a:ext uri="{909E8E84-426E-40DD-AFC4-6F175D3DCCD1}">
+                  <a14:hiddenFill xmlns:a14="http://schemas.microsoft.com/office/drawing/2010/main">
+                    <a:solidFill>
+                      <a:srgbClr val="FFFFFF"/>
+                    </a:solidFill>
+                  </a14:hiddenFill>
+                </a:ext>
+              </a:extLst>
+            </p:spPr>
+          </p:pic>
+          <p:sp>
+            <p:nvSpPr>
+              <p:cNvPr id="40" name="テキスト ボックス 39"/>
+              <p:cNvSpPr txBox="1"/>
+              <p:nvPr/>
+            </p:nvSpPr>
+            <p:spPr>
+              <a:xfrm>
+                <a:off x="5565500" y="3501008"/>
+                <a:ext cx="965329" cy="523220"/>
+              </a:xfrm>
+              <a:prstGeom prst="rect">
+                <a:avLst/>
+              </a:prstGeom>
+              <a:noFill/>
+            </p:spPr>
+            <p:txBody>
+              <a:bodyPr wrap="none" rtlCol="0">
+                <a:spAutoFit/>
+              </a:bodyPr>
+              <a:lstStyle/>
+              <a:p>
+                <a:r>
+                  <a:rPr lang="en-US" altLang="ja-JP" sz="2800" dirty="0" err="1" smtClean="0">
+                    <a:solidFill>
+                      <a:schemeClr val="tx1">
+                        <a:lumMod val="75000"/>
+                        <a:lumOff val="25000"/>
+                      </a:schemeClr>
+                    </a:solidFill>
+                    <a:latin typeface="Arial" panose="020B0604020202020204" pitchFamily="34" charset="0"/>
+                    <a:cs typeface="Arial" panose="020B0604020202020204" pitchFamily="34" charset="0"/>
+                  </a:rPr>
+                  <a:t>runC</a:t>
+                </a:r>
+                <a:endParaRPr kumimoji="1" lang="ja-JP" altLang="en-US" sz="2800" dirty="0">
+                  <a:solidFill>
+                    <a:schemeClr val="tx1">
+                      <a:lumMod val="75000"/>
+                      <a:lumOff val="25000"/>
+                    </a:schemeClr>
+                  </a:solidFill>
+                  <a:latin typeface="Arial" panose="020B0604020202020204" pitchFamily="34" charset="0"/>
+                  <a:cs typeface="Arial" panose="020B0604020202020204" pitchFamily="34" charset="0"/>
+                </a:endParaRPr>
+              </a:p>
+            </p:txBody>
+          </p:sp>
+        </p:grpSp>
+        <p:grpSp>
+          <p:nvGrpSpPr>
+            <p:cNvPr id="36" name="グループ化 35"/>
+            <p:cNvGrpSpPr/>
+            <p:nvPr/>
+          </p:nvGrpSpPr>
+          <p:grpSpPr>
+            <a:xfrm>
+              <a:off x="1533148" y="4392608"/>
+              <a:ext cx="2534796" cy="1913421"/>
+              <a:chOff x="2901300" y="4435876"/>
+              <a:chExt cx="2534796" cy="1913421"/>
+            </a:xfrm>
+          </p:grpSpPr>
+          <p:sp>
+            <p:nvSpPr>
+              <p:cNvPr id="37" name="角丸四角形 36"/>
+              <p:cNvSpPr/>
+              <p:nvPr/>
+            </p:nvSpPr>
+            <p:spPr>
+              <a:xfrm>
+                <a:off x="2915816" y="4464905"/>
+                <a:ext cx="2520280" cy="1884392"/>
+              </a:xfrm>
+              <a:prstGeom prst="roundRect">
+                <a:avLst>
+                  <a:gd name="adj" fmla="val 13586"/>
+                </a:avLst>
+              </a:prstGeom>
+              <a:noFill/>
+              <a:ln>
+                <a:prstDash val="dash"/>
+              </a:ln>
+            </p:spPr>
+            <p:style>
+              <a:lnRef idx="2">
+                <a:schemeClr val="accent5"/>
+              </a:lnRef>
+              <a:fillRef idx="1">
+                <a:schemeClr val="lt1"/>
+              </a:fillRef>
+              <a:effectRef idx="0">
+                <a:schemeClr val="accent5"/>
+              </a:effectRef>
+              <a:fontRef idx="minor">
+                <a:schemeClr val="dk1"/>
+              </a:fontRef>
+            </p:style>
+            <p:txBody>
+              <a:bodyPr rtlCol="0" anchor="ctr"/>
+              <a:lstStyle/>
+              <a:p>
+                <a:pPr algn="ctr"/>
+                <a:endParaRPr kumimoji="1" lang="ja-JP" altLang="en-US"/>
+              </a:p>
+            </p:txBody>
+          </p:sp>
+          <p:sp>
+            <p:nvSpPr>
+              <p:cNvPr id="38" name="対角する 2 つの角を丸めた四角形 37"/>
+              <p:cNvSpPr/>
+              <p:nvPr/>
+            </p:nvSpPr>
+            <p:spPr>
+              <a:xfrm>
+                <a:off x="2901300" y="4435876"/>
+                <a:ext cx="1332000" cy="288000"/>
+              </a:xfrm>
+              <a:prstGeom prst="round2DiagRect">
+                <a:avLst/>
+              </a:prstGeom>
+              <a:effectLst/>
+            </p:spPr>
+            <p:style>
+              <a:lnRef idx="1">
+                <a:schemeClr val="accent5"/>
+              </a:lnRef>
+              <a:fillRef idx="2">
+                <a:schemeClr val="accent5"/>
+              </a:fillRef>
+              <a:effectRef idx="1">
+                <a:schemeClr val="accent5"/>
+              </a:effectRef>
+              <a:fontRef idx="minor">
+                <a:schemeClr val="dk1"/>
+              </a:fontRef>
+            </p:style>
+            <p:txBody>
+              <a:bodyPr wrap="none" lIns="36000" tIns="36000" rIns="36000" bIns="36000" rtlCol="0" anchor="ctr"/>
+              <a:lstStyle/>
+              <a:p>
+                <a:pPr algn="ctr">
+                  <a:lnSpc>
+                    <a:spcPts val="1460"/>
+                  </a:lnSpc>
+                </a:pPr>
+                <a:r>
+                  <a:rPr kumimoji="1" lang="en-US" altLang="ja-JP" dirty="0" smtClean="0">
+                    <a:solidFill>
+                      <a:schemeClr val="tx1">
+                        <a:lumMod val="75000"/>
+                        <a:lumOff val="25000"/>
+                      </a:schemeClr>
+                    </a:solidFill>
+                  </a:rPr>
+                  <a:t>OCI Runtime</a:t>
+                </a:r>
+                <a:endParaRPr kumimoji="1" lang="ja-JP" altLang="en-US" dirty="0">
+                  <a:solidFill>
+                    <a:schemeClr val="tx1">
+                      <a:lumMod val="75000"/>
+                      <a:lumOff val="25000"/>
+                    </a:schemeClr>
+                  </a:solidFill>
+                </a:endParaRPr>
+              </a:p>
+            </p:txBody>
+          </p:sp>
+        </p:grpSp>
+      </p:grpSp>
+      <p:cxnSp>
+        <p:nvCxnSpPr>
+          <p:cNvPr id="41" name="カギ線コネクタ 40"/>
+          <p:cNvCxnSpPr>
+            <a:stCxn id="29" idx="1"/>
+            <a:endCxn id="91" idx="1"/>
+          </p:cNvCxnSpPr>
+          <p:nvPr/>
+        </p:nvCxnSpPr>
+        <p:spPr>
+          <a:xfrm rot="10800000" flipV="1">
+            <a:off x="1187624" y="6537048"/>
+            <a:ext cx="1933140" cy="4096561"/>
+          </a:xfrm>
+          <a:prstGeom prst="bentConnector3">
+            <a:avLst>
+              <a:gd name="adj1" fmla="val 111825"/>
+            </a:avLst>
+          </a:prstGeom>
+          <a:ln w="25400">
+            <a:prstDash val="sysDash"/>
+            <a:tailEnd type="triangle" w="lg" len="lg"/>
+          </a:ln>
+        </p:spPr>
+        <p:style>
+          <a:lnRef idx="1">
+            <a:schemeClr val="accent5"/>
+          </a:lnRef>
+          <a:fillRef idx="0">
+            <a:schemeClr val="accent5"/>
+          </a:fillRef>
+          <a:effectRef idx="0">
+            <a:schemeClr val="accent5"/>
+          </a:effectRef>
+          <a:fontRef idx="minor">
+            <a:schemeClr val="tx1"/>
+          </a:fontRef>
+        </p:style>
+      </p:cxnSp>
+      <p:grpSp>
+        <p:nvGrpSpPr>
+          <p:cNvPr id="51" name="グループ化 50"/>
+          <p:cNvGrpSpPr/>
+          <p:nvPr/>
+        </p:nvGrpSpPr>
+        <p:grpSpPr>
+          <a:xfrm>
+            <a:off x="4845516" y="9000147"/>
+            <a:ext cx="2534796" cy="1913421"/>
+            <a:chOff x="1533148" y="4392608"/>
+            <a:chExt cx="2534796" cy="1913421"/>
+          </a:xfrm>
+        </p:grpSpPr>
+        <p:grpSp>
+          <p:nvGrpSpPr>
+            <p:cNvPr id="55" name="グループ化 54"/>
+            <p:cNvGrpSpPr/>
+            <p:nvPr/>
+          </p:nvGrpSpPr>
+          <p:grpSpPr>
+            <a:xfrm>
+              <a:off x="2116470" y="4792888"/>
+              <a:ext cx="1368152" cy="1408103"/>
+              <a:chOff x="5364088" y="2616126"/>
+              <a:chExt cx="1368152" cy="1408102"/>
+            </a:xfrm>
+          </p:grpSpPr>
+          <p:pic>
+            <p:nvPicPr>
+              <p:cNvPr id="64" name="Picture 2" descr="C:\Users\kaitoy\Desktop\bin\pleiades\workspace\blog\static\images\runc.png"/>
+              <p:cNvPicPr>
+                <a:picLocks noChangeAspect="1" noChangeArrowheads="1"/>
+              </p:cNvPicPr>
+              <p:nvPr/>
+            </p:nvPicPr>
+            <p:blipFill>
+              <a:blip r:embed="rId3" cstate="print">
+                <a:extLst>
+                  <a:ext uri="{28A0092B-C50C-407E-A947-70E740481C1C}">
+                    <a14:useLocalDpi xmlns:a14="http://schemas.microsoft.com/office/drawing/2010/main" val="0"/>
+                  </a:ext>
+                </a:extLst>
+              </a:blip>
+              <a:srcRect/>
+              <a:stretch>
+                <a:fillRect/>
+              </a:stretch>
+            </p:blipFill>
+            <p:spPr bwMode="auto">
+              <a:xfrm>
+                <a:off x="5364088" y="2616126"/>
+                <a:ext cx="1368152" cy="953187"/>
+              </a:xfrm>
+              <a:prstGeom prst="rect">
+                <a:avLst/>
+              </a:prstGeom>
+              <a:noFill/>
+              <a:extLst>
+                <a:ext uri="{909E8E84-426E-40DD-AFC4-6F175D3DCCD1}">
+                  <a14:hiddenFill xmlns:a14="http://schemas.microsoft.com/office/drawing/2010/main">
+                    <a:solidFill>
+                      <a:srgbClr val="FFFFFF"/>
+                    </a:solidFill>
+                  </a14:hiddenFill>
+                </a:ext>
+              </a:extLst>
+            </p:spPr>
+          </p:pic>
+          <p:sp>
+            <p:nvSpPr>
+              <p:cNvPr id="65" name="テキスト ボックス 64"/>
+              <p:cNvSpPr txBox="1"/>
+              <p:nvPr/>
+            </p:nvSpPr>
+            <p:spPr>
+              <a:xfrm>
+                <a:off x="5565500" y="3501008"/>
+                <a:ext cx="965329" cy="523220"/>
+              </a:xfrm>
+              <a:prstGeom prst="rect">
+                <a:avLst/>
+              </a:prstGeom>
+              <a:noFill/>
+            </p:spPr>
+            <p:txBody>
+              <a:bodyPr wrap="none" rtlCol="0">
+                <a:spAutoFit/>
+              </a:bodyPr>
+              <a:lstStyle/>
+              <a:p>
+                <a:r>
+                  <a:rPr lang="en-US" altLang="ja-JP" sz="2800" dirty="0" err="1" smtClean="0">
+                    <a:solidFill>
+                      <a:schemeClr val="tx1">
+                        <a:lumMod val="75000"/>
+                        <a:lumOff val="25000"/>
+                      </a:schemeClr>
+                    </a:solidFill>
+                    <a:latin typeface="Arial" panose="020B0604020202020204" pitchFamily="34" charset="0"/>
+                    <a:cs typeface="Arial" panose="020B0604020202020204" pitchFamily="34" charset="0"/>
+                  </a:rPr>
+                  <a:t>runC</a:t>
+                </a:r>
+                <a:endParaRPr kumimoji="1" lang="ja-JP" altLang="en-US" sz="2800" dirty="0">
+                  <a:solidFill>
+                    <a:schemeClr val="tx1">
+                      <a:lumMod val="75000"/>
+                      <a:lumOff val="25000"/>
+                    </a:schemeClr>
+                  </a:solidFill>
+                  <a:latin typeface="Arial" panose="020B0604020202020204" pitchFamily="34" charset="0"/>
+                  <a:cs typeface="Arial" panose="020B0604020202020204" pitchFamily="34" charset="0"/>
+                </a:endParaRPr>
+              </a:p>
+            </p:txBody>
+          </p:sp>
+        </p:grpSp>
+        <p:grpSp>
+          <p:nvGrpSpPr>
+            <p:cNvPr id="61" name="グループ化 60"/>
+            <p:cNvGrpSpPr/>
+            <p:nvPr/>
+          </p:nvGrpSpPr>
+          <p:grpSpPr>
+            <a:xfrm>
+              <a:off x="1533148" y="4392608"/>
+              <a:ext cx="2534796" cy="1913421"/>
+              <a:chOff x="2901300" y="4435876"/>
+              <a:chExt cx="2534796" cy="1913421"/>
+            </a:xfrm>
+          </p:grpSpPr>
+          <p:sp>
+            <p:nvSpPr>
+              <p:cNvPr id="62" name="角丸四角形 61"/>
+              <p:cNvSpPr/>
+              <p:nvPr/>
+            </p:nvSpPr>
+            <p:spPr>
+              <a:xfrm>
+                <a:off x="2915816" y="4464905"/>
+                <a:ext cx="2520280" cy="1884392"/>
+              </a:xfrm>
+              <a:prstGeom prst="roundRect">
+                <a:avLst>
+                  <a:gd name="adj" fmla="val 13586"/>
+                </a:avLst>
+              </a:prstGeom>
+              <a:noFill/>
+              <a:ln>
+                <a:prstDash val="dash"/>
+              </a:ln>
+            </p:spPr>
+            <p:style>
+              <a:lnRef idx="2">
+                <a:schemeClr val="accent5"/>
+              </a:lnRef>
+              <a:fillRef idx="1">
+                <a:schemeClr val="lt1"/>
+              </a:fillRef>
+              <a:effectRef idx="0">
+                <a:schemeClr val="accent5"/>
+              </a:effectRef>
+              <a:fontRef idx="minor">
+                <a:schemeClr val="dk1"/>
+              </a:fontRef>
+            </p:style>
+            <p:txBody>
+              <a:bodyPr rtlCol="0" anchor="ctr"/>
+              <a:lstStyle/>
+              <a:p>
+                <a:pPr algn="ctr"/>
+                <a:endParaRPr kumimoji="1" lang="ja-JP" altLang="en-US"/>
+              </a:p>
+            </p:txBody>
+          </p:sp>
+          <p:sp>
+            <p:nvSpPr>
+              <p:cNvPr id="63" name="対角する 2 つの角を丸めた四角形 62"/>
+              <p:cNvSpPr/>
+              <p:nvPr/>
+            </p:nvSpPr>
+            <p:spPr>
+              <a:xfrm>
+                <a:off x="2901300" y="4435876"/>
+                <a:ext cx="1332000" cy="288000"/>
+              </a:xfrm>
+              <a:prstGeom prst="round2DiagRect">
+                <a:avLst/>
+              </a:prstGeom>
+              <a:effectLst/>
+            </p:spPr>
+            <p:style>
+              <a:lnRef idx="1">
+                <a:schemeClr val="accent5"/>
+              </a:lnRef>
+              <a:fillRef idx="2">
+                <a:schemeClr val="accent5"/>
+              </a:fillRef>
+              <a:effectRef idx="1">
+                <a:schemeClr val="accent5"/>
+              </a:effectRef>
+              <a:fontRef idx="minor">
+                <a:schemeClr val="dk1"/>
+              </a:fontRef>
+            </p:style>
+            <p:txBody>
+              <a:bodyPr wrap="none" lIns="36000" tIns="36000" rIns="36000" bIns="36000" rtlCol="0" anchor="ctr"/>
+              <a:lstStyle/>
+              <a:p>
+                <a:pPr algn="ctr">
+                  <a:lnSpc>
+                    <a:spcPts val="1460"/>
+                  </a:lnSpc>
+                </a:pPr>
+                <a:r>
+                  <a:rPr kumimoji="1" lang="en-US" altLang="ja-JP" dirty="0" smtClean="0">
+                    <a:solidFill>
+                      <a:schemeClr val="tx1">
+                        <a:lumMod val="75000"/>
+                        <a:lumOff val="25000"/>
+                      </a:schemeClr>
+                    </a:solidFill>
+                  </a:rPr>
+                  <a:t>OCI Runtime</a:t>
+                </a:r>
+                <a:endParaRPr kumimoji="1" lang="ja-JP" altLang="en-US" dirty="0">
+                  <a:solidFill>
+                    <a:schemeClr val="tx1">
+                      <a:lumMod val="75000"/>
+                      <a:lumOff val="25000"/>
+                    </a:schemeClr>
+                  </a:solidFill>
+                </a:endParaRPr>
+              </a:p>
+            </p:txBody>
+          </p:sp>
+        </p:grpSp>
+      </p:grpSp>
+      <p:cxnSp>
+        <p:nvCxnSpPr>
+          <p:cNvPr id="66" name="直線矢印コネクタ 65"/>
+          <p:cNvCxnSpPr>
+            <a:stCxn id="37" idx="2"/>
+            <a:endCxn id="59" idx="0"/>
+          </p:cNvCxnSpPr>
+          <p:nvPr/>
+        </p:nvCxnSpPr>
+        <p:spPr>
+          <a:xfrm flipH="1">
+            <a:off x="2813562" y="10913568"/>
+            <a:ext cx="7258" cy="660321"/>
+          </a:xfrm>
+          <a:prstGeom prst="straightConnector1">
+            <a:avLst/>
+          </a:prstGeom>
+          <a:ln w="25400">
+            <a:tailEnd type="triangle" w="lg" len="lg"/>
+          </a:ln>
+        </p:spPr>
+        <p:style>
+          <a:lnRef idx="1">
+            <a:schemeClr val="accent5"/>
+          </a:lnRef>
+          <a:fillRef idx="0">
+            <a:schemeClr val="accent5"/>
+          </a:fillRef>
+          <a:effectRef idx="0">
+            <a:schemeClr val="accent5"/>
+          </a:effectRef>
+          <a:fontRef idx="minor">
+            <a:schemeClr val="tx1"/>
+          </a:fontRef>
+        </p:style>
+      </p:cxnSp>
+      <p:cxnSp>
+        <p:nvCxnSpPr>
+          <p:cNvPr id="67" name="直線矢印コネクタ 66"/>
+          <p:cNvCxnSpPr>
+            <a:stCxn id="62" idx="2"/>
+            <a:endCxn id="72" idx="0"/>
+          </p:cNvCxnSpPr>
+          <p:nvPr/>
+        </p:nvCxnSpPr>
+        <p:spPr>
+          <a:xfrm>
+            <a:off x="6120172" y="10913568"/>
+            <a:ext cx="5758" cy="660321"/>
+          </a:xfrm>
+          <a:prstGeom prst="straightConnector1">
+            <a:avLst/>
+          </a:prstGeom>
+          <a:ln w="25400">
+            <a:tailEnd type="triangle" w="lg" len="lg"/>
+          </a:ln>
+        </p:spPr>
+        <p:style>
+          <a:lnRef idx="1">
+            <a:schemeClr val="accent5"/>
+          </a:lnRef>
+          <a:fillRef idx="0">
+            <a:schemeClr val="accent5"/>
+          </a:fillRef>
+          <a:effectRef idx="0">
+            <a:schemeClr val="accent5"/>
+          </a:effectRef>
+          <a:fontRef idx="minor">
+            <a:schemeClr val="tx1"/>
+          </a:fontRef>
+        </p:style>
+      </p:cxnSp>
+      <p:sp>
+        <p:nvSpPr>
+          <p:cNvPr id="68" name="正方形/長方形 67"/>
+          <p:cNvSpPr/>
+          <p:nvPr/>
+        </p:nvSpPr>
+        <p:spPr>
+          <a:xfrm>
+            <a:off x="2894196" y="4845732"/>
+            <a:ext cx="3104824" cy="523220"/>
+          </a:xfrm>
+          <a:prstGeom prst="rect">
+            <a:avLst/>
+          </a:prstGeom>
+        </p:spPr>
+        <p:style>
+          <a:lnRef idx="2">
+            <a:schemeClr val="accent5"/>
+          </a:lnRef>
+          <a:fillRef idx="1">
+            <a:schemeClr val="lt1"/>
+          </a:fillRef>
+          <a:effectRef idx="0">
+            <a:schemeClr val="accent5"/>
+          </a:effectRef>
+          <a:fontRef idx="minor">
+            <a:schemeClr val="dk1"/>
+          </a:fontRef>
+        </p:style>
+        <p:txBody>
+          <a:bodyPr rot="0" spcFirstLastPara="0" vertOverflow="overflow" horzOverflow="overflow" vert="horz" wrap="none" lIns="91440" tIns="45720" rIns="91440" bIns="45720" numCol="1" spcCol="0" rtlCol="0" fromWordArt="0" anchor="ctr" anchorCtr="0" forceAA="0" compatLnSpc="1">
+            <a:prstTxWarp prst="textNoShape">
+              <a:avLst/>
+            </a:prstTxWarp>
+            <a:spAutoFit/>
+          </a:bodyPr>
+          <a:lstStyle/>
+          <a:p>
+            <a:pPr algn="ctr"/>
+            <a:r>
+              <a:rPr lang="en-US" altLang="ja-JP" sz="2800" dirty="0">
+                <a:solidFill>
+                  <a:schemeClr val="accent1">
+                    <a:lumMod val="75000"/>
+                  </a:schemeClr>
+                </a:solidFill>
+                <a:latin typeface="Arial" panose="020B0604020202020204" pitchFamily="34" charset="0"/>
+                <a:cs typeface="Arial" panose="020B0604020202020204" pitchFamily="34" charset="0"/>
+              </a:rPr>
+              <a:t>AWS </a:t>
+            </a:r>
+            <a:r>
+              <a:rPr lang="en-US" altLang="ja-JP" sz="2800" dirty="0" err="1" smtClean="0">
+                <a:solidFill>
+                  <a:schemeClr val="accent1">
+                    <a:lumMod val="75000"/>
+                  </a:schemeClr>
+                </a:solidFill>
+                <a:latin typeface="Arial" panose="020B0604020202020204" pitchFamily="34" charset="0"/>
+                <a:cs typeface="Arial" panose="020B0604020202020204" pitchFamily="34" charset="0"/>
+              </a:rPr>
+              <a:t>Fargate</a:t>
+            </a:r>
+            <a:r>
+              <a:rPr lang="en-US" altLang="ja-JP" sz="2800" dirty="0" smtClean="0">
+                <a:solidFill>
+                  <a:schemeClr val="accent1">
+                    <a:lumMod val="75000"/>
+                  </a:schemeClr>
+                </a:solidFill>
+                <a:latin typeface="Arial" panose="020B0604020202020204" pitchFamily="34" charset="0"/>
+                <a:cs typeface="Arial" panose="020B0604020202020204" pitchFamily="34" charset="0"/>
+              </a:rPr>
+              <a:t>, etc.</a:t>
+            </a:r>
+            <a:endParaRPr lang="ja-JP" altLang="en-US" sz="2800" dirty="0">
+              <a:solidFill>
+                <a:schemeClr val="accent1">
+                  <a:lumMod val="75000"/>
+                </a:schemeClr>
+              </a:solidFill>
+              <a:latin typeface="Arial" panose="020B0604020202020204" pitchFamily="34" charset="0"/>
+              <a:cs typeface="Arial" panose="020B0604020202020204" pitchFamily="34" charset="0"/>
+            </a:endParaRPr>
+          </a:p>
+        </p:txBody>
+      </p:sp>
+    </p:spTree>
+    <p:extLst>
+      <p:ext uri="{BB962C8B-B14F-4D97-AF65-F5344CB8AC3E}">
+        <p14:creationId xmlns:p14="http://schemas.microsoft.com/office/powerpoint/2010/main" val="377143247"/>
       </p:ext>
     </p:extLst>
   </p:cSld>

--- a/static/images/k8s-ecosystem-container-runtimes/container-runtime.pptx
+++ b/static/images/k8s-ecosystem-container-runtimes/container-runtime.pptx
@@ -24,6 +24,7 @@
     <p:sldId id="270" r:id="rId18"/>
     <p:sldId id="272" r:id="rId19"/>
     <p:sldId id="277" r:id="rId20"/>
+    <p:sldId id="278" r:id="rId21"/>
   </p:sldIdLst>
   <p:sldSz cx="9144000" cy="51206400"/>
   <p:notesSz cx="6858000" cy="9144000"/>
@@ -306,7 +307,7 @@
           <a:p>
             <a:fld id="{1C257373-2D96-432C-8559-9F0547ADC7C2}" type="datetimeFigureOut">
               <a:rPr kumimoji="1" lang="ja-JP" altLang="en-US" smtClean="0"/>
-              <a:t>2020/8/28</a:t>
+              <a:t>2020/8/30</a:t>
             </a:fld>
             <a:endParaRPr kumimoji="1" lang="ja-JP" altLang="en-US"/>
           </a:p>
@@ -508,7 +509,7 @@
           <a:p>
             <a:fld id="{1C257373-2D96-432C-8559-9F0547ADC7C2}" type="datetimeFigureOut">
               <a:rPr kumimoji="1" lang="ja-JP" altLang="en-US" smtClean="0"/>
-              <a:t>2020/8/28</a:t>
+              <a:t>2020/8/30</a:t>
             </a:fld>
             <a:endParaRPr kumimoji="1" lang="ja-JP" altLang="en-US"/>
           </a:p>
@@ -720,7 +721,7 @@
           <a:p>
             <a:fld id="{1C257373-2D96-432C-8559-9F0547ADC7C2}" type="datetimeFigureOut">
               <a:rPr kumimoji="1" lang="ja-JP" altLang="en-US" smtClean="0"/>
-              <a:t>2020/8/28</a:t>
+              <a:t>2020/8/30</a:t>
             </a:fld>
             <a:endParaRPr kumimoji="1" lang="ja-JP" altLang="en-US"/>
           </a:p>
@@ -922,7 +923,7 @@
           <a:p>
             <a:fld id="{1C257373-2D96-432C-8559-9F0547ADC7C2}" type="datetimeFigureOut">
               <a:rPr kumimoji="1" lang="ja-JP" altLang="en-US" smtClean="0"/>
-              <a:t>2020/8/28</a:t>
+              <a:t>2020/8/30</a:t>
             </a:fld>
             <a:endParaRPr kumimoji="1" lang="ja-JP" altLang="en-US"/>
           </a:p>
@@ -1168,7 +1169,7 @@
           <a:p>
             <a:fld id="{1C257373-2D96-432C-8559-9F0547ADC7C2}" type="datetimeFigureOut">
               <a:rPr kumimoji="1" lang="ja-JP" altLang="en-US" smtClean="0"/>
-              <a:t>2020/8/28</a:t>
+              <a:t>2020/8/30</a:t>
             </a:fld>
             <a:endParaRPr kumimoji="1" lang="ja-JP" altLang="en-US"/>
           </a:p>
@@ -1520,7 +1521,7 @@
           <a:p>
             <a:fld id="{1C257373-2D96-432C-8559-9F0547ADC7C2}" type="datetimeFigureOut">
               <a:rPr kumimoji="1" lang="ja-JP" altLang="en-US" smtClean="0"/>
-              <a:t>2020/8/28</a:t>
+              <a:t>2020/8/30</a:t>
             </a:fld>
             <a:endParaRPr kumimoji="1" lang="ja-JP" altLang="en-US"/>
           </a:p>
@@ -2006,7 +2007,7 @@
           <a:p>
             <a:fld id="{1C257373-2D96-432C-8559-9F0547ADC7C2}" type="datetimeFigureOut">
               <a:rPr kumimoji="1" lang="ja-JP" altLang="en-US" smtClean="0"/>
-              <a:t>2020/8/28</a:t>
+              <a:t>2020/8/30</a:t>
             </a:fld>
             <a:endParaRPr kumimoji="1" lang="ja-JP" altLang="en-US"/>
           </a:p>
@@ -2124,7 +2125,7 @@
           <a:p>
             <a:fld id="{1C257373-2D96-432C-8559-9F0547ADC7C2}" type="datetimeFigureOut">
               <a:rPr kumimoji="1" lang="ja-JP" altLang="en-US" smtClean="0"/>
-              <a:t>2020/8/28</a:t>
+              <a:t>2020/8/30</a:t>
             </a:fld>
             <a:endParaRPr kumimoji="1" lang="ja-JP" altLang="en-US"/>
           </a:p>
@@ -2219,7 +2220,7 @@
           <a:p>
             <a:fld id="{1C257373-2D96-432C-8559-9F0547ADC7C2}" type="datetimeFigureOut">
               <a:rPr kumimoji="1" lang="ja-JP" altLang="en-US" smtClean="0"/>
-              <a:t>2020/8/28</a:t>
+              <a:t>2020/8/30</a:t>
             </a:fld>
             <a:endParaRPr kumimoji="1" lang="ja-JP" altLang="en-US"/>
           </a:p>
@@ -2528,7 +2529,7 @@
           <a:p>
             <a:fld id="{1C257373-2D96-432C-8559-9F0547ADC7C2}" type="datetimeFigureOut">
               <a:rPr kumimoji="1" lang="ja-JP" altLang="en-US" smtClean="0"/>
-              <a:t>2020/8/28</a:t>
+              <a:t>2020/8/30</a:t>
             </a:fld>
             <a:endParaRPr kumimoji="1" lang="ja-JP" altLang="en-US"/>
           </a:p>
@@ -2781,7 +2782,7 @@
           <a:p>
             <a:fld id="{1C257373-2D96-432C-8559-9F0547ADC7C2}" type="datetimeFigureOut">
               <a:rPr kumimoji="1" lang="ja-JP" altLang="en-US" smtClean="0"/>
-              <a:t>2020/8/28</a:t>
+              <a:t>2020/8/30</a:t>
             </a:fld>
             <a:endParaRPr kumimoji="1" lang="ja-JP" altLang="en-US"/>
           </a:p>
@@ -3026,7 +3027,7 @@
           <a:p>
             <a:fld id="{1C257373-2D96-432C-8559-9F0547ADC7C2}" type="datetimeFigureOut">
               <a:rPr kumimoji="1" lang="ja-JP" altLang="en-US" smtClean="0"/>
-              <a:t>2020/8/28</a:t>
+              <a:t>2020/8/30</a:t>
             </a:fld>
             <a:endParaRPr kumimoji="1" lang="ja-JP" altLang="en-US"/>
           </a:p>
@@ -18951,19 +18952,7 @@
                 <a:latin typeface="Arial" panose="020B0604020202020204" pitchFamily="34" charset="0"/>
                 <a:cs typeface="Arial" panose="020B0604020202020204" pitchFamily="34" charset="0"/>
               </a:rPr>
-              <a:t>FC </a:t>
-            </a:r>
-            <a:r>
-              <a:rPr lang="en-US" altLang="ja-JP" sz="2800" dirty="0" smtClean="0">
-                <a:solidFill>
-                  <a:schemeClr val="accent1">
-                    <a:lumMod val="75000"/>
-                  </a:schemeClr>
-                </a:solidFill>
-                <a:latin typeface="Arial" panose="020B0604020202020204" pitchFamily="34" charset="0"/>
-                <a:cs typeface="Arial" panose="020B0604020202020204" pitchFamily="34" charset="0"/>
-              </a:rPr>
-              <a:t>agent</a:t>
+              <a:t>FC agent</a:t>
             </a:r>
             <a:endParaRPr lang="ja-JP" altLang="en-US" sz="2800" dirty="0">
               <a:solidFill>
@@ -21210,6 +21199,1706 @@
 </p:sld>
 </file>
 
+<file path=ppt/slides/slide20.xml><?xml version="1.0" encoding="utf-8"?>
+<p:sld xmlns:a="http://schemas.openxmlformats.org/drawingml/2006/main" xmlns:r="http://schemas.openxmlformats.org/officeDocument/2006/relationships" xmlns:p="http://schemas.openxmlformats.org/presentationml/2006/main">
+  <p:cSld>
+    <p:spTree>
+      <p:nvGrpSpPr>
+        <p:cNvPr id="1" name=""/>
+        <p:cNvGrpSpPr/>
+        <p:nvPr/>
+      </p:nvGrpSpPr>
+      <p:grpSpPr>
+        <a:xfrm>
+          <a:off x="0" y="0"/>
+          <a:ext cx="0" cy="0"/>
+          <a:chOff x="0" y="0"/>
+          <a:chExt cx="0" cy="0"/>
+        </a:xfrm>
+      </p:grpSpPr>
+      <p:pic>
+        <p:nvPicPr>
+          <p:cNvPr id="49" name="Picture 3" descr="C:\Users\kaitoy\Desktop\bin\pleiades\workspace\blog\static\images\docker.png"/>
+          <p:cNvPicPr>
+            <a:picLocks noChangeAspect="1" noChangeArrowheads="1"/>
+          </p:cNvPicPr>
+          <p:nvPr/>
+        </p:nvPicPr>
+        <p:blipFill>
+          <a:blip r:embed="rId2">
+            <a:extLst>
+              <a:ext uri="{28A0092B-C50C-407E-A947-70E740481C1C}">
+                <a14:useLocalDpi xmlns:a14="http://schemas.microsoft.com/office/drawing/2010/main" val="0"/>
+              </a:ext>
+            </a:extLst>
+          </a:blip>
+          <a:srcRect/>
+          <a:stretch>
+            <a:fillRect/>
+          </a:stretch>
+        </p:blipFill>
+        <p:spPr bwMode="auto">
+          <a:xfrm>
+            <a:off x="3498237" y="4008588"/>
+            <a:ext cx="1905001" cy="1576388"/>
+          </a:xfrm>
+          <a:prstGeom prst="rect">
+            <a:avLst/>
+          </a:prstGeom>
+          <a:noFill/>
+          <a:extLst>
+            <a:ext uri="{909E8E84-426E-40DD-AFC4-6F175D3DCCD1}">
+              <a14:hiddenFill xmlns:a14="http://schemas.microsoft.com/office/drawing/2010/main">
+                <a:solidFill>
+                  <a:srgbClr val="FFFFFF"/>
+                </a:solidFill>
+              </a14:hiddenFill>
+            </a:ext>
+          </a:extLst>
+        </p:spPr>
+      </p:pic>
+      <p:cxnSp>
+        <p:nvCxnSpPr>
+          <p:cNvPr id="50" name="直線矢印コネクタ 49"/>
+          <p:cNvCxnSpPr>
+            <a:stCxn id="49" idx="2"/>
+            <a:endCxn id="53" idx="0"/>
+          </p:cNvCxnSpPr>
+          <p:nvPr/>
+        </p:nvCxnSpPr>
+        <p:spPr>
+          <a:xfrm flipH="1">
+            <a:off x="4450737" y="5584976"/>
+            <a:ext cx="1" cy="446431"/>
+          </a:xfrm>
+          <a:prstGeom prst="straightConnector1">
+            <a:avLst/>
+          </a:prstGeom>
+          <a:ln w="25400">
+            <a:tailEnd type="triangle" w="lg" len="lg"/>
+          </a:ln>
+        </p:spPr>
+        <p:style>
+          <a:lnRef idx="1">
+            <a:schemeClr val="accent5"/>
+          </a:lnRef>
+          <a:fillRef idx="0">
+            <a:schemeClr val="accent5"/>
+          </a:fillRef>
+          <a:effectRef idx="0">
+            <a:schemeClr val="accent5"/>
+          </a:effectRef>
+          <a:fontRef idx="minor">
+            <a:schemeClr val="tx1"/>
+          </a:fontRef>
+        </p:style>
+      </p:cxnSp>
+      <p:grpSp>
+        <p:nvGrpSpPr>
+          <p:cNvPr id="52" name="グループ化 51"/>
+          <p:cNvGrpSpPr/>
+          <p:nvPr/>
+        </p:nvGrpSpPr>
+        <p:grpSpPr>
+          <a:xfrm>
+            <a:off x="3012385" y="6016893"/>
+            <a:ext cx="2862459" cy="1106287"/>
+            <a:chOff x="3126959" y="2262359"/>
+            <a:chExt cx="2862459" cy="1106287"/>
+          </a:xfrm>
+        </p:grpSpPr>
+        <p:sp>
+          <p:nvSpPr>
+            <p:cNvPr id="53" name="角丸四角形 52"/>
+            <p:cNvSpPr/>
+            <p:nvPr/>
+          </p:nvSpPr>
+          <p:spPr>
+            <a:xfrm>
+              <a:off x="3141203" y="2276873"/>
+              <a:ext cx="2848215" cy="1091773"/>
+            </a:xfrm>
+            <a:prstGeom prst="roundRect">
+              <a:avLst>
+                <a:gd name="adj" fmla="val 10811"/>
+              </a:avLst>
+            </a:prstGeom>
+            <a:noFill/>
+            <a:ln>
+              <a:prstDash val="dash"/>
+            </a:ln>
+          </p:spPr>
+          <p:style>
+            <a:lnRef idx="2">
+              <a:schemeClr val="accent1"/>
+            </a:lnRef>
+            <a:fillRef idx="1">
+              <a:schemeClr val="lt1"/>
+            </a:fillRef>
+            <a:effectRef idx="0">
+              <a:schemeClr val="accent1"/>
+            </a:effectRef>
+            <a:fontRef idx="minor">
+              <a:schemeClr val="dk1"/>
+            </a:fontRef>
+          </p:style>
+          <p:txBody>
+            <a:bodyPr rtlCol="0" anchor="ctr"/>
+            <a:lstStyle/>
+            <a:p>
+              <a:pPr algn="ctr"/>
+              <a:endParaRPr kumimoji="1" lang="ja-JP" altLang="en-US"/>
+            </a:p>
+          </p:txBody>
+        </p:sp>
+        <p:sp>
+          <p:nvSpPr>
+            <p:cNvPr id="54" name="対角する 2 つの角を丸めた四角形 53"/>
+            <p:cNvSpPr/>
+            <p:nvPr/>
+          </p:nvSpPr>
+          <p:spPr>
+            <a:xfrm>
+              <a:off x="3126959" y="2262359"/>
+              <a:ext cx="936000" cy="292627"/>
+            </a:xfrm>
+            <a:prstGeom prst="round2DiagRect">
+              <a:avLst/>
+            </a:prstGeom>
+            <a:effectLst/>
+          </p:spPr>
+          <p:style>
+            <a:lnRef idx="1">
+              <a:schemeClr val="accent1"/>
+            </a:lnRef>
+            <a:fillRef idx="2">
+              <a:schemeClr val="accent1"/>
+            </a:fillRef>
+            <a:effectRef idx="1">
+              <a:schemeClr val="accent1"/>
+            </a:effectRef>
+            <a:fontRef idx="minor">
+              <a:schemeClr val="dk1"/>
+            </a:fontRef>
+          </p:style>
+          <p:txBody>
+            <a:bodyPr wrap="none" lIns="36000" tIns="36000" rIns="36000" bIns="36000" rtlCol="0" anchor="ctr"/>
+            <a:lstStyle/>
+            <a:p>
+              <a:pPr algn="ctr"/>
+              <a:r>
+                <a:rPr kumimoji="1" lang="en-US" altLang="ja-JP" dirty="0" smtClean="0">
+                  <a:solidFill>
+                    <a:schemeClr val="tx1">
+                      <a:lumMod val="75000"/>
+                      <a:lumOff val="25000"/>
+                    </a:schemeClr>
+                  </a:solidFill>
+                </a:rPr>
+                <a:t>CRI </a:t>
+              </a:r>
+              <a:r>
+                <a:rPr kumimoji="1" lang="en-US" altLang="ja-JP" dirty="0" err="1" smtClean="0">
+                  <a:solidFill>
+                    <a:schemeClr val="tx1">
+                      <a:lumMod val="75000"/>
+                      <a:lumOff val="25000"/>
+                    </a:schemeClr>
+                  </a:solidFill>
+                </a:rPr>
+                <a:t>impl</a:t>
+              </a:r>
+              <a:endParaRPr kumimoji="1" lang="ja-JP" altLang="en-US" dirty="0">
+                <a:solidFill>
+                  <a:schemeClr val="tx1">
+                    <a:lumMod val="75000"/>
+                    <a:lumOff val="25000"/>
+                  </a:schemeClr>
+                </a:solidFill>
+              </a:endParaRPr>
+            </a:p>
+          </p:txBody>
+        </p:sp>
+      </p:grpSp>
+      <p:pic>
+        <p:nvPicPr>
+          <p:cNvPr id="57" name="Picture 2" descr="https://raw.githubusercontent.com/cncf/artwork/master/projects/containerd/horizontal/color/containerd-horizontal-color.png"/>
+          <p:cNvPicPr>
+            <a:picLocks noChangeAspect="1" noChangeArrowheads="1"/>
+          </p:cNvPicPr>
+          <p:nvPr/>
+        </p:nvPicPr>
+        <p:blipFill>
+          <a:blip r:embed="rId3" cstate="print">
+            <a:extLst>
+              <a:ext uri="{28A0092B-C50C-407E-A947-70E740481C1C}">
+                <a14:useLocalDpi xmlns:a14="http://schemas.microsoft.com/office/drawing/2010/main" val="0"/>
+              </a:ext>
+            </a:extLst>
+          </a:blip>
+          <a:srcRect/>
+          <a:stretch>
+            <a:fillRect/>
+          </a:stretch>
+        </p:blipFill>
+        <p:spPr bwMode="auto">
+          <a:xfrm>
+            <a:off x="3315577" y="6377064"/>
+            <a:ext cx="2256075" cy="558961"/>
+          </a:xfrm>
+          <a:prstGeom prst="rect">
+            <a:avLst/>
+          </a:prstGeom>
+          <a:noFill/>
+          <a:extLst>
+            <a:ext uri="{909E8E84-426E-40DD-AFC4-6F175D3DCCD1}">
+              <a14:hiddenFill xmlns:a14="http://schemas.microsoft.com/office/drawing/2010/main">
+                <a:solidFill>
+                  <a:srgbClr val="FFFFFF"/>
+                </a:solidFill>
+              </a14:hiddenFill>
+            </a:ext>
+          </a:extLst>
+        </p:spPr>
+      </p:pic>
+      <p:cxnSp>
+        <p:nvCxnSpPr>
+          <p:cNvPr id="61" name="カギ線コネクタ 60"/>
+          <p:cNvCxnSpPr>
+            <a:stCxn id="53" idx="2"/>
+            <a:endCxn id="86" idx="0"/>
+          </p:cNvCxnSpPr>
+          <p:nvPr/>
+        </p:nvCxnSpPr>
+        <p:spPr>
+          <a:xfrm rot="5400000">
+            <a:off x="3261411" y="6628590"/>
+            <a:ext cx="694736" cy="1683917"/>
+          </a:xfrm>
+          <a:prstGeom prst="bentConnector3">
+            <a:avLst>
+              <a:gd name="adj1" fmla="val 50000"/>
+            </a:avLst>
+          </a:prstGeom>
+          <a:ln w="25400">
+            <a:tailEnd type="triangle" w="lg" len="lg"/>
+          </a:ln>
+        </p:spPr>
+        <p:style>
+          <a:lnRef idx="1">
+            <a:schemeClr val="accent5"/>
+          </a:lnRef>
+          <a:fillRef idx="0">
+            <a:schemeClr val="accent5"/>
+          </a:fillRef>
+          <a:effectRef idx="0">
+            <a:schemeClr val="accent5"/>
+          </a:effectRef>
+          <a:fontRef idx="minor">
+            <a:schemeClr val="tx1"/>
+          </a:fontRef>
+        </p:style>
+      </p:cxnSp>
+      <p:grpSp>
+        <p:nvGrpSpPr>
+          <p:cNvPr id="62" name="グループ化 61"/>
+          <p:cNvGrpSpPr/>
+          <p:nvPr/>
+        </p:nvGrpSpPr>
+        <p:grpSpPr>
+          <a:xfrm>
+            <a:off x="1492164" y="8641772"/>
+            <a:ext cx="2534796" cy="1913421"/>
+            <a:chOff x="1533148" y="4392608"/>
+            <a:chExt cx="2534796" cy="1913421"/>
+          </a:xfrm>
+        </p:grpSpPr>
+        <p:sp>
+          <p:nvSpPr>
+            <p:cNvPr id="68" name="テキスト ボックス 67"/>
+            <p:cNvSpPr txBox="1"/>
+            <p:nvPr/>
+          </p:nvSpPr>
+          <p:spPr>
+            <a:xfrm>
+              <a:off x="2244532" y="5677768"/>
+              <a:ext cx="1112030" cy="523220"/>
+            </a:xfrm>
+            <a:prstGeom prst="rect">
+              <a:avLst/>
+            </a:prstGeom>
+            <a:noFill/>
+          </p:spPr>
+          <p:txBody>
+            <a:bodyPr wrap="square" rtlCol="0">
+              <a:spAutoFit/>
+            </a:bodyPr>
+            <a:lstStyle/>
+            <a:p>
+              <a:pPr algn="ctr"/>
+              <a:r>
+                <a:rPr lang="en-US" altLang="ja-JP" sz="2800" dirty="0" err="1" smtClean="0">
+                  <a:solidFill>
+                    <a:schemeClr val="tx1">
+                      <a:lumMod val="75000"/>
+                      <a:lumOff val="25000"/>
+                    </a:schemeClr>
+                  </a:solidFill>
+                  <a:latin typeface="Arial" panose="020B0604020202020204" pitchFamily="34" charset="0"/>
+                  <a:cs typeface="Arial" panose="020B0604020202020204" pitchFamily="34" charset="0"/>
+                </a:rPr>
+                <a:t>runu</a:t>
+              </a:r>
+              <a:endParaRPr kumimoji="1" lang="ja-JP" altLang="en-US" sz="2800" dirty="0">
+                <a:solidFill>
+                  <a:schemeClr val="tx1">
+                    <a:lumMod val="75000"/>
+                    <a:lumOff val="25000"/>
+                  </a:schemeClr>
+                </a:solidFill>
+                <a:latin typeface="Arial" panose="020B0604020202020204" pitchFamily="34" charset="0"/>
+                <a:cs typeface="Arial" panose="020B0604020202020204" pitchFamily="34" charset="0"/>
+              </a:endParaRPr>
+            </a:p>
+          </p:txBody>
+        </p:sp>
+        <p:grpSp>
+          <p:nvGrpSpPr>
+            <p:cNvPr id="64" name="グループ化 63"/>
+            <p:cNvGrpSpPr/>
+            <p:nvPr/>
+          </p:nvGrpSpPr>
+          <p:grpSpPr>
+            <a:xfrm>
+              <a:off x="1533148" y="4392608"/>
+              <a:ext cx="2534796" cy="1913421"/>
+              <a:chOff x="2901300" y="4435876"/>
+              <a:chExt cx="2534796" cy="1913421"/>
+            </a:xfrm>
+          </p:grpSpPr>
+          <p:sp>
+            <p:nvSpPr>
+              <p:cNvPr id="65" name="角丸四角形 64"/>
+              <p:cNvSpPr/>
+              <p:nvPr/>
+            </p:nvSpPr>
+            <p:spPr>
+              <a:xfrm>
+                <a:off x="2915816" y="4464905"/>
+                <a:ext cx="2520280" cy="1884392"/>
+              </a:xfrm>
+              <a:prstGeom prst="roundRect">
+                <a:avLst>
+                  <a:gd name="adj" fmla="val 13586"/>
+                </a:avLst>
+              </a:prstGeom>
+              <a:noFill/>
+              <a:ln>
+                <a:prstDash val="dash"/>
+              </a:ln>
+            </p:spPr>
+            <p:style>
+              <a:lnRef idx="2">
+                <a:schemeClr val="accent5"/>
+              </a:lnRef>
+              <a:fillRef idx="1">
+                <a:schemeClr val="lt1"/>
+              </a:fillRef>
+              <a:effectRef idx="0">
+                <a:schemeClr val="accent5"/>
+              </a:effectRef>
+              <a:fontRef idx="minor">
+                <a:schemeClr val="dk1"/>
+              </a:fontRef>
+            </p:style>
+            <p:txBody>
+              <a:bodyPr rtlCol="0" anchor="ctr"/>
+              <a:lstStyle/>
+              <a:p>
+                <a:pPr algn="ctr"/>
+                <a:endParaRPr kumimoji="1" lang="ja-JP" altLang="en-US"/>
+              </a:p>
+            </p:txBody>
+          </p:sp>
+          <p:sp>
+            <p:nvSpPr>
+              <p:cNvPr id="66" name="対角する 2 つの角を丸めた四角形 65"/>
+              <p:cNvSpPr/>
+              <p:nvPr/>
+            </p:nvSpPr>
+            <p:spPr>
+              <a:xfrm>
+                <a:off x="2901300" y="4435876"/>
+                <a:ext cx="1332000" cy="288000"/>
+              </a:xfrm>
+              <a:prstGeom prst="round2DiagRect">
+                <a:avLst/>
+              </a:prstGeom>
+              <a:effectLst/>
+            </p:spPr>
+            <p:style>
+              <a:lnRef idx="1">
+                <a:schemeClr val="accent5"/>
+              </a:lnRef>
+              <a:fillRef idx="2">
+                <a:schemeClr val="accent5"/>
+              </a:fillRef>
+              <a:effectRef idx="1">
+                <a:schemeClr val="accent5"/>
+              </a:effectRef>
+              <a:fontRef idx="minor">
+                <a:schemeClr val="dk1"/>
+              </a:fontRef>
+            </p:style>
+            <p:txBody>
+              <a:bodyPr wrap="none" lIns="36000" tIns="36000" rIns="36000" bIns="36000" rtlCol="0" anchor="ctr"/>
+              <a:lstStyle/>
+              <a:p>
+                <a:pPr algn="ctr">
+                  <a:lnSpc>
+                    <a:spcPts val="1460"/>
+                  </a:lnSpc>
+                </a:pPr>
+                <a:r>
+                  <a:rPr kumimoji="1" lang="en-US" altLang="ja-JP" dirty="0" smtClean="0">
+                    <a:solidFill>
+                      <a:schemeClr val="tx1">
+                        <a:lumMod val="75000"/>
+                        <a:lumOff val="25000"/>
+                      </a:schemeClr>
+                    </a:solidFill>
+                  </a:rPr>
+                  <a:t>OCI Runtime</a:t>
+                </a:r>
+                <a:endParaRPr kumimoji="1" lang="ja-JP" altLang="en-US" dirty="0">
+                  <a:solidFill>
+                    <a:schemeClr val="tx1">
+                      <a:lumMod val="75000"/>
+                      <a:lumOff val="25000"/>
+                    </a:schemeClr>
+                  </a:solidFill>
+                </a:endParaRPr>
+              </a:p>
+            </p:txBody>
+          </p:sp>
+        </p:grpSp>
+      </p:grpSp>
+      <p:cxnSp>
+        <p:nvCxnSpPr>
+          <p:cNvPr id="69" name="カギ線コネクタ 68"/>
+          <p:cNvCxnSpPr>
+            <a:stCxn id="53" idx="2"/>
+            <a:endCxn id="87" idx="0"/>
+          </p:cNvCxnSpPr>
+          <p:nvPr/>
+        </p:nvCxnSpPr>
+        <p:spPr>
+          <a:xfrm rot="16200000" flipH="1">
+            <a:off x="4917594" y="6656322"/>
+            <a:ext cx="694736" cy="1628451"/>
+          </a:xfrm>
+          <a:prstGeom prst="bentConnector3">
+            <a:avLst>
+              <a:gd name="adj1" fmla="val 50000"/>
+            </a:avLst>
+          </a:prstGeom>
+          <a:ln w="25400">
+            <a:tailEnd type="triangle" w="lg" len="lg"/>
+          </a:ln>
+        </p:spPr>
+        <p:style>
+          <a:lnRef idx="1">
+            <a:schemeClr val="accent5"/>
+          </a:lnRef>
+          <a:fillRef idx="0">
+            <a:schemeClr val="accent5"/>
+          </a:fillRef>
+          <a:effectRef idx="0">
+            <a:schemeClr val="accent5"/>
+          </a:effectRef>
+          <a:fontRef idx="minor">
+            <a:schemeClr val="tx1"/>
+          </a:fontRef>
+        </p:style>
+      </p:cxnSp>
+      <p:cxnSp>
+        <p:nvCxnSpPr>
+          <p:cNvPr id="70" name="直線矢印コネクタ 69"/>
+          <p:cNvCxnSpPr/>
+          <p:nvPr/>
+        </p:nvCxnSpPr>
+        <p:spPr>
+          <a:xfrm flipH="1">
+            <a:off x="2759562" y="10555193"/>
+            <a:ext cx="1" cy="515267"/>
+          </a:xfrm>
+          <a:prstGeom prst="straightConnector1">
+            <a:avLst/>
+          </a:prstGeom>
+          <a:ln w="25400">
+            <a:tailEnd type="triangle" w="lg" len="lg"/>
+          </a:ln>
+        </p:spPr>
+        <p:style>
+          <a:lnRef idx="1">
+            <a:schemeClr val="accent5"/>
+          </a:lnRef>
+          <a:fillRef idx="0">
+            <a:schemeClr val="accent5"/>
+          </a:fillRef>
+          <a:effectRef idx="0">
+            <a:schemeClr val="accent5"/>
+          </a:effectRef>
+          <a:fontRef idx="minor">
+            <a:schemeClr val="tx1"/>
+          </a:fontRef>
+        </p:style>
+      </p:cxnSp>
+      <p:grpSp>
+        <p:nvGrpSpPr>
+          <p:cNvPr id="75" name="グループ化 74"/>
+          <p:cNvGrpSpPr/>
+          <p:nvPr/>
+        </p:nvGrpSpPr>
+        <p:grpSpPr>
+          <a:xfrm>
+            <a:off x="4804532" y="8641772"/>
+            <a:ext cx="2534796" cy="1913421"/>
+            <a:chOff x="4845516" y="4374228"/>
+            <a:chExt cx="2534796" cy="1913421"/>
+          </a:xfrm>
+        </p:grpSpPr>
+        <p:sp>
+          <p:nvSpPr>
+            <p:cNvPr id="81" name="テキスト ボックス 80"/>
+            <p:cNvSpPr txBox="1"/>
+            <p:nvPr/>
+          </p:nvSpPr>
+          <p:spPr>
+            <a:xfrm>
+              <a:off x="5428839" y="5659388"/>
+              <a:ext cx="1368152" cy="523220"/>
+            </a:xfrm>
+            <a:prstGeom prst="rect">
+              <a:avLst/>
+            </a:prstGeom>
+            <a:noFill/>
+          </p:spPr>
+          <p:txBody>
+            <a:bodyPr wrap="square" rtlCol="0">
+              <a:spAutoFit/>
+            </a:bodyPr>
+            <a:lstStyle/>
+            <a:p>
+              <a:pPr algn="ctr"/>
+              <a:r>
+                <a:rPr lang="en-US" altLang="ja-JP" sz="2800" dirty="0" err="1" smtClean="0">
+                  <a:solidFill>
+                    <a:schemeClr val="tx1">
+                      <a:lumMod val="75000"/>
+                      <a:lumOff val="25000"/>
+                    </a:schemeClr>
+                  </a:solidFill>
+                  <a:latin typeface="Arial" panose="020B0604020202020204" pitchFamily="34" charset="0"/>
+                  <a:cs typeface="Arial" panose="020B0604020202020204" pitchFamily="34" charset="0"/>
+                </a:rPr>
+                <a:t>runu</a:t>
+              </a:r>
+              <a:endParaRPr kumimoji="1" lang="ja-JP" altLang="en-US" sz="2800" dirty="0">
+                <a:solidFill>
+                  <a:schemeClr val="tx1">
+                    <a:lumMod val="75000"/>
+                    <a:lumOff val="25000"/>
+                  </a:schemeClr>
+                </a:solidFill>
+                <a:latin typeface="Arial" panose="020B0604020202020204" pitchFamily="34" charset="0"/>
+                <a:cs typeface="Arial" panose="020B0604020202020204" pitchFamily="34" charset="0"/>
+              </a:endParaRPr>
+            </a:p>
+          </p:txBody>
+        </p:sp>
+        <p:grpSp>
+          <p:nvGrpSpPr>
+            <p:cNvPr id="77" name="グループ化 76"/>
+            <p:cNvGrpSpPr/>
+            <p:nvPr/>
+          </p:nvGrpSpPr>
+          <p:grpSpPr>
+            <a:xfrm>
+              <a:off x="4845516" y="4374228"/>
+              <a:ext cx="2534796" cy="1913421"/>
+              <a:chOff x="2901300" y="4435876"/>
+              <a:chExt cx="2534796" cy="1913421"/>
+            </a:xfrm>
+          </p:grpSpPr>
+          <p:sp>
+            <p:nvSpPr>
+              <p:cNvPr id="78" name="角丸四角形 77"/>
+              <p:cNvSpPr/>
+              <p:nvPr/>
+            </p:nvSpPr>
+            <p:spPr>
+              <a:xfrm>
+                <a:off x="2915816" y="4464905"/>
+                <a:ext cx="2520280" cy="1884392"/>
+              </a:xfrm>
+              <a:prstGeom prst="roundRect">
+                <a:avLst>
+                  <a:gd name="adj" fmla="val 13586"/>
+                </a:avLst>
+              </a:prstGeom>
+              <a:noFill/>
+              <a:ln>
+                <a:prstDash val="dash"/>
+              </a:ln>
+            </p:spPr>
+            <p:style>
+              <a:lnRef idx="2">
+                <a:schemeClr val="accent5"/>
+              </a:lnRef>
+              <a:fillRef idx="1">
+                <a:schemeClr val="lt1"/>
+              </a:fillRef>
+              <a:effectRef idx="0">
+                <a:schemeClr val="accent5"/>
+              </a:effectRef>
+              <a:fontRef idx="minor">
+                <a:schemeClr val="dk1"/>
+              </a:fontRef>
+            </p:style>
+            <p:txBody>
+              <a:bodyPr rtlCol="0" anchor="ctr"/>
+              <a:lstStyle/>
+              <a:p>
+                <a:pPr algn="ctr"/>
+                <a:endParaRPr kumimoji="1" lang="ja-JP" altLang="en-US"/>
+              </a:p>
+            </p:txBody>
+          </p:sp>
+          <p:sp>
+            <p:nvSpPr>
+              <p:cNvPr id="79" name="対角する 2 つの角を丸めた四角形 78"/>
+              <p:cNvSpPr/>
+              <p:nvPr/>
+            </p:nvSpPr>
+            <p:spPr>
+              <a:xfrm>
+                <a:off x="2901300" y="4435876"/>
+                <a:ext cx="1332000" cy="288000"/>
+              </a:xfrm>
+              <a:prstGeom prst="round2DiagRect">
+                <a:avLst/>
+              </a:prstGeom>
+              <a:effectLst/>
+            </p:spPr>
+            <p:style>
+              <a:lnRef idx="1">
+                <a:schemeClr val="accent5"/>
+              </a:lnRef>
+              <a:fillRef idx="2">
+                <a:schemeClr val="accent5"/>
+              </a:fillRef>
+              <a:effectRef idx="1">
+                <a:schemeClr val="accent5"/>
+              </a:effectRef>
+              <a:fontRef idx="minor">
+                <a:schemeClr val="dk1"/>
+              </a:fontRef>
+            </p:style>
+            <p:txBody>
+              <a:bodyPr wrap="none" lIns="36000" tIns="36000" rIns="36000" bIns="36000" rtlCol="0" anchor="ctr"/>
+              <a:lstStyle/>
+              <a:p>
+                <a:pPr algn="ctr">
+                  <a:lnSpc>
+                    <a:spcPts val="1460"/>
+                  </a:lnSpc>
+                </a:pPr>
+                <a:r>
+                  <a:rPr kumimoji="1" lang="en-US" altLang="ja-JP" dirty="0" smtClean="0">
+                    <a:solidFill>
+                      <a:schemeClr val="tx1">
+                        <a:lumMod val="75000"/>
+                        <a:lumOff val="25000"/>
+                      </a:schemeClr>
+                    </a:solidFill>
+                  </a:rPr>
+                  <a:t>OCI Runtime</a:t>
+                </a:r>
+                <a:endParaRPr kumimoji="1" lang="ja-JP" altLang="en-US" dirty="0">
+                  <a:solidFill>
+                    <a:schemeClr val="tx1">
+                      <a:lumMod val="75000"/>
+                      <a:lumOff val="25000"/>
+                    </a:schemeClr>
+                  </a:solidFill>
+                </a:endParaRPr>
+              </a:p>
+            </p:txBody>
+          </p:sp>
+        </p:grpSp>
+      </p:grpSp>
+      <p:cxnSp>
+        <p:nvCxnSpPr>
+          <p:cNvPr id="82" name="直線矢印コネクタ 81"/>
+          <p:cNvCxnSpPr/>
+          <p:nvPr/>
+        </p:nvCxnSpPr>
+        <p:spPr>
+          <a:xfrm flipH="1">
+            <a:off x="6071930" y="10536813"/>
+            <a:ext cx="1" cy="515267"/>
+          </a:xfrm>
+          <a:prstGeom prst="straightConnector1">
+            <a:avLst/>
+          </a:prstGeom>
+          <a:ln w="25400">
+            <a:tailEnd type="triangle" w="lg" len="lg"/>
+          </a:ln>
+        </p:spPr>
+        <p:style>
+          <a:lnRef idx="1">
+            <a:schemeClr val="accent5"/>
+          </a:lnRef>
+          <a:fillRef idx="0">
+            <a:schemeClr val="accent5"/>
+          </a:fillRef>
+          <a:effectRef idx="0">
+            <a:schemeClr val="accent5"/>
+          </a:effectRef>
+          <a:fontRef idx="minor">
+            <a:schemeClr val="tx1"/>
+          </a:fontRef>
+        </p:style>
+      </p:cxnSp>
+      <p:sp>
+        <p:nvSpPr>
+          <p:cNvPr id="86" name="正方形/長方形 85"/>
+          <p:cNvSpPr/>
+          <p:nvPr/>
+        </p:nvSpPr>
+        <p:spPr>
+          <a:xfrm>
+            <a:off x="1393687" y="7817916"/>
+            <a:ext cx="2746265" cy="523220"/>
+          </a:xfrm>
+          <a:prstGeom prst="rect">
+            <a:avLst/>
+          </a:prstGeom>
+        </p:spPr>
+        <p:style>
+          <a:lnRef idx="2">
+            <a:schemeClr val="accent5"/>
+          </a:lnRef>
+          <a:fillRef idx="1">
+            <a:schemeClr val="lt1"/>
+          </a:fillRef>
+          <a:effectRef idx="0">
+            <a:schemeClr val="accent5"/>
+          </a:effectRef>
+          <a:fontRef idx="minor">
+            <a:schemeClr val="dk1"/>
+          </a:fontRef>
+        </p:style>
+        <p:txBody>
+          <a:bodyPr rot="0" spcFirstLastPara="0" vertOverflow="overflow" horzOverflow="overflow" vert="horz" wrap="none" lIns="91440" tIns="45720" rIns="91440" bIns="45720" numCol="1" spcCol="0" rtlCol="0" fromWordArt="0" anchor="ctr" anchorCtr="0" forceAA="0" compatLnSpc="1">
+            <a:prstTxWarp prst="textNoShape">
+              <a:avLst/>
+            </a:prstTxWarp>
+            <a:spAutoFit/>
+          </a:bodyPr>
+          <a:lstStyle/>
+          <a:p>
+            <a:pPr algn="ctr"/>
+            <a:r>
+              <a:rPr lang="en-US" altLang="ja-JP" sz="2800" dirty="0" err="1">
+                <a:solidFill>
+                  <a:schemeClr val="accent1">
+                    <a:lumMod val="75000"/>
+                  </a:schemeClr>
+                </a:solidFill>
+                <a:latin typeface="Arial" panose="020B0604020202020204" pitchFamily="34" charset="0"/>
+                <a:cs typeface="Arial" panose="020B0604020202020204" pitchFamily="34" charset="0"/>
+              </a:rPr>
+              <a:t>c</a:t>
+            </a:r>
+            <a:r>
+              <a:rPr lang="en-US" altLang="ja-JP" sz="2800" dirty="0" err="1" smtClean="0">
+                <a:solidFill>
+                  <a:schemeClr val="accent1">
+                    <a:lumMod val="75000"/>
+                  </a:schemeClr>
+                </a:solidFill>
+                <a:latin typeface="Arial" panose="020B0604020202020204" pitchFamily="34" charset="0"/>
+                <a:cs typeface="Arial" panose="020B0604020202020204" pitchFamily="34" charset="0"/>
+              </a:rPr>
+              <a:t>ontainerd</a:t>
+            </a:r>
+            <a:r>
+              <a:rPr lang="en-US" altLang="ja-JP" sz="2800" dirty="0" smtClean="0">
+                <a:solidFill>
+                  <a:schemeClr val="accent1">
+                    <a:lumMod val="75000"/>
+                  </a:schemeClr>
+                </a:solidFill>
+                <a:latin typeface="Arial" panose="020B0604020202020204" pitchFamily="34" charset="0"/>
+                <a:cs typeface="Arial" panose="020B0604020202020204" pitchFamily="34" charset="0"/>
+              </a:rPr>
+              <a:t>-shim</a:t>
+            </a:r>
+            <a:endParaRPr lang="ja-JP" altLang="en-US" sz="2800" dirty="0">
+              <a:solidFill>
+                <a:schemeClr val="accent1">
+                  <a:lumMod val="75000"/>
+                </a:schemeClr>
+              </a:solidFill>
+              <a:latin typeface="Arial" panose="020B0604020202020204" pitchFamily="34" charset="0"/>
+              <a:cs typeface="Arial" panose="020B0604020202020204" pitchFamily="34" charset="0"/>
+            </a:endParaRPr>
+          </a:p>
+        </p:txBody>
+      </p:sp>
+      <p:sp>
+        <p:nvSpPr>
+          <p:cNvPr id="87" name="正方形/長方形 86"/>
+          <p:cNvSpPr/>
+          <p:nvPr/>
+        </p:nvSpPr>
+        <p:spPr>
+          <a:xfrm>
+            <a:off x="4706055" y="7817916"/>
+            <a:ext cx="2746265" cy="523220"/>
+          </a:xfrm>
+          <a:prstGeom prst="rect">
+            <a:avLst/>
+          </a:prstGeom>
+        </p:spPr>
+        <p:style>
+          <a:lnRef idx="2">
+            <a:schemeClr val="accent5"/>
+          </a:lnRef>
+          <a:fillRef idx="1">
+            <a:schemeClr val="lt1"/>
+          </a:fillRef>
+          <a:effectRef idx="0">
+            <a:schemeClr val="accent5"/>
+          </a:effectRef>
+          <a:fontRef idx="minor">
+            <a:schemeClr val="dk1"/>
+          </a:fontRef>
+        </p:style>
+        <p:txBody>
+          <a:bodyPr rot="0" spcFirstLastPara="0" vertOverflow="overflow" horzOverflow="overflow" vert="horz" wrap="none" lIns="91440" tIns="45720" rIns="91440" bIns="45720" numCol="1" spcCol="0" rtlCol="0" fromWordArt="0" anchor="ctr" anchorCtr="0" forceAA="0" compatLnSpc="1">
+            <a:prstTxWarp prst="textNoShape">
+              <a:avLst/>
+            </a:prstTxWarp>
+            <a:spAutoFit/>
+          </a:bodyPr>
+          <a:lstStyle/>
+          <a:p>
+            <a:pPr algn="ctr"/>
+            <a:r>
+              <a:rPr lang="en-US" altLang="ja-JP" sz="2800" dirty="0" err="1">
+                <a:solidFill>
+                  <a:schemeClr val="accent1">
+                    <a:lumMod val="75000"/>
+                  </a:schemeClr>
+                </a:solidFill>
+                <a:latin typeface="Arial" panose="020B0604020202020204" pitchFamily="34" charset="0"/>
+                <a:cs typeface="Arial" panose="020B0604020202020204" pitchFamily="34" charset="0"/>
+              </a:rPr>
+              <a:t>c</a:t>
+            </a:r>
+            <a:r>
+              <a:rPr lang="en-US" altLang="ja-JP" sz="2800" dirty="0" err="1" smtClean="0">
+                <a:solidFill>
+                  <a:schemeClr val="accent1">
+                    <a:lumMod val="75000"/>
+                  </a:schemeClr>
+                </a:solidFill>
+                <a:latin typeface="Arial" panose="020B0604020202020204" pitchFamily="34" charset="0"/>
+                <a:cs typeface="Arial" panose="020B0604020202020204" pitchFamily="34" charset="0"/>
+              </a:rPr>
+              <a:t>ontainerd</a:t>
+            </a:r>
+            <a:r>
+              <a:rPr lang="en-US" altLang="ja-JP" sz="2800" dirty="0" smtClean="0">
+                <a:solidFill>
+                  <a:schemeClr val="accent1">
+                    <a:lumMod val="75000"/>
+                  </a:schemeClr>
+                </a:solidFill>
+                <a:latin typeface="Arial" panose="020B0604020202020204" pitchFamily="34" charset="0"/>
+                <a:cs typeface="Arial" panose="020B0604020202020204" pitchFamily="34" charset="0"/>
+              </a:rPr>
+              <a:t>-shim</a:t>
+            </a:r>
+            <a:endParaRPr lang="ja-JP" altLang="en-US" sz="2800" dirty="0">
+              <a:solidFill>
+                <a:schemeClr val="accent1">
+                  <a:lumMod val="75000"/>
+                </a:schemeClr>
+              </a:solidFill>
+              <a:latin typeface="Arial" panose="020B0604020202020204" pitchFamily="34" charset="0"/>
+              <a:cs typeface="Arial" panose="020B0604020202020204" pitchFamily="34" charset="0"/>
+            </a:endParaRPr>
+          </a:p>
+        </p:txBody>
+      </p:sp>
+      <p:cxnSp>
+        <p:nvCxnSpPr>
+          <p:cNvPr id="88" name="直線矢印コネクタ 87"/>
+          <p:cNvCxnSpPr>
+            <a:stCxn id="86" idx="2"/>
+            <a:endCxn id="65" idx="0"/>
+          </p:cNvCxnSpPr>
+          <p:nvPr/>
+        </p:nvCxnSpPr>
+        <p:spPr>
+          <a:xfrm>
+            <a:off x="2766820" y="8341136"/>
+            <a:ext cx="0" cy="329665"/>
+          </a:xfrm>
+          <a:prstGeom prst="straightConnector1">
+            <a:avLst/>
+          </a:prstGeom>
+          <a:ln w="25400">
+            <a:tailEnd type="triangle" w="lg" len="lg"/>
+          </a:ln>
+        </p:spPr>
+        <p:style>
+          <a:lnRef idx="1">
+            <a:schemeClr val="accent5"/>
+          </a:lnRef>
+          <a:fillRef idx="0">
+            <a:schemeClr val="accent5"/>
+          </a:fillRef>
+          <a:effectRef idx="0">
+            <a:schemeClr val="accent5"/>
+          </a:effectRef>
+          <a:fontRef idx="minor">
+            <a:schemeClr val="tx1"/>
+          </a:fontRef>
+        </p:style>
+      </p:cxnSp>
+      <p:cxnSp>
+        <p:nvCxnSpPr>
+          <p:cNvPr id="89" name="直線矢印コネクタ 88"/>
+          <p:cNvCxnSpPr>
+            <a:stCxn id="87" idx="2"/>
+          </p:cNvCxnSpPr>
+          <p:nvPr/>
+        </p:nvCxnSpPr>
+        <p:spPr>
+          <a:xfrm flipH="1">
+            <a:off x="6071930" y="8341136"/>
+            <a:ext cx="7258" cy="300636"/>
+          </a:xfrm>
+          <a:prstGeom prst="straightConnector1">
+            <a:avLst/>
+          </a:prstGeom>
+          <a:ln w="25400">
+            <a:tailEnd type="triangle" w="lg" len="lg"/>
+          </a:ln>
+        </p:spPr>
+        <p:style>
+          <a:lnRef idx="1">
+            <a:schemeClr val="accent5"/>
+          </a:lnRef>
+          <a:fillRef idx="0">
+            <a:schemeClr val="accent5"/>
+          </a:fillRef>
+          <a:effectRef idx="0">
+            <a:schemeClr val="accent5"/>
+          </a:effectRef>
+          <a:fontRef idx="minor">
+            <a:schemeClr val="tx1"/>
+          </a:fontRef>
+        </p:style>
+      </p:cxnSp>
+      <p:grpSp>
+        <p:nvGrpSpPr>
+          <p:cNvPr id="5" name="グループ化 4"/>
+          <p:cNvGrpSpPr/>
+          <p:nvPr/>
+        </p:nvGrpSpPr>
+        <p:grpSpPr>
+          <a:xfrm>
+            <a:off x="1499294" y="11129592"/>
+            <a:ext cx="2535052" cy="2292834"/>
+            <a:chOff x="1979712" y="12785776"/>
+            <a:chExt cx="2535052" cy="2292834"/>
+          </a:xfrm>
+        </p:grpSpPr>
+        <p:sp>
+          <p:nvSpPr>
+            <p:cNvPr id="59" name="直方体 58"/>
+            <p:cNvSpPr/>
+            <p:nvPr/>
+          </p:nvSpPr>
+          <p:spPr>
+            <a:xfrm>
+              <a:off x="1979712" y="12785776"/>
+              <a:ext cx="2535052" cy="1812872"/>
+            </a:xfrm>
+            <a:prstGeom prst="cube">
+              <a:avLst>
+                <a:gd name="adj" fmla="val 17644"/>
+              </a:avLst>
+            </a:prstGeom>
+          </p:spPr>
+          <p:style>
+            <a:lnRef idx="2">
+              <a:schemeClr val="accent5"/>
+            </a:lnRef>
+            <a:fillRef idx="1">
+              <a:schemeClr val="lt1"/>
+            </a:fillRef>
+            <a:effectRef idx="0">
+              <a:schemeClr val="accent5"/>
+            </a:effectRef>
+            <a:fontRef idx="minor">
+              <a:schemeClr val="dk1"/>
+            </a:fontRef>
+          </p:style>
+          <p:txBody>
+            <a:bodyPr rtlCol="0" anchor="ctr"/>
+            <a:lstStyle/>
+            <a:p>
+              <a:pPr algn="ctr"/>
+              <a:endParaRPr kumimoji="1" lang="ja-JP" altLang="en-US"/>
+            </a:p>
+          </p:txBody>
+        </p:sp>
+        <p:sp>
+          <p:nvSpPr>
+            <p:cNvPr id="60" name="テキスト ボックス 59"/>
+            <p:cNvSpPr txBox="1"/>
+            <p:nvPr/>
+          </p:nvSpPr>
+          <p:spPr>
+            <a:xfrm>
+              <a:off x="2309578" y="14555390"/>
+              <a:ext cx="1665841" cy="523220"/>
+            </a:xfrm>
+            <a:prstGeom prst="rect">
+              <a:avLst/>
+            </a:prstGeom>
+            <a:noFill/>
+          </p:spPr>
+          <p:txBody>
+            <a:bodyPr wrap="none" rtlCol="0">
+              <a:spAutoFit/>
+            </a:bodyPr>
+            <a:lstStyle/>
+            <a:p>
+              <a:pPr algn="ctr"/>
+              <a:r>
+                <a:rPr lang="en-US" altLang="ja-JP" sz="2800" dirty="0" smtClean="0">
+                  <a:solidFill>
+                    <a:schemeClr val="tx1">
+                      <a:lumMod val="75000"/>
+                      <a:lumOff val="25000"/>
+                    </a:schemeClr>
+                  </a:solidFill>
+                  <a:latin typeface="Arial" panose="020B0604020202020204" pitchFamily="34" charset="0"/>
+                  <a:cs typeface="Arial" panose="020B0604020202020204" pitchFamily="34" charset="0"/>
+                </a:rPr>
+                <a:t>container</a:t>
+              </a:r>
+              <a:endParaRPr kumimoji="1" lang="ja-JP" altLang="en-US" sz="2800" dirty="0">
+                <a:solidFill>
+                  <a:schemeClr val="tx1">
+                    <a:lumMod val="75000"/>
+                    <a:lumOff val="25000"/>
+                  </a:schemeClr>
+                </a:solidFill>
+                <a:latin typeface="Arial" panose="020B0604020202020204" pitchFamily="34" charset="0"/>
+                <a:cs typeface="Arial" panose="020B0604020202020204" pitchFamily="34" charset="0"/>
+              </a:endParaRPr>
+            </a:p>
+          </p:txBody>
+        </p:sp>
+        <p:grpSp>
+          <p:nvGrpSpPr>
+            <p:cNvPr id="4" name="グループ化 3"/>
+            <p:cNvGrpSpPr/>
+            <p:nvPr/>
+          </p:nvGrpSpPr>
+          <p:grpSpPr>
+            <a:xfrm>
+              <a:off x="2237570" y="13331254"/>
+              <a:ext cx="1685332" cy="1068427"/>
+              <a:chOff x="4116781" y="12478850"/>
+              <a:chExt cx="1685332" cy="1068427"/>
+            </a:xfrm>
+          </p:grpSpPr>
+          <p:sp>
+            <p:nvSpPr>
+              <p:cNvPr id="46" name="正方形/長方形 45"/>
+              <p:cNvSpPr/>
+              <p:nvPr/>
+            </p:nvSpPr>
+            <p:spPr>
+              <a:xfrm>
+                <a:off x="4116781" y="12839391"/>
+                <a:ext cx="1685029" cy="707886"/>
+              </a:xfrm>
+              <a:prstGeom prst="rect">
+                <a:avLst/>
+              </a:prstGeom>
+              <a:ln>
+                <a:solidFill>
+                  <a:schemeClr val="tx1">
+                    <a:lumMod val="65000"/>
+                    <a:lumOff val="35000"/>
+                  </a:schemeClr>
+                </a:solidFill>
+              </a:ln>
+            </p:spPr>
+            <p:style>
+              <a:lnRef idx="2">
+                <a:schemeClr val="dk1"/>
+              </a:lnRef>
+              <a:fillRef idx="1">
+                <a:schemeClr val="lt1"/>
+              </a:fillRef>
+              <a:effectRef idx="0">
+                <a:schemeClr val="dk1"/>
+              </a:effectRef>
+              <a:fontRef idx="minor">
+                <a:schemeClr val="dk1"/>
+              </a:fontRef>
+            </p:style>
+            <p:txBody>
+              <a:bodyPr rot="0" spcFirstLastPara="0" vertOverflow="overflow" horzOverflow="overflow" vert="horz" wrap="square" lIns="91440" tIns="45720" rIns="91440" bIns="45720" numCol="1" spcCol="0" rtlCol="0" fromWordArt="0" anchor="ctr" anchorCtr="0" forceAA="0" compatLnSpc="1">
+                <a:prstTxWarp prst="textNoShape">
+                  <a:avLst/>
+                </a:prstTxWarp>
+                <a:spAutoFit/>
+              </a:bodyPr>
+              <a:lstStyle/>
+              <a:p>
+                <a:pPr algn="ctr"/>
+                <a:r>
+                  <a:rPr lang="ja-JP" altLang="en-US" sz="2000" dirty="0" smtClean="0">
+                    <a:solidFill>
+                      <a:schemeClr val="tx1">
+                        <a:lumMod val="65000"/>
+                        <a:lumOff val="35000"/>
+                      </a:schemeClr>
+                    </a:solidFill>
+                    <a:latin typeface="Arial" panose="020B0604020202020204" pitchFamily="34" charset="0"/>
+                    <a:cs typeface="Arial" panose="020B0604020202020204" pitchFamily="34" charset="0"/>
+                  </a:rPr>
+                  <a:t>ライブラリ</a:t>
+                </a:r>
+                <a:r>
+                  <a:rPr lang="en-US" altLang="ja-JP" sz="2000" dirty="0" smtClean="0">
+                    <a:solidFill>
+                      <a:schemeClr val="tx1">
+                        <a:lumMod val="65000"/>
+                        <a:lumOff val="35000"/>
+                      </a:schemeClr>
+                    </a:solidFill>
+                    <a:latin typeface="Arial" panose="020B0604020202020204" pitchFamily="34" charset="0"/>
+                    <a:cs typeface="Arial" panose="020B0604020202020204" pitchFamily="34" charset="0"/>
+                  </a:rPr>
+                  <a:t>OS</a:t>
+                </a:r>
+              </a:p>
+              <a:p>
+                <a:pPr algn="ctr"/>
+                <a:r>
+                  <a:rPr lang="en-US" altLang="ja-JP" sz="2000" dirty="0">
+                    <a:solidFill>
+                      <a:schemeClr val="tx1">
+                        <a:lumMod val="65000"/>
+                        <a:lumOff val="35000"/>
+                      </a:schemeClr>
+                    </a:solidFill>
+                    <a:latin typeface="Arial" panose="020B0604020202020204" pitchFamily="34" charset="0"/>
+                    <a:cs typeface="Arial" panose="020B0604020202020204" pitchFamily="34" charset="0"/>
+                  </a:rPr>
+                  <a:t>(LKL)</a:t>
+                </a:r>
+                <a:endParaRPr lang="ja-JP" altLang="en-US" sz="2000" dirty="0">
+                  <a:solidFill>
+                    <a:schemeClr val="tx1">
+                      <a:lumMod val="65000"/>
+                      <a:lumOff val="35000"/>
+                    </a:schemeClr>
+                  </a:solidFill>
+                  <a:latin typeface="Arial" panose="020B0604020202020204" pitchFamily="34" charset="0"/>
+                  <a:cs typeface="Arial" panose="020B0604020202020204" pitchFamily="34" charset="0"/>
+                </a:endParaRPr>
+              </a:p>
+            </p:txBody>
+          </p:sp>
+          <p:sp>
+            <p:nvSpPr>
+              <p:cNvPr id="47" name="正方形/長方形 46"/>
+              <p:cNvSpPr/>
+              <p:nvPr/>
+            </p:nvSpPr>
+            <p:spPr>
+              <a:xfrm>
+                <a:off x="4117084" y="12478850"/>
+                <a:ext cx="1685029" cy="400110"/>
+              </a:xfrm>
+              <a:prstGeom prst="rect">
+                <a:avLst/>
+              </a:prstGeom>
+              <a:ln>
+                <a:solidFill>
+                  <a:schemeClr val="tx1">
+                    <a:lumMod val="65000"/>
+                    <a:lumOff val="35000"/>
+                  </a:schemeClr>
+                </a:solidFill>
+              </a:ln>
+            </p:spPr>
+            <p:style>
+              <a:lnRef idx="2">
+                <a:schemeClr val="dk1"/>
+              </a:lnRef>
+              <a:fillRef idx="1">
+                <a:schemeClr val="lt1"/>
+              </a:fillRef>
+              <a:effectRef idx="0">
+                <a:schemeClr val="dk1"/>
+              </a:effectRef>
+              <a:fontRef idx="minor">
+                <a:schemeClr val="dk1"/>
+              </a:fontRef>
+            </p:style>
+            <p:txBody>
+              <a:bodyPr rot="0" spcFirstLastPara="0" vertOverflow="overflow" horzOverflow="overflow" vert="horz" wrap="square" lIns="91440" tIns="45720" rIns="91440" bIns="45720" numCol="1" spcCol="0" rtlCol="0" fromWordArt="0" anchor="ctr" anchorCtr="0" forceAA="0" compatLnSpc="1">
+                <a:prstTxWarp prst="textNoShape">
+                  <a:avLst/>
+                </a:prstTxWarp>
+                <a:spAutoFit/>
+              </a:bodyPr>
+              <a:lstStyle/>
+              <a:p>
+                <a:pPr algn="ctr"/>
+                <a:r>
+                  <a:rPr lang="ja-JP" altLang="en-US" sz="2000" dirty="0" smtClean="0">
+                    <a:solidFill>
+                      <a:schemeClr val="tx1">
+                        <a:lumMod val="65000"/>
+                        <a:lumOff val="35000"/>
+                      </a:schemeClr>
+                    </a:solidFill>
+                    <a:latin typeface="Arial" panose="020B0604020202020204" pitchFamily="34" charset="0"/>
+                    <a:cs typeface="Arial" panose="020B0604020202020204" pitchFamily="34" charset="0"/>
+                  </a:rPr>
+                  <a:t>ユーザアプリ</a:t>
+                </a:r>
+                <a:endParaRPr lang="ja-JP" altLang="en-US" sz="2000" dirty="0">
+                  <a:solidFill>
+                    <a:schemeClr val="tx1">
+                      <a:lumMod val="65000"/>
+                      <a:lumOff val="35000"/>
+                    </a:schemeClr>
+                  </a:solidFill>
+                  <a:latin typeface="Arial" panose="020B0604020202020204" pitchFamily="34" charset="0"/>
+                  <a:cs typeface="Arial" panose="020B0604020202020204" pitchFamily="34" charset="0"/>
+                </a:endParaRPr>
+              </a:p>
+            </p:txBody>
+          </p:sp>
+        </p:grpSp>
+      </p:grpSp>
+      <p:pic>
+        <p:nvPicPr>
+          <p:cNvPr id="2" name="Picture 2" descr="C:\Users\kaitoy\Desktop\ukontainer.png"/>
+          <p:cNvPicPr>
+            <a:picLocks noChangeAspect="1" noChangeArrowheads="1"/>
+          </p:cNvPicPr>
+          <p:nvPr/>
+        </p:nvPicPr>
+        <p:blipFill>
+          <a:blip r:embed="rId4">
+            <a:extLst>
+              <a:ext uri="{28A0092B-C50C-407E-A947-70E740481C1C}">
+                <a14:useLocalDpi xmlns:a14="http://schemas.microsoft.com/office/drawing/2010/main" val="0"/>
+              </a:ext>
+            </a:extLst>
+          </a:blip>
+          <a:srcRect/>
+          <a:stretch>
+            <a:fillRect/>
+          </a:stretch>
+        </p:blipFill>
+        <p:spPr bwMode="auto">
+          <a:xfrm>
+            <a:off x="1843098" y="8987192"/>
+            <a:ext cx="1847443" cy="1062280"/>
+          </a:xfrm>
+          <a:prstGeom prst="rect">
+            <a:avLst/>
+          </a:prstGeom>
+          <a:noFill/>
+          <a:extLst>
+            <a:ext uri="{909E8E84-426E-40DD-AFC4-6F175D3DCCD1}">
+              <a14:hiddenFill xmlns:a14="http://schemas.microsoft.com/office/drawing/2010/main">
+                <a:solidFill>
+                  <a:srgbClr val="FFFFFF"/>
+                </a:solidFill>
+              </a14:hiddenFill>
+            </a:ext>
+          </a:extLst>
+        </p:spPr>
+      </p:pic>
+      <p:pic>
+        <p:nvPicPr>
+          <p:cNvPr id="43" name="Picture 2" descr="C:\Users\kaitoy\Desktop\ukontainer.png"/>
+          <p:cNvPicPr>
+            <a:picLocks noChangeAspect="1" noChangeArrowheads="1"/>
+          </p:cNvPicPr>
+          <p:nvPr/>
+        </p:nvPicPr>
+        <p:blipFill>
+          <a:blip r:embed="rId4">
+            <a:extLst>
+              <a:ext uri="{28A0092B-C50C-407E-A947-70E740481C1C}">
+                <a14:useLocalDpi xmlns:a14="http://schemas.microsoft.com/office/drawing/2010/main" val="0"/>
+              </a:ext>
+            </a:extLst>
+          </a:blip>
+          <a:srcRect/>
+          <a:stretch>
+            <a:fillRect/>
+          </a:stretch>
+        </p:blipFill>
+        <p:spPr bwMode="auto">
+          <a:xfrm>
+            <a:off x="5171717" y="8987192"/>
+            <a:ext cx="1847443" cy="1062280"/>
+          </a:xfrm>
+          <a:prstGeom prst="rect">
+            <a:avLst/>
+          </a:prstGeom>
+          <a:noFill/>
+          <a:extLst>
+            <a:ext uri="{909E8E84-426E-40DD-AFC4-6F175D3DCCD1}">
+              <a14:hiddenFill xmlns:a14="http://schemas.microsoft.com/office/drawing/2010/main">
+                <a:solidFill>
+                  <a:srgbClr val="FFFFFF"/>
+                </a:solidFill>
+              </a14:hiddenFill>
+            </a:ext>
+          </a:extLst>
+        </p:spPr>
+      </p:pic>
+      <p:grpSp>
+        <p:nvGrpSpPr>
+          <p:cNvPr id="40" name="グループ化 39"/>
+          <p:cNvGrpSpPr/>
+          <p:nvPr/>
+        </p:nvGrpSpPr>
+        <p:grpSpPr>
+          <a:xfrm>
+            <a:off x="4804276" y="11129592"/>
+            <a:ext cx="2535052" cy="2292834"/>
+            <a:chOff x="1979712" y="12785776"/>
+            <a:chExt cx="2535052" cy="2292834"/>
+          </a:xfrm>
+        </p:grpSpPr>
+        <p:sp>
+          <p:nvSpPr>
+            <p:cNvPr id="41" name="直方体 40"/>
+            <p:cNvSpPr/>
+            <p:nvPr/>
+          </p:nvSpPr>
+          <p:spPr>
+            <a:xfrm>
+              <a:off x="1979712" y="12785776"/>
+              <a:ext cx="2535052" cy="1812872"/>
+            </a:xfrm>
+            <a:prstGeom prst="cube">
+              <a:avLst>
+                <a:gd name="adj" fmla="val 17644"/>
+              </a:avLst>
+            </a:prstGeom>
+          </p:spPr>
+          <p:style>
+            <a:lnRef idx="2">
+              <a:schemeClr val="accent5"/>
+            </a:lnRef>
+            <a:fillRef idx="1">
+              <a:schemeClr val="lt1"/>
+            </a:fillRef>
+            <a:effectRef idx="0">
+              <a:schemeClr val="accent5"/>
+            </a:effectRef>
+            <a:fontRef idx="minor">
+              <a:schemeClr val="dk1"/>
+            </a:fontRef>
+          </p:style>
+          <p:txBody>
+            <a:bodyPr rtlCol="0" anchor="ctr"/>
+            <a:lstStyle/>
+            <a:p>
+              <a:pPr algn="ctr"/>
+              <a:endParaRPr kumimoji="1" lang="ja-JP" altLang="en-US"/>
+            </a:p>
+          </p:txBody>
+        </p:sp>
+        <p:sp>
+          <p:nvSpPr>
+            <p:cNvPr id="42" name="テキスト ボックス 41"/>
+            <p:cNvSpPr txBox="1"/>
+            <p:nvPr/>
+          </p:nvSpPr>
+          <p:spPr>
+            <a:xfrm>
+              <a:off x="2309578" y="14555390"/>
+              <a:ext cx="1665841" cy="523220"/>
+            </a:xfrm>
+            <a:prstGeom prst="rect">
+              <a:avLst/>
+            </a:prstGeom>
+            <a:noFill/>
+          </p:spPr>
+          <p:txBody>
+            <a:bodyPr wrap="none" rtlCol="0">
+              <a:spAutoFit/>
+            </a:bodyPr>
+            <a:lstStyle/>
+            <a:p>
+              <a:pPr algn="ctr"/>
+              <a:r>
+                <a:rPr lang="en-US" altLang="ja-JP" sz="2800" dirty="0" smtClean="0">
+                  <a:solidFill>
+                    <a:schemeClr val="tx1">
+                      <a:lumMod val="75000"/>
+                      <a:lumOff val="25000"/>
+                    </a:schemeClr>
+                  </a:solidFill>
+                  <a:latin typeface="Arial" panose="020B0604020202020204" pitchFamily="34" charset="0"/>
+                  <a:cs typeface="Arial" panose="020B0604020202020204" pitchFamily="34" charset="0"/>
+                </a:rPr>
+                <a:t>container</a:t>
+              </a:r>
+              <a:endParaRPr kumimoji="1" lang="ja-JP" altLang="en-US" sz="2800" dirty="0">
+                <a:solidFill>
+                  <a:schemeClr val="tx1">
+                    <a:lumMod val="75000"/>
+                    <a:lumOff val="25000"/>
+                  </a:schemeClr>
+                </a:solidFill>
+                <a:latin typeface="Arial" panose="020B0604020202020204" pitchFamily="34" charset="0"/>
+                <a:cs typeface="Arial" panose="020B0604020202020204" pitchFamily="34" charset="0"/>
+              </a:endParaRPr>
+            </a:p>
+          </p:txBody>
+        </p:sp>
+        <p:grpSp>
+          <p:nvGrpSpPr>
+            <p:cNvPr id="44" name="グループ化 43"/>
+            <p:cNvGrpSpPr/>
+            <p:nvPr/>
+          </p:nvGrpSpPr>
+          <p:grpSpPr>
+            <a:xfrm>
+              <a:off x="2237570" y="13331254"/>
+              <a:ext cx="1685332" cy="1068427"/>
+              <a:chOff x="4116781" y="12478850"/>
+              <a:chExt cx="1685332" cy="1068427"/>
+            </a:xfrm>
+          </p:grpSpPr>
+          <p:sp>
+            <p:nvSpPr>
+              <p:cNvPr id="45" name="正方形/長方形 44"/>
+              <p:cNvSpPr/>
+              <p:nvPr/>
+            </p:nvSpPr>
+            <p:spPr>
+              <a:xfrm>
+                <a:off x="4116781" y="12839391"/>
+                <a:ext cx="1685029" cy="707886"/>
+              </a:xfrm>
+              <a:prstGeom prst="rect">
+                <a:avLst/>
+              </a:prstGeom>
+              <a:ln>
+                <a:solidFill>
+                  <a:schemeClr val="tx1">
+                    <a:lumMod val="65000"/>
+                    <a:lumOff val="35000"/>
+                  </a:schemeClr>
+                </a:solidFill>
+              </a:ln>
+            </p:spPr>
+            <p:style>
+              <a:lnRef idx="2">
+                <a:schemeClr val="dk1"/>
+              </a:lnRef>
+              <a:fillRef idx="1">
+                <a:schemeClr val="lt1"/>
+              </a:fillRef>
+              <a:effectRef idx="0">
+                <a:schemeClr val="dk1"/>
+              </a:effectRef>
+              <a:fontRef idx="minor">
+                <a:schemeClr val="dk1"/>
+              </a:fontRef>
+            </p:style>
+            <p:txBody>
+              <a:bodyPr rot="0" spcFirstLastPara="0" vertOverflow="overflow" horzOverflow="overflow" vert="horz" wrap="square" lIns="91440" tIns="45720" rIns="91440" bIns="45720" numCol="1" spcCol="0" rtlCol="0" fromWordArt="0" anchor="ctr" anchorCtr="0" forceAA="0" compatLnSpc="1">
+                <a:prstTxWarp prst="textNoShape">
+                  <a:avLst/>
+                </a:prstTxWarp>
+                <a:spAutoFit/>
+              </a:bodyPr>
+              <a:lstStyle/>
+              <a:p>
+                <a:pPr algn="ctr"/>
+                <a:r>
+                  <a:rPr lang="ja-JP" altLang="en-US" sz="2000" dirty="0" smtClean="0">
+                    <a:solidFill>
+                      <a:schemeClr val="tx1">
+                        <a:lumMod val="65000"/>
+                        <a:lumOff val="35000"/>
+                      </a:schemeClr>
+                    </a:solidFill>
+                    <a:latin typeface="Arial" panose="020B0604020202020204" pitchFamily="34" charset="0"/>
+                    <a:cs typeface="Arial" panose="020B0604020202020204" pitchFamily="34" charset="0"/>
+                  </a:rPr>
+                  <a:t>ライブラリ</a:t>
+                </a:r>
+                <a:r>
+                  <a:rPr lang="en-US" altLang="ja-JP" sz="2000" dirty="0" smtClean="0">
+                    <a:solidFill>
+                      <a:schemeClr val="tx1">
+                        <a:lumMod val="65000"/>
+                        <a:lumOff val="35000"/>
+                      </a:schemeClr>
+                    </a:solidFill>
+                    <a:latin typeface="Arial" panose="020B0604020202020204" pitchFamily="34" charset="0"/>
+                    <a:cs typeface="Arial" panose="020B0604020202020204" pitchFamily="34" charset="0"/>
+                  </a:rPr>
+                  <a:t>OS</a:t>
+                </a:r>
+              </a:p>
+              <a:p>
+                <a:pPr algn="ctr"/>
+                <a:r>
+                  <a:rPr lang="en-US" altLang="ja-JP" sz="2000" dirty="0">
+                    <a:solidFill>
+                      <a:schemeClr val="tx1">
+                        <a:lumMod val="65000"/>
+                        <a:lumOff val="35000"/>
+                      </a:schemeClr>
+                    </a:solidFill>
+                    <a:latin typeface="Arial" panose="020B0604020202020204" pitchFamily="34" charset="0"/>
+                    <a:cs typeface="Arial" panose="020B0604020202020204" pitchFamily="34" charset="0"/>
+                  </a:rPr>
+                  <a:t>(LKL)</a:t>
+                </a:r>
+                <a:endParaRPr lang="ja-JP" altLang="en-US" sz="2000" dirty="0">
+                  <a:solidFill>
+                    <a:schemeClr val="tx1">
+                      <a:lumMod val="65000"/>
+                      <a:lumOff val="35000"/>
+                    </a:schemeClr>
+                  </a:solidFill>
+                  <a:latin typeface="Arial" panose="020B0604020202020204" pitchFamily="34" charset="0"/>
+                  <a:cs typeface="Arial" panose="020B0604020202020204" pitchFamily="34" charset="0"/>
+                </a:endParaRPr>
+              </a:p>
+            </p:txBody>
+          </p:sp>
+          <p:sp>
+            <p:nvSpPr>
+              <p:cNvPr id="48" name="正方形/長方形 47"/>
+              <p:cNvSpPr/>
+              <p:nvPr/>
+            </p:nvSpPr>
+            <p:spPr>
+              <a:xfrm>
+                <a:off x="4117084" y="12478850"/>
+                <a:ext cx="1685029" cy="400110"/>
+              </a:xfrm>
+              <a:prstGeom prst="rect">
+                <a:avLst/>
+              </a:prstGeom>
+              <a:ln>
+                <a:solidFill>
+                  <a:schemeClr val="tx1">
+                    <a:lumMod val="65000"/>
+                    <a:lumOff val="35000"/>
+                  </a:schemeClr>
+                </a:solidFill>
+              </a:ln>
+            </p:spPr>
+            <p:style>
+              <a:lnRef idx="2">
+                <a:schemeClr val="dk1"/>
+              </a:lnRef>
+              <a:fillRef idx="1">
+                <a:schemeClr val="lt1"/>
+              </a:fillRef>
+              <a:effectRef idx="0">
+                <a:schemeClr val="dk1"/>
+              </a:effectRef>
+              <a:fontRef idx="minor">
+                <a:schemeClr val="dk1"/>
+              </a:fontRef>
+            </p:style>
+            <p:txBody>
+              <a:bodyPr rot="0" spcFirstLastPara="0" vertOverflow="overflow" horzOverflow="overflow" vert="horz" wrap="square" lIns="91440" tIns="45720" rIns="91440" bIns="45720" numCol="1" spcCol="0" rtlCol="0" fromWordArt="0" anchor="ctr" anchorCtr="0" forceAA="0" compatLnSpc="1">
+                <a:prstTxWarp prst="textNoShape">
+                  <a:avLst/>
+                </a:prstTxWarp>
+                <a:spAutoFit/>
+              </a:bodyPr>
+              <a:lstStyle/>
+              <a:p>
+                <a:pPr algn="ctr"/>
+                <a:r>
+                  <a:rPr lang="ja-JP" altLang="en-US" sz="2000" dirty="0" smtClean="0">
+                    <a:solidFill>
+                      <a:schemeClr val="tx1">
+                        <a:lumMod val="65000"/>
+                        <a:lumOff val="35000"/>
+                      </a:schemeClr>
+                    </a:solidFill>
+                    <a:latin typeface="Arial" panose="020B0604020202020204" pitchFamily="34" charset="0"/>
+                    <a:cs typeface="Arial" panose="020B0604020202020204" pitchFamily="34" charset="0"/>
+                  </a:rPr>
+                  <a:t>ユーザアプリ</a:t>
+                </a:r>
+                <a:endParaRPr lang="ja-JP" altLang="en-US" sz="2000" dirty="0">
+                  <a:solidFill>
+                    <a:schemeClr val="tx1">
+                      <a:lumMod val="65000"/>
+                      <a:lumOff val="35000"/>
+                    </a:schemeClr>
+                  </a:solidFill>
+                  <a:latin typeface="Arial" panose="020B0604020202020204" pitchFamily="34" charset="0"/>
+                  <a:cs typeface="Arial" panose="020B0604020202020204" pitchFamily="34" charset="0"/>
+                </a:endParaRPr>
+              </a:p>
+            </p:txBody>
+          </p:sp>
+        </p:grpSp>
+      </p:grpSp>
+    </p:spTree>
+    <p:extLst>
+      <p:ext uri="{BB962C8B-B14F-4D97-AF65-F5344CB8AC3E}">
+        <p14:creationId xmlns:p14="http://schemas.microsoft.com/office/powerpoint/2010/main" val="1371779814"/>
+      </p:ext>
+    </p:extLst>
+  </p:cSld>
+  <p:clrMapOvr>
+    <a:masterClrMapping/>
+  </p:clrMapOvr>
+</p:sld>
+</file>
+
 <file path=ppt/slides/slide3.xml><?xml version="1.0" encoding="utf-8"?>
 <p:sld xmlns:a="http://schemas.openxmlformats.org/drawingml/2006/main" xmlns:r="http://schemas.openxmlformats.org/officeDocument/2006/relationships" xmlns:p="http://schemas.openxmlformats.org/presentationml/2006/main">
   <p:cSld>
@@ -29759,9 +31448,9 @@
         <p:grpSpPr>
           <a:xfrm>
             <a:off x="1217797" y="11160178"/>
-            <a:ext cx="3083529" cy="3475548"/>
+            <a:ext cx="3083529" cy="3300946"/>
             <a:chOff x="1979711" y="12785776"/>
-            <a:chExt cx="3083529" cy="3475548"/>
+            <a:chExt cx="3083529" cy="3300946"/>
           </a:xfrm>
         </p:grpSpPr>
         <p:sp>
@@ -29773,7 +31462,7 @@
           <p:spPr>
             <a:xfrm>
               <a:off x="1979711" y="12785776"/>
-              <a:ext cx="3083529" cy="2880000"/>
+              <a:ext cx="3083529" cy="2777726"/>
             </a:xfrm>
             <a:prstGeom prst="cube">
               <a:avLst/>
@@ -29810,7 +31499,7 @@
           </p:nvSpPr>
           <p:spPr>
             <a:xfrm>
-              <a:off x="2309578" y="15738104"/>
+              <a:off x="2309578" y="15563502"/>
               <a:ext cx="1665841" cy="523220"/>
             </a:xfrm>
             <a:prstGeom prst="rect">
@@ -29860,9 +31549,9 @@
           <p:grpSpPr>
             <a:xfrm>
               <a:off x="2310604" y="13702788"/>
-              <a:ext cx="1685332" cy="1776313"/>
+              <a:ext cx="1685332" cy="1622425"/>
               <a:chOff x="4189815" y="12850384"/>
-              <a:chExt cx="1685332" cy="1776313"/>
+              <a:chExt cx="1685332" cy="1622425"/>
             </a:xfrm>
           </p:grpSpPr>
           <p:sp>
@@ -29873,8 +31562,8 @@
             </p:nvSpPr>
             <p:spPr>
               <a:xfrm>
-                <a:off x="4189815" y="13918811"/>
-                <a:ext cx="1685029" cy="707886"/>
+                <a:off x="4189815" y="14072699"/>
+                <a:ext cx="1685029" cy="400110"/>
               </a:xfrm>
               <a:prstGeom prst="rect">
                 <a:avLst/>
@@ -29913,32 +31602,6 @@
               <a:p>
                 <a:pPr algn="ctr"/>
                 <a:r>
-                  <a:rPr lang="ja-JP" altLang="en-US" sz="2000" dirty="0" smtClean="0">
-                    <a:solidFill>
-                      <a:schemeClr val="tx1">
-                        <a:lumMod val="65000"/>
-                        <a:lumOff val="35000"/>
-                      </a:schemeClr>
-                    </a:solidFill>
-                    <a:latin typeface="Arial" panose="020B0604020202020204" pitchFamily="34" charset="0"/>
-                    <a:cs typeface="Arial" panose="020B0604020202020204" pitchFamily="34" charset="0"/>
-                  </a:rPr>
-                  <a:t>ハイパバイザ</a:t>
-                </a:r>
-                <a:endParaRPr lang="en-US" altLang="ja-JP" sz="2000" dirty="0" smtClean="0">
-                  <a:solidFill>
-                    <a:schemeClr val="tx1">
-                      <a:lumMod val="65000"/>
-                      <a:lumOff val="35000"/>
-                    </a:schemeClr>
-                  </a:solidFill>
-                  <a:latin typeface="Arial" panose="020B0604020202020204" pitchFamily="34" charset="0"/>
-                  <a:cs typeface="Arial" panose="020B0604020202020204" pitchFamily="34" charset="0"/>
-                </a:endParaRPr>
-              </a:p>
-              <a:p>
-                <a:pPr algn="ctr"/>
-                <a:r>
                   <a:rPr lang="en-US" altLang="ja-JP" sz="2000" dirty="0" smtClean="0">
                     <a:solidFill>
                       <a:schemeClr val="tx1">
@@ -29949,7 +31612,7 @@
                     <a:latin typeface="Arial" panose="020B0604020202020204" pitchFamily="34" charset="0"/>
                     <a:cs typeface="Arial" panose="020B0604020202020204" pitchFamily="34" charset="0"/>
                   </a:rPr>
-                  <a:t>(Solo5)</a:t>
+                  <a:t>Solo5</a:t>
                 </a:r>
                 <a:endParaRPr lang="ja-JP" altLang="en-US" sz="2000" dirty="0">
                   <a:solidFill>
@@ -30067,19 +31730,6 @@
                   <a:t>Rumprun</a:t>
                 </a:r>
                 <a:r>
-                  <a:rPr lang="ja-JP" altLang="en-US" sz="2000" dirty="0" smtClean="0">
-                    <a:solidFill>
-                      <a:schemeClr val="tx1">
-                        <a:lumMod val="65000"/>
-                        <a:lumOff val="35000"/>
-                      </a:schemeClr>
-                    </a:solidFill>
-                    <a:latin typeface="Arial" panose="020B0604020202020204" pitchFamily="34" charset="0"/>
-                    <a:cs typeface="Arial" panose="020B0604020202020204" pitchFamily="34" charset="0"/>
-                  </a:rPr>
-                  <a:t>等</a:t>
-                </a:r>
-                <a:r>
                   <a:rPr lang="en-US" altLang="ja-JP" sz="2000" dirty="0" smtClean="0">
                     <a:solidFill>
                       <a:schemeClr val="tx1">
@@ -30189,9 +31839,9 @@
         <p:grpSpPr>
           <a:xfrm>
             <a:off x="4553675" y="11160178"/>
-            <a:ext cx="3083529" cy="3475548"/>
+            <a:ext cx="3083529" cy="3300946"/>
             <a:chOff x="1979711" y="12785776"/>
-            <a:chExt cx="3083529" cy="3475548"/>
+            <a:chExt cx="3083529" cy="3300946"/>
           </a:xfrm>
         </p:grpSpPr>
         <p:sp>
@@ -30203,7 +31853,7 @@
           <p:spPr>
             <a:xfrm>
               <a:off x="1979711" y="12785776"/>
-              <a:ext cx="3083529" cy="2880000"/>
+              <a:ext cx="3083529" cy="2777726"/>
             </a:xfrm>
             <a:prstGeom prst="cube">
               <a:avLst/>
@@ -30240,7 +31890,7 @@
           </p:nvSpPr>
           <p:spPr>
             <a:xfrm>
-              <a:off x="2286068" y="15738104"/>
+              <a:off x="2286068" y="15563502"/>
               <a:ext cx="1665841" cy="523220"/>
             </a:xfrm>
             <a:prstGeom prst="rect">
@@ -30290,9 +31940,9 @@
           <p:grpSpPr>
             <a:xfrm>
               <a:off x="2310604" y="13702788"/>
-              <a:ext cx="1685332" cy="1776313"/>
+              <a:ext cx="1685332" cy="1622425"/>
               <a:chOff x="4189815" y="12850384"/>
-              <a:chExt cx="1685332" cy="1776313"/>
+              <a:chExt cx="1685332" cy="1622425"/>
             </a:xfrm>
           </p:grpSpPr>
           <p:sp>
@@ -30303,8 +31953,8 @@
             </p:nvSpPr>
             <p:spPr>
               <a:xfrm>
-                <a:off x="4189815" y="13918811"/>
-                <a:ext cx="1685029" cy="707886"/>
+                <a:off x="4189815" y="14072699"/>
+                <a:ext cx="1685029" cy="400110"/>
               </a:xfrm>
               <a:prstGeom prst="rect">
                 <a:avLst/>
@@ -30343,32 +31993,6 @@
               <a:p>
                 <a:pPr algn="ctr"/>
                 <a:r>
-                  <a:rPr lang="ja-JP" altLang="en-US" sz="2000" dirty="0" smtClean="0">
-                    <a:solidFill>
-                      <a:schemeClr val="tx1">
-                        <a:lumMod val="65000"/>
-                        <a:lumOff val="35000"/>
-                      </a:schemeClr>
-                    </a:solidFill>
-                    <a:latin typeface="Arial" panose="020B0604020202020204" pitchFamily="34" charset="0"/>
-                    <a:cs typeface="Arial" panose="020B0604020202020204" pitchFamily="34" charset="0"/>
-                  </a:rPr>
-                  <a:t>ハイパバイザ</a:t>
-                </a:r>
-                <a:endParaRPr lang="en-US" altLang="ja-JP" sz="2000" dirty="0" smtClean="0">
-                  <a:solidFill>
-                    <a:schemeClr val="tx1">
-                      <a:lumMod val="65000"/>
-                      <a:lumOff val="35000"/>
-                    </a:schemeClr>
-                  </a:solidFill>
-                  <a:latin typeface="Arial" panose="020B0604020202020204" pitchFamily="34" charset="0"/>
-                  <a:cs typeface="Arial" panose="020B0604020202020204" pitchFamily="34" charset="0"/>
-                </a:endParaRPr>
-              </a:p>
-              <a:p>
-                <a:pPr algn="ctr"/>
-                <a:r>
                   <a:rPr lang="en-US" altLang="ja-JP" sz="2000" dirty="0" smtClean="0">
                     <a:solidFill>
                       <a:schemeClr val="tx1">
@@ -30379,7 +32003,7 @@
                     <a:latin typeface="Arial" panose="020B0604020202020204" pitchFamily="34" charset="0"/>
                     <a:cs typeface="Arial" panose="020B0604020202020204" pitchFamily="34" charset="0"/>
                   </a:rPr>
-                  <a:t>(Solo5)</a:t>
+                  <a:t>Solo5</a:t>
                 </a:r>
                 <a:endParaRPr lang="ja-JP" altLang="en-US" sz="2000" dirty="0">
                   <a:solidFill>
@@ -30495,19 +32119,6 @@
                     <a:cs typeface="Arial" panose="020B0604020202020204" pitchFamily="34" charset="0"/>
                   </a:rPr>
                   <a:t>Rumprun</a:t>
-                </a:r>
-                <a:r>
-                  <a:rPr lang="ja-JP" altLang="en-US" sz="2000" dirty="0" smtClean="0">
-                    <a:solidFill>
-                      <a:schemeClr val="tx1">
-                        <a:lumMod val="65000"/>
-                        <a:lumOff val="35000"/>
-                      </a:schemeClr>
-                    </a:solidFill>
-                    <a:latin typeface="Arial" panose="020B0604020202020204" pitchFamily="34" charset="0"/>
-                    <a:cs typeface="Arial" panose="020B0604020202020204" pitchFamily="34" charset="0"/>
-                  </a:rPr>
-                  <a:t>等</a:t>
                 </a:r>
                 <a:r>
                   <a:rPr lang="en-US" altLang="ja-JP" sz="2000" dirty="0" smtClean="0">
